--- a/Slides/AJP - Unit 1 - Java Networking.pptx
+++ b/Slides/AJP - Unit 1 - Java Networking.pptx
@@ -183,7 +183,7 @@
   </p:defaultTextStyle>
   <p:extLst>
     <p:ext uri="{EFAFB233-063F-42B5-8137-9DF3F51BA10A}">
-      <p15:sldGuideLst xmlns:p15="http://schemas.microsoft.com/office/powerpoint/2012/main" xmlns=""/>
+      <p15:sldGuideLst xmlns="" xmlns:p15="http://schemas.microsoft.com/office/powerpoint/2012/main"/>
     </p:ext>
   </p:extLst>
 </p:presentation>
@@ -4170,18 +4170,7 @@
                 <a:ea typeface="Cascadia Code PL SemiBold" pitchFamily="49" charset="0"/>
                 <a:cs typeface="Cascadia Code PL SemiBold" pitchFamily="49" charset="0"/>
               </a:rPr>
-              <a:t>Advance </a:t>
-            </a:r>
-            <a:r>
-              <a:rPr lang="en-IN" sz="3200" dirty="0" smtClean="0">
-                <a:solidFill>
-                  <a:srgbClr val="002060"/>
-                </a:solidFill>
-                <a:latin typeface="Cascadia Code PL SemiBold" pitchFamily="49" charset="0"/>
-                <a:ea typeface="Cascadia Code PL SemiBold" pitchFamily="49" charset="0"/>
-                <a:cs typeface="Cascadia Code PL SemiBold" pitchFamily="49" charset="0"/>
-              </a:rPr>
-              <a:t>Networking</a:t>
+              <a:t>Advance Networking</a:t>
             </a:r>
             <a:endParaRPr lang="en-IN" sz="3200" dirty="0">
               <a:solidFill>
@@ -10646,6 +10635,13 @@
   <p:clrMapOvr>
     <a:masterClrMapping/>
   </p:clrMapOvr>
+  <p:timing>
+    <p:tnLst>
+      <p:par>
+        <p:cTn id="1" dur="indefinite" restart="never" nodeType="tmRoot"/>
+      </p:par>
+    </p:tnLst>
+  </p:timing>
 </p:sld>
 </file>
 
@@ -10752,6 +10748,13 @@
   <p:clrMapOvr>
     <a:masterClrMapping/>
   </p:clrMapOvr>
+  <p:timing>
+    <p:tnLst>
+      <p:par>
+        <p:cTn id="1" dur="indefinite" restart="never" nodeType="tmRoot"/>
+      </p:par>
+    </p:tnLst>
+  </p:timing>
 </p:sld>
 </file>
 
@@ -10966,6 +10969,13 @@
   <p:clrMapOvr>
     <a:masterClrMapping/>
   </p:clrMapOvr>
+  <p:timing>
+    <p:tnLst>
+      <p:par>
+        <p:cTn id="1" dur="indefinite" restart="never" nodeType="tmRoot"/>
+      </p:par>
+    </p:tnLst>
+  </p:timing>
 </p:sld>
 </file>
 
@@ -11083,14 +11093,7 @@
                 <a:latin typeface="Courier New" pitchFamily="49" charset="0"/>
                 <a:cs typeface="Courier New" pitchFamily="49" charset="0"/>
               </a:rPr>
-              <a:t>public </a:t>
-            </a:r>
-            <a:r>
-              <a:rPr lang="en-IN" sz="2000" b="1" dirty="0" smtClean="0">
-                <a:latin typeface="Courier New" pitchFamily="49" charset="0"/>
-                <a:cs typeface="Courier New" pitchFamily="49" charset="0"/>
-              </a:rPr>
-              <a:t>static void main(String </a:t>
+              <a:t>public static void main(String </a:t>
             </a:r>
             <a:r>
               <a:rPr lang="en-IN" sz="2000" b="1" dirty="0" err="1" smtClean="0">
@@ -11117,14 +11120,7 @@
                 <a:latin typeface="Courier New" pitchFamily="49" charset="0"/>
                 <a:cs typeface="Courier New" pitchFamily="49" charset="0"/>
               </a:rPr>
-              <a:t> </a:t>
-            </a:r>
-            <a:r>
-              <a:rPr lang="en-IN" sz="2000" b="1" dirty="0" smtClean="0">
-                <a:latin typeface="Courier New" pitchFamily="49" charset="0"/>
-                <a:cs typeface="Courier New" pitchFamily="49" charset="0"/>
-              </a:rPr>
-              <a:t>	throws </a:t>
+              <a:t> 	throws </a:t>
             </a:r>
             <a:r>
               <a:rPr lang="en-IN" sz="2000" b="1" dirty="0" err="1" smtClean="0">
@@ -11150,10 +11146,6 @@
               </a:rPr>
               <a:t> {</a:t>
             </a:r>
-            <a:endParaRPr lang="en-IN" sz="2000" b="1" dirty="0" smtClean="0">
-              <a:latin typeface="Courier New" pitchFamily="49" charset="0"/>
-              <a:cs typeface="Courier New" pitchFamily="49" charset="0"/>
-            </a:endParaRPr>
           </a:p>
           <a:p>
             <a:pPr marL="0" indent="0">
@@ -11179,14 +11171,7 @@
                 <a:latin typeface="Courier New" pitchFamily="49" charset="0"/>
                 <a:cs typeface="Courier New" pitchFamily="49" charset="0"/>
               </a:rPr>
-              <a:t> </a:t>
-            </a:r>
-            <a:r>
-              <a:rPr lang="en-IN" sz="2000" dirty="0" smtClean="0">
-                <a:latin typeface="Courier New" pitchFamily="49" charset="0"/>
-                <a:cs typeface="Courier New" pitchFamily="49" charset="0"/>
-              </a:rPr>
-              <a:t>Address = </a:t>
+              <a:t> Address = </a:t>
             </a:r>
             <a:r>
               <a:rPr lang="en-IN" sz="2000" dirty="0" err="1" smtClean="0">
@@ -11227,14 +11212,7 @@
                 <a:latin typeface="Courier New" pitchFamily="49" charset="0"/>
                 <a:cs typeface="Courier New" pitchFamily="49" charset="0"/>
               </a:rPr>
-              <a:t>(Address</a:t>
-            </a:r>
-            <a:r>
-              <a:rPr lang="en-IN" sz="2000" dirty="0" smtClean="0">
-                <a:latin typeface="Courier New" pitchFamily="49" charset="0"/>
-                <a:cs typeface="Courier New" pitchFamily="49" charset="0"/>
-              </a:rPr>
-              <a:t>);</a:t>
+              <a:t>(Address);</a:t>
             </a:r>
           </a:p>
           <a:p>
@@ -11254,26 +11232,8 @@
                 <a:latin typeface="Courier New" pitchFamily="49" charset="0"/>
                 <a:cs typeface="Courier New" pitchFamily="49" charset="0"/>
               </a:rPr>
-              <a:t>  </a:t>
-            </a:r>
-            <a:r>
-              <a:rPr lang="en-IN" sz="2000" dirty="0" smtClean="0">
-                <a:latin typeface="Courier New" pitchFamily="49" charset="0"/>
-                <a:cs typeface="Courier New" pitchFamily="49" charset="0"/>
-              </a:rPr>
-              <a:t>Address </a:t>
-            </a:r>
-            <a:r>
-              <a:rPr lang="en-IN" sz="2000" dirty="0" smtClean="0">
-                <a:latin typeface="Courier New" pitchFamily="49" charset="0"/>
-                <a:cs typeface="Courier New" pitchFamily="49" charset="0"/>
-              </a:rPr>
-              <a:t>= </a:t>
-            </a:r>
-            <a:endParaRPr lang="en-IN" sz="2000" dirty="0" smtClean="0">
-              <a:latin typeface="Courier New" pitchFamily="49" charset="0"/>
-              <a:cs typeface="Courier New" pitchFamily="49" charset="0"/>
-            </a:endParaRPr>
+              <a:t>  Address = </a:t>
+            </a:r>
           </a:p>
           <a:p>
             <a:pPr marL="0" indent="0">
@@ -11306,21 +11266,7 @@
                 <a:latin typeface="Courier New" pitchFamily="49" charset="0"/>
                 <a:cs typeface="Courier New" pitchFamily="49" charset="0"/>
               </a:rPr>
-              <a:t>("</a:t>
-            </a:r>
-            <a:r>
-              <a:rPr lang="en-IN" sz="2000" dirty="0" smtClean="0">
-                <a:latin typeface="Courier New" pitchFamily="49" charset="0"/>
-                <a:cs typeface="Courier New" pitchFamily="49" charset="0"/>
-              </a:rPr>
-              <a:t>www.google.com</a:t>
-            </a:r>
-            <a:r>
-              <a:rPr lang="en-IN" sz="2000" dirty="0" smtClean="0">
-                <a:latin typeface="Courier New" pitchFamily="49" charset="0"/>
-                <a:cs typeface="Courier New" pitchFamily="49" charset="0"/>
-              </a:rPr>
-              <a:t>");</a:t>
+              <a:t>("www.google.com");</a:t>
             </a:r>
           </a:p>
           <a:p>
@@ -11347,14 +11293,7 @@
                 <a:latin typeface="Courier New" pitchFamily="49" charset="0"/>
                 <a:cs typeface="Courier New" pitchFamily="49" charset="0"/>
               </a:rPr>
-              <a:t>(Address</a:t>
-            </a:r>
-            <a:r>
-              <a:rPr lang="en-IN" sz="2000" dirty="0" smtClean="0">
-                <a:latin typeface="Courier New" pitchFamily="49" charset="0"/>
-                <a:cs typeface="Courier New" pitchFamily="49" charset="0"/>
-              </a:rPr>
-              <a:t>);</a:t>
+              <a:t>(Address);</a:t>
             </a:r>
           </a:p>
           <a:p>
@@ -11388,19 +11327,8 @@
                 <a:latin typeface="Courier New" pitchFamily="49" charset="0"/>
                 <a:cs typeface="Courier New" pitchFamily="49" charset="0"/>
               </a:rPr>
-              <a:t> </a:t>
-            </a:r>
-            <a:r>
-              <a:rPr lang="en-IN" sz="2000" dirty="0" smtClean="0">
-                <a:latin typeface="Courier New" pitchFamily="49" charset="0"/>
-                <a:cs typeface="Courier New" pitchFamily="49" charset="0"/>
-              </a:rPr>
-              <a:t>SW[] = </a:t>
-            </a:r>
-            <a:endParaRPr lang="en-IN" sz="2000" dirty="0" smtClean="0">
-              <a:latin typeface="Courier New" pitchFamily="49" charset="0"/>
-              <a:cs typeface="Courier New" pitchFamily="49" charset="0"/>
-            </a:endParaRPr>
+              <a:t> SW[] = </a:t>
+            </a:r>
           </a:p>
           <a:p>
             <a:pPr marL="0" indent="0">
@@ -11453,21 +11381,7 @@
                 <a:latin typeface="Courier New" pitchFamily="49" charset="0"/>
                 <a:cs typeface="Courier New" pitchFamily="49" charset="0"/>
               </a:rPr>
-              <a:t>  </a:t>
-            </a:r>
-            <a:r>
-              <a:rPr lang="en-IN" sz="2000" dirty="0" smtClean="0">
-                <a:latin typeface="Courier New" pitchFamily="49" charset="0"/>
-                <a:cs typeface="Courier New" pitchFamily="49" charset="0"/>
-              </a:rPr>
-              <a:t>for </a:t>
-            </a:r>
-            <a:r>
-              <a:rPr lang="en-IN" sz="2000" dirty="0" smtClean="0">
-                <a:latin typeface="Courier New" pitchFamily="49" charset="0"/>
-                <a:cs typeface="Courier New" pitchFamily="49" charset="0"/>
-              </a:rPr>
-              <a:t>(</a:t>
+              <a:t>  for (</a:t>
             </a:r>
             <a:r>
               <a:rPr lang="en-IN" sz="2000" dirty="0" err="1" smtClean="0">
@@ -11508,14 +11422,7 @@
                 <a:latin typeface="Courier New" pitchFamily="49" charset="0"/>
                 <a:cs typeface="Courier New" pitchFamily="49" charset="0"/>
               </a:rPr>
-              <a:t>    </a:t>
-            </a:r>
-            <a:r>
-              <a:rPr lang="en-IN" sz="2000" dirty="0" smtClean="0">
-                <a:latin typeface="Courier New" pitchFamily="49" charset="0"/>
-                <a:cs typeface="Courier New" pitchFamily="49" charset="0"/>
-              </a:rPr>
-              <a:t>	</a:t>
+              <a:t>    	</a:t>
             </a:r>
             <a:r>
               <a:rPr lang="en-IN" sz="2000" dirty="0" err="1" smtClean="0">
@@ -11544,10 +11451,6 @@
               </a:rPr>
               <a:t> }</a:t>
             </a:r>
-            <a:endParaRPr lang="en-IN" sz="2000" b="1" dirty="0" smtClean="0">
-              <a:latin typeface="Courier New" pitchFamily="49" charset="0"/>
-              <a:cs typeface="Courier New" pitchFamily="49" charset="0"/>
-            </a:endParaRPr>
           </a:p>
           <a:p>
             <a:pPr marL="0" indent="0">
@@ -11581,6 +11484,13 @@
   <p:clrMapOvr>
     <a:masterClrMapping/>
   </p:clrMapOvr>
+  <p:timing>
+    <p:tnLst>
+      <p:par>
+        <p:cTn id="1" dur="indefinite" restart="never" nodeType="tmRoot"/>
+      </p:par>
+    </p:tnLst>
+  </p:timing>
 </p:sld>
 </file>
 
@@ -11681,14 +11591,7 @@
                 <a:latin typeface="Courier New" pitchFamily="49" charset="0"/>
                 <a:cs typeface="Courier New" pitchFamily="49" charset="0"/>
               </a:rPr>
-              <a:t>  public </a:t>
-            </a:r>
-            <a:r>
-              <a:rPr lang="en-IN" sz="2000" b="1" dirty="0" smtClean="0">
-                <a:latin typeface="Courier New" pitchFamily="49" charset="0"/>
-                <a:cs typeface="Courier New" pitchFamily="49" charset="0"/>
-              </a:rPr>
-              <a:t>static void main(String </a:t>
+              <a:t>  public static void main(String </a:t>
             </a:r>
             <a:r>
               <a:rPr lang="en-IN" sz="2000" b="1" dirty="0" err="1" smtClean="0">
@@ -11741,10 +11644,6 @@
               </a:rPr>
               <a:t>  {</a:t>
             </a:r>
-            <a:endParaRPr lang="en-IN" sz="2000" b="1" dirty="0" smtClean="0">
-              <a:latin typeface="Courier New" pitchFamily="49" charset="0"/>
-              <a:cs typeface="Courier New" pitchFamily="49" charset="0"/>
-            </a:endParaRPr>
           </a:p>
           <a:p>
             <a:pPr marL="0" indent="0">
@@ -11770,14 +11669,7 @@
                 <a:latin typeface="Courier New" pitchFamily="49" charset="0"/>
                 <a:cs typeface="Courier New" pitchFamily="49" charset="0"/>
               </a:rPr>
-              <a:t> </a:t>
-            </a:r>
-            <a:r>
-              <a:rPr lang="en-IN" sz="2000" dirty="0" smtClean="0">
-                <a:latin typeface="Courier New" pitchFamily="49" charset="0"/>
-                <a:cs typeface="Courier New" pitchFamily="49" charset="0"/>
-              </a:rPr>
-              <a:t>Address = 		</a:t>
+              <a:t> Address = 		</a:t>
             </a:r>
           </a:p>
           <a:p>
@@ -11967,19 +11859,8 @@
                 <a:latin typeface="Courier New" pitchFamily="49" charset="0"/>
                 <a:cs typeface="Courier New" pitchFamily="49" charset="0"/>
               </a:rPr>
-              <a:t> </a:t>
-            </a:r>
-            <a:r>
-              <a:rPr lang="en-IN" sz="2000" b="1" dirty="0" smtClean="0">
-                <a:latin typeface="Courier New" pitchFamily="49" charset="0"/>
-                <a:cs typeface="Courier New" pitchFamily="49" charset="0"/>
-              </a:rPr>
-              <a:t>}</a:t>
-            </a:r>
-            <a:endParaRPr lang="en-IN" sz="2000" b="1" dirty="0" smtClean="0">
-              <a:latin typeface="Courier New" pitchFamily="49" charset="0"/>
-              <a:cs typeface="Courier New" pitchFamily="49" charset="0"/>
-            </a:endParaRPr>
+              <a:t> }</a:t>
+            </a:r>
           </a:p>
           <a:p>
             <a:pPr marL="0" indent="0">
@@ -12009,6 +11890,13 @@
   <p:clrMapOvr>
     <a:masterClrMapping/>
   </p:clrMapOvr>
+  <p:timing>
+    <p:tnLst>
+      <p:par>
+        <p:cTn id="1" dur="indefinite" restart="never" nodeType="tmRoot"/>
+      </p:par>
+    </p:tnLst>
+  </p:timing>
 </p:sld>
 </file>
 
@@ -12174,6 +12062,13 @@
   <p:clrMapOvr>
     <a:masterClrMapping/>
   </p:clrMapOvr>
+  <p:timing>
+    <p:tnLst>
+      <p:par>
+        <p:cTn id="1" dur="indefinite" restart="never" nodeType="tmRoot"/>
+      </p:par>
+    </p:tnLst>
+  </p:timing>
 </p:sld>
 </file>
 
@@ -13310,13 +13205,7 @@
                 <a:rPr lang="en-US" sz="2400" dirty="0" smtClean="0">
                   <a:latin typeface="+mj-lt"/>
                 </a:rPr>
-                <a:t>” or </a:t>
-              </a:r>
-              <a:r>
-                <a:rPr lang="en-US" sz="2400" dirty="0" smtClean="0">
-                  <a:latin typeface="+mj-lt"/>
-                </a:rPr>
-                <a:t>“</a:t>
+                <a:t>” or “</a:t>
               </a:r>
               <a:r>
                 <a:rPr lang="en-US" sz="2400" dirty="0" err="1" smtClean="0">
@@ -13368,7 +13257,7 @@
               <a:graphicData uri="http://schemas.openxmlformats.org/presentationml/2006/ole">
                 <mc:AlternateContent xmlns:mc="http://schemas.openxmlformats.org/markup-compatibility/2006">
                   <mc:Choice xmlns:v="urn:schemas-microsoft-com:vml" Requires="v">
-                    <p:oleObj spid="_x0000_s3158" name="Microsoft ClipArt Gallery" r:id="rId4" imgW="4006850" imgH="3192463" progId="MS_ClipArt_Gallery">
+                    <p:oleObj spid="_x0000_s3162" name="Microsoft ClipArt Gallery" r:id="rId4" imgW="4006850" imgH="3192463" progId="MS_ClipArt_Gallery">
                       <p:embed/>
                     </p:oleObj>
                   </mc:Choice>
@@ -13547,7 +13436,7 @@
               <a:graphicData uri="http://schemas.openxmlformats.org/presentationml/2006/ole">
                 <mc:AlternateContent xmlns:mc="http://schemas.openxmlformats.org/markup-compatibility/2006">
                   <mc:Choice xmlns:v="urn:schemas-microsoft-com:vml" Requires="v">
-                    <p:oleObj spid="_x0000_s3159" name="Microsoft ClipArt Gallery" r:id="rId6" imgW="4183063" imgH="3216275" progId="MS_ClipArt_Gallery">
+                    <p:oleObj spid="_x0000_s3163" name="Microsoft ClipArt Gallery" r:id="rId6" imgW="4183063" imgH="3216275" progId="MS_ClipArt_Gallery">
                       <p:embed/>
                     </p:oleObj>
                   </mc:Choice>
@@ -13756,7 +13645,6 @@
               <a:rPr lang="en-IN" dirty="0"/>
               <a:t>JAVA NETWORKING</a:t>
             </a:r>
-            <a:endParaRPr lang="en-IN" dirty="0"/>
           </a:p>
         </p:txBody>
       </p:sp>
@@ -14472,7 +14360,7 @@
           <p:cNvPr id="10" name="Content Placeholder 9">
             <a:extLst>
               <a:ext uri="{FF2B5EF4-FFF2-40B4-BE49-F238E27FC236}">
-                <a16:creationId xmlns="" xmlns:a16="http://schemas.microsoft.com/office/drawing/2014/main" id="{0A22B6D8-9073-4E8C-972E-50F620F31FD1}"/>
+                <a16:creationId xmlns:a16="http://schemas.microsoft.com/office/drawing/2014/main" xmlns="" id="{0A22B6D8-9073-4E8C-972E-50F620F31FD1}"/>
               </a:ext>
             </a:extLst>
           </p:cNvPr>
@@ -14502,14 +14390,14 @@
                 <a:gridCol w="3947160">
                   <a:extLst>
                     <a:ext uri="{9D8B030D-6E8A-4147-A177-3AD203B41FA5}">
-                      <a16:colId xmlns="" xmlns:a16="http://schemas.microsoft.com/office/drawing/2014/main" val="4148119606"/>
+                      <a16:colId xmlns:a16="http://schemas.microsoft.com/office/drawing/2014/main" xmlns="" val="4148119606"/>
                     </a:ext>
                   </a:extLst>
                 </a:gridCol>
                 <a:gridCol w="3947160">
                   <a:extLst>
                     <a:ext uri="{9D8B030D-6E8A-4147-A177-3AD203B41FA5}">
-                      <a16:colId xmlns="" xmlns:a16="http://schemas.microsoft.com/office/drawing/2014/main" val="2229028685"/>
+                      <a16:colId xmlns:a16="http://schemas.microsoft.com/office/drawing/2014/main" xmlns="" val="2229028685"/>
                     </a:ext>
                   </a:extLst>
                 </a:gridCol>
@@ -14563,7 +14451,7 @@
                 </a:tc>
                 <a:extLst>
                   <a:ext uri="{0D108BD9-81ED-4DB2-BD59-A6C34878D82A}">
-                    <a16:rowId xmlns="" xmlns:a16="http://schemas.microsoft.com/office/drawing/2014/main" val="2494029403"/>
+                    <a16:rowId xmlns:a16="http://schemas.microsoft.com/office/drawing/2014/main" xmlns="" val="2494029403"/>
                   </a:ext>
                 </a:extLst>
               </a:tr>
@@ -14652,7 +14540,7 @@
                 </a:tc>
                 <a:extLst>
                   <a:ext uri="{0D108BD9-81ED-4DB2-BD59-A6C34878D82A}">
-                    <a16:rowId xmlns="" xmlns:a16="http://schemas.microsoft.com/office/drawing/2014/main" val="3295108235"/>
+                    <a16:rowId xmlns:a16="http://schemas.microsoft.com/office/drawing/2014/main" xmlns="" val="3295108235"/>
                   </a:ext>
                 </a:extLst>
               </a:tr>
@@ -14741,7 +14629,7 @@
                 </a:tc>
                 <a:extLst>
                   <a:ext uri="{0D108BD9-81ED-4DB2-BD59-A6C34878D82A}">
-                    <a16:rowId xmlns="" xmlns:a16="http://schemas.microsoft.com/office/drawing/2014/main" val="4188004682"/>
+                    <a16:rowId xmlns:a16="http://schemas.microsoft.com/office/drawing/2014/main" xmlns="" val="4188004682"/>
                   </a:ext>
                 </a:extLst>
               </a:tr>
@@ -14794,7 +14682,7 @@
                 </a:tc>
                 <a:extLst>
                   <a:ext uri="{0D108BD9-81ED-4DB2-BD59-A6C34878D82A}">
-                    <a16:rowId xmlns="" xmlns:a16="http://schemas.microsoft.com/office/drawing/2014/main" val="2535505752"/>
+                    <a16:rowId xmlns:a16="http://schemas.microsoft.com/office/drawing/2014/main" xmlns="" val="2535505752"/>
                   </a:ext>
                 </a:extLst>
               </a:tr>
@@ -14835,7 +14723,6 @@
               <a:rPr lang="en-US" dirty="0"/>
               <a:t> between the machines. The Socket class can be used to create a socket.</a:t>
             </a:r>
-            <a:endParaRPr lang="en-US" dirty="0"/>
           </a:p>
         </p:txBody>
       </p:sp>
@@ -14951,7 +14838,7 @@
           <p:cNvPr id="7" name="Content Placeholder 6">
             <a:extLst>
               <a:ext uri="{FF2B5EF4-FFF2-40B4-BE49-F238E27FC236}">
-                <a16:creationId xmlns="" xmlns:a16="http://schemas.microsoft.com/office/drawing/2014/main" id="{3A511582-0FFE-4E4B-8EF0-728CE85CB01F}"/>
+                <a16:creationId xmlns:a16="http://schemas.microsoft.com/office/drawing/2014/main" xmlns="" id="{3A511582-0FFE-4E4B-8EF0-728CE85CB01F}"/>
               </a:ext>
             </a:extLst>
           </p:cNvPr>
@@ -14981,14 +14868,14 @@
                 <a:gridCol w="4038600">
                   <a:extLst>
                     <a:ext uri="{9D8B030D-6E8A-4147-A177-3AD203B41FA5}">
-                      <a16:colId xmlns="" xmlns:a16="http://schemas.microsoft.com/office/drawing/2014/main" val="4094094059"/>
+                      <a16:colId xmlns:a16="http://schemas.microsoft.com/office/drawing/2014/main" xmlns="" val="4094094059"/>
                     </a:ext>
                   </a:extLst>
                 </a:gridCol>
                 <a:gridCol w="4038600">
                   <a:extLst>
                     <a:ext uri="{9D8B030D-6E8A-4147-A177-3AD203B41FA5}">
-                      <a16:colId xmlns="" xmlns:a16="http://schemas.microsoft.com/office/drawing/2014/main" val="162500616"/>
+                      <a16:colId xmlns:a16="http://schemas.microsoft.com/office/drawing/2014/main" xmlns="" val="162500616"/>
                     </a:ext>
                   </a:extLst>
                 </a:gridCol>
@@ -15042,7 +14929,7 @@
                 </a:tc>
                 <a:extLst>
                   <a:ext uri="{0D108BD9-81ED-4DB2-BD59-A6C34878D82A}">
-                    <a16:rowId xmlns="" xmlns:a16="http://schemas.microsoft.com/office/drawing/2014/main" val="3727081214"/>
+                    <a16:rowId xmlns:a16="http://schemas.microsoft.com/office/drawing/2014/main" xmlns="" val="3727081214"/>
                   </a:ext>
                 </a:extLst>
               </a:tr>
@@ -15095,7 +14982,7 @@
                 </a:tc>
                 <a:extLst>
                   <a:ext uri="{0D108BD9-81ED-4DB2-BD59-A6C34878D82A}">
-                    <a16:rowId xmlns="" xmlns:a16="http://schemas.microsoft.com/office/drawing/2014/main" val="836399312"/>
+                    <a16:rowId xmlns:a16="http://schemas.microsoft.com/office/drawing/2014/main" xmlns="" val="836399312"/>
                   </a:ext>
                 </a:extLst>
               </a:tr>
@@ -15148,7 +15035,7 @@
                 </a:tc>
                 <a:extLst>
                   <a:ext uri="{0D108BD9-81ED-4DB2-BD59-A6C34878D82A}">
-                    <a16:rowId xmlns="" xmlns:a16="http://schemas.microsoft.com/office/drawing/2014/main" val="1673196544"/>
+                    <a16:rowId xmlns:a16="http://schemas.microsoft.com/office/drawing/2014/main" xmlns="" val="1673196544"/>
                   </a:ext>
                 </a:extLst>
               </a:tr>
@@ -15655,19 +15542,8 @@
                 <a:latin typeface="Courier New" pitchFamily="49" charset="0"/>
                 <a:cs typeface="Courier New" pitchFamily="49" charset="0"/>
               </a:rPr>
-              <a:t> </a:t>
-            </a:r>
-            <a:r>
-              <a:rPr lang="en-IN" sz="2000" b="1" dirty="0" smtClean="0">
-                <a:latin typeface="Courier New" pitchFamily="49" charset="0"/>
-                <a:cs typeface="Courier New" pitchFamily="49" charset="0"/>
-              </a:rPr>
-              <a:t>{</a:t>
-            </a:r>
-            <a:endParaRPr lang="en-IN" sz="2000" b="1" dirty="0" smtClean="0">
-              <a:latin typeface="Courier New" pitchFamily="49" charset="0"/>
-              <a:cs typeface="Courier New" pitchFamily="49" charset="0"/>
-            </a:endParaRPr>
+              <a:t> {</a:t>
+            </a:r>
           </a:p>
           <a:p>
             <a:pPr marL="400050" lvl="1" indent="0">
@@ -15694,19 +15570,8 @@
                 <a:latin typeface="Courier New" pitchFamily="49" charset="0"/>
                 <a:cs typeface="Courier New" pitchFamily="49" charset="0"/>
               </a:rPr>
-              <a:t>[  ]) throws Exception </a:t>
-            </a:r>
-            <a:r>
-              <a:rPr lang="en-IN" sz="2000" b="1" dirty="0" smtClean="0">
-                <a:latin typeface="Courier New" pitchFamily="49" charset="0"/>
-                <a:cs typeface="Courier New" pitchFamily="49" charset="0"/>
-              </a:rPr>
-              <a:t>{</a:t>
-            </a:r>
-            <a:endParaRPr lang="en-IN" sz="2000" b="1" dirty="0" smtClean="0">
-              <a:latin typeface="Courier New" pitchFamily="49" charset="0"/>
-              <a:cs typeface="Courier New" pitchFamily="49" charset="0"/>
-            </a:endParaRPr>
+              <a:t>[  ]) throws Exception {</a:t>
+            </a:r>
           </a:p>
           <a:p>
             <a:pPr marL="800100" lvl="2" indent="0">
@@ -16110,19 +15975,8 @@
                 <a:latin typeface="Courier New" pitchFamily="49" charset="0"/>
                 <a:cs typeface="Courier New" pitchFamily="49" charset="0"/>
               </a:rPr>
-              <a:t>public class </a:t>
-            </a:r>
-            <a:r>
-              <a:rPr lang="en-IN" sz="2000" b="1" dirty="0" smtClean="0">
-                <a:latin typeface="Courier New" pitchFamily="49" charset="0"/>
-                <a:cs typeface="Courier New" pitchFamily="49" charset="0"/>
-              </a:rPr>
-              <a:t>Daytime{</a:t>
-            </a:r>
-            <a:endParaRPr lang="en-IN" sz="2000" b="1" dirty="0" smtClean="0">
-              <a:latin typeface="Courier New" pitchFamily="49" charset="0"/>
-              <a:cs typeface="Courier New" pitchFamily="49" charset="0"/>
-            </a:endParaRPr>
+              <a:t>public class Daytime{</a:t>
+            </a:r>
           </a:p>
           <a:p>
             <a:pPr marL="0" indent="0">
@@ -16149,14 +16003,7 @@
                 <a:latin typeface="Courier New" pitchFamily="49" charset="0"/>
                 <a:cs typeface="Courier New" pitchFamily="49" charset="0"/>
               </a:rPr>
-              <a:t>) throws </a:t>
-            </a:r>
-            <a:r>
-              <a:rPr lang="en-IN" sz="2000" b="1" dirty="0" smtClean="0">
-                <a:latin typeface="Courier New" pitchFamily="49" charset="0"/>
-                <a:cs typeface="Courier New" pitchFamily="49" charset="0"/>
-              </a:rPr>
-              <a:t>Exception  {</a:t>
+              <a:t>) throws Exception  {</a:t>
             </a:r>
           </a:p>
           <a:p>
@@ -16177,35 +16024,21 @@
                 <a:latin typeface="Courier New" pitchFamily="49" charset="0"/>
                 <a:cs typeface="Courier New" pitchFamily="49" charset="0"/>
               </a:rPr>
-              <a:t> </a:t>
+              <a:t> Socket </a:t>
+            </a:r>
+            <a:r>
+              <a:rPr lang="en-IN" sz="2000" dirty="0" err="1" smtClean="0">
+                <a:latin typeface="Courier New" pitchFamily="49" charset="0"/>
+                <a:cs typeface="Courier New" pitchFamily="49" charset="0"/>
+              </a:rPr>
+              <a:t>theSocket</a:t>
             </a:r>
             <a:r>
               <a:rPr lang="en-IN" sz="2000" dirty="0" smtClean="0">
                 <a:latin typeface="Courier New" pitchFamily="49" charset="0"/>
                 <a:cs typeface="Courier New" pitchFamily="49" charset="0"/>
               </a:rPr>
-              <a:t>Socket </a:t>
-            </a:r>
-            <a:r>
-              <a:rPr lang="en-IN" sz="2000" dirty="0" err="1" smtClean="0">
-                <a:latin typeface="Courier New" pitchFamily="49" charset="0"/>
-                <a:cs typeface="Courier New" pitchFamily="49" charset="0"/>
-              </a:rPr>
-              <a:t>theSocket</a:t>
-            </a:r>
-            <a:r>
-              <a:rPr lang="en-IN" sz="2000" dirty="0" smtClean="0">
-                <a:latin typeface="Courier New" pitchFamily="49" charset="0"/>
-                <a:cs typeface="Courier New" pitchFamily="49" charset="0"/>
-              </a:rPr>
-              <a:t> = new Socket("time.nist.gov", 13</a:t>
-            </a:r>
-            <a:r>
-              <a:rPr lang="en-IN" sz="2000" dirty="0" smtClean="0">
-                <a:latin typeface="Courier New" pitchFamily="49" charset="0"/>
-                <a:cs typeface="Courier New" pitchFamily="49" charset="0"/>
-              </a:rPr>
-              <a:t>);</a:t>
+              <a:t> = new Socket("time.nist.gov", 13);</a:t>
             </a:r>
           </a:p>
           <a:p>
@@ -16270,10 +16103,6 @@
               </a:rPr>
               <a:t>();</a:t>
             </a:r>
-            <a:endParaRPr lang="en-IN" sz="2000" dirty="0" smtClean="0">
-              <a:latin typeface="Courier New" pitchFamily="49" charset="0"/>
-              <a:cs typeface="Courier New" pitchFamily="49" charset="0"/>
-            </a:endParaRPr>
           </a:p>
           <a:p>
             <a:pPr marL="363538" indent="0">
@@ -16293,14 +16122,7 @@
                 <a:latin typeface="Courier New" pitchFamily="49" charset="0"/>
                 <a:cs typeface="Courier New" pitchFamily="49" charset="0"/>
               </a:rPr>
-              <a:t> </a:t>
-            </a:r>
-            <a:r>
-              <a:rPr lang="en-IN" sz="2000" dirty="0" smtClean="0">
-                <a:latin typeface="Courier New" pitchFamily="49" charset="0"/>
-                <a:cs typeface="Courier New" pitchFamily="49" charset="0"/>
-              </a:rPr>
-              <a:t>time = new </a:t>
+              <a:t> time = new </a:t>
             </a:r>
             <a:r>
               <a:rPr lang="en-IN" sz="2000" dirty="0" err="1" smtClean="0">
@@ -16335,14 +16157,7 @@
                 <a:latin typeface="Courier New" pitchFamily="49" charset="0"/>
                 <a:cs typeface="Courier New" pitchFamily="49" charset="0"/>
               </a:rPr>
-              <a:t> </a:t>
-            </a:r>
-            <a:r>
-              <a:rPr lang="en-IN" sz="2000" dirty="0" smtClean="0">
-                <a:latin typeface="Courier New" pitchFamily="49" charset="0"/>
-                <a:cs typeface="Courier New" pitchFamily="49" charset="0"/>
-              </a:rPr>
-              <a:t>c;</a:t>
+              <a:t> c;</a:t>
             </a:r>
           </a:p>
           <a:p>
@@ -16356,35 +16171,21 @@
                 <a:latin typeface="Courier New" pitchFamily="49" charset="0"/>
                 <a:cs typeface="Courier New" pitchFamily="49" charset="0"/>
               </a:rPr>
-              <a:t>while </a:t>
+              <a:t>while ((c = </a:t>
+            </a:r>
+            <a:r>
+              <a:rPr lang="en-IN" sz="2000" dirty="0" err="1" smtClean="0">
+                <a:latin typeface="Courier New" pitchFamily="49" charset="0"/>
+                <a:cs typeface="Courier New" pitchFamily="49" charset="0"/>
+              </a:rPr>
+              <a:t>timeStream.read</a:t>
             </a:r>
             <a:r>
               <a:rPr lang="en-IN" sz="2000" dirty="0" smtClean="0">
                 <a:latin typeface="Courier New" pitchFamily="49" charset="0"/>
                 <a:cs typeface="Courier New" pitchFamily="49" charset="0"/>
               </a:rPr>
-              <a:t>((c = </a:t>
-            </a:r>
-            <a:r>
-              <a:rPr lang="en-IN" sz="2000" dirty="0" err="1" smtClean="0">
-                <a:latin typeface="Courier New" pitchFamily="49" charset="0"/>
-                <a:cs typeface="Courier New" pitchFamily="49" charset="0"/>
-              </a:rPr>
-              <a:t>timeStream.read</a:t>
-            </a:r>
-            <a:r>
-              <a:rPr lang="en-IN" sz="2000" dirty="0" smtClean="0">
-                <a:latin typeface="Courier New" pitchFamily="49" charset="0"/>
-                <a:cs typeface="Courier New" pitchFamily="49" charset="0"/>
-              </a:rPr>
-              <a:t>( )) != -1) </a:t>
-            </a:r>
-            <a:r>
-              <a:rPr lang="en-IN" sz="2000" dirty="0" smtClean="0">
-                <a:latin typeface="Courier New" pitchFamily="49" charset="0"/>
-                <a:cs typeface="Courier New" pitchFamily="49" charset="0"/>
-              </a:rPr>
-              <a:t>	</a:t>
+              <a:t>( )) != -1) 	</a:t>
             </a:r>
             <a:r>
               <a:rPr lang="en-IN" sz="2000" dirty="0" err="1" smtClean="0">
@@ -18233,7 +18034,7 @@
           <p:cNvPr id="2" name="Title 1">
             <a:extLst>
               <a:ext uri="{FF2B5EF4-FFF2-40B4-BE49-F238E27FC236}">
-                <a16:creationId xmlns="" xmlns:a16="http://schemas.microsoft.com/office/drawing/2014/main" id="{E6AF8411-4398-481F-8237-1FA6A6006CB0}"/>
+                <a16:creationId xmlns:a16="http://schemas.microsoft.com/office/drawing/2014/main" xmlns="" id="{E6AF8411-4398-481F-8237-1FA6A6006CB0}"/>
               </a:ext>
             </a:extLst>
           </p:cNvPr>
@@ -18267,7 +18068,7 @@
           <p:cNvPr id="4" name="Rectangle 3">
             <a:extLst>
               <a:ext uri="{FF2B5EF4-FFF2-40B4-BE49-F238E27FC236}">
-                <a16:creationId xmlns="" xmlns:a16="http://schemas.microsoft.com/office/drawing/2014/main" id="{46E5D5D9-5990-4083-96F8-7167991DDF96}"/>
+                <a16:creationId xmlns:a16="http://schemas.microsoft.com/office/drawing/2014/main" xmlns="" id="{46E5D5D9-5990-4083-96F8-7167991DDF96}"/>
               </a:ext>
             </a:extLst>
           </p:cNvPr>
@@ -18529,14 +18330,7 @@
                 <a:latin typeface="Courier New" pitchFamily="49" charset="0"/>
                 <a:cs typeface="Courier New" pitchFamily="49" charset="0"/>
               </a:rPr>
-              <a:t>  S</a:t>
-            </a:r>
-            <a:r>
-              <a:rPr lang="en-IN" sz="2400" dirty="0" smtClean="0">
-                <a:latin typeface="Courier New" pitchFamily="49" charset="0"/>
-                <a:cs typeface="Courier New" pitchFamily="49" charset="0"/>
-              </a:rPr>
-              <a:t>ocket</a:t>
+              <a:t>  Socket</a:t>
             </a:r>
             <a:r>
               <a:rPr lang="en-IN" sz="2400" dirty="0">
@@ -18861,7 +18655,7 @@
           <p:cNvPr id="5" name="Rectangle: Rounded Corners 4">
             <a:extLst>
               <a:ext uri="{FF2B5EF4-FFF2-40B4-BE49-F238E27FC236}">
-                <a16:creationId xmlns="" xmlns:a16="http://schemas.microsoft.com/office/drawing/2014/main" id="{26C8FC72-69A2-4A2B-BF11-365292130EB4}"/>
+                <a16:creationId xmlns:a16="http://schemas.microsoft.com/office/drawing/2014/main" xmlns="" id="{26C8FC72-69A2-4A2B-BF11-365292130EB4}"/>
               </a:ext>
             </a:extLst>
           </p:cNvPr>
@@ -18949,7 +18743,7 @@
           <p:cNvPr id="2" name="Title 1">
             <a:extLst>
               <a:ext uri="{FF2B5EF4-FFF2-40B4-BE49-F238E27FC236}">
-                <a16:creationId xmlns="" xmlns:a16="http://schemas.microsoft.com/office/drawing/2014/main" id="{44027335-884C-4B99-BFAB-9FE67CD77A07}"/>
+                <a16:creationId xmlns:a16="http://schemas.microsoft.com/office/drawing/2014/main" xmlns="" id="{44027335-884C-4B99-BFAB-9FE67CD77A07}"/>
               </a:ext>
             </a:extLst>
           </p:cNvPr>
@@ -18983,7 +18777,7 @@
           <p:cNvPr id="4" name="Rectangle 3">
             <a:extLst>
               <a:ext uri="{FF2B5EF4-FFF2-40B4-BE49-F238E27FC236}">
-                <a16:creationId xmlns="" xmlns:a16="http://schemas.microsoft.com/office/drawing/2014/main" id="{F239B26C-C8FD-4F8B-9AD9-B7E47E10C0BC}"/>
+                <a16:creationId xmlns:a16="http://schemas.microsoft.com/office/drawing/2014/main" xmlns="" id="{F239B26C-C8FD-4F8B-9AD9-B7E47E10C0BC}"/>
               </a:ext>
             </a:extLst>
           </p:cNvPr>
@@ -19492,7 +19286,7 @@
           <p:cNvPr id="7" name="Rectangle: Rounded Corners 6">
             <a:extLst>
               <a:ext uri="{FF2B5EF4-FFF2-40B4-BE49-F238E27FC236}">
-                <a16:creationId xmlns="" xmlns:a16="http://schemas.microsoft.com/office/drawing/2014/main" id="{5CF51055-DF11-4C16-B202-2C98D02890D8}"/>
+                <a16:creationId xmlns:a16="http://schemas.microsoft.com/office/drawing/2014/main" xmlns="" id="{5CF51055-DF11-4C16-B202-2C98D02890D8}"/>
               </a:ext>
             </a:extLst>
           </p:cNvPr>
@@ -19654,11 +19448,7 @@
             </a:pPr>
             <a:r>
               <a:rPr lang="en-US" sz="2600" dirty="0" smtClean="0"/>
-              <a:t>URLs are just a subset of the more general concept of Uniform Resource Identifiers (URIs) which are meant to describe all points in the information </a:t>
-            </a:r>
-            <a:r>
-              <a:rPr lang="en-US" sz="2600" dirty="0" smtClean="0"/>
-              <a:t>space</a:t>
+              <a:t>URLs are just a subset of the more general concept of Uniform Resource Identifiers (URIs) which are meant to describe all points in the information space</a:t>
             </a:r>
             <a:endParaRPr lang="en-US" sz="2200" dirty="0" smtClean="0"/>
           </a:p>
@@ -19672,13 +19462,8 @@
             </a:pPr>
             <a:r>
               <a:rPr lang="en-US" sz="2300" b="1" dirty="0" smtClean="0"/>
-              <a:t>http://</a:t>
-            </a:r>
-            <a:r>
-              <a:rPr lang="en-US" sz="2300" b="1" dirty="0" smtClean="0"/>
-              <a:t>www.java.com:80/javaintro/index.html#Network</a:t>
-            </a:r>
-            <a:endParaRPr lang="en-US" sz="2300" b="1" dirty="0" smtClean="0"/>
+              <a:t>http://www.java.com:80/javaintro/index.html#Network</a:t>
+            </a:r>
           </a:p>
         </p:txBody>
       </p:sp>
@@ -19842,11 +19627,7 @@
           <a:p>
             <a:r>
               <a:rPr lang="en-US" dirty="0" smtClean="0"/>
-              <a:t>www.java.com</a:t>
-            </a:r>
-            <a:r>
-              <a:rPr lang="en-US" dirty="0" smtClean="0"/>
-              <a:t>:</a:t>
+              <a:t>www.java.com:</a:t>
             </a:r>
             <a:endParaRPr lang="en-IN" dirty="0"/>
           </a:p>
@@ -20626,7 +20407,7 @@
           <p:cNvPr id="4" name="Content Placeholder 3">
             <a:extLst>
               <a:ext uri="{FF2B5EF4-FFF2-40B4-BE49-F238E27FC236}">
-                <a16:creationId xmlns="" xmlns:a16="http://schemas.microsoft.com/office/drawing/2014/main" id="{0D3BE46D-D4B7-4773-A089-B318D590D2EC}"/>
+                <a16:creationId xmlns:a16="http://schemas.microsoft.com/office/drawing/2014/main" xmlns="" id="{0D3BE46D-D4B7-4773-A089-B318D590D2EC}"/>
               </a:ext>
             </a:extLst>
           </p:cNvPr>
@@ -20656,14 +20437,14 @@
                 <a:gridCol w="4107180">
                   <a:extLst>
                     <a:ext uri="{9D8B030D-6E8A-4147-A177-3AD203B41FA5}">
-                      <a16:colId xmlns="" xmlns:a16="http://schemas.microsoft.com/office/drawing/2014/main" val="4170491539"/>
+                      <a16:colId xmlns:a16="http://schemas.microsoft.com/office/drawing/2014/main" xmlns="" val="4170491539"/>
                     </a:ext>
                   </a:extLst>
                 </a:gridCol>
                 <a:gridCol w="4107180">
                   <a:extLst>
                     <a:ext uri="{9D8B030D-6E8A-4147-A177-3AD203B41FA5}">
-                      <a16:colId xmlns="" xmlns:a16="http://schemas.microsoft.com/office/drawing/2014/main" val="509871682"/>
+                      <a16:colId xmlns:a16="http://schemas.microsoft.com/office/drawing/2014/main" xmlns="" val="509871682"/>
                     </a:ext>
                   </a:extLst>
                 </a:gridCol>
@@ -20717,7 +20498,7 @@
                 </a:tc>
                 <a:extLst>
                   <a:ext uri="{0D108BD9-81ED-4DB2-BD59-A6C34878D82A}">
-                    <a16:rowId xmlns="" xmlns:a16="http://schemas.microsoft.com/office/drawing/2014/main" val="1470494853"/>
+                    <a16:rowId xmlns:a16="http://schemas.microsoft.com/office/drawing/2014/main" xmlns="" val="1470494853"/>
                   </a:ext>
                 </a:extLst>
               </a:tr>
@@ -20782,7 +20563,7 @@
                 </a:tc>
                 <a:extLst>
                   <a:ext uri="{0D108BD9-81ED-4DB2-BD59-A6C34878D82A}">
-                    <a16:rowId xmlns="" xmlns:a16="http://schemas.microsoft.com/office/drawing/2014/main" val="2639377761"/>
+                    <a16:rowId xmlns:a16="http://schemas.microsoft.com/office/drawing/2014/main" xmlns="" val="2639377761"/>
                   </a:ext>
                 </a:extLst>
               </a:tr>
@@ -20835,7 +20616,7 @@
                 </a:tc>
                 <a:extLst>
                   <a:ext uri="{0D108BD9-81ED-4DB2-BD59-A6C34878D82A}">
-                    <a16:rowId xmlns="" xmlns:a16="http://schemas.microsoft.com/office/drawing/2014/main" val="2613002052"/>
+                    <a16:rowId xmlns:a16="http://schemas.microsoft.com/office/drawing/2014/main" xmlns="" val="2613002052"/>
                   </a:ext>
                 </a:extLst>
               </a:tr>
@@ -20888,7 +20669,7 @@
                 </a:tc>
                 <a:extLst>
                   <a:ext uri="{0D108BD9-81ED-4DB2-BD59-A6C34878D82A}">
-                    <a16:rowId xmlns="" xmlns:a16="http://schemas.microsoft.com/office/drawing/2014/main" val="4086398249"/>
+                    <a16:rowId xmlns:a16="http://schemas.microsoft.com/office/drawing/2014/main" xmlns="" val="4086398249"/>
                   </a:ext>
                 </a:extLst>
               </a:tr>
@@ -20941,7 +20722,7 @@
                 </a:tc>
                 <a:extLst>
                   <a:ext uri="{0D108BD9-81ED-4DB2-BD59-A6C34878D82A}">
-                    <a16:rowId xmlns="" xmlns:a16="http://schemas.microsoft.com/office/drawing/2014/main" val="2813433476"/>
+                    <a16:rowId xmlns:a16="http://schemas.microsoft.com/office/drawing/2014/main" xmlns="" val="2813433476"/>
                   </a:ext>
                 </a:extLst>
               </a:tr>
@@ -21006,7 +20787,7 @@
                 </a:tc>
                 <a:extLst>
                   <a:ext uri="{0D108BD9-81ED-4DB2-BD59-A6C34878D82A}">
-                    <a16:rowId xmlns="" xmlns:a16="http://schemas.microsoft.com/office/drawing/2014/main" val="2154240040"/>
+                    <a16:rowId xmlns:a16="http://schemas.microsoft.com/office/drawing/2014/main" xmlns="" val="2154240040"/>
                   </a:ext>
                 </a:extLst>
               </a:tr>
@@ -21211,7 +20992,7 @@
           <p:cNvPr id="2" name="Title 1">
             <a:extLst>
               <a:ext uri="{FF2B5EF4-FFF2-40B4-BE49-F238E27FC236}">
-                <a16:creationId xmlns="" xmlns:a16="http://schemas.microsoft.com/office/drawing/2014/main" id="{1B80ABD8-37E8-47B1-89AC-8884239E35EA}"/>
+                <a16:creationId xmlns:a16="http://schemas.microsoft.com/office/drawing/2014/main" xmlns="" id="{1B80ABD8-37E8-47B1-89AC-8884239E35EA}"/>
               </a:ext>
             </a:extLst>
           </p:cNvPr>
@@ -21240,7 +21021,7 @@
           <p:cNvPr id="3" name="Content Placeholder 2">
             <a:extLst>
               <a:ext uri="{FF2B5EF4-FFF2-40B4-BE49-F238E27FC236}">
-                <a16:creationId xmlns="" xmlns:a16="http://schemas.microsoft.com/office/drawing/2014/main" id="{477D265A-8343-4C45-8DD2-C61D7837D62F}"/>
+                <a16:creationId xmlns:a16="http://schemas.microsoft.com/office/drawing/2014/main" xmlns="" id="{477D265A-8343-4C45-8DD2-C61D7837D62F}"/>
               </a:ext>
             </a:extLst>
           </p:cNvPr>
@@ -21985,14 +21766,7 @@
                 <a:latin typeface="Courier New" pitchFamily="49" charset="0"/>
                 <a:cs typeface="Courier New" pitchFamily="49" charset="0"/>
               </a:rPr>
-              <a:t>public </a:t>
-            </a:r>
-            <a:r>
-              <a:rPr lang="en-US" sz="2000" b="1" dirty="0" smtClean="0">
-                <a:latin typeface="Courier New" pitchFamily="49" charset="0"/>
-                <a:cs typeface="Courier New" pitchFamily="49" charset="0"/>
-              </a:rPr>
-              <a:t>static void main(String </a:t>
+              <a:t>public static void main(String </a:t>
             </a:r>
             <a:r>
               <a:rPr lang="en-US" sz="2000" b="1" dirty="0" err="1" smtClean="0">
@@ -22098,14 +21872,7 @@
                 <a:latin typeface="Courier New" pitchFamily="49" charset="0"/>
                 <a:cs typeface="Courier New" pitchFamily="49" charset="0"/>
               </a:rPr>
-              <a:t>http://</a:t>
-            </a:r>
-            <a:r>
-              <a:rPr lang="en-US" sz="2000" dirty="0" smtClean="0">
-                <a:latin typeface="Courier New" pitchFamily="49" charset="0"/>
-                <a:cs typeface="Courier New" pitchFamily="49" charset="0"/>
-              </a:rPr>
-              <a:t>content-ind.cricinfo.com/ci/content/current/story/news.html</a:t>
+              <a:t>http://content-ind.cricinfo.com/ci/content/current/story/news.html</a:t>
             </a:r>
             <a:r>
               <a:rPr lang="en-US" sz="2000" i="1" dirty="0" smtClean="0">
@@ -22132,14 +21899,7 @@
                 <a:latin typeface="Courier New" pitchFamily="49" charset="0"/>
                 <a:cs typeface="Courier New" pitchFamily="49" charset="0"/>
               </a:rPr>
-              <a:t> System.out.println</a:t>
-            </a:r>
-            <a:r>
-              <a:rPr lang="pt-BR" sz="2000" dirty="0" smtClean="0">
-                <a:latin typeface="Courier New" pitchFamily="49" charset="0"/>
-                <a:cs typeface="Courier New" pitchFamily="49" charset="0"/>
-              </a:rPr>
-              <a:t>("Protocol: " + hp.getProtocol());</a:t>
+              <a:t> System.out.println("Protocol: " + hp.getProtocol());</a:t>
             </a:r>
             <a:endParaRPr lang="en-IN" sz="2000" dirty="0" smtClean="0">
               <a:latin typeface="Courier New" pitchFamily="49" charset="0"/>
@@ -22159,14 +21919,7 @@
                 <a:latin typeface="Courier New" pitchFamily="49" charset="0"/>
                 <a:cs typeface="Courier New" pitchFamily="49" charset="0"/>
               </a:rPr>
-              <a:t> System.out.println</a:t>
-            </a:r>
-            <a:r>
-              <a:rPr lang="pt-BR" sz="2000" dirty="0" smtClean="0">
-                <a:latin typeface="Courier New" pitchFamily="49" charset="0"/>
-                <a:cs typeface="Courier New" pitchFamily="49" charset="0"/>
-              </a:rPr>
-              <a:t>("Port: " + hp.getPort());</a:t>
+              <a:t> System.out.println("Port: " + hp.getPort());</a:t>
             </a:r>
             <a:endParaRPr lang="en-IN" sz="2000" dirty="0" smtClean="0">
               <a:latin typeface="Courier New" pitchFamily="49" charset="0"/>
@@ -22186,14 +21939,7 @@
                 <a:latin typeface="Courier New" pitchFamily="49" charset="0"/>
                 <a:cs typeface="Courier New" pitchFamily="49" charset="0"/>
               </a:rPr>
-              <a:t> System.out.println</a:t>
-            </a:r>
-            <a:r>
-              <a:rPr lang="pt-BR" sz="2000" dirty="0" smtClean="0">
-                <a:latin typeface="Courier New" pitchFamily="49" charset="0"/>
-                <a:cs typeface="Courier New" pitchFamily="49" charset="0"/>
-              </a:rPr>
-              <a:t>("Host: " + hp.getHost());</a:t>
+              <a:t> System.out.println("Host: " + hp.getHost());</a:t>
             </a:r>
             <a:endParaRPr lang="en-IN" sz="2000" dirty="0" smtClean="0">
               <a:latin typeface="Courier New" pitchFamily="49" charset="0"/>
@@ -22514,7 +22260,7 @@
           <p:cNvPr id="2" name="Title 1">
             <a:extLst>
               <a:ext uri="{FF2B5EF4-FFF2-40B4-BE49-F238E27FC236}">
-                <a16:creationId xmlns="" xmlns:a16="http://schemas.microsoft.com/office/drawing/2014/main" id="{D33415B6-04DC-4E6C-BA81-A8BFF5E1E12B}"/>
+                <a16:creationId xmlns:a16="http://schemas.microsoft.com/office/drawing/2014/main" xmlns="" id="{D33415B6-04DC-4E6C-BA81-A8BFF5E1E12B}"/>
               </a:ext>
             </a:extLst>
           </p:cNvPr>
@@ -22557,7 +22303,7 @@
           <p:cNvPr id="3" name="Content Placeholder 2">
             <a:extLst>
               <a:ext uri="{FF2B5EF4-FFF2-40B4-BE49-F238E27FC236}">
-                <a16:creationId xmlns="" xmlns:a16="http://schemas.microsoft.com/office/drawing/2014/main" id="{7076138A-B6FA-4F83-95E8-D45135F4230D}"/>
+                <a16:creationId xmlns:a16="http://schemas.microsoft.com/office/drawing/2014/main" xmlns="" id="{7076138A-B6FA-4F83-95E8-D45135F4230D}"/>
               </a:ext>
             </a:extLst>
           </p:cNvPr>
@@ -23689,10 +23435,6 @@
               </a:rPr>
               <a:t>( )) != -1) </a:t>
             </a:r>
-            <a:endParaRPr lang="en-US" sz="1800" dirty="0" smtClean="0">
-              <a:latin typeface="Courier New" pitchFamily="49" charset="0"/>
-              <a:cs typeface="Courier New" pitchFamily="49" charset="0"/>
-            </a:endParaRPr>
           </a:p>
           <a:p>
             <a:pPr marL="0" indent="0">
@@ -23731,21 +23473,7 @@
                 <a:latin typeface="Courier New" pitchFamily="49" charset="0"/>
                 <a:cs typeface="Courier New" pitchFamily="49" charset="0"/>
               </a:rPr>
-              <a:t>((char) c</a:t>
-            </a:r>
-            <a:r>
-              <a:rPr lang="en-US" sz="1800" dirty="0" smtClean="0">
-                <a:latin typeface="Courier New" pitchFamily="49" charset="0"/>
-                <a:cs typeface="Courier New" pitchFamily="49" charset="0"/>
-              </a:rPr>
-              <a:t>);     </a:t>
-            </a:r>
-            <a:r>
-              <a:rPr lang="en-US" sz="1800" dirty="0" smtClean="0">
-                <a:latin typeface="Courier New" pitchFamily="49" charset="0"/>
-                <a:cs typeface="Courier New" pitchFamily="49" charset="0"/>
-              </a:rPr>
-              <a:t>} </a:t>
+              <a:t>((char) c);     } </a:t>
             </a:r>
             <a:endParaRPr lang="en-IN" sz="1800" dirty="0" smtClean="0">
               <a:latin typeface="Courier New" pitchFamily="49" charset="0"/>
@@ -23828,49 +23556,35 @@
                 <a:latin typeface="Courier New" pitchFamily="49" charset="0"/>
                 <a:cs typeface="Courier New" pitchFamily="49" charset="0"/>
               </a:rPr>
-              <a:t>      </a:t>
+              <a:t>       </a:t>
+            </a:r>
+            <a:r>
+              <a:rPr lang="en-US" sz="1800" dirty="0" err="1" smtClean="0">
+                <a:latin typeface="Courier New" pitchFamily="49" charset="0"/>
+                <a:cs typeface="Courier New" pitchFamily="49" charset="0"/>
+              </a:rPr>
+              <a:t>System.err.println</a:t>
             </a:r>
             <a:r>
               <a:rPr lang="en-US" sz="1800" dirty="0" smtClean="0">
                 <a:latin typeface="Courier New" pitchFamily="49" charset="0"/>
                 <a:cs typeface="Courier New" pitchFamily="49" charset="0"/>
               </a:rPr>
-              <a:t> </a:t>
+              <a:t>(</a:t>
             </a:r>
             <a:r>
               <a:rPr lang="en-US" sz="1800" dirty="0" err="1" smtClean="0">
                 <a:latin typeface="Courier New" pitchFamily="49" charset="0"/>
                 <a:cs typeface="Courier New" pitchFamily="49" charset="0"/>
               </a:rPr>
-              <a:t>System.err.println</a:t>
+              <a:t>args</a:t>
             </a:r>
             <a:r>
               <a:rPr lang="en-US" sz="1800" dirty="0" smtClean="0">
                 <a:latin typeface="Courier New" pitchFamily="49" charset="0"/>
                 <a:cs typeface="Courier New" pitchFamily="49" charset="0"/>
               </a:rPr>
-              <a:t>(</a:t>
-            </a:r>
-            <a:r>
-              <a:rPr lang="en-US" sz="1800" dirty="0" err="1" smtClean="0">
-                <a:latin typeface="Courier New" pitchFamily="49" charset="0"/>
-                <a:cs typeface="Courier New" pitchFamily="49" charset="0"/>
-              </a:rPr>
-              <a:t>args</a:t>
-            </a:r>
-            <a:r>
-              <a:rPr lang="en-US" sz="1800" dirty="0" smtClean="0">
-                <a:latin typeface="Courier New" pitchFamily="49" charset="0"/>
-                <a:cs typeface="Courier New" pitchFamily="49" charset="0"/>
-              </a:rPr>
-              <a:t>[0]+" </a:t>
-            </a:r>
-            <a:r>
-              <a:rPr lang="en-US" sz="1800" dirty="0" smtClean="0">
-                <a:latin typeface="Courier New" pitchFamily="49" charset="0"/>
-                <a:cs typeface="Courier New" pitchFamily="49" charset="0"/>
-              </a:rPr>
-              <a:t>is not a </a:t>
+              <a:t>[0]+" is not a </a:t>
             </a:r>
             <a:r>
               <a:rPr lang="en-US" sz="1800" dirty="0" err="1" smtClean="0">
@@ -23981,14 +23695,7 @@
                 <a:latin typeface="Courier New" pitchFamily="49" charset="0"/>
                 <a:cs typeface="Courier New" pitchFamily="49" charset="0"/>
               </a:rPr>
-              <a:t>(ex</a:t>
-            </a:r>
-            <a:r>
-              <a:rPr lang="en-US" sz="1800" dirty="0" smtClean="0">
-                <a:latin typeface="Courier New" pitchFamily="49" charset="0"/>
-                <a:cs typeface="Courier New" pitchFamily="49" charset="0"/>
-              </a:rPr>
-              <a:t>);</a:t>
+              <a:t>(ex);</a:t>
             </a:r>
             <a:endParaRPr lang="en-IN" sz="1800" dirty="0" smtClean="0">
               <a:latin typeface="Courier New" pitchFamily="49" charset="0"/>
@@ -24080,14 +23787,7 @@
                 <a:latin typeface="Courier New" pitchFamily="49" charset="0"/>
                 <a:cs typeface="Courier New" pitchFamily="49" charset="0"/>
               </a:rPr>
-              <a:t>}  // end </a:t>
-            </a:r>
-            <a:r>
-              <a:rPr lang="en-US" sz="1800" b="1" dirty="0" smtClean="0">
-                <a:latin typeface="Courier New" pitchFamily="49" charset="0"/>
-                <a:cs typeface="Courier New" pitchFamily="49" charset="0"/>
-              </a:rPr>
-              <a:t>SourceViewer2</a:t>
+              <a:t>}  // end SourceViewer2</a:t>
             </a:r>
             <a:endParaRPr lang="en-IN" sz="1800" b="1" dirty="0" smtClean="0">
               <a:latin typeface="Courier New" pitchFamily="49" charset="0"/>
@@ -24210,19 +23910,8 @@
                 <a:latin typeface="Courier New" pitchFamily="49" charset="0"/>
                 <a:cs typeface="Courier New" pitchFamily="49" charset="0"/>
               </a:rPr>
-              <a:t>import java.io</a:t>
-            </a:r>
-            <a:r>
-              <a:rPr lang="en-US" sz="1600" b="1" dirty="0" smtClean="0">
-                <a:latin typeface="Courier New" pitchFamily="49" charset="0"/>
-                <a:cs typeface="Courier New" pitchFamily="49" charset="0"/>
-              </a:rPr>
-              <a:t>.*;</a:t>
-            </a:r>
-            <a:endParaRPr lang="en-US" sz="1600" b="1" dirty="0" smtClean="0">
-              <a:latin typeface="Courier New" pitchFamily="49" charset="0"/>
-              <a:cs typeface="Courier New" pitchFamily="49" charset="0"/>
-            </a:endParaRPr>
+              <a:t>import java.io.*;</a:t>
+            </a:r>
           </a:p>
           <a:p>
             <a:pPr>
@@ -24844,7 +24533,7 @@
           <a:graphicData uri="http://schemas.openxmlformats.org/presentationml/2006/ole">
             <mc:AlternateContent xmlns:mc="http://schemas.openxmlformats.org/markup-compatibility/2006">
               <mc:Choice xmlns:v="urn:schemas-microsoft-com:vml" Requires="v">
-                <p:oleObj spid="_x0000_s1272" name="Microsoft ClipArt Gallery" r:id="rId4" imgW="2559050" imgH="4298950" progId="MS_ClipArt_Gallery">
+                <p:oleObj spid="_x0000_s1284" name="Microsoft ClipArt Gallery" r:id="rId4" imgW="2559050" imgH="4298950" progId="MS_ClipArt_Gallery">
                   <p:embed/>
                 </p:oleObj>
               </mc:Choice>
@@ -24986,7 +24675,7 @@
           <a:graphicData uri="http://schemas.openxmlformats.org/presentationml/2006/ole">
             <mc:AlternateContent xmlns:mc="http://schemas.openxmlformats.org/markup-compatibility/2006">
               <mc:Choice xmlns:v="urn:schemas-microsoft-com:vml" Requires="v">
-                <p:oleObj spid="_x0000_s1273" name="Microsoft ClipArt Gallery" r:id="rId7" imgW="4183063" imgH="3216275" progId="MS_ClipArt_Gallery">
+                <p:oleObj spid="_x0000_s1285" name="Microsoft ClipArt Gallery" r:id="rId7" imgW="4183063" imgH="3216275" progId="MS_ClipArt_Gallery">
                   <p:embed/>
                 </p:oleObj>
               </mc:Choice>
@@ -25259,7 +24948,7 @@
           <a:graphicData uri="http://schemas.openxmlformats.org/presentationml/2006/ole">
             <mc:AlternateContent xmlns:mc="http://schemas.openxmlformats.org/markup-compatibility/2006">
               <mc:Choice xmlns:v="urn:schemas-microsoft-com:vml" Requires="v">
-                <p:oleObj spid="_x0000_s1274" name="Microsoft ClipArt Gallery" r:id="rId9" imgW="4183063" imgH="3216275" progId="MS_ClipArt_Gallery">
+                <p:oleObj spid="_x0000_s1286" name="Microsoft ClipArt Gallery" r:id="rId9" imgW="4183063" imgH="3216275" progId="MS_ClipArt_Gallery">
                   <p:embed/>
                 </p:oleObj>
               </mc:Choice>
@@ -25358,7 +25047,7 @@
           <a:graphicData uri="http://schemas.openxmlformats.org/presentationml/2006/ole">
             <mc:AlternateContent xmlns:mc="http://schemas.openxmlformats.org/markup-compatibility/2006">
               <mc:Choice xmlns:v="urn:schemas-microsoft-com:vml" Requires="v">
-                <p:oleObj spid="_x0000_s1275" name="Microsoft ClipArt Gallery" r:id="rId10" imgW="2559050" imgH="4298950" progId="MS_ClipArt_Gallery">
+                <p:oleObj spid="_x0000_s1287" name="Microsoft ClipArt Gallery" r:id="rId10" imgW="2559050" imgH="4298950" progId="MS_ClipArt_Gallery">
                   <p:embed/>
                 </p:oleObj>
               </mc:Choice>
@@ -25457,7 +25146,7 @@
           <a:graphicData uri="http://schemas.openxmlformats.org/presentationml/2006/ole">
             <mc:AlternateContent xmlns:mc="http://schemas.openxmlformats.org/markup-compatibility/2006">
               <mc:Choice xmlns:v="urn:schemas-microsoft-com:vml" Requires="v">
-                <p:oleObj spid="_x0000_s1276" name="Microsoft ClipArt Gallery" r:id="rId11" imgW="4548188" imgH="3284538" progId="MS_ClipArt_Gallery">
+                <p:oleObj spid="_x0000_s1288" name="Microsoft ClipArt Gallery" r:id="rId11" imgW="4548188" imgH="3284538" progId="MS_ClipArt_Gallery">
                   <p:embed/>
                 </p:oleObj>
               </mc:Choice>
@@ -25825,7 +25514,7 @@
           <a:graphicData uri="http://schemas.openxmlformats.org/presentationml/2006/ole">
             <mc:AlternateContent xmlns:mc="http://schemas.openxmlformats.org/markup-compatibility/2006">
               <mc:Choice xmlns:v="urn:schemas-microsoft-com:vml" Requires="v">
-                <p:oleObj spid="_x0000_s1277" name="CorelDRAW!" r:id="rId13" imgW="1255713" imgH="503238" progId="CDraw5">
+                <p:oleObj spid="_x0000_s1289" name="CorelDRAW!" r:id="rId13" imgW="1255713" imgH="503238" progId="CDraw5">
                   <p:embed/>
                 </p:oleObj>
               </mc:Choice>
@@ -31721,14 +31410,7 @@
                 <a:latin typeface="Courier New" pitchFamily="49" charset="0"/>
                 <a:cs typeface="Courier New" pitchFamily="49" charset="0"/>
               </a:rPr>
-              <a:t> ex) </a:t>
-            </a:r>
-            <a:r>
-              <a:rPr lang="en-US" sz="1400" dirty="0" smtClean="0">
-                <a:latin typeface="Courier New" pitchFamily="49" charset="0"/>
-                <a:cs typeface="Courier New" pitchFamily="49" charset="0"/>
-              </a:rPr>
-              <a:t>{</a:t>
+              <a:t> ex) {</a:t>
             </a:r>
             <a:endParaRPr lang="en-IN" sz="1400" dirty="0" smtClean="0">
               <a:latin typeface="Courier New" pitchFamily="49" charset="0"/>
@@ -31796,35 +31478,21 @@
                 <a:latin typeface="Courier New" pitchFamily="49" charset="0"/>
                 <a:cs typeface="Courier New" pitchFamily="49" charset="0"/>
               </a:rPr>
-              <a:t>catch </a:t>
+              <a:t>catch (</a:t>
+            </a:r>
+            <a:r>
+              <a:rPr lang="en-US" sz="1400" dirty="0" err="1" smtClean="0">
+                <a:latin typeface="Courier New" pitchFamily="49" charset="0"/>
+                <a:cs typeface="Courier New" pitchFamily="49" charset="0"/>
+              </a:rPr>
+              <a:t>IOException</a:t>
             </a:r>
             <a:r>
               <a:rPr lang="en-US" sz="1400" dirty="0" smtClean="0">
                 <a:latin typeface="Courier New" pitchFamily="49" charset="0"/>
                 <a:cs typeface="Courier New" pitchFamily="49" charset="0"/>
               </a:rPr>
-              <a:t>(</a:t>
-            </a:r>
-            <a:r>
-              <a:rPr lang="en-US" sz="1400" dirty="0" err="1" smtClean="0">
-                <a:latin typeface="Courier New" pitchFamily="49" charset="0"/>
-                <a:cs typeface="Courier New" pitchFamily="49" charset="0"/>
-              </a:rPr>
-              <a:t>IOException</a:t>
-            </a:r>
-            <a:r>
-              <a:rPr lang="en-US" sz="1400" dirty="0" smtClean="0">
-                <a:latin typeface="Courier New" pitchFamily="49" charset="0"/>
-                <a:cs typeface="Courier New" pitchFamily="49" charset="0"/>
-              </a:rPr>
-              <a:t> ex) </a:t>
-            </a:r>
-            <a:r>
-              <a:rPr lang="en-US" sz="1400" dirty="0" smtClean="0">
-                <a:latin typeface="Courier New" pitchFamily="49" charset="0"/>
-                <a:cs typeface="Courier New" pitchFamily="49" charset="0"/>
-              </a:rPr>
-              <a:t>{</a:t>
+              <a:t> ex) {</a:t>
             </a:r>
             <a:endParaRPr lang="en-IN" sz="1400" dirty="0" smtClean="0">
               <a:latin typeface="Courier New" pitchFamily="49" charset="0"/>
@@ -31856,14 +31524,7 @@
                 <a:latin typeface="Courier New" pitchFamily="49" charset="0"/>
                 <a:cs typeface="Courier New" pitchFamily="49" charset="0"/>
               </a:rPr>
-              <a:t>(ex</a:t>
-            </a:r>
-            <a:r>
-              <a:rPr lang="en-US" sz="1400" dirty="0" smtClean="0">
-                <a:latin typeface="Courier New" pitchFamily="49" charset="0"/>
-                <a:cs typeface="Courier New" pitchFamily="49" charset="0"/>
-              </a:rPr>
-              <a:t>);</a:t>
+              <a:t>(ex);</a:t>
             </a:r>
             <a:endParaRPr lang="en-IN" sz="1400" dirty="0" smtClean="0">
               <a:latin typeface="Courier New" pitchFamily="49" charset="0"/>
@@ -31931,14 +31592,7 @@
                 <a:latin typeface="Courier New" pitchFamily="49" charset="0"/>
                 <a:cs typeface="Courier New" pitchFamily="49" charset="0"/>
               </a:rPr>
-              <a:t> }  </a:t>
-            </a:r>
-            <a:r>
-              <a:rPr lang="en-US" sz="1400" dirty="0" smtClean="0">
-                <a:latin typeface="Courier New" pitchFamily="49" charset="0"/>
-                <a:cs typeface="Courier New" pitchFamily="49" charset="0"/>
-              </a:rPr>
-              <a:t>// end main</a:t>
+              <a:t> }  // end main</a:t>
             </a:r>
             <a:endParaRPr lang="en-IN" sz="1400" dirty="0" smtClean="0">
               <a:latin typeface="Courier New" pitchFamily="49" charset="0"/>
@@ -35043,7 +34697,7 @@
           <a:graphicData uri="http://schemas.openxmlformats.org/presentationml/2006/ole">
             <mc:AlternateContent xmlns:mc="http://schemas.openxmlformats.org/markup-compatibility/2006">
               <mc:Choice xmlns:v="urn:schemas-microsoft-com:vml" Requires="v">
-                <p:oleObj spid="_x0000_s2132" name="Microsoft ClipArt Gallery" r:id="rId4" imgW="4183063" imgH="3216275" progId="MS_ClipArt_Gallery">
+                <p:oleObj spid="_x0000_s2136" name="Microsoft ClipArt Gallery" r:id="rId4" imgW="4183063" imgH="3216275" progId="MS_ClipArt_Gallery">
                   <p:embed/>
                 </p:oleObj>
               </mc:Choice>
@@ -35142,7 +34796,7 @@
           <a:graphicData uri="http://schemas.openxmlformats.org/presentationml/2006/ole">
             <mc:AlternateContent xmlns:mc="http://schemas.openxmlformats.org/markup-compatibility/2006">
               <mc:Choice xmlns:v="urn:schemas-microsoft-com:vml" Requires="v">
-                <p:oleObj spid="_x0000_s2133" name="Microsoft ClipArt Gallery" r:id="rId6" imgW="4006850" imgH="3192463" progId="MS_ClipArt_Gallery">
+                <p:oleObj spid="_x0000_s2137" name="Microsoft ClipArt Gallery" r:id="rId6" imgW="4006850" imgH="3192463" progId="MS_ClipArt_Gallery">
                   <p:embed/>
                 </p:oleObj>
               </mc:Choice>
@@ -35658,9 +35312,9 @@
 
 <file path=ppt/tags/tag1.xml><?xml version="1.0" encoding="utf-8"?>
 <p:tagLst xmlns:a="http://schemas.openxmlformats.org/drawingml/2006/main" xmlns:r="http://schemas.openxmlformats.org/officeDocument/2006/relationships" xmlns:p="http://schemas.openxmlformats.org/presentationml/2006/main">
-  <p:tag name="ARTICULATE_PROJECT_OPEN" val="0"/>
   <p:tag name="ARTICULATE_DESIGN_ID_NETWORKING" val="WXnQ0qm0"/>
   <p:tag name="ARTICULATE_SLIDE_COUNT" val="72"/>
+  <p:tag name="ARTICULATE_PROJECT_OPEN" val="0"/>
 </p:tagLst>
 </file>
 
@@ -36387,7 +36041,7 @@
   <a:extraClrSchemeLst/>
   <a:extLst>
     <a:ext uri="{05A4C25C-085E-4340-85A3-A5531E510DB2}">
-      <thm15:themeFamily xmlns:thm15="http://schemas.microsoft.com/office/thememl/2012/main" xmlns="" name="Frame" id="{F226E7A2-7162-461C-9490-D27D9DC04E43}" vid="{629A0216-3BBD-45C0-B63F-2683BEA18F60}"/>
+      <thm15:themeFamily xmlns="" xmlns:thm15="http://schemas.microsoft.com/office/thememl/2012/main" name="Frame" id="{F226E7A2-7162-461C-9490-D27D9DC04E43}" vid="{629A0216-3BBD-45C0-B63F-2683BEA18F60}"/>
     </a:ext>
   </a:extLst>
 </a:theme>

--- a/Slides/AJP - Unit 1 - Java Networking.pptx
+++ b/Slides/AJP - Unit 1 - Java Networking.pptx
@@ -183,7 +183,7 @@
   </p:defaultTextStyle>
   <p:extLst>
     <p:ext uri="{EFAFB233-063F-42B5-8137-9DF3F51BA10A}">
-      <p15:sldGuideLst xmlns="" xmlns:p15="http://schemas.microsoft.com/office/powerpoint/2012/main"/>
+      <p15:sldGuideLst xmlns:p15="http://schemas.microsoft.com/office/powerpoint/2012/main" xmlns=""/>
     </p:ext>
   </p:extLst>
 </p:presentation>
@@ -271,7 +271,7 @@
           <a:p>
             <a:fld id="{A1471088-6963-4E0E-A38A-0AE373C72001}" type="datetimeFigureOut">
               <a:rPr lang="en-IN" smtClean="0"/>
-              <a:t>04-07-2022</a:t>
+              <a:t>05-07-2022</a:t>
             </a:fld>
             <a:endParaRPr lang="en-IN"/>
           </a:p>
@@ -582,7 +582,7 @@
             <a:fld id="{FB6E4831-481F-4AF1-9D8E-170CD6E1C3F5}" type="datetimeFigureOut">
               <a:rPr lang="en-IN" smtClean="0"/>
               <a:pPr/>
-              <a:t>04-07-2022</a:t>
+              <a:t>05-07-2022</a:t>
             </a:fld>
             <a:endParaRPr lang="en-IN"/>
           </a:p>
@@ -757,7 +757,7 @@
             <a:fld id="{FB6E4831-481F-4AF1-9D8E-170CD6E1C3F5}" type="datetimeFigureOut">
               <a:rPr lang="en-IN" smtClean="0"/>
               <a:pPr/>
-              <a:t>04-07-2022</a:t>
+              <a:t>05-07-2022</a:t>
             </a:fld>
             <a:endParaRPr lang="en-IN"/>
           </a:p>
@@ -942,7 +942,7 @@
             <a:fld id="{FB6E4831-481F-4AF1-9D8E-170CD6E1C3F5}" type="datetimeFigureOut">
               <a:rPr lang="en-IN" smtClean="0"/>
               <a:pPr/>
-              <a:t>04-07-2022</a:t>
+              <a:t>05-07-2022</a:t>
             </a:fld>
             <a:endParaRPr lang="en-IN"/>
           </a:p>
@@ -1114,7 +1114,7 @@
             <a:fld id="{FB6E4831-481F-4AF1-9D8E-170CD6E1C3F5}" type="datetimeFigureOut">
               <a:rPr lang="en-IN" smtClean="0"/>
               <a:pPr/>
-              <a:t>04-07-2022</a:t>
+              <a:t>05-07-2022</a:t>
             </a:fld>
             <a:endParaRPr lang="en-IN"/>
           </a:p>
@@ -1371,7 +1371,7 @@
             <a:fld id="{FB6E4831-481F-4AF1-9D8E-170CD6E1C3F5}" type="datetimeFigureOut">
               <a:rPr lang="en-IN" smtClean="0"/>
               <a:pPr/>
-              <a:t>04-07-2022</a:t>
+              <a:t>05-07-2022</a:t>
             </a:fld>
             <a:endParaRPr lang="en-IN"/>
           </a:p>
@@ -1704,7 +1704,7 @@
             <a:fld id="{FB6E4831-481F-4AF1-9D8E-170CD6E1C3F5}" type="datetimeFigureOut">
               <a:rPr lang="en-IN" smtClean="0"/>
               <a:pPr/>
-              <a:t>04-07-2022</a:t>
+              <a:t>05-07-2022</a:t>
             </a:fld>
             <a:endParaRPr lang="en-IN"/>
           </a:p>
@@ -2185,7 +2185,7 @@
             <a:fld id="{FB6E4831-481F-4AF1-9D8E-170CD6E1C3F5}" type="datetimeFigureOut">
               <a:rPr lang="en-IN" smtClean="0"/>
               <a:pPr/>
-              <a:t>04-07-2022</a:t>
+              <a:t>05-07-2022</a:t>
             </a:fld>
             <a:endParaRPr lang="en-IN"/>
           </a:p>
@@ -2308,7 +2308,7 @@
             <a:fld id="{FB6E4831-481F-4AF1-9D8E-170CD6E1C3F5}" type="datetimeFigureOut">
               <a:rPr lang="en-IN" smtClean="0"/>
               <a:pPr/>
-              <a:t>04-07-2022</a:t>
+              <a:t>05-07-2022</a:t>
             </a:fld>
             <a:endParaRPr lang="en-IN"/>
           </a:p>
@@ -2408,7 +2408,7 @@
             <a:fld id="{FB6E4831-481F-4AF1-9D8E-170CD6E1C3F5}" type="datetimeFigureOut">
               <a:rPr lang="en-IN" smtClean="0"/>
               <a:pPr/>
-              <a:t>04-07-2022</a:t>
+              <a:t>05-07-2022</a:t>
             </a:fld>
             <a:endParaRPr lang="en-IN"/>
           </a:p>
@@ -2721,7 +2721,7 @@
             <a:fld id="{FB6E4831-481F-4AF1-9D8E-170CD6E1C3F5}" type="datetimeFigureOut">
               <a:rPr lang="en-IN" smtClean="0"/>
               <a:pPr/>
-              <a:t>04-07-2022</a:t>
+              <a:t>05-07-2022</a:t>
             </a:fld>
             <a:endParaRPr lang="en-IN"/>
           </a:p>
@@ -2999,7 +2999,7 @@
             <a:fld id="{FB6E4831-481F-4AF1-9D8E-170CD6E1C3F5}" type="datetimeFigureOut">
               <a:rPr lang="en-IN" smtClean="0"/>
               <a:pPr/>
-              <a:t>04-07-2022</a:t>
+              <a:t>05-07-2022</a:t>
             </a:fld>
             <a:endParaRPr lang="en-IN"/>
           </a:p>
@@ -3298,7 +3298,7 @@
             <a:fld id="{FB6E4831-481F-4AF1-9D8E-170CD6E1C3F5}" type="datetimeFigureOut">
               <a:rPr lang="en-IN" smtClean="0"/>
               <a:pPr/>
-              <a:t>04-07-2022</a:t>
+              <a:t>05-07-2022</a:t>
             </a:fld>
             <a:endParaRPr lang="en-IN"/>
           </a:p>
@@ -4961,6 +4961,13 @@
   <p:clrMapOvr>
     <a:masterClrMapping/>
   </p:clrMapOvr>
+  <p:timing>
+    <p:tnLst>
+      <p:par>
+        <p:cTn id="1" dur="indefinite" restart="never" nodeType="tmRoot"/>
+      </p:par>
+    </p:tnLst>
+  </p:timing>
 </p:sld>
 </file>
 
@@ -5077,6 +5084,13 @@
   <p:clrMapOvr>
     <a:masterClrMapping/>
   </p:clrMapOvr>
+  <p:timing>
+    <p:tnLst>
+      <p:par>
+        <p:cTn id="1" dur="indefinite" restart="never" nodeType="tmRoot"/>
+      </p:par>
+    </p:tnLst>
+  </p:timing>
 </p:sld>
 </file>
 
@@ -7272,6 +7286,13 @@
   <p:clrMapOvr>
     <a:masterClrMapping/>
   </p:clrMapOvr>
+  <p:timing>
+    <p:tnLst>
+      <p:par>
+        <p:cTn id="1" dur="indefinite" restart="never" nodeType="tmRoot"/>
+      </p:par>
+    </p:tnLst>
+  </p:timing>
 </p:sld>
 </file>
 
@@ -7444,6 +7465,13 @@
   <p:clrMapOvr>
     <a:masterClrMapping/>
   </p:clrMapOvr>
+  <p:timing>
+    <p:tnLst>
+      <p:par>
+        <p:cTn id="1" dur="indefinite" restart="never" nodeType="tmRoot"/>
+      </p:par>
+    </p:tnLst>
+  </p:timing>
 </p:sld>
 </file>
 
@@ -7581,6 +7609,13 @@
   <p:clrMapOvr>
     <a:masterClrMapping/>
   </p:clrMapOvr>
+  <p:timing>
+    <p:tnLst>
+      <p:par>
+        <p:cTn id="1" dur="indefinite" restart="never" nodeType="tmRoot"/>
+      </p:par>
+    </p:tnLst>
+  </p:timing>
 </p:sld>
 </file>
 
@@ -8373,6 +8408,13 @@
   <p:clrMapOvr>
     <a:masterClrMapping/>
   </p:clrMapOvr>
+  <p:timing>
+    <p:tnLst>
+      <p:par>
+        <p:cTn id="1" dur="indefinite" restart="never" nodeType="tmRoot"/>
+      </p:par>
+    </p:tnLst>
+  </p:timing>
 </p:sld>
 </file>
 
@@ -9601,6 +9643,13 @@
   <p:clrMapOvr>
     <a:masterClrMapping/>
   </p:clrMapOvr>
+  <p:timing>
+    <p:tnLst>
+      <p:par>
+        <p:cTn id="1" dur="indefinite" restart="never" nodeType="tmRoot"/>
+      </p:par>
+    </p:tnLst>
+  </p:timing>
 </p:sld>
 </file>
 
@@ -9697,6 +9746,13 @@
   <p:clrMapOvr>
     <a:masterClrMapping/>
   </p:clrMapOvr>
+  <p:timing>
+    <p:tnLst>
+      <p:par>
+        <p:cTn id="1" dur="indefinite" restart="never" nodeType="tmRoot"/>
+      </p:par>
+    </p:tnLst>
+  </p:timing>
 </p:sld>
 </file>
 
@@ -9842,6 +9898,13 @@
   <p:clrMapOvr>
     <a:masterClrMapping/>
   </p:clrMapOvr>
+  <p:timing>
+    <p:tnLst>
+      <p:par>
+        <p:cTn id="1" dur="indefinite" restart="never" nodeType="tmRoot"/>
+      </p:par>
+    </p:tnLst>
+  </p:timing>
 </p:sld>
 </file>
 
@@ -9935,6 +9998,13 @@
   <p:clrMapOvr>
     <a:masterClrMapping/>
   </p:clrMapOvr>
+  <p:timing>
+    <p:tnLst>
+      <p:par>
+        <p:cTn id="1" dur="indefinite" restart="never" nodeType="tmRoot"/>
+      </p:par>
+    </p:tnLst>
+  </p:timing>
 </p:sld>
 </file>
 
@@ -10071,6 +10141,13 @@
   <p:clrMapOvr>
     <a:masterClrMapping/>
   </p:clrMapOvr>
+  <p:timing>
+    <p:tnLst>
+      <p:par>
+        <p:cTn id="1" dur="indefinite" restart="never" nodeType="tmRoot"/>
+      </p:par>
+    </p:tnLst>
+  </p:timing>
 </p:sld>
 </file>
 
@@ -10252,6 +10329,13 @@
   <p:clrMapOvr>
     <a:masterClrMapping/>
   </p:clrMapOvr>
+  <p:timing>
+    <p:tnLst>
+      <p:par>
+        <p:cTn id="1" dur="indefinite" restart="never" nodeType="tmRoot"/>
+      </p:par>
+    </p:tnLst>
+  </p:timing>
 </p:sld>
 </file>
 
@@ -10415,6 +10499,13 @@
   <p:clrMapOvr>
     <a:masterClrMapping/>
   </p:clrMapOvr>
+  <p:timing>
+    <p:tnLst>
+      <p:par>
+        <p:cTn id="1" dur="indefinite" restart="never" nodeType="tmRoot"/>
+      </p:par>
+    </p:tnLst>
+  </p:timing>
 </p:sld>
 </file>
 
@@ -10516,6 +10607,13 @@
   <p:clrMapOvr>
     <a:masterClrMapping/>
   </p:clrMapOvr>
+  <p:timing>
+    <p:tnLst>
+      <p:par>
+        <p:cTn id="1" dur="indefinite" restart="never" nodeType="tmRoot"/>
+      </p:par>
+    </p:tnLst>
+  </p:timing>
 </p:sld>
 </file>
 
@@ -13257,7 +13355,7 @@
               <a:graphicData uri="http://schemas.openxmlformats.org/presentationml/2006/ole">
                 <mc:AlternateContent xmlns:mc="http://schemas.openxmlformats.org/markup-compatibility/2006">
                   <mc:Choice xmlns:v="urn:schemas-microsoft-com:vml" Requires="v">
-                    <p:oleObj spid="_x0000_s3162" name="Microsoft ClipArt Gallery" r:id="rId4" imgW="4006850" imgH="3192463" progId="MS_ClipArt_Gallery">
+                    <p:oleObj spid="_x0000_s3166" name="Microsoft ClipArt Gallery" r:id="rId4" imgW="4006850" imgH="3192463" progId="MS_ClipArt_Gallery">
                       <p:embed/>
                     </p:oleObj>
                   </mc:Choice>
@@ -13436,7 +13534,7 @@
               <a:graphicData uri="http://schemas.openxmlformats.org/presentationml/2006/ole">
                 <mc:AlternateContent xmlns:mc="http://schemas.openxmlformats.org/markup-compatibility/2006">
                   <mc:Choice xmlns:v="urn:schemas-microsoft-com:vml" Requires="v">
-                    <p:oleObj spid="_x0000_s3163" name="Microsoft ClipArt Gallery" r:id="rId6" imgW="4183063" imgH="3216275" progId="MS_ClipArt_Gallery">
+                    <p:oleObj spid="_x0000_s3167" name="Microsoft ClipArt Gallery" r:id="rId6" imgW="4183063" imgH="3216275" progId="MS_ClipArt_Gallery">
                       <p:embed/>
                     </p:oleObj>
                   </mc:Choice>
@@ -13599,6 +13697,13 @@
   <p:clrMapOvr>
     <a:masterClrMapping/>
   </p:clrMapOvr>
+  <p:timing>
+    <p:tnLst>
+      <p:par>
+        <p:cTn id="1" dur="indefinite" restart="never" nodeType="tmRoot"/>
+      </p:par>
+    </p:tnLst>
+  </p:timing>
 </p:sld>
 </file>
 
@@ -13718,6 +13823,13 @@
   <p:clrMapOvr>
     <a:masterClrMapping/>
   </p:clrMapOvr>
+  <p:timing>
+    <p:tnLst>
+      <p:par>
+        <p:cTn id="1" dur="indefinite" restart="never" nodeType="tmRoot"/>
+      </p:par>
+    </p:tnLst>
+  </p:timing>
 </p:sld>
 </file>
 
@@ -13941,6 +14053,13 @@
   <p:clrMapOvr>
     <a:masterClrMapping/>
   </p:clrMapOvr>
+  <p:timing>
+    <p:tnLst>
+      <p:par>
+        <p:cTn id="1" dur="indefinite" restart="never" nodeType="tmRoot"/>
+      </p:par>
+    </p:tnLst>
+  </p:timing>
 </p:sld>
 </file>
 
@@ -14133,6 +14252,13 @@
   <p:clrMapOvr>
     <a:masterClrMapping/>
   </p:clrMapOvr>
+  <p:timing>
+    <p:tnLst>
+      <p:par>
+        <p:cTn id="1" dur="indefinite" restart="never" nodeType="tmRoot"/>
+      </p:par>
+    </p:tnLst>
+  </p:timing>
 </p:sld>
 </file>
 
@@ -14312,6 +14438,13 @@
   <p:clrMapOvr>
     <a:masterClrMapping/>
   </p:clrMapOvr>
+  <p:timing>
+    <p:tnLst>
+      <p:par>
+        <p:cTn id="1" dur="indefinite" restart="never" nodeType="tmRoot"/>
+      </p:par>
+    </p:tnLst>
+  </p:timing>
 </p:sld>
 </file>
 
@@ -14360,7 +14493,7 @@
           <p:cNvPr id="10" name="Content Placeholder 9">
             <a:extLst>
               <a:ext uri="{FF2B5EF4-FFF2-40B4-BE49-F238E27FC236}">
-                <a16:creationId xmlns:a16="http://schemas.microsoft.com/office/drawing/2014/main" xmlns="" id="{0A22B6D8-9073-4E8C-972E-50F620F31FD1}"/>
+                <a16:creationId xmlns="" xmlns:a16="http://schemas.microsoft.com/office/drawing/2014/main" id="{0A22B6D8-9073-4E8C-972E-50F620F31FD1}"/>
               </a:ext>
             </a:extLst>
           </p:cNvPr>
@@ -14390,14 +14523,14 @@
                 <a:gridCol w="3947160">
                   <a:extLst>
                     <a:ext uri="{9D8B030D-6E8A-4147-A177-3AD203B41FA5}">
-                      <a16:colId xmlns:a16="http://schemas.microsoft.com/office/drawing/2014/main" xmlns="" val="4148119606"/>
+                      <a16:colId xmlns="" xmlns:a16="http://schemas.microsoft.com/office/drawing/2014/main" val="4148119606"/>
                     </a:ext>
                   </a:extLst>
                 </a:gridCol>
                 <a:gridCol w="3947160">
                   <a:extLst>
                     <a:ext uri="{9D8B030D-6E8A-4147-A177-3AD203B41FA5}">
-                      <a16:colId xmlns:a16="http://schemas.microsoft.com/office/drawing/2014/main" xmlns="" val="2229028685"/>
+                      <a16:colId xmlns="" xmlns:a16="http://schemas.microsoft.com/office/drawing/2014/main" val="2229028685"/>
                     </a:ext>
                   </a:extLst>
                 </a:gridCol>
@@ -14451,7 +14584,7 @@
                 </a:tc>
                 <a:extLst>
                   <a:ext uri="{0D108BD9-81ED-4DB2-BD59-A6C34878D82A}">
-                    <a16:rowId xmlns:a16="http://schemas.microsoft.com/office/drawing/2014/main" xmlns="" val="2494029403"/>
+                    <a16:rowId xmlns="" xmlns:a16="http://schemas.microsoft.com/office/drawing/2014/main" val="2494029403"/>
                   </a:ext>
                 </a:extLst>
               </a:tr>
@@ -14540,7 +14673,7 @@
                 </a:tc>
                 <a:extLst>
                   <a:ext uri="{0D108BD9-81ED-4DB2-BD59-A6C34878D82A}">
-                    <a16:rowId xmlns:a16="http://schemas.microsoft.com/office/drawing/2014/main" xmlns="" val="3295108235"/>
+                    <a16:rowId xmlns="" xmlns:a16="http://schemas.microsoft.com/office/drawing/2014/main" val="3295108235"/>
                   </a:ext>
                 </a:extLst>
               </a:tr>
@@ -14629,7 +14762,7 @@
                 </a:tc>
                 <a:extLst>
                   <a:ext uri="{0D108BD9-81ED-4DB2-BD59-A6C34878D82A}">
-                    <a16:rowId xmlns:a16="http://schemas.microsoft.com/office/drawing/2014/main" xmlns="" val="4188004682"/>
+                    <a16:rowId xmlns="" xmlns:a16="http://schemas.microsoft.com/office/drawing/2014/main" val="4188004682"/>
                   </a:ext>
                 </a:extLst>
               </a:tr>
@@ -14682,7 +14815,7 @@
                 </a:tc>
                 <a:extLst>
                   <a:ext uri="{0D108BD9-81ED-4DB2-BD59-A6C34878D82A}">
-                    <a16:rowId xmlns:a16="http://schemas.microsoft.com/office/drawing/2014/main" xmlns="" val="2535505752"/>
+                    <a16:rowId xmlns="" xmlns:a16="http://schemas.microsoft.com/office/drawing/2014/main" val="2535505752"/>
                   </a:ext>
                 </a:extLst>
               </a:tr>
@@ -14739,6 +14872,13 @@
   <p:clrMapOvr>
     <a:masterClrMapping/>
   </p:clrMapOvr>
+  <p:timing>
+    <p:tnLst>
+      <p:par>
+        <p:cTn id="1" dur="indefinite" restart="never" nodeType="tmRoot"/>
+      </p:par>
+    </p:tnLst>
+  </p:timing>
 </p:sld>
 </file>
 
@@ -14838,7 +14978,7 @@
           <p:cNvPr id="7" name="Content Placeholder 6">
             <a:extLst>
               <a:ext uri="{FF2B5EF4-FFF2-40B4-BE49-F238E27FC236}">
-                <a16:creationId xmlns:a16="http://schemas.microsoft.com/office/drawing/2014/main" xmlns="" id="{3A511582-0FFE-4E4B-8EF0-728CE85CB01F}"/>
+                <a16:creationId xmlns="" xmlns:a16="http://schemas.microsoft.com/office/drawing/2014/main" id="{3A511582-0FFE-4E4B-8EF0-728CE85CB01F}"/>
               </a:ext>
             </a:extLst>
           </p:cNvPr>
@@ -14868,14 +15008,14 @@
                 <a:gridCol w="4038600">
                   <a:extLst>
                     <a:ext uri="{9D8B030D-6E8A-4147-A177-3AD203B41FA5}">
-                      <a16:colId xmlns:a16="http://schemas.microsoft.com/office/drawing/2014/main" xmlns="" val="4094094059"/>
+                      <a16:colId xmlns="" xmlns:a16="http://schemas.microsoft.com/office/drawing/2014/main" val="4094094059"/>
                     </a:ext>
                   </a:extLst>
                 </a:gridCol>
                 <a:gridCol w="4038600">
                   <a:extLst>
                     <a:ext uri="{9D8B030D-6E8A-4147-A177-3AD203B41FA5}">
-                      <a16:colId xmlns:a16="http://schemas.microsoft.com/office/drawing/2014/main" xmlns="" val="162500616"/>
+                      <a16:colId xmlns="" xmlns:a16="http://schemas.microsoft.com/office/drawing/2014/main" val="162500616"/>
                     </a:ext>
                   </a:extLst>
                 </a:gridCol>
@@ -14929,7 +15069,7 @@
                 </a:tc>
                 <a:extLst>
                   <a:ext uri="{0D108BD9-81ED-4DB2-BD59-A6C34878D82A}">
-                    <a16:rowId xmlns:a16="http://schemas.microsoft.com/office/drawing/2014/main" xmlns="" val="3727081214"/>
+                    <a16:rowId xmlns="" xmlns:a16="http://schemas.microsoft.com/office/drawing/2014/main" val="3727081214"/>
                   </a:ext>
                 </a:extLst>
               </a:tr>
@@ -14982,7 +15122,7 @@
                 </a:tc>
                 <a:extLst>
                   <a:ext uri="{0D108BD9-81ED-4DB2-BD59-A6C34878D82A}">
-                    <a16:rowId xmlns:a16="http://schemas.microsoft.com/office/drawing/2014/main" xmlns="" val="836399312"/>
+                    <a16:rowId xmlns="" xmlns:a16="http://schemas.microsoft.com/office/drawing/2014/main" val="836399312"/>
                   </a:ext>
                 </a:extLst>
               </a:tr>
@@ -15035,7 +15175,7 @@
                 </a:tc>
                 <a:extLst>
                   <a:ext uri="{0D108BD9-81ED-4DB2-BD59-A6C34878D82A}">
-                    <a16:rowId xmlns:a16="http://schemas.microsoft.com/office/drawing/2014/main" xmlns="" val="1673196544"/>
+                    <a16:rowId xmlns="" xmlns:a16="http://schemas.microsoft.com/office/drawing/2014/main" val="1673196544"/>
                   </a:ext>
                 </a:extLst>
               </a:tr>
@@ -15056,6 +15196,13 @@
   <p:clrMapOvr>
     <a:masterClrMapping/>
   </p:clrMapOvr>
+  <p:timing>
+    <p:tnLst>
+      <p:par>
+        <p:cTn id="1" dur="indefinite" restart="never" nodeType="tmRoot"/>
+      </p:par>
+    </p:tnLst>
+  </p:timing>
 </p:sld>
 </file>
 
@@ -15445,6 +15592,13 @@
   <p:clrMapOvr>
     <a:masterClrMapping/>
   </p:clrMapOvr>
+  <p:timing>
+    <p:tnLst>
+      <p:par>
+        <p:cTn id="1" dur="indefinite" restart="never" nodeType="tmRoot"/>
+      </p:par>
+    </p:tnLst>
+  </p:timing>
 </p:sld>
 </file>
 
@@ -15900,6 +16054,13 @@
   <p:clrMapOvr>
     <a:masterClrMapping/>
   </p:clrMapOvr>
+  <p:timing>
+    <p:tnLst>
+      <p:par>
+        <p:cTn id="1" dur="indefinite" restart="never" nodeType="tmRoot"/>
+      </p:par>
+    </p:tnLst>
+  </p:timing>
 </p:sld>
 </file>
 
@@ -16347,6 +16508,13 @@
   <p:clrMapOvr>
     <a:masterClrMapping/>
   </p:clrMapOvr>
+  <p:timing>
+    <p:tnLst>
+      <p:par>
+        <p:cTn id="1" dur="indefinite" restart="never" nodeType="tmRoot"/>
+      </p:par>
+    </p:tnLst>
+  </p:timing>
 </p:sld>
 </file>
 
@@ -16433,6 +16601,13 @@
   <p:clrMapOvr>
     <a:masterClrMapping/>
   </p:clrMapOvr>
+  <p:timing>
+    <p:tnLst>
+      <p:par>
+        <p:cTn id="1" dur="indefinite" restart="never" nodeType="tmRoot"/>
+      </p:par>
+    </p:tnLst>
+  </p:timing>
 </p:sld>
 </file>
 
@@ -16809,6 +16984,13 @@
   <p:clrMapOvr>
     <a:masterClrMapping/>
   </p:clrMapOvr>
+  <p:timing>
+    <p:tnLst>
+      <p:par>
+        <p:cTn id="1" dur="indefinite" restart="never" nodeType="tmRoot"/>
+      </p:par>
+    </p:tnLst>
+  </p:timing>
 </p:sld>
 </file>
 
@@ -16983,6 +17165,13 @@
   <p:clrMapOvr>
     <a:masterClrMapping/>
   </p:clrMapOvr>
+  <p:timing>
+    <p:tnLst>
+      <p:par>
+        <p:cTn id="1" dur="indefinite" restart="never" nodeType="tmRoot"/>
+      </p:par>
+    </p:tnLst>
+  </p:timing>
 </p:sld>
 </file>
 
@@ -17620,6 +17809,13 @@
   <p:clrMapOvr>
     <a:masterClrMapping/>
   </p:clrMapOvr>
+  <p:timing>
+    <p:tnLst>
+      <p:par>
+        <p:cTn id="1" dur="indefinite" restart="never" nodeType="tmRoot"/>
+      </p:par>
+    </p:tnLst>
+  </p:timing>
 </p:sld>
 </file>
 
@@ -17808,6 +18004,13 @@
   <p:clrMapOvr>
     <a:masterClrMapping/>
   </p:clrMapOvr>
+  <p:timing>
+    <p:tnLst>
+      <p:par>
+        <p:cTn id="1" dur="indefinite" restart="never" nodeType="tmRoot"/>
+      </p:par>
+    </p:tnLst>
+  </p:timing>
 </p:sld>
 </file>
 
@@ -17920,6 +18123,13 @@
   <p:clrMapOvr>
     <a:masterClrMapping/>
   </p:clrMapOvr>
+  <p:timing>
+    <p:tnLst>
+      <p:par>
+        <p:cTn id="1" dur="indefinite" restart="never" nodeType="tmRoot"/>
+      </p:par>
+    </p:tnLst>
+  </p:timing>
 </p:sld>
 </file>
 
@@ -18009,6 +18219,13 @@
   <p:clrMapOvr>
     <a:masterClrMapping/>
   </p:clrMapOvr>
+  <p:timing>
+    <p:tnLst>
+      <p:par>
+        <p:cTn id="1" dur="indefinite" restart="never" nodeType="tmRoot"/>
+      </p:par>
+    </p:tnLst>
+  </p:timing>
 </p:sld>
 </file>
 
@@ -18034,7 +18251,7 @@
           <p:cNvPr id="2" name="Title 1">
             <a:extLst>
               <a:ext uri="{FF2B5EF4-FFF2-40B4-BE49-F238E27FC236}">
-                <a16:creationId xmlns:a16="http://schemas.microsoft.com/office/drawing/2014/main" xmlns="" id="{E6AF8411-4398-481F-8237-1FA6A6006CB0}"/>
+                <a16:creationId xmlns="" xmlns:a16="http://schemas.microsoft.com/office/drawing/2014/main" id="{E6AF8411-4398-481F-8237-1FA6A6006CB0}"/>
               </a:ext>
             </a:extLst>
           </p:cNvPr>
@@ -18068,7 +18285,7 @@
           <p:cNvPr id="4" name="Rectangle 3">
             <a:extLst>
               <a:ext uri="{FF2B5EF4-FFF2-40B4-BE49-F238E27FC236}">
-                <a16:creationId xmlns:a16="http://schemas.microsoft.com/office/drawing/2014/main" xmlns="" id="{46E5D5D9-5990-4083-96F8-7167991DDF96}"/>
+                <a16:creationId xmlns="" xmlns:a16="http://schemas.microsoft.com/office/drawing/2014/main" id="{46E5D5D9-5990-4083-96F8-7167991DDF96}"/>
               </a:ext>
             </a:extLst>
           </p:cNvPr>
@@ -18170,11 +18387,11 @@
               <a:t> </a:t>
             </a:r>
             <a:r>
-              <a:rPr lang="en-US" sz="2400" dirty="0" err="1"/>
-              <a:t>EchoDemoServer</a:t>
-            </a:r>
-            <a:r>
-              <a:rPr lang="en-US" sz="2400" dirty="0"/>
+              <a:rPr lang="en-US" sz="2400" dirty="0" err="1" smtClean="0"/>
+              <a:t>EchoServer</a:t>
+            </a:r>
+            <a:r>
+              <a:rPr lang="en-US" sz="2400" dirty="0" smtClean="0"/>
               <a:t> </a:t>
             </a:r>
             <a:r>
@@ -18655,7 +18872,7 @@
           <p:cNvPr id="5" name="Rectangle: Rounded Corners 4">
             <a:extLst>
               <a:ext uri="{FF2B5EF4-FFF2-40B4-BE49-F238E27FC236}">
-                <a16:creationId xmlns:a16="http://schemas.microsoft.com/office/drawing/2014/main" xmlns="" id="{26C8FC72-69A2-4A2B-BF11-365292130EB4}"/>
+                <a16:creationId xmlns="" xmlns:a16="http://schemas.microsoft.com/office/drawing/2014/main" id="{26C8FC72-69A2-4A2B-BF11-365292130EB4}"/>
               </a:ext>
             </a:extLst>
           </p:cNvPr>
@@ -18691,8 +18908,8 @@
           <a:p>
             <a:pPr algn="ctr"/>
             <a:r>
-              <a:rPr lang="en-US" sz="2000" b="1" dirty="0"/>
-              <a:t>EchoDemoServer.java</a:t>
+              <a:rPr lang="en-US" sz="2000" b="1" dirty="0" smtClean="0"/>
+              <a:t>EchoServer.java</a:t>
             </a:r>
             <a:endParaRPr lang="en-IN" sz="2000" b="1" dirty="0"/>
           </a:p>
@@ -18743,7 +18960,7 @@
           <p:cNvPr id="2" name="Title 1">
             <a:extLst>
               <a:ext uri="{FF2B5EF4-FFF2-40B4-BE49-F238E27FC236}">
-                <a16:creationId xmlns:a16="http://schemas.microsoft.com/office/drawing/2014/main" xmlns="" id="{44027335-884C-4B99-BFAB-9FE67CD77A07}"/>
+                <a16:creationId xmlns="" xmlns:a16="http://schemas.microsoft.com/office/drawing/2014/main" id="{44027335-884C-4B99-BFAB-9FE67CD77A07}"/>
               </a:ext>
             </a:extLst>
           </p:cNvPr>
@@ -18777,7 +18994,7 @@
           <p:cNvPr id="4" name="Rectangle 3">
             <a:extLst>
               <a:ext uri="{FF2B5EF4-FFF2-40B4-BE49-F238E27FC236}">
-                <a16:creationId xmlns:a16="http://schemas.microsoft.com/office/drawing/2014/main" xmlns="" id="{F239B26C-C8FD-4F8B-9AD9-B7E47E10C0BC}"/>
+                <a16:creationId xmlns="" xmlns:a16="http://schemas.microsoft.com/office/drawing/2014/main" id="{F239B26C-C8FD-4F8B-9AD9-B7E47E10C0BC}"/>
               </a:ext>
             </a:extLst>
           </p:cNvPr>
@@ -18875,11 +19092,11 @@
               <a:t> </a:t>
             </a:r>
             <a:r>
-              <a:rPr lang="en-IN" sz="2400" dirty="0" err="1">
-                <a:latin typeface="Courier New" pitchFamily="49" charset="0"/>
-                <a:cs typeface="Courier New" pitchFamily="49" charset="0"/>
-              </a:rPr>
-              <a:t>MyClientu</a:t>
+              <a:rPr lang="en-IN" sz="2400" dirty="0" err="1" smtClean="0">
+                <a:latin typeface="Courier New" pitchFamily="49" charset="0"/>
+                <a:cs typeface="Courier New" pitchFamily="49" charset="0"/>
+              </a:rPr>
+              <a:t>EchoClient</a:t>
             </a:r>
             <a:r>
               <a:rPr lang="en-IN" sz="2400" dirty="0">
@@ -19286,7 +19503,7 @@
           <p:cNvPr id="7" name="Rectangle: Rounded Corners 6">
             <a:extLst>
               <a:ext uri="{FF2B5EF4-FFF2-40B4-BE49-F238E27FC236}">
-                <a16:creationId xmlns:a16="http://schemas.microsoft.com/office/drawing/2014/main" xmlns="" id="{5CF51055-DF11-4C16-B202-2C98D02890D8}"/>
+                <a16:creationId xmlns="" xmlns:a16="http://schemas.microsoft.com/office/drawing/2014/main" id="{5CF51055-DF11-4C16-B202-2C98D02890D8}"/>
               </a:ext>
             </a:extLst>
           </p:cNvPr>
@@ -19322,8 +19539,8 @@
           <a:p>
             <a:pPr algn="ctr"/>
             <a:r>
-              <a:rPr lang="en-US" sz="2000" b="1" dirty="0"/>
-              <a:t>EchoDemoClient.java</a:t>
+              <a:rPr lang="en-US" sz="2000" b="1" dirty="0" smtClean="0"/>
+              <a:t>EchoClient.java</a:t>
             </a:r>
             <a:endParaRPr lang="en-IN" sz="2000" b="1" dirty="0"/>
           </a:p>
@@ -20088,6 +20305,13 @@
   <p:clrMapOvr>
     <a:masterClrMapping/>
   </p:clrMapOvr>
+  <p:timing>
+    <p:tnLst>
+      <p:par>
+        <p:cTn id="1" dur="indefinite" restart="never" nodeType="tmRoot"/>
+      </p:par>
+    </p:tnLst>
+  </p:timing>
 </p:sld>
 </file>
 
@@ -20196,6 +20420,13 @@
   <p:clrMapOvr>
     <a:masterClrMapping/>
   </p:clrMapOvr>
+  <p:timing>
+    <p:tnLst>
+      <p:par>
+        <p:cTn id="1" dur="indefinite" restart="never" nodeType="tmRoot"/>
+      </p:par>
+    </p:tnLst>
+  </p:timing>
 </p:sld>
 </file>
 
@@ -20407,7 +20638,7 @@
           <p:cNvPr id="4" name="Content Placeholder 3">
             <a:extLst>
               <a:ext uri="{FF2B5EF4-FFF2-40B4-BE49-F238E27FC236}">
-                <a16:creationId xmlns:a16="http://schemas.microsoft.com/office/drawing/2014/main" xmlns="" id="{0D3BE46D-D4B7-4773-A089-B318D590D2EC}"/>
+                <a16:creationId xmlns="" xmlns:a16="http://schemas.microsoft.com/office/drawing/2014/main" id="{0D3BE46D-D4B7-4773-A089-B318D590D2EC}"/>
               </a:ext>
             </a:extLst>
           </p:cNvPr>
@@ -20437,14 +20668,14 @@
                 <a:gridCol w="4107180">
                   <a:extLst>
                     <a:ext uri="{9D8B030D-6E8A-4147-A177-3AD203B41FA5}">
-                      <a16:colId xmlns:a16="http://schemas.microsoft.com/office/drawing/2014/main" xmlns="" val="4170491539"/>
+                      <a16:colId xmlns="" xmlns:a16="http://schemas.microsoft.com/office/drawing/2014/main" val="4170491539"/>
                     </a:ext>
                   </a:extLst>
                 </a:gridCol>
                 <a:gridCol w="4107180">
                   <a:extLst>
                     <a:ext uri="{9D8B030D-6E8A-4147-A177-3AD203B41FA5}">
-                      <a16:colId xmlns:a16="http://schemas.microsoft.com/office/drawing/2014/main" xmlns="" val="509871682"/>
+                      <a16:colId xmlns="" xmlns:a16="http://schemas.microsoft.com/office/drawing/2014/main" val="509871682"/>
                     </a:ext>
                   </a:extLst>
                 </a:gridCol>
@@ -20498,7 +20729,7 @@
                 </a:tc>
                 <a:extLst>
                   <a:ext uri="{0D108BD9-81ED-4DB2-BD59-A6C34878D82A}">
-                    <a16:rowId xmlns:a16="http://schemas.microsoft.com/office/drawing/2014/main" xmlns="" val="1470494853"/>
+                    <a16:rowId xmlns="" xmlns:a16="http://schemas.microsoft.com/office/drawing/2014/main" val="1470494853"/>
                   </a:ext>
                 </a:extLst>
               </a:tr>
@@ -20563,7 +20794,7 @@
                 </a:tc>
                 <a:extLst>
                   <a:ext uri="{0D108BD9-81ED-4DB2-BD59-A6C34878D82A}">
-                    <a16:rowId xmlns:a16="http://schemas.microsoft.com/office/drawing/2014/main" xmlns="" val="2639377761"/>
+                    <a16:rowId xmlns="" xmlns:a16="http://schemas.microsoft.com/office/drawing/2014/main" val="2639377761"/>
                   </a:ext>
                 </a:extLst>
               </a:tr>
@@ -20616,7 +20847,7 @@
                 </a:tc>
                 <a:extLst>
                   <a:ext uri="{0D108BD9-81ED-4DB2-BD59-A6C34878D82A}">
-                    <a16:rowId xmlns:a16="http://schemas.microsoft.com/office/drawing/2014/main" xmlns="" val="2613002052"/>
+                    <a16:rowId xmlns="" xmlns:a16="http://schemas.microsoft.com/office/drawing/2014/main" val="2613002052"/>
                   </a:ext>
                 </a:extLst>
               </a:tr>
@@ -20669,7 +20900,7 @@
                 </a:tc>
                 <a:extLst>
                   <a:ext uri="{0D108BD9-81ED-4DB2-BD59-A6C34878D82A}">
-                    <a16:rowId xmlns:a16="http://schemas.microsoft.com/office/drawing/2014/main" xmlns="" val="4086398249"/>
+                    <a16:rowId xmlns="" xmlns:a16="http://schemas.microsoft.com/office/drawing/2014/main" val="4086398249"/>
                   </a:ext>
                 </a:extLst>
               </a:tr>
@@ -20722,7 +20953,7 @@
                 </a:tc>
                 <a:extLst>
                   <a:ext uri="{0D108BD9-81ED-4DB2-BD59-A6C34878D82A}">
-                    <a16:rowId xmlns:a16="http://schemas.microsoft.com/office/drawing/2014/main" xmlns="" val="2813433476"/>
+                    <a16:rowId xmlns="" xmlns:a16="http://schemas.microsoft.com/office/drawing/2014/main" val="2813433476"/>
                   </a:ext>
                 </a:extLst>
               </a:tr>
@@ -20787,7 +21018,7 @@
                 </a:tc>
                 <a:extLst>
                   <a:ext uri="{0D108BD9-81ED-4DB2-BD59-A6C34878D82A}">
-                    <a16:rowId xmlns:a16="http://schemas.microsoft.com/office/drawing/2014/main" xmlns="" val="2154240040"/>
+                    <a16:rowId xmlns="" xmlns:a16="http://schemas.microsoft.com/office/drawing/2014/main" val="2154240040"/>
                   </a:ext>
                 </a:extLst>
               </a:tr>
@@ -20967,6 +21198,13 @@
   <p:clrMapOvr>
     <a:masterClrMapping/>
   </p:clrMapOvr>
+  <p:timing>
+    <p:tnLst>
+      <p:par>
+        <p:cTn id="1" dur="indefinite" restart="never" nodeType="tmRoot"/>
+      </p:par>
+    </p:tnLst>
+  </p:timing>
 </p:sld>
 </file>
 
@@ -20992,7 +21230,7 @@
           <p:cNvPr id="2" name="Title 1">
             <a:extLst>
               <a:ext uri="{FF2B5EF4-FFF2-40B4-BE49-F238E27FC236}">
-                <a16:creationId xmlns:a16="http://schemas.microsoft.com/office/drawing/2014/main" xmlns="" id="{1B80ABD8-37E8-47B1-89AC-8884239E35EA}"/>
+                <a16:creationId xmlns="" xmlns:a16="http://schemas.microsoft.com/office/drawing/2014/main" id="{1B80ABD8-37E8-47B1-89AC-8884239E35EA}"/>
               </a:ext>
             </a:extLst>
           </p:cNvPr>
@@ -21021,7 +21259,7 @@
           <p:cNvPr id="3" name="Content Placeholder 2">
             <a:extLst>
               <a:ext uri="{FF2B5EF4-FFF2-40B4-BE49-F238E27FC236}">
-                <a16:creationId xmlns:a16="http://schemas.microsoft.com/office/drawing/2014/main" xmlns="" id="{477D265A-8343-4C45-8DD2-C61D7837D62F}"/>
+                <a16:creationId xmlns="" xmlns:a16="http://schemas.microsoft.com/office/drawing/2014/main" id="{477D265A-8343-4C45-8DD2-C61D7837D62F}"/>
               </a:ext>
             </a:extLst>
           </p:cNvPr>
@@ -22260,7 +22498,7 @@
           <p:cNvPr id="2" name="Title 1">
             <a:extLst>
               <a:ext uri="{FF2B5EF4-FFF2-40B4-BE49-F238E27FC236}">
-                <a16:creationId xmlns:a16="http://schemas.microsoft.com/office/drawing/2014/main" xmlns="" id="{D33415B6-04DC-4E6C-BA81-A8BFF5E1E12B}"/>
+                <a16:creationId xmlns="" xmlns:a16="http://schemas.microsoft.com/office/drawing/2014/main" id="{D33415B6-04DC-4E6C-BA81-A8BFF5E1E12B}"/>
               </a:ext>
             </a:extLst>
           </p:cNvPr>
@@ -22303,7 +22541,7 @@
           <p:cNvPr id="3" name="Content Placeholder 2">
             <a:extLst>
               <a:ext uri="{FF2B5EF4-FFF2-40B4-BE49-F238E27FC236}">
-                <a16:creationId xmlns:a16="http://schemas.microsoft.com/office/drawing/2014/main" xmlns="" id="{7076138A-B6FA-4F83-95E8-D45135F4230D}"/>
+                <a16:creationId xmlns="" xmlns:a16="http://schemas.microsoft.com/office/drawing/2014/main" id="{7076138A-B6FA-4F83-95E8-D45135F4230D}"/>
               </a:ext>
             </a:extLst>
           </p:cNvPr>
@@ -24533,7 +24771,7 @@
           <a:graphicData uri="http://schemas.openxmlformats.org/presentationml/2006/ole">
             <mc:AlternateContent xmlns:mc="http://schemas.openxmlformats.org/markup-compatibility/2006">
               <mc:Choice xmlns:v="urn:schemas-microsoft-com:vml" Requires="v">
-                <p:oleObj spid="_x0000_s1284" name="Microsoft ClipArt Gallery" r:id="rId4" imgW="2559050" imgH="4298950" progId="MS_ClipArt_Gallery">
+                <p:oleObj spid="_x0000_s1296" name="Microsoft ClipArt Gallery" r:id="rId4" imgW="2559050" imgH="4298950" progId="MS_ClipArt_Gallery">
                   <p:embed/>
                 </p:oleObj>
               </mc:Choice>
@@ -24675,7 +24913,7 @@
           <a:graphicData uri="http://schemas.openxmlformats.org/presentationml/2006/ole">
             <mc:AlternateContent xmlns:mc="http://schemas.openxmlformats.org/markup-compatibility/2006">
               <mc:Choice xmlns:v="urn:schemas-microsoft-com:vml" Requires="v">
-                <p:oleObj spid="_x0000_s1285" name="Microsoft ClipArt Gallery" r:id="rId7" imgW="4183063" imgH="3216275" progId="MS_ClipArt_Gallery">
+                <p:oleObj spid="_x0000_s1297" name="Microsoft ClipArt Gallery" r:id="rId7" imgW="4183063" imgH="3216275" progId="MS_ClipArt_Gallery">
                   <p:embed/>
                 </p:oleObj>
               </mc:Choice>
@@ -24948,7 +25186,7 @@
           <a:graphicData uri="http://schemas.openxmlformats.org/presentationml/2006/ole">
             <mc:AlternateContent xmlns:mc="http://schemas.openxmlformats.org/markup-compatibility/2006">
               <mc:Choice xmlns:v="urn:schemas-microsoft-com:vml" Requires="v">
-                <p:oleObj spid="_x0000_s1286" name="Microsoft ClipArt Gallery" r:id="rId9" imgW="4183063" imgH="3216275" progId="MS_ClipArt_Gallery">
+                <p:oleObj spid="_x0000_s1298" name="Microsoft ClipArt Gallery" r:id="rId9" imgW="4183063" imgH="3216275" progId="MS_ClipArt_Gallery">
                   <p:embed/>
                 </p:oleObj>
               </mc:Choice>
@@ -25047,7 +25285,7 @@
           <a:graphicData uri="http://schemas.openxmlformats.org/presentationml/2006/ole">
             <mc:AlternateContent xmlns:mc="http://schemas.openxmlformats.org/markup-compatibility/2006">
               <mc:Choice xmlns:v="urn:schemas-microsoft-com:vml" Requires="v">
-                <p:oleObj spid="_x0000_s1287" name="Microsoft ClipArt Gallery" r:id="rId10" imgW="2559050" imgH="4298950" progId="MS_ClipArt_Gallery">
+                <p:oleObj spid="_x0000_s1299" name="Microsoft ClipArt Gallery" r:id="rId10" imgW="2559050" imgH="4298950" progId="MS_ClipArt_Gallery">
                   <p:embed/>
                 </p:oleObj>
               </mc:Choice>
@@ -25146,7 +25384,7 @@
           <a:graphicData uri="http://schemas.openxmlformats.org/presentationml/2006/ole">
             <mc:AlternateContent xmlns:mc="http://schemas.openxmlformats.org/markup-compatibility/2006">
               <mc:Choice xmlns:v="urn:schemas-microsoft-com:vml" Requires="v">
-                <p:oleObj spid="_x0000_s1288" name="Microsoft ClipArt Gallery" r:id="rId11" imgW="4548188" imgH="3284538" progId="MS_ClipArt_Gallery">
+                <p:oleObj spid="_x0000_s1300" name="Microsoft ClipArt Gallery" r:id="rId11" imgW="4548188" imgH="3284538" progId="MS_ClipArt_Gallery">
                   <p:embed/>
                 </p:oleObj>
               </mc:Choice>
@@ -25514,7 +25752,7 @@
           <a:graphicData uri="http://schemas.openxmlformats.org/presentationml/2006/ole">
             <mc:AlternateContent xmlns:mc="http://schemas.openxmlformats.org/markup-compatibility/2006">
               <mc:Choice xmlns:v="urn:schemas-microsoft-com:vml" Requires="v">
-                <p:oleObj spid="_x0000_s1289" name="CorelDRAW!" r:id="rId13" imgW="1255713" imgH="503238" progId="CDraw5">
+                <p:oleObj spid="_x0000_s1301" name="CorelDRAW!" r:id="rId13" imgW="1255713" imgH="503238" progId="CDraw5">
                   <p:embed/>
                 </p:oleObj>
               </mc:Choice>
@@ -30248,6 +30486,13 @@
   <p:clrMapOvr>
     <a:masterClrMapping/>
   </p:clrMapOvr>
+  <p:timing>
+    <p:tnLst>
+      <p:par>
+        <p:cTn id="1" dur="indefinite" restart="never" nodeType="tmRoot"/>
+      </p:par>
+    </p:tnLst>
+  </p:timing>
 </p:sld>
 </file>
 
@@ -33125,6 +33370,13 @@
   <p:clrMapOvr>
     <a:masterClrMapping/>
   </p:clrMapOvr>
+  <p:timing>
+    <p:tnLst>
+      <p:par>
+        <p:cTn id="1" dur="indefinite" restart="never" nodeType="tmRoot"/>
+      </p:par>
+    </p:tnLst>
+  </p:timing>
 </p:sld>
 </file>
 
@@ -34697,7 +34949,7 @@
           <a:graphicData uri="http://schemas.openxmlformats.org/presentationml/2006/ole">
             <mc:AlternateContent xmlns:mc="http://schemas.openxmlformats.org/markup-compatibility/2006">
               <mc:Choice xmlns:v="urn:schemas-microsoft-com:vml" Requires="v">
-                <p:oleObj spid="_x0000_s2136" name="Microsoft ClipArt Gallery" r:id="rId4" imgW="4183063" imgH="3216275" progId="MS_ClipArt_Gallery">
+                <p:oleObj spid="_x0000_s2140" name="Microsoft ClipArt Gallery" r:id="rId4" imgW="4183063" imgH="3216275" progId="MS_ClipArt_Gallery">
                   <p:embed/>
                 </p:oleObj>
               </mc:Choice>
@@ -34796,7 +35048,7 @@
           <a:graphicData uri="http://schemas.openxmlformats.org/presentationml/2006/ole">
             <mc:AlternateContent xmlns:mc="http://schemas.openxmlformats.org/markup-compatibility/2006">
               <mc:Choice xmlns:v="urn:schemas-microsoft-com:vml" Requires="v">
-                <p:oleObj spid="_x0000_s2137" name="Microsoft ClipArt Gallery" r:id="rId6" imgW="4006850" imgH="3192463" progId="MS_ClipArt_Gallery">
+                <p:oleObj spid="_x0000_s2141" name="Microsoft ClipArt Gallery" r:id="rId6" imgW="4006850" imgH="3192463" progId="MS_ClipArt_Gallery">
                   <p:embed/>
                 </p:oleObj>
               </mc:Choice>
@@ -35170,6 +35422,13 @@
   <p:clrMapOvr>
     <a:masterClrMapping/>
   </p:clrMapOvr>
+  <p:timing>
+    <p:tnLst>
+      <p:par>
+        <p:cTn id="1" dur="indefinite" restart="never" nodeType="tmRoot"/>
+      </p:par>
+    </p:tnLst>
+  </p:timing>
 </p:sld>
 </file>
 
@@ -35307,6 +35566,13 @@
   <p:clrMapOvr>
     <a:masterClrMapping/>
   </p:clrMapOvr>
+  <p:timing>
+    <p:tnLst>
+      <p:par>
+        <p:cTn id="1" dur="indefinite" restart="never" nodeType="tmRoot"/>
+      </p:par>
+    </p:tnLst>
+  </p:timing>
 </p:sld>
 </file>
 
@@ -36041,7 +36307,7 @@
   <a:extraClrSchemeLst/>
   <a:extLst>
     <a:ext uri="{05A4C25C-085E-4340-85A3-A5531E510DB2}">
-      <thm15:themeFamily xmlns="" xmlns:thm15="http://schemas.microsoft.com/office/thememl/2012/main" name="Frame" id="{F226E7A2-7162-461C-9490-D27D9DC04E43}" vid="{629A0216-3BBD-45C0-B63F-2683BEA18F60}"/>
+      <thm15:themeFamily xmlns:thm15="http://schemas.microsoft.com/office/thememl/2012/main" xmlns="" name="Frame" id="{F226E7A2-7162-461C-9490-D27D9DC04E43}" vid="{629A0216-3BBD-45C0-B63F-2683BEA18F60}"/>
     </a:ext>
   </a:extLst>
 </a:theme>

--- a/Slides/AJP - Unit 1 - Java Networking.pptx
+++ b/Slides/AJP - Unit 1 - Java Networking.pptx
@@ -183,7 +183,7 @@
   </p:defaultTextStyle>
   <p:extLst>
     <p:ext uri="{EFAFB233-063F-42B5-8137-9DF3F51BA10A}">
-      <p15:sldGuideLst xmlns:p15="http://schemas.microsoft.com/office/powerpoint/2012/main" xmlns=""/>
+      <p15:sldGuideLst xmlns="" xmlns:p15="http://schemas.microsoft.com/office/powerpoint/2012/main"/>
     </p:ext>
   </p:extLst>
 </p:presentation>
@@ -11150,11 +11150,11 @@
               <a:t>class </a:t>
             </a:r>
             <a:r>
-              <a:rPr lang="en-IN" sz="2000" b="1" dirty="0" err="1" smtClean="0">
-                <a:latin typeface="Courier New" pitchFamily="49" charset="0"/>
-                <a:cs typeface="Courier New" pitchFamily="49" charset="0"/>
-              </a:rPr>
-              <a:t>InetAddressTest</a:t>
+              <a:rPr lang="en-IN" sz="2000" b="1" dirty="0" smtClean="0">
+                <a:latin typeface="Courier New" pitchFamily="49" charset="0"/>
+                <a:cs typeface="Courier New" pitchFamily="49" charset="0"/>
+              </a:rPr>
+              <a:t>InetAddressTest1</a:t>
             </a:r>
             <a:endParaRPr lang="en-IN" sz="2000" b="1" dirty="0" smtClean="0">
               <a:latin typeface="Courier New" pitchFamily="49" charset="0"/>
@@ -11663,8 +11663,19 @@
                 <a:latin typeface="Courier New" pitchFamily="49" charset="0"/>
                 <a:cs typeface="Courier New" pitchFamily="49" charset="0"/>
               </a:rPr>
-              <a:t>class InetAddressTest1</a:t>
-            </a:r>
+              <a:t>class </a:t>
+            </a:r>
+            <a:r>
+              <a:rPr lang="en-IN" sz="2000" b="1" dirty="0" smtClean="0">
+                <a:latin typeface="Courier New" pitchFamily="49" charset="0"/>
+                <a:cs typeface="Courier New" pitchFamily="49" charset="0"/>
+              </a:rPr>
+              <a:t>InetAddressTest2</a:t>
+            </a:r>
+            <a:endParaRPr lang="en-IN" sz="2000" b="1" dirty="0" smtClean="0">
+              <a:latin typeface="Courier New" pitchFamily="49" charset="0"/>
+              <a:cs typeface="Courier New" pitchFamily="49" charset="0"/>
+            </a:endParaRPr>
           </a:p>
           <a:p>
             <a:pPr marL="0" indent="0">
@@ -13355,7 +13366,7 @@
               <a:graphicData uri="http://schemas.openxmlformats.org/presentationml/2006/ole">
                 <mc:AlternateContent xmlns:mc="http://schemas.openxmlformats.org/markup-compatibility/2006">
                   <mc:Choice xmlns:v="urn:schemas-microsoft-com:vml" Requires="v">
-                    <p:oleObj spid="_x0000_s3166" name="Microsoft ClipArt Gallery" r:id="rId4" imgW="4006850" imgH="3192463" progId="MS_ClipArt_Gallery">
+                    <p:oleObj spid="_x0000_s3178" name="Microsoft ClipArt Gallery" r:id="rId4" imgW="4006850" imgH="3192463" progId="MS_ClipArt_Gallery">
                       <p:embed/>
                     </p:oleObj>
                   </mc:Choice>
@@ -13534,7 +13545,7 @@
               <a:graphicData uri="http://schemas.openxmlformats.org/presentationml/2006/ole">
                 <mc:AlternateContent xmlns:mc="http://schemas.openxmlformats.org/markup-compatibility/2006">
                   <mc:Choice xmlns:v="urn:schemas-microsoft-com:vml" Requires="v">
-                    <p:oleObj spid="_x0000_s3167" name="Microsoft ClipArt Gallery" r:id="rId6" imgW="4183063" imgH="3216275" progId="MS_ClipArt_Gallery">
+                    <p:oleObj spid="_x0000_s3179" name="Microsoft ClipArt Gallery" r:id="rId6" imgW="4183063" imgH="3216275" progId="MS_ClipArt_Gallery">
                       <p:embed/>
                     </p:oleObj>
                   </mc:Choice>
@@ -14493,7 +14504,7 @@
           <p:cNvPr id="10" name="Content Placeholder 9">
             <a:extLst>
               <a:ext uri="{FF2B5EF4-FFF2-40B4-BE49-F238E27FC236}">
-                <a16:creationId xmlns="" xmlns:a16="http://schemas.microsoft.com/office/drawing/2014/main" id="{0A22B6D8-9073-4E8C-972E-50F620F31FD1}"/>
+                <a16:creationId xmlns:a16="http://schemas.microsoft.com/office/drawing/2014/main" xmlns="" id="{0A22B6D8-9073-4E8C-972E-50F620F31FD1}"/>
               </a:ext>
             </a:extLst>
           </p:cNvPr>
@@ -14523,14 +14534,14 @@
                 <a:gridCol w="3947160">
                   <a:extLst>
                     <a:ext uri="{9D8B030D-6E8A-4147-A177-3AD203B41FA5}">
-                      <a16:colId xmlns="" xmlns:a16="http://schemas.microsoft.com/office/drawing/2014/main" val="4148119606"/>
+                      <a16:colId xmlns:a16="http://schemas.microsoft.com/office/drawing/2014/main" xmlns="" val="4148119606"/>
                     </a:ext>
                   </a:extLst>
                 </a:gridCol>
                 <a:gridCol w="3947160">
                   <a:extLst>
                     <a:ext uri="{9D8B030D-6E8A-4147-A177-3AD203B41FA5}">
-                      <a16:colId xmlns="" xmlns:a16="http://schemas.microsoft.com/office/drawing/2014/main" val="2229028685"/>
+                      <a16:colId xmlns:a16="http://schemas.microsoft.com/office/drawing/2014/main" xmlns="" val="2229028685"/>
                     </a:ext>
                   </a:extLst>
                 </a:gridCol>
@@ -14584,7 +14595,7 @@
                 </a:tc>
                 <a:extLst>
                   <a:ext uri="{0D108BD9-81ED-4DB2-BD59-A6C34878D82A}">
-                    <a16:rowId xmlns="" xmlns:a16="http://schemas.microsoft.com/office/drawing/2014/main" val="2494029403"/>
+                    <a16:rowId xmlns:a16="http://schemas.microsoft.com/office/drawing/2014/main" xmlns="" val="2494029403"/>
                   </a:ext>
                 </a:extLst>
               </a:tr>
@@ -14673,7 +14684,7 @@
                 </a:tc>
                 <a:extLst>
                   <a:ext uri="{0D108BD9-81ED-4DB2-BD59-A6C34878D82A}">
-                    <a16:rowId xmlns="" xmlns:a16="http://schemas.microsoft.com/office/drawing/2014/main" val="3295108235"/>
+                    <a16:rowId xmlns:a16="http://schemas.microsoft.com/office/drawing/2014/main" xmlns="" val="3295108235"/>
                   </a:ext>
                 </a:extLst>
               </a:tr>
@@ -14762,7 +14773,7 @@
                 </a:tc>
                 <a:extLst>
                   <a:ext uri="{0D108BD9-81ED-4DB2-BD59-A6C34878D82A}">
-                    <a16:rowId xmlns="" xmlns:a16="http://schemas.microsoft.com/office/drawing/2014/main" val="4188004682"/>
+                    <a16:rowId xmlns:a16="http://schemas.microsoft.com/office/drawing/2014/main" xmlns="" val="4188004682"/>
                   </a:ext>
                 </a:extLst>
               </a:tr>
@@ -14815,7 +14826,7 @@
                 </a:tc>
                 <a:extLst>
                   <a:ext uri="{0D108BD9-81ED-4DB2-BD59-A6C34878D82A}">
-                    <a16:rowId xmlns="" xmlns:a16="http://schemas.microsoft.com/office/drawing/2014/main" val="2535505752"/>
+                    <a16:rowId xmlns:a16="http://schemas.microsoft.com/office/drawing/2014/main" xmlns="" val="2535505752"/>
                   </a:ext>
                 </a:extLst>
               </a:tr>
@@ -14978,7 +14989,7 @@
           <p:cNvPr id="7" name="Content Placeholder 6">
             <a:extLst>
               <a:ext uri="{FF2B5EF4-FFF2-40B4-BE49-F238E27FC236}">
-                <a16:creationId xmlns="" xmlns:a16="http://schemas.microsoft.com/office/drawing/2014/main" id="{3A511582-0FFE-4E4B-8EF0-728CE85CB01F}"/>
+                <a16:creationId xmlns:a16="http://schemas.microsoft.com/office/drawing/2014/main" xmlns="" id="{3A511582-0FFE-4E4B-8EF0-728CE85CB01F}"/>
               </a:ext>
             </a:extLst>
           </p:cNvPr>
@@ -15008,14 +15019,14 @@
                 <a:gridCol w="4038600">
                   <a:extLst>
                     <a:ext uri="{9D8B030D-6E8A-4147-A177-3AD203B41FA5}">
-                      <a16:colId xmlns="" xmlns:a16="http://schemas.microsoft.com/office/drawing/2014/main" val="4094094059"/>
+                      <a16:colId xmlns:a16="http://schemas.microsoft.com/office/drawing/2014/main" xmlns="" val="4094094059"/>
                     </a:ext>
                   </a:extLst>
                 </a:gridCol>
                 <a:gridCol w="4038600">
                   <a:extLst>
                     <a:ext uri="{9D8B030D-6E8A-4147-A177-3AD203B41FA5}">
-                      <a16:colId xmlns="" xmlns:a16="http://schemas.microsoft.com/office/drawing/2014/main" val="162500616"/>
+                      <a16:colId xmlns:a16="http://schemas.microsoft.com/office/drawing/2014/main" xmlns="" val="162500616"/>
                     </a:ext>
                   </a:extLst>
                 </a:gridCol>
@@ -15069,7 +15080,7 @@
                 </a:tc>
                 <a:extLst>
                   <a:ext uri="{0D108BD9-81ED-4DB2-BD59-A6C34878D82A}">
-                    <a16:rowId xmlns="" xmlns:a16="http://schemas.microsoft.com/office/drawing/2014/main" val="3727081214"/>
+                    <a16:rowId xmlns:a16="http://schemas.microsoft.com/office/drawing/2014/main" xmlns="" val="3727081214"/>
                   </a:ext>
                 </a:extLst>
               </a:tr>
@@ -15122,7 +15133,7 @@
                 </a:tc>
                 <a:extLst>
                   <a:ext uri="{0D108BD9-81ED-4DB2-BD59-A6C34878D82A}">
-                    <a16:rowId xmlns="" xmlns:a16="http://schemas.microsoft.com/office/drawing/2014/main" val="836399312"/>
+                    <a16:rowId xmlns:a16="http://schemas.microsoft.com/office/drawing/2014/main" xmlns="" val="836399312"/>
                   </a:ext>
                 </a:extLst>
               </a:tr>
@@ -15175,7 +15186,7 @@
                 </a:tc>
                 <a:extLst>
                   <a:ext uri="{0D108BD9-81ED-4DB2-BD59-A6C34878D82A}">
-                    <a16:rowId xmlns="" xmlns:a16="http://schemas.microsoft.com/office/drawing/2014/main" val="1673196544"/>
+                    <a16:rowId xmlns:a16="http://schemas.microsoft.com/office/drawing/2014/main" xmlns="" val="1673196544"/>
                   </a:ext>
                 </a:extLst>
               </a:tr>
@@ -18189,15 +18200,15 @@
           <a:lstStyle/>
           <a:p>
             <a:r>
-              <a:rPr lang="en-US" dirty="0" err="1"/>
-              <a:t>EchoDemoServer</a:t>
+              <a:rPr lang="en-US" dirty="0" err="1" smtClean="0"/>
+              <a:t>EchoServer</a:t>
             </a:r>
             <a:endParaRPr lang="en-US" dirty="0"/>
           </a:p>
           <a:p>
             <a:r>
-              <a:rPr lang="en-US" dirty="0" err="1"/>
-              <a:t>EchoDemoClient</a:t>
+              <a:rPr lang="en-US" dirty="0" err="1" smtClean="0"/>
+              <a:t>EchoClient</a:t>
             </a:r>
             <a:endParaRPr lang="en-IN" dirty="0"/>
           </a:p>
@@ -18251,7 +18262,7 @@
           <p:cNvPr id="2" name="Title 1">
             <a:extLst>
               <a:ext uri="{FF2B5EF4-FFF2-40B4-BE49-F238E27FC236}">
-                <a16:creationId xmlns="" xmlns:a16="http://schemas.microsoft.com/office/drawing/2014/main" id="{E6AF8411-4398-481F-8237-1FA6A6006CB0}"/>
+                <a16:creationId xmlns:a16="http://schemas.microsoft.com/office/drawing/2014/main" xmlns="" id="{E6AF8411-4398-481F-8237-1FA6A6006CB0}"/>
               </a:ext>
             </a:extLst>
           </p:cNvPr>
@@ -18285,7 +18296,7 @@
           <p:cNvPr id="4" name="Rectangle 3">
             <a:extLst>
               <a:ext uri="{FF2B5EF4-FFF2-40B4-BE49-F238E27FC236}">
-                <a16:creationId xmlns="" xmlns:a16="http://schemas.microsoft.com/office/drawing/2014/main" id="{46E5D5D9-5990-4083-96F8-7167991DDF96}"/>
+                <a16:creationId xmlns:a16="http://schemas.microsoft.com/office/drawing/2014/main" xmlns="" id="{46E5D5D9-5990-4083-96F8-7167991DDF96}"/>
               </a:ext>
             </a:extLst>
           </p:cNvPr>
@@ -18723,11 +18734,18 @@
               <a:t>System.out.println</a:t>
             </a:r>
             <a:r>
+              <a:rPr lang="en-IN" sz="2400" dirty="0" smtClean="0">
+                <a:latin typeface="Courier New" pitchFamily="49" charset="0"/>
+                <a:cs typeface="Courier New" pitchFamily="49" charset="0"/>
+              </a:rPr>
+              <a:t>("Client says=</a:t>
+            </a:r>
+            <a:r>
               <a:rPr lang="en-IN" sz="2400" dirty="0">
                 <a:latin typeface="Courier New" pitchFamily="49" charset="0"/>
                 <a:cs typeface="Courier New" pitchFamily="49" charset="0"/>
               </a:rPr>
-              <a:t>("message= "+</a:t>
+              <a:t> "+</a:t>
             </a:r>
             <a:r>
               <a:rPr lang="en-IN" sz="2400" dirty="0" err="1">
@@ -18872,7 +18890,7 @@
           <p:cNvPr id="5" name="Rectangle: Rounded Corners 4">
             <a:extLst>
               <a:ext uri="{FF2B5EF4-FFF2-40B4-BE49-F238E27FC236}">
-                <a16:creationId xmlns="" xmlns:a16="http://schemas.microsoft.com/office/drawing/2014/main" id="{26C8FC72-69A2-4A2B-BF11-365292130EB4}"/>
+                <a16:creationId xmlns:a16="http://schemas.microsoft.com/office/drawing/2014/main" xmlns="" id="{26C8FC72-69A2-4A2B-BF11-365292130EB4}"/>
               </a:ext>
             </a:extLst>
           </p:cNvPr>
@@ -18960,7 +18978,7 @@
           <p:cNvPr id="2" name="Title 1">
             <a:extLst>
               <a:ext uri="{FF2B5EF4-FFF2-40B4-BE49-F238E27FC236}">
-                <a16:creationId xmlns="" xmlns:a16="http://schemas.microsoft.com/office/drawing/2014/main" id="{44027335-884C-4B99-BFAB-9FE67CD77A07}"/>
+                <a16:creationId xmlns:a16="http://schemas.microsoft.com/office/drawing/2014/main" xmlns="" id="{44027335-884C-4B99-BFAB-9FE67CD77A07}"/>
               </a:ext>
             </a:extLst>
           </p:cNvPr>
@@ -18994,7 +19012,7 @@
           <p:cNvPr id="4" name="Rectangle 3">
             <a:extLst>
               <a:ext uri="{FF2B5EF4-FFF2-40B4-BE49-F238E27FC236}">
-                <a16:creationId xmlns="" xmlns:a16="http://schemas.microsoft.com/office/drawing/2014/main" id="{F239B26C-C8FD-4F8B-9AD9-B7E47E10C0BC}"/>
+                <a16:creationId xmlns:a16="http://schemas.microsoft.com/office/drawing/2014/main" xmlns="" id="{F239B26C-C8FD-4F8B-9AD9-B7E47E10C0BC}"/>
               </a:ext>
             </a:extLst>
           </p:cNvPr>
@@ -19503,7 +19521,7 @@
           <p:cNvPr id="7" name="Rectangle: Rounded Corners 6">
             <a:extLst>
               <a:ext uri="{FF2B5EF4-FFF2-40B4-BE49-F238E27FC236}">
-                <a16:creationId xmlns="" xmlns:a16="http://schemas.microsoft.com/office/drawing/2014/main" id="{5CF51055-DF11-4C16-B202-2C98D02890D8}"/>
+                <a16:creationId xmlns:a16="http://schemas.microsoft.com/office/drawing/2014/main" xmlns="" id="{5CF51055-DF11-4C16-B202-2C98D02890D8}"/>
               </a:ext>
             </a:extLst>
           </p:cNvPr>
@@ -20590,6 +20608,13 @@
   <p:clrMapOvr>
     <a:masterClrMapping/>
   </p:clrMapOvr>
+  <p:timing>
+    <p:tnLst>
+      <p:par>
+        <p:cTn id="1" dur="indefinite" restart="never" nodeType="tmRoot"/>
+      </p:par>
+    </p:tnLst>
+  </p:timing>
 </p:sld>
 </file>
 
@@ -20638,7 +20663,7 @@
           <p:cNvPr id="4" name="Content Placeholder 3">
             <a:extLst>
               <a:ext uri="{FF2B5EF4-FFF2-40B4-BE49-F238E27FC236}">
-                <a16:creationId xmlns="" xmlns:a16="http://schemas.microsoft.com/office/drawing/2014/main" id="{0D3BE46D-D4B7-4773-A089-B318D590D2EC}"/>
+                <a16:creationId xmlns:a16="http://schemas.microsoft.com/office/drawing/2014/main" xmlns="" id="{0D3BE46D-D4B7-4773-A089-B318D590D2EC}"/>
               </a:ext>
             </a:extLst>
           </p:cNvPr>
@@ -20668,14 +20693,14 @@
                 <a:gridCol w="4107180">
                   <a:extLst>
                     <a:ext uri="{9D8B030D-6E8A-4147-A177-3AD203B41FA5}">
-                      <a16:colId xmlns="" xmlns:a16="http://schemas.microsoft.com/office/drawing/2014/main" val="4170491539"/>
+                      <a16:colId xmlns:a16="http://schemas.microsoft.com/office/drawing/2014/main" xmlns="" val="4170491539"/>
                     </a:ext>
                   </a:extLst>
                 </a:gridCol>
                 <a:gridCol w="4107180">
                   <a:extLst>
                     <a:ext uri="{9D8B030D-6E8A-4147-A177-3AD203B41FA5}">
-                      <a16:colId xmlns="" xmlns:a16="http://schemas.microsoft.com/office/drawing/2014/main" val="509871682"/>
+                      <a16:colId xmlns:a16="http://schemas.microsoft.com/office/drawing/2014/main" xmlns="" val="509871682"/>
                     </a:ext>
                   </a:extLst>
                 </a:gridCol>
@@ -20729,7 +20754,7 @@
                 </a:tc>
                 <a:extLst>
                   <a:ext uri="{0D108BD9-81ED-4DB2-BD59-A6C34878D82A}">
-                    <a16:rowId xmlns="" xmlns:a16="http://schemas.microsoft.com/office/drawing/2014/main" val="1470494853"/>
+                    <a16:rowId xmlns:a16="http://schemas.microsoft.com/office/drawing/2014/main" xmlns="" val="1470494853"/>
                   </a:ext>
                 </a:extLst>
               </a:tr>
@@ -20794,7 +20819,7 @@
                 </a:tc>
                 <a:extLst>
                   <a:ext uri="{0D108BD9-81ED-4DB2-BD59-A6C34878D82A}">
-                    <a16:rowId xmlns="" xmlns:a16="http://schemas.microsoft.com/office/drawing/2014/main" val="2639377761"/>
+                    <a16:rowId xmlns:a16="http://schemas.microsoft.com/office/drawing/2014/main" xmlns="" val="2639377761"/>
                   </a:ext>
                 </a:extLst>
               </a:tr>
@@ -20847,7 +20872,7 @@
                 </a:tc>
                 <a:extLst>
                   <a:ext uri="{0D108BD9-81ED-4DB2-BD59-A6C34878D82A}">
-                    <a16:rowId xmlns="" xmlns:a16="http://schemas.microsoft.com/office/drawing/2014/main" val="2613002052"/>
+                    <a16:rowId xmlns:a16="http://schemas.microsoft.com/office/drawing/2014/main" xmlns="" val="2613002052"/>
                   </a:ext>
                 </a:extLst>
               </a:tr>
@@ -20900,7 +20925,7 @@
                 </a:tc>
                 <a:extLst>
                   <a:ext uri="{0D108BD9-81ED-4DB2-BD59-A6C34878D82A}">
-                    <a16:rowId xmlns="" xmlns:a16="http://schemas.microsoft.com/office/drawing/2014/main" val="4086398249"/>
+                    <a16:rowId xmlns:a16="http://schemas.microsoft.com/office/drawing/2014/main" xmlns="" val="4086398249"/>
                   </a:ext>
                 </a:extLst>
               </a:tr>
@@ -20953,7 +20978,7 @@
                 </a:tc>
                 <a:extLst>
                   <a:ext uri="{0D108BD9-81ED-4DB2-BD59-A6C34878D82A}">
-                    <a16:rowId xmlns="" xmlns:a16="http://schemas.microsoft.com/office/drawing/2014/main" val="2813433476"/>
+                    <a16:rowId xmlns:a16="http://schemas.microsoft.com/office/drawing/2014/main" xmlns="" val="2813433476"/>
                   </a:ext>
                 </a:extLst>
               </a:tr>
@@ -21018,7 +21043,7 @@
                 </a:tc>
                 <a:extLst>
                   <a:ext uri="{0D108BD9-81ED-4DB2-BD59-A6C34878D82A}">
-                    <a16:rowId xmlns="" xmlns:a16="http://schemas.microsoft.com/office/drawing/2014/main" val="2154240040"/>
+                    <a16:rowId xmlns:a16="http://schemas.microsoft.com/office/drawing/2014/main" xmlns="" val="2154240040"/>
                   </a:ext>
                 </a:extLst>
               </a:tr>
@@ -21039,6 +21064,13 @@
   <p:clrMapOvr>
     <a:masterClrMapping/>
   </p:clrMapOvr>
+  <p:timing>
+    <p:tnLst>
+      <p:par>
+        <p:cTn id="1" dur="indefinite" restart="never" nodeType="tmRoot"/>
+      </p:par>
+    </p:tnLst>
+  </p:timing>
 </p:sld>
 </file>
 
@@ -21230,7 +21262,7 @@
           <p:cNvPr id="2" name="Title 1">
             <a:extLst>
               <a:ext uri="{FF2B5EF4-FFF2-40B4-BE49-F238E27FC236}">
-                <a16:creationId xmlns="" xmlns:a16="http://schemas.microsoft.com/office/drawing/2014/main" id="{1B80ABD8-37E8-47B1-89AC-8884239E35EA}"/>
+                <a16:creationId xmlns:a16="http://schemas.microsoft.com/office/drawing/2014/main" xmlns="" id="{1B80ABD8-37E8-47B1-89AC-8884239E35EA}"/>
               </a:ext>
             </a:extLst>
           </p:cNvPr>
@@ -21259,7 +21291,7 @@
           <p:cNvPr id="3" name="Content Placeholder 2">
             <a:extLst>
               <a:ext uri="{FF2B5EF4-FFF2-40B4-BE49-F238E27FC236}">
-                <a16:creationId xmlns="" xmlns:a16="http://schemas.microsoft.com/office/drawing/2014/main" id="{477D265A-8343-4C45-8DD2-C61D7837D62F}"/>
+                <a16:creationId xmlns:a16="http://schemas.microsoft.com/office/drawing/2014/main" xmlns="" id="{477D265A-8343-4C45-8DD2-C61D7837D62F}"/>
               </a:ext>
             </a:extLst>
           </p:cNvPr>
@@ -22335,6 +22367,13 @@
   <p:clrMapOvr>
     <a:masterClrMapping/>
   </p:clrMapOvr>
+  <p:timing>
+    <p:tnLst>
+      <p:par>
+        <p:cTn id="1" dur="indefinite" restart="never" nodeType="tmRoot"/>
+      </p:par>
+    </p:tnLst>
+  </p:timing>
 </p:sld>
 </file>
 
@@ -22473,6 +22512,13 @@
   <p:clrMapOvr>
     <a:masterClrMapping/>
   </p:clrMapOvr>
+  <p:timing>
+    <p:tnLst>
+      <p:par>
+        <p:cTn id="1" dur="indefinite" restart="never" nodeType="tmRoot"/>
+      </p:par>
+    </p:tnLst>
+  </p:timing>
 </p:sld>
 </file>
 
@@ -22498,7 +22544,7 @@
           <p:cNvPr id="2" name="Title 1">
             <a:extLst>
               <a:ext uri="{FF2B5EF4-FFF2-40B4-BE49-F238E27FC236}">
-                <a16:creationId xmlns="" xmlns:a16="http://schemas.microsoft.com/office/drawing/2014/main" id="{D33415B6-04DC-4E6C-BA81-A8BFF5E1E12B}"/>
+                <a16:creationId xmlns:a16="http://schemas.microsoft.com/office/drawing/2014/main" xmlns="" id="{D33415B6-04DC-4E6C-BA81-A8BFF5E1E12B}"/>
               </a:ext>
             </a:extLst>
           </p:cNvPr>
@@ -22541,7 +22587,7 @@
           <p:cNvPr id="3" name="Content Placeholder 2">
             <a:extLst>
               <a:ext uri="{FF2B5EF4-FFF2-40B4-BE49-F238E27FC236}">
-                <a16:creationId xmlns="" xmlns:a16="http://schemas.microsoft.com/office/drawing/2014/main" id="{7076138A-B6FA-4F83-95E8-D45135F4230D}"/>
+                <a16:creationId xmlns:a16="http://schemas.microsoft.com/office/drawing/2014/main" xmlns="" id="{7076138A-B6FA-4F83-95E8-D45135F4230D}"/>
               </a:ext>
             </a:extLst>
           </p:cNvPr>
@@ -22779,6 +22825,13 @@
   <p:clrMapOvr>
     <a:masterClrMapping/>
   </p:clrMapOvr>
+  <p:timing>
+    <p:tnLst>
+      <p:par>
+        <p:cTn id="1" dur="indefinite" restart="never" nodeType="tmRoot"/>
+      </p:par>
+    </p:tnLst>
+  </p:timing>
 </p:sld>
 </file>
 
@@ -22924,6 +22977,13 @@
   <p:clrMapOvr>
     <a:masterClrMapping/>
   </p:clrMapOvr>
+  <p:timing>
+    <p:tnLst>
+      <p:par>
+        <p:cTn id="1" dur="indefinite" restart="never" nodeType="tmRoot"/>
+      </p:par>
+    </p:tnLst>
+  </p:timing>
 </p:sld>
 </file>
 
@@ -24771,7 +24831,7 @@
           <a:graphicData uri="http://schemas.openxmlformats.org/presentationml/2006/ole">
             <mc:AlternateContent xmlns:mc="http://schemas.openxmlformats.org/markup-compatibility/2006">
               <mc:Choice xmlns:v="urn:schemas-microsoft-com:vml" Requires="v">
-                <p:oleObj spid="_x0000_s1296" name="Microsoft ClipArt Gallery" r:id="rId4" imgW="2559050" imgH="4298950" progId="MS_ClipArt_Gallery">
+                <p:oleObj spid="_x0000_s1332" name="Microsoft ClipArt Gallery" r:id="rId4" imgW="2559050" imgH="4298950" progId="MS_ClipArt_Gallery">
                   <p:embed/>
                 </p:oleObj>
               </mc:Choice>
@@ -24913,7 +24973,7 @@
           <a:graphicData uri="http://schemas.openxmlformats.org/presentationml/2006/ole">
             <mc:AlternateContent xmlns:mc="http://schemas.openxmlformats.org/markup-compatibility/2006">
               <mc:Choice xmlns:v="urn:schemas-microsoft-com:vml" Requires="v">
-                <p:oleObj spid="_x0000_s1297" name="Microsoft ClipArt Gallery" r:id="rId7" imgW="4183063" imgH="3216275" progId="MS_ClipArt_Gallery">
+                <p:oleObj spid="_x0000_s1333" name="Microsoft ClipArt Gallery" r:id="rId7" imgW="4183063" imgH="3216275" progId="MS_ClipArt_Gallery">
                   <p:embed/>
                 </p:oleObj>
               </mc:Choice>
@@ -25186,7 +25246,7 @@
           <a:graphicData uri="http://schemas.openxmlformats.org/presentationml/2006/ole">
             <mc:AlternateContent xmlns:mc="http://schemas.openxmlformats.org/markup-compatibility/2006">
               <mc:Choice xmlns:v="urn:schemas-microsoft-com:vml" Requires="v">
-                <p:oleObj spid="_x0000_s1298" name="Microsoft ClipArt Gallery" r:id="rId9" imgW="4183063" imgH="3216275" progId="MS_ClipArt_Gallery">
+                <p:oleObj spid="_x0000_s1334" name="Microsoft ClipArt Gallery" r:id="rId9" imgW="4183063" imgH="3216275" progId="MS_ClipArt_Gallery">
                   <p:embed/>
                 </p:oleObj>
               </mc:Choice>
@@ -25285,7 +25345,7 @@
           <a:graphicData uri="http://schemas.openxmlformats.org/presentationml/2006/ole">
             <mc:AlternateContent xmlns:mc="http://schemas.openxmlformats.org/markup-compatibility/2006">
               <mc:Choice xmlns:v="urn:schemas-microsoft-com:vml" Requires="v">
-                <p:oleObj spid="_x0000_s1299" name="Microsoft ClipArt Gallery" r:id="rId10" imgW="2559050" imgH="4298950" progId="MS_ClipArt_Gallery">
+                <p:oleObj spid="_x0000_s1335" name="Microsoft ClipArt Gallery" r:id="rId10" imgW="2559050" imgH="4298950" progId="MS_ClipArt_Gallery">
                   <p:embed/>
                 </p:oleObj>
               </mc:Choice>
@@ -25384,7 +25444,7 @@
           <a:graphicData uri="http://schemas.openxmlformats.org/presentationml/2006/ole">
             <mc:AlternateContent xmlns:mc="http://schemas.openxmlformats.org/markup-compatibility/2006">
               <mc:Choice xmlns:v="urn:schemas-microsoft-com:vml" Requires="v">
-                <p:oleObj spid="_x0000_s1300" name="Microsoft ClipArt Gallery" r:id="rId11" imgW="4548188" imgH="3284538" progId="MS_ClipArt_Gallery">
+                <p:oleObj spid="_x0000_s1336" name="Microsoft ClipArt Gallery" r:id="rId11" imgW="4548188" imgH="3284538" progId="MS_ClipArt_Gallery">
                   <p:embed/>
                 </p:oleObj>
               </mc:Choice>
@@ -25752,7 +25812,7 @@
           <a:graphicData uri="http://schemas.openxmlformats.org/presentationml/2006/ole">
             <mc:AlternateContent xmlns:mc="http://schemas.openxmlformats.org/markup-compatibility/2006">
               <mc:Choice xmlns:v="urn:schemas-microsoft-com:vml" Requires="v">
-                <p:oleObj spid="_x0000_s1301" name="CorelDRAW!" r:id="rId13" imgW="1255713" imgH="503238" progId="CDraw5">
+                <p:oleObj spid="_x0000_s1337" name="CorelDRAW!" r:id="rId13" imgW="1255713" imgH="503238" progId="CDraw5">
                   <p:embed/>
                 </p:oleObj>
               </mc:Choice>
@@ -34949,7 +35009,7 @@
           <a:graphicData uri="http://schemas.openxmlformats.org/presentationml/2006/ole">
             <mc:AlternateContent xmlns:mc="http://schemas.openxmlformats.org/markup-compatibility/2006">
               <mc:Choice xmlns:v="urn:schemas-microsoft-com:vml" Requires="v">
-                <p:oleObj spid="_x0000_s2140" name="Microsoft ClipArt Gallery" r:id="rId4" imgW="4183063" imgH="3216275" progId="MS_ClipArt_Gallery">
+                <p:oleObj spid="_x0000_s2152" name="Microsoft ClipArt Gallery" r:id="rId4" imgW="4183063" imgH="3216275" progId="MS_ClipArt_Gallery">
                   <p:embed/>
                 </p:oleObj>
               </mc:Choice>
@@ -35048,7 +35108,7 @@
           <a:graphicData uri="http://schemas.openxmlformats.org/presentationml/2006/ole">
             <mc:AlternateContent xmlns:mc="http://schemas.openxmlformats.org/markup-compatibility/2006">
               <mc:Choice xmlns:v="urn:schemas-microsoft-com:vml" Requires="v">
-                <p:oleObj spid="_x0000_s2141" name="Microsoft ClipArt Gallery" r:id="rId6" imgW="4006850" imgH="3192463" progId="MS_ClipArt_Gallery">
+                <p:oleObj spid="_x0000_s2153" name="Microsoft ClipArt Gallery" r:id="rId6" imgW="4006850" imgH="3192463" progId="MS_ClipArt_Gallery">
                   <p:embed/>
                 </p:oleObj>
               </mc:Choice>
@@ -36307,7 +36367,7 @@
   <a:extraClrSchemeLst/>
   <a:extLst>
     <a:ext uri="{05A4C25C-085E-4340-85A3-A5531E510DB2}">
-      <thm15:themeFamily xmlns:thm15="http://schemas.microsoft.com/office/thememl/2012/main" xmlns="" name="Frame" id="{F226E7A2-7162-461C-9490-D27D9DC04E43}" vid="{629A0216-3BBD-45C0-B63F-2683BEA18F60}"/>
+      <thm15:themeFamily xmlns="" xmlns:thm15="http://schemas.microsoft.com/office/thememl/2012/main" name="Frame" id="{F226E7A2-7162-461C-9490-D27D9DC04E43}" vid="{629A0216-3BBD-45C0-B63F-2683BEA18F60}"/>
     </a:ext>
   </a:extLst>
 </a:theme>

--- a/Slides/AJP - Unit 1 - Java Networking.pptx
+++ b/Slides/AJP - Unit 1 - Java Networking.pptx
@@ -5,7 +5,7 @@
     <p:sldMasterId id="2147483660" r:id="rId1"/>
   </p:sldMasterIdLst>
   <p:handoutMasterIdLst>
-    <p:handoutMasterId r:id="rId74"/>
+    <p:handoutMasterId r:id="rId75"/>
   </p:handoutMasterIdLst>
   <p:sldIdLst>
     <p:sldId id="320" r:id="rId2"/>
@@ -51,40 +51,41 @@
     <p:sldId id="290" r:id="rId42"/>
     <p:sldId id="291" r:id="rId43"/>
     <p:sldId id="292" r:id="rId44"/>
-    <p:sldId id="327" r:id="rId45"/>
-    <p:sldId id="328" r:id="rId46"/>
-    <p:sldId id="293" r:id="rId47"/>
-    <p:sldId id="294" r:id="rId48"/>
-    <p:sldId id="295" r:id="rId49"/>
-    <p:sldId id="329" r:id="rId50"/>
-    <p:sldId id="330" r:id="rId51"/>
-    <p:sldId id="296" r:id="rId52"/>
-    <p:sldId id="297" r:id="rId53"/>
-    <p:sldId id="331" r:id="rId54"/>
-    <p:sldId id="298" r:id="rId55"/>
-    <p:sldId id="299" r:id="rId56"/>
-    <p:sldId id="300" r:id="rId57"/>
-    <p:sldId id="301" r:id="rId58"/>
-    <p:sldId id="302" r:id="rId59"/>
-    <p:sldId id="303" r:id="rId60"/>
-    <p:sldId id="304" r:id="rId61"/>
-    <p:sldId id="305" r:id="rId62"/>
-    <p:sldId id="306" r:id="rId63"/>
-    <p:sldId id="307" r:id="rId64"/>
-    <p:sldId id="308" r:id="rId65"/>
-    <p:sldId id="309" r:id="rId66"/>
-    <p:sldId id="310" r:id="rId67"/>
-    <p:sldId id="311" r:id="rId68"/>
-    <p:sldId id="312" r:id="rId69"/>
-    <p:sldId id="313" r:id="rId70"/>
-    <p:sldId id="314" r:id="rId71"/>
-    <p:sldId id="315" r:id="rId72"/>
-    <p:sldId id="316" r:id="rId73"/>
+    <p:sldId id="332" r:id="rId45"/>
+    <p:sldId id="327" r:id="rId46"/>
+    <p:sldId id="328" r:id="rId47"/>
+    <p:sldId id="293" r:id="rId48"/>
+    <p:sldId id="294" r:id="rId49"/>
+    <p:sldId id="295" r:id="rId50"/>
+    <p:sldId id="329" r:id="rId51"/>
+    <p:sldId id="330" r:id="rId52"/>
+    <p:sldId id="296" r:id="rId53"/>
+    <p:sldId id="297" r:id="rId54"/>
+    <p:sldId id="331" r:id="rId55"/>
+    <p:sldId id="298" r:id="rId56"/>
+    <p:sldId id="299" r:id="rId57"/>
+    <p:sldId id="300" r:id="rId58"/>
+    <p:sldId id="301" r:id="rId59"/>
+    <p:sldId id="302" r:id="rId60"/>
+    <p:sldId id="303" r:id="rId61"/>
+    <p:sldId id="304" r:id="rId62"/>
+    <p:sldId id="305" r:id="rId63"/>
+    <p:sldId id="306" r:id="rId64"/>
+    <p:sldId id="307" r:id="rId65"/>
+    <p:sldId id="308" r:id="rId66"/>
+    <p:sldId id="309" r:id="rId67"/>
+    <p:sldId id="310" r:id="rId68"/>
+    <p:sldId id="311" r:id="rId69"/>
+    <p:sldId id="312" r:id="rId70"/>
+    <p:sldId id="313" r:id="rId71"/>
+    <p:sldId id="314" r:id="rId72"/>
+    <p:sldId id="315" r:id="rId73"/>
+    <p:sldId id="316" r:id="rId74"/>
   </p:sldIdLst>
   <p:sldSz cx="12192000" cy="6858000"/>
   <p:notesSz cx="6858000" cy="9144000"/>
   <p:custDataLst>
-    <p:tags r:id="rId75"/>
+    <p:tags r:id="rId76"/>
   </p:custDataLst>
   <p:defaultTextStyle>
     <a:defPPr>
@@ -183,7 +184,7 @@
   </p:defaultTextStyle>
   <p:extLst>
     <p:ext uri="{EFAFB233-063F-42B5-8137-9DF3F51BA10A}">
-      <p15:sldGuideLst xmlns="" xmlns:p15="http://schemas.microsoft.com/office/powerpoint/2012/main"/>
+      <p15:sldGuideLst xmlns:p15="http://schemas.microsoft.com/office/powerpoint/2012/main" xmlns=""/>
     </p:ext>
   </p:extLst>
 </p:presentation>
@@ -271,7 +272,7 @@
           <a:p>
             <a:fld id="{A1471088-6963-4E0E-A38A-0AE373C72001}" type="datetimeFigureOut">
               <a:rPr lang="en-IN" smtClean="0"/>
-              <a:t>05-07-2022</a:t>
+              <a:t>06-07-2022</a:t>
             </a:fld>
             <a:endParaRPr lang="en-IN"/>
           </a:p>
@@ -582,7 +583,7 @@
             <a:fld id="{FB6E4831-481F-4AF1-9D8E-170CD6E1C3F5}" type="datetimeFigureOut">
               <a:rPr lang="en-IN" smtClean="0"/>
               <a:pPr/>
-              <a:t>05-07-2022</a:t>
+              <a:t>06-07-2022</a:t>
             </a:fld>
             <a:endParaRPr lang="en-IN"/>
           </a:p>
@@ -757,7 +758,7 @@
             <a:fld id="{FB6E4831-481F-4AF1-9D8E-170CD6E1C3F5}" type="datetimeFigureOut">
               <a:rPr lang="en-IN" smtClean="0"/>
               <a:pPr/>
-              <a:t>05-07-2022</a:t>
+              <a:t>06-07-2022</a:t>
             </a:fld>
             <a:endParaRPr lang="en-IN"/>
           </a:p>
@@ -942,7 +943,7 @@
             <a:fld id="{FB6E4831-481F-4AF1-9D8E-170CD6E1C3F5}" type="datetimeFigureOut">
               <a:rPr lang="en-IN" smtClean="0"/>
               <a:pPr/>
-              <a:t>05-07-2022</a:t>
+              <a:t>06-07-2022</a:t>
             </a:fld>
             <a:endParaRPr lang="en-IN"/>
           </a:p>
@@ -1114,7 +1115,7 @@
             <a:fld id="{FB6E4831-481F-4AF1-9D8E-170CD6E1C3F5}" type="datetimeFigureOut">
               <a:rPr lang="en-IN" smtClean="0"/>
               <a:pPr/>
-              <a:t>05-07-2022</a:t>
+              <a:t>06-07-2022</a:t>
             </a:fld>
             <a:endParaRPr lang="en-IN"/>
           </a:p>
@@ -1371,7 +1372,7 @@
             <a:fld id="{FB6E4831-481F-4AF1-9D8E-170CD6E1C3F5}" type="datetimeFigureOut">
               <a:rPr lang="en-IN" smtClean="0"/>
               <a:pPr/>
-              <a:t>05-07-2022</a:t>
+              <a:t>06-07-2022</a:t>
             </a:fld>
             <a:endParaRPr lang="en-IN"/>
           </a:p>
@@ -1704,7 +1705,7 @@
             <a:fld id="{FB6E4831-481F-4AF1-9D8E-170CD6E1C3F5}" type="datetimeFigureOut">
               <a:rPr lang="en-IN" smtClean="0"/>
               <a:pPr/>
-              <a:t>05-07-2022</a:t>
+              <a:t>06-07-2022</a:t>
             </a:fld>
             <a:endParaRPr lang="en-IN"/>
           </a:p>
@@ -2185,7 +2186,7 @@
             <a:fld id="{FB6E4831-481F-4AF1-9D8E-170CD6E1C3F5}" type="datetimeFigureOut">
               <a:rPr lang="en-IN" smtClean="0"/>
               <a:pPr/>
-              <a:t>05-07-2022</a:t>
+              <a:t>06-07-2022</a:t>
             </a:fld>
             <a:endParaRPr lang="en-IN"/>
           </a:p>
@@ -2308,7 +2309,7 @@
             <a:fld id="{FB6E4831-481F-4AF1-9D8E-170CD6E1C3F5}" type="datetimeFigureOut">
               <a:rPr lang="en-IN" smtClean="0"/>
               <a:pPr/>
-              <a:t>05-07-2022</a:t>
+              <a:t>06-07-2022</a:t>
             </a:fld>
             <a:endParaRPr lang="en-IN"/>
           </a:p>
@@ -2408,7 +2409,7 @@
             <a:fld id="{FB6E4831-481F-4AF1-9D8E-170CD6E1C3F5}" type="datetimeFigureOut">
               <a:rPr lang="en-IN" smtClean="0"/>
               <a:pPr/>
-              <a:t>05-07-2022</a:t>
+              <a:t>06-07-2022</a:t>
             </a:fld>
             <a:endParaRPr lang="en-IN"/>
           </a:p>
@@ -2721,7 +2722,7 @@
             <a:fld id="{FB6E4831-481F-4AF1-9D8E-170CD6E1C3F5}" type="datetimeFigureOut">
               <a:rPr lang="en-IN" smtClean="0"/>
               <a:pPr/>
-              <a:t>05-07-2022</a:t>
+              <a:t>06-07-2022</a:t>
             </a:fld>
             <a:endParaRPr lang="en-IN"/>
           </a:p>
@@ -2999,7 +3000,7 @@
             <a:fld id="{FB6E4831-481F-4AF1-9D8E-170CD6E1C3F5}" type="datetimeFigureOut">
               <a:rPr lang="en-IN" smtClean="0"/>
               <a:pPr/>
-              <a:t>05-07-2022</a:t>
+              <a:t>06-07-2022</a:t>
             </a:fld>
             <a:endParaRPr lang="en-IN"/>
           </a:p>
@@ -3298,7 +3299,7 @@
             <a:fld id="{FB6E4831-481F-4AF1-9D8E-170CD6E1C3F5}" type="datetimeFigureOut">
               <a:rPr lang="en-IN" smtClean="0"/>
               <a:pPr/>
-              <a:t>05-07-2022</a:t>
+              <a:t>06-07-2022</a:t>
             </a:fld>
             <a:endParaRPr lang="en-IN"/>
           </a:p>
@@ -11147,19 +11148,8 @@
                 <a:latin typeface="Courier New" pitchFamily="49" charset="0"/>
                 <a:cs typeface="Courier New" pitchFamily="49" charset="0"/>
               </a:rPr>
-              <a:t>class </a:t>
-            </a:r>
-            <a:r>
-              <a:rPr lang="en-IN" sz="2000" b="1" dirty="0" smtClean="0">
-                <a:latin typeface="Courier New" pitchFamily="49" charset="0"/>
-                <a:cs typeface="Courier New" pitchFamily="49" charset="0"/>
-              </a:rPr>
-              <a:t>InetAddressTest1</a:t>
-            </a:r>
-            <a:endParaRPr lang="en-IN" sz="2000" b="1" dirty="0" smtClean="0">
-              <a:latin typeface="Courier New" pitchFamily="49" charset="0"/>
-              <a:cs typeface="Courier New" pitchFamily="49" charset="0"/>
-            </a:endParaRPr>
+              <a:t>class InetAddressTest1</a:t>
+            </a:r>
           </a:p>
           <a:p>
             <a:pPr marL="0" indent="0">
@@ -11663,19 +11653,8 @@
                 <a:latin typeface="Courier New" pitchFamily="49" charset="0"/>
                 <a:cs typeface="Courier New" pitchFamily="49" charset="0"/>
               </a:rPr>
-              <a:t>class </a:t>
-            </a:r>
-            <a:r>
-              <a:rPr lang="en-IN" sz="2000" b="1" dirty="0" smtClean="0">
-                <a:latin typeface="Courier New" pitchFamily="49" charset="0"/>
-                <a:cs typeface="Courier New" pitchFamily="49" charset="0"/>
-              </a:rPr>
-              <a:t>InetAddressTest2</a:t>
-            </a:r>
-            <a:endParaRPr lang="en-IN" sz="2000" b="1" dirty="0" smtClean="0">
-              <a:latin typeface="Courier New" pitchFamily="49" charset="0"/>
-              <a:cs typeface="Courier New" pitchFamily="49" charset="0"/>
-            </a:endParaRPr>
+              <a:t>class InetAddressTest2</a:t>
+            </a:r>
           </a:p>
           <a:p>
             <a:pPr marL="0" indent="0">
@@ -13366,7 +13345,7 @@
               <a:graphicData uri="http://schemas.openxmlformats.org/presentationml/2006/ole">
                 <mc:AlternateContent xmlns:mc="http://schemas.openxmlformats.org/markup-compatibility/2006">
                   <mc:Choice xmlns:v="urn:schemas-microsoft-com:vml" Requires="v">
-                    <p:oleObj spid="_x0000_s3178" name="Microsoft ClipArt Gallery" r:id="rId4" imgW="4006850" imgH="3192463" progId="MS_ClipArt_Gallery">
+                    <p:oleObj spid="_x0000_s3192" name="Microsoft ClipArt Gallery" r:id="rId4" imgW="4006850" imgH="3192463" progId="MS_ClipArt_Gallery">
                       <p:embed/>
                     </p:oleObj>
                   </mc:Choice>
@@ -13545,7 +13524,7 @@
               <a:graphicData uri="http://schemas.openxmlformats.org/presentationml/2006/ole">
                 <mc:AlternateContent xmlns:mc="http://schemas.openxmlformats.org/markup-compatibility/2006">
                   <mc:Choice xmlns:v="urn:schemas-microsoft-com:vml" Requires="v">
-                    <p:oleObj spid="_x0000_s3179" name="Microsoft ClipArt Gallery" r:id="rId6" imgW="4183063" imgH="3216275" progId="MS_ClipArt_Gallery">
+                    <p:oleObj spid="_x0000_s3193" name="Microsoft ClipArt Gallery" r:id="rId6" imgW="4183063" imgH="3216275" progId="MS_ClipArt_Gallery">
                       <p:embed/>
                     </p:oleObj>
                   </mc:Choice>
@@ -14504,7 +14483,7 @@
           <p:cNvPr id="10" name="Content Placeholder 9">
             <a:extLst>
               <a:ext uri="{FF2B5EF4-FFF2-40B4-BE49-F238E27FC236}">
-                <a16:creationId xmlns:a16="http://schemas.microsoft.com/office/drawing/2014/main" xmlns="" id="{0A22B6D8-9073-4E8C-972E-50F620F31FD1}"/>
+                <a16:creationId xmlns="" xmlns:a16="http://schemas.microsoft.com/office/drawing/2014/main" id="{0A22B6D8-9073-4E8C-972E-50F620F31FD1}"/>
               </a:ext>
             </a:extLst>
           </p:cNvPr>
@@ -14534,14 +14513,14 @@
                 <a:gridCol w="3947160">
                   <a:extLst>
                     <a:ext uri="{9D8B030D-6E8A-4147-A177-3AD203B41FA5}">
-                      <a16:colId xmlns:a16="http://schemas.microsoft.com/office/drawing/2014/main" xmlns="" val="4148119606"/>
+                      <a16:colId xmlns="" xmlns:a16="http://schemas.microsoft.com/office/drawing/2014/main" val="4148119606"/>
                     </a:ext>
                   </a:extLst>
                 </a:gridCol>
                 <a:gridCol w="3947160">
                   <a:extLst>
                     <a:ext uri="{9D8B030D-6E8A-4147-A177-3AD203B41FA5}">
-                      <a16:colId xmlns:a16="http://schemas.microsoft.com/office/drawing/2014/main" xmlns="" val="2229028685"/>
+                      <a16:colId xmlns="" xmlns:a16="http://schemas.microsoft.com/office/drawing/2014/main" val="2229028685"/>
                     </a:ext>
                   </a:extLst>
                 </a:gridCol>
@@ -14595,7 +14574,7 @@
                 </a:tc>
                 <a:extLst>
                   <a:ext uri="{0D108BD9-81ED-4DB2-BD59-A6C34878D82A}">
-                    <a16:rowId xmlns:a16="http://schemas.microsoft.com/office/drawing/2014/main" xmlns="" val="2494029403"/>
+                    <a16:rowId xmlns="" xmlns:a16="http://schemas.microsoft.com/office/drawing/2014/main" val="2494029403"/>
                   </a:ext>
                 </a:extLst>
               </a:tr>
@@ -14684,7 +14663,7 @@
                 </a:tc>
                 <a:extLst>
                   <a:ext uri="{0D108BD9-81ED-4DB2-BD59-A6C34878D82A}">
-                    <a16:rowId xmlns:a16="http://schemas.microsoft.com/office/drawing/2014/main" xmlns="" val="3295108235"/>
+                    <a16:rowId xmlns="" xmlns:a16="http://schemas.microsoft.com/office/drawing/2014/main" val="3295108235"/>
                   </a:ext>
                 </a:extLst>
               </a:tr>
@@ -14773,7 +14752,7 @@
                 </a:tc>
                 <a:extLst>
                   <a:ext uri="{0D108BD9-81ED-4DB2-BD59-A6C34878D82A}">
-                    <a16:rowId xmlns:a16="http://schemas.microsoft.com/office/drawing/2014/main" xmlns="" val="4188004682"/>
+                    <a16:rowId xmlns="" xmlns:a16="http://schemas.microsoft.com/office/drawing/2014/main" val="4188004682"/>
                   </a:ext>
                 </a:extLst>
               </a:tr>
@@ -14826,7 +14805,7 @@
                 </a:tc>
                 <a:extLst>
                   <a:ext uri="{0D108BD9-81ED-4DB2-BD59-A6C34878D82A}">
-                    <a16:rowId xmlns:a16="http://schemas.microsoft.com/office/drawing/2014/main" xmlns="" val="2535505752"/>
+                    <a16:rowId xmlns="" xmlns:a16="http://schemas.microsoft.com/office/drawing/2014/main" val="2535505752"/>
                   </a:ext>
                 </a:extLst>
               </a:tr>
@@ -14989,7 +14968,7 @@
           <p:cNvPr id="7" name="Content Placeholder 6">
             <a:extLst>
               <a:ext uri="{FF2B5EF4-FFF2-40B4-BE49-F238E27FC236}">
-                <a16:creationId xmlns:a16="http://schemas.microsoft.com/office/drawing/2014/main" xmlns="" id="{3A511582-0FFE-4E4B-8EF0-728CE85CB01F}"/>
+                <a16:creationId xmlns="" xmlns:a16="http://schemas.microsoft.com/office/drawing/2014/main" id="{3A511582-0FFE-4E4B-8EF0-728CE85CB01F}"/>
               </a:ext>
             </a:extLst>
           </p:cNvPr>
@@ -15019,14 +14998,14 @@
                 <a:gridCol w="4038600">
                   <a:extLst>
                     <a:ext uri="{9D8B030D-6E8A-4147-A177-3AD203B41FA5}">
-                      <a16:colId xmlns:a16="http://schemas.microsoft.com/office/drawing/2014/main" xmlns="" val="4094094059"/>
+                      <a16:colId xmlns="" xmlns:a16="http://schemas.microsoft.com/office/drawing/2014/main" val="4094094059"/>
                     </a:ext>
                   </a:extLst>
                 </a:gridCol>
                 <a:gridCol w="4038600">
                   <a:extLst>
                     <a:ext uri="{9D8B030D-6E8A-4147-A177-3AD203B41FA5}">
-                      <a16:colId xmlns:a16="http://schemas.microsoft.com/office/drawing/2014/main" xmlns="" val="162500616"/>
+                      <a16:colId xmlns="" xmlns:a16="http://schemas.microsoft.com/office/drawing/2014/main" val="162500616"/>
                     </a:ext>
                   </a:extLst>
                 </a:gridCol>
@@ -15080,7 +15059,7 @@
                 </a:tc>
                 <a:extLst>
                   <a:ext uri="{0D108BD9-81ED-4DB2-BD59-A6C34878D82A}">
-                    <a16:rowId xmlns:a16="http://schemas.microsoft.com/office/drawing/2014/main" xmlns="" val="3727081214"/>
+                    <a16:rowId xmlns="" xmlns:a16="http://schemas.microsoft.com/office/drawing/2014/main" val="3727081214"/>
                   </a:ext>
                 </a:extLst>
               </a:tr>
@@ -15133,7 +15112,7 @@
                 </a:tc>
                 <a:extLst>
                   <a:ext uri="{0D108BD9-81ED-4DB2-BD59-A6C34878D82A}">
-                    <a16:rowId xmlns:a16="http://schemas.microsoft.com/office/drawing/2014/main" xmlns="" val="836399312"/>
+                    <a16:rowId xmlns="" xmlns:a16="http://schemas.microsoft.com/office/drawing/2014/main" val="836399312"/>
                   </a:ext>
                 </a:extLst>
               </a:tr>
@@ -15186,7 +15165,7 @@
                 </a:tc>
                 <a:extLst>
                   <a:ext uri="{0D108BD9-81ED-4DB2-BD59-A6C34878D82A}">
-                    <a16:rowId xmlns:a16="http://schemas.microsoft.com/office/drawing/2014/main" xmlns="" val="1673196544"/>
+                    <a16:rowId xmlns="" xmlns:a16="http://schemas.microsoft.com/office/drawing/2014/main" val="1673196544"/>
                   </a:ext>
                 </a:extLst>
               </a:tr>
@@ -16147,7 +16126,21 @@
                 <a:latin typeface="Courier New" pitchFamily="49" charset="0"/>
                 <a:cs typeface="Courier New" pitchFamily="49" charset="0"/>
               </a:rPr>
-              <a:t>public class Daytime{</a:t>
+              <a:t>public class </a:t>
+            </a:r>
+            <a:r>
+              <a:rPr lang="en-IN" sz="2000" b="1" dirty="0" err="1" smtClean="0">
+                <a:latin typeface="Courier New" pitchFamily="49" charset="0"/>
+                <a:cs typeface="Courier New" pitchFamily="49" charset="0"/>
+              </a:rPr>
+              <a:t>DayTime</a:t>
+            </a:r>
+            <a:r>
+              <a:rPr lang="en-IN" sz="2000" b="1" dirty="0" smtClean="0">
+                <a:latin typeface="Courier New" pitchFamily="49" charset="0"/>
+                <a:cs typeface="Courier New" pitchFamily="49" charset="0"/>
+              </a:rPr>
+              <a:t>{</a:t>
             </a:r>
           </a:p>
           <a:p>
@@ -18200,15 +18193,15 @@
           <a:lstStyle/>
           <a:p>
             <a:r>
-              <a:rPr lang="en-US" dirty="0" err="1" smtClean="0"/>
-              <a:t>EchoServer</a:t>
+              <a:rPr lang="en-US" dirty="0" smtClean="0"/>
+              <a:t>Server1</a:t>
             </a:r>
             <a:endParaRPr lang="en-US" dirty="0"/>
           </a:p>
           <a:p>
             <a:r>
-              <a:rPr lang="en-US" dirty="0" err="1" smtClean="0"/>
-              <a:t>EchoClient</a:t>
+              <a:rPr lang="en-US" dirty="0" smtClean="0"/>
+              <a:t>Client1</a:t>
             </a:r>
             <a:endParaRPr lang="en-IN" dirty="0"/>
           </a:p>
@@ -18259,44 +18252,10 @@
       </p:grpSpPr>
       <p:sp>
         <p:nvSpPr>
-          <p:cNvPr id="2" name="Title 1">
+          <p:cNvPr id="3" name="Rectangle 2">
             <a:extLst>
               <a:ext uri="{FF2B5EF4-FFF2-40B4-BE49-F238E27FC236}">
-                <a16:creationId xmlns:a16="http://schemas.microsoft.com/office/drawing/2014/main" xmlns="" id="{E6AF8411-4398-481F-8237-1FA6A6006CB0}"/>
-              </a:ext>
-            </a:extLst>
-          </p:cNvPr>
-          <p:cNvSpPr>
-            <a:spLocks noGrp="1"/>
-          </p:cNvSpPr>
-          <p:nvPr>
-            <p:ph type="title"/>
-          </p:nvPr>
-        </p:nvSpPr>
-        <p:spPr/>
-        <p:txBody>
-          <a:bodyPr>
-            <a:normAutofit/>
-          </a:bodyPr>
-          <a:lstStyle/>
-          <a:p>
-            <a:r>
-              <a:rPr lang="en-US" dirty="0"/>
-              <a:t>Program 1: Sending data from client to server</a:t>
-            </a:r>
-            <a:br>
-              <a:rPr lang="en-US" dirty="0"/>
-            </a:br>
-            <a:endParaRPr lang="en-IN" dirty="0"/>
-          </a:p>
-        </p:txBody>
-      </p:sp>
-      <p:sp>
-        <p:nvSpPr>
-          <p:cNvPr id="4" name="Rectangle 3">
-            <a:extLst>
-              <a:ext uri="{FF2B5EF4-FFF2-40B4-BE49-F238E27FC236}">
-                <a16:creationId xmlns:a16="http://schemas.microsoft.com/office/drawing/2014/main" xmlns="" id="{46E5D5D9-5990-4083-96F8-7167991DDF96}"/>
+                <a16:creationId xmlns="" xmlns:a16="http://schemas.microsoft.com/office/drawing/2014/main" id="{46E5D5D9-5990-4083-96F8-7167991DDF96}"/>
               </a:ext>
             </a:extLst>
           </p:cNvPr>
@@ -18305,25 +18264,23 @@
         </p:nvSpPr>
         <p:spPr>
           <a:xfrm>
-            <a:off x="3444240" y="133417"/>
-            <a:ext cx="8747760" cy="6598920"/>
+            <a:off x="6019800" y="368779"/>
+            <a:ext cx="6172200" cy="6363558"/>
           </a:xfrm>
           <a:prstGeom prst="rect">
             <a:avLst/>
           </a:prstGeom>
-          <a:ln>
-            <a:noFill/>
-          </a:ln>
+          <a:ln/>
         </p:spPr>
         <p:style>
           <a:lnRef idx="2">
-            <a:schemeClr val="accent6"/>
+            <a:schemeClr val="dk1"/>
           </a:lnRef>
           <a:fillRef idx="1">
             <a:schemeClr val="lt1"/>
           </a:fillRef>
           <a:effectRef idx="0">
-            <a:schemeClr val="accent6"/>
+            <a:schemeClr val="dk1"/>
           </a:effectRef>
           <a:fontRef idx="minor">
             <a:schemeClr val="dk1"/>
@@ -18334,14 +18291,14 @@
           <a:lstStyle/>
           <a:p>
             <a:r>
-              <a:rPr lang="en-IN" sz="2400" b="1" dirty="0">
+              <a:rPr lang="en-IN" sz="1700" b="1" dirty="0">
                 <a:latin typeface="Courier New" pitchFamily="49" charset="0"/>
                 <a:cs typeface="Courier New" pitchFamily="49" charset="0"/>
               </a:rPr>
               <a:t>import</a:t>
             </a:r>
             <a:r>
-              <a:rPr lang="en-IN" sz="2400" dirty="0">
+              <a:rPr lang="en-IN" sz="1700" dirty="0">
                 <a:latin typeface="Courier New" pitchFamily="49" charset="0"/>
                 <a:cs typeface="Courier New" pitchFamily="49" charset="0"/>
               </a:rPr>
@@ -18350,14 +18307,14 @@
           </a:p>
           <a:p>
             <a:r>
-              <a:rPr lang="en-IN" sz="2400" b="1" dirty="0">
+              <a:rPr lang="en-IN" sz="1700" b="1" dirty="0">
                 <a:latin typeface="Courier New" pitchFamily="49" charset="0"/>
                 <a:cs typeface="Courier New" pitchFamily="49" charset="0"/>
               </a:rPr>
               <a:t>import</a:t>
             </a:r>
             <a:r>
-              <a:rPr lang="en-IN" sz="2400" dirty="0">
+              <a:rPr lang="en-IN" sz="1700" dirty="0">
                 <a:latin typeface="Courier New" pitchFamily="49" charset="0"/>
                 <a:cs typeface="Courier New" pitchFamily="49" charset="0"/>
               </a:rPr>
@@ -18366,47 +18323,43 @@
           </a:p>
           <a:p>
             <a:r>
-              <a:rPr lang="en-IN" sz="2400" b="1" dirty="0">
+              <a:rPr lang="en-IN" sz="1700" b="1" dirty="0">
                 <a:latin typeface="Courier New" pitchFamily="49" charset="0"/>
                 <a:cs typeface="Courier New" pitchFamily="49" charset="0"/>
               </a:rPr>
               <a:t>public</a:t>
             </a:r>
             <a:r>
-              <a:rPr lang="en-IN" sz="2400" dirty="0">
+              <a:rPr lang="en-IN" sz="1700" dirty="0">
                 <a:latin typeface="Courier New" pitchFamily="49" charset="0"/>
                 <a:cs typeface="Courier New" pitchFamily="49" charset="0"/>
               </a:rPr>
               <a:t> </a:t>
             </a:r>
             <a:r>
-              <a:rPr lang="en-IN" sz="2400" b="1" dirty="0">
+              <a:rPr lang="en-IN" sz="1700" b="1" dirty="0">
                 <a:latin typeface="Courier New" pitchFamily="49" charset="0"/>
                 <a:cs typeface="Courier New" pitchFamily="49" charset="0"/>
               </a:rPr>
               <a:t>class</a:t>
             </a:r>
             <a:r>
-              <a:rPr lang="en-IN" sz="2400" dirty="0">
+              <a:rPr lang="en-IN" sz="1700" dirty="0">
                 <a:latin typeface="Courier New" pitchFamily="49" charset="0"/>
                 <a:cs typeface="Courier New" pitchFamily="49" charset="0"/>
               </a:rPr>
               <a:t> </a:t>
             </a:r>
             <a:r>
-              <a:rPr lang="en-US" sz="2400" dirty="0"/>
+              <a:rPr lang="en-US" sz="1700" dirty="0"/>
               <a:t> </a:t>
             </a:r>
             <a:r>
-              <a:rPr lang="en-US" sz="2400" dirty="0" err="1" smtClean="0"/>
-              <a:t>EchoServer</a:t>
-            </a:r>
-            <a:r>
-              <a:rPr lang="en-US" sz="2400" dirty="0" smtClean="0"/>
-              <a:t> </a:t>
-            </a:r>
-            <a:r>
-              <a:rPr lang="en-IN" sz="2400" dirty="0">
+              <a:rPr lang="en-US" sz="1700" dirty="0" smtClean="0"/>
+              <a:t>Server1 </a:t>
+            </a:r>
+            <a:r>
+              <a:rPr lang="en-IN" sz="1700" dirty="0">
                 <a:latin typeface="Courier New" pitchFamily="49" charset="0"/>
                 <a:cs typeface="Courier New" pitchFamily="49" charset="0"/>
               </a:rPr>
@@ -18415,56 +18368,56 @@
           </a:p>
           <a:p>
             <a:r>
-              <a:rPr lang="en-IN" sz="2400" b="1" dirty="0">
+              <a:rPr lang="en-IN" sz="1700" b="1" dirty="0">
                 <a:latin typeface="Courier New" pitchFamily="49" charset="0"/>
                 <a:cs typeface="Courier New" pitchFamily="49" charset="0"/>
               </a:rPr>
               <a:t>public</a:t>
             </a:r>
             <a:r>
-              <a:rPr lang="en-IN" sz="2400" dirty="0">
+              <a:rPr lang="en-IN" sz="1700" dirty="0">
                 <a:latin typeface="Courier New" pitchFamily="49" charset="0"/>
                 <a:cs typeface="Courier New" pitchFamily="49" charset="0"/>
               </a:rPr>
               <a:t> </a:t>
             </a:r>
             <a:r>
-              <a:rPr lang="en-IN" sz="2400" b="1" dirty="0">
+              <a:rPr lang="en-IN" sz="1700" b="1" dirty="0">
                 <a:latin typeface="Courier New" pitchFamily="49" charset="0"/>
                 <a:cs typeface="Courier New" pitchFamily="49" charset="0"/>
               </a:rPr>
               <a:t>static</a:t>
             </a:r>
             <a:r>
-              <a:rPr lang="en-IN" sz="2400" dirty="0">
+              <a:rPr lang="en-IN" sz="1700" dirty="0">
                 <a:latin typeface="Courier New" pitchFamily="49" charset="0"/>
                 <a:cs typeface="Courier New" pitchFamily="49" charset="0"/>
               </a:rPr>
               <a:t> </a:t>
             </a:r>
             <a:r>
-              <a:rPr lang="en-IN" sz="2400" b="1" dirty="0">
+              <a:rPr lang="en-IN" sz="1700" b="1" dirty="0">
                 <a:latin typeface="Courier New" pitchFamily="49" charset="0"/>
                 <a:cs typeface="Courier New" pitchFamily="49" charset="0"/>
               </a:rPr>
               <a:t>void</a:t>
             </a:r>
             <a:r>
-              <a:rPr lang="en-IN" sz="2400" dirty="0">
+              <a:rPr lang="en-IN" sz="1700" dirty="0">
                 <a:latin typeface="Courier New" pitchFamily="49" charset="0"/>
                 <a:cs typeface="Courier New" pitchFamily="49" charset="0"/>
               </a:rPr>
               <a:t> main(String[] </a:t>
             </a:r>
             <a:r>
-              <a:rPr lang="en-IN" sz="2400" dirty="0" err="1">
+              <a:rPr lang="en-IN" sz="1700" dirty="0" err="1">
                 <a:latin typeface="Courier New" pitchFamily="49" charset="0"/>
                 <a:cs typeface="Courier New" pitchFamily="49" charset="0"/>
               </a:rPr>
               <a:t>args</a:t>
             </a:r>
             <a:r>
-              <a:rPr lang="en-IN" sz="2400" dirty="0">
+              <a:rPr lang="en-IN" sz="1700" dirty="0">
                 <a:latin typeface="Courier New" pitchFamily="49" charset="0"/>
                 <a:cs typeface="Courier New" pitchFamily="49" charset="0"/>
               </a:rPr>
@@ -18473,14 +18426,14 @@
           </a:p>
           <a:p>
             <a:r>
-              <a:rPr lang="en-IN" sz="2400" b="1" dirty="0" smtClean="0">
+              <a:rPr lang="en-IN" sz="1700" b="1" dirty="0" smtClean="0">
                 <a:latin typeface="Courier New" pitchFamily="49" charset="0"/>
                 <a:cs typeface="Courier New" pitchFamily="49" charset="0"/>
               </a:rPr>
               <a:t> try</a:t>
             </a:r>
             <a:r>
-              <a:rPr lang="en-IN" sz="2400" dirty="0">
+              <a:rPr lang="en-IN" sz="1700" dirty="0">
                 <a:latin typeface="Courier New" pitchFamily="49" charset="0"/>
                 <a:cs typeface="Courier New" pitchFamily="49" charset="0"/>
               </a:rPr>
@@ -18489,63 +18442,63 @@
           </a:p>
           <a:p>
             <a:r>
-              <a:rPr lang="en-IN" sz="2400" dirty="0" smtClean="0">
+              <a:rPr lang="en-IN" sz="1700" dirty="0" smtClean="0">
                 <a:latin typeface="Courier New" pitchFamily="49" charset="0"/>
                 <a:cs typeface="Courier New" pitchFamily="49" charset="0"/>
               </a:rPr>
               <a:t>  </a:t>
             </a:r>
             <a:r>
-              <a:rPr lang="en-IN" sz="2400" dirty="0" err="1" smtClean="0">
+              <a:rPr lang="en-IN" sz="1700" dirty="0" err="1" smtClean="0">
                 <a:latin typeface="Courier New" pitchFamily="49" charset="0"/>
                 <a:cs typeface="Courier New" pitchFamily="49" charset="0"/>
               </a:rPr>
               <a:t>ServerSocket</a:t>
             </a:r>
             <a:r>
-              <a:rPr lang="en-IN" sz="2400" dirty="0">
+              <a:rPr lang="en-IN" sz="1700" dirty="0">
                 <a:latin typeface="Courier New" pitchFamily="49" charset="0"/>
                 <a:cs typeface="Courier New" pitchFamily="49" charset="0"/>
               </a:rPr>
               <a:t> </a:t>
             </a:r>
             <a:r>
-              <a:rPr lang="en-IN" sz="2400" dirty="0" err="1">
+              <a:rPr lang="en-IN" sz="1700" dirty="0" err="1">
                 <a:latin typeface="Courier New" pitchFamily="49" charset="0"/>
                 <a:cs typeface="Courier New" pitchFamily="49" charset="0"/>
               </a:rPr>
               <a:t>ss</a:t>
             </a:r>
             <a:r>
-              <a:rPr lang="en-IN" sz="2400" dirty="0">
+              <a:rPr lang="en-IN" sz="1700" dirty="0">
                 <a:latin typeface="Courier New" pitchFamily="49" charset="0"/>
                 <a:cs typeface="Courier New" pitchFamily="49" charset="0"/>
               </a:rPr>
               <a:t>=</a:t>
             </a:r>
             <a:r>
-              <a:rPr lang="en-IN" sz="2400" b="1" dirty="0">
+              <a:rPr lang="en-IN" sz="1700" b="1" dirty="0">
                 <a:latin typeface="Courier New" pitchFamily="49" charset="0"/>
                 <a:cs typeface="Courier New" pitchFamily="49" charset="0"/>
               </a:rPr>
               <a:t>new</a:t>
             </a:r>
             <a:r>
-              <a:rPr lang="en-IN" sz="2400" dirty="0">
+              <a:rPr lang="en-IN" sz="1700" dirty="0">
                 <a:latin typeface="Courier New" pitchFamily="49" charset="0"/>
                 <a:cs typeface="Courier New" pitchFamily="49" charset="0"/>
               </a:rPr>
               <a:t> </a:t>
             </a:r>
             <a:r>
-              <a:rPr lang="en-IN" sz="2400" dirty="0" err="1">
+              <a:rPr lang="en-IN" sz="1700" dirty="0" err="1">
                 <a:latin typeface="Courier New" pitchFamily="49" charset="0"/>
                 <a:cs typeface="Courier New" pitchFamily="49" charset="0"/>
               </a:rPr>
               <a:t>ServerSocket</a:t>
             </a:r>
             <a:r>
-              <a:rPr lang="en-IN" sz="2400" dirty="0">
+              <a:rPr lang="en-IN" sz="1700" dirty="0">
                 <a:latin typeface="Courier New" pitchFamily="49" charset="0"/>
                 <a:cs typeface="Courier New" pitchFamily="49" charset="0"/>
               </a:rPr>
@@ -18554,76 +18507,76 @@
           </a:p>
           <a:p>
             <a:r>
-              <a:rPr lang="en-IN" sz="2400" dirty="0" smtClean="0">
+              <a:rPr lang="en-IN" sz="1700" dirty="0" smtClean="0">
                 <a:latin typeface="Courier New" pitchFamily="49" charset="0"/>
                 <a:cs typeface="Courier New" pitchFamily="49" charset="0"/>
               </a:rPr>
               <a:t>  Socket</a:t>
             </a:r>
             <a:r>
-              <a:rPr lang="en-IN" sz="2400" dirty="0">
+              <a:rPr lang="en-IN" sz="1700" dirty="0">
                 <a:latin typeface="Courier New" pitchFamily="49" charset="0"/>
                 <a:cs typeface="Courier New" pitchFamily="49" charset="0"/>
               </a:rPr>
               <a:t> s=</a:t>
             </a:r>
             <a:r>
-              <a:rPr lang="en-IN" sz="2400" dirty="0" err="1">
+              <a:rPr lang="en-IN" sz="1700" dirty="0" err="1">
                 <a:latin typeface="Courier New" pitchFamily="49" charset="0"/>
                 <a:cs typeface="Courier New" pitchFamily="49" charset="0"/>
               </a:rPr>
               <a:t>ss.accept</a:t>
             </a:r>
             <a:r>
-              <a:rPr lang="en-IN" sz="2400" dirty="0" smtClean="0">
+              <a:rPr lang="en-IN" sz="1700" dirty="0" smtClean="0">
                 <a:latin typeface="Courier New" pitchFamily="49" charset="0"/>
                 <a:cs typeface="Courier New" pitchFamily="49" charset="0"/>
               </a:rPr>
               <a:t>();</a:t>
             </a:r>
             <a:r>
-              <a:rPr lang="en-IN" sz="2400" dirty="0">
+              <a:rPr lang="en-IN" sz="1700" dirty="0">
                 <a:latin typeface="Courier New" pitchFamily="49" charset="0"/>
                 <a:cs typeface="Courier New" pitchFamily="49" charset="0"/>
               </a:rPr>
               <a:t> </a:t>
             </a:r>
-            <a:endParaRPr lang="en-IN" sz="2400" dirty="0" smtClean="0">
+            <a:endParaRPr lang="en-IN" sz="1700" dirty="0" smtClean="0">
               <a:latin typeface="Courier New" pitchFamily="49" charset="0"/>
               <a:cs typeface="Courier New" pitchFamily="49" charset="0"/>
             </a:endParaRPr>
           </a:p>
           <a:p>
             <a:r>
-              <a:rPr lang="en-IN" sz="2400" dirty="0">
+              <a:rPr lang="en-IN" sz="1700" dirty="0">
                 <a:latin typeface="Courier New" pitchFamily="49" charset="0"/>
                 <a:cs typeface="Courier New" pitchFamily="49" charset="0"/>
               </a:rPr>
               <a:t> </a:t>
             </a:r>
             <a:r>
-              <a:rPr lang="en-IN" sz="2400" dirty="0" smtClean="0">
+              <a:rPr lang="en-IN" sz="1700" dirty="0" smtClean="0">
                 <a:latin typeface="Courier New" pitchFamily="49" charset="0"/>
                 <a:cs typeface="Courier New" pitchFamily="49" charset="0"/>
               </a:rPr>
               <a:t> </a:t>
             </a:r>
             <a:r>
-              <a:rPr lang="en-IN" sz="2400" dirty="0" err="1" smtClean="0">
+              <a:rPr lang="en-IN" sz="1700" dirty="0" err="1" smtClean="0">
                 <a:latin typeface="Courier New" pitchFamily="49" charset="0"/>
                 <a:cs typeface="Courier New" pitchFamily="49" charset="0"/>
               </a:rPr>
               <a:t>DataInputStream</a:t>
             </a:r>
             <a:r>
-              <a:rPr lang="en-IN" sz="2400" dirty="0">
+              <a:rPr lang="en-IN" sz="1700" dirty="0">
                 <a:latin typeface="Courier New" pitchFamily="49" charset="0"/>
                 <a:cs typeface="Courier New" pitchFamily="49" charset="0"/>
               </a:rPr>
               <a:t> </a:t>
             </a:r>
             <a:r>
-              <a:rPr lang="en-IN" sz="2400" dirty="0" smtClean="0">
+              <a:rPr lang="en-IN" sz="1700" dirty="0" smtClean="0">
                 <a:latin typeface="Courier New" pitchFamily="49" charset="0"/>
                 <a:cs typeface="Courier New" pitchFamily="49" charset="0"/>
               </a:rPr>
@@ -18632,42 +18585,42 @@
           </a:p>
           <a:p>
             <a:r>
-              <a:rPr lang="en-IN" sz="2400" b="1" dirty="0" smtClean="0">
+              <a:rPr lang="en-IN" sz="1700" b="1" dirty="0" smtClean="0">
                 <a:latin typeface="Courier New" pitchFamily="49" charset="0"/>
                 <a:cs typeface="Courier New" pitchFamily="49" charset="0"/>
               </a:rPr>
               <a:t>  new</a:t>
             </a:r>
             <a:r>
-              <a:rPr lang="en-IN" sz="2400" dirty="0">
+              <a:rPr lang="en-IN" sz="1700" dirty="0">
                 <a:latin typeface="Courier New" pitchFamily="49" charset="0"/>
                 <a:cs typeface="Courier New" pitchFamily="49" charset="0"/>
               </a:rPr>
               <a:t> </a:t>
             </a:r>
             <a:r>
-              <a:rPr lang="en-IN" sz="2400" dirty="0" err="1">
+              <a:rPr lang="en-IN" sz="1700" dirty="0" err="1">
                 <a:latin typeface="Courier New" pitchFamily="49" charset="0"/>
                 <a:cs typeface="Courier New" pitchFamily="49" charset="0"/>
               </a:rPr>
               <a:t>DataInputStream</a:t>
             </a:r>
             <a:r>
-              <a:rPr lang="en-IN" sz="2400" dirty="0">
+              <a:rPr lang="en-IN" sz="1700" dirty="0">
                 <a:latin typeface="Courier New" pitchFamily="49" charset="0"/>
                 <a:cs typeface="Courier New" pitchFamily="49" charset="0"/>
               </a:rPr>
               <a:t>(</a:t>
             </a:r>
             <a:r>
-              <a:rPr lang="en-IN" sz="2400" dirty="0" err="1">
+              <a:rPr lang="en-IN" sz="1700" dirty="0" err="1">
                 <a:latin typeface="Courier New" pitchFamily="49" charset="0"/>
                 <a:cs typeface="Courier New" pitchFamily="49" charset="0"/>
               </a:rPr>
               <a:t>s.getInputStream</a:t>
             </a:r>
             <a:r>
-              <a:rPr lang="en-IN" sz="2400" dirty="0">
+              <a:rPr lang="en-IN" sz="1700" dirty="0">
                 <a:latin typeface="Courier New" pitchFamily="49" charset="0"/>
                 <a:cs typeface="Courier New" pitchFamily="49" charset="0"/>
               </a:rPr>
@@ -18676,42 +18629,42 @@
           </a:p>
           <a:p>
             <a:r>
-              <a:rPr lang="en-IN" sz="2400" dirty="0" smtClean="0">
+              <a:rPr lang="en-IN" sz="1700" dirty="0" smtClean="0">
                 <a:latin typeface="Courier New" pitchFamily="49" charset="0"/>
                 <a:cs typeface="Courier New" pitchFamily="49" charset="0"/>
               </a:rPr>
               <a:t>  String</a:t>
             </a:r>
             <a:r>
-              <a:rPr lang="en-IN" sz="2400" dirty="0">
+              <a:rPr lang="en-IN" sz="1700" dirty="0">
                 <a:latin typeface="Courier New" pitchFamily="49" charset="0"/>
                 <a:cs typeface="Courier New" pitchFamily="49" charset="0"/>
               </a:rPr>
               <a:t>  </a:t>
             </a:r>
             <a:r>
-              <a:rPr lang="en-IN" sz="2400" dirty="0" err="1">
+              <a:rPr lang="en-IN" sz="1700" dirty="0" err="1">
                 <a:latin typeface="Courier New" pitchFamily="49" charset="0"/>
                 <a:cs typeface="Courier New" pitchFamily="49" charset="0"/>
               </a:rPr>
               <a:t>str</a:t>
             </a:r>
             <a:r>
-              <a:rPr lang="en-IN" sz="2400" dirty="0">
+              <a:rPr lang="en-IN" sz="1700" dirty="0">
                 <a:latin typeface="Courier New" pitchFamily="49" charset="0"/>
                 <a:cs typeface="Courier New" pitchFamily="49" charset="0"/>
               </a:rPr>
               <a:t>=(String)</a:t>
             </a:r>
             <a:r>
-              <a:rPr lang="en-IN" sz="2400" dirty="0" err="1">
+              <a:rPr lang="en-IN" sz="1700" dirty="0" err="1">
                 <a:latin typeface="Courier New" pitchFamily="49" charset="0"/>
                 <a:cs typeface="Courier New" pitchFamily="49" charset="0"/>
               </a:rPr>
               <a:t>dis.readUTF</a:t>
             </a:r>
             <a:r>
-              <a:rPr lang="en-IN" sz="2400" dirty="0">
+              <a:rPr lang="en-IN" sz="1700" dirty="0">
                 <a:latin typeface="Courier New" pitchFamily="49" charset="0"/>
                 <a:cs typeface="Courier New" pitchFamily="49" charset="0"/>
               </a:rPr>
@@ -18720,42 +18673,42 @@
           </a:p>
           <a:p>
             <a:r>
-              <a:rPr lang="en-IN" sz="2400" dirty="0" smtClean="0">
+              <a:rPr lang="en-IN" sz="1700" dirty="0" smtClean="0">
                 <a:latin typeface="Courier New" pitchFamily="49" charset="0"/>
                 <a:cs typeface="Courier New" pitchFamily="49" charset="0"/>
               </a:rPr>
               <a:t>  </a:t>
             </a:r>
             <a:r>
-              <a:rPr lang="en-IN" sz="2400" dirty="0" err="1" smtClean="0">
+              <a:rPr lang="en-IN" sz="1700" dirty="0" err="1" smtClean="0">
                 <a:latin typeface="Courier New" pitchFamily="49" charset="0"/>
                 <a:cs typeface="Courier New" pitchFamily="49" charset="0"/>
               </a:rPr>
               <a:t>System.out.println</a:t>
             </a:r>
             <a:r>
-              <a:rPr lang="en-IN" sz="2400" dirty="0" smtClean="0">
+              <a:rPr lang="en-IN" sz="1700" dirty="0" smtClean="0">
                 <a:latin typeface="Courier New" pitchFamily="49" charset="0"/>
                 <a:cs typeface="Courier New" pitchFamily="49" charset="0"/>
               </a:rPr>
               <a:t>("Client says=</a:t>
             </a:r>
             <a:r>
-              <a:rPr lang="en-IN" sz="2400" dirty="0">
+              <a:rPr lang="en-IN" sz="1700" dirty="0">
                 <a:latin typeface="Courier New" pitchFamily="49" charset="0"/>
                 <a:cs typeface="Courier New" pitchFamily="49" charset="0"/>
               </a:rPr>
               <a:t> "+</a:t>
             </a:r>
             <a:r>
-              <a:rPr lang="en-IN" sz="2400" dirty="0" err="1">
+              <a:rPr lang="en-IN" sz="1700" dirty="0" err="1">
                 <a:latin typeface="Courier New" pitchFamily="49" charset="0"/>
                 <a:cs typeface="Courier New" pitchFamily="49" charset="0"/>
               </a:rPr>
               <a:t>str</a:t>
             </a:r>
             <a:r>
-              <a:rPr lang="en-IN" sz="2400" dirty="0">
+              <a:rPr lang="en-IN" sz="1700" dirty="0">
                 <a:latin typeface="Courier New" pitchFamily="49" charset="0"/>
                 <a:cs typeface="Courier New" pitchFamily="49" charset="0"/>
               </a:rPr>
@@ -18764,21 +18717,21 @@
           </a:p>
           <a:p>
             <a:r>
-              <a:rPr lang="en-IN" sz="2400" dirty="0" smtClean="0">
+              <a:rPr lang="en-IN" sz="1700" dirty="0" smtClean="0">
                 <a:latin typeface="Courier New" pitchFamily="49" charset="0"/>
                 <a:cs typeface="Courier New" pitchFamily="49" charset="0"/>
               </a:rPr>
               <a:t>  </a:t>
             </a:r>
             <a:r>
-              <a:rPr lang="en-IN" sz="2400" dirty="0" err="1" smtClean="0">
+              <a:rPr lang="en-IN" sz="1700" dirty="0" err="1" smtClean="0">
                 <a:latin typeface="Courier New" pitchFamily="49" charset="0"/>
                 <a:cs typeface="Courier New" pitchFamily="49" charset="0"/>
               </a:rPr>
               <a:t>ss.close</a:t>
             </a:r>
             <a:r>
-              <a:rPr lang="en-IN" sz="2400" dirty="0">
+              <a:rPr lang="en-IN" sz="1700" dirty="0">
                 <a:latin typeface="Courier New" pitchFamily="49" charset="0"/>
                 <a:cs typeface="Courier New" pitchFamily="49" charset="0"/>
               </a:rPr>
@@ -18787,7 +18740,7 @@
           </a:p>
           <a:p>
             <a:r>
-              <a:rPr lang="en-IN" sz="2400" dirty="0" smtClean="0">
+              <a:rPr lang="en-IN" sz="1700" dirty="0" smtClean="0">
                 <a:latin typeface="Courier New" pitchFamily="49" charset="0"/>
                 <a:cs typeface="Courier New" pitchFamily="49" charset="0"/>
               </a:rPr>
@@ -18796,35 +18749,35 @@
           </a:p>
           <a:p>
             <a:r>
-              <a:rPr lang="en-IN" sz="2400" b="1" dirty="0">
+              <a:rPr lang="en-IN" sz="1700" b="1" dirty="0">
                 <a:latin typeface="Courier New" pitchFamily="49" charset="0"/>
                 <a:cs typeface="Courier New" pitchFamily="49" charset="0"/>
               </a:rPr>
               <a:t> </a:t>
             </a:r>
             <a:r>
-              <a:rPr lang="en-IN" sz="2400" b="1" dirty="0" smtClean="0">
+              <a:rPr lang="en-IN" sz="1700" b="1" dirty="0" smtClean="0">
                 <a:latin typeface="Courier New" pitchFamily="49" charset="0"/>
                 <a:cs typeface="Courier New" pitchFamily="49" charset="0"/>
               </a:rPr>
               <a:t>catch</a:t>
             </a:r>
             <a:r>
-              <a:rPr lang="en-IN" sz="2400" dirty="0" smtClean="0">
+              <a:rPr lang="en-IN" sz="1700" dirty="0" smtClean="0">
                 <a:latin typeface="Courier New" pitchFamily="49" charset="0"/>
                 <a:cs typeface="Courier New" pitchFamily="49" charset="0"/>
               </a:rPr>
               <a:t>(Exception</a:t>
             </a:r>
             <a:r>
-              <a:rPr lang="en-IN" sz="2400" dirty="0">
+              <a:rPr lang="en-IN" sz="1700" dirty="0">
                 <a:latin typeface="Courier New" pitchFamily="49" charset="0"/>
                 <a:cs typeface="Courier New" pitchFamily="49" charset="0"/>
               </a:rPr>
               <a:t> e</a:t>
             </a:r>
             <a:r>
-              <a:rPr lang="en-IN" sz="2400" dirty="0" smtClean="0">
+              <a:rPr lang="en-IN" sz="1700" dirty="0" smtClean="0">
                 <a:latin typeface="Courier New" pitchFamily="49" charset="0"/>
                 <a:cs typeface="Courier New" pitchFamily="49" charset="0"/>
               </a:rPr>
@@ -18833,28 +18786,28 @@
           </a:p>
           <a:p>
             <a:r>
-              <a:rPr lang="en-IN" sz="2400" dirty="0">
+              <a:rPr lang="en-IN" sz="1700" dirty="0">
                 <a:latin typeface="Courier New" pitchFamily="49" charset="0"/>
                 <a:cs typeface="Courier New" pitchFamily="49" charset="0"/>
               </a:rPr>
               <a:t> </a:t>
             </a:r>
             <a:r>
-              <a:rPr lang="en-IN" sz="2400" dirty="0" smtClean="0">
+              <a:rPr lang="en-IN" sz="1700" dirty="0" smtClean="0">
                 <a:latin typeface="Courier New" pitchFamily="49" charset="0"/>
                 <a:cs typeface="Courier New" pitchFamily="49" charset="0"/>
               </a:rPr>
               <a:t>{</a:t>
             </a:r>
             <a:r>
-              <a:rPr lang="en-IN" sz="2400" dirty="0" err="1">
+              <a:rPr lang="en-IN" sz="1700" dirty="0" err="1">
                 <a:latin typeface="Courier New" pitchFamily="49" charset="0"/>
                 <a:cs typeface="Courier New" pitchFamily="49" charset="0"/>
               </a:rPr>
               <a:t>System.out.println</a:t>
             </a:r>
             <a:r>
-              <a:rPr lang="en-IN" sz="2400" dirty="0">
+              <a:rPr lang="en-IN" sz="1700" dirty="0">
                 <a:latin typeface="Courier New" pitchFamily="49" charset="0"/>
                 <a:cs typeface="Courier New" pitchFamily="49" charset="0"/>
               </a:rPr>
@@ -18863,7 +18816,7 @@
           </a:p>
           <a:p>
             <a:r>
-              <a:rPr lang="en-IN" sz="2400" dirty="0">
+              <a:rPr lang="en-IN" sz="1700" dirty="0">
                 <a:latin typeface="Courier New" pitchFamily="49" charset="0"/>
                 <a:cs typeface="Courier New" pitchFamily="49" charset="0"/>
               </a:rPr>
@@ -18872,13 +18825,13 @@
           </a:p>
           <a:p>
             <a:r>
-              <a:rPr lang="en-IN" sz="2400" dirty="0" smtClean="0">
+              <a:rPr lang="en-IN" sz="1700" dirty="0" smtClean="0">
                 <a:latin typeface="Courier New" pitchFamily="49" charset="0"/>
                 <a:cs typeface="Courier New" pitchFamily="49" charset="0"/>
               </a:rPr>
               <a:t>}</a:t>
             </a:r>
-            <a:endParaRPr lang="en-IN" sz="2400" dirty="0">
+            <a:endParaRPr lang="en-IN" sz="1700" dirty="0">
               <a:latin typeface="Courier New" pitchFamily="49" charset="0"/>
               <a:cs typeface="Courier New" pitchFamily="49" charset="0"/>
             </a:endParaRPr>
@@ -18887,10 +18840,10 @@
       </p:sp>
       <p:sp>
         <p:nvSpPr>
-          <p:cNvPr id="5" name="Rectangle: Rounded Corners 4">
+          <p:cNvPr id="4" name="Rectangle 3">
             <a:extLst>
               <a:ext uri="{FF2B5EF4-FFF2-40B4-BE49-F238E27FC236}">
-                <a16:creationId xmlns:a16="http://schemas.microsoft.com/office/drawing/2014/main" xmlns="" id="{26C8FC72-69A2-4A2B-BF11-365292130EB4}"/>
+                <a16:creationId xmlns="" xmlns:a16="http://schemas.microsoft.com/office/drawing/2014/main" id="{F239B26C-C8FD-4F8B-9AD9-B7E47E10C0BC}"/>
               </a:ext>
             </a:extLst>
           </p:cNvPr>
@@ -18899,22 +18852,23 @@
         </p:nvSpPr>
         <p:spPr>
           <a:xfrm>
-            <a:off x="57664" y="87697"/>
-            <a:ext cx="2914136" cy="582863"/>
+            <a:off x="0" y="368779"/>
+            <a:ext cx="6019800" cy="6352061"/>
           </a:xfrm>
-          <a:prstGeom prst="roundRect">
+          <a:prstGeom prst="rect">
             <a:avLst/>
           </a:prstGeom>
+          <a:ln/>
         </p:spPr>
         <p:style>
           <a:lnRef idx="2">
-            <a:schemeClr val="accent6"/>
+            <a:schemeClr val="dk1"/>
           </a:lnRef>
           <a:fillRef idx="1">
             <a:schemeClr val="lt1"/>
           </a:fillRef>
           <a:effectRef idx="0">
-            <a:schemeClr val="accent6"/>
+            <a:schemeClr val="dk1"/>
           </a:effectRef>
           <a:fontRef idx="minor">
             <a:schemeClr val="dk1"/>
@@ -18924,12 +18878,512 @@
           <a:bodyPr rtlCol="0" anchor="ctr"/>
           <a:lstStyle/>
           <a:p>
+            <a:r>
+              <a:rPr lang="en-IN" sz="1700" b="1" dirty="0">
+                <a:latin typeface="Courier New" pitchFamily="49" charset="0"/>
+                <a:cs typeface="Courier New" pitchFamily="49" charset="0"/>
+              </a:rPr>
+              <a:t>import</a:t>
+            </a:r>
+            <a:r>
+              <a:rPr lang="en-IN" sz="1700" dirty="0">
+                <a:latin typeface="Courier New" pitchFamily="49" charset="0"/>
+                <a:cs typeface="Courier New" pitchFamily="49" charset="0"/>
+              </a:rPr>
+              <a:t> java.io.*;  </a:t>
+            </a:r>
+          </a:p>
+          <a:p>
+            <a:r>
+              <a:rPr lang="en-IN" sz="1700" b="1" dirty="0">
+                <a:latin typeface="Courier New" pitchFamily="49" charset="0"/>
+                <a:cs typeface="Courier New" pitchFamily="49" charset="0"/>
+              </a:rPr>
+              <a:t>import</a:t>
+            </a:r>
+            <a:r>
+              <a:rPr lang="en-IN" sz="1700" dirty="0">
+                <a:latin typeface="Courier New" pitchFamily="49" charset="0"/>
+                <a:cs typeface="Courier New" pitchFamily="49" charset="0"/>
+              </a:rPr>
+              <a:t> java.net.*;  </a:t>
+            </a:r>
+          </a:p>
+          <a:p>
+            <a:r>
+              <a:rPr lang="en-IN" sz="1700" b="1" dirty="0">
+                <a:latin typeface="Courier New" pitchFamily="49" charset="0"/>
+                <a:cs typeface="Courier New" pitchFamily="49" charset="0"/>
+              </a:rPr>
+              <a:t>public</a:t>
+            </a:r>
+            <a:r>
+              <a:rPr lang="en-IN" sz="1700" dirty="0">
+                <a:latin typeface="Courier New" pitchFamily="49" charset="0"/>
+                <a:cs typeface="Courier New" pitchFamily="49" charset="0"/>
+              </a:rPr>
+              <a:t> </a:t>
+            </a:r>
+            <a:r>
+              <a:rPr lang="en-IN" sz="1700" b="1" dirty="0">
+                <a:latin typeface="Courier New" pitchFamily="49" charset="0"/>
+                <a:cs typeface="Courier New" pitchFamily="49" charset="0"/>
+              </a:rPr>
+              <a:t>class</a:t>
+            </a:r>
+            <a:r>
+              <a:rPr lang="en-IN" sz="1700" dirty="0">
+                <a:latin typeface="Courier New" pitchFamily="49" charset="0"/>
+                <a:cs typeface="Courier New" pitchFamily="49" charset="0"/>
+              </a:rPr>
+              <a:t> </a:t>
+            </a:r>
+            <a:r>
+              <a:rPr lang="en-IN" sz="1700" dirty="0" smtClean="0">
+                <a:latin typeface="Courier New" pitchFamily="49" charset="0"/>
+                <a:cs typeface="Courier New" pitchFamily="49" charset="0"/>
+              </a:rPr>
+              <a:t>Client1</a:t>
+            </a:r>
+            <a:r>
+              <a:rPr lang="en-IN" sz="1700" dirty="0">
+                <a:latin typeface="Courier New" pitchFamily="49" charset="0"/>
+                <a:cs typeface="Courier New" pitchFamily="49" charset="0"/>
+              </a:rPr>
+              <a:t> {  </a:t>
+            </a:r>
+          </a:p>
+          <a:p>
+            <a:r>
+              <a:rPr lang="en-IN" sz="1700" b="1" dirty="0" smtClean="0">
+                <a:latin typeface="Courier New" pitchFamily="49" charset="0"/>
+                <a:cs typeface="Courier New" pitchFamily="49" charset="0"/>
+              </a:rPr>
+              <a:t> public</a:t>
+            </a:r>
+            <a:r>
+              <a:rPr lang="en-IN" sz="1700" dirty="0">
+                <a:latin typeface="Courier New" pitchFamily="49" charset="0"/>
+                <a:cs typeface="Courier New" pitchFamily="49" charset="0"/>
+              </a:rPr>
+              <a:t> </a:t>
+            </a:r>
+            <a:r>
+              <a:rPr lang="en-IN" sz="1700" b="1" dirty="0">
+                <a:latin typeface="Courier New" pitchFamily="49" charset="0"/>
+                <a:cs typeface="Courier New" pitchFamily="49" charset="0"/>
+              </a:rPr>
+              <a:t>static</a:t>
+            </a:r>
+            <a:r>
+              <a:rPr lang="en-IN" sz="1700" dirty="0">
+                <a:latin typeface="Courier New" pitchFamily="49" charset="0"/>
+                <a:cs typeface="Courier New" pitchFamily="49" charset="0"/>
+              </a:rPr>
+              <a:t> </a:t>
+            </a:r>
+            <a:r>
+              <a:rPr lang="en-IN" sz="1700" b="1" dirty="0">
+                <a:latin typeface="Courier New" pitchFamily="49" charset="0"/>
+                <a:cs typeface="Courier New" pitchFamily="49" charset="0"/>
+              </a:rPr>
+              <a:t>void</a:t>
+            </a:r>
+            <a:r>
+              <a:rPr lang="en-IN" sz="1700" dirty="0">
+                <a:latin typeface="Courier New" pitchFamily="49" charset="0"/>
+                <a:cs typeface="Courier New" pitchFamily="49" charset="0"/>
+              </a:rPr>
+              <a:t> main(String[] </a:t>
+            </a:r>
+            <a:r>
+              <a:rPr lang="en-IN" sz="1700" dirty="0" err="1">
+                <a:latin typeface="Courier New" pitchFamily="49" charset="0"/>
+                <a:cs typeface="Courier New" pitchFamily="49" charset="0"/>
+              </a:rPr>
+              <a:t>args</a:t>
+            </a:r>
+            <a:r>
+              <a:rPr lang="en-IN" sz="1700" dirty="0">
+                <a:latin typeface="Courier New" pitchFamily="49" charset="0"/>
+                <a:cs typeface="Courier New" pitchFamily="49" charset="0"/>
+              </a:rPr>
+              <a:t>) </a:t>
+            </a:r>
+            <a:endParaRPr lang="en-IN" sz="1700" dirty="0" smtClean="0">
+              <a:latin typeface="Courier New" pitchFamily="49" charset="0"/>
+              <a:cs typeface="Courier New" pitchFamily="49" charset="0"/>
+            </a:endParaRPr>
+          </a:p>
+          <a:p>
+            <a:r>
+              <a:rPr lang="en-IN" sz="1700" dirty="0" smtClean="0">
+                <a:latin typeface="Courier New" pitchFamily="49" charset="0"/>
+                <a:cs typeface="Courier New" pitchFamily="49" charset="0"/>
+              </a:rPr>
+              <a:t> {</a:t>
+            </a:r>
+            <a:r>
+              <a:rPr lang="en-IN" sz="1700" dirty="0">
+                <a:latin typeface="Courier New" pitchFamily="49" charset="0"/>
+                <a:cs typeface="Courier New" pitchFamily="49" charset="0"/>
+              </a:rPr>
+              <a:t>  </a:t>
+            </a:r>
+          </a:p>
+          <a:p>
+            <a:r>
+              <a:rPr lang="en-IN" sz="1700" b="1" dirty="0" smtClean="0">
+                <a:latin typeface="Courier New" pitchFamily="49" charset="0"/>
+                <a:cs typeface="Courier New" pitchFamily="49" charset="0"/>
+              </a:rPr>
+              <a:t>  try</a:t>
+            </a:r>
+            <a:r>
+              <a:rPr lang="en-IN" sz="1700" dirty="0" smtClean="0">
+                <a:latin typeface="Courier New" pitchFamily="49" charset="0"/>
+                <a:cs typeface="Courier New" pitchFamily="49" charset="0"/>
+              </a:rPr>
+              <a:t>{</a:t>
+            </a:r>
+            <a:r>
+              <a:rPr lang="en-IN" sz="1700" dirty="0">
+                <a:latin typeface="Courier New" pitchFamily="49" charset="0"/>
+                <a:cs typeface="Courier New" pitchFamily="49" charset="0"/>
+              </a:rPr>
+              <a:t>      </a:t>
+            </a:r>
+          </a:p>
+          <a:p>
+            <a:r>
+              <a:rPr lang="en-IN" sz="1700" dirty="0" smtClean="0">
+                <a:latin typeface="Courier New" pitchFamily="49" charset="0"/>
+                <a:cs typeface="Courier New" pitchFamily="49" charset="0"/>
+              </a:rPr>
+              <a:t>  Socket</a:t>
+            </a:r>
+            <a:r>
+              <a:rPr lang="en-IN" sz="1700" dirty="0">
+                <a:latin typeface="Courier New" pitchFamily="49" charset="0"/>
+                <a:cs typeface="Courier New" pitchFamily="49" charset="0"/>
+              </a:rPr>
+              <a:t> s=</a:t>
+            </a:r>
+            <a:r>
+              <a:rPr lang="en-IN" sz="1700" b="1" dirty="0">
+                <a:latin typeface="Courier New" pitchFamily="49" charset="0"/>
+                <a:cs typeface="Courier New" pitchFamily="49" charset="0"/>
+              </a:rPr>
+              <a:t>new</a:t>
+            </a:r>
+            <a:r>
+              <a:rPr lang="en-IN" sz="1700" dirty="0">
+                <a:latin typeface="Courier New" pitchFamily="49" charset="0"/>
+                <a:cs typeface="Courier New" pitchFamily="49" charset="0"/>
+              </a:rPr>
+              <a:t> Socket("localhost",6666);  </a:t>
+            </a:r>
+          </a:p>
+          <a:p>
+            <a:r>
+              <a:rPr lang="en-IN" sz="1700" dirty="0" smtClean="0">
+                <a:latin typeface="Courier New" pitchFamily="49" charset="0"/>
+                <a:cs typeface="Courier New" pitchFamily="49" charset="0"/>
+              </a:rPr>
+              <a:t>  </a:t>
+            </a:r>
+            <a:r>
+              <a:rPr lang="en-IN" sz="1700" dirty="0" err="1" smtClean="0">
+                <a:latin typeface="Courier New" pitchFamily="49" charset="0"/>
+                <a:cs typeface="Courier New" pitchFamily="49" charset="0"/>
+              </a:rPr>
+              <a:t>DataOutputStream</a:t>
+            </a:r>
+            <a:r>
+              <a:rPr lang="en-IN" sz="1700" dirty="0">
+                <a:latin typeface="Courier New" pitchFamily="49" charset="0"/>
+                <a:cs typeface="Courier New" pitchFamily="49" charset="0"/>
+              </a:rPr>
+              <a:t> </a:t>
+            </a:r>
+            <a:r>
+              <a:rPr lang="en-IN" sz="1700" dirty="0" err="1" smtClean="0">
+                <a:latin typeface="Courier New" pitchFamily="49" charset="0"/>
+                <a:cs typeface="Courier New" pitchFamily="49" charset="0"/>
+              </a:rPr>
+              <a:t>dout</a:t>
+            </a:r>
+            <a:r>
+              <a:rPr lang="en-IN" sz="1700" dirty="0" smtClean="0">
+                <a:latin typeface="Courier New" pitchFamily="49" charset="0"/>
+                <a:cs typeface="Courier New" pitchFamily="49" charset="0"/>
+              </a:rPr>
+              <a:t> =  </a:t>
+            </a:r>
+          </a:p>
+          <a:p>
+            <a:r>
+              <a:rPr lang="en-IN" sz="1700" b="1" dirty="0" smtClean="0">
+                <a:latin typeface="Courier New" pitchFamily="49" charset="0"/>
+                <a:cs typeface="Courier New" pitchFamily="49" charset="0"/>
+              </a:rPr>
+              <a:t>  new</a:t>
+            </a:r>
+            <a:r>
+              <a:rPr lang="en-IN" sz="1700" dirty="0">
+                <a:latin typeface="Courier New" pitchFamily="49" charset="0"/>
+                <a:cs typeface="Courier New" pitchFamily="49" charset="0"/>
+              </a:rPr>
+              <a:t> </a:t>
+            </a:r>
+            <a:r>
+              <a:rPr lang="en-IN" sz="1700" dirty="0" err="1">
+                <a:latin typeface="Courier New" pitchFamily="49" charset="0"/>
+                <a:cs typeface="Courier New" pitchFamily="49" charset="0"/>
+              </a:rPr>
+              <a:t>DataOutputStream</a:t>
+            </a:r>
+            <a:r>
+              <a:rPr lang="en-IN" sz="1700" dirty="0">
+                <a:latin typeface="Courier New" pitchFamily="49" charset="0"/>
+                <a:cs typeface="Courier New" pitchFamily="49" charset="0"/>
+              </a:rPr>
+              <a:t>(</a:t>
+            </a:r>
+            <a:r>
+              <a:rPr lang="en-IN" sz="1700" dirty="0" err="1">
+                <a:latin typeface="Courier New" pitchFamily="49" charset="0"/>
+                <a:cs typeface="Courier New" pitchFamily="49" charset="0"/>
+              </a:rPr>
+              <a:t>s.getOutputStream</a:t>
+            </a:r>
+            <a:r>
+              <a:rPr lang="en-IN" sz="1700" dirty="0" smtClean="0">
+                <a:latin typeface="Courier New" pitchFamily="49" charset="0"/>
+                <a:cs typeface="Courier New" pitchFamily="49" charset="0"/>
+              </a:rPr>
+              <a:t>());</a:t>
+            </a:r>
+          </a:p>
+          <a:p>
+            <a:r>
+              <a:rPr lang="en-IN" sz="1700" dirty="0" smtClean="0">
+                <a:latin typeface="Courier New" pitchFamily="49" charset="0"/>
+                <a:cs typeface="Courier New" pitchFamily="49" charset="0"/>
+              </a:rPr>
+              <a:t>  </a:t>
+            </a:r>
+            <a:r>
+              <a:rPr lang="en-IN" sz="1700" dirty="0" err="1" smtClean="0">
+                <a:latin typeface="Courier New" pitchFamily="49" charset="0"/>
+                <a:cs typeface="Courier New" pitchFamily="49" charset="0"/>
+              </a:rPr>
+              <a:t>dout.writeUTF</a:t>
+            </a:r>
+            <a:r>
+              <a:rPr lang="en-IN" sz="1700" dirty="0">
+                <a:latin typeface="Courier New" pitchFamily="49" charset="0"/>
+                <a:cs typeface="Courier New" pitchFamily="49" charset="0"/>
+              </a:rPr>
+              <a:t>("Hello Server");  </a:t>
+            </a:r>
+          </a:p>
+          <a:p>
+            <a:r>
+              <a:rPr lang="en-IN" sz="1700" dirty="0" smtClean="0">
+                <a:latin typeface="Courier New" pitchFamily="49" charset="0"/>
+                <a:cs typeface="Courier New" pitchFamily="49" charset="0"/>
+              </a:rPr>
+              <a:t>  </a:t>
+            </a:r>
+            <a:r>
+              <a:rPr lang="en-IN" sz="1700" dirty="0" err="1" smtClean="0">
+                <a:latin typeface="Courier New" pitchFamily="49" charset="0"/>
+                <a:cs typeface="Courier New" pitchFamily="49" charset="0"/>
+              </a:rPr>
+              <a:t>dout.flush</a:t>
+            </a:r>
+            <a:r>
+              <a:rPr lang="en-IN" sz="1700" dirty="0">
+                <a:latin typeface="Courier New" pitchFamily="49" charset="0"/>
+                <a:cs typeface="Courier New" pitchFamily="49" charset="0"/>
+              </a:rPr>
+              <a:t>();  </a:t>
+            </a:r>
+          </a:p>
+          <a:p>
+            <a:r>
+              <a:rPr lang="en-IN" sz="1700" dirty="0" smtClean="0">
+                <a:latin typeface="Courier New" pitchFamily="49" charset="0"/>
+                <a:cs typeface="Courier New" pitchFamily="49" charset="0"/>
+              </a:rPr>
+              <a:t>  </a:t>
+            </a:r>
+            <a:r>
+              <a:rPr lang="en-IN" sz="1700" dirty="0" err="1" smtClean="0">
+                <a:latin typeface="Courier New" pitchFamily="49" charset="0"/>
+                <a:cs typeface="Courier New" pitchFamily="49" charset="0"/>
+              </a:rPr>
+              <a:t>dout.close</a:t>
+            </a:r>
+            <a:r>
+              <a:rPr lang="en-IN" sz="1700" dirty="0">
+                <a:latin typeface="Courier New" pitchFamily="49" charset="0"/>
+                <a:cs typeface="Courier New" pitchFamily="49" charset="0"/>
+              </a:rPr>
+              <a:t>();  </a:t>
+            </a:r>
+          </a:p>
+          <a:p>
+            <a:r>
+              <a:rPr lang="en-IN" sz="1700" dirty="0" smtClean="0">
+                <a:latin typeface="Courier New" pitchFamily="49" charset="0"/>
+                <a:cs typeface="Courier New" pitchFamily="49" charset="0"/>
+              </a:rPr>
+              <a:t>  </a:t>
+            </a:r>
+            <a:r>
+              <a:rPr lang="en-IN" sz="1700" dirty="0" err="1" smtClean="0">
+                <a:latin typeface="Courier New" pitchFamily="49" charset="0"/>
+                <a:cs typeface="Courier New" pitchFamily="49" charset="0"/>
+              </a:rPr>
+              <a:t>s.close</a:t>
+            </a:r>
+            <a:r>
+              <a:rPr lang="en-IN" sz="1700" dirty="0">
+                <a:latin typeface="Courier New" pitchFamily="49" charset="0"/>
+                <a:cs typeface="Courier New" pitchFamily="49" charset="0"/>
+              </a:rPr>
+              <a:t>();  </a:t>
+            </a:r>
+          </a:p>
+          <a:p>
+            <a:r>
+              <a:rPr lang="en-IN" sz="1700" dirty="0" smtClean="0">
+                <a:latin typeface="Courier New" pitchFamily="49" charset="0"/>
+                <a:cs typeface="Courier New" pitchFamily="49" charset="0"/>
+              </a:rPr>
+              <a:t>  }</a:t>
+            </a:r>
+          </a:p>
+          <a:p>
+            <a:r>
+              <a:rPr lang="en-IN" sz="1700" b="1" dirty="0" smtClean="0">
+                <a:latin typeface="Courier New" pitchFamily="49" charset="0"/>
+                <a:cs typeface="Courier New" pitchFamily="49" charset="0"/>
+              </a:rPr>
+              <a:t>  catch</a:t>
+            </a:r>
+            <a:r>
+              <a:rPr lang="en-IN" sz="1700" dirty="0" smtClean="0">
+                <a:latin typeface="Courier New" pitchFamily="49" charset="0"/>
+                <a:cs typeface="Courier New" pitchFamily="49" charset="0"/>
+              </a:rPr>
+              <a:t>(Exception</a:t>
+            </a:r>
+            <a:r>
+              <a:rPr lang="en-IN" sz="1700" dirty="0">
+                <a:latin typeface="Courier New" pitchFamily="49" charset="0"/>
+                <a:cs typeface="Courier New" pitchFamily="49" charset="0"/>
+              </a:rPr>
+              <a:t> e){</a:t>
+            </a:r>
+            <a:r>
+              <a:rPr lang="en-IN" sz="1700" dirty="0" err="1">
+                <a:latin typeface="Courier New" pitchFamily="49" charset="0"/>
+                <a:cs typeface="Courier New" pitchFamily="49" charset="0"/>
+              </a:rPr>
+              <a:t>System.out.println</a:t>
+            </a:r>
+            <a:r>
+              <a:rPr lang="en-IN" sz="1700" dirty="0">
+                <a:latin typeface="Courier New" pitchFamily="49" charset="0"/>
+                <a:cs typeface="Courier New" pitchFamily="49" charset="0"/>
+              </a:rPr>
+              <a:t>(e</a:t>
+            </a:r>
+            <a:r>
+              <a:rPr lang="en-IN" sz="1700" dirty="0" smtClean="0">
+                <a:latin typeface="Courier New" pitchFamily="49" charset="0"/>
+                <a:cs typeface="Courier New" pitchFamily="49" charset="0"/>
+              </a:rPr>
+              <a:t>);} </a:t>
+            </a:r>
+            <a:endParaRPr lang="en-IN" sz="1700" dirty="0">
+              <a:latin typeface="Courier New" pitchFamily="49" charset="0"/>
+              <a:cs typeface="Courier New" pitchFamily="49" charset="0"/>
+            </a:endParaRPr>
+          </a:p>
+          <a:p>
+            <a:r>
+              <a:rPr lang="en-IN" sz="1700" dirty="0" smtClean="0">
+                <a:latin typeface="Courier New" pitchFamily="49" charset="0"/>
+                <a:cs typeface="Courier New" pitchFamily="49" charset="0"/>
+              </a:rPr>
+              <a:t> }</a:t>
+            </a:r>
+            <a:r>
+              <a:rPr lang="en-IN" sz="1700" dirty="0">
+                <a:latin typeface="Courier New" pitchFamily="49" charset="0"/>
+                <a:cs typeface="Courier New" pitchFamily="49" charset="0"/>
+              </a:rPr>
+              <a:t>  </a:t>
+            </a:r>
+          </a:p>
+          <a:p>
+            <a:r>
+              <a:rPr lang="en-IN" sz="1700" dirty="0" smtClean="0">
+                <a:latin typeface="Courier New" pitchFamily="49" charset="0"/>
+                <a:cs typeface="Courier New" pitchFamily="49" charset="0"/>
+              </a:rPr>
+              <a:t>}</a:t>
+            </a:r>
+            <a:endParaRPr lang="en-IN" sz="1700" dirty="0">
+              <a:latin typeface="Courier New" pitchFamily="49" charset="0"/>
+              <a:cs typeface="Courier New" pitchFamily="49" charset="0"/>
+            </a:endParaRPr>
+          </a:p>
+        </p:txBody>
+      </p:sp>
+      <p:sp>
+        <p:nvSpPr>
+          <p:cNvPr id="5" name="Rectangle 4"/>
+          <p:cNvSpPr/>
+          <p:nvPr/>
+        </p:nvSpPr>
+        <p:spPr>
+          <a:xfrm>
+            <a:off x="761143" y="0"/>
+            <a:ext cx="10531697" cy="461665"/>
+          </a:xfrm>
+          <a:prstGeom prst="rect">
+            <a:avLst/>
+          </a:prstGeom>
+        </p:spPr>
+        <p:txBody>
+          <a:bodyPr wrap="square">
+            <a:spAutoFit/>
+          </a:bodyPr>
+          <a:lstStyle/>
+          <a:p>
             <a:pPr algn="ctr"/>
             <a:r>
-              <a:rPr lang="en-US" sz="2000" b="1" dirty="0" smtClean="0"/>
-              <a:t>EchoServer.java</a:t>
-            </a:r>
-            <a:endParaRPr lang="en-IN" sz="2000" b="1" dirty="0"/>
+              <a:rPr lang="en-US" sz="2400" b="1" dirty="0"/>
+              <a:t>Program 1: Sending data </a:t>
+            </a:r>
+            <a:r>
+              <a:rPr lang="en-US" sz="2400" b="1" dirty="0" smtClean="0"/>
+              <a:t>from a </a:t>
+            </a:r>
+            <a:r>
+              <a:rPr lang="en-US" sz="2400" b="1" dirty="0"/>
+              <a:t>client to </a:t>
+            </a:r>
+            <a:r>
+              <a:rPr lang="en-US" sz="2400" b="1" dirty="0" smtClean="0"/>
+              <a:t>a server</a:t>
+            </a:r>
+            <a:endParaRPr lang="en-IN" sz="2400" b="1" dirty="0"/>
           </a:p>
         </p:txBody>
       </p:sp>
@@ -18939,7 +19393,7 @@
     </p:custDataLst>
     <p:extLst>
       <p:ext uri="{BB962C8B-B14F-4D97-AF65-F5344CB8AC3E}">
-        <p14:creationId xmlns:p14="http://schemas.microsoft.com/office/powerpoint/2010/main" val="3311457529"/>
+        <p14:creationId xmlns:p14="http://schemas.microsoft.com/office/powerpoint/2010/main" val="1577941930"/>
       </p:ext>
     </p:extLst>
   </p:cSld>
@@ -18978,7 +19432,7 @@
           <p:cNvPr id="2" name="Title 1">
             <a:extLst>
               <a:ext uri="{FF2B5EF4-FFF2-40B4-BE49-F238E27FC236}">
-                <a16:creationId xmlns:a16="http://schemas.microsoft.com/office/drawing/2014/main" xmlns="" id="{44027335-884C-4B99-BFAB-9FE67CD77A07}"/>
+                <a16:creationId xmlns="" xmlns:a16="http://schemas.microsoft.com/office/drawing/2014/main" id="{E6AF8411-4398-481F-8237-1FA6A6006CB0}"/>
               </a:ext>
             </a:extLst>
           </p:cNvPr>
@@ -19012,7 +19466,719 @@
           <p:cNvPr id="4" name="Rectangle 3">
             <a:extLst>
               <a:ext uri="{FF2B5EF4-FFF2-40B4-BE49-F238E27FC236}">
-                <a16:creationId xmlns:a16="http://schemas.microsoft.com/office/drawing/2014/main" xmlns="" id="{F239B26C-C8FD-4F8B-9AD9-B7E47E10C0BC}"/>
+                <a16:creationId xmlns="" xmlns:a16="http://schemas.microsoft.com/office/drawing/2014/main" id="{46E5D5D9-5990-4083-96F8-7167991DDF96}"/>
+              </a:ext>
+            </a:extLst>
+          </p:cNvPr>
+          <p:cNvSpPr/>
+          <p:nvPr/>
+        </p:nvSpPr>
+        <p:spPr>
+          <a:xfrm>
+            <a:off x="3444240" y="133417"/>
+            <a:ext cx="8747760" cy="6598920"/>
+          </a:xfrm>
+          <a:prstGeom prst="rect">
+            <a:avLst/>
+          </a:prstGeom>
+          <a:ln>
+            <a:noFill/>
+          </a:ln>
+        </p:spPr>
+        <p:style>
+          <a:lnRef idx="2">
+            <a:schemeClr val="accent6"/>
+          </a:lnRef>
+          <a:fillRef idx="1">
+            <a:schemeClr val="lt1"/>
+          </a:fillRef>
+          <a:effectRef idx="0">
+            <a:schemeClr val="accent6"/>
+          </a:effectRef>
+          <a:fontRef idx="minor">
+            <a:schemeClr val="dk1"/>
+          </a:fontRef>
+        </p:style>
+        <p:txBody>
+          <a:bodyPr rtlCol="0" anchor="ctr"/>
+          <a:lstStyle/>
+          <a:p>
+            <a:r>
+              <a:rPr lang="en-IN" sz="2400" b="1" dirty="0">
+                <a:latin typeface="Courier New" pitchFamily="49" charset="0"/>
+                <a:cs typeface="Courier New" pitchFamily="49" charset="0"/>
+              </a:rPr>
+              <a:t>import</a:t>
+            </a:r>
+            <a:r>
+              <a:rPr lang="en-IN" sz="2400" dirty="0">
+                <a:latin typeface="Courier New" pitchFamily="49" charset="0"/>
+                <a:cs typeface="Courier New" pitchFamily="49" charset="0"/>
+              </a:rPr>
+              <a:t> java.io.*;  </a:t>
+            </a:r>
+          </a:p>
+          <a:p>
+            <a:r>
+              <a:rPr lang="en-IN" sz="2400" b="1" dirty="0">
+                <a:latin typeface="Courier New" pitchFamily="49" charset="0"/>
+                <a:cs typeface="Courier New" pitchFamily="49" charset="0"/>
+              </a:rPr>
+              <a:t>import</a:t>
+            </a:r>
+            <a:r>
+              <a:rPr lang="en-IN" sz="2400" dirty="0">
+                <a:latin typeface="Courier New" pitchFamily="49" charset="0"/>
+                <a:cs typeface="Courier New" pitchFamily="49" charset="0"/>
+              </a:rPr>
+              <a:t> java.net.*;  </a:t>
+            </a:r>
+          </a:p>
+          <a:p>
+            <a:r>
+              <a:rPr lang="en-IN" sz="2400" b="1" dirty="0">
+                <a:latin typeface="Courier New" pitchFamily="49" charset="0"/>
+                <a:cs typeface="Courier New" pitchFamily="49" charset="0"/>
+              </a:rPr>
+              <a:t>public</a:t>
+            </a:r>
+            <a:r>
+              <a:rPr lang="en-IN" sz="2400" dirty="0">
+                <a:latin typeface="Courier New" pitchFamily="49" charset="0"/>
+                <a:cs typeface="Courier New" pitchFamily="49" charset="0"/>
+              </a:rPr>
+              <a:t> </a:t>
+            </a:r>
+            <a:r>
+              <a:rPr lang="en-IN" sz="2400" b="1" dirty="0">
+                <a:latin typeface="Courier New" pitchFamily="49" charset="0"/>
+                <a:cs typeface="Courier New" pitchFamily="49" charset="0"/>
+              </a:rPr>
+              <a:t>class</a:t>
+            </a:r>
+            <a:r>
+              <a:rPr lang="en-IN" sz="2400" dirty="0">
+                <a:latin typeface="Courier New" pitchFamily="49" charset="0"/>
+                <a:cs typeface="Courier New" pitchFamily="49" charset="0"/>
+              </a:rPr>
+              <a:t> </a:t>
+            </a:r>
+            <a:r>
+              <a:rPr lang="en-US" sz="2400" dirty="0"/>
+              <a:t> </a:t>
+            </a:r>
+            <a:r>
+              <a:rPr lang="en-US" sz="2400" dirty="0" smtClean="0"/>
+              <a:t>Server1 </a:t>
+            </a:r>
+            <a:r>
+              <a:rPr lang="en-IN" sz="2400" dirty="0">
+                <a:latin typeface="Courier New" pitchFamily="49" charset="0"/>
+                <a:cs typeface="Courier New" pitchFamily="49" charset="0"/>
+              </a:rPr>
+              <a:t> {  </a:t>
+            </a:r>
+          </a:p>
+          <a:p>
+            <a:r>
+              <a:rPr lang="en-IN" sz="2400" b="1" dirty="0">
+                <a:latin typeface="Courier New" pitchFamily="49" charset="0"/>
+                <a:cs typeface="Courier New" pitchFamily="49" charset="0"/>
+              </a:rPr>
+              <a:t>public</a:t>
+            </a:r>
+            <a:r>
+              <a:rPr lang="en-IN" sz="2400" dirty="0">
+                <a:latin typeface="Courier New" pitchFamily="49" charset="0"/>
+                <a:cs typeface="Courier New" pitchFamily="49" charset="0"/>
+              </a:rPr>
+              <a:t> </a:t>
+            </a:r>
+            <a:r>
+              <a:rPr lang="en-IN" sz="2400" b="1" dirty="0">
+                <a:latin typeface="Courier New" pitchFamily="49" charset="0"/>
+                <a:cs typeface="Courier New" pitchFamily="49" charset="0"/>
+              </a:rPr>
+              <a:t>static</a:t>
+            </a:r>
+            <a:r>
+              <a:rPr lang="en-IN" sz="2400" dirty="0">
+                <a:latin typeface="Courier New" pitchFamily="49" charset="0"/>
+                <a:cs typeface="Courier New" pitchFamily="49" charset="0"/>
+              </a:rPr>
+              <a:t> </a:t>
+            </a:r>
+            <a:r>
+              <a:rPr lang="en-IN" sz="2400" b="1" dirty="0">
+                <a:latin typeface="Courier New" pitchFamily="49" charset="0"/>
+                <a:cs typeface="Courier New" pitchFamily="49" charset="0"/>
+              </a:rPr>
+              <a:t>void</a:t>
+            </a:r>
+            <a:r>
+              <a:rPr lang="en-IN" sz="2400" dirty="0">
+                <a:latin typeface="Courier New" pitchFamily="49" charset="0"/>
+                <a:cs typeface="Courier New" pitchFamily="49" charset="0"/>
+              </a:rPr>
+              <a:t> main(String[] </a:t>
+            </a:r>
+            <a:r>
+              <a:rPr lang="en-IN" sz="2400" dirty="0" err="1">
+                <a:latin typeface="Courier New" pitchFamily="49" charset="0"/>
+                <a:cs typeface="Courier New" pitchFamily="49" charset="0"/>
+              </a:rPr>
+              <a:t>args</a:t>
+            </a:r>
+            <a:r>
+              <a:rPr lang="en-IN" sz="2400" dirty="0">
+                <a:latin typeface="Courier New" pitchFamily="49" charset="0"/>
+                <a:cs typeface="Courier New" pitchFamily="49" charset="0"/>
+              </a:rPr>
+              <a:t>){  </a:t>
+            </a:r>
+          </a:p>
+          <a:p>
+            <a:r>
+              <a:rPr lang="en-IN" sz="2400" b="1" dirty="0" smtClean="0">
+                <a:latin typeface="Courier New" pitchFamily="49" charset="0"/>
+                <a:cs typeface="Courier New" pitchFamily="49" charset="0"/>
+              </a:rPr>
+              <a:t> try</a:t>
+            </a:r>
+            <a:r>
+              <a:rPr lang="en-IN" sz="2400" dirty="0">
+                <a:latin typeface="Courier New" pitchFamily="49" charset="0"/>
+                <a:cs typeface="Courier New" pitchFamily="49" charset="0"/>
+              </a:rPr>
+              <a:t>{  </a:t>
+            </a:r>
+          </a:p>
+          <a:p>
+            <a:r>
+              <a:rPr lang="en-IN" sz="2400" dirty="0" smtClean="0">
+                <a:latin typeface="Courier New" pitchFamily="49" charset="0"/>
+                <a:cs typeface="Courier New" pitchFamily="49" charset="0"/>
+              </a:rPr>
+              <a:t>  </a:t>
+            </a:r>
+            <a:r>
+              <a:rPr lang="en-IN" sz="2400" dirty="0" err="1" smtClean="0">
+                <a:latin typeface="Courier New" pitchFamily="49" charset="0"/>
+                <a:cs typeface="Courier New" pitchFamily="49" charset="0"/>
+              </a:rPr>
+              <a:t>ServerSocket</a:t>
+            </a:r>
+            <a:r>
+              <a:rPr lang="en-IN" sz="2400" dirty="0">
+                <a:latin typeface="Courier New" pitchFamily="49" charset="0"/>
+                <a:cs typeface="Courier New" pitchFamily="49" charset="0"/>
+              </a:rPr>
+              <a:t> </a:t>
+            </a:r>
+            <a:r>
+              <a:rPr lang="en-IN" sz="2400" dirty="0" err="1">
+                <a:latin typeface="Courier New" pitchFamily="49" charset="0"/>
+                <a:cs typeface="Courier New" pitchFamily="49" charset="0"/>
+              </a:rPr>
+              <a:t>ss</a:t>
+            </a:r>
+            <a:r>
+              <a:rPr lang="en-IN" sz="2400" dirty="0">
+                <a:latin typeface="Courier New" pitchFamily="49" charset="0"/>
+                <a:cs typeface="Courier New" pitchFamily="49" charset="0"/>
+              </a:rPr>
+              <a:t>=</a:t>
+            </a:r>
+            <a:r>
+              <a:rPr lang="en-IN" sz="2400" b="1" dirty="0">
+                <a:latin typeface="Courier New" pitchFamily="49" charset="0"/>
+                <a:cs typeface="Courier New" pitchFamily="49" charset="0"/>
+              </a:rPr>
+              <a:t>new</a:t>
+            </a:r>
+            <a:r>
+              <a:rPr lang="en-IN" sz="2400" dirty="0">
+                <a:latin typeface="Courier New" pitchFamily="49" charset="0"/>
+                <a:cs typeface="Courier New" pitchFamily="49" charset="0"/>
+              </a:rPr>
+              <a:t> </a:t>
+            </a:r>
+            <a:r>
+              <a:rPr lang="en-IN" sz="2400" dirty="0" err="1">
+                <a:latin typeface="Courier New" pitchFamily="49" charset="0"/>
+                <a:cs typeface="Courier New" pitchFamily="49" charset="0"/>
+              </a:rPr>
+              <a:t>ServerSocket</a:t>
+            </a:r>
+            <a:r>
+              <a:rPr lang="en-IN" sz="2400" dirty="0">
+                <a:latin typeface="Courier New" pitchFamily="49" charset="0"/>
+                <a:cs typeface="Courier New" pitchFamily="49" charset="0"/>
+              </a:rPr>
+              <a:t>(6666);  </a:t>
+            </a:r>
+          </a:p>
+          <a:p>
+            <a:r>
+              <a:rPr lang="en-IN" sz="2400" dirty="0" smtClean="0">
+                <a:latin typeface="Courier New" pitchFamily="49" charset="0"/>
+                <a:cs typeface="Courier New" pitchFamily="49" charset="0"/>
+              </a:rPr>
+              <a:t>  Socket</a:t>
+            </a:r>
+            <a:r>
+              <a:rPr lang="en-IN" sz="2400" dirty="0">
+                <a:latin typeface="Courier New" pitchFamily="49" charset="0"/>
+                <a:cs typeface="Courier New" pitchFamily="49" charset="0"/>
+              </a:rPr>
+              <a:t> s=</a:t>
+            </a:r>
+            <a:r>
+              <a:rPr lang="en-IN" sz="2400" dirty="0" err="1">
+                <a:latin typeface="Courier New" pitchFamily="49" charset="0"/>
+                <a:cs typeface="Courier New" pitchFamily="49" charset="0"/>
+              </a:rPr>
+              <a:t>ss.accept</a:t>
+            </a:r>
+            <a:r>
+              <a:rPr lang="en-IN" sz="2400" dirty="0" smtClean="0">
+                <a:latin typeface="Courier New" pitchFamily="49" charset="0"/>
+                <a:cs typeface="Courier New" pitchFamily="49" charset="0"/>
+              </a:rPr>
+              <a:t>();</a:t>
+            </a:r>
+            <a:r>
+              <a:rPr lang="en-IN" sz="2400" dirty="0">
+                <a:latin typeface="Courier New" pitchFamily="49" charset="0"/>
+                <a:cs typeface="Courier New" pitchFamily="49" charset="0"/>
+              </a:rPr>
+              <a:t> </a:t>
+            </a:r>
+            <a:endParaRPr lang="en-IN" sz="2400" dirty="0" smtClean="0">
+              <a:latin typeface="Courier New" pitchFamily="49" charset="0"/>
+              <a:cs typeface="Courier New" pitchFamily="49" charset="0"/>
+            </a:endParaRPr>
+          </a:p>
+          <a:p>
+            <a:r>
+              <a:rPr lang="en-IN" sz="2400" dirty="0">
+                <a:latin typeface="Courier New" pitchFamily="49" charset="0"/>
+                <a:cs typeface="Courier New" pitchFamily="49" charset="0"/>
+              </a:rPr>
+              <a:t> </a:t>
+            </a:r>
+            <a:r>
+              <a:rPr lang="en-IN" sz="2400" dirty="0" smtClean="0">
+                <a:latin typeface="Courier New" pitchFamily="49" charset="0"/>
+                <a:cs typeface="Courier New" pitchFamily="49" charset="0"/>
+              </a:rPr>
+              <a:t> </a:t>
+            </a:r>
+            <a:r>
+              <a:rPr lang="en-IN" sz="2400" dirty="0" err="1" smtClean="0">
+                <a:latin typeface="Courier New" pitchFamily="49" charset="0"/>
+                <a:cs typeface="Courier New" pitchFamily="49" charset="0"/>
+              </a:rPr>
+              <a:t>DataInputStream</a:t>
+            </a:r>
+            <a:r>
+              <a:rPr lang="en-IN" sz="2400" dirty="0">
+                <a:latin typeface="Courier New" pitchFamily="49" charset="0"/>
+                <a:cs typeface="Courier New" pitchFamily="49" charset="0"/>
+              </a:rPr>
+              <a:t> </a:t>
+            </a:r>
+            <a:r>
+              <a:rPr lang="en-IN" sz="2400" dirty="0" smtClean="0">
+                <a:latin typeface="Courier New" pitchFamily="49" charset="0"/>
+                <a:cs typeface="Courier New" pitchFamily="49" charset="0"/>
+              </a:rPr>
+              <a:t>dis = </a:t>
+            </a:r>
+          </a:p>
+          <a:p>
+            <a:r>
+              <a:rPr lang="en-IN" sz="2400" b="1" dirty="0" smtClean="0">
+                <a:latin typeface="Courier New" pitchFamily="49" charset="0"/>
+                <a:cs typeface="Courier New" pitchFamily="49" charset="0"/>
+              </a:rPr>
+              <a:t>  new</a:t>
+            </a:r>
+            <a:r>
+              <a:rPr lang="en-IN" sz="2400" dirty="0">
+                <a:latin typeface="Courier New" pitchFamily="49" charset="0"/>
+                <a:cs typeface="Courier New" pitchFamily="49" charset="0"/>
+              </a:rPr>
+              <a:t> </a:t>
+            </a:r>
+            <a:r>
+              <a:rPr lang="en-IN" sz="2400" dirty="0" err="1">
+                <a:latin typeface="Courier New" pitchFamily="49" charset="0"/>
+                <a:cs typeface="Courier New" pitchFamily="49" charset="0"/>
+              </a:rPr>
+              <a:t>DataInputStream</a:t>
+            </a:r>
+            <a:r>
+              <a:rPr lang="en-IN" sz="2400" dirty="0">
+                <a:latin typeface="Courier New" pitchFamily="49" charset="0"/>
+                <a:cs typeface="Courier New" pitchFamily="49" charset="0"/>
+              </a:rPr>
+              <a:t>(</a:t>
+            </a:r>
+            <a:r>
+              <a:rPr lang="en-IN" sz="2400" dirty="0" err="1">
+                <a:latin typeface="Courier New" pitchFamily="49" charset="0"/>
+                <a:cs typeface="Courier New" pitchFamily="49" charset="0"/>
+              </a:rPr>
+              <a:t>s.getInputStream</a:t>
+            </a:r>
+            <a:r>
+              <a:rPr lang="en-IN" sz="2400" dirty="0">
+                <a:latin typeface="Courier New" pitchFamily="49" charset="0"/>
+                <a:cs typeface="Courier New" pitchFamily="49" charset="0"/>
+              </a:rPr>
+              <a:t>());  </a:t>
+            </a:r>
+          </a:p>
+          <a:p>
+            <a:r>
+              <a:rPr lang="en-IN" sz="2400" dirty="0" smtClean="0">
+                <a:latin typeface="Courier New" pitchFamily="49" charset="0"/>
+                <a:cs typeface="Courier New" pitchFamily="49" charset="0"/>
+              </a:rPr>
+              <a:t>  String</a:t>
+            </a:r>
+            <a:r>
+              <a:rPr lang="en-IN" sz="2400" dirty="0">
+                <a:latin typeface="Courier New" pitchFamily="49" charset="0"/>
+                <a:cs typeface="Courier New" pitchFamily="49" charset="0"/>
+              </a:rPr>
+              <a:t>  </a:t>
+            </a:r>
+            <a:r>
+              <a:rPr lang="en-IN" sz="2400" dirty="0" err="1">
+                <a:latin typeface="Courier New" pitchFamily="49" charset="0"/>
+                <a:cs typeface="Courier New" pitchFamily="49" charset="0"/>
+              </a:rPr>
+              <a:t>str</a:t>
+            </a:r>
+            <a:r>
+              <a:rPr lang="en-IN" sz="2400" dirty="0">
+                <a:latin typeface="Courier New" pitchFamily="49" charset="0"/>
+                <a:cs typeface="Courier New" pitchFamily="49" charset="0"/>
+              </a:rPr>
+              <a:t>=(String)</a:t>
+            </a:r>
+            <a:r>
+              <a:rPr lang="en-IN" sz="2400" dirty="0" err="1">
+                <a:latin typeface="Courier New" pitchFamily="49" charset="0"/>
+                <a:cs typeface="Courier New" pitchFamily="49" charset="0"/>
+              </a:rPr>
+              <a:t>dis.readUTF</a:t>
+            </a:r>
+            <a:r>
+              <a:rPr lang="en-IN" sz="2400" dirty="0">
+                <a:latin typeface="Courier New" pitchFamily="49" charset="0"/>
+                <a:cs typeface="Courier New" pitchFamily="49" charset="0"/>
+              </a:rPr>
+              <a:t>();  </a:t>
+            </a:r>
+          </a:p>
+          <a:p>
+            <a:r>
+              <a:rPr lang="en-IN" sz="2400" dirty="0" smtClean="0">
+                <a:latin typeface="Courier New" pitchFamily="49" charset="0"/>
+                <a:cs typeface="Courier New" pitchFamily="49" charset="0"/>
+              </a:rPr>
+              <a:t>  </a:t>
+            </a:r>
+            <a:r>
+              <a:rPr lang="en-IN" sz="2400" dirty="0" err="1" smtClean="0">
+                <a:latin typeface="Courier New" pitchFamily="49" charset="0"/>
+                <a:cs typeface="Courier New" pitchFamily="49" charset="0"/>
+              </a:rPr>
+              <a:t>System.out.println</a:t>
+            </a:r>
+            <a:r>
+              <a:rPr lang="en-IN" sz="2400" dirty="0" smtClean="0">
+                <a:latin typeface="Courier New" pitchFamily="49" charset="0"/>
+                <a:cs typeface="Courier New" pitchFamily="49" charset="0"/>
+              </a:rPr>
+              <a:t>("Client says=</a:t>
+            </a:r>
+            <a:r>
+              <a:rPr lang="en-IN" sz="2400" dirty="0">
+                <a:latin typeface="Courier New" pitchFamily="49" charset="0"/>
+                <a:cs typeface="Courier New" pitchFamily="49" charset="0"/>
+              </a:rPr>
+              <a:t> "+</a:t>
+            </a:r>
+            <a:r>
+              <a:rPr lang="en-IN" sz="2400" dirty="0" err="1">
+                <a:latin typeface="Courier New" pitchFamily="49" charset="0"/>
+                <a:cs typeface="Courier New" pitchFamily="49" charset="0"/>
+              </a:rPr>
+              <a:t>str</a:t>
+            </a:r>
+            <a:r>
+              <a:rPr lang="en-IN" sz="2400" dirty="0">
+                <a:latin typeface="Courier New" pitchFamily="49" charset="0"/>
+                <a:cs typeface="Courier New" pitchFamily="49" charset="0"/>
+              </a:rPr>
+              <a:t>);  </a:t>
+            </a:r>
+          </a:p>
+          <a:p>
+            <a:r>
+              <a:rPr lang="en-IN" sz="2400" dirty="0" smtClean="0">
+                <a:latin typeface="Courier New" pitchFamily="49" charset="0"/>
+                <a:cs typeface="Courier New" pitchFamily="49" charset="0"/>
+              </a:rPr>
+              <a:t>  </a:t>
+            </a:r>
+            <a:r>
+              <a:rPr lang="en-IN" sz="2400" dirty="0" err="1" smtClean="0">
+                <a:latin typeface="Courier New" pitchFamily="49" charset="0"/>
+                <a:cs typeface="Courier New" pitchFamily="49" charset="0"/>
+              </a:rPr>
+              <a:t>ss.close</a:t>
+            </a:r>
+            <a:r>
+              <a:rPr lang="en-IN" sz="2400" dirty="0">
+                <a:latin typeface="Courier New" pitchFamily="49" charset="0"/>
+                <a:cs typeface="Courier New" pitchFamily="49" charset="0"/>
+              </a:rPr>
+              <a:t>();  </a:t>
+            </a:r>
+          </a:p>
+          <a:p>
+            <a:r>
+              <a:rPr lang="en-IN" sz="2400" dirty="0" smtClean="0">
+                <a:latin typeface="Courier New" pitchFamily="49" charset="0"/>
+                <a:cs typeface="Courier New" pitchFamily="49" charset="0"/>
+              </a:rPr>
+              <a:t> }</a:t>
+            </a:r>
+          </a:p>
+          <a:p>
+            <a:r>
+              <a:rPr lang="en-IN" sz="2400" b="1" dirty="0">
+                <a:latin typeface="Courier New" pitchFamily="49" charset="0"/>
+                <a:cs typeface="Courier New" pitchFamily="49" charset="0"/>
+              </a:rPr>
+              <a:t> </a:t>
+            </a:r>
+            <a:r>
+              <a:rPr lang="en-IN" sz="2400" b="1" dirty="0" smtClean="0">
+                <a:latin typeface="Courier New" pitchFamily="49" charset="0"/>
+                <a:cs typeface="Courier New" pitchFamily="49" charset="0"/>
+              </a:rPr>
+              <a:t>catch</a:t>
+            </a:r>
+            <a:r>
+              <a:rPr lang="en-IN" sz="2400" dirty="0" smtClean="0">
+                <a:latin typeface="Courier New" pitchFamily="49" charset="0"/>
+                <a:cs typeface="Courier New" pitchFamily="49" charset="0"/>
+              </a:rPr>
+              <a:t>(Exception</a:t>
+            </a:r>
+            <a:r>
+              <a:rPr lang="en-IN" sz="2400" dirty="0">
+                <a:latin typeface="Courier New" pitchFamily="49" charset="0"/>
+                <a:cs typeface="Courier New" pitchFamily="49" charset="0"/>
+              </a:rPr>
+              <a:t> e</a:t>
+            </a:r>
+            <a:r>
+              <a:rPr lang="en-IN" sz="2400" dirty="0" smtClean="0">
+                <a:latin typeface="Courier New" pitchFamily="49" charset="0"/>
+                <a:cs typeface="Courier New" pitchFamily="49" charset="0"/>
+              </a:rPr>
+              <a:t>)</a:t>
+            </a:r>
+          </a:p>
+          <a:p>
+            <a:r>
+              <a:rPr lang="en-IN" sz="2400" dirty="0">
+                <a:latin typeface="Courier New" pitchFamily="49" charset="0"/>
+                <a:cs typeface="Courier New" pitchFamily="49" charset="0"/>
+              </a:rPr>
+              <a:t> </a:t>
+            </a:r>
+            <a:r>
+              <a:rPr lang="en-IN" sz="2400" dirty="0" smtClean="0">
+                <a:latin typeface="Courier New" pitchFamily="49" charset="0"/>
+                <a:cs typeface="Courier New" pitchFamily="49" charset="0"/>
+              </a:rPr>
+              <a:t>{</a:t>
+            </a:r>
+            <a:r>
+              <a:rPr lang="en-IN" sz="2400" dirty="0" err="1">
+                <a:latin typeface="Courier New" pitchFamily="49" charset="0"/>
+                <a:cs typeface="Courier New" pitchFamily="49" charset="0"/>
+              </a:rPr>
+              <a:t>System.out.println</a:t>
+            </a:r>
+            <a:r>
+              <a:rPr lang="en-IN" sz="2400" dirty="0">
+                <a:latin typeface="Courier New" pitchFamily="49" charset="0"/>
+                <a:cs typeface="Courier New" pitchFamily="49" charset="0"/>
+              </a:rPr>
+              <a:t>(e);}  </a:t>
+            </a:r>
+          </a:p>
+          <a:p>
+            <a:r>
+              <a:rPr lang="en-IN" sz="2400" dirty="0">
+                <a:latin typeface="Courier New" pitchFamily="49" charset="0"/>
+                <a:cs typeface="Courier New" pitchFamily="49" charset="0"/>
+              </a:rPr>
+              <a:t>}  </a:t>
+            </a:r>
+          </a:p>
+          <a:p>
+            <a:r>
+              <a:rPr lang="en-IN" sz="2400" dirty="0" smtClean="0">
+                <a:latin typeface="Courier New" pitchFamily="49" charset="0"/>
+                <a:cs typeface="Courier New" pitchFamily="49" charset="0"/>
+              </a:rPr>
+              <a:t>}</a:t>
+            </a:r>
+            <a:endParaRPr lang="en-IN" sz="2400" dirty="0">
+              <a:latin typeface="Courier New" pitchFamily="49" charset="0"/>
+              <a:cs typeface="Courier New" pitchFamily="49" charset="0"/>
+            </a:endParaRPr>
+          </a:p>
+        </p:txBody>
+      </p:sp>
+      <p:sp>
+        <p:nvSpPr>
+          <p:cNvPr id="5" name="Rectangle: Rounded Corners 4">
+            <a:extLst>
+              <a:ext uri="{FF2B5EF4-FFF2-40B4-BE49-F238E27FC236}">
+                <a16:creationId xmlns="" xmlns:a16="http://schemas.microsoft.com/office/drawing/2014/main" id="{26C8FC72-69A2-4A2B-BF11-365292130EB4}"/>
+              </a:ext>
+            </a:extLst>
+          </p:cNvPr>
+          <p:cNvSpPr/>
+          <p:nvPr/>
+        </p:nvSpPr>
+        <p:spPr>
+          <a:xfrm>
+            <a:off x="57664" y="87697"/>
+            <a:ext cx="2914136" cy="582863"/>
+          </a:xfrm>
+          <a:prstGeom prst="roundRect">
+            <a:avLst/>
+          </a:prstGeom>
+        </p:spPr>
+        <p:style>
+          <a:lnRef idx="2">
+            <a:schemeClr val="accent6"/>
+          </a:lnRef>
+          <a:fillRef idx="1">
+            <a:schemeClr val="lt1"/>
+          </a:fillRef>
+          <a:effectRef idx="0">
+            <a:schemeClr val="accent6"/>
+          </a:effectRef>
+          <a:fontRef idx="minor">
+            <a:schemeClr val="dk1"/>
+          </a:fontRef>
+        </p:style>
+        <p:txBody>
+          <a:bodyPr rtlCol="0" anchor="ctr"/>
+          <a:lstStyle/>
+          <a:p>
+            <a:pPr algn="ctr"/>
+            <a:r>
+              <a:rPr lang="en-US" sz="2000" b="1" dirty="0" smtClean="0"/>
+              <a:t>Server1.java</a:t>
+            </a:r>
+            <a:endParaRPr lang="en-IN" sz="2000" b="1" dirty="0"/>
+          </a:p>
+        </p:txBody>
+      </p:sp>
+    </p:spTree>
+    <p:custDataLst>
+      <p:tags r:id="rId1"/>
+    </p:custDataLst>
+    <p:extLst>
+      <p:ext uri="{BB962C8B-B14F-4D97-AF65-F5344CB8AC3E}">
+        <p14:creationId xmlns:p14="http://schemas.microsoft.com/office/powerpoint/2010/main" val="3311457529"/>
+      </p:ext>
+    </p:extLst>
+  </p:cSld>
+  <p:clrMapOvr>
+    <a:masterClrMapping/>
+  </p:clrMapOvr>
+  <p:timing>
+    <p:tnLst>
+      <p:par>
+        <p:cTn id="1" dur="indefinite" restart="never" nodeType="tmRoot"/>
+      </p:par>
+    </p:tnLst>
+  </p:timing>
+</p:sld>
+</file>
+
+<file path=ppt/slides/slide46.xml><?xml version="1.0" encoding="utf-8"?>
+<p:sld xmlns:a="http://schemas.openxmlformats.org/drawingml/2006/main" xmlns:r="http://schemas.openxmlformats.org/officeDocument/2006/relationships" xmlns:p="http://schemas.openxmlformats.org/presentationml/2006/main">
+  <p:cSld>
+    <p:spTree>
+      <p:nvGrpSpPr>
+        <p:cNvPr id="1" name=""/>
+        <p:cNvGrpSpPr/>
+        <p:nvPr/>
+      </p:nvGrpSpPr>
+      <p:grpSpPr>
+        <a:xfrm>
+          <a:off x="0" y="0"/>
+          <a:ext cx="0" cy="0"/>
+          <a:chOff x="0" y="0"/>
+          <a:chExt cx="0" cy="0"/>
+        </a:xfrm>
+      </p:grpSpPr>
+      <p:sp>
+        <p:nvSpPr>
+          <p:cNvPr id="2" name="Title 1">
+            <a:extLst>
+              <a:ext uri="{FF2B5EF4-FFF2-40B4-BE49-F238E27FC236}">
+                <a16:creationId xmlns="" xmlns:a16="http://schemas.microsoft.com/office/drawing/2014/main" id="{44027335-884C-4B99-BFAB-9FE67CD77A07}"/>
+              </a:ext>
+            </a:extLst>
+          </p:cNvPr>
+          <p:cNvSpPr>
+            <a:spLocks noGrp="1"/>
+          </p:cNvSpPr>
+          <p:nvPr>
+            <p:ph type="title"/>
+          </p:nvPr>
+        </p:nvSpPr>
+        <p:spPr/>
+        <p:txBody>
+          <a:bodyPr>
+            <a:normAutofit/>
+          </a:bodyPr>
+          <a:lstStyle/>
+          <a:p>
+            <a:r>
+              <a:rPr lang="en-US" dirty="0"/>
+              <a:t>Program 1: Sending data from client to server</a:t>
+            </a:r>
+            <a:br>
+              <a:rPr lang="en-US" dirty="0"/>
+            </a:br>
+            <a:endParaRPr lang="en-IN" dirty="0"/>
+          </a:p>
+        </p:txBody>
+      </p:sp>
+      <p:sp>
+        <p:nvSpPr>
+          <p:cNvPr id="4" name="Rectangle 3">
+            <a:extLst>
+              <a:ext uri="{FF2B5EF4-FFF2-40B4-BE49-F238E27FC236}">
+                <a16:creationId xmlns="" xmlns:a16="http://schemas.microsoft.com/office/drawing/2014/main" id="{F239B26C-C8FD-4F8B-9AD9-B7E47E10C0BC}"/>
               </a:ext>
             </a:extLst>
           </p:cNvPr>
@@ -19110,11 +20276,11 @@
               <a:t> </a:t>
             </a:r>
             <a:r>
-              <a:rPr lang="en-IN" sz="2400" dirty="0" err="1" smtClean="0">
-                <a:latin typeface="Courier New" pitchFamily="49" charset="0"/>
-                <a:cs typeface="Courier New" pitchFamily="49" charset="0"/>
-              </a:rPr>
-              <a:t>EchoClient</a:t>
+              <a:rPr lang="en-IN" sz="2400" dirty="0" smtClean="0">
+                <a:latin typeface="Courier New" pitchFamily="49" charset="0"/>
+                <a:cs typeface="Courier New" pitchFamily="49" charset="0"/>
+              </a:rPr>
+              <a:t>Client1</a:t>
             </a:r>
             <a:r>
               <a:rPr lang="en-IN" sz="2400" dirty="0">
@@ -19521,7 +20687,7 @@
           <p:cNvPr id="7" name="Rectangle: Rounded Corners 6">
             <a:extLst>
               <a:ext uri="{FF2B5EF4-FFF2-40B4-BE49-F238E27FC236}">
-                <a16:creationId xmlns:a16="http://schemas.microsoft.com/office/drawing/2014/main" xmlns="" id="{5CF51055-DF11-4C16-B202-2C98D02890D8}"/>
+                <a16:creationId xmlns="" xmlns:a16="http://schemas.microsoft.com/office/drawing/2014/main" id="{5CF51055-DF11-4C16-B202-2C98D02890D8}"/>
               </a:ext>
             </a:extLst>
           </p:cNvPr>
@@ -19558,7 +20724,7 @@
             <a:pPr algn="ctr"/>
             <a:r>
               <a:rPr lang="en-US" sz="2000" b="1" dirty="0" smtClean="0"/>
-              <a:t>EchoClient.java</a:t>
+              <a:t>Client1.java</a:t>
             </a:r>
             <a:endParaRPr lang="en-IN" sz="2000" b="1" dirty="0"/>
           </a:p>
@@ -19587,7 +20753,7 @@
 </p:sld>
 </file>
 
-<file path=ppt/slides/slide46.xml><?xml version="1.0" encoding="utf-8"?>
+<file path=ppt/slides/slide47.xml><?xml version="1.0" encoding="utf-8"?>
 <p:sld xmlns:a="http://schemas.openxmlformats.org/drawingml/2006/main" xmlns:r="http://schemas.openxmlformats.org/officeDocument/2006/relationships" xmlns:p="http://schemas.openxmlformats.org/presentationml/2006/main">
   <p:cSld>
     <p:spTree>
@@ -20333,121 +21499,6 @@
 </p:sld>
 </file>
 
-<file path=ppt/slides/slide47.xml><?xml version="1.0" encoding="utf-8"?>
-<p:sld xmlns:a="http://schemas.openxmlformats.org/drawingml/2006/main" xmlns:r="http://schemas.openxmlformats.org/officeDocument/2006/relationships" xmlns:p="http://schemas.openxmlformats.org/presentationml/2006/main">
-  <p:cSld>
-    <p:spTree>
-      <p:nvGrpSpPr>
-        <p:cNvPr id="1" name=""/>
-        <p:cNvGrpSpPr/>
-        <p:nvPr/>
-      </p:nvGrpSpPr>
-      <p:grpSpPr>
-        <a:xfrm>
-          <a:off x="0" y="0"/>
-          <a:ext cx="0" cy="0"/>
-          <a:chOff x="0" y="0"/>
-          <a:chExt cx="0" cy="0"/>
-        </a:xfrm>
-      </p:grpSpPr>
-      <p:sp>
-        <p:nvSpPr>
-          <p:cNvPr id="2" name="Title 1"/>
-          <p:cNvSpPr>
-            <a:spLocks noGrp="1"/>
-          </p:cNvSpPr>
-          <p:nvPr>
-            <p:ph type="title"/>
-          </p:nvPr>
-        </p:nvSpPr>
-        <p:spPr/>
-        <p:txBody>
-          <a:bodyPr/>
-          <a:lstStyle/>
-          <a:p>
-            <a:r>
-              <a:rPr lang="en-US" dirty="0"/>
-              <a:t>Class </a:t>
-            </a:r>
-            <a:r>
-              <a:rPr lang="en-US" dirty="0">
-                <a:latin typeface="Courier New" pitchFamily="49" charset="0"/>
-                <a:cs typeface="Courier New" pitchFamily="49" charset="0"/>
-              </a:rPr>
-              <a:t>URL</a:t>
-            </a:r>
-            <a:endParaRPr lang="en-US" dirty="0"/>
-          </a:p>
-        </p:txBody>
-      </p:sp>
-      <p:sp>
-        <p:nvSpPr>
-          <p:cNvPr id="4" name="Rectangle 3"/>
-          <p:cNvSpPr>
-            <a:spLocks noGrp="1" noChangeArrowheads="1"/>
-          </p:cNvSpPr>
-          <p:nvPr>
-            <p:ph idx="1"/>
-          </p:nvPr>
-        </p:nvSpPr>
-        <p:spPr/>
-        <p:txBody>
-          <a:bodyPr/>
-          <a:lstStyle/>
-          <a:p>
-            <a:r>
-              <a:rPr lang="en-US" dirty="0" smtClean="0"/>
-              <a:t>Class URL represents a Uniform Resource Locator, a pointer to a "resource" on the World Wide Web. </a:t>
-            </a:r>
-          </a:p>
-          <a:p>
-            <a:r>
-              <a:rPr lang="en-US" dirty="0" smtClean="0"/>
-              <a:t>We distinguish between:</a:t>
-            </a:r>
-          </a:p>
-          <a:p>
-            <a:pPr lvl="1"/>
-            <a:r>
-              <a:rPr lang="en-US" dirty="0" smtClean="0"/>
-              <a:t>Absolute URL - contains all of the information necessary to reach the resource.</a:t>
-            </a:r>
-          </a:p>
-          <a:p>
-            <a:pPr lvl="1"/>
-            <a:r>
-              <a:rPr lang="en-US" dirty="0" smtClean="0"/>
-              <a:t>Relative URL - contains only enough information to reach the resource relative to (or in the context of) another URL. </a:t>
-            </a:r>
-          </a:p>
-          <a:p>
-            <a:endParaRPr lang="en-US" dirty="0" smtClean="0"/>
-          </a:p>
-        </p:txBody>
-      </p:sp>
-    </p:spTree>
-    <p:custDataLst>
-      <p:tags r:id="rId1"/>
-    </p:custDataLst>
-    <p:extLst>
-      <p:ext uri="{BB962C8B-B14F-4D97-AF65-F5344CB8AC3E}">
-        <p14:creationId xmlns:p14="http://schemas.microsoft.com/office/powerpoint/2010/main" val="1243969337"/>
-      </p:ext>
-    </p:extLst>
-  </p:cSld>
-  <p:clrMapOvr>
-    <a:masterClrMapping/>
-  </p:clrMapOvr>
-  <p:timing>
-    <p:tnLst>
-      <p:par>
-        <p:cTn id="1" dur="indefinite" restart="never" nodeType="tmRoot"/>
-      </p:par>
-    </p:tnLst>
-  </p:timing>
-</p:sld>
-</file>
-
 <file path=ppt/slides/slide48.xml><?xml version="1.0" encoding="utf-8"?>
 <p:sld xmlns:a="http://schemas.openxmlformats.org/drawingml/2006/main" xmlns:r="http://schemas.openxmlformats.org/officeDocument/2006/relationships" xmlns:p="http://schemas.openxmlformats.org/presentationml/2006/main">
   <p:cSld>
@@ -20482,8 +21533,16 @@
           <a:p>
             <a:r>
               <a:rPr lang="en-US" dirty="0"/>
-              <a:t>Constructors</a:t>
-            </a:r>
+              <a:t>Class </a:t>
+            </a:r>
+            <a:r>
+              <a:rPr lang="en-US" dirty="0">
+                <a:latin typeface="Courier New" pitchFamily="49" charset="0"/>
+                <a:cs typeface="Courier New" pitchFamily="49" charset="0"/>
+              </a:rPr>
+              <a:t>URL</a:t>
+            </a:r>
+            <a:endParaRPr lang="en-US" dirty="0"/>
           </a:p>
         </p:txBody>
       </p:sp>
@@ -20504,94 +21563,31 @@
           <a:p>
             <a:r>
               <a:rPr lang="en-US" dirty="0" smtClean="0"/>
-              <a:t>URL(String </a:t>
-            </a:r>
-            <a:r>
-              <a:rPr lang="en-US" dirty="0" err="1" smtClean="0"/>
-              <a:t>urlSpecifier</a:t>
-            </a:r>
+              <a:t>Class URL represents a Uniform Resource Locator, a pointer to a "resource" on the World Wide Web. </a:t>
+            </a:r>
+          </a:p>
+          <a:p>
             <a:r>
               <a:rPr lang="en-US" dirty="0" smtClean="0"/>
-              <a:t>)</a:t>
-            </a:r>
-            <a:endParaRPr lang="en-IN" dirty="0" smtClean="0"/>
-          </a:p>
-          <a:p>
+              <a:t>We distinguish between:</a:t>
+            </a:r>
+          </a:p>
+          <a:p>
+            <a:pPr lvl="1"/>
             <a:r>
               <a:rPr lang="en-US" dirty="0" smtClean="0"/>
-              <a:t>URL(URL </a:t>
-            </a:r>
-            <a:r>
-              <a:rPr lang="en-US" dirty="0" err="1" smtClean="0"/>
-              <a:t>urlObj</a:t>
-            </a:r>
+              <a:t>Absolute URL - contains all of the information necessary to reach the resource.</a:t>
+            </a:r>
+          </a:p>
+          <a:p>
+            <a:pPr lvl="1"/>
             <a:r>
               <a:rPr lang="en-US" dirty="0" smtClean="0"/>
-              <a:t>, String </a:t>
-            </a:r>
-            <a:r>
-              <a:rPr lang="en-US" dirty="0" err="1" smtClean="0"/>
-              <a:t>urlSpecifier</a:t>
-            </a:r>
-            <a:r>
-              <a:rPr lang="en-US" dirty="0" smtClean="0"/>
-              <a:t>)</a:t>
-            </a:r>
-            <a:endParaRPr lang="en-IN" dirty="0" smtClean="0"/>
-          </a:p>
-          <a:p>
-            <a:r>
-              <a:rPr lang="en-US" dirty="0" smtClean="0"/>
-              <a:t>URL(String </a:t>
-            </a:r>
-            <a:r>
-              <a:rPr lang="en-US" dirty="0" err="1" smtClean="0"/>
-              <a:t>protName</a:t>
-            </a:r>
-            <a:r>
-              <a:rPr lang="en-US" dirty="0" smtClean="0"/>
-              <a:t>, String </a:t>
-            </a:r>
-            <a:r>
-              <a:rPr lang="en-US" dirty="0" err="1" smtClean="0"/>
-              <a:t>hostName</a:t>
-            </a:r>
-            <a:r>
-              <a:rPr lang="en-US" dirty="0" smtClean="0"/>
-              <a:t>, </a:t>
-            </a:r>
-            <a:r>
-              <a:rPr lang="en-US" dirty="0" err="1" smtClean="0"/>
-              <a:t>int</a:t>
-            </a:r>
-            <a:r>
-              <a:rPr lang="en-US" dirty="0" smtClean="0"/>
-              <a:t> port, String path)</a:t>
-            </a:r>
-            <a:endParaRPr lang="en-IN" dirty="0" smtClean="0"/>
-          </a:p>
-          <a:p>
-            <a:r>
-              <a:rPr lang="en-US" dirty="0" smtClean="0"/>
-              <a:t>URL(String </a:t>
-            </a:r>
-            <a:r>
-              <a:rPr lang="en-US" dirty="0" err="1" smtClean="0"/>
-              <a:t>protName</a:t>
-            </a:r>
-            <a:r>
-              <a:rPr lang="en-US" dirty="0" smtClean="0"/>
-              <a:t>, String </a:t>
-            </a:r>
-            <a:r>
-              <a:rPr lang="en-US" dirty="0" err="1" smtClean="0"/>
-              <a:t>hostName</a:t>
-            </a:r>
-            <a:r>
-              <a:rPr lang="en-US" dirty="0" smtClean="0"/>
-              <a:t>, String path)</a:t>
-            </a:r>
-            <a:endParaRPr lang="en-IN" dirty="0" smtClean="0"/>
+              <a:t>Relative URL - contains only enough information to reach the resource relative to (or in the context of) another URL. </a:t>
+            </a:r>
+          </a:p>
+          <a:p>
+            <a:endParaRPr lang="en-US" dirty="0" smtClean="0"/>
           </a:p>
         </p:txBody>
       </p:sp>
@@ -20601,7 +21597,7 @@
     </p:custDataLst>
     <p:extLst>
       <p:ext uri="{BB962C8B-B14F-4D97-AF65-F5344CB8AC3E}">
-        <p14:creationId xmlns:p14="http://schemas.microsoft.com/office/powerpoint/2010/main" val="3724848740"/>
+        <p14:creationId xmlns:p14="http://schemas.microsoft.com/office/powerpoint/2010/main" val="1243969337"/>
       </p:ext>
     </p:extLst>
   </p:cSld>
@@ -20652,6 +21648,342 @@
           <a:p>
             <a:r>
               <a:rPr lang="en-US" dirty="0"/>
+              <a:t>Constructors</a:t>
+            </a:r>
+          </a:p>
+        </p:txBody>
+      </p:sp>
+      <p:sp>
+        <p:nvSpPr>
+          <p:cNvPr id="4" name="Rectangle 3"/>
+          <p:cNvSpPr>
+            <a:spLocks noGrp="1" noChangeArrowheads="1"/>
+          </p:cNvSpPr>
+          <p:nvPr>
+            <p:ph idx="1"/>
+          </p:nvPr>
+        </p:nvSpPr>
+        <p:spPr/>
+        <p:txBody>
+          <a:bodyPr/>
+          <a:lstStyle/>
+          <a:p>
+            <a:r>
+              <a:rPr lang="en-US" dirty="0" smtClean="0"/>
+              <a:t>URL(String </a:t>
+            </a:r>
+            <a:r>
+              <a:rPr lang="en-US" dirty="0" err="1" smtClean="0"/>
+              <a:t>urlSpecifier</a:t>
+            </a:r>
+            <a:r>
+              <a:rPr lang="en-US" dirty="0" smtClean="0"/>
+              <a:t>)</a:t>
+            </a:r>
+            <a:endParaRPr lang="en-IN" dirty="0" smtClean="0"/>
+          </a:p>
+          <a:p>
+            <a:r>
+              <a:rPr lang="en-US" dirty="0" smtClean="0"/>
+              <a:t>URL(URL </a:t>
+            </a:r>
+            <a:r>
+              <a:rPr lang="en-US" dirty="0" err="1" smtClean="0"/>
+              <a:t>urlObj</a:t>
+            </a:r>
+            <a:r>
+              <a:rPr lang="en-US" dirty="0" smtClean="0"/>
+              <a:t>, String </a:t>
+            </a:r>
+            <a:r>
+              <a:rPr lang="en-US" dirty="0" err="1" smtClean="0"/>
+              <a:t>urlSpecifier</a:t>
+            </a:r>
+            <a:r>
+              <a:rPr lang="en-US" dirty="0" smtClean="0"/>
+              <a:t>)</a:t>
+            </a:r>
+            <a:endParaRPr lang="en-IN" dirty="0" smtClean="0"/>
+          </a:p>
+          <a:p>
+            <a:r>
+              <a:rPr lang="en-US" dirty="0" smtClean="0"/>
+              <a:t>URL(String </a:t>
+            </a:r>
+            <a:r>
+              <a:rPr lang="en-US" dirty="0" err="1" smtClean="0"/>
+              <a:t>protName</a:t>
+            </a:r>
+            <a:r>
+              <a:rPr lang="en-US" dirty="0" smtClean="0"/>
+              <a:t>, String </a:t>
+            </a:r>
+            <a:r>
+              <a:rPr lang="en-US" dirty="0" err="1" smtClean="0"/>
+              <a:t>hostName</a:t>
+            </a:r>
+            <a:r>
+              <a:rPr lang="en-US" dirty="0" smtClean="0"/>
+              <a:t>, </a:t>
+            </a:r>
+            <a:r>
+              <a:rPr lang="en-US" dirty="0" err="1" smtClean="0"/>
+              <a:t>int</a:t>
+            </a:r>
+            <a:r>
+              <a:rPr lang="en-US" dirty="0" smtClean="0"/>
+              <a:t> port, String path)</a:t>
+            </a:r>
+            <a:endParaRPr lang="en-IN" dirty="0" smtClean="0"/>
+          </a:p>
+          <a:p>
+            <a:r>
+              <a:rPr lang="en-US" dirty="0" smtClean="0"/>
+              <a:t>URL(String </a:t>
+            </a:r>
+            <a:r>
+              <a:rPr lang="en-US" dirty="0" err="1" smtClean="0"/>
+              <a:t>protName</a:t>
+            </a:r>
+            <a:r>
+              <a:rPr lang="en-US" dirty="0" smtClean="0"/>
+              <a:t>, String </a:t>
+            </a:r>
+            <a:r>
+              <a:rPr lang="en-US" dirty="0" err="1" smtClean="0"/>
+              <a:t>hostName</a:t>
+            </a:r>
+            <a:r>
+              <a:rPr lang="en-US" dirty="0" smtClean="0"/>
+              <a:t>, String path)</a:t>
+            </a:r>
+            <a:endParaRPr lang="en-IN" dirty="0" smtClean="0"/>
+          </a:p>
+        </p:txBody>
+      </p:sp>
+    </p:spTree>
+    <p:custDataLst>
+      <p:tags r:id="rId1"/>
+    </p:custDataLst>
+    <p:extLst>
+      <p:ext uri="{BB962C8B-B14F-4D97-AF65-F5344CB8AC3E}">
+        <p14:creationId xmlns:p14="http://schemas.microsoft.com/office/powerpoint/2010/main" val="3724848740"/>
+      </p:ext>
+    </p:extLst>
+  </p:cSld>
+  <p:clrMapOvr>
+    <a:masterClrMapping/>
+  </p:clrMapOvr>
+  <p:timing>
+    <p:tnLst>
+      <p:par>
+        <p:cTn id="1" dur="indefinite" restart="never" nodeType="tmRoot"/>
+      </p:par>
+    </p:tnLst>
+  </p:timing>
+</p:sld>
+</file>
+
+<file path=ppt/slides/slide5.xml><?xml version="1.0" encoding="utf-8"?>
+<p:sld xmlns:a="http://schemas.openxmlformats.org/drawingml/2006/main" xmlns:r="http://schemas.openxmlformats.org/officeDocument/2006/relationships" xmlns:p="http://schemas.openxmlformats.org/presentationml/2006/main">
+  <p:cSld>
+    <p:spTree>
+      <p:nvGrpSpPr>
+        <p:cNvPr id="1" name=""/>
+        <p:cNvGrpSpPr/>
+        <p:nvPr/>
+      </p:nvGrpSpPr>
+      <p:grpSpPr>
+        <a:xfrm>
+          <a:off x="0" y="0"/>
+          <a:ext cx="0" cy="0"/>
+          <a:chOff x="0" y="0"/>
+          <a:chExt cx="0" cy="0"/>
+        </a:xfrm>
+      </p:grpSpPr>
+      <p:sp>
+        <p:nvSpPr>
+          <p:cNvPr id="2" name="Title 1"/>
+          <p:cNvSpPr>
+            <a:spLocks noGrp="1"/>
+          </p:cNvSpPr>
+          <p:nvPr>
+            <p:ph type="title"/>
+          </p:nvPr>
+        </p:nvSpPr>
+        <p:spPr/>
+        <p:txBody>
+          <a:bodyPr/>
+          <a:lstStyle/>
+          <a:p>
+            <a:r>
+              <a:rPr lang="en-IN" dirty="0"/>
+              <a:t>Java Networking Terminology</a:t>
+            </a:r>
+          </a:p>
+        </p:txBody>
+      </p:sp>
+      <p:sp>
+        <p:nvSpPr>
+          <p:cNvPr id="3" name="Content Placeholder 2"/>
+          <p:cNvSpPr>
+            <a:spLocks noGrp="1"/>
+          </p:cNvSpPr>
+          <p:nvPr>
+            <p:ph idx="1"/>
+          </p:nvPr>
+        </p:nvSpPr>
+        <p:spPr>
+          <a:xfrm>
+            <a:off x="3429000" y="864108"/>
+            <a:ext cx="8321040" cy="5120640"/>
+          </a:xfrm>
+        </p:spPr>
+        <p:txBody>
+          <a:bodyPr>
+            <a:normAutofit fontScale="92500" lnSpcReduction="10000"/>
+          </a:bodyPr>
+          <a:lstStyle/>
+          <a:p>
+            <a:pPr marL="800100" lvl="1" indent="-342900" algn="just">
+              <a:buFont typeface="+mj-lt"/>
+              <a:buAutoNum type="arabicPeriod" startAt="3"/>
+            </a:pPr>
+            <a:r>
+              <a:rPr lang="en-US" b="1" u="sng" dirty="0"/>
+              <a:t>Port Number</a:t>
+            </a:r>
+            <a:r>
+              <a:rPr lang="en-US" b="1" dirty="0"/>
+              <a:t> :</a:t>
+            </a:r>
+            <a:r>
+              <a:rPr lang="en-US" dirty="0"/>
+              <a:t> The port number is used to uniquely identify different applications. It acts as a communication endpoint between applications. The port number is associated with the IP address for communication between two applications.</a:t>
+            </a:r>
+          </a:p>
+          <a:p>
+            <a:pPr marL="800100" lvl="1" indent="-342900" algn="just">
+              <a:buFont typeface="+mj-lt"/>
+              <a:buAutoNum type="arabicPeriod" startAt="3"/>
+            </a:pPr>
+            <a:r>
+              <a:rPr lang="en-US" b="1" u="sng" dirty="0"/>
+              <a:t>MAC Address</a:t>
+            </a:r>
+            <a:r>
+              <a:rPr lang="en-US" b="1" dirty="0"/>
+              <a:t> :</a:t>
+            </a:r>
+            <a:r>
+              <a:rPr lang="en-US" dirty="0"/>
+              <a:t> MAC (Media Access Control) Address is a unique identifier of NIC (Network Interface Controller). A network node can have multiple NIC but each with </a:t>
+            </a:r>
+            <a:r>
+              <a:rPr lang="en-US" dirty="0" smtClean="0"/>
+              <a:t>unique MAC.</a:t>
+            </a:r>
+          </a:p>
+          <a:p>
+            <a:pPr marL="800100" lvl="1" indent="-342900" algn="just">
+              <a:buFont typeface="+mj-lt"/>
+              <a:buAutoNum type="arabicPeriod" startAt="3"/>
+            </a:pPr>
+            <a:r>
+              <a:rPr lang="en-US" b="1" u="sng" dirty="0" smtClean="0"/>
+              <a:t>Connection-oriented And Connection-less Protocol</a:t>
+            </a:r>
+            <a:r>
+              <a:rPr lang="en-US" b="1" dirty="0" smtClean="0"/>
+              <a:t> :</a:t>
+            </a:r>
+            <a:r>
+              <a:rPr lang="en-US" dirty="0" smtClean="0"/>
+              <a:t> In connection-oriented protocol, acknowledgement is sent by the receiver. So it is reliable but slow. The example of connection-oriented protocol is TCP. But, in connection-less protocol, acknowledgement is not sent by the receiver. So it is not reliable but fast. The example of connection-less protocol is UDP.</a:t>
+            </a:r>
+          </a:p>
+          <a:p>
+            <a:pPr marL="800100" lvl="1" indent="-342900" algn="just">
+              <a:buFont typeface="+mj-lt"/>
+              <a:buAutoNum type="arabicPeriod" startAt="3"/>
+            </a:pPr>
+            <a:r>
+              <a:rPr lang="en-US" b="1" u="sng" dirty="0" smtClean="0"/>
+              <a:t>Socket</a:t>
+            </a:r>
+            <a:r>
+              <a:rPr lang="en-US" dirty="0" smtClean="0"/>
+              <a:t> </a:t>
+            </a:r>
+            <a:r>
+              <a:rPr lang="en-US" dirty="0"/>
+              <a:t>: A socket is an endpoint between two way </a:t>
+            </a:r>
+            <a:r>
+              <a:rPr lang="en-US" dirty="0" smtClean="0"/>
+              <a:t>communication</a:t>
+            </a:r>
+            <a:endParaRPr lang="en-US" dirty="0"/>
+          </a:p>
+        </p:txBody>
+      </p:sp>
+    </p:spTree>
+    <p:custDataLst>
+      <p:tags r:id="rId1"/>
+    </p:custDataLst>
+    <p:extLst>
+      <p:ext uri="{BB962C8B-B14F-4D97-AF65-F5344CB8AC3E}">
+        <p14:creationId xmlns:p14="http://schemas.microsoft.com/office/powerpoint/2010/main" val="2336385224"/>
+      </p:ext>
+    </p:extLst>
+  </p:cSld>
+  <p:clrMapOvr>
+    <a:masterClrMapping/>
+  </p:clrMapOvr>
+  <p:timing>
+    <p:tnLst>
+      <p:par>
+        <p:cTn id="1" dur="indefinite" restart="never" nodeType="tmRoot"/>
+      </p:par>
+    </p:tnLst>
+  </p:timing>
+</p:sld>
+</file>
+
+<file path=ppt/slides/slide50.xml><?xml version="1.0" encoding="utf-8"?>
+<p:sld xmlns:a="http://schemas.openxmlformats.org/drawingml/2006/main" xmlns:r="http://schemas.openxmlformats.org/officeDocument/2006/relationships" xmlns:p="http://schemas.openxmlformats.org/presentationml/2006/main">
+  <p:cSld>
+    <p:spTree>
+      <p:nvGrpSpPr>
+        <p:cNvPr id="1" name=""/>
+        <p:cNvGrpSpPr/>
+        <p:nvPr/>
+      </p:nvGrpSpPr>
+      <p:grpSpPr>
+        <a:xfrm>
+          <a:off x="0" y="0"/>
+          <a:ext cx="0" cy="0"/>
+          <a:chOff x="0" y="0"/>
+          <a:chExt cx="0" cy="0"/>
+        </a:xfrm>
+      </p:grpSpPr>
+      <p:sp>
+        <p:nvSpPr>
+          <p:cNvPr id="2" name="Title 1"/>
+          <p:cNvSpPr>
+            <a:spLocks noGrp="1"/>
+          </p:cNvSpPr>
+          <p:nvPr>
+            <p:ph type="title"/>
+          </p:nvPr>
+        </p:nvSpPr>
+        <p:spPr/>
+        <p:txBody>
+          <a:bodyPr/>
+          <a:lstStyle/>
+          <a:p>
+            <a:r>
+              <a:rPr lang="en-US" dirty="0"/>
               <a:t>Commonly used methods of Java URL class</a:t>
             </a:r>
             <a:endParaRPr lang="en-IN" dirty="0"/>
@@ -20663,7 +21995,7 @@
           <p:cNvPr id="4" name="Content Placeholder 3">
             <a:extLst>
               <a:ext uri="{FF2B5EF4-FFF2-40B4-BE49-F238E27FC236}">
-                <a16:creationId xmlns:a16="http://schemas.microsoft.com/office/drawing/2014/main" xmlns="" id="{0D3BE46D-D4B7-4773-A089-B318D590D2EC}"/>
+                <a16:creationId xmlns="" xmlns:a16="http://schemas.microsoft.com/office/drawing/2014/main" id="{0D3BE46D-D4B7-4773-A089-B318D590D2EC}"/>
               </a:ext>
             </a:extLst>
           </p:cNvPr>
@@ -20693,14 +22025,14 @@
                 <a:gridCol w="4107180">
                   <a:extLst>
                     <a:ext uri="{9D8B030D-6E8A-4147-A177-3AD203B41FA5}">
-                      <a16:colId xmlns:a16="http://schemas.microsoft.com/office/drawing/2014/main" xmlns="" val="4170491539"/>
+                      <a16:colId xmlns="" xmlns:a16="http://schemas.microsoft.com/office/drawing/2014/main" val="4170491539"/>
                     </a:ext>
                   </a:extLst>
                 </a:gridCol>
                 <a:gridCol w="4107180">
                   <a:extLst>
                     <a:ext uri="{9D8B030D-6E8A-4147-A177-3AD203B41FA5}">
-                      <a16:colId xmlns:a16="http://schemas.microsoft.com/office/drawing/2014/main" xmlns="" val="509871682"/>
+                      <a16:colId xmlns="" xmlns:a16="http://schemas.microsoft.com/office/drawing/2014/main" val="509871682"/>
                     </a:ext>
                   </a:extLst>
                 </a:gridCol>
@@ -20754,7 +22086,7 @@
                 </a:tc>
                 <a:extLst>
                   <a:ext uri="{0D108BD9-81ED-4DB2-BD59-A6C34878D82A}">
-                    <a16:rowId xmlns:a16="http://schemas.microsoft.com/office/drawing/2014/main" xmlns="" val="1470494853"/>
+                    <a16:rowId xmlns="" xmlns:a16="http://schemas.microsoft.com/office/drawing/2014/main" val="1470494853"/>
                   </a:ext>
                 </a:extLst>
               </a:tr>
@@ -20819,7 +22151,7 @@
                 </a:tc>
                 <a:extLst>
                   <a:ext uri="{0D108BD9-81ED-4DB2-BD59-A6C34878D82A}">
-                    <a16:rowId xmlns:a16="http://schemas.microsoft.com/office/drawing/2014/main" xmlns="" val="2639377761"/>
+                    <a16:rowId xmlns="" xmlns:a16="http://schemas.microsoft.com/office/drawing/2014/main" val="2639377761"/>
                   </a:ext>
                 </a:extLst>
               </a:tr>
@@ -20872,7 +22204,7 @@
                 </a:tc>
                 <a:extLst>
                   <a:ext uri="{0D108BD9-81ED-4DB2-BD59-A6C34878D82A}">
-                    <a16:rowId xmlns:a16="http://schemas.microsoft.com/office/drawing/2014/main" xmlns="" val="2613002052"/>
+                    <a16:rowId xmlns="" xmlns:a16="http://schemas.microsoft.com/office/drawing/2014/main" val="2613002052"/>
                   </a:ext>
                 </a:extLst>
               </a:tr>
@@ -20925,7 +22257,7 @@
                 </a:tc>
                 <a:extLst>
                   <a:ext uri="{0D108BD9-81ED-4DB2-BD59-A6C34878D82A}">
-                    <a16:rowId xmlns:a16="http://schemas.microsoft.com/office/drawing/2014/main" xmlns="" val="4086398249"/>
+                    <a16:rowId xmlns="" xmlns:a16="http://schemas.microsoft.com/office/drawing/2014/main" val="4086398249"/>
                   </a:ext>
                 </a:extLst>
               </a:tr>
@@ -20978,7 +22310,7 @@
                 </a:tc>
                 <a:extLst>
                   <a:ext uri="{0D108BD9-81ED-4DB2-BD59-A6C34878D82A}">
-                    <a16:rowId xmlns:a16="http://schemas.microsoft.com/office/drawing/2014/main" xmlns="" val="2813433476"/>
+                    <a16:rowId xmlns="" xmlns:a16="http://schemas.microsoft.com/office/drawing/2014/main" val="2813433476"/>
                   </a:ext>
                 </a:extLst>
               </a:tr>
@@ -21043,7 +22375,7 @@
                 </a:tc>
                 <a:extLst>
                   <a:ext uri="{0D108BD9-81ED-4DB2-BD59-A6C34878D82A}">
-                    <a16:rowId xmlns:a16="http://schemas.microsoft.com/office/drawing/2014/main" xmlns="" val="2154240040"/>
+                    <a16:rowId xmlns="" xmlns:a16="http://schemas.microsoft.com/office/drawing/2014/main" val="2154240040"/>
                   </a:ext>
                 </a:extLst>
               </a:tr>
@@ -21058,857 +22390,6 @@
     <p:extLst>
       <p:ext uri="{BB962C8B-B14F-4D97-AF65-F5344CB8AC3E}">
         <p14:creationId xmlns:p14="http://schemas.microsoft.com/office/powerpoint/2010/main" val="1938375988"/>
-      </p:ext>
-    </p:extLst>
-  </p:cSld>
-  <p:clrMapOvr>
-    <a:masterClrMapping/>
-  </p:clrMapOvr>
-  <p:timing>
-    <p:tnLst>
-      <p:par>
-        <p:cTn id="1" dur="indefinite" restart="never" nodeType="tmRoot"/>
-      </p:par>
-    </p:tnLst>
-  </p:timing>
-</p:sld>
-</file>
-
-<file path=ppt/slides/slide5.xml><?xml version="1.0" encoding="utf-8"?>
-<p:sld xmlns:a="http://schemas.openxmlformats.org/drawingml/2006/main" xmlns:r="http://schemas.openxmlformats.org/officeDocument/2006/relationships" xmlns:p="http://schemas.openxmlformats.org/presentationml/2006/main">
-  <p:cSld>
-    <p:spTree>
-      <p:nvGrpSpPr>
-        <p:cNvPr id="1" name=""/>
-        <p:cNvGrpSpPr/>
-        <p:nvPr/>
-      </p:nvGrpSpPr>
-      <p:grpSpPr>
-        <a:xfrm>
-          <a:off x="0" y="0"/>
-          <a:ext cx="0" cy="0"/>
-          <a:chOff x="0" y="0"/>
-          <a:chExt cx="0" cy="0"/>
-        </a:xfrm>
-      </p:grpSpPr>
-      <p:sp>
-        <p:nvSpPr>
-          <p:cNvPr id="2" name="Title 1"/>
-          <p:cNvSpPr>
-            <a:spLocks noGrp="1"/>
-          </p:cNvSpPr>
-          <p:nvPr>
-            <p:ph type="title"/>
-          </p:nvPr>
-        </p:nvSpPr>
-        <p:spPr/>
-        <p:txBody>
-          <a:bodyPr/>
-          <a:lstStyle/>
-          <a:p>
-            <a:r>
-              <a:rPr lang="en-IN" dirty="0"/>
-              <a:t>Java Networking Terminology</a:t>
-            </a:r>
-          </a:p>
-        </p:txBody>
-      </p:sp>
-      <p:sp>
-        <p:nvSpPr>
-          <p:cNvPr id="3" name="Content Placeholder 2"/>
-          <p:cNvSpPr>
-            <a:spLocks noGrp="1"/>
-          </p:cNvSpPr>
-          <p:nvPr>
-            <p:ph idx="1"/>
-          </p:nvPr>
-        </p:nvSpPr>
-        <p:spPr>
-          <a:xfrm>
-            <a:off x="3429000" y="864108"/>
-            <a:ext cx="8321040" cy="5120640"/>
-          </a:xfrm>
-        </p:spPr>
-        <p:txBody>
-          <a:bodyPr>
-            <a:normAutofit fontScale="92500" lnSpcReduction="10000"/>
-          </a:bodyPr>
-          <a:lstStyle/>
-          <a:p>
-            <a:pPr marL="800100" lvl="1" indent="-342900" algn="just">
-              <a:buFont typeface="+mj-lt"/>
-              <a:buAutoNum type="arabicPeriod" startAt="3"/>
-            </a:pPr>
-            <a:r>
-              <a:rPr lang="en-US" b="1" u="sng" dirty="0"/>
-              <a:t>Port Number</a:t>
-            </a:r>
-            <a:r>
-              <a:rPr lang="en-US" b="1" dirty="0"/>
-              <a:t> :</a:t>
-            </a:r>
-            <a:r>
-              <a:rPr lang="en-US" dirty="0"/>
-              <a:t> The port number is used to uniquely identify different applications. It acts as a communication endpoint between applications. The port number is associated with the IP address for communication between two applications.</a:t>
-            </a:r>
-          </a:p>
-          <a:p>
-            <a:pPr marL="800100" lvl="1" indent="-342900" algn="just">
-              <a:buFont typeface="+mj-lt"/>
-              <a:buAutoNum type="arabicPeriod" startAt="3"/>
-            </a:pPr>
-            <a:r>
-              <a:rPr lang="en-US" b="1" u="sng" dirty="0"/>
-              <a:t>MAC Address</a:t>
-            </a:r>
-            <a:r>
-              <a:rPr lang="en-US" b="1" dirty="0"/>
-              <a:t> :</a:t>
-            </a:r>
-            <a:r>
-              <a:rPr lang="en-US" dirty="0"/>
-              <a:t> MAC (Media Access Control) Address is a unique identifier of NIC (Network Interface Controller). A network node can have multiple NIC but each with </a:t>
-            </a:r>
-            <a:r>
-              <a:rPr lang="en-US" dirty="0" smtClean="0"/>
-              <a:t>unique MAC.</a:t>
-            </a:r>
-          </a:p>
-          <a:p>
-            <a:pPr marL="800100" lvl="1" indent="-342900" algn="just">
-              <a:buFont typeface="+mj-lt"/>
-              <a:buAutoNum type="arabicPeriod" startAt="3"/>
-            </a:pPr>
-            <a:r>
-              <a:rPr lang="en-US" b="1" u="sng" dirty="0" smtClean="0"/>
-              <a:t>Connection-oriented And Connection-less Protocol</a:t>
-            </a:r>
-            <a:r>
-              <a:rPr lang="en-US" b="1" dirty="0" smtClean="0"/>
-              <a:t> :</a:t>
-            </a:r>
-            <a:r>
-              <a:rPr lang="en-US" dirty="0" smtClean="0"/>
-              <a:t> In connection-oriented protocol, acknowledgement is sent by the receiver. So it is reliable but slow. The example of connection-oriented protocol is TCP. But, in connection-less protocol, acknowledgement is not sent by the receiver. So it is not reliable but fast. The example of connection-less protocol is UDP.</a:t>
-            </a:r>
-          </a:p>
-          <a:p>
-            <a:pPr marL="800100" lvl="1" indent="-342900" algn="just">
-              <a:buFont typeface="+mj-lt"/>
-              <a:buAutoNum type="arabicPeriod" startAt="3"/>
-            </a:pPr>
-            <a:r>
-              <a:rPr lang="en-US" b="1" u="sng" dirty="0" smtClean="0"/>
-              <a:t>Socket</a:t>
-            </a:r>
-            <a:r>
-              <a:rPr lang="en-US" dirty="0" smtClean="0"/>
-              <a:t> </a:t>
-            </a:r>
-            <a:r>
-              <a:rPr lang="en-US" dirty="0"/>
-              <a:t>: A socket is an endpoint between two way </a:t>
-            </a:r>
-            <a:r>
-              <a:rPr lang="en-US" dirty="0" smtClean="0"/>
-              <a:t>communication</a:t>
-            </a:r>
-            <a:endParaRPr lang="en-US" dirty="0"/>
-          </a:p>
-        </p:txBody>
-      </p:sp>
-    </p:spTree>
-    <p:custDataLst>
-      <p:tags r:id="rId1"/>
-    </p:custDataLst>
-    <p:extLst>
-      <p:ext uri="{BB962C8B-B14F-4D97-AF65-F5344CB8AC3E}">
-        <p14:creationId xmlns:p14="http://schemas.microsoft.com/office/powerpoint/2010/main" val="2336385224"/>
-      </p:ext>
-    </p:extLst>
-  </p:cSld>
-  <p:clrMapOvr>
-    <a:masterClrMapping/>
-  </p:clrMapOvr>
-  <p:timing>
-    <p:tnLst>
-      <p:par>
-        <p:cTn id="1" dur="indefinite" restart="never" nodeType="tmRoot"/>
-      </p:par>
-    </p:tnLst>
-  </p:timing>
-</p:sld>
-</file>
-
-<file path=ppt/slides/slide50.xml><?xml version="1.0" encoding="utf-8"?>
-<p:sld xmlns:a="http://schemas.openxmlformats.org/drawingml/2006/main" xmlns:r="http://schemas.openxmlformats.org/officeDocument/2006/relationships" xmlns:p="http://schemas.openxmlformats.org/presentationml/2006/main">
-  <p:cSld>
-    <p:spTree>
-      <p:nvGrpSpPr>
-        <p:cNvPr id="1" name=""/>
-        <p:cNvGrpSpPr/>
-        <p:nvPr/>
-      </p:nvGrpSpPr>
-      <p:grpSpPr>
-        <a:xfrm>
-          <a:off x="0" y="0"/>
-          <a:ext cx="0" cy="0"/>
-          <a:chOff x="0" y="0"/>
-          <a:chExt cx="0" cy="0"/>
-        </a:xfrm>
-      </p:grpSpPr>
-      <p:sp>
-        <p:nvSpPr>
-          <p:cNvPr id="2" name="Title 1">
-            <a:extLst>
-              <a:ext uri="{FF2B5EF4-FFF2-40B4-BE49-F238E27FC236}">
-                <a16:creationId xmlns:a16="http://schemas.microsoft.com/office/drawing/2014/main" xmlns="" id="{1B80ABD8-37E8-47B1-89AC-8884239E35EA}"/>
-              </a:ext>
-            </a:extLst>
-          </p:cNvPr>
-          <p:cNvSpPr>
-            <a:spLocks noGrp="1"/>
-          </p:cNvSpPr>
-          <p:nvPr>
-            <p:ph type="title"/>
-          </p:nvPr>
-        </p:nvSpPr>
-        <p:spPr/>
-        <p:txBody>
-          <a:bodyPr/>
-          <a:lstStyle/>
-          <a:p>
-            <a:r>
-              <a:rPr lang="en-US" dirty="0"/>
-              <a:t>Example of Java URL class</a:t>
-            </a:r>
-            <a:endParaRPr lang="en-IN" dirty="0"/>
-          </a:p>
-        </p:txBody>
-      </p:sp>
-      <p:sp>
-        <p:nvSpPr>
-          <p:cNvPr id="3" name="Content Placeholder 2">
-            <a:extLst>
-              <a:ext uri="{FF2B5EF4-FFF2-40B4-BE49-F238E27FC236}">
-                <a16:creationId xmlns:a16="http://schemas.microsoft.com/office/drawing/2014/main" xmlns="" id="{477D265A-8343-4C45-8DD2-C61D7837D62F}"/>
-              </a:ext>
-            </a:extLst>
-          </p:cNvPr>
-          <p:cNvSpPr>
-            <a:spLocks noGrp="1"/>
-          </p:cNvSpPr>
-          <p:nvPr>
-            <p:ph idx="1"/>
-          </p:nvPr>
-        </p:nvSpPr>
-        <p:spPr>
-          <a:xfrm>
-            <a:off x="3383505" y="695099"/>
-            <a:ext cx="8808496" cy="6056221"/>
-          </a:xfrm>
-          <a:solidFill>
-            <a:schemeClr val="bg1"/>
-          </a:solidFill>
-        </p:spPr>
-        <p:txBody>
-          <a:bodyPr numCol="1">
-            <a:normAutofit/>
-          </a:bodyPr>
-          <a:lstStyle/>
-          <a:p>
-            <a:pPr marL="0" indent="0">
-              <a:lnSpc>
-                <a:spcPct val="100000"/>
-              </a:lnSpc>
-              <a:spcBef>
-                <a:spcPts val="600"/>
-              </a:spcBef>
-              <a:buNone/>
-            </a:pPr>
-            <a:r>
-              <a:rPr lang="en-IN" sz="2000" b="1" dirty="0">
-                <a:latin typeface="Courier New" pitchFamily="49" charset="0"/>
-                <a:cs typeface="Courier New" pitchFamily="49" charset="0"/>
-              </a:rPr>
-              <a:t>import</a:t>
-            </a:r>
-            <a:r>
-              <a:rPr lang="en-IN" sz="2000" dirty="0">
-                <a:latin typeface="Courier New" pitchFamily="49" charset="0"/>
-                <a:cs typeface="Courier New" pitchFamily="49" charset="0"/>
-              </a:rPr>
-              <a:t> java.io.*;  </a:t>
-            </a:r>
-          </a:p>
-          <a:p>
-            <a:pPr marL="0" indent="0">
-              <a:lnSpc>
-                <a:spcPct val="100000"/>
-              </a:lnSpc>
-              <a:spcBef>
-                <a:spcPts val="600"/>
-              </a:spcBef>
-              <a:buNone/>
-            </a:pPr>
-            <a:r>
-              <a:rPr lang="en-IN" sz="2000" b="1" dirty="0">
-                <a:latin typeface="Courier New" pitchFamily="49" charset="0"/>
-                <a:cs typeface="Courier New" pitchFamily="49" charset="0"/>
-              </a:rPr>
-              <a:t>import</a:t>
-            </a:r>
-            <a:r>
-              <a:rPr lang="en-IN" sz="2000" dirty="0">
-                <a:latin typeface="Courier New" pitchFamily="49" charset="0"/>
-                <a:cs typeface="Courier New" pitchFamily="49" charset="0"/>
-              </a:rPr>
-              <a:t> java.net.*;  </a:t>
-            </a:r>
-          </a:p>
-          <a:p>
-            <a:pPr marL="0" indent="0">
-              <a:lnSpc>
-                <a:spcPct val="100000"/>
-              </a:lnSpc>
-              <a:spcBef>
-                <a:spcPts val="600"/>
-              </a:spcBef>
-              <a:buNone/>
-            </a:pPr>
-            <a:r>
-              <a:rPr lang="en-IN" sz="2000" b="1" dirty="0">
-                <a:latin typeface="Courier New" pitchFamily="49" charset="0"/>
-                <a:cs typeface="Courier New" pitchFamily="49" charset="0"/>
-              </a:rPr>
-              <a:t>public</a:t>
-            </a:r>
-            <a:r>
-              <a:rPr lang="en-IN" sz="2000" dirty="0">
-                <a:latin typeface="Courier New" pitchFamily="49" charset="0"/>
-                <a:cs typeface="Courier New" pitchFamily="49" charset="0"/>
-              </a:rPr>
-              <a:t> </a:t>
-            </a:r>
-            <a:r>
-              <a:rPr lang="en-IN" sz="2000" b="1" dirty="0">
-                <a:latin typeface="Courier New" pitchFamily="49" charset="0"/>
-                <a:cs typeface="Courier New" pitchFamily="49" charset="0"/>
-              </a:rPr>
-              <a:t>class</a:t>
-            </a:r>
-            <a:r>
-              <a:rPr lang="en-IN" sz="2000" dirty="0">
-                <a:latin typeface="Courier New" pitchFamily="49" charset="0"/>
-                <a:cs typeface="Courier New" pitchFamily="49" charset="0"/>
-              </a:rPr>
-              <a:t> </a:t>
-            </a:r>
-            <a:r>
-              <a:rPr lang="en-IN" sz="2000" dirty="0" err="1">
-                <a:latin typeface="Courier New" pitchFamily="49" charset="0"/>
-                <a:cs typeface="Courier New" pitchFamily="49" charset="0"/>
-              </a:rPr>
-              <a:t>URLDemo</a:t>
-            </a:r>
-            <a:r>
-              <a:rPr lang="en-IN" sz="2000" dirty="0">
-                <a:latin typeface="Courier New" pitchFamily="49" charset="0"/>
-                <a:cs typeface="Courier New" pitchFamily="49" charset="0"/>
-              </a:rPr>
-              <a:t>{  </a:t>
-            </a:r>
-          </a:p>
-          <a:p>
-            <a:pPr marL="0" indent="0">
-              <a:lnSpc>
-                <a:spcPct val="100000"/>
-              </a:lnSpc>
-              <a:spcBef>
-                <a:spcPts val="600"/>
-              </a:spcBef>
-              <a:buNone/>
-            </a:pPr>
-            <a:r>
-              <a:rPr lang="en-IN" sz="2000" b="1" dirty="0">
-                <a:latin typeface="Courier New" pitchFamily="49" charset="0"/>
-                <a:cs typeface="Courier New" pitchFamily="49" charset="0"/>
-              </a:rPr>
-              <a:t>public</a:t>
-            </a:r>
-            <a:r>
-              <a:rPr lang="en-IN" sz="2000" dirty="0">
-                <a:latin typeface="Courier New" pitchFamily="49" charset="0"/>
-                <a:cs typeface="Courier New" pitchFamily="49" charset="0"/>
-              </a:rPr>
-              <a:t> </a:t>
-            </a:r>
-            <a:r>
-              <a:rPr lang="en-IN" sz="2000" b="1" dirty="0">
-                <a:latin typeface="Courier New" pitchFamily="49" charset="0"/>
-                <a:cs typeface="Courier New" pitchFamily="49" charset="0"/>
-              </a:rPr>
-              <a:t>static</a:t>
-            </a:r>
-            <a:r>
-              <a:rPr lang="en-IN" sz="2000" dirty="0">
-                <a:latin typeface="Courier New" pitchFamily="49" charset="0"/>
-                <a:cs typeface="Courier New" pitchFamily="49" charset="0"/>
-              </a:rPr>
-              <a:t> </a:t>
-            </a:r>
-            <a:r>
-              <a:rPr lang="en-IN" sz="2000" b="1" dirty="0">
-                <a:latin typeface="Courier New" pitchFamily="49" charset="0"/>
-                <a:cs typeface="Courier New" pitchFamily="49" charset="0"/>
-              </a:rPr>
-              <a:t>void</a:t>
-            </a:r>
-            <a:r>
-              <a:rPr lang="en-IN" sz="2000" dirty="0">
-                <a:latin typeface="Courier New" pitchFamily="49" charset="0"/>
-                <a:cs typeface="Courier New" pitchFamily="49" charset="0"/>
-              </a:rPr>
-              <a:t> main(String</a:t>
-            </a:r>
-            <a:r>
-              <a:rPr lang="en-IN" sz="2000" dirty="0" smtClean="0">
-                <a:latin typeface="Courier New" pitchFamily="49" charset="0"/>
-                <a:cs typeface="Courier New" pitchFamily="49" charset="0"/>
-              </a:rPr>
-              <a:t>[ ]</a:t>
-            </a:r>
-            <a:r>
-              <a:rPr lang="en-IN" sz="2000" dirty="0">
-                <a:latin typeface="Courier New" pitchFamily="49" charset="0"/>
-                <a:cs typeface="Courier New" pitchFamily="49" charset="0"/>
-              </a:rPr>
-              <a:t> </a:t>
-            </a:r>
-            <a:r>
-              <a:rPr lang="en-IN" sz="2000" dirty="0" err="1">
-                <a:latin typeface="Courier New" pitchFamily="49" charset="0"/>
-                <a:cs typeface="Courier New" pitchFamily="49" charset="0"/>
-              </a:rPr>
-              <a:t>args</a:t>
-            </a:r>
-            <a:r>
-              <a:rPr lang="en-IN" sz="2000" dirty="0">
-                <a:latin typeface="Courier New" pitchFamily="49" charset="0"/>
-                <a:cs typeface="Courier New" pitchFamily="49" charset="0"/>
-              </a:rPr>
-              <a:t>){  </a:t>
-            </a:r>
-          </a:p>
-          <a:p>
-            <a:pPr marL="0" indent="0">
-              <a:lnSpc>
-                <a:spcPct val="100000"/>
-              </a:lnSpc>
-              <a:spcBef>
-                <a:spcPts val="600"/>
-              </a:spcBef>
-              <a:buNone/>
-            </a:pPr>
-            <a:r>
-              <a:rPr lang="en-IN" sz="2000" b="1" dirty="0">
-                <a:latin typeface="Courier New" pitchFamily="49" charset="0"/>
-                <a:cs typeface="Courier New" pitchFamily="49" charset="0"/>
-              </a:rPr>
-              <a:t>try</a:t>
-            </a:r>
-            <a:r>
-              <a:rPr lang="en-IN" sz="2000" dirty="0">
-                <a:latin typeface="Courier New" pitchFamily="49" charset="0"/>
-                <a:cs typeface="Courier New" pitchFamily="49" charset="0"/>
-              </a:rPr>
-              <a:t>{  </a:t>
-            </a:r>
-            <a:endParaRPr lang="en-IN" sz="2000" dirty="0" smtClean="0">
-              <a:latin typeface="Courier New" pitchFamily="49" charset="0"/>
-              <a:cs typeface="Courier New" pitchFamily="49" charset="0"/>
-            </a:endParaRPr>
-          </a:p>
-          <a:p>
-            <a:pPr marL="0" indent="0">
-              <a:lnSpc>
-                <a:spcPct val="100000"/>
-              </a:lnSpc>
-              <a:spcBef>
-                <a:spcPts val="600"/>
-              </a:spcBef>
-              <a:buNone/>
-            </a:pPr>
-            <a:r>
-              <a:rPr lang="en-IN" sz="2000" dirty="0" smtClean="0">
-                <a:latin typeface="Courier New" pitchFamily="49" charset="0"/>
-                <a:cs typeface="Courier New" pitchFamily="49" charset="0"/>
-              </a:rPr>
-              <a:t>  URL</a:t>
-            </a:r>
-            <a:r>
-              <a:rPr lang="en-IN" sz="2000" dirty="0">
-                <a:latin typeface="Courier New" pitchFamily="49" charset="0"/>
-                <a:cs typeface="Courier New" pitchFamily="49" charset="0"/>
-              </a:rPr>
-              <a:t> </a:t>
-            </a:r>
-            <a:r>
-              <a:rPr lang="en-IN" sz="2000" dirty="0" err="1">
-                <a:latin typeface="Courier New" pitchFamily="49" charset="0"/>
-                <a:cs typeface="Courier New" pitchFamily="49" charset="0"/>
-              </a:rPr>
-              <a:t>url</a:t>
-            </a:r>
-            <a:r>
-              <a:rPr lang="en-IN" sz="2000" dirty="0">
-                <a:latin typeface="Courier New" pitchFamily="49" charset="0"/>
-                <a:cs typeface="Courier New" pitchFamily="49" charset="0"/>
-              </a:rPr>
-              <a:t>=</a:t>
-            </a:r>
-            <a:r>
-              <a:rPr lang="en-IN" sz="2000" b="1" dirty="0">
-                <a:latin typeface="Courier New" pitchFamily="49" charset="0"/>
-                <a:cs typeface="Courier New" pitchFamily="49" charset="0"/>
-              </a:rPr>
-              <a:t>new</a:t>
-            </a:r>
-            <a:r>
-              <a:rPr lang="en-IN" sz="2000" dirty="0">
-                <a:latin typeface="Courier New" pitchFamily="49" charset="0"/>
-                <a:cs typeface="Courier New" pitchFamily="49" charset="0"/>
-              </a:rPr>
-              <a:t> URL("http://srpec.org.in/contacts");  </a:t>
-            </a:r>
-          </a:p>
-          <a:p>
-            <a:pPr marL="0" indent="0">
-              <a:lnSpc>
-                <a:spcPct val="100000"/>
-              </a:lnSpc>
-              <a:spcBef>
-                <a:spcPts val="600"/>
-              </a:spcBef>
-              <a:buNone/>
-            </a:pPr>
-            <a:r>
-              <a:rPr lang="en-IN" sz="2000" dirty="0" smtClean="0">
-                <a:latin typeface="Courier New" pitchFamily="49" charset="0"/>
-                <a:cs typeface="Courier New" pitchFamily="49" charset="0"/>
-              </a:rPr>
-              <a:t>  </a:t>
-            </a:r>
-            <a:r>
-              <a:rPr lang="en-IN" sz="2000" dirty="0" err="1" smtClean="0">
-                <a:latin typeface="Courier New" pitchFamily="49" charset="0"/>
-                <a:cs typeface="Courier New" pitchFamily="49" charset="0"/>
-              </a:rPr>
-              <a:t>System.out.println</a:t>
-            </a:r>
-            <a:r>
-              <a:rPr lang="en-IN" sz="2000" dirty="0">
-                <a:latin typeface="Courier New" pitchFamily="49" charset="0"/>
-                <a:cs typeface="Courier New" pitchFamily="49" charset="0"/>
-              </a:rPr>
-              <a:t>("Protocol: "+</a:t>
-            </a:r>
-            <a:r>
-              <a:rPr lang="en-IN" sz="2000" dirty="0" err="1">
-                <a:latin typeface="Courier New" pitchFamily="49" charset="0"/>
-                <a:cs typeface="Courier New" pitchFamily="49" charset="0"/>
-              </a:rPr>
-              <a:t>url.getProtocol</a:t>
-            </a:r>
-            <a:r>
-              <a:rPr lang="en-IN" sz="2000" dirty="0">
-                <a:latin typeface="Courier New" pitchFamily="49" charset="0"/>
-                <a:cs typeface="Courier New" pitchFamily="49" charset="0"/>
-              </a:rPr>
-              <a:t>());  </a:t>
-            </a:r>
-          </a:p>
-          <a:p>
-            <a:pPr marL="0" indent="0">
-              <a:lnSpc>
-                <a:spcPct val="100000"/>
-              </a:lnSpc>
-              <a:spcBef>
-                <a:spcPts val="600"/>
-              </a:spcBef>
-              <a:buNone/>
-            </a:pPr>
-            <a:r>
-              <a:rPr lang="en-IN" sz="2000" dirty="0" smtClean="0">
-                <a:latin typeface="Courier New" pitchFamily="49" charset="0"/>
-                <a:cs typeface="Courier New" pitchFamily="49" charset="0"/>
-              </a:rPr>
-              <a:t>  </a:t>
-            </a:r>
-            <a:r>
-              <a:rPr lang="en-IN" sz="2000" dirty="0" err="1" smtClean="0">
-                <a:latin typeface="Courier New" pitchFamily="49" charset="0"/>
-                <a:cs typeface="Courier New" pitchFamily="49" charset="0"/>
-              </a:rPr>
-              <a:t>System.out.println</a:t>
-            </a:r>
-            <a:r>
-              <a:rPr lang="en-IN" sz="2000" dirty="0">
-                <a:latin typeface="Courier New" pitchFamily="49" charset="0"/>
-                <a:cs typeface="Courier New" pitchFamily="49" charset="0"/>
-              </a:rPr>
-              <a:t>("Host Name: "+</a:t>
-            </a:r>
-            <a:r>
-              <a:rPr lang="en-IN" sz="2000" dirty="0" err="1">
-                <a:latin typeface="Courier New" pitchFamily="49" charset="0"/>
-                <a:cs typeface="Courier New" pitchFamily="49" charset="0"/>
-              </a:rPr>
-              <a:t>url.getHost</a:t>
-            </a:r>
-            <a:r>
-              <a:rPr lang="en-IN" sz="2000" dirty="0">
-                <a:latin typeface="Courier New" pitchFamily="49" charset="0"/>
-                <a:cs typeface="Courier New" pitchFamily="49" charset="0"/>
-              </a:rPr>
-              <a:t>());  </a:t>
-            </a:r>
-            <a:endParaRPr lang="en-IN" sz="2000" dirty="0" smtClean="0">
-              <a:latin typeface="Courier New" pitchFamily="49" charset="0"/>
-              <a:cs typeface="Courier New" pitchFamily="49" charset="0"/>
-            </a:endParaRPr>
-          </a:p>
-          <a:p>
-            <a:pPr marL="0" indent="0">
-              <a:lnSpc>
-                <a:spcPct val="100000"/>
-              </a:lnSpc>
-              <a:spcBef>
-                <a:spcPts val="600"/>
-              </a:spcBef>
-              <a:buNone/>
-            </a:pPr>
-            <a:r>
-              <a:rPr lang="en-IN" sz="2000" dirty="0" smtClean="0">
-                <a:latin typeface="Courier New" pitchFamily="49" charset="0"/>
-                <a:cs typeface="Courier New" pitchFamily="49" charset="0"/>
-              </a:rPr>
-              <a:t>  </a:t>
-            </a:r>
-            <a:r>
-              <a:rPr lang="en-IN" sz="2000" dirty="0" err="1" smtClean="0">
-                <a:latin typeface="Courier New" pitchFamily="49" charset="0"/>
-                <a:cs typeface="Courier New" pitchFamily="49" charset="0"/>
-              </a:rPr>
-              <a:t>System.out.println</a:t>
-            </a:r>
-            <a:r>
-              <a:rPr lang="en-IN" sz="2000" dirty="0">
-                <a:latin typeface="Courier New" pitchFamily="49" charset="0"/>
-                <a:cs typeface="Courier New" pitchFamily="49" charset="0"/>
-              </a:rPr>
-              <a:t>("Port Number: "+</a:t>
-            </a:r>
-            <a:r>
-              <a:rPr lang="en-IN" sz="2000" dirty="0" err="1">
-                <a:latin typeface="Courier New" pitchFamily="49" charset="0"/>
-                <a:cs typeface="Courier New" pitchFamily="49" charset="0"/>
-              </a:rPr>
-              <a:t>url.getPort</a:t>
-            </a:r>
-            <a:r>
-              <a:rPr lang="en-IN" sz="2000" dirty="0">
-                <a:latin typeface="Courier New" pitchFamily="49" charset="0"/>
-                <a:cs typeface="Courier New" pitchFamily="49" charset="0"/>
-              </a:rPr>
-              <a:t>());  </a:t>
-            </a:r>
-            <a:endParaRPr lang="en-IN" sz="2000" dirty="0" smtClean="0">
-              <a:latin typeface="Courier New" pitchFamily="49" charset="0"/>
-              <a:cs typeface="Courier New" pitchFamily="49" charset="0"/>
-            </a:endParaRPr>
-          </a:p>
-          <a:p>
-            <a:pPr marL="0" indent="0">
-              <a:lnSpc>
-                <a:spcPct val="100000"/>
-              </a:lnSpc>
-              <a:spcBef>
-                <a:spcPts val="600"/>
-              </a:spcBef>
-              <a:buNone/>
-            </a:pPr>
-            <a:r>
-              <a:rPr lang="en-IN" sz="2000" dirty="0" smtClean="0">
-                <a:latin typeface="Courier New" pitchFamily="49" charset="0"/>
-                <a:cs typeface="Courier New" pitchFamily="49" charset="0"/>
-              </a:rPr>
-              <a:t>  </a:t>
-            </a:r>
-            <a:r>
-              <a:rPr lang="en-IN" sz="2000" dirty="0" err="1" smtClean="0">
-                <a:latin typeface="Courier New" pitchFamily="49" charset="0"/>
-                <a:cs typeface="Courier New" pitchFamily="49" charset="0"/>
-              </a:rPr>
-              <a:t>System.out.println</a:t>
-            </a:r>
-            <a:r>
-              <a:rPr lang="en-IN" sz="2000" dirty="0">
-                <a:latin typeface="Courier New" pitchFamily="49" charset="0"/>
-                <a:cs typeface="Courier New" pitchFamily="49" charset="0"/>
-              </a:rPr>
-              <a:t>("File Name: "+</a:t>
-            </a:r>
-            <a:r>
-              <a:rPr lang="en-IN" sz="2000" dirty="0" err="1">
-                <a:latin typeface="Courier New" pitchFamily="49" charset="0"/>
-                <a:cs typeface="Courier New" pitchFamily="49" charset="0"/>
-              </a:rPr>
-              <a:t>url.getFile</a:t>
-            </a:r>
-            <a:r>
-              <a:rPr lang="en-IN" sz="2000" dirty="0">
-                <a:latin typeface="Courier New" pitchFamily="49" charset="0"/>
-                <a:cs typeface="Courier New" pitchFamily="49" charset="0"/>
-              </a:rPr>
-              <a:t>());   </a:t>
-            </a:r>
-            <a:endParaRPr lang="en-IN" sz="2000" dirty="0" smtClean="0">
-              <a:latin typeface="Courier New" pitchFamily="49" charset="0"/>
-              <a:cs typeface="Courier New" pitchFamily="49" charset="0"/>
-            </a:endParaRPr>
-          </a:p>
-          <a:p>
-            <a:pPr marL="0" indent="0">
-              <a:lnSpc>
-                <a:spcPct val="100000"/>
-              </a:lnSpc>
-              <a:spcBef>
-                <a:spcPts val="600"/>
-              </a:spcBef>
-              <a:buNone/>
-            </a:pPr>
-            <a:r>
-              <a:rPr lang="en-IN" sz="2000" dirty="0" smtClean="0">
-                <a:latin typeface="Courier New" pitchFamily="49" charset="0"/>
-                <a:cs typeface="Courier New" pitchFamily="49" charset="0"/>
-              </a:rPr>
-              <a:t>}</a:t>
-            </a:r>
-          </a:p>
-          <a:p>
-            <a:pPr marL="0" indent="0">
-              <a:lnSpc>
-                <a:spcPct val="100000"/>
-              </a:lnSpc>
-              <a:spcBef>
-                <a:spcPts val="600"/>
-              </a:spcBef>
-              <a:buNone/>
-            </a:pPr>
-            <a:r>
-              <a:rPr lang="en-IN" sz="2000" b="1" dirty="0" smtClean="0">
-                <a:latin typeface="Courier New" pitchFamily="49" charset="0"/>
-                <a:cs typeface="Courier New" pitchFamily="49" charset="0"/>
-              </a:rPr>
-              <a:t>catch</a:t>
-            </a:r>
-            <a:r>
-              <a:rPr lang="en-IN" sz="2000" dirty="0" smtClean="0">
-                <a:latin typeface="Courier New" pitchFamily="49" charset="0"/>
-                <a:cs typeface="Courier New" pitchFamily="49" charset="0"/>
-              </a:rPr>
-              <a:t>(Exception</a:t>
-            </a:r>
-            <a:r>
-              <a:rPr lang="en-IN" sz="2000" dirty="0">
-                <a:latin typeface="Courier New" pitchFamily="49" charset="0"/>
-                <a:cs typeface="Courier New" pitchFamily="49" charset="0"/>
-              </a:rPr>
-              <a:t> e){</a:t>
-            </a:r>
-            <a:r>
-              <a:rPr lang="en-IN" sz="2000" dirty="0" err="1">
-                <a:latin typeface="Courier New" pitchFamily="49" charset="0"/>
-                <a:cs typeface="Courier New" pitchFamily="49" charset="0"/>
-              </a:rPr>
-              <a:t>System.out.println</a:t>
-            </a:r>
-            <a:r>
-              <a:rPr lang="en-IN" sz="2000" dirty="0">
-                <a:latin typeface="Courier New" pitchFamily="49" charset="0"/>
-                <a:cs typeface="Courier New" pitchFamily="49" charset="0"/>
-              </a:rPr>
-              <a:t>(e);}  </a:t>
-            </a:r>
-            <a:endParaRPr lang="en-IN" sz="2000" dirty="0" smtClean="0">
-              <a:latin typeface="Courier New" pitchFamily="49" charset="0"/>
-              <a:cs typeface="Courier New" pitchFamily="49" charset="0"/>
-            </a:endParaRPr>
-          </a:p>
-          <a:p>
-            <a:pPr marL="0" indent="0">
-              <a:lnSpc>
-                <a:spcPct val="100000"/>
-              </a:lnSpc>
-              <a:spcBef>
-                <a:spcPts val="600"/>
-              </a:spcBef>
-              <a:buNone/>
-            </a:pPr>
-            <a:r>
-              <a:rPr lang="en-IN" sz="2000" dirty="0" smtClean="0">
-                <a:latin typeface="Courier New" pitchFamily="49" charset="0"/>
-                <a:cs typeface="Courier New" pitchFamily="49" charset="0"/>
-              </a:rPr>
-              <a:t>}</a:t>
-            </a:r>
-            <a:r>
-              <a:rPr lang="en-IN" sz="2000" dirty="0">
-                <a:latin typeface="Courier New" pitchFamily="49" charset="0"/>
-                <a:cs typeface="Courier New" pitchFamily="49" charset="0"/>
-              </a:rPr>
-              <a:t>  </a:t>
-            </a:r>
-            <a:endParaRPr lang="en-IN" sz="2000" dirty="0" smtClean="0">
-              <a:latin typeface="Courier New" pitchFamily="49" charset="0"/>
-              <a:cs typeface="Courier New" pitchFamily="49" charset="0"/>
-            </a:endParaRPr>
-          </a:p>
-          <a:p>
-            <a:pPr marL="0" indent="0">
-              <a:lnSpc>
-                <a:spcPct val="100000"/>
-              </a:lnSpc>
-              <a:spcBef>
-                <a:spcPts val="600"/>
-              </a:spcBef>
-              <a:buNone/>
-            </a:pPr>
-            <a:r>
-              <a:rPr lang="en-IN" sz="2000" dirty="0" smtClean="0">
-                <a:latin typeface="Courier New" pitchFamily="49" charset="0"/>
-                <a:cs typeface="Courier New" pitchFamily="49" charset="0"/>
-              </a:rPr>
-              <a:t>}</a:t>
-            </a:r>
-            <a:r>
-              <a:rPr lang="en-IN" sz="2000" dirty="0">
-                <a:latin typeface="Courier New" pitchFamily="49" charset="0"/>
-                <a:cs typeface="Courier New" pitchFamily="49" charset="0"/>
-              </a:rPr>
-              <a:t>  </a:t>
-            </a:r>
-          </a:p>
-        </p:txBody>
-      </p:sp>
-    </p:spTree>
-    <p:custDataLst>
-      <p:tags r:id="rId1"/>
-    </p:custDataLst>
-    <p:extLst>
-      <p:ext uri="{BB962C8B-B14F-4D97-AF65-F5344CB8AC3E}">
-        <p14:creationId xmlns:p14="http://schemas.microsoft.com/office/powerpoint/2010/main" val="2299480063"/>
       </p:ext>
     </p:extLst>
   </p:cSld>
@@ -21944,7 +22425,13 @@
       </p:grpSpPr>
       <p:sp>
         <p:nvSpPr>
-          <p:cNvPr id="4" name="Title 1"/>
+          <p:cNvPr id="2" name="Title 1">
+            <a:extLst>
+              <a:ext uri="{FF2B5EF4-FFF2-40B4-BE49-F238E27FC236}">
+                <a16:creationId xmlns="" xmlns:a16="http://schemas.microsoft.com/office/drawing/2014/main" id="{1B80ABD8-37E8-47B1-89AC-8884239E35EA}"/>
+              </a:ext>
+            </a:extLst>
+          </p:cNvPr>
           <p:cNvSpPr>
             <a:spLocks noGrp="1"/>
           </p:cNvSpPr>
@@ -21958,16 +22445,22 @@
           <a:lstStyle/>
           <a:p>
             <a:r>
-              <a:rPr lang="en-US" dirty="0" smtClean="0"/>
-              <a:t>Example</a:t>
-            </a:r>
-            <a:endParaRPr lang="en-IN" dirty="0" smtClean="0"/>
+              <a:rPr lang="en-US" dirty="0"/>
+              <a:t>Example of Java URL class</a:t>
+            </a:r>
+            <a:endParaRPr lang="en-IN" dirty="0"/>
           </a:p>
         </p:txBody>
       </p:sp>
       <p:sp>
         <p:nvSpPr>
-          <p:cNvPr id="5" name="Content Placeholder 2"/>
+          <p:cNvPr id="3" name="Content Placeholder 2">
+            <a:extLst>
+              <a:ext uri="{FF2B5EF4-FFF2-40B4-BE49-F238E27FC236}">
+                <a16:creationId xmlns="" xmlns:a16="http://schemas.microsoft.com/office/drawing/2014/main" id="{477D265A-8343-4C45-8DD2-C61D7837D62F}"/>
+              </a:ext>
+            </a:extLst>
+          </p:cNvPr>
           <p:cNvSpPr>
             <a:spLocks noGrp="1"/>
           </p:cNvSpPr>
@@ -21977,179 +22470,225 @@
         </p:nvSpPr>
         <p:spPr>
           <a:xfrm>
-            <a:off x="3489960" y="777240"/>
-            <a:ext cx="8702040" cy="5207508"/>
+            <a:off x="3383505" y="695099"/>
+            <a:ext cx="8808496" cy="6056221"/>
           </a:xfrm>
           <a:solidFill>
             <a:schemeClr val="bg1"/>
           </a:solidFill>
         </p:spPr>
         <p:txBody>
-          <a:bodyPr>
-            <a:noAutofit/>
+          <a:bodyPr numCol="1">
+            <a:normAutofit/>
           </a:bodyPr>
           <a:lstStyle/>
           <a:p>
             <a:pPr marL="0" indent="0">
+              <a:lnSpc>
+                <a:spcPct val="100000"/>
+              </a:lnSpc>
               <a:spcBef>
                 <a:spcPts val="600"/>
               </a:spcBef>
-              <a:buFont typeface="Arial" charset="0"/>
               <a:buNone/>
             </a:pPr>
             <a:r>
-              <a:rPr lang="en-US" sz="2000" b="1" dirty="0" smtClean="0">
-                <a:latin typeface="Courier New" pitchFamily="49" charset="0"/>
-                <a:cs typeface="Courier New" pitchFamily="49" charset="0"/>
-              </a:rPr>
-              <a:t>class </a:t>
-            </a:r>
-            <a:r>
-              <a:rPr lang="en-US" sz="2000" b="1" dirty="0" err="1" smtClean="0">
-                <a:latin typeface="Courier New" pitchFamily="49" charset="0"/>
-                <a:cs typeface="Courier New" pitchFamily="49" charset="0"/>
-              </a:rPr>
-              <a:t>URLDemo</a:t>
-            </a:r>
-            <a:r>
-              <a:rPr lang="en-US" sz="2000" b="1" dirty="0" smtClean="0">
-                <a:latin typeface="Courier New" pitchFamily="49" charset="0"/>
-                <a:cs typeface="Courier New" pitchFamily="49" charset="0"/>
-              </a:rPr>
-              <a:t>{</a:t>
-            </a:r>
-            <a:endParaRPr lang="en-IN" sz="2000" b="1" dirty="0" smtClean="0">
-              <a:latin typeface="Courier New" pitchFamily="49" charset="0"/>
-              <a:cs typeface="Courier New" pitchFamily="49" charset="0"/>
-            </a:endParaRPr>
+              <a:rPr lang="en-IN" sz="2000" b="1" dirty="0">
+                <a:latin typeface="Courier New" pitchFamily="49" charset="0"/>
+                <a:cs typeface="Courier New" pitchFamily="49" charset="0"/>
+              </a:rPr>
+              <a:t>import</a:t>
+            </a:r>
+            <a:r>
+              <a:rPr lang="en-IN" sz="2000" dirty="0">
+                <a:latin typeface="Courier New" pitchFamily="49" charset="0"/>
+                <a:cs typeface="Courier New" pitchFamily="49" charset="0"/>
+              </a:rPr>
+              <a:t> java.io.*;  </a:t>
+            </a:r>
           </a:p>
           <a:p>
             <a:pPr marL="0" indent="0">
+              <a:lnSpc>
+                <a:spcPct val="100000"/>
+              </a:lnSpc>
               <a:spcBef>
                 <a:spcPts val="600"/>
               </a:spcBef>
-              <a:buFont typeface="Arial" charset="0"/>
               <a:buNone/>
             </a:pPr>
             <a:r>
-              <a:rPr lang="en-US" sz="2000" b="1" dirty="0" smtClean="0">
-                <a:latin typeface="Courier New" pitchFamily="49" charset="0"/>
-                <a:cs typeface="Courier New" pitchFamily="49" charset="0"/>
-              </a:rPr>
-              <a:t>public static void main(String </a:t>
-            </a:r>
-            <a:r>
-              <a:rPr lang="en-US" sz="2000" b="1" dirty="0" err="1" smtClean="0">
-                <a:latin typeface="Courier New" pitchFamily="49" charset="0"/>
-                <a:cs typeface="Courier New" pitchFamily="49" charset="0"/>
-              </a:rPr>
-              <a:t>args</a:t>
-            </a:r>
-            <a:r>
-              <a:rPr lang="en-US" sz="2000" b="1" dirty="0" smtClean="0">
-                <a:latin typeface="Courier New" pitchFamily="49" charset="0"/>
-                <a:cs typeface="Courier New" pitchFamily="49" charset="0"/>
-              </a:rPr>
-              <a:t>[])</a:t>
-            </a:r>
-            <a:r>
               <a:rPr lang="en-IN" sz="2000" b="1" dirty="0">
                 <a:latin typeface="Courier New" pitchFamily="49" charset="0"/>
                 <a:cs typeface="Courier New" pitchFamily="49" charset="0"/>
               </a:rPr>
-              <a:t> </a:t>
-            </a:r>
-            <a:r>
-              <a:rPr lang="en-US" sz="2000" b="1" dirty="0" smtClean="0">
-                <a:latin typeface="Courier New" pitchFamily="49" charset="0"/>
-                <a:cs typeface="Courier New" pitchFamily="49" charset="0"/>
-              </a:rPr>
-              <a:t>throws </a:t>
-            </a:r>
-            <a:r>
-              <a:rPr lang="en-US" sz="2000" b="1" dirty="0" err="1" smtClean="0">
-                <a:latin typeface="Courier New" pitchFamily="49" charset="0"/>
-                <a:cs typeface="Courier New" pitchFamily="49" charset="0"/>
-              </a:rPr>
-              <a:t>MalformedURLException</a:t>
-            </a:r>
-            <a:r>
-              <a:rPr lang="en-US" sz="2000" b="1" dirty="0" smtClean="0">
-                <a:latin typeface="Courier New" pitchFamily="49" charset="0"/>
-                <a:cs typeface="Courier New" pitchFamily="49" charset="0"/>
-              </a:rPr>
-              <a:t>    </a:t>
+              <a:t>import</a:t>
+            </a:r>
+            <a:r>
+              <a:rPr lang="en-IN" sz="2000" dirty="0">
+                <a:latin typeface="Courier New" pitchFamily="49" charset="0"/>
+                <a:cs typeface="Courier New" pitchFamily="49" charset="0"/>
+              </a:rPr>
+              <a:t> java.net.*;  </a:t>
             </a:r>
           </a:p>
           <a:p>
             <a:pPr marL="0" indent="0">
+              <a:lnSpc>
+                <a:spcPct val="100000"/>
+              </a:lnSpc>
               <a:spcBef>
                 <a:spcPts val="600"/>
               </a:spcBef>
-              <a:buFont typeface="Arial" charset="0"/>
               <a:buNone/>
             </a:pPr>
             <a:r>
-              <a:rPr lang="en-US" sz="2000" b="1" dirty="0" smtClean="0">
-                <a:latin typeface="Courier New" pitchFamily="49" charset="0"/>
-                <a:cs typeface="Courier New" pitchFamily="49" charset="0"/>
-              </a:rPr>
-              <a:t>{</a:t>
-            </a:r>
-            <a:endParaRPr lang="en-IN" sz="2000" b="1" dirty="0" smtClean="0">
-              <a:latin typeface="Courier New" pitchFamily="49" charset="0"/>
-              <a:cs typeface="Courier New" pitchFamily="49" charset="0"/>
-            </a:endParaRPr>
+              <a:rPr lang="en-IN" sz="2000" b="1" dirty="0">
+                <a:latin typeface="Courier New" pitchFamily="49" charset="0"/>
+                <a:cs typeface="Courier New" pitchFamily="49" charset="0"/>
+              </a:rPr>
+              <a:t>public</a:t>
+            </a:r>
+            <a:r>
+              <a:rPr lang="en-IN" sz="2000" dirty="0">
+                <a:latin typeface="Courier New" pitchFamily="49" charset="0"/>
+                <a:cs typeface="Courier New" pitchFamily="49" charset="0"/>
+              </a:rPr>
+              <a:t> </a:t>
+            </a:r>
+            <a:r>
+              <a:rPr lang="en-IN" sz="2000" b="1" dirty="0">
+                <a:latin typeface="Courier New" pitchFamily="49" charset="0"/>
+                <a:cs typeface="Courier New" pitchFamily="49" charset="0"/>
+              </a:rPr>
+              <a:t>class</a:t>
+            </a:r>
+            <a:r>
+              <a:rPr lang="en-IN" sz="2000" dirty="0">
+                <a:latin typeface="Courier New" pitchFamily="49" charset="0"/>
+                <a:cs typeface="Courier New" pitchFamily="49" charset="0"/>
+              </a:rPr>
+              <a:t> </a:t>
+            </a:r>
+            <a:r>
+              <a:rPr lang="en-IN" sz="2000" dirty="0" err="1">
+                <a:latin typeface="Courier New" pitchFamily="49" charset="0"/>
+                <a:cs typeface="Courier New" pitchFamily="49" charset="0"/>
+              </a:rPr>
+              <a:t>URLDemo</a:t>
+            </a:r>
+            <a:r>
+              <a:rPr lang="en-IN" sz="2000" dirty="0">
+                <a:latin typeface="Courier New" pitchFamily="49" charset="0"/>
+                <a:cs typeface="Courier New" pitchFamily="49" charset="0"/>
+              </a:rPr>
+              <a:t>{  </a:t>
+            </a:r>
           </a:p>
           <a:p>
             <a:pPr marL="0" indent="0">
+              <a:lnSpc>
+                <a:spcPct val="100000"/>
+              </a:lnSpc>
               <a:spcBef>
                 <a:spcPts val="600"/>
               </a:spcBef>
-              <a:buFont typeface="Arial" charset="0"/>
               <a:buNone/>
             </a:pPr>
             <a:r>
-              <a:rPr lang="en-US" sz="2000" dirty="0" smtClean="0">
-                <a:latin typeface="Courier New" pitchFamily="49" charset="0"/>
-                <a:cs typeface="Courier New" pitchFamily="49" charset="0"/>
-              </a:rPr>
-              <a:t> URL </a:t>
-            </a:r>
-            <a:r>
-              <a:rPr lang="en-US" sz="2000" dirty="0" err="1" smtClean="0">
-                <a:latin typeface="Courier New" pitchFamily="49" charset="0"/>
-                <a:cs typeface="Courier New" pitchFamily="49" charset="0"/>
-              </a:rPr>
-              <a:t>hp</a:t>
-            </a:r>
-            <a:r>
-              <a:rPr lang="en-US" sz="2000" dirty="0" smtClean="0">
-                <a:latin typeface="Courier New" pitchFamily="49" charset="0"/>
-                <a:cs typeface="Courier New" pitchFamily="49" charset="0"/>
-              </a:rPr>
-              <a:t> = new URL</a:t>
-            </a:r>
-            <a:r>
-              <a:rPr lang="en-US" sz="2000" i="1" dirty="0" smtClean="0">
-                <a:latin typeface="Courier New" pitchFamily="49" charset="0"/>
-                <a:cs typeface="Courier New" pitchFamily="49" charset="0"/>
-              </a:rPr>
-              <a:t>("</a:t>
-            </a:r>
-            <a:r>
-              <a:rPr lang="en-US" sz="2000" dirty="0" smtClean="0">
-                <a:latin typeface="Courier New" pitchFamily="49" charset="0"/>
-                <a:cs typeface="Courier New" pitchFamily="49" charset="0"/>
-              </a:rPr>
-              <a:t>http://content-ind.cricinfo.com/ci/content/current/story/news.html</a:t>
-            </a:r>
-            <a:r>
-              <a:rPr lang="en-US" sz="2000" i="1" dirty="0" smtClean="0">
-                <a:latin typeface="Courier New" pitchFamily="49" charset="0"/>
-                <a:cs typeface="Courier New" pitchFamily="49" charset="0"/>
-              </a:rPr>
-              <a:t>");</a:t>
+              <a:rPr lang="en-IN" sz="2000" b="1" dirty="0">
+                <a:latin typeface="Courier New" pitchFamily="49" charset="0"/>
+                <a:cs typeface="Courier New" pitchFamily="49" charset="0"/>
+              </a:rPr>
+              <a:t>public</a:t>
+            </a:r>
+            <a:r>
+              <a:rPr lang="en-IN" sz="2000" dirty="0">
+                <a:latin typeface="Courier New" pitchFamily="49" charset="0"/>
+                <a:cs typeface="Courier New" pitchFamily="49" charset="0"/>
+              </a:rPr>
+              <a:t> </a:t>
+            </a:r>
+            <a:r>
+              <a:rPr lang="en-IN" sz="2000" b="1" dirty="0">
+                <a:latin typeface="Courier New" pitchFamily="49" charset="0"/>
+                <a:cs typeface="Courier New" pitchFamily="49" charset="0"/>
+              </a:rPr>
+              <a:t>static</a:t>
+            </a:r>
+            <a:r>
+              <a:rPr lang="en-IN" sz="2000" dirty="0">
+                <a:latin typeface="Courier New" pitchFamily="49" charset="0"/>
+                <a:cs typeface="Courier New" pitchFamily="49" charset="0"/>
+              </a:rPr>
+              <a:t> </a:t>
+            </a:r>
+            <a:r>
+              <a:rPr lang="en-IN" sz="2000" b="1" dirty="0">
+                <a:latin typeface="Courier New" pitchFamily="49" charset="0"/>
+                <a:cs typeface="Courier New" pitchFamily="49" charset="0"/>
+              </a:rPr>
+              <a:t>void</a:t>
+            </a:r>
+            <a:r>
+              <a:rPr lang="en-IN" sz="2000" dirty="0">
+                <a:latin typeface="Courier New" pitchFamily="49" charset="0"/>
+                <a:cs typeface="Courier New" pitchFamily="49" charset="0"/>
+              </a:rPr>
+              <a:t> main(String</a:t>
+            </a:r>
+            <a:r>
+              <a:rPr lang="en-IN" sz="2000" dirty="0" smtClean="0">
+                <a:latin typeface="Courier New" pitchFamily="49" charset="0"/>
+                <a:cs typeface="Courier New" pitchFamily="49" charset="0"/>
+              </a:rPr>
+              <a:t>[ ]</a:t>
+            </a:r>
+            <a:r>
+              <a:rPr lang="en-IN" sz="2000" dirty="0">
+                <a:latin typeface="Courier New" pitchFamily="49" charset="0"/>
+                <a:cs typeface="Courier New" pitchFamily="49" charset="0"/>
+              </a:rPr>
+              <a:t> </a:t>
+            </a:r>
+            <a:r>
+              <a:rPr lang="en-IN" sz="2000" dirty="0" err="1">
+                <a:latin typeface="Courier New" pitchFamily="49" charset="0"/>
+                <a:cs typeface="Courier New" pitchFamily="49" charset="0"/>
+              </a:rPr>
+              <a:t>args</a:t>
+            </a:r>
+            <a:r>
+              <a:rPr lang="en-IN" sz="2000" dirty="0">
+                <a:latin typeface="Courier New" pitchFamily="49" charset="0"/>
+                <a:cs typeface="Courier New" pitchFamily="49" charset="0"/>
+              </a:rPr>
+              <a:t>){  </a:t>
+            </a:r>
+          </a:p>
+          <a:p>
+            <a:pPr marL="0" indent="0">
+              <a:lnSpc>
+                <a:spcPct val="100000"/>
+              </a:lnSpc>
+              <a:spcBef>
+                <a:spcPts val="600"/>
+              </a:spcBef>
+              <a:buNone/>
+            </a:pPr>
+            <a:r>
+              <a:rPr lang="en-IN" sz="2000" b="1" dirty="0">
+                <a:latin typeface="Courier New" pitchFamily="49" charset="0"/>
+                <a:cs typeface="Courier New" pitchFamily="49" charset="0"/>
+              </a:rPr>
+              <a:t>try</a:t>
+            </a:r>
+            <a:r>
+              <a:rPr lang="en-IN" sz="2000" dirty="0">
+                <a:latin typeface="Courier New" pitchFamily="49" charset="0"/>
+                <a:cs typeface="Courier New" pitchFamily="49" charset="0"/>
+              </a:rPr>
+              <a:t>{  </a:t>
             </a:r>
             <a:endParaRPr lang="en-IN" sz="2000" dirty="0" smtClean="0">
               <a:latin typeface="Courier New" pitchFamily="49" charset="0"/>
@@ -22158,18 +22697,147 @@
           </a:p>
           <a:p>
             <a:pPr marL="0" indent="0">
+              <a:lnSpc>
+                <a:spcPct val="100000"/>
+              </a:lnSpc>
               <a:spcBef>
                 <a:spcPts val="600"/>
               </a:spcBef>
-              <a:buFont typeface="Arial" charset="0"/>
               <a:buNone/>
             </a:pPr>
             <a:r>
-              <a:rPr lang="pt-BR" sz="2000" dirty="0" smtClean="0">
-                <a:latin typeface="Courier New" pitchFamily="49" charset="0"/>
-                <a:cs typeface="Courier New" pitchFamily="49" charset="0"/>
-              </a:rPr>
-              <a:t> System.out.println("Protocol: " + hp.getProtocol());</a:t>
+              <a:rPr lang="en-IN" sz="2000" dirty="0" smtClean="0">
+                <a:latin typeface="Courier New" pitchFamily="49" charset="0"/>
+                <a:cs typeface="Courier New" pitchFamily="49" charset="0"/>
+              </a:rPr>
+              <a:t>  URL</a:t>
+            </a:r>
+            <a:r>
+              <a:rPr lang="en-IN" sz="2000" dirty="0">
+                <a:latin typeface="Courier New" pitchFamily="49" charset="0"/>
+                <a:cs typeface="Courier New" pitchFamily="49" charset="0"/>
+              </a:rPr>
+              <a:t> </a:t>
+            </a:r>
+            <a:r>
+              <a:rPr lang="en-IN" sz="2000" dirty="0" err="1">
+                <a:latin typeface="Courier New" pitchFamily="49" charset="0"/>
+                <a:cs typeface="Courier New" pitchFamily="49" charset="0"/>
+              </a:rPr>
+              <a:t>url</a:t>
+            </a:r>
+            <a:r>
+              <a:rPr lang="en-IN" sz="2000" dirty="0">
+                <a:latin typeface="Courier New" pitchFamily="49" charset="0"/>
+                <a:cs typeface="Courier New" pitchFamily="49" charset="0"/>
+              </a:rPr>
+              <a:t>=</a:t>
+            </a:r>
+            <a:r>
+              <a:rPr lang="en-IN" sz="2000" b="1" dirty="0">
+                <a:latin typeface="Courier New" pitchFamily="49" charset="0"/>
+                <a:cs typeface="Courier New" pitchFamily="49" charset="0"/>
+              </a:rPr>
+              <a:t>new</a:t>
+            </a:r>
+            <a:r>
+              <a:rPr lang="en-IN" sz="2000" dirty="0">
+                <a:latin typeface="Courier New" pitchFamily="49" charset="0"/>
+                <a:cs typeface="Courier New" pitchFamily="49" charset="0"/>
+              </a:rPr>
+              <a:t> URL("http://srpec.org.in/contacts");  </a:t>
+            </a:r>
+          </a:p>
+          <a:p>
+            <a:pPr marL="0" indent="0">
+              <a:lnSpc>
+                <a:spcPct val="100000"/>
+              </a:lnSpc>
+              <a:spcBef>
+                <a:spcPts val="600"/>
+              </a:spcBef>
+              <a:buNone/>
+            </a:pPr>
+            <a:r>
+              <a:rPr lang="en-IN" sz="2000" dirty="0" smtClean="0">
+                <a:latin typeface="Courier New" pitchFamily="49" charset="0"/>
+                <a:cs typeface="Courier New" pitchFamily="49" charset="0"/>
+              </a:rPr>
+              <a:t>  </a:t>
+            </a:r>
+            <a:r>
+              <a:rPr lang="en-IN" sz="2000" dirty="0" err="1" smtClean="0">
+                <a:latin typeface="Courier New" pitchFamily="49" charset="0"/>
+                <a:cs typeface="Courier New" pitchFamily="49" charset="0"/>
+              </a:rPr>
+              <a:t>System.out.println</a:t>
+            </a:r>
+            <a:r>
+              <a:rPr lang="en-IN" sz="2000" dirty="0">
+                <a:latin typeface="Courier New" pitchFamily="49" charset="0"/>
+                <a:cs typeface="Courier New" pitchFamily="49" charset="0"/>
+              </a:rPr>
+              <a:t>("Protocol: "+</a:t>
+            </a:r>
+            <a:r>
+              <a:rPr lang="en-IN" sz="2000" dirty="0" err="1">
+                <a:latin typeface="Courier New" pitchFamily="49" charset="0"/>
+                <a:cs typeface="Courier New" pitchFamily="49" charset="0"/>
+              </a:rPr>
+              <a:t>url.getProtocol</a:t>
+            </a:r>
+            <a:r>
+              <a:rPr lang="en-IN" sz="2000" dirty="0">
+                <a:latin typeface="Courier New" pitchFamily="49" charset="0"/>
+                <a:cs typeface="Courier New" pitchFamily="49" charset="0"/>
+              </a:rPr>
+              <a:t>());  </a:t>
+            </a:r>
+          </a:p>
+          <a:p>
+            <a:pPr marL="0" indent="0">
+              <a:lnSpc>
+                <a:spcPct val="100000"/>
+              </a:lnSpc>
+              <a:spcBef>
+                <a:spcPts val="600"/>
+              </a:spcBef>
+              <a:buNone/>
+            </a:pPr>
+            <a:r>
+              <a:rPr lang="en-IN" sz="2000" dirty="0" smtClean="0">
+                <a:latin typeface="Courier New" pitchFamily="49" charset="0"/>
+                <a:cs typeface="Courier New" pitchFamily="49" charset="0"/>
+              </a:rPr>
+              <a:t>  </a:t>
+            </a:r>
+            <a:r>
+              <a:rPr lang="en-IN" sz="2000" dirty="0" err="1" smtClean="0">
+                <a:latin typeface="Courier New" pitchFamily="49" charset="0"/>
+                <a:cs typeface="Courier New" pitchFamily="49" charset="0"/>
+              </a:rPr>
+              <a:t>System.out.println</a:t>
+            </a:r>
+            <a:r>
+              <a:rPr lang="en-IN" sz="2000" dirty="0">
+                <a:latin typeface="Courier New" pitchFamily="49" charset="0"/>
+                <a:cs typeface="Courier New" pitchFamily="49" charset="0"/>
+              </a:rPr>
+              <a:t>("Host Name: "+</a:t>
+            </a:r>
+            <a:r>
+              <a:rPr lang="en-IN" sz="2000" dirty="0" err="1">
+                <a:latin typeface="Courier New" pitchFamily="49" charset="0"/>
+                <a:cs typeface="Courier New" pitchFamily="49" charset="0"/>
+              </a:rPr>
+              <a:t>url.getHost</a:t>
+            </a:r>
+            <a:r>
+              <a:rPr lang="en-IN" sz="2000" dirty="0">
+                <a:latin typeface="Courier New" pitchFamily="49" charset="0"/>
+                <a:cs typeface="Courier New" pitchFamily="49" charset="0"/>
+              </a:rPr>
+              <a:t>());  </a:t>
             </a:r>
             <a:endParaRPr lang="en-IN" sz="2000" dirty="0" smtClean="0">
               <a:latin typeface="Courier New" pitchFamily="49" charset="0"/>
@@ -22178,18 +22846,48 @@
           </a:p>
           <a:p>
             <a:pPr marL="0" indent="0">
+              <a:lnSpc>
+                <a:spcPct val="100000"/>
+              </a:lnSpc>
               <a:spcBef>
                 <a:spcPts val="600"/>
               </a:spcBef>
-              <a:buFont typeface="Arial" charset="0"/>
               <a:buNone/>
             </a:pPr>
             <a:r>
-              <a:rPr lang="pt-BR" sz="2000" dirty="0" smtClean="0">
-                <a:latin typeface="Courier New" pitchFamily="49" charset="0"/>
-                <a:cs typeface="Courier New" pitchFamily="49" charset="0"/>
-              </a:rPr>
-              <a:t> System.out.println("Port: " + hp.getPort());</a:t>
+              <a:rPr lang="en-IN" sz="2000" dirty="0" smtClean="0">
+                <a:latin typeface="Courier New" pitchFamily="49" charset="0"/>
+                <a:cs typeface="Courier New" pitchFamily="49" charset="0"/>
+              </a:rPr>
+              <a:t>  </a:t>
+            </a:r>
+            <a:r>
+              <a:rPr lang="en-IN" sz="2000" dirty="0" err="1" smtClean="0">
+                <a:latin typeface="Courier New" pitchFamily="49" charset="0"/>
+                <a:cs typeface="Courier New" pitchFamily="49" charset="0"/>
+              </a:rPr>
+              <a:t>System.out.println</a:t>
+            </a:r>
+            <a:r>
+              <a:rPr lang="en-IN" sz="2000" dirty="0">
+                <a:latin typeface="Courier New" pitchFamily="49" charset="0"/>
+                <a:cs typeface="Courier New" pitchFamily="49" charset="0"/>
+              </a:rPr>
+              <a:t>("Port Number: "+</a:t>
+            </a:r>
+            <a:r>
+              <a:rPr lang="en-IN" sz="2000" dirty="0" err="1">
+                <a:latin typeface="Courier New" pitchFamily="49" charset="0"/>
+                <a:cs typeface="Courier New" pitchFamily="49" charset="0"/>
+              </a:rPr>
+              <a:t>url.getPort</a:t>
+            </a:r>
+            <a:r>
+              <a:rPr lang="en-IN" sz="2000" dirty="0">
+                <a:latin typeface="Courier New" pitchFamily="49" charset="0"/>
+                <a:cs typeface="Courier New" pitchFamily="49" charset="0"/>
+              </a:rPr>
+              <a:t>());  </a:t>
             </a:r>
             <a:endParaRPr lang="en-IN" sz="2000" dirty="0" smtClean="0">
               <a:latin typeface="Courier New" pitchFamily="49" charset="0"/>
@@ -22198,18 +22896,48 @@
           </a:p>
           <a:p>
             <a:pPr marL="0" indent="0">
+              <a:lnSpc>
+                <a:spcPct val="100000"/>
+              </a:lnSpc>
               <a:spcBef>
                 <a:spcPts val="600"/>
               </a:spcBef>
-              <a:buFont typeface="Arial" charset="0"/>
               <a:buNone/>
             </a:pPr>
             <a:r>
-              <a:rPr lang="pt-BR" sz="2000" dirty="0" smtClean="0">
-                <a:latin typeface="Courier New" pitchFamily="49" charset="0"/>
-                <a:cs typeface="Courier New" pitchFamily="49" charset="0"/>
-              </a:rPr>
-              <a:t> System.out.println("Host: " + hp.getHost());</a:t>
+              <a:rPr lang="en-IN" sz="2000" dirty="0" smtClean="0">
+                <a:latin typeface="Courier New" pitchFamily="49" charset="0"/>
+                <a:cs typeface="Courier New" pitchFamily="49" charset="0"/>
+              </a:rPr>
+              <a:t>  </a:t>
+            </a:r>
+            <a:r>
+              <a:rPr lang="en-IN" sz="2000" dirty="0" err="1" smtClean="0">
+                <a:latin typeface="Courier New" pitchFamily="49" charset="0"/>
+                <a:cs typeface="Courier New" pitchFamily="49" charset="0"/>
+              </a:rPr>
+              <a:t>System.out.println</a:t>
+            </a:r>
+            <a:r>
+              <a:rPr lang="en-IN" sz="2000" dirty="0">
+                <a:latin typeface="Courier New" pitchFamily="49" charset="0"/>
+                <a:cs typeface="Courier New" pitchFamily="49" charset="0"/>
+              </a:rPr>
+              <a:t>("File Name: "+</a:t>
+            </a:r>
+            <a:r>
+              <a:rPr lang="en-IN" sz="2000" dirty="0" err="1">
+                <a:latin typeface="Courier New" pitchFamily="49" charset="0"/>
+                <a:cs typeface="Courier New" pitchFamily="49" charset="0"/>
+              </a:rPr>
+              <a:t>url.getFile</a:t>
+            </a:r>
+            <a:r>
+              <a:rPr lang="en-IN" sz="2000" dirty="0">
+                <a:latin typeface="Courier New" pitchFamily="49" charset="0"/>
+                <a:cs typeface="Courier New" pitchFamily="49" charset="0"/>
+              </a:rPr>
+              <a:t>());   </a:t>
             </a:r>
             <a:endParaRPr lang="en-IN" sz="2000" dirty="0" smtClean="0">
               <a:latin typeface="Courier New" pitchFamily="49" charset="0"/>
@@ -22218,46 +22946,66 @@
           </a:p>
           <a:p>
             <a:pPr marL="0" indent="0">
+              <a:lnSpc>
+                <a:spcPct val="100000"/>
+              </a:lnSpc>
               <a:spcBef>
                 <a:spcPts val="600"/>
               </a:spcBef>
-              <a:buFont typeface="Arial" charset="0"/>
               <a:buNone/>
             </a:pPr>
             <a:r>
-              <a:rPr lang="en-US" sz="2000" dirty="0" smtClean="0">
-                <a:latin typeface="Courier New" pitchFamily="49" charset="0"/>
-                <a:cs typeface="Courier New" pitchFamily="49" charset="0"/>
-              </a:rPr>
-              <a:t> </a:t>
-            </a:r>
-            <a:r>
-              <a:rPr lang="en-US" sz="2000" dirty="0" err="1" smtClean="0">
+              <a:rPr lang="en-IN" sz="2000" dirty="0" smtClean="0">
+                <a:latin typeface="Courier New" pitchFamily="49" charset="0"/>
+                <a:cs typeface="Courier New" pitchFamily="49" charset="0"/>
+              </a:rPr>
+              <a:t>}</a:t>
+            </a:r>
+          </a:p>
+          <a:p>
+            <a:pPr marL="0" indent="0">
+              <a:lnSpc>
+                <a:spcPct val="100000"/>
+              </a:lnSpc>
+              <a:spcBef>
+                <a:spcPts val="600"/>
+              </a:spcBef>
+              <a:buNone/>
+            </a:pPr>
+            <a:r>
+              <a:rPr lang="en-IN" sz="2000" b="1" dirty="0" smtClean="0">
+                <a:latin typeface="Courier New" pitchFamily="49" charset="0"/>
+                <a:cs typeface="Courier New" pitchFamily="49" charset="0"/>
+              </a:rPr>
+              <a:t>catch</a:t>
+            </a:r>
+            <a:r>
+              <a:rPr lang="en-IN" sz="2000" dirty="0" smtClean="0">
+                <a:latin typeface="Courier New" pitchFamily="49" charset="0"/>
+                <a:cs typeface="Courier New" pitchFamily="49" charset="0"/>
+              </a:rPr>
+              <a:t>(Exception</a:t>
+            </a:r>
+            <a:r>
+              <a:rPr lang="en-IN" sz="2000" dirty="0">
+                <a:latin typeface="Courier New" pitchFamily="49" charset="0"/>
+                <a:cs typeface="Courier New" pitchFamily="49" charset="0"/>
+              </a:rPr>
+              <a:t> e){</a:t>
+            </a:r>
+            <a:r>
+              <a:rPr lang="en-IN" sz="2000" dirty="0" err="1">
                 <a:latin typeface="Courier New" pitchFamily="49" charset="0"/>
                 <a:cs typeface="Courier New" pitchFamily="49" charset="0"/>
               </a:rPr>
               <a:t>System.out.println</a:t>
             </a:r>
             <a:r>
-              <a:rPr lang="en-US" sz="2000" dirty="0" smtClean="0">
-                <a:latin typeface="Courier New" pitchFamily="49" charset="0"/>
-                <a:cs typeface="Courier New" pitchFamily="49" charset="0"/>
-              </a:rPr>
-              <a:t>("File: " + </a:t>
-            </a:r>
-            <a:r>
-              <a:rPr lang="en-US" sz="2000" dirty="0" err="1" smtClean="0">
-                <a:latin typeface="Courier New" pitchFamily="49" charset="0"/>
-                <a:cs typeface="Courier New" pitchFamily="49" charset="0"/>
-              </a:rPr>
-              <a:t>hp.getFile</a:t>
-            </a:r>
-            <a:r>
-              <a:rPr lang="en-US" sz="2000" dirty="0" smtClean="0">
-                <a:latin typeface="Courier New" pitchFamily="49" charset="0"/>
-                <a:cs typeface="Courier New" pitchFamily="49" charset="0"/>
-              </a:rPr>
-              <a:t>());</a:t>
+              <a:rPr lang="en-IN" sz="2000" dirty="0">
+                <a:latin typeface="Courier New" pitchFamily="49" charset="0"/>
+                <a:cs typeface="Courier New" pitchFamily="49" charset="0"/>
+              </a:rPr>
+              <a:t>(e);}  </a:t>
             </a:r>
             <a:endParaRPr lang="en-IN" sz="2000" dirty="0" smtClean="0">
               <a:latin typeface="Courier New" pitchFamily="49" charset="0"/>
@@ -22266,46 +23014,27 @@
           </a:p>
           <a:p>
             <a:pPr marL="0" indent="0">
+              <a:lnSpc>
+                <a:spcPct val="100000"/>
+              </a:lnSpc>
               <a:spcBef>
                 <a:spcPts val="600"/>
               </a:spcBef>
-              <a:buFont typeface="Arial" charset="0"/>
               <a:buNone/>
             </a:pPr>
             <a:r>
-              <a:rPr lang="en-US" sz="2000" dirty="0" smtClean="0">
-                <a:latin typeface="Courier New" pitchFamily="49" charset="0"/>
-                <a:cs typeface="Courier New" pitchFamily="49" charset="0"/>
-              </a:rPr>
-              <a:t> </a:t>
-            </a:r>
-            <a:r>
-              <a:rPr lang="en-US" sz="2000" dirty="0" err="1" smtClean="0">
-                <a:latin typeface="Courier New" pitchFamily="49" charset="0"/>
-                <a:cs typeface="Courier New" pitchFamily="49" charset="0"/>
-              </a:rPr>
-              <a:t>System.out.println</a:t>
-            </a:r>
-            <a:r>
-              <a:rPr lang="en-US" sz="2000" dirty="0" smtClean="0">
-                <a:latin typeface="Courier New" pitchFamily="49" charset="0"/>
-                <a:cs typeface="Courier New" pitchFamily="49" charset="0"/>
-              </a:rPr>
-              <a:t>("Ext:" + </a:t>
-            </a:r>
-            <a:r>
-              <a:rPr lang="en-US" sz="2000" dirty="0" err="1" smtClean="0">
-                <a:latin typeface="Courier New" pitchFamily="49" charset="0"/>
-                <a:cs typeface="Courier New" pitchFamily="49" charset="0"/>
-              </a:rPr>
-              <a:t>hp.toExternalForm</a:t>
-            </a:r>
-            <a:r>
-              <a:rPr lang="en-US" sz="2000" dirty="0" smtClean="0">
-                <a:latin typeface="Courier New" pitchFamily="49" charset="0"/>
-                <a:cs typeface="Courier New" pitchFamily="49" charset="0"/>
-              </a:rPr>
-              <a:t>());</a:t>
+              <a:rPr lang="en-IN" sz="2000" dirty="0" smtClean="0">
+                <a:latin typeface="Courier New" pitchFamily="49" charset="0"/>
+                <a:cs typeface="Courier New" pitchFamily="49" charset="0"/>
+              </a:rPr>
+              <a:t>}</a:t>
+            </a:r>
+            <a:r>
+              <a:rPr lang="en-IN" sz="2000" dirty="0">
+                <a:latin typeface="Courier New" pitchFamily="49" charset="0"/>
+                <a:cs typeface="Courier New" pitchFamily="49" charset="0"/>
+              </a:rPr>
+              <a:t>  </a:t>
             </a:r>
             <a:endParaRPr lang="en-IN" sz="2000" dirty="0" smtClean="0">
               <a:latin typeface="Courier New" pitchFamily="49" charset="0"/>
@@ -22314,43 +23043,28 @@
           </a:p>
           <a:p>
             <a:pPr marL="0" indent="0">
+              <a:lnSpc>
+                <a:spcPct val="100000"/>
+              </a:lnSpc>
               <a:spcBef>
                 <a:spcPts val="600"/>
               </a:spcBef>
-              <a:buFont typeface="Arial" charset="0"/>
               <a:buNone/>
             </a:pPr>
             <a:r>
-              <a:rPr lang="en-US" sz="2000" b="1" dirty="0" smtClean="0">
+              <a:rPr lang="en-IN" sz="2000" dirty="0" smtClean="0">
                 <a:latin typeface="Courier New" pitchFamily="49" charset="0"/>
                 <a:cs typeface="Courier New" pitchFamily="49" charset="0"/>
               </a:rPr>
               <a:t>}</a:t>
             </a:r>
-            <a:endParaRPr lang="en-IN" sz="2000" b="1" dirty="0" smtClean="0">
-              <a:latin typeface="Courier New" pitchFamily="49" charset="0"/>
-              <a:cs typeface="Courier New" pitchFamily="49" charset="0"/>
-            </a:endParaRPr>
-          </a:p>
-          <a:p>
-            <a:pPr marL="0" indent="0">
-              <a:spcBef>
-                <a:spcPts val="600"/>
-              </a:spcBef>
-              <a:buFont typeface="Arial" charset="0"/>
-              <a:buNone/>
-            </a:pPr>
-            <a:r>
-              <a:rPr lang="en-US" sz="2000" b="1" dirty="0" smtClean="0">
-                <a:latin typeface="Courier New" pitchFamily="49" charset="0"/>
-                <a:cs typeface="Courier New" pitchFamily="49" charset="0"/>
-              </a:rPr>
-              <a:t>}</a:t>
-            </a:r>
-            <a:endParaRPr lang="en-IN" sz="2000" b="1" dirty="0" smtClean="0">
-              <a:latin typeface="Courier New" pitchFamily="49" charset="0"/>
-              <a:cs typeface="Courier New" pitchFamily="49" charset="0"/>
-            </a:endParaRPr>
+            <a:r>
+              <a:rPr lang="en-IN" sz="2000" dirty="0">
+                <a:latin typeface="Courier New" pitchFamily="49" charset="0"/>
+                <a:cs typeface="Courier New" pitchFamily="49" charset="0"/>
+              </a:rPr>
+              <a:t>  </a:t>
+            </a:r>
           </a:p>
         </p:txBody>
       </p:sp>
@@ -22360,7 +23074,7 @@
     </p:custDataLst>
     <p:extLst>
       <p:ext uri="{BB962C8B-B14F-4D97-AF65-F5344CB8AC3E}">
-        <p14:creationId xmlns:p14="http://schemas.microsoft.com/office/powerpoint/2010/main" val="1843297972"/>
+        <p14:creationId xmlns:p14="http://schemas.microsoft.com/office/powerpoint/2010/main" val="2299480063"/>
       </p:ext>
     </p:extLst>
   </p:cSld>
@@ -22411,7 +23125,7 @@
           <a:p>
             <a:r>
               <a:rPr lang="en-US" dirty="0" smtClean="0"/>
-              <a:t>Output</a:t>
+              <a:t>Example</a:t>
             </a:r>
             <a:endParaRPr lang="en-IN" dirty="0" smtClean="0"/>
           </a:p>
@@ -22427,75 +23141,382 @@
             <p:ph idx="1"/>
           </p:nvPr>
         </p:nvSpPr>
-        <p:spPr/>
+        <p:spPr>
+          <a:xfrm>
+            <a:off x="3489960" y="777240"/>
+            <a:ext cx="8702040" cy="5207508"/>
+          </a:xfrm>
+          <a:solidFill>
+            <a:schemeClr val="bg1"/>
+          </a:solidFill>
+        </p:spPr>
         <p:txBody>
-          <a:bodyPr/>
+          <a:bodyPr>
+            <a:noAutofit/>
+          </a:bodyPr>
           <a:lstStyle/>
           <a:p>
             <a:pPr marL="0" indent="0">
+              <a:spcBef>
+                <a:spcPts val="600"/>
+              </a:spcBef>
               <a:buFont typeface="Arial" charset="0"/>
               <a:buNone/>
             </a:pPr>
             <a:r>
-              <a:rPr lang="en-US" dirty="0" smtClean="0"/>
-              <a:t>Protocol: http</a:t>
-            </a:r>
-            <a:endParaRPr lang="en-IN" dirty="0" smtClean="0"/>
+              <a:rPr lang="en-US" sz="2000" b="1" dirty="0" smtClean="0">
+                <a:latin typeface="Courier New" pitchFamily="49" charset="0"/>
+                <a:cs typeface="Courier New" pitchFamily="49" charset="0"/>
+              </a:rPr>
+              <a:t>class </a:t>
+            </a:r>
+            <a:r>
+              <a:rPr lang="en-US" sz="2000" b="1" dirty="0" err="1" smtClean="0">
+                <a:latin typeface="Courier New" pitchFamily="49" charset="0"/>
+                <a:cs typeface="Courier New" pitchFamily="49" charset="0"/>
+              </a:rPr>
+              <a:t>URLDemo</a:t>
+            </a:r>
+            <a:r>
+              <a:rPr lang="en-US" sz="2000" b="1" dirty="0" smtClean="0">
+                <a:latin typeface="Courier New" pitchFamily="49" charset="0"/>
+                <a:cs typeface="Courier New" pitchFamily="49" charset="0"/>
+              </a:rPr>
+              <a:t>{</a:t>
+            </a:r>
+            <a:endParaRPr lang="en-IN" sz="2000" b="1" dirty="0" smtClean="0">
+              <a:latin typeface="Courier New" pitchFamily="49" charset="0"/>
+              <a:cs typeface="Courier New" pitchFamily="49" charset="0"/>
+            </a:endParaRPr>
           </a:p>
           <a:p>
             <a:pPr marL="0" indent="0">
+              <a:spcBef>
+                <a:spcPts val="600"/>
+              </a:spcBef>
               <a:buFont typeface="Arial" charset="0"/>
               <a:buNone/>
             </a:pPr>
             <a:r>
-              <a:rPr lang="en-US" dirty="0" smtClean="0"/>
-              <a:t>Port: -1</a:t>
-            </a:r>
-            <a:endParaRPr lang="en-IN" dirty="0" smtClean="0"/>
+              <a:rPr lang="en-US" sz="2000" b="1" dirty="0" smtClean="0">
+                <a:latin typeface="Courier New" pitchFamily="49" charset="0"/>
+                <a:cs typeface="Courier New" pitchFamily="49" charset="0"/>
+              </a:rPr>
+              <a:t>public static void main(String </a:t>
+            </a:r>
+            <a:r>
+              <a:rPr lang="en-US" sz="2000" b="1" dirty="0" err="1" smtClean="0">
+                <a:latin typeface="Courier New" pitchFamily="49" charset="0"/>
+                <a:cs typeface="Courier New" pitchFamily="49" charset="0"/>
+              </a:rPr>
+              <a:t>args</a:t>
+            </a:r>
+            <a:r>
+              <a:rPr lang="en-US" sz="2000" b="1" dirty="0" smtClean="0">
+                <a:latin typeface="Courier New" pitchFamily="49" charset="0"/>
+                <a:cs typeface="Courier New" pitchFamily="49" charset="0"/>
+              </a:rPr>
+              <a:t>[])</a:t>
+            </a:r>
+            <a:r>
+              <a:rPr lang="en-IN" sz="2000" b="1" dirty="0">
+                <a:latin typeface="Courier New" pitchFamily="49" charset="0"/>
+                <a:cs typeface="Courier New" pitchFamily="49" charset="0"/>
+              </a:rPr>
+              <a:t> </a:t>
+            </a:r>
+            <a:r>
+              <a:rPr lang="en-US" sz="2000" b="1" dirty="0" smtClean="0">
+                <a:latin typeface="Courier New" pitchFamily="49" charset="0"/>
+                <a:cs typeface="Courier New" pitchFamily="49" charset="0"/>
+              </a:rPr>
+              <a:t>throws </a:t>
+            </a:r>
+            <a:r>
+              <a:rPr lang="en-US" sz="2000" b="1" dirty="0" err="1" smtClean="0">
+                <a:latin typeface="Courier New" pitchFamily="49" charset="0"/>
+                <a:cs typeface="Courier New" pitchFamily="49" charset="0"/>
+              </a:rPr>
+              <a:t>MalformedURLException</a:t>
+            </a:r>
+            <a:r>
+              <a:rPr lang="en-US" sz="2000" b="1" dirty="0" smtClean="0">
+                <a:latin typeface="Courier New" pitchFamily="49" charset="0"/>
+                <a:cs typeface="Courier New" pitchFamily="49" charset="0"/>
+              </a:rPr>
+              <a:t>    </a:t>
+            </a:r>
           </a:p>
           <a:p>
             <a:pPr marL="0" indent="0">
+              <a:spcBef>
+                <a:spcPts val="600"/>
+              </a:spcBef>
               <a:buFont typeface="Arial" charset="0"/>
               <a:buNone/>
             </a:pPr>
             <a:r>
-              <a:rPr lang="en-US" dirty="0" smtClean="0"/>
-              <a:t>Host: content-ind.cricinfo.com</a:t>
-            </a:r>
-            <a:endParaRPr lang="en-IN" dirty="0" smtClean="0"/>
+              <a:rPr lang="en-US" sz="2000" b="1" dirty="0" smtClean="0">
+                <a:latin typeface="Courier New" pitchFamily="49" charset="0"/>
+                <a:cs typeface="Courier New" pitchFamily="49" charset="0"/>
+              </a:rPr>
+              <a:t>{</a:t>
+            </a:r>
+            <a:endParaRPr lang="en-IN" sz="2000" b="1" dirty="0" smtClean="0">
+              <a:latin typeface="Courier New" pitchFamily="49" charset="0"/>
+              <a:cs typeface="Courier New" pitchFamily="49" charset="0"/>
+            </a:endParaRPr>
           </a:p>
           <a:p>
             <a:pPr marL="0" indent="0">
+              <a:spcBef>
+                <a:spcPts val="600"/>
+              </a:spcBef>
               <a:buFont typeface="Arial" charset="0"/>
               <a:buNone/>
             </a:pPr>
             <a:r>
-              <a:rPr lang="en-US" dirty="0" smtClean="0"/>
-              <a:t>File: /ci/content/current/story/news.html</a:t>
-            </a:r>
-            <a:endParaRPr lang="en-IN" dirty="0" smtClean="0"/>
+              <a:rPr lang="en-US" sz="2000" dirty="0" smtClean="0">
+                <a:latin typeface="Courier New" pitchFamily="49" charset="0"/>
+                <a:cs typeface="Courier New" pitchFamily="49" charset="0"/>
+              </a:rPr>
+              <a:t> URL </a:t>
+            </a:r>
+            <a:r>
+              <a:rPr lang="en-US" sz="2000" dirty="0" err="1" smtClean="0">
+                <a:latin typeface="Courier New" pitchFamily="49" charset="0"/>
+                <a:cs typeface="Courier New" pitchFamily="49" charset="0"/>
+              </a:rPr>
+              <a:t>hp</a:t>
+            </a:r>
+            <a:r>
+              <a:rPr lang="en-US" sz="2000" dirty="0" smtClean="0">
+                <a:latin typeface="Courier New" pitchFamily="49" charset="0"/>
+                <a:cs typeface="Courier New" pitchFamily="49" charset="0"/>
+              </a:rPr>
+              <a:t> = new URL</a:t>
+            </a:r>
+            <a:r>
+              <a:rPr lang="en-US" sz="2000" i="1" dirty="0" smtClean="0">
+                <a:latin typeface="Courier New" pitchFamily="49" charset="0"/>
+                <a:cs typeface="Courier New" pitchFamily="49" charset="0"/>
+              </a:rPr>
+              <a:t>("</a:t>
+            </a:r>
+            <a:r>
+              <a:rPr lang="en-US" sz="2000" dirty="0" smtClean="0">
+                <a:latin typeface="Courier New" pitchFamily="49" charset="0"/>
+                <a:cs typeface="Courier New" pitchFamily="49" charset="0"/>
+              </a:rPr>
+              <a:t>http://content-ind.cricinfo.com/ci/content/current/story/news.html</a:t>
+            </a:r>
+            <a:r>
+              <a:rPr lang="en-US" sz="2000" i="1" dirty="0" smtClean="0">
+                <a:latin typeface="Courier New" pitchFamily="49" charset="0"/>
+                <a:cs typeface="Courier New" pitchFamily="49" charset="0"/>
+              </a:rPr>
+              <a:t>");</a:t>
+            </a:r>
+            <a:endParaRPr lang="en-IN" sz="2000" dirty="0" smtClean="0">
+              <a:latin typeface="Courier New" pitchFamily="49" charset="0"/>
+              <a:cs typeface="Courier New" pitchFamily="49" charset="0"/>
+            </a:endParaRPr>
           </a:p>
           <a:p>
             <a:pPr marL="0" indent="0">
+              <a:spcBef>
+                <a:spcPts val="600"/>
+              </a:spcBef>
               <a:buFont typeface="Arial" charset="0"/>
               <a:buNone/>
             </a:pPr>
             <a:r>
-              <a:rPr lang="en-US" dirty="0" err="1" smtClean="0"/>
-              <a:t>Ext:http</a:t>
-            </a:r>
-            <a:r>
-              <a:rPr lang="en-US" dirty="0" smtClean="0"/>
-              <a:t>://content-ind.cricinfo.com/ci/content/current/story/news.html</a:t>
-            </a:r>
-            <a:endParaRPr lang="en-IN" dirty="0" smtClean="0"/>
+              <a:rPr lang="pt-BR" sz="2000" dirty="0" smtClean="0">
+                <a:latin typeface="Courier New" pitchFamily="49" charset="0"/>
+                <a:cs typeface="Courier New" pitchFamily="49" charset="0"/>
+              </a:rPr>
+              <a:t> System.out.println("Protocol: " + hp.getProtocol());</a:t>
+            </a:r>
+            <a:endParaRPr lang="en-IN" sz="2000" dirty="0" smtClean="0">
+              <a:latin typeface="Courier New" pitchFamily="49" charset="0"/>
+              <a:cs typeface="Courier New" pitchFamily="49" charset="0"/>
+            </a:endParaRPr>
           </a:p>
           <a:p>
             <a:pPr marL="0" indent="0">
+              <a:spcBef>
+                <a:spcPts val="600"/>
+              </a:spcBef>
               <a:buFont typeface="Arial" charset="0"/>
               <a:buNone/>
             </a:pPr>
-            <a:endParaRPr lang="en-IN" dirty="0" smtClean="0"/>
+            <a:r>
+              <a:rPr lang="pt-BR" sz="2000" dirty="0" smtClean="0">
+                <a:latin typeface="Courier New" pitchFamily="49" charset="0"/>
+                <a:cs typeface="Courier New" pitchFamily="49" charset="0"/>
+              </a:rPr>
+              <a:t> System.out.println("Port: " + hp.getPort());</a:t>
+            </a:r>
+            <a:endParaRPr lang="en-IN" sz="2000" dirty="0" smtClean="0">
+              <a:latin typeface="Courier New" pitchFamily="49" charset="0"/>
+              <a:cs typeface="Courier New" pitchFamily="49" charset="0"/>
+            </a:endParaRPr>
+          </a:p>
+          <a:p>
+            <a:pPr marL="0" indent="0">
+              <a:spcBef>
+                <a:spcPts val="600"/>
+              </a:spcBef>
+              <a:buFont typeface="Arial" charset="0"/>
+              <a:buNone/>
+            </a:pPr>
+            <a:r>
+              <a:rPr lang="pt-BR" sz="2000" dirty="0" smtClean="0">
+                <a:latin typeface="Courier New" pitchFamily="49" charset="0"/>
+                <a:cs typeface="Courier New" pitchFamily="49" charset="0"/>
+              </a:rPr>
+              <a:t> System.out.println("Host: " + hp.getHost());</a:t>
+            </a:r>
+            <a:endParaRPr lang="en-IN" sz="2000" dirty="0" smtClean="0">
+              <a:latin typeface="Courier New" pitchFamily="49" charset="0"/>
+              <a:cs typeface="Courier New" pitchFamily="49" charset="0"/>
+            </a:endParaRPr>
+          </a:p>
+          <a:p>
+            <a:pPr marL="0" indent="0">
+              <a:spcBef>
+                <a:spcPts val="600"/>
+              </a:spcBef>
+              <a:buFont typeface="Arial" charset="0"/>
+              <a:buNone/>
+            </a:pPr>
+            <a:r>
+              <a:rPr lang="en-US" sz="2000" dirty="0" smtClean="0">
+                <a:latin typeface="Courier New" pitchFamily="49" charset="0"/>
+                <a:cs typeface="Courier New" pitchFamily="49" charset="0"/>
+              </a:rPr>
+              <a:t> </a:t>
+            </a:r>
+            <a:r>
+              <a:rPr lang="en-US" sz="2000" dirty="0" err="1" smtClean="0">
+                <a:latin typeface="Courier New" pitchFamily="49" charset="0"/>
+                <a:cs typeface="Courier New" pitchFamily="49" charset="0"/>
+              </a:rPr>
+              <a:t>System.out.println</a:t>
+            </a:r>
+            <a:r>
+              <a:rPr lang="en-US" sz="2000" dirty="0" smtClean="0">
+                <a:latin typeface="Courier New" pitchFamily="49" charset="0"/>
+                <a:cs typeface="Courier New" pitchFamily="49" charset="0"/>
+              </a:rPr>
+              <a:t>("File: " + </a:t>
+            </a:r>
+            <a:r>
+              <a:rPr lang="en-US" sz="2000" dirty="0" err="1" smtClean="0">
+                <a:latin typeface="Courier New" pitchFamily="49" charset="0"/>
+                <a:cs typeface="Courier New" pitchFamily="49" charset="0"/>
+              </a:rPr>
+              <a:t>hp.getFile</a:t>
+            </a:r>
+            <a:r>
+              <a:rPr lang="en-US" sz="2000" dirty="0" smtClean="0">
+                <a:latin typeface="Courier New" pitchFamily="49" charset="0"/>
+                <a:cs typeface="Courier New" pitchFamily="49" charset="0"/>
+              </a:rPr>
+              <a:t>());</a:t>
+            </a:r>
+            <a:endParaRPr lang="en-IN" sz="2000" dirty="0" smtClean="0">
+              <a:latin typeface="Courier New" pitchFamily="49" charset="0"/>
+              <a:cs typeface="Courier New" pitchFamily="49" charset="0"/>
+            </a:endParaRPr>
+          </a:p>
+          <a:p>
+            <a:pPr marL="0" indent="0">
+              <a:spcBef>
+                <a:spcPts val="600"/>
+              </a:spcBef>
+              <a:buFont typeface="Arial" charset="0"/>
+              <a:buNone/>
+            </a:pPr>
+            <a:r>
+              <a:rPr lang="en-US" sz="2000" dirty="0" smtClean="0">
+                <a:latin typeface="Courier New" pitchFamily="49" charset="0"/>
+                <a:cs typeface="Courier New" pitchFamily="49" charset="0"/>
+              </a:rPr>
+              <a:t> </a:t>
+            </a:r>
+            <a:r>
+              <a:rPr lang="en-US" sz="2000" dirty="0" err="1" smtClean="0">
+                <a:latin typeface="Courier New" pitchFamily="49" charset="0"/>
+                <a:cs typeface="Courier New" pitchFamily="49" charset="0"/>
+              </a:rPr>
+              <a:t>System.out.println</a:t>
+            </a:r>
+            <a:r>
+              <a:rPr lang="en-US" sz="2000" dirty="0" smtClean="0">
+                <a:latin typeface="Courier New" pitchFamily="49" charset="0"/>
+                <a:cs typeface="Courier New" pitchFamily="49" charset="0"/>
+              </a:rPr>
+              <a:t>("Ext:" + </a:t>
+            </a:r>
+            <a:r>
+              <a:rPr lang="en-US" sz="2000" dirty="0" err="1" smtClean="0">
+                <a:latin typeface="Courier New" pitchFamily="49" charset="0"/>
+                <a:cs typeface="Courier New" pitchFamily="49" charset="0"/>
+              </a:rPr>
+              <a:t>hp.toExternalForm</a:t>
+            </a:r>
+            <a:r>
+              <a:rPr lang="en-US" sz="2000" dirty="0" smtClean="0">
+                <a:latin typeface="Courier New" pitchFamily="49" charset="0"/>
+                <a:cs typeface="Courier New" pitchFamily="49" charset="0"/>
+              </a:rPr>
+              <a:t>());</a:t>
+            </a:r>
+            <a:endParaRPr lang="en-IN" sz="2000" dirty="0" smtClean="0">
+              <a:latin typeface="Courier New" pitchFamily="49" charset="0"/>
+              <a:cs typeface="Courier New" pitchFamily="49" charset="0"/>
+            </a:endParaRPr>
+          </a:p>
+          <a:p>
+            <a:pPr marL="0" indent="0">
+              <a:spcBef>
+                <a:spcPts val="600"/>
+              </a:spcBef>
+              <a:buFont typeface="Arial" charset="0"/>
+              <a:buNone/>
+            </a:pPr>
+            <a:r>
+              <a:rPr lang="en-US" sz="2000" b="1" dirty="0" smtClean="0">
+                <a:latin typeface="Courier New" pitchFamily="49" charset="0"/>
+                <a:cs typeface="Courier New" pitchFamily="49" charset="0"/>
+              </a:rPr>
+              <a:t>}</a:t>
+            </a:r>
+            <a:endParaRPr lang="en-IN" sz="2000" b="1" dirty="0" smtClean="0">
+              <a:latin typeface="Courier New" pitchFamily="49" charset="0"/>
+              <a:cs typeface="Courier New" pitchFamily="49" charset="0"/>
+            </a:endParaRPr>
+          </a:p>
+          <a:p>
+            <a:pPr marL="0" indent="0">
+              <a:spcBef>
+                <a:spcPts val="600"/>
+              </a:spcBef>
+              <a:buFont typeface="Arial" charset="0"/>
+              <a:buNone/>
+            </a:pPr>
+            <a:r>
+              <a:rPr lang="en-US" sz="2000" b="1" dirty="0" smtClean="0">
+                <a:latin typeface="Courier New" pitchFamily="49" charset="0"/>
+                <a:cs typeface="Courier New" pitchFamily="49" charset="0"/>
+              </a:rPr>
+              <a:t>}</a:t>
+            </a:r>
+            <a:endParaRPr lang="en-IN" sz="2000" b="1" dirty="0" smtClean="0">
+              <a:latin typeface="Courier New" pitchFamily="49" charset="0"/>
+              <a:cs typeface="Courier New" pitchFamily="49" charset="0"/>
+            </a:endParaRPr>
           </a:p>
         </p:txBody>
       </p:sp>
@@ -22505,7 +23526,7 @@
     </p:custDataLst>
     <p:extLst>
       <p:ext uri="{BB962C8B-B14F-4D97-AF65-F5344CB8AC3E}">
-        <p14:creationId xmlns:p14="http://schemas.microsoft.com/office/powerpoint/2010/main" val="929206282"/>
+        <p14:creationId xmlns:p14="http://schemas.microsoft.com/office/powerpoint/2010/main" val="1843297972"/>
       </p:ext>
     </p:extLst>
   </p:cSld>
@@ -22541,13 +23562,7 @@
       </p:grpSpPr>
       <p:sp>
         <p:nvSpPr>
-          <p:cNvPr id="2" name="Title 1">
-            <a:extLst>
-              <a:ext uri="{FF2B5EF4-FFF2-40B4-BE49-F238E27FC236}">
-                <a16:creationId xmlns:a16="http://schemas.microsoft.com/office/drawing/2014/main" xmlns="" id="{D33415B6-04DC-4E6C-BA81-A8BFF5E1E12B}"/>
-              </a:ext>
-            </a:extLst>
-          </p:cNvPr>
+          <p:cNvPr id="4" name="Title 1"/>
           <p:cNvSpPr>
             <a:spLocks noGrp="1"/>
           </p:cNvSpPr>
@@ -22555,42 +23570,22 @@
             <p:ph type="title"/>
           </p:nvPr>
         </p:nvSpPr>
-        <p:spPr>
-          <a:xfrm>
-            <a:off x="252918" y="1123837"/>
-            <a:ext cx="3145601" cy="4601183"/>
-          </a:xfrm>
-        </p:spPr>
+        <p:spPr/>
         <p:txBody>
-          <a:bodyPr>
-            <a:normAutofit/>
-          </a:bodyPr>
+          <a:bodyPr/>
           <a:lstStyle/>
           <a:p>
             <a:r>
-              <a:rPr lang="en-IN" dirty="0" err="1" smtClean="0"/>
-              <a:t>URLConnection</a:t>
-            </a:r>
-            <a:r>
-              <a:rPr lang="en-IN" dirty="0" smtClean="0"/>
-              <a:t> </a:t>
-            </a:r>
-            <a:r>
-              <a:rPr lang="en-IN" dirty="0"/>
-              <a:t>class</a:t>
-            </a:r>
+              <a:rPr lang="en-US" dirty="0" smtClean="0"/>
+              <a:t>Output</a:t>
+            </a:r>
+            <a:endParaRPr lang="en-IN" dirty="0" smtClean="0"/>
           </a:p>
         </p:txBody>
       </p:sp>
       <p:sp>
         <p:nvSpPr>
-          <p:cNvPr id="3" name="Content Placeholder 2">
-            <a:extLst>
-              <a:ext uri="{FF2B5EF4-FFF2-40B4-BE49-F238E27FC236}">
-                <a16:creationId xmlns:a16="http://schemas.microsoft.com/office/drawing/2014/main" xmlns="" id="{7076138A-B6FA-4F83-95E8-D45135F4230D}"/>
-              </a:ext>
-            </a:extLst>
-          </p:cNvPr>
+          <p:cNvPr id="5" name="Content Placeholder 2"/>
           <p:cNvSpPr>
             <a:spLocks noGrp="1"/>
           </p:cNvSpPr>
@@ -22598,69 +23593,75 @@
             <p:ph idx="1"/>
           </p:nvPr>
         </p:nvSpPr>
-        <p:spPr>
-          <a:xfrm>
-            <a:off x="3869268" y="864108"/>
-            <a:ext cx="7804572" cy="5120640"/>
-          </a:xfrm>
-        </p:spPr>
+        <p:spPr/>
         <p:txBody>
-          <a:bodyPr>
-            <a:normAutofit/>
-          </a:bodyPr>
+          <a:bodyPr/>
           <a:lstStyle/>
           <a:p>
-            <a:pPr algn="just"/>
-            <a:r>
-              <a:rPr lang="en-US" sz="2400" dirty="0"/>
-              <a:t>The </a:t>
-            </a:r>
-            <a:r>
-              <a:rPr lang="en-US" sz="2400" b="1" dirty="0"/>
-              <a:t>Java </a:t>
-            </a:r>
-            <a:r>
-              <a:rPr lang="en-US" sz="2400" b="1" dirty="0" err="1"/>
-              <a:t>URLConnection</a:t>
-            </a:r>
-            <a:r>
-              <a:rPr lang="en-US" sz="2400" dirty="0"/>
-              <a:t> class represents a communication link between the URL and the application.</a:t>
-            </a:r>
-          </a:p>
-          <a:p>
-            <a:pPr algn="just"/>
-            <a:r>
-              <a:rPr lang="en-US" sz="2400" dirty="0"/>
-              <a:t>This class can be used to read and write data to the specified resource referred by the URL.</a:t>
-            </a:r>
-          </a:p>
-          <a:p>
-            <a:pPr algn="just"/>
-            <a:r>
-              <a:rPr lang="en-US" sz="2400" dirty="0"/>
-              <a:t>The </a:t>
-            </a:r>
-            <a:r>
-              <a:rPr lang="en-US" sz="2400" b="1" dirty="0" err="1"/>
-              <a:t>openConnection</a:t>
-            </a:r>
-            <a:r>
-              <a:rPr lang="en-US" sz="2400" b="1" dirty="0"/>
-              <a:t>()</a:t>
-            </a:r>
-            <a:r>
-              <a:rPr lang="en-US" sz="2400" dirty="0"/>
-              <a:t> method of URL class returns the object of </a:t>
-            </a:r>
-            <a:r>
-              <a:rPr lang="en-US" sz="2400" dirty="0" err="1"/>
-              <a:t>URLConnection</a:t>
-            </a:r>
-            <a:r>
-              <a:rPr lang="en-US" sz="2400" dirty="0"/>
-              <a:t> class.</a:t>
-            </a:r>
+            <a:pPr marL="0" indent="0">
+              <a:buFont typeface="Arial" charset="0"/>
+              <a:buNone/>
+            </a:pPr>
+            <a:r>
+              <a:rPr lang="en-US" dirty="0" smtClean="0"/>
+              <a:t>Protocol: http</a:t>
+            </a:r>
+            <a:endParaRPr lang="en-IN" dirty="0" smtClean="0"/>
+          </a:p>
+          <a:p>
+            <a:pPr marL="0" indent="0">
+              <a:buFont typeface="Arial" charset="0"/>
+              <a:buNone/>
+            </a:pPr>
+            <a:r>
+              <a:rPr lang="en-US" dirty="0" smtClean="0"/>
+              <a:t>Port: -1</a:t>
+            </a:r>
+            <a:endParaRPr lang="en-IN" dirty="0" smtClean="0"/>
+          </a:p>
+          <a:p>
+            <a:pPr marL="0" indent="0">
+              <a:buFont typeface="Arial" charset="0"/>
+              <a:buNone/>
+            </a:pPr>
+            <a:r>
+              <a:rPr lang="en-US" dirty="0" smtClean="0"/>
+              <a:t>Host: content-ind.cricinfo.com</a:t>
+            </a:r>
+            <a:endParaRPr lang="en-IN" dirty="0" smtClean="0"/>
+          </a:p>
+          <a:p>
+            <a:pPr marL="0" indent="0">
+              <a:buFont typeface="Arial" charset="0"/>
+              <a:buNone/>
+            </a:pPr>
+            <a:r>
+              <a:rPr lang="en-US" dirty="0" smtClean="0"/>
+              <a:t>File: /ci/content/current/story/news.html</a:t>
+            </a:r>
+            <a:endParaRPr lang="en-IN" dirty="0" smtClean="0"/>
+          </a:p>
+          <a:p>
+            <a:pPr marL="0" indent="0">
+              <a:buFont typeface="Arial" charset="0"/>
+              <a:buNone/>
+            </a:pPr>
+            <a:r>
+              <a:rPr lang="en-US" dirty="0" err="1" smtClean="0"/>
+              <a:t>Ext:http</a:t>
+            </a:r>
+            <a:r>
+              <a:rPr lang="en-US" dirty="0" smtClean="0"/>
+              <a:t>://content-ind.cricinfo.com/ci/content/current/story/news.html</a:t>
+            </a:r>
+            <a:endParaRPr lang="en-IN" dirty="0" smtClean="0"/>
+          </a:p>
+          <a:p>
+            <a:pPr marL="0" indent="0">
+              <a:buFont typeface="Arial" charset="0"/>
+              <a:buNone/>
+            </a:pPr>
+            <a:endParaRPr lang="en-IN" dirty="0" smtClean="0"/>
           </a:p>
         </p:txBody>
       </p:sp>
@@ -22670,7 +23671,7 @@
     </p:custDataLst>
     <p:extLst>
       <p:ext uri="{BB962C8B-B14F-4D97-AF65-F5344CB8AC3E}">
-        <p14:creationId xmlns:p14="http://schemas.microsoft.com/office/powerpoint/2010/main" val="1108101385"/>
+        <p14:creationId xmlns:p14="http://schemas.microsoft.com/office/powerpoint/2010/main" val="929206282"/>
       </p:ext>
     </p:extLst>
   </p:cSld>
@@ -22706,7 +23707,13 @@
       </p:grpSpPr>
       <p:sp>
         <p:nvSpPr>
-          <p:cNvPr id="2" name="Title 1"/>
+          <p:cNvPr id="2" name="Title 1">
+            <a:extLst>
+              <a:ext uri="{FF2B5EF4-FFF2-40B4-BE49-F238E27FC236}">
+                <a16:creationId xmlns="" xmlns:a16="http://schemas.microsoft.com/office/drawing/2014/main" id="{D33415B6-04DC-4E6C-BA81-A8BFF5E1E12B}"/>
+              </a:ext>
+            </a:extLst>
+          </p:cNvPr>
           <p:cNvSpPr>
             <a:spLocks noGrp="1"/>
           </p:cNvSpPr>
@@ -22721,24 +23728,35 @@
           </a:xfrm>
         </p:spPr>
         <p:txBody>
-          <a:bodyPr/>
+          <a:bodyPr>
+            <a:normAutofit/>
+          </a:bodyPr>
           <a:lstStyle/>
           <a:p>
             <a:r>
-              <a:rPr lang="en-US" dirty="0" err="1" smtClean="0"/>
+              <a:rPr lang="en-IN" dirty="0" err="1" smtClean="0"/>
               <a:t>URLConnection</a:t>
             </a:r>
             <a:r>
-              <a:rPr lang="en-US" dirty="0" smtClean="0"/>
-              <a:t> class</a:t>
-            </a:r>
-            <a:endParaRPr lang="en-US" dirty="0"/>
+              <a:rPr lang="en-IN" dirty="0" smtClean="0"/>
+              <a:t> </a:t>
+            </a:r>
+            <a:r>
+              <a:rPr lang="en-IN" dirty="0"/>
+              <a:t>class</a:t>
+            </a:r>
           </a:p>
         </p:txBody>
       </p:sp>
       <p:sp>
         <p:nvSpPr>
-          <p:cNvPr id="4" name="Content Placeholder 2"/>
+          <p:cNvPr id="3" name="Content Placeholder 2">
+            <a:extLst>
+              <a:ext uri="{FF2B5EF4-FFF2-40B4-BE49-F238E27FC236}">
+                <a16:creationId xmlns="" xmlns:a16="http://schemas.microsoft.com/office/drawing/2014/main" id="{7076138A-B6FA-4F83-95E8-D45135F4230D}"/>
+              </a:ext>
+            </a:extLst>
+          </p:cNvPr>
           <p:cNvSpPr>
             <a:spLocks noGrp="1"/>
           </p:cNvSpPr>
@@ -22749,66 +23767,66 @@
         <p:spPr>
           <a:xfrm>
             <a:off x="3869268" y="864108"/>
-            <a:ext cx="7941732" cy="5323332"/>
+            <a:ext cx="7804572" cy="5120640"/>
           </a:xfrm>
         </p:spPr>
         <p:txBody>
-          <a:bodyPr/>
+          <a:bodyPr>
+            <a:normAutofit/>
+          </a:bodyPr>
           <a:lstStyle/>
           <a:p>
-            <a:r>
-              <a:rPr lang="en-US" sz="2400" dirty="0" err="1" smtClean="0"/>
+            <a:pPr algn="just"/>
+            <a:r>
+              <a:rPr lang="en-US" sz="2400" dirty="0"/>
+              <a:t>The </a:t>
+            </a:r>
+            <a:r>
+              <a:rPr lang="en-US" sz="2400" b="1" dirty="0"/>
+              <a:t>Java </a:t>
+            </a:r>
+            <a:r>
+              <a:rPr lang="en-US" sz="2400" b="1" dirty="0" err="1"/>
               <a:t>URLConnection</a:t>
             </a:r>
             <a:r>
-              <a:rPr lang="en-US" sz="2400" dirty="0" smtClean="0"/>
-              <a:t> is an abstract class that represents an active connection to a resource specified by a URL. </a:t>
-            </a:r>
-          </a:p>
-          <a:p>
-            <a:r>
-              <a:rPr lang="en-US" sz="2400" dirty="0" smtClean="0"/>
+              <a:rPr lang="en-US" sz="2400" dirty="0"/>
+              <a:t> class represents a communication link between the URL and the application.</a:t>
+            </a:r>
+          </a:p>
+          <a:p>
+            <a:pPr algn="just"/>
+            <a:r>
+              <a:rPr lang="en-US" sz="2400" dirty="0"/>
+              <a:t>This class can be used to read and write data to the specified resource referred by the URL.</a:t>
+            </a:r>
+          </a:p>
+          <a:p>
+            <a:pPr algn="just"/>
+            <a:r>
+              <a:rPr lang="en-US" sz="2400" dirty="0"/>
               <a:t>The </a:t>
             </a:r>
             <a:r>
-              <a:rPr lang="en-US" sz="2400" dirty="0" err="1" smtClean="0"/>
+              <a:rPr lang="en-US" sz="2400" b="1" dirty="0" err="1"/>
+              <a:t>openConnection</a:t>
+            </a:r>
+            <a:r>
+              <a:rPr lang="en-US" sz="2400" b="1" dirty="0"/>
+              <a:t>()</a:t>
+            </a:r>
+            <a:r>
+              <a:rPr lang="en-US" sz="2400" dirty="0"/>
+              <a:t> method of URL class returns the object of </a:t>
+            </a:r>
+            <a:r>
+              <a:rPr lang="en-US" sz="2400" dirty="0" err="1"/>
               <a:t>URLConnection</a:t>
             </a:r>
             <a:r>
-              <a:rPr lang="en-US" sz="2400" dirty="0" smtClean="0"/>
-              <a:t> class has two different but related purposes. First, it provides more control over the interaction with a server (especially an HTTP server) than the URL class. With a </a:t>
-            </a:r>
-            <a:r>
-              <a:rPr lang="en-US" sz="2400" dirty="0" err="1" smtClean="0"/>
-              <a:t>URLConnection</a:t>
-            </a:r>
-            <a:r>
-              <a:rPr lang="en-US" sz="2400" dirty="0" smtClean="0"/>
-              <a:t>, we can inspect the header sent by the server and respond accordingly. We can set the header fields used in the client request. We can use a </a:t>
-            </a:r>
-            <a:r>
-              <a:rPr lang="en-US" sz="2400" dirty="0" err="1" smtClean="0"/>
-              <a:t>URLConnection</a:t>
-            </a:r>
-            <a:r>
-              <a:rPr lang="en-US" sz="2400" dirty="0" smtClean="0"/>
-              <a:t> to download binary files. </a:t>
-            </a:r>
-          </a:p>
-          <a:p>
-            <a:r>
-              <a:rPr lang="en-US" sz="2400" dirty="0" smtClean="0"/>
-              <a:t>Finally, a </a:t>
-            </a:r>
-            <a:r>
-              <a:rPr lang="en-US" sz="2400" dirty="0" err="1" smtClean="0"/>
-              <a:t>URLConnection</a:t>
-            </a:r>
-            <a:r>
-              <a:rPr lang="en-US" sz="2400" dirty="0" smtClean="0"/>
-              <a:t> lets us send data back to a web server with POST or PUT and use other HTTP request methods.</a:t>
-            </a:r>
-            <a:endParaRPr lang="en-IN" sz="2400" dirty="0" smtClean="0"/>
+              <a:rPr lang="en-US" sz="2400" dirty="0"/>
+              <a:t> class.</a:t>
+            </a:r>
           </a:p>
         </p:txBody>
       </p:sp>
@@ -22818,7 +23836,7 @@
     </p:custDataLst>
     <p:extLst>
       <p:ext uri="{BB962C8B-B14F-4D97-AF65-F5344CB8AC3E}">
-        <p14:creationId xmlns:p14="http://schemas.microsoft.com/office/powerpoint/2010/main" val="3203765508"/>
+        <p14:creationId xmlns:p14="http://schemas.microsoft.com/office/powerpoint/2010/main" val="1108101385"/>
       </p:ext>
     </p:extLst>
   </p:cSld>
@@ -22854,7 +23872,7 @@
       </p:grpSpPr>
       <p:sp>
         <p:nvSpPr>
-          <p:cNvPr id="4" name="Title 1"/>
+          <p:cNvPr id="2" name="Title 1"/>
           <p:cNvSpPr>
             <a:spLocks noGrp="1"/>
           </p:cNvSpPr>
@@ -22862,22 +23880,31 @@
             <p:ph type="title"/>
           </p:nvPr>
         </p:nvSpPr>
-        <p:spPr/>
+        <p:spPr>
+          <a:xfrm>
+            <a:off x="252918" y="1123837"/>
+            <a:ext cx="3145601" cy="4601183"/>
+          </a:xfrm>
+        </p:spPr>
         <p:txBody>
           <a:bodyPr/>
           <a:lstStyle/>
           <a:p>
             <a:r>
+              <a:rPr lang="en-US" dirty="0" err="1" smtClean="0"/>
+              <a:t>URLConnection</a:t>
+            </a:r>
+            <a:r>
               <a:rPr lang="en-US" dirty="0" smtClean="0"/>
-              <a:t>Process</a:t>
-            </a:r>
-            <a:endParaRPr lang="en-IN" dirty="0" smtClean="0"/>
+              <a:t> class</a:t>
+            </a:r>
+            <a:endParaRPr lang="en-US" dirty="0"/>
           </a:p>
         </p:txBody>
       </p:sp>
       <p:sp>
         <p:nvSpPr>
-          <p:cNvPr id="5" name="Content Placeholder 2"/>
+          <p:cNvPr id="4" name="Content Placeholder 2"/>
           <p:cNvSpPr>
             <a:spLocks noGrp="1"/>
           </p:cNvSpPr>
@@ -22885,82 +23912,69 @@
             <p:ph idx="1"/>
           </p:nvPr>
         </p:nvSpPr>
-        <p:spPr/>
+        <p:spPr>
+          <a:xfrm>
+            <a:off x="3869268" y="864108"/>
+            <a:ext cx="7941732" cy="5323332"/>
+          </a:xfrm>
+        </p:spPr>
         <p:txBody>
           <a:bodyPr/>
           <a:lstStyle/>
           <a:p>
             <a:r>
-              <a:rPr lang="en-US" sz="2800" dirty="0" smtClean="0"/>
-              <a:t>Construct a URL object.</a:t>
-            </a:r>
-            <a:endParaRPr lang="en-IN" sz="2800" dirty="0" smtClean="0"/>
-          </a:p>
-          <a:p>
-            <a:r>
-              <a:rPr lang="en-US" sz="2800" dirty="0" smtClean="0"/>
-              <a:t>Invoke the URL object's </a:t>
-            </a:r>
-            <a:r>
-              <a:rPr lang="en-US" sz="2800" dirty="0" err="1" smtClean="0"/>
-              <a:t>openConnection</a:t>
-            </a:r>
-            <a:r>
-              <a:rPr lang="en-US" sz="2800" dirty="0" smtClean="0"/>
-              <a:t>( ) method to retrieve a </a:t>
-            </a:r>
-            <a:r>
-              <a:rPr lang="en-US" sz="2800" dirty="0" err="1" smtClean="0"/>
+              <a:rPr lang="en-US" sz="2400" dirty="0" err="1" smtClean="0"/>
               <a:t>URLConnection</a:t>
             </a:r>
             <a:r>
-              <a:rPr lang="en-US" sz="2800" dirty="0" smtClean="0"/>
-              <a:t> object for that URL.</a:t>
-            </a:r>
-            <a:endParaRPr lang="en-IN" sz="2800" dirty="0" smtClean="0"/>
-          </a:p>
-          <a:p>
-            <a:r>
-              <a:rPr lang="en-US" sz="2800" dirty="0" smtClean="0"/>
-              <a:t>Configure the </a:t>
-            </a:r>
-            <a:r>
-              <a:rPr lang="en-US" sz="2800" dirty="0" err="1" smtClean="0"/>
+              <a:rPr lang="en-US" sz="2400" dirty="0" smtClean="0"/>
+              <a:t> is an abstract class that represents an active connection to a resource specified by a URL. </a:t>
+            </a:r>
+          </a:p>
+          <a:p>
+            <a:r>
+              <a:rPr lang="en-US" sz="2400" dirty="0" smtClean="0"/>
+              <a:t>The </a:t>
+            </a:r>
+            <a:r>
+              <a:rPr lang="en-US" sz="2400" dirty="0" err="1" smtClean="0"/>
               <a:t>URLConnection</a:t>
             </a:r>
             <a:r>
-              <a:rPr lang="en-US" sz="2800" dirty="0" smtClean="0"/>
-              <a:t>.</a:t>
-            </a:r>
-            <a:endParaRPr lang="en-IN" sz="2800" dirty="0" smtClean="0"/>
-          </a:p>
-          <a:p>
-            <a:r>
-              <a:rPr lang="en-US" sz="2800" dirty="0" smtClean="0"/>
-              <a:t>Read the header fields.</a:t>
-            </a:r>
-            <a:endParaRPr lang="en-IN" sz="2800" dirty="0" smtClean="0"/>
-          </a:p>
-          <a:p>
-            <a:r>
-              <a:rPr lang="en-US" sz="2800" dirty="0" smtClean="0"/>
-              <a:t>Get an input stream and read data.</a:t>
-            </a:r>
-            <a:endParaRPr lang="en-IN" sz="2800" dirty="0" smtClean="0"/>
-          </a:p>
-          <a:p>
-            <a:r>
-              <a:rPr lang="en-US" sz="2800" dirty="0" smtClean="0"/>
-              <a:t>Get an output stream and write data.</a:t>
-            </a:r>
-            <a:endParaRPr lang="en-IN" sz="2800" dirty="0" smtClean="0"/>
-          </a:p>
-          <a:p>
-            <a:r>
-              <a:rPr lang="en-US" sz="2800" dirty="0" smtClean="0"/>
-              <a:t>Close the connection.</a:t>
-            </a:r>
-            <a:endParaRPr lang="en-IN" sz="2800" dirty="0" smtClean="0"/>
+              <a:rPr lang="en-US" sz="2400" dirty="0" smtClean="0"/>
+              <a:t> class has two different but related purposes. First, it provides more control over the interaction with a server (especially an HTTP server) than the URL class. With a </a:t>
+            </a:r>
+            <a:r>
+              <a:rPr lang="en-US" sz="2400" dirty="0" err="1" smtClean="0"/>
+              <a:t>URLConnection</a:t>
+            </a:r>
+            <a:r>
+              <a:rPr lang="en-US" sz="2400" dirty="0" smtClean="0"/>
+              <a:t>, we can inspect the header sent by the server and respond accordingly. We can set the header fields used in the client request. We can use a </a:t>
+            </a:r>
+            <a:r>
+              <a:rPr lang="en-US" sz="2400" dirty="0" err="1" smtClean="0"/>
+              <a:t>URLConnection</a:t>
+            </a:r>
+            <a:r>
+              <a:rPr lang="en-US" sz="2400" dirty="0" smtClean="0"/>
+              <a:t> to download binary files. </a:t>
+            </a:r>
+          </a:p>
+          <a:p>
+            <a:r>
+              <a:rPr lang="en-US" sz="2400" dirty="0" smtClean="0"/>
+              <a:t>Finally, a </a:t>
+            </a:r>
+            <a:r>
+              <a:rPr lang="en-US" sz="2400" dirty="0" err="1" smtClean="0"/>
+              <a:t>URLConnection</a:t>
+            </a:r>
+            <a:r>
+              <a:rPr lang="en-US" sz="2400" dirty="0" smtClean="0"/>
+              <a:t> lets us send data back to a web server with POST or PUT and use other HTTP request methods.</a:t>
+            </a:r>
+            <a:endParaRPr lang="en-IN" sz="2400" dirty="0" smtClean="0"/>
           </a:p>
         </p:txBody>
       </p:sp>
@@ -22970,7 +23984,7 @@
     </p:custDataLst>
     <p:extLst>
       <p:ext uri="{BB962C8B-B14F-4D97-AF65-F5344CB8AC3E}">
-        <p14:creationId xmlns:p14="http://schemas.microsoft.com/office/powerpoint/2010/main" val="2846715847"/>
+        <p14:creationId xmlns:p14="http://schemas.microsoft.com/office/powerpoint/2010/main" val="3203765508"/>
       </p:ext>
     </p:extLst>
   </p:cSld>
@@ -23021,7 +24035,7 @@
           <a:p>
             <a:r>
               <a:rPr lang="en-US" dirty="0" smtClean="0"/>
-              <a:t>Reading Data from Server</a:t>
+              <a:t>Process</a:t>
             </a:r>
             <a:endParaRPr lang="en-IN" dirty="0" smtClean="0"/>
           </a:p>
@@ -23043,109 +24057,76 @@
           <a:lstStyle/>
           <a:p>
             <a:r>
-              <a:rPr lang="en-US" sz="2600" dirty="0" smtClean="0"/>
+              <a:rPr lang="en-US" sz="2800" dirty="0" smtClean="0"/>
               <a:t>Construct a URL object.</a:t>
             </a:r>
-            <a:endParaRPr lang="en-IN" sz="2600" dirty="0" smtClean="0"/>
-          </a:p>
-          <a:p>
-            <a:r>
-              <a:rPr lang="en-US" sz="2600" dirty="0" smtClean="0"/>
+            <a:endParaRPr lang="en-IN" sz="2800" dirty="0" smtClean="0"/>
+          </a:p>
+          <a:p>
+            <a:r>
+              <a:rPr lang="en-US" sz="2800" dirty="0" smtClean="0"/>
               <a:t>Invoke the URL object's </a:t>
             </a:r>
             <a:r>
-              <a:rPr lang="en-US" sz="2600" dirty="0" err="1" smtClean="0"/>
+              <a:rPr lang="en-US" sz="2800" dirty="0" err="1" smtClean="0"/>
               <a:t>openConnection</a:t>
             </a:r>
             <a:r>
-              <a:rPr lang="en-US" sz="2600" dirty="0" smtClean="0"/>
+              <a:rPr lang="en-US" sz="2800" dirty="0" smtClean="0"/>
               <a:t>( ) method to retrieve a </a:t>
             </a:r>
             <a:r>
-              <a:rPr lang="en-US" sz="2600" dirty="0" err="1" smtClean="0"/>
+              <a:rPr lang="en-US" sz="2800" dirty="0" err="1" smtClean="0"/>
               <a:t>URLConnection</a:t>
             </a:r>
             <a:r>
-              <a:rPr lang="en-US" sz="2600" dirty="0" smtClean="0"/>
+              <a:rPr lang="en-US" sz="2800" dirty="0" smtClean="0"/>
               <a:t> object for that URL.</a:t>
             </a:r>
-            <a:endParaRPr lang="en-IN" sz="2600" dirty="0" smtClean="0"/>
-          </a:p>
-          <a:p>
-            <a:r>
-              <a:rPr lang="en-US" sz="2600" dirty="0" smtClean="0"/>
-              <a:t>Invoke the </a:t>
-            </a:r>
-            <a:r>
-              <a:rPr lang="en-US" sz="2600" dirty="0" err="1" smtClean="0"/>
-              <a:t>URLConnection's</a:t>
-            </a:r>
-            <a:r>
-              <a:rPr lang="en-US" sz="2600" dirty="0" smtClean="0"/>
-              <a:t> </a:t>
-            </a:r>
-            <a:r>
-              <a:rPr lang="en-US" sz="2600" dirty="0" err="1" smtClean="0"/>
-              <a:t>getInputStream</a:t>
-            </a:r>
-            <a:r>
-              <a:rPr lang="en-US" sz="2600" dirty="0" smtClean="0"/>
-              <a:t>( ) method.</a:t>
-            </a:r>
-            <a:endParaRPr lang="en-IN" sz="2600" dirty="0" smtClean="0"/>
-          </a:p>
-          <a:p>
-            <a:r>
-              <a:rPr lang="en-US" sz="2600" dirty="0" smtClean="0"/>
-              <a:t>Read from the input stream using the usual stream API.</a:t>
-            </a:r>
-            <a:endParaRPr lang="en-IN" sz="2600" dirty="0" smtClean="0"/>
-          </a:p>
-          <a:p>
-            <a:r>
-              <a:rPr lang="en-US" sz="2600" dirty="0" smtClean="0"/>
-              <a:t>The </a:t>
-            </a:r>
-            <a:r>
-              <a:rPr lang="en-US" sz="2600" dirty="0" err="1" smtClean="0"/>
-              <a:t>getInputStream</a:t>
-            </a:r>
-            <a:r>
-              <a:rPr lang="en-US" sz="2600" dirty="0" smtClean="0"/>
-              <a:t>() method returns a generic </a:t>
-            </a:r>
-            <a:r>
-              <a:rPr lang="en-US" sz="2600" dirty="0" err="1" smtClean="0"/>
-              <a:t>InputStream</a:t>
-            </a:r>
-            <a:r>
-              <a:rPr lang="en-US" sz="2600" dirty="0" smtClean="0"/>
-              <a:t> that lets you read and parse the data that the server sends.</a:t>
-            </a:r>
-            <a:endParaRPr lang="en-IN" sz="2600" dirty="0" smtClean="0"/>
-          </a:p>
-          <a:p>
-            <a:r>
-              <a:rPr lang="en-US" sz="2600" dirty="0" smtClean="0"/>
-              <a:t>public </a:t>
-            </a:r>
-            <a:r>
-              <a:rPr lang="en-US" sz="2600" dirty="0" err="1" smtClean="0"/>
-              <a:t>InputStream</a:t>
-            </a:r>
-            <a:r>
-              <a:rPr lang="en-US" sz="2600" dirty="0" smtClean="0"/>
-              <a:t> </a:t>
-            </a:r>
-            <a:r>
-              <a:rPr lang="en-US" sz="2600" dirty="0" err="1" smtClean="0"/>
-              <a:t>getInputStream</a:t>
-            </a:r>
-            <a:r>
-              <a:rPr lang="en-US" sz="2600" dirty="0" smtClean="0"/>
-              <a:t>( )</a:t>
-            </a:r>
-            <a:endParaRPr lang="en-IN" sz="2600" dirty="0" smtClean="0"/>
+            <a:endParaRPr lang="en-IN" sz="2800" dirty="0" smtClean="0"/>
+          </a:p>
+          <a:p>
+            <a:r>
+              <a:rPr lang="en-US" sz="2800" dirty="0" smtClean="0"/>
+              <a:t>Configure the </a:t>
+            </a:r>
+            <a:r>
+              <a:rPr lang="en-US" sz="2800" dirty="0" err="1" smtClean="0"/>
+              <a:t>URLConnection</a:t>
+            </a:r>
+            <a:r>
+              <a:rPr lang="en-US" sz="2800" dirty="0" smtClean="0"/>
+              <a:t>.</a:t>
+            </a:r>
+            <a:endParaRPr lang="en-IN" sz="2800" dirty="0" smtClean="0"/>
+          </a:p>
+          <a:p>
+            <a:r>
+              <a:rPr lang="en-US" sz="2800" dirty="0" smtClean="0"/>
+              <a:t>Read the header fields.</a:t>
+            </a:r>
+            <a:endParaRPr lang="en-IN" sz="2800" dirty="0" smtClean="0"/>
+          </a:p>
+          <a:p>
+            <a:r>
+              <a:rPr lang="en-US" sz="2800" dirty="0" smtClean="0"/>
+              <a:t>Get an input stream and read data.</a:t>
+            </a:r>
+            <a:endParaRPr lang="en-IN" sz="2800" dirty="0" smtClean="0"/>
+          </a:p>
+          <a:p>
+            <a:r>
+              <a:rPr lang="en-US" sz="2800" dirty="0" smtClean="0"/>
+              <a:t>Get an output stream and write data.</a:t>
+            </a:r>
+            <a:endParaRPr lang="en-IN" sz="2800" dirty="0" smtClean="0"/>
+          </a:p>
+          <a:p>
+            <a:r>
+              <a:rPr lang="en-US" sz="2800" dirty="0" smtClean="0"/>
+              <a:t>Close the connection.</a:t>
+            </a:r>
+            <a:endParaRPr lang="en-IN" sz="2800" dirty="0" smtClean="0"/>
           </a:p>
         </p:txBody>
       </p:sp>
@@ -23155,13 +24136,20 @@
     </p:custDataLst>
     <p:extLst>
       <p:ext uri="{BB962C8B-B14F-4D97-AF65-F5344CB8AC3E}">
-        <p14:creationId xmlns:p14="http://schemas.microsoft.com/office/powerpoint/2010/main" val="4220432349"/>
+        <p14:creationId xmlns:p14="http://schemas.microsoft.com/office/powerpoint/2010/main" val="2846715847"/>
       </p:ext>
     </p:extLst>
   </p:cSld>
   <p:clrMapOvr>
     <a:masterClrMapping/>
   </p:clrMapOvr>
+  <p:timing>
+    <p:tnLst>
+      <p:par>
+        <p:cTn id="1" dur="indefinite" restart="never" nodeType="tmRoot"/>
+      </p:par>
+    </p:tnLst>
+  </p:timing>
 </p:sld>
 </file>
 
@@ -23199,6 +24187,184 @@
           <a:p>
             <a:r>
               <a:rPr lang="en-US" dirty="0" smtClean="0"/>
+              <a:t>Reading Data from Server</a:t>
+            </a:r>
+            <a:endParaRPr lang="en-IN" dirty="0" smtClean="0"/>
+          </a:p>
+        </p:txBody>
+      </p:sp>
+      <p:sp>
+        <p:nvSpPr>
+          <p:cNvPr id="5" name="Content Placeholder 2"/>
+          <p:cNvSpPr>
+            <a:spLocks noGrp="1"/>
+          </p:cNvSpPr>
+          <p:nvPr>
+            <p:ph idx="1"/>
+          </p:nvPr>
+        </p:nvSpPr>
+        <p:spPr/>
+        <p:txBody>
+          <a:bodyPr/>
+          <a:lstStyle/>
+          <a:p>
+            <a:r>
+              <a:rPr lang="en-US" sz="2600" dirty="0" smtClean="0"/>
+              <a:t>Construct a URL object.</a:t>
+            </a:r>
+            <a:endParaRPr lang="en-IN" sz="2600" dirty="0" smtClean="0"/>
+          </a:p>
+          <a:p>
+            <a:r>
+              <a:rPr lang="en-US" sz="2600" dirty="0" smtClean="0"/>
+              <a:t>Invoke the URL object's </a:t>
+            </a:r>
+            <a:r>
+              <a:rPr lang="en-US" sz="2600" dirty="0" err="1" smtClean="0"/>
+              <a:t>openConnection</a:t>
+            </a:r>
+            <a:r>
+              <a:rPr lang="en-US" sz="2600" dirty="0" smtClean="0"/>
+              <a:t>( ) method to retrieve a </a:t>
+            </a:r>
+            <a:r>
+              <a:rPr lang="en-US" sz="2600" dirty="0" err="1" smtClean="0"/>
+              <a:t>URLConnection</a:t>
+            </a:r>
+            <a:r>
+              <a:rPr lang="en-US" sz="2600" dirty="0" smtClean="0"/>
+              <a:t> object for that URL.</a:t>
+            </a:r>
+            <a:endParaRPr lang="en-IN" sz="2600" dirty="0" smtClean="0"/>
+          </a:p>
+          <a:p>
+            <a:r>
+              <a:rPr lang="en-US" sz="2600" dirty="0" smtClean="0"/>
+              <a:t>Invoke the </a:t>
+            </a:r>
+            <a:r>
+              <a:rPr lang="en-US" sz="2600" dirty="0" err="1" smtClean="0"/>
+              <a:t>URLConnection's</a:t>
+            </a:r>
+            <a:r>
+              <a:rPr lang="en-US" sz="2600" dirty="0" smtClean="0"/>
+              <a:t> </a:t>
+            </a:r>
+            <a:r>
+              <a:rPr lang="en-US" sz="2600" dirty="0" err="1" smtClean="0"/>
+              <a:t>getInputStream</a:t>
+            </a:r>
+            <a:r>
+              <a:rPr lang="en-US" sz="2600" dirty="0" smtClean="0"/>
+              <a:t>( ) method.</a:t>
+            </a:r>
+            <a:endParaRPr lang="en-IN" sz="2600" dirty="0" smtClean="0"/>
+          </a:p>
+          <a:p>
+            <a:r>
+              <a:rPr lang="en-US" sz="2600" dirty="0" smtClean="0"/>
+              <a:t>Read from the input stream using the usual stream API.</a:t>
+            </a:r>
+            <a:endParaRPr lang="en-IN" sz="2600" dirty="0" smtClean="0"/>
+          </a:p>
+          <a:p>
+            <a:r>
+              <a:rPr lang="en-US" sz="2600" dirty="0" smtClean="0"/>
+              <a:t>The </a:t>
+            </a:r>
+            <a:r>
+              <a:rPr lang="en-US" sz="2600" dirty="0" err="1" smtClean="0"/>
+              <a:t>getInputStream</a:t>
+            </a:r>
+            <a:r>
+              <a:rPr lang="en-US" sz="2600" dirty="0" smtClean="0"/>
+              <a:t>() method returns a generic </a:t>
+            </a:r>
+            <a:r>
+              <a:rPr lang="en-US" sz="2600" dirty="0" err="1" smtClean="0"/>
+              <a:t>InputStream</a:t>
+            </a:r>
+            <a:r>
+              <a:rPr lang="en-US" sz="2600" dirty="0" smtClean="0"/>
+              <a:t> that lets you read and parse the data that the server sends.</a:t>
+            </a:r>
+            <a:endParaRPr lang="en-IN" sz="2600" dirty="0" smtClean="0"/>
+          </a:p>
+          <a:p>
+            <a:r>
+              <a:rPr lang="en-US" sz="2600" dirty="0" smtClean="0"/>
+              <a:t>public </a:t>
+            </a:r>
+            <a:r>
+              <a:rPr lang="en-US" sz="2600" dirty="0" err="1" smtClean="0"/>
+              <a:t>InputStream</a:t>
+            </a:r>
+            <a:r>
+              <a:rPr lang="en-US" sz="2600" dirty="0" smtClean="0"/>
+              <a:t> </a:t>
+            </a:r>
+            <a:r>
+              <a:rPr lang="en-US" sz="2600" dirty="0" err="1" smtClean="0"/>
+              <a:t>getInputStream</a:t>
+            </a:r>
+            <a:r>
+              <a:rPr lang="en-US" sz="2600" dirty="0" smtClean="0"/>
+              <a:t>( )</a:t>
+            </a:r>
+            <a:endParaRPr lang="en-IN" sz="2600" dirty="0" smtClean="0"/>
+          </a:p>
+        </p:txBody>
+      </p:sp>
+    </p:spTree>
+    <p:custDataLst>
+      <p:tags r:id="rId1"/>
+    </p:custDataLst>
+    <p:extLst>
+      <p:ext uri="{BB962C8B-B14F-4D97-AF65-F5344CB8AC3E}">
+        <p14:creationId xmlns:p14="http://schemas.microsoft.com/office/powerpoint/2010/main" val="4220432349"/>
+      </p:ext>
+    </p:extLst>
+  </p:cSld>
+  <p:clrMapOvr>
+    <a:masterClrMapping/>
+  </p:clrMapOvr>
+</p:sld>
+</file>
+
+<file path=ppt/slides/slide58.xml><?xml version="1.0" encoding="utf-8"?>
+<p:sld xmlns:a="http://schemas.openxmlformats.org/drawingml/2006/main" xmlns:r="http://schemas.openxmlformats.org/officeDocument/2006/relationships" xmlns:p="http://schemas.openxmlformats.org/presentationml/2006/main">
+  <p:cSld>
+    <p:spTree>
+      <p:nvGrpSpPr>
+        <p:cNvPr id="1" name=""/>
+        <p:cNvGrpSpPr/>
+        <p:nvPr/>
+      </p:nvGrpSpPr>
+      <p:grpSpPr>
+        <a:xfrm>
+          <a:off x="0" y="0"/>
+          <a:ext cx="0" cy="0"/>
+          <a:chOff x="0" y="0"/>
+          <a:chExt cx="0" cy="0"/>
+        </a:xfrm>
+      </p:grpSpPr>
+      <p:sp>
+        <p:nvSpPr>
+          <p:cNvPr id="4" name="Title 1"/>
+          <p:cNvSpPr>
+            <a:spLocks noGrp="1"/>
+          </p:cNvSpPr>
+          <p:nvPr>
+            <p:ph type="title"/>
+          </p:nvPr>
+        </p:nvSpPr>
+        <p:spPr/>
+        <p:txBody>
+          <a:bodyPr/>
+          <a:lstStyle/>
+          <a:p>
+            <a:r>
+              <a:rPr lang="en-US" dirty="0" smtClean="0"/>
               <a:t>Example</a:t>
             </a:r>
             <a:endParaRPr lang="en-IN" dirty="0" smtClean="0"/>
@@ -24110,7 +25276,7 @@
 </p:sld>
 </file>
 
-<file path=ppt/slides/slide58.xml><?xml version="1.0" encoding="utf-8"?>
+<file path=ppt/slides/slide59.xml><?xml version="1.0" encoding="utf-8"?>
 <p:sld xmlns:a="http://schemas.openxmlformats.org/drawingml/2006/main" xmlns:r="http://schemas.openxmlformats.org/officeDocument/2006/relationships" xmlns:p="http://schemas.openxmlformats.org/presentationml/2006/main">
   <p:cSld>
     <p:spTree>
@@ -24651,115 +25817,6 @@
     <p:extLst>
       <p:ext uri="{BB962C8B-B14F-4D97-AF65-F5344CB8AC3E}">
         <p14:creationId xmlns:p14="http://schemas.microsoft.com/office/powerpoint/2010/main" val="3932914204"/>
-      </p:ext>
-    </p:extLst>
-  </p:cSld>
-  <p:clrMapOvr>
-    <a:masterClrMapping/>
-  </p:clrMapOvr>
-</p:sld>
-</file>
-
-<file path=ppt/slides/slide59.xml><?xml version="1.0" encoding="utf-8"?>
-<p:sld xmlns:a="http://schemas.openxmlformats.org/drawingml/2006/main" xmlns:r="http://schemas.openxmlformats.org/officeDocument/2006/relationships" xmlns:p="http://schemas.openxmlformats.org/presentationml/2006/main">
-  <p:cSld>
-    <p:spTree>
-      <p:nvGrpSpPr>
-        <p:cNvPr id="1" name=""/>
-        <p:cNvGrpSpPr/>
-        <p:nvPr/>
-      </p:nvGrpSpPr>
-      <p:grpSpPr>
-        <a:xfrm>
-          <a:off x="0" y="0"/>
-          <a:ext cx="0" cy="0"/>
-          <a:chOff x="0" y="0"/>
-          <a:chExt cx="0" cy="0"/>
-        </a:xfrm>
-      </p:grpSpPr>
-      <p:sp>
-        <p:nvSpPr>
-          <p:cNvPr id="4" name="Title 1"/>
-          <p:cNvSpPr>
-            <a:spLocks noGrp="1"/>
-          </p:cNvSpPr>
-          <p:nvPr>
-            <p:ph type="title"/>
-          </p:nvPr>
-        </p:nvSpPr>
-        <p:spPr/>
-        <p:txBody>
-          <a:bodyPr/>
-          <a:lstStyle/>
-          <a:p>
-            <a:r>
-              <a:rPr lang="en-US" sz="3200" b="1" dirty="0" smtClean="0"/>
-              <a:t>Difference between URL and </a:t>
-            </a:r>
-            <a:r>
-              <a:rPr lang="en-US" sz="3200" b="1" dirty="0" err="1" smtClean="0"/>
-              <a:t>URLConnection</a:t>
-            </a:r>
-            <a:endParaRPr lang="en-IN" sz="3200" b="1" dirty="0" smtClean="0"/>
-          </a:p>
-        </p:txBody>
-      </p:sp>
-      <p:sp>
-        <p:nvSpPr>
-          <p:cNvPr id="5" name="Content Placeholder 2"/>
-          <p:cNvSpPr>
-            <a:spLocks noGrp="1"/>
-          </p:cNvSpPr>
-          <p:nvPr>
-            <p:ph idx="1"/>
-          </p:nvPr>
-        </p:nvSpPr>
-        <p:spPr/>
-        <p:txBody>
-          <a:bodyPr/>
-          <a:lstStyle/>
-          <a:p>
-            <a:r>
-              <a:rPr lang="en-US" dirty="0" err="1" smtClean="0"/>
-              <a:t>URLConnection</a:t>
-            </a:r>
-            <a:r>
-              <a:rPr lang="en-US" dirty="0" smtClean="0"/>
-              <a:t> provides access to the HTTP header.</a:t>
-            </a:r>
-            <a:endParaRPr lang="en-IN" dirty="0" smtClean="0"/>
-          </a:p>
-          <a:p>
-            <a:r>
-              <a:rPr lang="en-US" dirty="0" err="1" smtClean="0"/>
-              <a:t>URLConnection</a:t>
-            </a:r>
-            <a:r>
-              <a:rPr lang="en-US" dirty="0" smtClean="0"/>
-              <a:t> can configure the request parameters sent to the server.</a:t>
-            </a:r>
-            <a:endParaRPr lang="en-IN" dirty="0" smtClean="0"/>
-          </a:p>
-          <a:p>
-            <a:r>
-              <a:rPr lang="en-US" dirty="0" err="1" smtClean="0"/>
-              <a:t>URLConnection</a:t>
-            </a:r>
-            <a:r>
-              <a:rPr lang="en-US" dirty="0" smtClean="0"/>
-              <a:t> can write data to the server as well as read data from the server.</a:t>
-            </a:r>
-            <a:endParaRPr lang="en-IN" dirty="0" smtClean="0"/>
-          </a:p>
-        </p:txBody>
-      </p:sp>
-    </p:spTree>
-    <p:custDataLst>
-      <p:tags r:id="rId1"/>
-    </p:custDataLst>
-    <p:extLst>
-      <p:ext uri="{BB962C8B-B14F-4D97-AF65-F5344CB8AC3E}">
-        <p14:creationId xmlns:p14="http://schemas.microsoft.com/office/powerpoint/2010/main" val="511262508"/>
       </p:ext>
     </p:extLst>
   </p:cSld>
@@ -24831,7 +25888,7 @@
           <a:graphicData uri="http://schemas.openxmlformats.org/presentationml/2006/ole">
             <mc:AlternateContent xmlns:mc="http://schemas.openxmlformats.org/markup-compatibility/2006">
               <mc:Choice xmlns:v="urn:schemas-microsoft-com:vml" Requires="v">
-                <p:oleObj spid="_x0000_s1332" name="Microsoft ClipArt Gallery" r:id="rId4" imgW="2559050" imgH="4298950" progId="MS_ClipArt_Gallery">
+                <p:oleObj spid="_x0000_s1374" name="Microsoft ClipArt Gallery" r:id="rId4" imgW="2559050" imgH="4298950" progId="MS_ClipArt_Gallery">
                   <p:embed/>
                 </p:oleObj>
               </mc:Choice>
@@ -24973,7 +26030,7 @@
           <a:graphicData uri="http://schemas.openxmlformats.org/presentationml/2006/ole">
             <mc:AlternateContent xmlns:mc="http://schemas.openxmlformats.org/markup-compatibility/2006">
               <mc:Choice xmlns:v="urn:schemas-microsoft-com:vml" Requires="v">
-                <p:oleObj spid="_x0000_s1333" name="Microsoft ClipArt Gallery" r:id="rId7" imgW="4183063" imgH="3216275" progId="MS_ClipArt_Gallery">
+                <p:oleObj spid="_x0000_s1375" name="Microsoft ClipArt Gallery" r:id="rId7" imgW="4183063" imgH="3216275" progId="MS_ClipArt_Gallery">
                   <p:embed/>
                 </p:oleObj>
               </mc:Choice>
@@ -25246,7 +26303,7 @@
           <a:graphicData uri="http://schemas.openxmlformats.org/presentationml/2006/ole">
             <mc:AlternateContent xmlns:mc="http://schemas.openxmlformats.org/markup-compatibility/2006">
               <mc:Choice xmlns:v="urn:schemas-microsoft-com:vml" Requires="v">
-                <p:oleObj spid="_x0000_s1334" name="Microsoft ClipArt Gallery" r:id="rId9" imgW="4183063" imgH="3216275" progId="MS_ClipArt_Gallery">
+                <p:oleObj spid="_x0000_s1376" name="Microsoft ClipArt Gallery" r:id="rId9" imgW="4183063" imgH="3216275" progId="MS_ClipArt_Gallery">
                   <p:embed/>
                 </p:oleObj>
               </mc:Choice>
@@ -25345,7 +26402,7 @@
           <a:graphicData uri="http://schemas.openxmlformats.org/presentationml/2006/ole">
             <mc:AlternateContent xmlns:mc="http://schemas.openxmlformats.org/markup-compatibility/2006">
               <mc:Choice xmlns:v="urn:schemas-microsoft-com:vml" Requires="v">
-                <p:oleObj spid="_x0000_s1335" name="Microsoft ClipArt Gallery" r:id="rId10" imgW="2559050" imgH="4298950" progId="MS_ClipArt_Gallery">
+                <p:oleObj spid="_x0000_s1377" name="Microsoft ClipArt Gallery" r:id="rId10" imgW="2559050" imgH="4298950" progId="MS_ClipArt_Gallery">
                   <p:embed/>
                 </p:oleObj>
               </mc:Choice>
@@ -25444,7 +26501,7 @@
           <a:graphicData uri="http://schemas.openxmlformats.org/presentationml/2006/ole">
             <mc:AlternateContent xmlns:mc="http://schemas.openxmlformats.org/markup-compatibility/2006">
               <mc:Choice xmlns:v="urn:schemas-microsoft-com:vml" Requires="v">
-                <p:oleObj spid="_x0000_s1336" name="Microsoft ClipArt Gallery" r:id="rId11" imgW="4548188" imgH="3284538" progId="MS_ClipArt_Gallery">
+                <p:oleObj spid="_x0000_s1378" name="Microsoft ClipArt Gallery" r:id="rId11" imgW="4548188" imgH="3284538" progId="MS_ClipArt_Gallery">
                   <p:embed/>
                 </p:oleObj>
               </mc:Choice>
@@ -25812,7 +26869,7 @@
           <a:graphicData uri="http://schemas.openxmlformats.org/presentationml/2006/ole">
             <mc:AlternateContent xmlns:mc="http://schemas.openxmlformats.org/markup-compatibility/2006">
               <mc:Choice xmlns:v="urn:schemas-microsoft-com:vml" Requires="v">
-                <p:oleObj spid="_x0000_s1337" name="CorelDRAW!" r:id="rId13" imgW="1255713" imgH="503238" progId="CDraw5">
+                <p:oleObj spid="_x0000_s1379" name="CorelDRAW!" r:id="rId13" imgW="1255713" imgH="503238" progId="CDraw5">
                   <p:embed/>
                 </p:oleObj>
               </mc:Choice>
@@ -30589,10 +31646,14 @@
           <a:lstStyle/>
           <a:p>
             <a:r>
-              <a:rPr lang="en-US" dirty="0" smtClean="0"/>
-              <a:t>Header Information</a:t>
-            </a:r>
-            <a:endParaRPr lang="en-IN" dirty="0" smtClean="0"/>
+              <a:rPr lang="en-US" sz="3200" b="1" dirty="0" smtClean="0"/>
+              <a:t>Difference between URL and </a:t>
+            </a:r>
+            <a:r>
+              <a:rPr lang="en-US" sz="3200" b="1" dirty="0" err="1" smtClean="0"/>
+              <a:t>URLConnection</a:t>
+            </a:r>
+            <a:endParaRPr lang="en-IN" sz="3200" b="1" dirty="0" smtClean="0"/>
           </a:p>
         </p:txBody>
       </p:sp>
@@ -30611,114 +31672,37 @@
           <a:bodyPr/>
           <a:lstStyle/>
           <a:p>
-            <a:pPr>
-              <a:defRPr/>
-            </a:pPr>
-            <a:r>
-              <a:rPr lang="en-US" sz="2400" dirty="0"/>
-              <a:t>HTTP/1.1 200 OK</a:t>
-            </a:r>
-            <a:endParaRPr lang="en-IN" sz="2400" dirty="0"/>
-          </a:p>
-          <a:p>
-            <a:pPr>
-              <a:defRPr/>
-            </a:pPr>
-            <a:r>
-              <a:rPr lang="en-US" sz="2400" dirty="0"/>
-              <a:t>Date: Mon, 18 Oct 1999 20:06:48 GMT</a:t>
-            </a:r>
-            <a:endParaRPr lang="en-IN" sz="2400" dirty="0"/>
-          </a:p>
-          <a:p>
-            <a:pPr>
-              <a:defRPr/>
-            </a:pPr>
-            <a:r>
-              <a:rPr lang="en-US" sz="2400" dirty="0"/>
-              <a:t>Server: Apache/1.3.4 (Unix) PHP/3.0.6 </a:t>
-            </a:r>
-            <a:r>
-              <a:rPr lang="en-US" sz="2400" dirty="0" err="1"/>
-              <a:t>mod_perl</a:t>
-            </a:r>
-            <a:r>
-              <a:rPr lang="en-US" sz="2400" dirty="0"/>
-              <a:t>/1.17</a:t>
-            </a:r>
-            <a:endParaRPr lang="en-IN" sz="2400" dirty="0"/>
-          </a:p>
-          <a:p>
-            <a:pPr>
-              <a:defRPr/>
-            </a:pPr>
-            <a:r>
-              <a:rPr lang="en-US" sz="2400" dirty="0"/>
-              <a:t>Last-Modified: Mon, 18 Oct 1999 12:58:21 GMT</a:t>
-            </a:r>
-            <a:endParaRPr lang="en-IN" sz="2400" dirty="0"/>
-          </a:p>
-          <a:p>
-            <a:pPr>
-              <a:defRPr/>
-            </a:pPr>
-            <a:r>
-              <a:rPr lang="en-US" sz="2400" dirty="0" err="1"/>
-              <a:t>ETag</a:t>
-            </a:r>
-            <a:r>
-              <a:rPr lang="en-US" sz="2400" dirty="0"/>
-              <a:t>: "1e05f2-89bb-380b196d"</a:t>
-            </a:r>
-            <a:endParaRPr lang="en-IN" sz="2400" dirty="0"/>
-          </a:p>
-          <a:p>
-            <a:pPr>
-              <a:defRPr/>
-            </a:pPr>
-            <a:r>
-              <a:rPr lang="en-US" sz="2400" dirty="0"/>
-              <a:t>Accept-Ranges: bytes</a:t>
-            </a:r>
-            <a:endParaRPr lang="en-IN" sz="2400" dirty="0"/>
-          </a:p>
-          <a:p>
-            <a:pPr>
-              <a:defRPr/>
-            </a:pPr>
-            <a:r>
-              <a:rPr lang="en-US" sz="2400" dirty="0"/>
-              <a:t>Content-Length: 35259</a:t>
-            </a:r>
-            <a:endParaRPr lang="en-IN" sz="2400" dirty="0"/>
-          </a:p>
-          <a:p>
-            <a:pPr>
-              <a:defRPr/>
-            </a:pPr>
-            <a:r>
-              <a:rPr lang="en-US" sz="2400" dirty="0"/>
-              <a:t>Connection: close</a:t>
-            </a:r>
-            <a:endParaRPr lang="en-IN" sz="2400" dirty="0"/>
-          </a:p>
-          <a:p>
-            <a:pPr>
-              <a:defRPr/>
-            </a:pPr>
-            <a:r>
-              <a:rPr lang="en-US" sz="2400" dirty="0"/>
-              <a:t>Content-Type: text/html</a:t>
-            </a:r>
-            <a:endParaRPr lang="en-IN" sz="2400" dirty="0"/>
-          </a:p>
-          <a:p>
-            <a:pPr marL="0" indent="0">
-              <a:buFont typeface="Arial" charset="0"/>
-              <a:buNone/>
-              <a:defRPr/>
-            </a:pPr>
-            <a:endParaRPr lang="en-IN" sz="2400" dirty="0"/>
+            <a:r>
+              <a:rPr lang="en-US" dirty="0" err="1" smtClean="0"/>
+              <a:t>URLConnection</a:t>
+            </a:r>
+            <a:r>
+              <a:rPr lang="en-US" dirty="0" smtClean="0"/>
+              <a:t> provides access to the HTTP header.</a:t>
+            </a:r>
+            <a:endParaRPr lang="en-IN" dirty="0" smtClean="0"/>
+          </a:p>
+          <a:p>
+            <a:r>
+              <a:rPr lang="en-US" dirty="0" err="1" smtClean="0"/>
+              <a:t>URLConnection</a:t>
+            </a:r>
+            <a:r>
+              <a:rPr lang="en-US" dirty="0" smtClean="0"/>
+              <a:t> can configure the request parameters sent to the server.</a:t>
+            </a:r>
+            <a:endParaRPr lang="en-IN" dirty="0" smtClean="0"/>
+          </a:p>
+          <a:p>
+            <a:r>
+              <a:rPr lang="en-US" dirty="0" err="1" smtClean="0"/>
+              <a:t>URLConnection</a:t>
+            </a:r>
+            <a:r>
+              <a:rPr lang="en-US" dirty="0" smtClean="0"/>
+              <a:t> can write data to the server as well as read data from the server.</a:t>
+            </a:r>
+            <a:endParaRPr lang="en-IN" dirty="0" smtClean="0"/>
           </a:p>
         </p:txBody>
       </p:sp>
@@ -30728,7 +31712,7 @@
     </p:custDataLst>
     <p:extLst>
       <p:ext uri="{BB962C8B-B14F-4D97-AF65-F5344CB8AC3E}">
-        <p14:creationId xmlns:p14="http://schemas.microsoft.com/office/powerpoint/2010/main" val="53980201"/>
+        <p14:creationId xmlns:p14="http://schemas.microsoft.com/office/powerpoint/2010/main" val="511262508"/>
       </p:ext>
     </p:extLst>
   </p:cSld>
@@ -30772,6 +31756,188 @@
           <a:p>
             <a:r>
               <a:rPr lang="en-US" dirty="0" smtClean="0"/>
+              <a:t>Header Information</a:t>
+            </a:r>
+            <a:endParaRPr lang="en-IN" dirty="0" smtClean="0"/>
+          </a:p>
+        </p:txBody>
+      </p:sp>
+      <p:sp>
+        <p:nvSpPr>
+          <p:cNvPr id="5" name="Content Placeholder 2"/>
+          <p:cNvSpPr>
+            <a:spLocks noGrp="1"/>
+          </p:cNvSpPr>
+          <p:nvPr>
+            <p:ph idx="1"/>
+          </p:nvPr>
+        </p:nvSpPr>
+        <p:spPr/>
+        <p:txBody>
+          <a:bodyPr/>
+          <a:lstStyle/>
+          <a:p>
+            <a:pPr>
+              <a:defRPr/>
+            </a:pPr>
+            <a:r>
+              <a:rPr lang="en-US" sz="2400" dirty="0"/>
+              <a:t>HTTP/1.1 200 OK</a:t>
+            </a:r>
+            <a:endParaRPr lang="en-IN" sz="2400" dirty="0"/>
+          </a:p>
+          <a:p>
+            <a:pPr>
+              <a:defRPr/>
+            </a:pPr>
+            <a:r>
+              <a:rPr lang="en-US" sz="2400" dirty="0"/>
+              <a:t>Date: Mon, 18 Oct 1999 20:06:48 GMT</a:t>
+            </a:r>
+            <a:endParaRPr lang="en-IN" sz="2400" dirty="0"/>
+          </a:p>
+          <a:p>
+            <a:pPr>
+              <a:defRPr/>
+            </a:pPr>
+            <a:r>
+              <a:rPr lang="en-US" sz="2400" dirty="0"/>
+              <a:t>Server: Apache/1.3.4 (Unix) PHP/3.0.6 </a:t>
+            </a:r>
+            <a:r>
+              <a:rPr lang="en-US" sz="2400" dirty="0" err="1"/>
+              <a:t>mod_perl</a:t>
+            </a:r>
+            <a:r>
+              <a:rPr lang="en-US" sz="2400" dirty="0"/>
+              <a:t>/1.17</a:t>
+            </a:r>
+            <a:endParaRPr lang="en-IN" sz="2400" dirty="0"/>
+          </a:p>
+          <a:p>
+            <a:pPr>
+              <a:defRPr/>
+            </a:pPr>
+            <a:r>
+              <a:rPr lang="en-US" sz="2400" dirty="0"/>
+              <a:t>Last-Modified: Mon, 18 Oct 1999 12:58:21 GMT</a:t>
+            </a:r>
+            <a:endParaRPr lang="en-IN" sz="2400" dirty="0"/>
+          </a:p>
+          <a:p>
+            <a:pPr>
+              <a:defRPr/>
+            </a:pPr>
+            <a:r>
+              <a:rPr lang="en-US" sz="2400" dirty="0" err="1"/>
+              <a:t>ETag</a:t>
+            </a:r>
+            <a:r>
+              <a:rPr lang="en-US" sz="2400" dirty="0"/>
+              <a:t>: "1e05f2-89bb-380b196d"</a:t>
+            </a:r>
+            <a:endParaRPr lang="en-IN" sz="2400" dirty="0"/>
+          </a:p>
+          <a:p>
+            <a:pPr>
+              <a:defRPr/>
+            </a:pPr>
+            <a:r>
+              <a:rPr lang="en-US" sz="2400" dirty="0"/>
+              <a:t>Accept-Ranges: bytes</a:t>
+            </a:r>
+            <a:endParaRPr lang="en-IN" sz="2400" dirty="0"/>
+          </a:p>
+          <a:p>
+            <a:pPr>
+              <a:defRPr/>
+            </a:pPr>
+            <a:r>
+              <a:rPr lang="en-US" sz="2400" dirty="0"/>
+              <a:t>Content-Length: 35259</a:t>
+            </a:r>
+            <a:endParaRPr lang="en-IN" sz="2400" dirty="0"/>
+          </a:p>
+          <a:p>
+            <a:pPr>
+              <a:defRPr/>
+            </a:pPr>
+            <a:r>
+              <a:rPr lang="en-US" sz="2400" dirty="0"/>
+              <a:t>Connection: close</a:t>
+            </a:r>
+            <a:endParaRPr lang="en-IN" sz="2400" dirty="0"/>
+          </a:p>
+          <a:p>
+            <a:pPr>
+              <a:defRPr/>
+            </a:pPr>
+            <a:r>
+              <a:rPr lang="en-US" sz="2400" dirty="0"/>
+              <a:t>Content-Type: text/html</a:t>
+            </a:r>
+            <a:endParaRPr lang="en-IN" sz="2400" dirty="0"/>
+          </a:p>
+          <a:p>
+            <a:pPr marL="0" indent="0">
+              <a:buFont typeface="Arial" charset="0"/>
+              <a:buNone/>
+              <a:defRPr/>
+            </a:pPr>
+            <a:endParaRPr lang="en-IN" sz="2400" dirty="0"/>
+          </a:p>
+        </p:txBody>
+      </p:sp>
+    </p:spTree>
+    <p:custDataLst>
+      <p:tags r:id="rId1"/>
+    </p:custDataLst>
+    <p:extLst>
+      <p:ext uri="{BB962C8B-B14F-4D97-AF65-F5344CB8AC3E}">
+        <p14:creationId xmlns:p14="http://schemas.microsoft.com/office/powerpoint/2010/main" val="53980201"/>
+      </p:ext>
+    </p:extLst>
+  </p:cSld>
+  <p:clrMapOvr>
+    <a:masterClrMapping/>
+  </p:clrMapOvr>
+</p:sld>
+</file>
+
+<file path=ppt/slides/slide62.xml><?xml version="1.0" encoding="utf-8"?>
+<p:sld xmlns:a="http://schemas.openxmlformats.org/drawingml/2006/main" xmlns:r="http://schemas.openxmlformats.org/officeDocument/2006/relationships" xmlns:p="http://schemas.openxmlformats.org/presentationml/2006/main">
+  <p:cSld>
+    <p:spTree>
+      <p:nvGrpSpPr>
+        <p:cNvPr id="1" name=""/>
+        <p:cNvGrpSpPr/>
+        <p:nvPr/>
+      </p:nvGrpSpPr>
+      <p:grpSpPr>
+        <a:xfrm>
+          <a:off x="0" y="0"/>
+          <a:ext cx="0" cy="0"/>
+          <a:chOff x="0" y="0"/>
+          <a:chExt cx="0" cy="0"/>
+        </a:xfrm>
+      </p:grpSpPr>
+      <p:sp>
+        <p:nvSpPr>
+          <p:cNvPr id="4" name="Title 1"/>
+          <p:cNvSpPr>
+            <a:spLocks noGrp="1"/>
+          </p:cNvSpPr>
+          <p:nvPr>
+            <p:ph type="title"/>
+          </p:nvPr>
+        </p:nvSpPr>
+        <p:spPr/>
+        <p:txBody>
+          <a:bodyPr/>
+          <a:lstStyle/>
+          <a:p>
+            <a:r>
+              <a:rPr lang="en-US" dirty="0" smtClean="0"/>
               <a:t>Methods</a:t>
             </a:r>
             <a:endParaRPr lang="en-IN" dirty="0" smtClean="0"/>
@@ -30893,7 +32059,7 @@
 </p:sld>
 </file>
 
-<file path=ppt/slides/slide62.xml><?xml version="1.0" encoding="utf-8"?>
+<file path=ppt/slides/slide63.xml><?xml version="1.0" encoding="utf-8"?>
 <p:sld xmlns:a="http://schemas.openxmlformats.org/drawingml/2006/main" xmlns:r="http://schemas.openxmlformats.org/officeDocument/2006/relationships" xmlns:p="http://schemas.openxmlformats.org/presentationml/2006/main">
   <p:cSld>
     <p:spTree>
@@ -31958,7 +33124,7 @@
 </p:sld>
 </file>
 
-<file path=ppt/slides/slide63.xml><?xml version="1.0" encoding="utf-8"?>
+<file path=ppt/slides/slide64.xml><?xml version="1.0" encoding="utf-8"?>
 <p:sld xmlns:a="http://schemas.openxmlformats.org/drawingml/2006/main" xmlns:r="http://schemas.openxmlformats.org/officeDocument/2006/relationships" xmlns:p="http://schemas.openxmlformats.org/presentationml/2006/main">
   <p:cSld>
     <p:spTree>
@@ -32135,7 +33301,7 @@
 </p:sld>
 </file>
 
-<file path=ppt/slides/slide64.xml><?xml version="1.0" encoding="utf-8"?>
+<file path=ppt/slides/slide65.xml><?xml version="1.0" encoding="utf-8"?>
 <p:sld xmlns:a="http://schemas.openxmlformats.org/drawingml/2006/main" xmlns:r="http://schemas.openxmlformats.org/officeDocument/2006/relationships" xmlns:p="http://schemas.openxmlformats.org/presentationml/2006/main">
   <p:cSld>
     <p:spTree>
@@ -32417,7 +33583,7 @@
 </p:sld>
 </file>
 
-<file path=ppt/slides/slide65.xml><?xml version="1.0" encoding="utf-8"?>
+<file path=ppt/slides/slide66.xml><?xml version="1.0" encoding="utf-8"?>
 <p:sld xmlns:a="http://schemas.openxmlformats.org/drawingml/2006/main" xmlns:r="http://schemas.openxmlformats.org/officeDocument/2006/relationships" xmlns:p="http://schemas.openxmlformats.org/presentationml/2006/main">
   <p:cSld>
     <p:spTree>
@@ -32577,7 +33743,7 @@
 </p:sld>
 </file>
 
-<file path=ppt/slides/slide66.xml><?xml version="1.0" encoding="utf-8"?>
+<file path=ppt/slides/slide67.xml><?xml version="1.0" encoding="utf-8"?>
 <p:sld xmlns:a="http://schemas.openxmlformats.org/drawingml/2006/main" xmlns:r="http://schemas.openxmlformats.org/officeDocument/2006/relationships" xmlns:p="http://schemas.openxmlformats.org/presentationml/2006/main">
   <p:cSld>
     <p:spTree>
@@ -32699,7 +33865,7 @@
 </p:sld>
 </file>
 
-<file path=ppt/slides/slide67.xml><?xml version="1.0" encoding="utf-8"?>
+<file path=ppt/slides/slide68.xml><?xml version="1.0" encoding="utf-8"?>
 <p:sld xmlns:a="http://schemas.openxmlformats.org/drawingml/2006/main" xmlns:r="http://schemas.openxmlformats.org/officeDocument/2006/relationships" xmlns:p="http://schemas.openxmlformats.org/presentationml/2006/main">
   <p:cSld>
     <p:spTree>
@@ -32778,317 +33944,6 @@
     <p:extLst>
       <p:ext uri="{BB962C8B-B14F-4D97-AF65-F5344CB8AC3E}">
         <p14:creationId xmlns:p14="http://schemas.microsoft.com/office/powerpoint/2010/main" val="223639828"/>
-      </p:ext>
-    </p:extLst>
-  </p:cSld>
-  <p:clrMapOvr>
-    <a:masterClrMapping/>
-  </p:clrMapOvr>
-</p:sld>
-</file>
-
-<file path=ppt/slides/slide68.xml><?xml version="1.0" encoding="utf-8"?>
-<p:sld xmlns:a="http://schemas.openxmlformats.org/drawingml/2006/main" xmlns:r="http://schemas.openxmlformats.org/officeDocument/2006/relationships" xmlns:p="http://schemas.openxmlformats.org/presentationml/2006/main">
-  <p:cSld>
-    <p:spTree>
-      <p:nvGrpSpPr>
-        <p:cNvPr id="1" name=""/>
-        <p:cNvGrpSpPr/>
-        <p:nvPr/>
-      </p:nvGrpSpPr>
-      <p:grpSpPr>
-        <a:xfrm>
-          <a:off x="0" y="0"/>
-          <a:ext cx="0" cy="0"/>
-          <a:chOff x="0" y="0"/>
-          <a:chExt cx="0" cy="0"/>
-        </a:xfrm>
-      </p:grpSpPr>
-      <p:sp>
-        <p:nvSpPr>
-          <p:cNvPr id="4" name="Title 1"/>
-          <p:cNvSpPr>
-            <a:spLocks noGrp="1"/>
-          </p:cNvSpPr>
-          <p:nvPr>
-            <p:ph type="title"/>
-          </p:nvPr>
-        </p:nvSpPr>
-        <p:spPr/>
-        <p:txBody>
-          <a:bodyPr/>
-          <a:lstStyle/>
-          <a:p>
-            <a:r>
-              <a:rPr lang="en-US" b="1" dirty="0" smtClean="0"/>
-              <a:t>Receiving </a:t>
-            </a:r>
-            <a:r>
-              <a:rPr lang="en-US" b="1" dirty="0" err="1" smtClean="0"/>
-              <a:t>DatagramPacket</a:t>
-            </a:r>
-            <a:endParaRPr lang="en-IN" b="1" dirty="0" smtClean="0"/>
-          </a:p>
-        </p:txBody>
-      </p:sp>
-      <p:sp>
-        <p:nvSpPr>
-          <p:cNvPr id="5" name="Content Placeholder 2"/>
-          <p:cNvSpPr>
-            <a:spLocks noGrp="1"/>
-          </p:cNvSpPr>
-          <p:nvPr>
-            <p:ph idx="1"/>
-          </p:nvPr>
-        </p:nvSpPr>
-        <p:spPr>
-          <a:xfrm>
-            <a:off x="3869268" y="864108"/>
-            <a:ext cx="7987452" cy="5120640"/>
-          </a:xfrm>
-        </p:spPr>
-        <p:txBody>
-          <a:bodyPr/>
-          <a:lstStyle/>
-          <a:p>
-            <a:pPr>
-              <a:defRPr/>
-            </a:pPr>
-            <a:r>
-              <a:rPr lang="en-US" dirty="0">
-                <a:latin typeface="Courier New" pitchFamily="49" charset="0"/>
-                <a:cs typeface="Courier New" pitchFamily="49" charset="0"/>
-              </a:rPr>
-              <a:t>public </a:t>
-            </a:r>
-            <a:r>
-              <a:rPr lang="en-US" dirty="0" err="1">
-                <a:latin typeface="Courier New" pitchFamily="49" charset="0"/>
-                <a:cs typeface="Courier New" pitchFamily="49" charset="0"/>
-              </a:rPr>
-              <a:t>DatagramPacket</a:t>
-            </a:r>
-            <a:r>
-              <a:rPr lang="en-US" dirty="0">
-                <a:latin typeface="Courier New" pitchFamily="49" charset="0"/>
-                <a:cs typeface="Courier New" pitchFamily="49" charset="0"/>
-              </a:rPr>
-              <a:t>(byte[] buffer, </a:t>
-            </a:r>
-            <a:r>
-              <a:rPr lang="en-US" dirty="0" err="1">
-                <a:latin typeface="Courier New" pitchFamily="49" charset="0"/>
-                <a:cs typeface="Courier New" pitchFamily="49" charset="0"/>
-              </a:rPr>
-              <a:t>int</a:t>
-            </a:r>
-            <a:r>
-              <a:rPr lang="en-US" dirty="0">
-                <a:latin typeface="Courier New" pitchFamily="49" charset="0"/>
-                <a:cs typeface="Courier New" pitchFamily="49" charset="0"/>
-              </a:rPr>
-              <a:t> length) </a:t>
-            </a:r>
-            <a:endParaRPr lang="en-IN" dirty="0">
-              <a:latin typeface="Courier New" pitchFamily="49" charset="0"/>
-              <a:cs typeface="Courier New" pitchFamily="49" charset="0"/>
-            </a:endParaRPr>
-          </a:p>
-          <a:p>
-            <a:pPr>
-              <a:defRPr/>
-            </a:pPr>
-            <a:r>
-              <a:rPr lang="en-US" dirty="0">
-                <a:latin typeface="Courier New" pitchFamily="49" charset="0"/>
-                <a:cs typeface="Courier New" pitchFamily="49" charset="0"/>
-              </a:rPr>
-              <a:t>public </a:t>
-            </a:r>
-            <a:r>
-              <a:rPr lang="en-US" dirty="0" err="1">
-                <a:latin typeface="Courier New" pitchFamily="49" charset="0"/>
-                <a:cs typeface="Courier New" pitchFamily="49" charset="0"/>
-              </a:rPr>
-              <a:t>DatagramPacket</a:t>
-            </a:r>
-            <a:r>
-              <a:rPr lang="en-US" dirty="0">
-                <a:latin typeface="Courier New" pitchFamily="49" charset="0"/>
-                <a:cs typeface="Courier New" pitchFamily="49" charset="0"/>
-              </a:rPr>
-              <a:t>(byte[] buffer, </a:t>
-            </a:r>
-            <a:r>
-              <a:rPr lang="en-US" dirty="0" err="1">
-                <a:latin typeface="Courier New" pitchFamily="49" charset="0"/>
-                <a:cs typeface="Courier New" pitchFamily="49" charset="0"/>
-              </a:rPr>
-              <a:t>int</a:t>
-            </a:r>
-            <a:r>
-              <a:rPr lang="en-US" dirty="0">
-                <a:latin typeface="Courier New" pitchFamily="49" charset="0"/>
-                <a:cs typeface="Courier New" pitchFamily="49" charset="0"/>
-              </a:rPr>
-              <a:t> offset, </a:t>
-            </a:r>
-            <a:r>
-              <a:rPr lang="en-US" dirty="0" err="1">
-                <a:latin typeface="Courier New" pitchFamily="49" charset="0"/>
-                <a:cs typeface="Courier New" pitchFamily="49" charset="0"/>
-              </a:rPr>
-              <a:t>int</a:t>
-            </a:r>
-            <a:r>
-              <a:rPr lang="en-US" dirty="0">
-                <a:latin typeface="Courier New" pitchFamily="49" charset="0"/>
-                <a:cs typeface="Courier New" pitchFamily="49" charset="0"/>
-              </a:rPr>
-              <a:t> length</a:t>
-            </a:r>
-            <a:r>
-              <a:rPr lang="en-US" dirty="0" smtClean="0">
-                <a:latin typeface="Courier New" pitchFamily="49" charset="0"/>
-                <a:cs typeface="Courier New" pitchFamily="49" charset="0"/>
-              </a:rPr>
-              <a:t>)</a:t>
-            </a:r>
-          </a:p>
-          <a:p>
-            <a:pPr lvl="1">
-              <a:defRPr/>
-            </a:pPr>
-            <a:r>
-              <a:rPr lang="en-US" dirty="0" smtClean="0"/>
-              <a:t>Example: </a:t>
-            </a:r>
-          </a:p>
-          <a:p>
-            <a:pPr marL="457200" lvl="1" indent="0">
-              <a:buFont typeface="Arial" charset="0"/>
-              <a:buNone/>
-              <a:defRPr/>
-            </a:pPr>
-            <a:r>
-              <a:rPr lang="en-US" dirty="0" smtClean="0">
-                <a:latin typeface="Courier New" pitchFamily="49" charset="0"/>
-                <a:cs typeface="Courier New" pitchFamily="49" charset="0"/>
-              </a:rPr>
-              <a:t>byte</a:t>
-            </a:r>
-            <a:r>
-              <a:rPr lang="en-US" dirty="0">
-                <a:latin typeface="Courier New" pitchFamily="49" charset="0"/>
-                <a:cs typeface="Courier New" pitchFamily="49" charset="0"/>
-              </a:rPr>
-              <a:t>[] buffer = new byte[8192</a:t>
-            </a:r>
-            <a:r>
-              <a:rPr lang="en-US" dirty="0" smtClean="0">
-                <a:latin typeface="Courier New" pitchFamily="49" charset="0"/>
-                <a:cs typeface="Courier New" pitchFamily="49" charset="0"/>
-              </a:rPr>
-              <a:t>];</a:t>
-            </a:r>
-            <a:endParaRPr lang="en-IN" dirty="0">
-              <a:latin typeface="Courier New" pitchFamily="49" charset="0"/>
-              <a:cs typeface="Courier New" pitchFamily="49" charset="0"/>
-            </a:endParaRPr>
-          </a:p>
-          <a:p>
-            <a:pPr marL="457200" lvl="1" indent="0">
-              <a:buFont typeface="Arial" charset="0"/>
-              <a:buNone/>
-              <a:defRPr/>
-            </a:pPr>
-            <a:r>
-              <a:rPr lang="en-US" dirty="0" err="1" smtClean="0">
-                <a:latin typeface="Courier New" pitchFamily="49" charset="0"/>
-                <a:cs typeface="Courier New" pitchFamily="49" charset="0"/>
-              </a:rPr>
-              <a:t>DatagramPacket</a:t>
-            </a:r>
-            <a:r>
-              <a:rPr lang="en-US" dirty="0" smtClean="0">
-                <a:latin typeface="Courier New" pitchFamily="49" charset="0"/>
-                <a:cs typeface="Courier New" pitchFamily="49" charset="0"/>
-              </a:rPr>
-              <a:t> </a:t>
-            </a:r>
-            <a:r>
-              <a:rPr lang="en-US" dirty="0" err="1">
-                <a:latin typeface="Courier New" pitchFamily="49" charset="0"/>
-                <a:cs typeface="Courier New" pitchFamily="49" charset="0"/>
-              </a:rPr>
-              <a:t>dp</a:t>
-            </a:r>
-            <a:r>
-              <a:rPr lang="en-US" dirty="0">
-                <a:latin typeface="Courier New" pitchFamily="49" charset="0"/>
-                <a:cs typeface="Courier New" pitchFamily="49" charset="0"/>
-              </a:rPr>
-              <a:t> = new </a:t>
-            </a:r>
-            <a:endParaRPr lang="en-US" dirty="0" smtClean="0">
-              <a:latin typeface="Courier New" pitchFamily="49" charset="0"/>
-              <a:cs typeface="Courier New" pitchFamily="49" charset="0"/>
-            </a:endParaRPr>
-          </a:p>
-          <a:p>
-            <a:pPr marL="457200" lvl="1" indent="0">
-              <a:buFont typeface="Arial" charset="0"/>
-              <a:buNone/>
-              <a:defRPr/>
-            </a:pPr>
-            <a:r>
-              <a:rPr lang="en-US" dirty="0" err="1" smtClean="0">
-                <a:latin typeface="Courier New" pitchFamily="49" charset="0"/>
-                <a:cs typeface="Courier New" pitchFamily="49" charset="0"/>
-              </a:rPr>
-              <a:t>DatagramPacket</a:t>
-            </a:r>
-            <a:r>
-              <a:rPr lang="en-US" dirty="0" smtClean="0">
-                <a:latin typeface="Courier New" pitchFamily="49" charset="0"/>
-                <a:cs typeface="Courier New" pitchFamily="49" charset="0"/>
-              </a:rPr>
-              <a:t>(buffer, </a:t>
-            </a:r>
-            <a:r>
-              <a:rPr lang="en-US" dirty="0" err="1" smtClean="0">
-                <a:latin typeface="Courier New" pitchFamily="49" charset="0"/>
-                <a:cs typeface="Courier New" pitchFamily="49" charset="0"/>
-              </a:rPr>
-              <a:t>buffer.length</a:t>
-            </a:r>
-            <a:r>
-              <a:rPr lang="en-US" dirty="0">
-                <a:latin typeface="Courier New" pitchFamily="49" charset="0"/>
-                <a:cs typeface="Courier New" pitchFamily="49" charset="0"/>
-              </a:rPr>
-              <a:t>);</a:t>
-            </a:r>
-            <a:endParaRPr lang="en-IN" dirty="0">
-              <a:latin typeface="Courier New" pitchFamily="49" charset="0"/>
-              <a:cs typeface="Courier New" pitchFamily="49" charset="0"/>
-            </a:endParaRPr>
-          </a:p>
-          <a:p>
-            <a:pPr lvl="1">
-              <a:defRPr/>
-            </a:pPr>
-            <a:endParaRPr lang="en-IN" dirty="0"/>
-          </a:p>
-        </p:txBody>
-      </p:sp>
-    </p:spTree>
-    <p:custDataLst>
-      <p:tags r:id="rId1"/>
-    </p:custDataLst>
-    <p:extLst>
-      <p:ext uri="{BB962C8B-B14F-4D97-AF65-F5344CB8AC3E}">
-        <p14:creationId xmlns:p14="http://schemas.microsoft.com/office/powerpoint/2010/main" val="2142409453"/>
       </p:ext>
     </p:extLst>
   </p:cSld>
@@ -33132,7 +33987,11 @@
           <a:p>
             <a:r>
               <a:rPr lang="en-US" b="1" dirty="0" smtClean="0"/>
-              <a:t>Sending Datagrams</a:t>
+              <a:t>Receiving </a:t>
+            </a:r>
+            <a:r>
+              <a:rPr lang="en-US" b="1" dirty="0" err="1" smtClean="0"/>
+              <a:t>DatagramPacket</a:t>
             </a:r>
             <a:endParaRPr lang="en-IN" b="1" dirty="0" smtClean="0"/>
           </a:p>
@@ -33148,167 +34007,244 @@
             <p:ph idx="1"/>
           </p:nvPr>
         </p:nvSpPr>
-        <p:spPr/>
+        <p:spPr>
+          <a:xfrm>
+            <a:off x="3869268" y="864108"/>
+            <a:ext cx="7987452" cy="5120640"/>
+          </a:xfrm>
+        </p:spPr>
         <p:txBody>
           <a:bodyPr/>
           <a:lstStyle/>
           <a:p>
-            <a:r>
-              <a:rPr lang="en-US" dirty="0" smtClean="0">
+            <a:pPr>
+              <a:defRPr/>
+            </a:pPr>
+            <a:r>
+              <a:rPr lang="en-US" dirty="0">
                 <a:latin typeface="Courier New" pitchFamily="49" charset="0"/>
                 <a:cs typeface="Courier New" pitchFamily="49" charset="0"/>
               </a:rPr>
               <a:t>public </a:t>
             </a:r>
             <a:r>
-              <a:rPr lang="en-US" dirty="0" err="1" smtClean="0">
+              <a:rPr lang="en-US" dirty="0" err="1">
                 <a:latin typeface="Courier New" pitchFamily="49" charset="0"/>
                 <a:cs typeface="Courier New" pitchFamily="49" charset="0"/>
               </a:rPr>
               <a:t>DatagramPacket</a:t>
             </a:r>
             <a:r>
-              <a:rPr lang="en-US" dirty="0" smtClean="0">
-                <a:latin typeface="Courier New" pitchFamily="49" charset="0"/>
-                <a:cs typeface="Courier New" pitchFamily="49" charset="0"/>
-              </a:rPr>
-              <a:t>(byte[] data, </a:t>
-            </a:r>
-            <a:r>
-              <a:rPr lang="en-US" dirty="0" err="1" smtClean="0">
+              <a:rPr lang="en-US" dirty="0">
+                <a:latin typeface="Courier New" pitchFamily="49" charset="0"/>
+                <a:cs typeface="Courier New" pitchFamily="49" charset="0"/>
+              </a:rPr>
+              <a:t>(byte[] buffer, </a:t>
+            </a:r>
+            <a:r>
+              <a:rPr lang="en-US" dirty="0" err="1">
                 <a:latin typeface="Courier New" pitchFamily="49" charset="0"/>
                 <a:cs typeface="Courier New" pitchFamily="49" charset="0"/>
               </a:rPr>
               <a:t>int</a:t>
             </a:r>
             <a:r>
-              <a:rPr lang="en-US" dirty="0" smtClean="0">
-                <a:latin typeface="Courier New" pitchFamily="49" charset="0"/>
-                <a:cs typeface="Courier New" pitchFamily="49" charset="0"/>
-              </a:rPr>
-              <a:t> length, </a:t>
-            </a:r>
-            <a:r>
-              <a:rPr lang="en-US" dirty="0" err="1" smtClean="0">
-                <a:latin typeface="Courier New" pitchFamily="49" charset="0"/>
-                <a:cs typeface="Courier New" pitchFamily="49" charset="0"/>
-              </a:rPr>
-              <a:t>InetAddress</a:t>
-            </a:r>
-            <a:r>
-              <a:rPr lang="en-US" dirty="0" smtClean="0">
-                <a:latin typeface="Courier New" pitchFamily="49" charset="0"/>
-                <a:cs typeface="Courier New" pitchFamily="49" charset="0"/>
-              </a:rPr>
-              <a:t> destination, </a:t>
-            </a:r>
-            <a:r>
-              <a:rPr lang="en-US" dirty="0" err="1" smtClean="0">
-                <a:latin typeface="Courier New" pitchFamily="49" charset="0"/>
-                <a:cs typeface="Courier New" pitchFamily="49" charset="0"/>
-              </a:rPr>
-              <a:t>int</a:t>
-            </a:r>
-            <a:r>
-              <a:rPr lang="en-US" dirty="0" smtClean="0">
-                <a:latin typeface="Courier New" pitchFamily="49" charset="0"/>
-                <a:cs typeface="Courier New" pitchFamily="49" charset="0"/>
-              </a:rPr>
-              <a:t> port)</a:t>
-            </a:r>
-            <a:endParaRPr lang="en-IN" dirty="0" smtClean="0">
+              <a:rPr lang="en-US" dirty="0">
+                <a:latin typeface="Courier New" pitchFamily="49" charset="0"/>
+                <a:cs typeface="Courier New" pitchFamily="49" charset="0"/>
+              </a:rPr>
+              <a:t> length) </a:t>
+            </a:r>
+            <a:endParaRPr lang="en-IN" dirty="0">
               <a:latin typeface="Courier New" pitchFamily="49" charset="0"/>
               <a:cs typeface="Courier New" pitchFamily="49" charset="0"/>
             </a:endParaRPr>
           </a:p>
           <a:p>
+            <a:pPr>
+              <a:defRPr/>
+            </a:pPr>
+            <a:r>
+              <a:rPr lang="en-US" dirty="0">
+                <a:latin typeface="Courier New" pitchFamily="49" charset="0"/>
+                <a:cs typeface="Courier New" pitchFamily="49" charset="0"/>
+              </a:rPr>
+              <a:t>public </a:t>
+            </a:r>
+            <a:r>
+              <a:rPr lang="en-US" dirty="0" err="1">
+                <a:latin typeface="Courier New" pitchFamily="49" charset="0"/>
+                <a:cs typeface="Courier New" pitchFamily="49" charset="0"/>
+              </a:rPr>
+              <a:t>DatagramPacket</a:t>
+            </a:r>
+            <a:r>
+              <a:rPr lang="en-US" dirty="0">
+                <a:latin typeface="Courier New" pitchFamily="49" charset="0"/>
+                <a:cs typeface="Courier New" pitchFamily="49" charset="0"/>
+              </a:rPr>
+              <a:t>(byte[] buffer, </a:t>
+            </a:r>
+            <a:r>
+              <a:rPr lang="en-US" dirty="0" err="1">
+                <a:latin typeface="Courier New" pitchFamily="49" charset="0"/>
+                <a:cs typeface="Courier New" pitchFamily="49" charset="0"/>
+              </a:rPr>
+              <a:t>int</a:t>
+            </a:r>
+            <a:r>
+              <a:rPr lang="en-US" dirty="0">
+                <a:latin typeface="Courier New" pitchFamily="49" charset="0"/>
+                <a:cs typeface="Courier New" pitchFamily="49" charset="0"/>
+              </a:rPr>
+              <a:t> offset, </a:t>
+            </a:r>
+            <a:r>
+              <a:rPr lang="en-US" dirty="0" err="1">
+                <a:latin typeface="Courier New" pitchFamily="49" charset="0"/>
+                <a:cs typeface="Courier New" pitchFamily="49" charset="0"/>
+              </a:rPr>
+              <a:t>int</a:t>
+            </a:r>
+            <a:r>
+              <a:rPr lang="en-US" dirty="0">
+                <a:latin typeface="Courier New" pitchFamily="49" charset="0"/>
+                <a:cs typeface="Courier New" pitchFamily="49" charset="0"/>
+              </a:rPr>
+              <a:t> length</a:t>
+            </a:r>
             <a:r>
               <a:rPr lang="en-US" dirty="0" smtClean="0">
                 <a:latin typeface="Courier New" pitchFamily="49" charset="0"/>
                 <a:cs typeface="Courier New" pitchFamily="49" charset="0"/>
               </a:rPr>
-              <a:t>public </a:t>
-            </a:r>
-            <a:r>
-              <a:rPr lang="en-US" dirty="0" err="1" smtClean="0">
-                <a:latin typeface="Courier New" pitchFamily="49" charset="0"/>
-                <a:cs typeface="Courier New" pitchFamily="49" charset="0"/>
-              </a:rPr>
-              <a:t>DatagramPacket</a:t>
-            </a:r>
+              <a:t>)</a:t>
+            </a:r>
+          </a:p>
+          <a:p>
+            <a:pPr lvl="1">
+              <a:defRPr/>
+            </a:pPr>
+            <a:r>
+              <a:rPr lang="en-US" dirty="0" smtClean="0"/>
+              <a:t>Example: </a:t>
+            </a:r>
+          </a:p>
+          <a:p>
+            <a:pPr marL="457200" lvl="1" indent="0">
+              <a:buFont typeface="Arial" charset="0"/>
+              <a:buNone/>
+              <a:defRPr/>
+            </a:pPr>
             <a:r>
               <a:rPr lang="en-US" dirty="0" smtClean="0">
                 <a:latin typeface="Courier New" pitchFamily="49" charset="0"/>
                 <a:cs typeface="Courier New" pitchFamily="49" charset="0"/>
               </a:rPr>
-              <a:t>(byte[] data, </a:t>
-            </a:r>
-            <a:r>
-              <a:rPr lang="en-US" dirty="0" err="1" smtClean="0">
-                <a:latin typeface="Courier New" pitchFamily="49" charset="0"/>
-                <a:cs typeface="Courier New" pitchFamily="49" charset="0"/>
-              </a:rPr>
-              <a:t>int</a:t>
+              <a:t>byte</a:t>
+            </a:r>
+            <a:r>
+              <a:rPr lang="en-US" dirty="0">
+                <a:latin typeface="Courier New" pitchFamily="49" charset="0"/>
+                <a:cs typeface="Courier New" pitchFamily="49" charset="0"/>
+              </a:rPr>
+              <a:t>[] buffer = new byte[8192</a:t>
             </a:r>
             <a:r>
               <a:rPr lang="en-US" dirty="0" smtClean="0">
                 <a:latin typeface="Courier New" pitchFamily="49" charset="0"/>
                 <a:cs typeface="Courier New" pitchFamily="49" charset="0"/>
               </a:rPr>
-              <a:t> offset, </a:t>
-            </a:r>
-            <a:r>
-              <a:rPr lang="en-US" dirty="0" err="1" smtClean="0">
-                <a:latin typeface="Courier New" pitchFamily="49" charset="0"/>
-                <a:cs typeface="Courier New" pitchFamily="49" charset="0"/>
-              </a:rPr>
-              <a:t>int</a:t>
-            </a:r>
-            <a:r>
-              <a:rPr lang="en-US" dirty="0" smtClean="0">
-                <a:latin typeface="Courier New" pitchFamily="49" charset="0"/>
-                <a:cs typeface="Courier New" pitchFamily="49" charset="0"/>
-              </a:rPr>
-              <a:t> length, </a:t>
-            </a:r>
-            <a:r>
-              <a:rPr lang="fr-FR" dirty="0" err="1" smtClean="0">
-                <a:latin typeface="Courier New" pitchFamily="49" charset="0"/>
-                <a:cs typeface="Courier New" pitchFamily="49" charset="0"/>
-              </a:rPr>
-              <a:t>InetAddress</a:t>
-            </a:r>
-            <a:r>
-              <a:rPr lang="fr-FR" dirty="0" smtClean="0">
-                <a:latin typeface="Courier New" pitchFamily="49" charset="0"/>
-                <a:cs typeface="Courier New" pitchFamily="49" charset="0"/>
-              </a:rPr>
-              <a:t> destination, </a:t>
-            </a:r>
-            <a:r>
-              <a:rPr lang="fr-FR" dirty="0" err="1" smtClean="0">
-                <a:latin typeface="Courier New" pitchFamily="49" charset="0"/>
-                <a:cs typeface="Courier New" pitchFamily="49" charset="0"/>
-              </a:rPr>
-              <a:t>int</a:t>
-            </a:r>
-            <a:r>
-              <a:rPr lang="fr-FR" dirty="0" smtClean="0">
-                <a:latin typeface="Courier New" pitchFamily="49" charset="0"/>
-                <a:cs typeface="Courier New" pitchFamily="49" charset="0"/>
-              </a:rPr>
-              <a:t> port)</a:t>
-            </a:r>
-            <a:endParaRPr lang="en-IN" dirty="0" smtClean="0">
+              <a:t>];</a:t>
+            </a:r>
+            <a:endParaRPr lang="en-IN" dirty="0">
               <a:latin typeface="Courier New" pitchFamily="49" charset="0"/>
               <a:cs typeface="Courier New" pitchFamily="49" charset="0"/>
             </a:endParaRPr>
           </a:p>
           <a:p>
-            <a:endParaRPr lang="en-IN" dirty="0" smtClean="0">
+            <a:pPr marL="457200" lvl="1" indent="0">
+              <a:buFont typeface="Arial" charset="0"/>
+              <a:buNone/>
+              <a:defRPr/>
+            </a:pPr>
+            <a:r>
+              <a:rPr lang="en-US" dirty="0" err="1" smtClean="0">
+                <a:latin typeface="Courier New" pitchFamily="49" charset="0"/>
+                <a:cs typeface="Courier New" pitchFamily="49" charset="0"/>
+              </a:rPr>
+              <a:t>DatagramPacket</a:t>
+            </a:r>
+            <a:r>
+              <a:rPr lang="en-US" dirty="0" smtClean="0">
+                <a:latin typeface="Courier New" pitchFamily="49" charset="0"/>
+                <a:cs typeface="Courier New" pitchFamily="49" charset="0"/>
+              </a:rPr>
+              <a:t> </a:t>
+            </a:r>
+            <a:r>
+              <a:rPr lang="en-US" dirty="0" err="1">
+                <a:latin typeface="Courier New" pitchFamily="49" charset="0"/>
+                <a:cs typeface="Courier New" pitchFamily="49" charset="0"/>
+              </a:rPr>
+              <a:t>dp</a:t>
+            </a:r>
+            <a:r>
+              <a:rPr lang="en-US" dirty="0">
+                <a:latin typeface="Courier New" pitchFamily="49" charset="0"/>
+                <a:cs typeface="Courier New" pitchFamily="49" charset="0"/>
+              </a:rPr>
+              <a:t> = new </a:t>
+            </a:r>
+            <a:endParaRPr lang="en-US" dirty="0" smtClean="0">
               <a:latin typeface="Courier New" pitchFamily="49" charset="0"/>
               <a:cs typeface="Courier New" pitchFamily="49" charset="0"/>
             </a:endParaRPr>
+          </a:p>
+          <a:p>
+            <a:pPr marL="457200" lvl="1" indent="0">
+              <a:buFont typeface="Arial" charset="0"/>
+              <a:buNone/>
+              <a:defRPr/>
+            </a:pPr>
+            <a:r>
+              <a:rPr lang="en-US" dirty="0" err="1" smtClean="0">
+                <a:latin typeface="Courier New" pitchFamily="49" charset="0"/>
+                <a:cs typeface="Courier New" pitchFamily="49" charset="0"/>
+              </a:rPr>
+              <a:t>DatagramPacket</a:t>
+            </a:r>
+            <a:r>
+              <a:rPr lang="en-US" dirty="0" smtClean="0">
+                <a:latin typeface="Courier New" pitchFamily="49" charset="0"/>
+                <a:cs typeface="Courier New" pitchFamily="49" charset="0"/>
+              </a:rPr>
+              <a:t>(buffer, </a:t>
+            </a:r>
+            <a:r>
+              <a:rPr lang="en-US" dirty="0" err="1" smtClean="0">
+                <a:latin typeface="Courier New" pitchFamily="49" charset="0"/>
+                <a:cs typeface="Courier New" pitchFamily="49" charset="0"/>
+              </a:rPr>
+              <a:t>buffer.length</a:t>
+            </a:r>
+            <a:r>
+              <a:rPr lang="en-US" dirty="0">
+                <a:latin typeface="Courier New" pitchFamily="49" charset="0"/>
+                <a:cs typeface="Courier New" pitchFamily="49" charset="0"/>
+              </a:rPr>
+              <a:t>);</a:t>
+            </a:r>
+            <a:endParaRPr lang="en-IN" dirty="0">
+              <a:latin typeface="Courier New" pitchFamily="49" charset="0"/>
+              <a:cs typeface="Courier New" pitchFamily="49" charset="0"/>
+            </a:endParaRPr>
+          </a:p>
+          <a:p>
+            <a:pPr lvl="1">
+              <a:defRPr/>
+            </a:pPr>
+            <a:endParaRPr lang="en-IN" dirty="0"/>
           </a:p>
         </p:txBody>
       </p:sp>
@@ -33318,7 +34254,7 @@
     </p:custDataLst>
     <p:extLst>
       <p:ext uri="{BB962C8B-B14F-4D97-AF65-F5344CB8AC3E}">
-        <p14:creationId xmlns:p14="http://schemas.microsoft.com/office/powerpoint/2010/main" val="1658944416"/>
+        <p14:creationId xmlns:p14="http://schemas.microsoft.com/office/powerpoint/2010/main" val="2142409453"/>
       </p:ext>
     </p:extLst>
   </p:cSld>
@@ -33473,8 +34409,8 @@
           <a:lstStyle/>
           <a:p>
             <a:r>
-              <a:rPr lang="en-US" b="1" dirty="0" err="1" smtClean="0"/>
-              <a:t>DatagramSocket</a:t>
+              <a:rPr lang="en-US" b="1" dirty="0" smtClean="0"/>
+              <a:t>Sending Datagrams</a:t>
             </a:r>
             <a:endParaRPr lang="en-IN" b="1" dirty="0" smtClean="0"/>
           </a:p>
@@ -33496,32 +34432,67 @@
           <a:lstStyle/>
           <a:p>
             <a:r>
-              <a:rPr lang="en-IN" dirty="0" smtClean="0">
+              <a:rPr lang="en-US" dirty="0" smtClean="0">
                 <a:latin typeface="Courier New" pitchFamily="49" charset="0"/>
                 <a:cs typeface="Courier New" pitchFamily="49" charset="0"/>
               </a:rPr>
               <a:t>public </a:t>
             </a:r>
             <a:r>
-              <a:rPr lang="en-IN" dirty="0" err="1" smtClean="0">
-                <a:latin typeface="Courier New" pitchFamily="49" charset="0"/>
-                <a:cs typeface="Courier New" pitchFamily="49" charset="0"/>
-              </a:rPr>
-              <a:t>DatagramSocket</a:t>
-            </a:r>
-            <a:r>
-              <a:rPr lang="en-IN" dirty="0" smtClean="0">
-                <a:latin typeface="Courier New" pitchFamily="49" charset="0"/>
-                <a:cs typeface="Courier New" pitchFamily="49" charset="0"/>
-              </a:rPr>
-              <a:t>( ) throws </a:t>
-            </a:r>
-            <a:r>
-              <a:rPr lang="en-IN" dirty="0" err="1" smtClean="0">
-                <a:latin typeface="Courier New" pitchFamily="49" charset="0"/>
-                <a:cs typeface="Courier New" pitchFamily="49" charset="0"/>
-              </a:rPr>
-              <a:t>SocketException</a:t>
+              <a:rPr lang="en-US" dirty="0" err="1" smtClean="0">
+                <a:latin typeface="Courier New" pitchFamily="49" charset="0"/>
+                <a:cs typeface="Courier New" pitchFamily="49" charset="0"/>
+              </a:rPr>
+              <a:t>DatagramPacket</a:t>
+            </a:r>
+            <a:r>
+              <a:rPr lang="en-US" dirty="0" smtClean="0">
+                <a:latin typeface="Courier New" pitchFamily="49" charset="0"/>
+                <a:cs typeface="Courier New" pitchFamily="49" charset="0"/>
+              </a:rPr>
+              <a:t>(byte[] data, </a:t>
+            </a:r>
+            <a:r>
+              <a:rPr lang="en-US" dirty="0" err="1" smtClean="0">
+                <a:latin typeface="Courier New" pitchFamily="49" charset="0"/>
+                <a:cs typeface="Courier New" pitchFamily="49" charset="0"/>
+              </a:rPr>
+              <a:t>int</a:t>
+            </a:r>
+            <a:r>
+              <a:rPr lang="en-US" dirty="0" smtClean="0">
+                <a:latin typeface="Courier New" pitchFamily="49" charset="0"/>
+                <a:cs typeface="Courier New" pitchFamily="49" charset="0"/>
+              </a:rPr>
+              <a:t> length, </a:t>
+            </a:r>
+            <a:r>
+              <a:rPr lang="en-US" dirty="0" err="1" smtClean="0">
+                <a:latin typeface="Courier New" pitchFamily="49" charset="0"/>
+                <a:cs typeface="Courier New" pitchFamily="49" charset="0"/>
+              </a:rPr>
+              <a:t>InetAddress</a:t>
+            </a:r>
+            <a:r>
+              <a:rPr lang="en-US" dirty="0" smtClean="0">
+                <a:latin typeface="Courier New" pitchFamily="49" charset="0"/>
+                <a:cs typeface="Courier New" pitchFamily="49" charset="0"/>
+              </a:rPr>
+              <a:t> destination, </a:t>
+            </a:r>
+            <a:r>
+              <a:rPr lang="en-US" dirty="0" err="1" smtClean="0">
+                <a:latin typeface="Courier New" pitchFamily="49" charset="0"/>
+                <a:cs typeface="Courier New" pitchFamily="49" charset="0"/>
+              </a:rPr>
+              <a:t>int</a:t>
+            </a:r>
+            <a:r>
+              <a:rPr lang="en-US" dirty="0" smtClean="0">
+                <a:latin typeface="Courier New" pitchFamily="49" charset="0"/>
+                <a:cs typeface="Courier New" pitchFamily="49" charset="0"/>
+              </a:rPr>
+              <a:t> port)</a:t>
             </a:r>
             <a:endParaRPr lang="en-IN" dirty="0" smtClean="0">
               <a:latin typeface="Courier New" pitchFamily="49" charset="0"/>
@@ -33530,46 +34501,81 @@
           </a:p>
           <a:p>
             <a:r>
-              <a:rPr lang="en-IN" dirty="0" smtClean="0">
+              <a:rPr lang="en-US" dirty="0" smtClean="0">
                 <a:latin typeface="Courier New" pitchFamily="49" charset="0"/>
                 <a:cs typeface="Courier New" pitchFamily="49" charset="0"/>
               </a:rPr>
               <a:t>public </a:t>
             </a:r>
             <a:r>
-              <a:rPr lang="en-IN" dirty="0" err="1" smtClean="0">
-                <a:latin typeface="Courier New" pitchFamily="49" charset="0"/>
-                <a:cs typeface="Courier New" pitchFamily="49" charset="0"/>
-              </a:rPr>
-              <a:t>DatagramSocket</a:t>
-            </a:r>
-            <a:r>
-              <a:rPr lang="en-IN" dirty="0" smtClean="0">
-                <a:latin typeface="Courier New" pitchFamily="49" charset="0"/>
-                <a:cs typeface="Courier New" pitchFamily="49" charset="0"/>
-              </a:rPr>
-              <a:t>(</a:t>
-            </a:r>
-            <a:r>
-              <a:rPr lang="en-IN" dirty="0" err="1" smtClean="0">
+              <a:rPr lang="en-US" dirty="0" err="1" smtClean="0">
+                <a:latin typeface="Courier New" pitchFamily="49" charset="0"/>
+                <a:cs typeface="Courier New" pitchFamily="49" charset="0"/>
+              </a:rPr>
+              <a:t>DatagramPacket</a:t>
+            </a:r>
+            <a:r>
+              <a:rPr lang="en-US" dirty="0" smtClean="0">
+                <a:latin typeface="Courier New" pitchFamily="49" charset="0"/>
+                <a:cs typeface="Courier New" pitchFamily="49" charset="0"/>
+              </a:rPr>
+              <a:t>(byte[] data, </a:t>
+            </a:r>
+            <a:r>
+              <a:rPr lang="en-US" dirty="0" err="1" smtClean="0">
                 <a:latin typeface="Courier New" pitchFamily="49" charset="0"/>
                 <a:cs typeface="Courier New" pitchFamily="49" charset="0"/>
               </a:rPr>
               <a:t>int</a:t>
             </a:r>
             <a:r>
-              <a:rPr lang="en-IN" dirty="0" smtClean="0">
-                <a:latin typeface="Courier New" pitchFamily="49" charset="0"/>
-                <a:cs typeface="Courier New" pitchFamily="49" charset="0"/>
-              </a:rPr>
-              <a:t> port) throws </a:t>
-            </a:r>
-            <a:r>
-              <a:rPr lang="en-IN" dirty="0" err="1" smtClean="0">
-                <a:latin typeface="Courier New" pitchFamily="49" charset="0"/>
-                <a:cs typeface="Courier New" pitchFamily="49" charset="0"/>
-              </a:rPr>
-              <a:t>SocketException</a:t>
+              <a:rPr lang="en-US" dirty="0" smtClean="0">
+                <a:latin typeface="Courier New" pitchFamily="49" charset="0"/>
+                <a:cs typeface="Courier New" pitchFamily="49" charset="0"/>
+              </a:rPr>
+              <a:t> offset, </a:t>
+            </a:r>
+            <a:r>
+              <a:rPr lang="en-US" dirty="0" err="1" smtClean="0">
+                <a:latin typeface="Courier New" pitchFamily="49" charset="0"/>
+                <a:cs typeface="Courier New" pitchFamily="49" charset="0"/>
+              </a:rPr>
+              <a:t>int</a:t>
+            </a:r>
+            <a:r>
+              <a:rPr lang="en-US" dirty="0" smtClean="0">
+                <a:latin typeface="Courier New" pitchFamily="49" charset="0"/>
+                <a:cs typeface="Courier New" pitchFamily="49" charset="0"/>
+              </a:rPr>
+              <a:t> length, </a:t>
+            </a:r>
+            <a:r>
+              <a:rPr lang="fr-FR" dirty="0" err="1" smtClean="0">
+                <a:latin typeface="Courier New" pitchFamily="49" charset="0"/>
+                <a:cs typeface="Courier New" pitchFamily="49" charset="0"/>
+              </a:rPr>
+              <a:t>InetAddress</a:t>
+            </a:r>
+            <a:r>
+              <a:rPr lang="fr-FR" dirty="0" smtClean="0">
+                <a:latin typeface="Courier New" pitchFamily="49" charset="0"/>
+                <a:cs typeface="Courier New" pitchFamily="49" charset="0"/>
+              </a:rPr>
+              <a:t> destination, </a:t>
+            </a:r>
+            <a:r>
+              <a:rPr lang="fr-FR" dirty="0" err="1" smtClean="0">
+                <a:latin typeface="Courier New" pitchFamily="49" charset="0"/>
+                <a:cs typeface="Courier New" pitchFamily="49" charset="0"/>
+              </a:rPr>
+              <a:t>int</a:t>
+            </a:r>
+            <a:r>
+              <a:rPr lang="fr-FR" dirty="0" smtClean="0">
+                <a:latin typeface="Courier New" pitchFamily="49" charset="0"/>
+                <a:cs typeface="Courier New" pitchFamily="49" charset="0"/>
+              </a:rPr>
+              <a:t> port)</a:t>
             </a:r>
             <a:endParaRPr lang="en-IN" dirty="0" smtClean="0">
               <a:latin typeface="Courier New" pitchFamily="49" charset="0"/>
@@ -33577,62 +34583,6 @@
             </a:endParaRPr>
           </a:p>
           <a:p>
-            <a:r>
-              <a:rPr lang="en-IN" dirty="0" smtClean="0">
-                <a:latin typeface="Courier New" pitchFamily="49" charset="0"/>
-                <a:cs typeface="Courier New" pitchFamily="49" charset="0"/>
-              </a:rPr>
-              <a:t>public </a:t>
-            </a:r>
-            <a:r>
-              <a:rPr lang="en-IN" dirty="0" err="1" smtClean="0">
-                <a:latin typeface="Courier New" pitchFamily="49" charset="0"/>
-                <a:cs typeface="Courier New" pitchFamily="49" charset="0"/>
-              </a:rPr>
-              <a:t>DatagramSocket</a:t>
-            </a:r>
-            <a:r>
-              <a:rPr lang="en-IN" dirty="0" smtClean="0">
-                <a:latin typeface="Courier New" pitchFamily="49" charset="0"/>
-                <a:cs typeface="Courier New" pitchFamily="49" charset="0"/>
-              </a:rPr>
-              <a:t>(</a:t>
-            </a:r>
-            <a:r>
-              <a:rPr lang="en-IN" dirty="0" err="1" smtClean="0">
-                <a:latin typeface="Courier New" pitchFamily="49" charset="0"/>
-                <a:cs typeface="Courier New" pitchFamily="49" charset="0"/>
-              </a:rPr>
-              <a:t>int</a:t>
-            </a:r>
-            <a:r>
-              <a:rPr lang="en-IN" dirty="0" smtClean="0">
-                <a:latin typeface="Courier New" pitchFamily="49" charset="0"/>
-                <a:cs typeface="Courier New" pitchFamily="49" charset="0"/>
-              </a:rPr>
-              <a:t> port, </a:t>
-            </a:r>
-            <a:r>
-              <a:rPr lang="en-IN" dirty="0" err="1" smtClean="0">
-                <a:latin typeface="Courier New" pitchFamily="49" charset="0"/>
-                <a:cs typeface="Courier New" pitchFamily="49" charset="0"/>
-              </a:rPr>
-              <a:t>InetAddress</a:t>
-            </a:r>
-            <a:r>
-              <a:rPr lang="en-IN" dirty="0" smtClean="0">
-                <a:latin typeface="Courier New" pitchFamily="49" charset="0"/>
-                <a:cs typeface="Courier New" pitchFamily="49" charset="0"/>
-              </a:rPr>
-              <a:t> interface) throws </a:t>
-            </a:r>
-            <a:r>
-              <a:rPr lang="en-IN" dirty="0" err="1" smtClean="0">
-                <a:latin typeface="Courier New" pitchFamily="49" charset="0"/>
-                <a:cs typeface="Courier New" pitchFamily="49" charset="0"/>
-              </a:rPr>
-              <a:t>SocketException</a:t>
-            </a:r>
             <a:endParaRPr lang="en-IN" dirty="0" smtClean="0">
               <a:latin typeface="Courier New" pitchFamily="49" charset="0"/>
               <a:cs typeface="Courier New" pitchFamily="49" charset="0"/>
@@ -33646,7 +34596,7 @@
     </p:custDataLst>
     <p:extLst>
       <p:ext uri="{BB962C8B-B14F-4D97-AF65-F5344CB8AC3E}">
-        <p14:creationId xmlns:p14="http://schemas.microsoft.com/office/powerpoint/2010/main" val="1751646932"/>
+        <p14:creationId xmlns:p14="http://schemas.microsoft.com/office/powerpoint/2010/main" val="1658944416"/>
       </p:ext>
     </p:extLst>
   </p:cSld>
@@ -33689,6 +34639,222 @@
           <a:lstStyle/>
           <a:p>
             <a:r>
+              <a:rPr lang="en-US" b="1" dirty="0" err="1" smtClean="0"/>
+              <a:t>DatagramSocket</a:t>
+            </a:r>
+            <a:endParaRPr lang="en-IN" b="1" dirty="0" smtClean="0"/>
+          </a:p>
+        </p:txBody>
+      </p:sp>
+      <p:sp>
+        <p:nvSpPr>
+          <p:cNvPr id="5" name="Content Placeholder 2"/>
+          <p:cNvSpPr>
+            <a:spLocks noGrp="1"/>
+          </p:cNvSpPr>
+          <p:nvPr>
+            <p:ph idx="1"/>
+          </p:nvPr>
+        </p:nvSpPr>
+        <p:spPr/>
+        <p:txBody>
+          <a:bodyPr/>
+          <a:lstStyle/>
+          <a:p>
+            <a:r>
+              <a:rPr lang="en-IN" dirty="0" smtClean="0">
+                <a:latin typeface="Courier New" pitchFamily="49" charset="0"/>
+                <a:cs typeface="Courier New" pitchFamily="49" charset="0"/>
+              </a:rPr>
+              <a:t>public </a:t>
+            </a:r>
+            <a:r>
+              <a:rPr lang="en-IN" dirty="0" err="1" smtClean="0">
+                <a:latin typeface="Courier New" pitchFamily="49" charset="0"/>
+                <a:cs typeface="Courier New" pitchFamily="49" charset="0"/>
+              </a:rPr>
+              <a:t>DatagramSocket</a:t>
+            </a:r>
+            <a:r>
+              <a:rPr lang="en-IN" dirty="0" smtClean="0">
+                <a:latin typeface="Courier New" pitchFamily="49" charset="0"/>
+                <a:cs typeface="Courier New" pitchFamily="49" charset="0"/>
+              </a:rPr>
+              <a:t>( ) throws </a:t>
+            </a:r>
+            <a:r>
+              <a:rPr lang="en-IN" dirty="0" err="1" smtClean="0">
+                <a:latin typeface="Courier New" pitchFamily="49" charset="0"/>
+                <a:cs typeface="Courier New" pitchFamily="49" charset="0"/>
+              </a:rPr>
+              <a:t>SocketException</a:t>
+            </a:r>
+            <a:endParaRPr lang="en-IN" dirty="0" smtClean="0">
+              <a:latin typeface="Courier New" pitchFamily="49" charset="0"/>
+              <a:cs typeface="Courier New" pitchFamily="49" charset="0"/>
+            </a:endParaRPr>
+          </a:p>
+          <a:p>
+            <a:r>
+              <a:rPr lang="en-IN" dirty="0" smtClean="0">
+                <a:latin typeface="Courier New" pitchFamily="49" charset="0"/>
+                <a:cs typeface="Courier New" pitchFamily="49" charset="0"/>
+              </a:rPr>
+              <a:t>public </a:t>
+            </a:r>
+            <a:r>
+              <a:rPr lang="en-IN" dirty="0" err="1" smtClean="0">
+                <a:latin typeface="Courier New" pitchFamily="49" charset="0"/>
+                <a:cs typeface="Courier New" pitchFamily="49" charset="0"/>
+              </a:rPr>
+              <a:t>DatagramSocket</a:t>
+            </a:r>
+            <a:r>
+              <a:rPr lang="en-IN" dirty="0" smtClean="0">
+                <a:latin typeface="Courier New" pitchFamily="49" charset="0"/>
+                <a:cs typeface="Courier New" pitchFamily="49" charset="0"/>
+              </a:rPr>
+              <a:t>(</a:t>
+            </a:r>
+            <a:r>
+              <a:rPr lang="en-IN" dirty="0" err="1" smtClean="0">
+                <a:latin typeface="Courier New" pitchFamily="49" charset="0"/>
+                <a:cs typeface="Courier New" pitchFamily="49" charset="0"/>
+              </a:rPr>
+              <a:t>int</a:t>
+            </a:r>
+            <a:r>
+              <a:rPr lang="en-IN" dirty="0" smtClean="0">
+                <a:latin typeface="Courier New" pitchFamily="49" charset="0"/>
+                <a:cs typeface="Courier New" pitchFamily="49" charset="0"/>
+              </a:rPr>
+              <a:t> port) throws </a:t>
+            </a:r>
+            <a:r>
+              <a:rPr lang="en-IN" dirty="0" err="1" smtClean="0">
+                <a:latin typeface="Courier New" pitchFamily="49" charset="0"/>
+                <a:cs typeface="Courier New" pitchFamily="49" charset="0"/>
+              </a:rPr>
+              <a:t>SocketException</a:t>
+            </a:r>
+            <a:endParaRPr lang="en-IN" dirty="0" smtClean="0">
+              <a:latin typeface="Courier New" pitchFamily="49" charset="0"/>
+              <a:cs typeface="Courier New" pitchFamily="49" charset="0"/>
+            </a:endParaRPr>
+          </a:p>
+          <a:p>
+            <a:r>
+              <a:rPr lang="en-IN" dirty="0" smtClean="0">
+                <a:latin typeface="Courier New" pitchFamily="49" charset="0"/>
+                <a:cs typeface="Courier New" pitchFamily="49" charset="0"/>
+              </a:rPr>
+              <a:t>public </a:t>
+            </a:r>
+            <a:r>
+              <a:rPr lang="en-IN" dirty="0" err="1" smtClean="0">
+                <a:latin typeface="Courier New" pitchFamily="49" charset="0"/>
+                <a:cs typeface="Courier New" pitchFamily="49" charset="0"/>
+              </a:rPr>
+              <a:t>DatagramSocket</a:t>
+            </a:r>
+            <a:r>
+              <a:rPr lang="en-IN" dirty="0" smtClean="0">
+                <a:latin typeface="Courier New" pitchFamily="49" charset="0"/>
+                <a:cs typeface="Courier New" pitchFamily="49" charset="0"/>
+              </a:rPr>
+              <a:t>(</a:t>
+            </a:r>
+            <a:r>
+              <a:rPr lang="en-IN" dirty="0" err="1" smtClean="0">
+                <a:latin typeface="Courier New" pitchFamily="49" charset="0"/>
+                <a:cs typeface="Courier New" pitchFamily="49" charset="0"/>
+              </a:rPr>
+              <a:t>int</a:t>
+            </a:r>
+            <a:r>
+              <a:rPr lang="en-IN" dirty="0" smtClean="0">
+                <a:latin typeface="Courier New" pitchFamily="49" charset="0"/>
+                <a:cs typeface="Courier New" pitchFamily="49" charset="0"/>
+              </a:rPr>
+              <a:t> port, </a:t>
+            </a:r>
+            <a:r>
+              <a:rPr lang="en-IN" dirty="0" err="1" smtClean="0">
+                <a:latin typeface="Courier New" pitchFamily="49" charset="0"/>
+                <a:cs typeface="Courier New" pitchFamily="49" charset="0"/>
+              </a:rPr>
+              <a:t>InetAddress</a:t>
+            </a:r>
+            <a:r>
+              <a:rPr lang="en-IN" dirty="0" smtClean="0">
+                <a:latin typeface="Courier New" pitchFamily="49" charset="0"/>
+                <a:cs typeface="Courier New" pitchFamily="49" charset="0"/>
+              </a:rPr>
+              <a:t> interface) throws </a:t>
+            </a:r>
+            <a:r>
+              <a:rPr lang="en-IN" dirty="0" err="1" smtClean="0">
+                <a:latin typeface="Courier New" pitchFamily="49" charset="0"/>
+                <a:cs typeface="Courier New" pitchFamily="49" charset="0"/>
+              </a:rPr>
+              <a:t>SocketException</a:t>
+            </a:r>
+            <a:endParaRPr lang="en-IN" dirty="0" smtClean="0">
+              <a:latin typeface="Courier New" pitchFamily="49" charset="0"/>
+              <a:cs typeface="Courier New" pitchFamily="49" charset="0"/>
+            </a:endParaRPr>
+          </a:p>
+        </p:txBody>
+      </p:sp>
+    </p:spTree>
+    <p:custDataLst>
+      <p:tags r:id="rId1"/>
+    </p:custDataLst>
+    <p:extLst>
+      <p:ext uri="{BB962C8B-B14F-4D97-AF65-F5344CB8AC3E}">
+        <p14:creationId xmlns:p14="http://schemas.microsoft.com/office/powerpoint/2010/main" val="1751646932"/>
+      </p:ext>
+    </p:extLst>
+  </p:cSld>
+  <p:clrMapOvr>
+    <a:masterClrMapping/>
+  </p:clrMapOvr>
+</p:sld>
+</file>
+
+<file path=ppt/slides/slide72.xml><?xml version="1.0" encoding="utf-8"?>
+<p:sld xmlns:a="http://schemas.openxmlformats.org/drawingml/2006/main" xmlns:r="http://schemas.openxmlformats.org/officeDocument/2006/relationships" xmlns:p="http://schemas.openxmlformats.org/presentationml/2006/main">
+  <p:cSld>
+    <p:spTree>
+      <p:nvGrpSpPr>
+        <p:cNvPr id="1" name=""/>
+        <p:cNvGrpSpPr/>
+        <p:nvPr/>
+      </p:nvGrpSpPr>
+      <p:grpSpPr>
+        <a:xfrm>
+          <a:off x="0" y="0"/>
+          <a:ext cx="0" cy="0"/>
+          <a:chOff x="0" y="0"/>
+          <a:chExt cx="0" cy="0"/>
+        </a:xfrm>
+      </p:grpSpPr>
+      <p:sp>
+        <p:nvSpPr>
+          <p:cNvPr id="4" name="Title 1"/>
+          <p:cNvSpPr>
+            <a:spLocks noGrp="1"/>
+          </p:cNvSpPr>
+          <p:nvPr>
+            <p:ph type="title"/>
+          </p:nvPr>
+        </p:nvSpPr>
+        <p:spPr/>
+        <p:txBody>
+          <a:bodyPr/>
+          <a:lstStyle/>
+          <a:p>
+            <a:r>
               <a:rPr lang="en-US" b="1" dirty="0" smtClean="0"/>
               <a:t>Sending and Receiving Packets </a:t>
             </a:r>
@@ -33824,7 +34990,7 @@
 </p:sld>
 </file>
 
-<file path=ppt/slides/slide72.xml><?xml version="1.0" encoding="utf-8"?>
+<file path=ppt/slides/slide73.xml><?xml version="1.0" encoding="utf-8"?>
 <p:sld xmlns:a="http://schemas.openxmlformats.org/drawingml/2006/main" xmlns:r="http://schemas.openxmlformats.org/officeDocument/2006/relationships" xmlns:p="http://schemas.openxmlformats.org/presentationml/2006/main">
   <p:cSld>
     <p:spTree>
@@ -35009,7 +36175,7 @@
           <a:graphicData uri="http://schemas.openxmlformats.org/presentationml/2006/ole">
             <mc:AlternateContent xmlns:mc="http://schemas.openxmlformats.org/markup-compatibility/2006">
               <mc:Choice xmlns:v="urn:schemas-microsoft-com:vml" Requires="v">
-                <p:oleObj spid="_x0000_s2152" name="Microsoft ClipArt Gallery" r:id="rId4" imgW="4183063" imgH="3216275" progId="MS_ClipArt_Gallery">
+                <p:oleObj spid="_x0000_s2166" name="Microsoft ClipArt Gallery" r:id="rId4" imgW="4183063" imgH="3216275" progId="MS_ClipArt_Gallery">
                   <p:embed/>
                 </p:oleObj>
               </mc:Choice>
@@ -35108,7 +36274,7 @@
           <a:graphicData uri="http://schemas.openxmlformats.org/presentationml/2006/ole">
             <mc:AlternateContent xmlns:mc="http://schemas.openxmlformats.org/markup-compatibility/2006">
               <mc:Choice xmlns:v="urn:schemas-microsoft-com:vml" Requires="v">
-                <p:oleObj spid="_x0000_s2153" name="Microsoft ClipArt Gallery" r:id="rId6" imgW="4006850" imgH="3192463" progId="MS_ClipArt_Gallery">
+                <p:oleObj spid="_x0000_s2167" name="Microsoft ClipArt Gallery" r:id="rId6" imgW="4006850" imgH="3192463" progId="MS_ClipArt_Gallery">
                   <p:embed/>
                 </p:oleObj>
               </mc:Choice>
@@ -35639,8 +36805,8 @@
 <file path=ppt/tags/tag1.xml><?xml version="1.0" encoding="utf-8"?>
 <p:tagLst xmlns:a="http://schemas.openxmlformats.org/drawingml/2006/main" xmlns:r="http://schemas.openxmlformats.org/officeDocument/2006/relationships" xmlns:p="http://schemas.openxmlformats.org/presentationml/2006/main">
   <p:tag name="ARTICULATE_DESIGN_ID_NETWORKING" val="WXnQ0qm0"/>
-  <p:tag name="ARTICULATE_SLIDE_COUNT" val="72"/>
   <p:tag name="ARTICULATE_PROJECT_OPEN" val="0"/>
+  <p:tag name="ARTICULATE_SLIDE_COUNT" val="73"/>
 </p:tagLst>
 </file>
 
@@ -36136,6 +37302,12 @@
 </p:tagLst>
 </file>
 
+<file path=ppt/tags/tag85.xml><?xml version="1.0" encoding="utf-8"?>
+<p:tagLst xmlns:a="http://schemas.openxmlformats.org/drawingml/2006/main" xmlns:r="http://schemas.openxmlformats.org/officeDocument/2006/relationships" xmlns:p="http://schemas.openxmlformats.org/presentationml/2006/main">
+  <p:tag name="ARTICULATE_SLIDE_THUMBNAIL_REFRESH" val="1"/>
+</p:tagLst>
+</file>
+
 <file path=ppt/tags/tag9.xml><?xml version="1.0" encoding="utf-8"?>
 <p:tagLst xmlns:a="http://schemas.openxmlformats.org/drawingml/2006/main" xmlns:r="http://schemas.openxmlformats.org/officeDocument/2006/relationships" xmlns:p="http://schemas.openxmlformats.org/presentationml/2006/main">
   <p:tag name="ARTICULATE_SLIDE_THUMBNAIL_REFRESH" val="1"/>
@@ -36367,7 +37539,7 @@
   <a:extraClrSchemeLst/>
   <a:extLst>
     <a:ext uri="{05A4C25C-085E-4340-85A3-A5531E510DB2}">
-      <thm15:themeFamily xmlns="" xmlns:thm15="http://schemas.microsoft.com/office/thememl/2012/main" name="Frame" id="{F226E7A2-7162-461C-9490-D27D9DC04E43}" vid="{629A0216-3BBD-45C0-B63F-2683BEA18F60}"/>
+      <thm15:themeFamily xmlns:thm15="http://schemas.microsoft.com/office/thememl/2012/main" xmlns="" name="Frame" id="{F226E7A2-7162-461C-9490-D27D9DC04E43}" vid="{629A0216-3BBD-45C0-B63F-2683BEA18F60}"/>
     </a:ext>
   </a:extLst>
 </a:theme>

--- a/Slides/AJP - Unit 1 - Java Networking.pptx
+++ b/Slides/AJP - Unit 1 - Java Networking.pptx
@@ -4,8 +4,11 @@
   <p:sldMasterIdLst>
     <p:sldMasterId id="2147483660" r:id="rId1"/>
   </p:sldMasterIdLst>
+  <p:notesMasterIdLst>
+    <p:notesMasterId r:id="rId75"/>
+  </p:notesMasterIdLst>
   <p:handoutMasterIdLst>
-    <p:handoutMasterId r:id="rId75"/>
+    <p:handoutMasterId r:id="rId76"/>
   </p:handoutMasterIdLst>
   <p:sldIdLst>
     <p:sldId id="320" r:id="rId2"/>
@@ -85,7 +88,7 @@
   <p:sldSz cx="12192000" cy="6858000"/>
   <p:notesSz cx="6858000" cy="9144000"/>
   <p:custDataLst>
-    <p:tags r:id="rId76"/>
+    <p:tags r:id="rId77"/>
   </p:custDataLst>
   <p:defaultTextStyle>
     <a:defPPr>
@@ -184,7 +187,7 @@
   </p:defaultTextStyle>
   <p:extLst>
     <p:ext uri="{EFAFB233-063F-42B5-8137-9DF3F51BA10A}">
-      <p15:sldGuideLst xmlns:p15="http://schemas.microsoft.com/office/powerpoint/2012/main" xmlns=""/>
+      <p15:sldGuideLst xmlns="" xmlns:p15="http://schemas.microsoft.com/office/powerpoint/2012/main"/>
     </p:ext>
   </p:extLst>
 </p:presentation>
@@ -356,6 +359,440 @@
   </p:cSld>
   <p:clrMap bg1="lt1" tx1="dk1" bg2="lt2" tx2="dk2" accent1="accent1" accent2="accent2" accent3="accent3" accent4="accent4" accent5="accent5" accent6="accent6" hlink="hlink" folHlink="folHlink"/>
 </p:handoutMaster>
+</file>
+
+<file path=ppt/notesMasters/notesMaster1.xml><?xml version="1.0" encoding="utf-8"?>
+<p:notesMaster xmlns:a="http://schemas.openxmlformats.org/drawingml/2006/main" xmlns:r="http://schemas.openxmlformats.org/officeDocument/2006/relationships" xmlns:p="http://schemas.openxmlformats.org/presentationml/2006/main">
+  <p:cSld>
+    <p:bg>
+      <p:bgRef idx="1001">
+        <a:schemeClr val="bg1"/>
+      </p:bgRef>
+    </p:bg>
+    <p:spTree>
+      <p:nvGrpSpPr>
+        <p:cNvPr id="1" name=""/>
+        <p:cNvGrpSpPr/>
+        <p:nvPr/>
+      </p:nvGrpSpPr>
+      <p:grpSpPr>
+        <a:xfrm>
+          <a:off x="0" y="0"/>
+          <a:ext cx="0" cy="0"/>
+          <a:chOff x="0" y="0"/>
+          <a:chExt cx="0" cy="0"/>
+        </a:xfrm>
+      </p:grpSpPr>
+      <p:sp>
+        <p:nvSpPr>
+          <p:cNvPr id="2" name="Header Placeholder 1"/>
+          <p:cNvSpPr>
+            <a:spLocks noGrp="1"/>
+          </p:cNvSpPr>
+          <p:nvPr>
+            <p:ph type="hdr" sz="quarter"/>
+          </p:nvPr>
+        </p:nvSpPr>
+        <p:spPr>
+          <a:xfrm>
+            <a:off x="0" y="0"/>
+            <a:ext cx="2971800" cy="457200"/>
+          </a:xfrm>
+          <a:prstGeom prst="rect">
+            <a:avLst/>
+          </a:prstGeom>
+        </p:spPr>
+        <p:txBody>
+          <a:bodyPr vert="horz" lIns="91440" tIns="45720" rIns="91440" bIns="45720" rtlCol="0"/>
+          <a:lstStyle>
+            <a:lvl1pPr algn="l">
+              <a:defRPr sz="1200"/>
+            </a:lvl1pPr>
+          </a:lstStyle>
+          <a:p>
+            <a:endParaRPr lang="en-IN"/>
+          </a:p>
+        </p:txBody>
+      </p:sp>
+      <p:sp>
+        <p:nvSpPr>
+          <p:cNvPr id="3" name="Date Placeholder 2"/>
+          <p:cNvSpPr>
+            <a:spLocks noGrp="1"/>
+          </p:cNvSpPr>
+          <p:nvPr>
+            <p:ph type="dt" idx="1"/>
+          </p:nvPr>
+        </p:nvSpPr>
+        <p:spPr>
+          <a:xfrm>
+            <a:off x="3884613" y="0"/>
+            <a:ext cx="2971800" cy="457200"/>
+          </a:xfrm>
+          <a:prstGeom prst="rect">
+            <a:avLst/>
+          </a:prstGeom>
+        </p:spPr>
+        <p:txBody>
+          <a:bodyPr vert="horz" lIns="91440" tIns="45720" rIns="91440" bIns="45720" rtlCol="0"/>
+          <a:lstStyle>
+            <a:lvl1pPr algn="r">
+              <a:defRPr sz="1200"/>
+            </a:lvl1pPr>
+          </a:lstStyle>
+          <a:p>
+            <a:fld id="{F756D348-FDC2-46B9-B397-E540472E1FC5}" type="datetimeFigureOut">
+              <a:rPr lang="en-IN" smtClean="0"/>
+              <a:t>06-07-2022</a:t>
+            </a:fld>
+            <a:endParaRPr lang="en-IN"/>
+          </a:p>
+        </p:txBody>
+      </p:sp>
+      <p:sp>
+        <p:nvSpPr>
+          <p:cNvPr id="4" name="Slide Image Placeholder 3"/>
+          <p:cNvSpPr>
+            <a:spLocks noGrp="1" noRot="1" noChangeAspect="1"/>
+          </p:cNvSpPr>
+          <p:nvPr>
+            <p:ph type="sldImg" idx="2"/>
+          </p:nvPr>
+        </p:nvSpPr>
+        <p:spPr>
+          <a:xfrm>
+            <a:off x="381000" y="685800"/>
+            <a:ext cx="6096000" cy="3429000"/>
+          </a:xfrm>
+          <a:prstGeom prst="rect">
+            <a:avLst/>
+          </a:prstGeom>
+          <a:noFill/>
+          <a:ln w="12700">
+            <a:solidFill>
+              <a:prstClr val="black"/>
+            </a:solidFill>
+          </a:ln>
+        </p:spPr>
+        <p:txBody>
+          <a:bodyPr vert="horz" lIns="91440" tIns="45720" rIns="91440" bIns="45720" rtlCol="0" anchor="ctr"/>
+          <a:lstStyle/>
+          <a:p>
+            <a:endParaRPr lang="en-IN"/>
+          </a:p>
+        </p:txBody>
+      </p:sp>
+      <p:sp>
+        <p:nvSpPr>
+          <p:cNvPr id="5" name="Notes Placeholder 4"/>
+          <p:cNvSpPr>
+            <a:spLocks noGrp="1"/>
+          </p:cNvSpPr>
+          <p:nvPr>
+            <p:ph type="body" sz="quarter" idx="3"/>
+          </p:nvPr>
+        </p:nvSpPr>
+        <p:spPr>
+          <a:xfrm>
+            <a:off x="685800" y="4343400"/>
+            <a:ext cx="5486400" cy="4114800"/>
+          </a:xfrm>
+          <a:prstGeom prst="rect">
+            <a:avLst/>
+          </a:prstGeom>
+        </p:spPr>
+        <p:txBody>
+          <a:bodyPr vert="horz" lIns="91440" tIns="45720" rIns="91440" bIns="45720" rtlCol="0"/>
+          <a:lstStyle/>
+          <a:p>
+            <a:pPr lvl="0"/>
+            <a:r>
+              <a:rPr lang="en-US" smtClean="0"/>
+              <a:t>Click to edit Master text styles</a:t>
+            </a:r>
+          </a:p>
+          <a:p>
+            <a:pPr lvl="1"/>
+            <a:r>
+              <a:rPr lang="en-US" smtClean="0"/>
+              <a:t>Second level</a:t>
+            </a:r>
+          </a:p>
+          <a:p>
+            <a:pPr lvl="2"/>
+            <a:r>
+              <a:rPr lang="en-US" smtClean="0"/>
+              <a:t>Third level</a:t>
+            </a:r>
+          </a:p>
+          <a:p>
+            <a:pPr lvl="3"/>
+            <a:r>
+              <a:rPr lang="en-US" smtClean="0"/>
+              <a:t>Fourth level</a:t>
+            </a:r>
+          </a:p>
+          <a:p>
+            <a:pPr lvl="4"/>
+            <a:r>
+              <a:rPr lang="en-US" smtClean="0"/>
+              <a:t>Fifth level</a:t>
+            </a:r>
+            <a:endParaRPr lang="en-IN"/>
+          </a:p>
+        </p:txBody>
+      </p:sp>
+      <p:sp>
+        <p:nvSpPr>
+          <p:cNvPr id="6" name="Footer Placeholder 5"/>
+          <p:cNvSpPr>
+            <a:spLocks noGrp="1"/>
+          </p:cNvSpPr>
+          <p:nvPr>
+            <p:ph type="ftr" sz="quarter" idx="4"/>
+          </p:nvPr>
+        </p:nvSpPr>
+        <p:spPr>
+          <a:xfrm>
+            <a:off x="0" y="8685213"/>
+            <a:ext cx="2971800" cy="457200"/>
+          </a:xfrm>
+          <a:prstGeom prst="rect">
+            <a:avLst/>
+          </a:prstGeom>
+        </p:spPr>
+        <p:txBody>
+          <a:bodyPr vert="horz" lIns="91440" tIns="45720" rIns="91440" bIns="45720" rtlCol="0" anchor="b"/>
+          <a:lstStyle>
+            <a:lvl1pPr algn="l">
+              <a:defRPr sz="1200"/>
+            </a:lvl1pPr>
+          </a:lstStyle>
+          <a:p>
+            <a:endParaRPr lang="en-IN"/>
+          </a:p>
+        </p:txBody>
+      </p:sp>
+      <p:sp>
+        <p:nvSpPr>
+          <p:cNvPr id="7" name="Slide Number Placeholder 6"/>
+          <p:cNvSpPr>
+            <a:spLocks noGrp="1"/>
+          </p:cNvSpPr>
+          <p:nvPr>
+            <p:ph type="sldNum" sz="quarter" idx="5"/>
+          </p:nvPr>
+        </p:nvSpPr>
+        <p:spPr>
+          <a:xfrm>
+            <a:off x="3884613" y="8685213"/>
+            <a:ext cx="2971800" cy="457200"/>
+          </a:xfrm>
+          <a:prstGeom prst="rect">
+            <a:avLst/>
+          </a:prstGeom>
+        </p:spPr>
+        <p:txBody>
+          <a:bodyPr vert="horz" lIns="91440" tIns="45720" rIns="91440" bIns="45720" rtlCol="0" anchor="b"/>
+          <a:lstStyle>
+            <a:lvl1pPr algn="r">
+              <a:defRPr sz="1200"/>
+            </a:lvl1pPr>
+          </a:lstStyle>
+          <a:p>
+            <a:fld id="{F180F6A0-401A-4277-9090-3C6EDF53F68C}" type="slidenum">
+              <a:rPr lang="en-IN" smtClean="0"/>
+              <a:t>‹#›</a:t>
+            </a:fld>
+            <a:endParaRPr lang="en-IN"/>
+          </a:p>
+        </p:txBody>
+      </p:sp>
+    </p:spTree>
+    <p:extLst>
+      <p:ext uri="{BB962C8B-B14F-4D97-AF65-F5344CB8AC3E}">
+        <p14:creationId xmlns:p14="http://schemas.microsoft.com/office/powerpoint/2010/main" val="1222121208"/>
+      </p:ext>
+    </p:extLst>
+  </p:cSld>
+  <p:clrMap bg1="lt1" tx1="dk1" bg2="lt2" tx2="dk2" accent1="accent1" accent2="accent2" accent3="accent3" accent4="accent4" accent5="accent5" accent6="accent6" hlink="hlink" folHlink="folHlink"/>
+  <p:notesStyle>
+    <a:lvl1pPr marL="0" algn="l" defTabSz="914400" rtl="0" eaLnBrk="1" latinLnBrk="0" hangingPunct="1">
+      <a:defRPr sz="1200" kern="1200">
+        <a:solidFill>
+          <a:schemeClr val="tx1"/>
+        </a:solidFill>
+        <a:latin typeface="+mn-lt"/>
+        <a:ea typeface="+mn-ea"/>
+        <a:cs typeface="+mn-cs"/>
+      </a:defRPr>
+    </a:lvl1pPr>
+    <a:lvl2pPr marL="457200" algn="l" defTabSz="914400" rtl="0" eaLnBrk="1" latinLnBrk="0" hangingPunct="1">
+      <a:defRPr sz="1200" kern="1200">
+        <a:solidFill>
+          <a:schemeClr val="tx1"/>
+        </a:solidFill>
+        <a:latin typeface="+mn-lt"/>
+        <a:ea typeface="+mn-ea"/>
+        <a:cs typeface="+mn-cs"/>
+      </a:defRPr>
+    </a:lvl2pPr>
+    <a:lvl3pPr marL="914400" algn="l" defTabSz="914400" rtl="0" eaLnBrk="1" latinLnBrk="0" hangingPunct="1">
+      <a:defRPr sz="1200" kern="1200">
+        <a:solidFill>
+          <a:schemeClr val="tx1"/>
+        </a:solidFill>
+        <a:latin typeface="+mn-lt"/>
+        <a:ea typeface="+mn-ea"/>
+        <a:cs typeface="+mn-cs"/>
+      </a:defRPr>
+    </a:lvl3pPr>
+    <a:lvl4pPr marL="1371600" algn="l" defTabSz="914400" rtl="0" eaLnBrk="1" latinLnBrk="0" hangingPunct="1">
+      <a:defRPr sz="1200" kern="1200">
+        <a:solidFill>
+          <a:schemeClr val="tx1"/>
+        </a:solidFill>
+        <a:latin typeface="+mn-lt"/>
+        <a:ea typeface="+mn-ea"/>
+        <a:cs typeface="+mn-cs"/>
+      </a:defRPr>
+    </a:lvl4pPr>
+    <a:lvl5pPr marL="1828800" algn="l" defTabSz="914400" rtl="0" eaLnBrk="1" latinLnBrk="0" hangingPunct="1">
+      <a:defRPr sz="1200" kern="1200">
+        <a:solidFill>
+          <a:schemeClr val="tx1"/>
+        </a:solidFill>
+        <a:latin typeface="+mn-lt"/>
+        <a:ea typeface="+mn-ea"/>
+        <a:cs typeface="+mn-cs"/>
+      </a:defRPr>
+    </a:lvl5pPr>
+    <a:lvl6pPr marL="2286000" algn="l" defTabSz="914400" rtl="0" eaLnBrk="1" latinLnBrk="0" hangingPunct="1">
+      <a:defRPr sz="1200" kern="1200">
+        <a:solidFill>
+          <a:schemeClr val="tx1"/>
+        </a:solidFill>
+        <a:latin typeface="+mn-lt"/>
+        <a:ea typeface="+mn-ea"/>
+        <a:cs typeface="+mn-cs"/>
+      </a:defRPr>
+    </a:lvl6pPr>
+    <a:lvl7pPr marL="2743200" algn="l" defTabSz="914400" rtl="0" eaLnBrk="1" latinLnBrk="0" hangingPunct="1">
+      <a:defRPr sz="1200" kern="1200">
+        <a:solidFill>
+          <a:schemeClr val="tx1"/>
+        </a:solidFill>
+        <a:latin typeface="+mn-lt"/>
+        <a:ea typeface="+mn-ea"/>
+        <a:cs typeface="+mn-cs"/>
+      </a:defRPr>
+    </a:lvl7pPr>
+    <a:lvl8pPr marL="3200400" algn="l" defTabSz="914400" rtl="0" eaLnBrk="1" latinLnBrk="0" hangingPunct="1">
+      <a:defRPr sz="1200" kern="1200">
+        <a:solidFill>
+          <a:schemeClr val="tx1"/>
+        </a:solidFill>
+        <a:latin typeface="+mn-lt"/>
+        <a:ea typeface="+mn-ea"/>
+        <a:cs typeface="+mn-cs"/>
+      </a:defRPr>
+    </a:lvl8pPr>
+    <a:lvl9pPr marL="3657600" algn="l" defTabSz="914400" rtl="0" eaLnBrk="1" latinLnBrk="0" hangingPunct="1">
+      <a:defRPr sz="1200" kern="1200">
+        <a:solidFill>
+          <a:schemeClr val="tx1"/>
+        </a:solidFill>
+        <a:latin typeface="+mn-lt"/>
+        <a:ea typeface="+mn-ea"/>
+        <a:cs typeface="+mn-cs"/>
+      </a:defRPr>
+    </a:lvl9pPr>
+  </p:notesStyle>
+</p:notesMaster>
+</file>
+
+<file path=ppt/notesSlides/notesSlide1.xml><?xml version="1.0" encoding="utf-8"?>
+<p:notes xmlns:a="http://schemas.openxmlformats.org/drawingml/2006/main" xmlns:r="http://schemas.openxmlformats.org/officeDocument/2006/relationships" xmlns:p="http://schemas.openxmlformats.org/presentationml/2006/main">
+  <p:cSld>
+    <p:spTree>
+      <p:nvGrpSpPr>
+        <p:cNvPr id="1" name=""/>
+        <p:cNvGrpSpPr/>
+        <p:nvPr/>
+      </p:nvGrpSpPr>
+      <p:grpSpPr>
+        <a:xfrm>
+          <a:off x="0" y="0"/>
+          <a:ext cx="0" cy="0"/>
+          <a:chOff x="0" y="0"/>
+          <a:chExt cx="0" cy="0"/>
+        </a:xfrm>
+      </p:grpSpPr>
+      <p:sp>
+        <p:nvSpPr>
+          <p:cNvPr id="2" name="Slide Image Placeholder 1"/>
+          <p:cNvSpPr>
+            <a:spLocks noGrp="1" noRot="1" noChangeAspect="1"/>
+          </p:cNvSpPr>
+          <p:nvPr>
+            <p:ph type="sldImg"/>
+          </p:nvPr>
+        </p:nvSpPr>
+        <p:spPr/>
+      </p:sp>
+      <p:sp>
+        <p:nvSpPr>
+          <p:cNvPr id="3" name="Notes Placeholder 2"/>
+          <p:cNvSpPr>
+            <a:spLocks noGrp="1"/>
+          </p:cNvSpPr>
+          <p:nvPr>
+            <p:ph type="body" idx="1"/>
+          </p:nvPr>
+        </p:nvSpPr>
+        <p:spPr/>
+        <p:txBody>
+          <a:bodyPr/>
+          <a:lstStyle/>
+          <a:p>
+            <a:endParaRPr lang="en-IN" dirty="0"/>
+          </a:p>
+        </p:txBody>
+      </p:sp>
+      <p:sp>
+        <p:nvSpPr>
+          <p:cNvPr id="4" name="Slide Number Placeholder 3"/>
+          <p:cNvSpPr>
+            <a:spLocks noGrp="1"/>
+          </p:cNvSpPr>
+          <p:nvPr>
+            <p:ph type="sldNum" sz="quarter" idx="10"/>
+          </p:nvPr>
+        </p:nvSpPr>
+        <p:spPr/>
+        <p:txBody>
+          <a:bodyPr/>
+          <a:lstStyle/>
+          <a:p>
+            <a:fld id="{F180F6A0-401A-4277-9090-3C6EDF53F68C}" type="slidenum">
+              <a:rPr lang="en-IN" smtClean="0"/>
+              <a:t>1</a:t>
+            </a:fld>
+            <a:endParaRPr lang="en-IN"/>
+          </a:p>
+        </p:txBody>
+      </p:sp>
+    </p:spTree>
+    <p:extLst>
+      <p:ext uri="{BB962C8B-B14F-4D97-AF65-F5344CB8AC3E}">
+        <p14:creationId xmlns:p14="http://schemas.microsoft.com/office/powerpoint/2010/main" val="1449381141"/>
+      </p:ext>
+    </p:extLst>
+  </p:cSld>
+  <p:clrMapOvr>
+    <a:masterClrMapping/>
+  </p:clrMapOvr>
+</p:notes>
 </file>
 
 <file path=ppt/slideLayouts/slideLayout1.xml><?xml version="1.0" encoding="utf-8"?>
@@ -4193,7 +4630,7 @@
           <p:nvPr/>
         </p:nvPicPr>
         <p:blipFill>
-          <a:blip r:embed="rId3">
+          <a:blip r:embed="rId4">
             <a:extLst>
               <a:ext uri="{28A0092B-C50C-407E-A947-70E740481C1C}">
                 <a14:useLocalDpi xmlns:a14="http://schemas.microsoft.com/office/drawing/2010/main" val="0"/>
@@ -4420,7 +4857,7 @@
           <p:nvPr/>
         </p:nvPicPr>
         <p:blipFill>
-          <a:blip r:embed="rId4">
+          <a:blip r:embed="rId5">
             <a:extLst>
               <a:ext uri="{28A0092B-C50C-407E-A947-70E740481C1C}">
                 <a14:useLocalDpi xmlns:a14="http://schemas.microsoft.com/office/drawing/2010/main" val="0"/>
@@ -13345,7 +13782,7 @@
               <a:graphicData uri="http://schemas.openxmlformats.org/presentationml/2006/ole">
                 <mc:AlternateContent xmlns:mc="http://schemas.openxmlformats.org/markup-compatibility/2006">
                   <mc:Choice xmlns:v="urn:schemas-microsoft-com:vml" Requires="v">
-                    <p:oleObj spid="_x0000_s3192" name="Microsoft ClipArt Gallery" r:id="rId4" imgW="4006850" imgH="3192463" progId="MS_ClipArt_Gallery">
+                    <p:oleObj spid="_x0000_s3202" name="Microsoft ClipArt Gallery" r:id="rId4" imgW="4006850" imgH="3192463" progId="MS_ClipArt_Gallery">
                       <p:embed/>
                     </p:oleObj>
                   </mc:Choice>
@@ -13524,7 +13961,7 @@
               <a:graphicData uri="http://schemas.openxmlformats.org/presentationml/2006/ole">
                 <mc:AlternateContent xmlns:mc="http://schemas.openxmlformats.org/markup-compatibility/2006">
                   <mc:Choice xmlns:v="urn:schemas-microsoft-com:vml" Requires="v">
-                    <p:oleObj spid="_x0000_s3193" name="Microsoft ClipArt Gallery" r:id="rId6" imgW="4183063" imgH="3216275" progId="MS_ClipArt_Gallery">
+                    <p:oleObj spid="_x0000_s3203" name="Microsoft ClipArt Gallery" r:id="rId6" imgW="4183063" imgH="3216275" progId="MS_ClipArt_Gallery">
                       <p:embed/>
                     </p:oleObj>
                   </mc:Choice>
@@ -14483,7 +14920,7 @@
           <p:cNvPr id="10" name="Content Placeholder 9">
             <a:extLst>
               <a:ext uri="{FF2B5EF4-FFF2-40B4-BE49-F238E27FC236}">
-                <a16:creationId xmlns="" xmlns:a16="http://schemas.microsoft.com/office/drawing/2014/main" id="{0A22B6D8-9073-4E8C-972E-50F620F31FD1}"/>
+                <a16:creationId xmlns:a16="http://schemas.microsoft.com/office/drawing/2014/main" xmlns="" id="{0A22B6D8-9073-4E8C-972E-50F620F31FD1}"/>
               </a:ext>
             </a:extLst>
           </p:cNvPr>
@@ -14513,14 +14950,14 @@
                 <a:gridCol w="3947160">
                   <a:extLst>
                     <a:ext uri="{9D8B030D-6E8A-4147-A177-3AD203B41FA5}">
-                      <a16:colId xmlns="" xmlns:a16="http://schemas.microsoft.com/office/drawing/2014/main" val="4148119606"/>
+                      <a16:colId xmlns:a16="http://schemas.microsoft.com/office/drawing/2014/main" xmlns="" val="4148119606"/>
                     </a:ext>
                   </a:extLst>
                 </a:gridCol>
                 <a:gridCol w="3947160">
                   <a:extLst>
                     <a:ext uri="{9D8B030D-6E8A-4147-A177-3AD203B41FA5}">
-                      <a16:colId xmlns="" xmlns:a16="http://schemas.microsoft.com/office/drawing/2014/main" val="2229028685"/>
+                      <a16:colId xmlns:a16="http://schemas.microsoft.com/office/drawing/2014/main" xmlns="" val="2229028685"/>
                     </a:ext>
                   </a:extLst>
                 </a:gridCol>
@@ -14574,7 +15011,7 @@
                 </a:tc>
                 <a:extLst>
                   <a:ext uri="{0D108BD9-81ED-4DB2-BD59-A6C34878D82A}">
-                    <a16:rowId xmlns="" xmlns:a16="http://schemas.microsoft.com/office/drawing/2014/main" val="2494029403"/>
+                    <a16:rowId xmlns:a16="http://schemas.microsoft.com/office/drawing/2014/main" xmlns="" val="2494029403"/>
                   </a:ext>
                 </a:extLst>
               </a:tr>
@@ -14663,7 +15100,7 @@
                 </a:tc>
                 <a:extLst>
                   <a:ext uri="{0D108BD9-81ED-4DB2-BD59-A6C34878D82A}">
-                    <a16:rowId xmlns="" xmlns:a16="http://schemas.microsoft.com/office/drawing/2014/main" val="3295108235"/>
+                    <a16:rowId xmlns:a16="http://schemas.microsoft.com/office/drawing/2014/main" xmlns="" val="3295108235"/>
                   </a:ext>
                 </a:extLst>
               </a:tr>
@@ -14752,7 +15189,7 @@
                 </a:tc>
                 <a:extLst>
                   <a:ext uri="{0D108BD9-81ED-4DB2-BD59-A6C34878D82A}">
-                    <a16:rowId xmlns="" xmlns:a16="http://schemas.microsoft.com/office/drawing/2014/main" val="4188004682"/>
+                    <a16:rowId xmlns:a16="http://schemas.microsoft.com/office/drawing/2014/main" xmlns="" val="4188004682"/>
                   </a:ext>
                 </a:extLst>
               </a:tr>
@@ -14805,7 +15242,7 @@
                 </a:tc>
                 <a:extLst>
                   <a:ext uri="{0D108BD9-81ED-4DB2-BD59-A6C34878D82A}">
-                    <a16:rowId xmlns="" xmlns:a16="http://schemas.microsoft.com/office/drawing/2014/main" val="2535505752"/>
+                    <a16:rowId xmlns:a16="http://schemas.microsoft.com/office/drawing/2014/main" xmlns="" val="2535505752"/>
                   </a:ext>
                 </a:extLst>
               </a:tr>
@@ -14968,7 +15405,7 @@
           <p:cNvPr id="7" name="Content Placeholder 6">
             <a:extLst>
               <a:ext uri="{FF2B5EF4-FFF2-40B4-BE49-F238E27FC236}">
-                <a16:creationId xmlns="" xmlns:a16="http://schemas.microsoft.com/office/drawing/2014/main" id="{3A511582-0FFE-4E4B-8EF0-728CE85CB01F}"/>
+                <a16:creationId xmlns:a16="http://schemas.microsoft.com/office/drawing/2014/main" xmlns="" id="{3A511582-0FFE-4E4B-8EF0-728CE85CB01F}"/>
               </a:ext>
             </a:extLst>
           </p:cNvPr>
@@ -14998,14 +15435,14 @@
                 <a:gridCol w="4038600">
                   <a:extLst>
                     <a:ext uri="{9D8B030D-6E8A-4147-A177-3AD203B41FA5}">
-                      <a16:colId xmlns="" xmlns:a16="http://schemas.microsoft.com/office/drawing/2014/main" val="4094094059"/>
+                      <a16:colId xmlns:a16="http://schemas.microsoft.com/office/drawing/2014/main" xmlns="" val="4094094059"/>
                     </a:ext>
                   </a:extLst>
                 </a:gridCol>
                 <a:gridCol w="4038600">
                   <a:extLst>
                     <a:ext uri="{9D8B030D-6E8A-4147-A177-3AD203B41FA5}">
-                      <a16:colId xmlns="" xmlns:a16="http://schemas.microsoft.com/office/drawing/2014/main" val="162500616"/>
+                      <a16:colId xmlns:a16="http://schemas.microsoft.com/office/drawing/2014/main" xmlns="" val="162500616"/>
                     </a:ext>
                   </a:extLst>
                 </a:gridCol>
@@ -15059,7 +15496,7 @@
                 </a:tc>
                 <a:extLst>
                   <a:ext uri="{0D108BD9-81ED-4DB2-BD59-A6C34878D82A}">
-                    <a16:rowId xmlns="" xmlns:a16="http://schemas.microsoft.com/office/drawing/2014/main" val="3727081214"/>
+                    <a16:rowId xmlns:a16="http://schemas.microsoft.com/office/drawing/2014/main" xmlns="" val="3727081214"/>
                   </a:ext>
                 </a:extLst>
               </a:tr>
@@ -15112,7 +15549,7 @@
                 </a:tc>
                 <a:extLst>
                   <a:ext uri="{0D108BD9-81ED-4DB2-BD59-A6C34878D82A}">
-                    <a16:rowId xmlns="" xmlns:a16="http://schemas.microsoft.com/office/drawing/2014/main" val="836399312"/>
+                    <a16:rowId xmlns:a16="http://schemas.microsoft.com/office/drawing/2014/main" xmlns="" val="836399312"/>
                   </a:ext>
                 </a:extLst>
               </a:tr>
@@ -15165,7 +15602,7 @@
                 </a:tc>
                 <a:extLst>
                   <a:ext uri="{0D108BD9-81ED-4DB2-BD59-A6C34878D82A}">
-                    <a16:rowId xmlns="" xmlns:a16="http://schemas.microsoft.com/office/drawing/2014/main" val="1673196544"/>
+                    <a16:rowId xmlns:a16="http://schemas.microsoft.com/office/drawing/2014/main" xmlns="" val="1673196544"/>
                   </a:ext>
                 </a:extLst>
               </a:tr>
@@ -18255,7 +18692,7 @@
           <p:cNvPr id="3" name="Rectangle 2">
             <a:extLst>
               <a:ext uri="{FF2B5EF4-FFF2-40B4-BE49-F238E27FC236}">
-                <a16:creationId xmlns="" xmlns:a16="http://schemas.microsoft.com/office/drawing/2014/main" id="{46E5D5D9-5990-4083-96F8-7167991DDF96}"/>
+                <a16:creationId xmlns:a16="http://schemas.microsoft.com/office/drawing/2014/main" xmlns="" id="{46E5D5D9-5990-4083-96F8-7167991DDF96}"/>
               </a:ext>
             </a:extLst>
           </p:cNvPr>
@@ -18580,8 +19017,12 @@
                 <a:latin typeface="Courier New" pitchFamily="49" charset="0"/>
                 <a:cs typeface="Courier New" pitchFamily="49" charset="0"/>
               </a:rPr>
-              <a:t>dis = </a:t>
-            </a:r>
+              <a:t>din = </a:t>
+            </a:r>
+            <a:endParaRPr lang="en-IN" sz="1700" dirty="0" smtClean="0">
+              <a:latin typeface="Courier New" pitchFamily="49" charset="0"/>
+              <a:cs typeface="Courier New" pitchFamily="49" charset="0"/>
+            </a:endParaRPr>
           </a:p>
           <a:p>
             <a:r>
@@ -18654,65 +19095,146 @@
                 <a:latin typeface="Courier New" pitchFamily="49" charset="0"/>
                 <a:cs typeface="Courier New" pitchFamily="49" charset="0"/>
               </a:rPr>
-              <a:t>=(String)</a:t>
+              <a:t>=(</a:t>
+            </a:r>
+            <a:r>
+              <a:rPr lang="en-IN" sz="1700" dirty="0" smtClean="0">
+                <a:latin typeface="Courier New" pitchFamily="49" charset="0"/>
+                <a:cs typeface="Courier New" pitchFamily="49" charset="0"/>
+              </a:rPr>
+              <a:t>String)</a:t>
+            </a:r>
+            <a:r>
+              <a:rPr lang="en-IN" sz="1700" dirty="0" err="1" smtClean="0">
+                <a:latin typeface="Courier New" pitchFamily="49" charset="0"/>
+                <a:cs typeface="Courier New" pitchFamily="49" charset="0"/>
+              </a:rPr>
+              <a:t>din.readUTF</a:t>
+            </a:r>
+            <a:r>
+              <a:rPr lang="en-IN" sz="1700" dirty="0">
+                <a:latin typeface="Courier New" pitchFamily="49" charset="0"/>
+                <a:cs typeface="Courier New" pitchFamily="49" charset="0"/>
+              </a:rPr>
+              <a:t>();  </a:t>
+            </a:r>
+          </a:p>
+          <a:p>
+            <a:r>
+              <a:rPr lang="en-IN" sz="1700" dirty="0" smtClean="0">
+                <a:latin typeface="Courier New" pitchFamily="49" charset="0"/>
+                <a:cs typeface="Courier New" pitchFamily="49" charset="0"/>
+              </a:rPr>
+              <a:t>  </a:t>
+            </a:r>
+            <a:r>
+              <a:rPr lang="en-IN" sz="1700" dirty="0" err="1" smtClean="0">
+                <a:latin typeface="Courier New" pitchFamily="49" charset="0"/>
+                <a:cs typeface="Courier New" pitchFamily="49" charset="0"/>
+              </a:rPr>
+              <a:t>System.out.println</a:t>
+            </a:r>
+            <a:r>
+              <a:rPr lang="en-IN" sz="1700" dirty="0" smtClean="0">
+                <a:latin typeface="Courier New" pitchFamily="49" charset="0"/>
+                <a:cs typeface="Courier New" pitchFamily="49" charset="0"/>
+              </a:rPr>
+              <a:t>("</a:t>
+            </a:r>
+            <a:r>
+              <a:rPr lang="en-IN" sz="1700" dirty="0" smtClean="0">
+                <a:latin typeface="Courier New" pitchFamily="49" charset="0"/>
+                <a:cs typeface="Courier New" pitchFamily="49" charset="0"/>
+              </a:rPr>
+              <a:t>Client:</a:t>
+            </a:r>
+            <a:r>
+              <a:rPr lang="en-IN" sz="1700" dirty="0">
+                <a:latin typeface="Courier New" pitchFamily="49" charset="0"/>
+                <a:cs typeface="Courier New" pitchFamily="49" charset="0"/>
+              </a:rPr>
+              <a:t> "+</a:t>
             </a:r>
             <a:r>
               <a:rPr lang="en-IN" sz="1700" dirty="0" err="1">
                 <a:latin typeface="Courier New" pitchFamily="49" charset="0"/>
                 <a:cs typeface="Courier New" pitchFamily="49" charset="0"/>
               </a:rPr>
-              <a:t>dis.readUTF</a:t>
-            </a:r>
+              <a:t>str</a:t>
+            </a:r>
+            <a:r>
+              <a:rPr lang="en-IN" sz="1700" dirty="0" smtClean="0">
+                <a:latin typeface="Courier New" pitchFamily="49" charset="0"/>
+                <a:cs typeface="Courier New" pitchFamily="49" charset="0"/>
+              </a:rPr>
+              <a:t>);</a:t>
+            </a:r>
+          </a:p>
+          <a:p>
             <a:r>
               <a:rPr lang="en-IN" sz="1700" dirty="0">
                 <a:latin typeface="Courier New" pitchFamily="49" charset="0"/>
                 <a:cs typeface="Courier New" pitchFamily="49" charset="0"/>
               </a:rPr>
-              <a:t>();  </a:t>
-            </a:r>
-          </a:p>
-          <a:p>
+              <a:t> </a:t>
+            </a:r>
             <a:r>
               <a:rPr lang="en-IN" sz="1700" dirty="0" smtClean="0">
                 <a:latin typeface="Courier New" pitchFamily="49" charset="0"/>
                 <a:cs typeface="Courier New" pitchFamily="49" charset="0"/>
               </a:rPr>
-              <a:t>  </a:t>
+              <a:t> </a:t>
             </a:r>
             <a:r>
               <a:rPr lang="en-IN" sz="1700" dirty="0" err="1" smtClean="0">
                 <a:latin typeface="Courier New" pitchFamily="49" charset="0"/>
                 <a:cs typeface="Courier New" pitchFamily="49" charset="0"/>
               </a:rPr>
-              <a:t>System.out.println</a:t>
+              <a:t>din.close</a:t>
             </a:r>
             <a:r>
               <a:rPr lang="en-IN" sz="1700" dirty="0" smtClean="0">
                 <a:latin typeface="Courier New" pitchFamily="49" charset="0"/>
                 <a:cs typeface="Courier New" pitchFamily="49" charset="0"/>
               </a:rPr>
-              <a:t>("Client says=</a:t>
-            </a:r>
+              <a:t>();</a:t>
+            </a:r>
+          </a:p>
+          <a:p>
             <a:r>
               <a:rPr lang="en-IN" sz="1700" dirty="0">
                 <a:latin typeface="Courier New" pitchFamily="49" charset="0"/>
                 <a:cs typeface="Courier New" pitchFamily="49" charset="0"/>
               </a:rPr>
-              <a:t> "+</a:t>
-            </a:r>
-            <a:r>
-              <a:rPr lang="en-IN" sz="1700" dirty="0" err="1">
-                <a:latin typeface="Courier New" pitchFamily="49" charset="0"/>
-                <a:cs typeface="Courier New" pitchFamily="49" charset="0"/>
-              </a:rPr>
-              <a:t>str</a:t>
+              <a:t> </a:t>
+            </a:r>
+            <a:r>
+              <a:rPr lang="en-IN" sz="1700" dirty="0" smtClean="0">
+                <a:latin typeface="Courier New" pitchFamily="49" charset="0"/>
+                <a:cs typeface="Courier New" pitchFamily="49" charset="0"/>
+              </a:rPr>
+              <a:t> </a:t>
+            </a:r>
+            <a:r>
+              <a:rPr lang="en-IN" sz="1700" dirty="0" err="1" smtClean="0">
+                <a:latin typeface="Courier New" pitchFamily="49" charset="0"/>
+                <a:cs typeface="Courier New" pitchFamily="49" charset="0"/>
+              </a:rPr>
+              <a:t>s.close</a:t>
+            </a:r>
+            <a:r>
+              <a:rPr lang="en-IN" sz="1700" dirty="0" smtClean="0">
+                <a:latin typeface="Courier New" pitchFamily="49" charset="0"/>
+                <a:cs typeface="Courier New" pitchFamily="49" charset="0"/>
+              </a:rPr>
+              <a:t>();</a:t>
             </a:r>
             <a:r>
               <a:rPr lang="en-IN" sz="1700" dirty="0">
                 <a:latin typeface="Courier New" pitchFamily="49" charset="0"/>
                 <a:cs typeface="Courier New" pitchFamily="49" charset="0"/>
               </a:rPr>
-              <a:t>);  </a:t>
+              <a:t>  </a:t>
             </a:r>
           </a:p>
           <a:p>
@@ -18843,7 +19365,7 @@
           <p:cNvPr id="4" name="Rectangle 3">
             <a:extLst>
               <a:ext uri="{FF2B5EF4-FFF2-40B4-BE49-F238E27FC236}">
-                <a16:creationId xmlns="" xmlns:a16="http://schemas.microsoft.com/office/drawing/2014/main" id="{F239B26C-C8FD-4F8B-9AD9-B7E47E10C0BC}"/>
+                <a16:creationId xmlns:a16="http://schemas.microsoft.com/office/drawing/2014/main" xmlns="" id="{F239B26C-C8FD-4F8B-9AD9-B7E47E10C0BC}"/>
               </a:ext>
             </a:extLst>
           </p:cNvPr>
@@ -19432,7 +19954,7 @@
           <p:cNvPr id="2" name="Title 1">
             <a:extLst>
               <a:ext uri="{FF2B5EF4-FFF2-40B4-BE49-F238E27FC236}">
-                <a16:creationId xmlns="" xmlns:a16="http://schemas.microsoft.com/office/drawing/2014/main" id="{E6AF8411-4398-481F-8237-1FA6A6006CB0}"/>
+                <a16:creationId xmlns:a16="http://schemas.microsoft.com/office/drawing/2014/main" xmlns="" id="{E6AF8411-4398-481F-8237-1FA6A6006CB0}"/>
               </a:ext>
             </a:extLst>
           </p:cNvPr>
@@ -19466,7 +19988,7 @@
           <p:cNvPr id="4" name="Rectangle 3">
             <a:extLst>
               <a:ext uri="{FF2B5EF4-FFF2-40B4-BE49-F238E27FC236}">
-                <a16:creationId xmlns="" xmlns:a16="http://schemas.microsoft.com/office/drawing/2014/main" id="{46E5D5D9-5990-4083-96F8-7167991DDF96}"/>
+                <a16:creationId xmlns:a16="http://schemas.microsoft.com/office/drawing/2014/main" xmlns="" id="{46E5D5D9-5990-4083-96F8-7167991DDF96}"/>
               </a:ext>
             </a:extLst>
           </p:cNvPr>
@@ -20056,7 +20578,7 @@
           <p:cNvPr id="5" name="Rectangle: Rounded Corners 4">
             <a:extLst>
               <a:ext uri="{FF2B5EF4-FFF2-40B4-BE49-F238E27FC236}">
-                <a16:creationId xmlns="" xmlns:a16="http://schemas.microsoft.com/office/drawing/2014/main" id="{26C8FC72-69A2-4A2B-BF11-365292130EB4}"/>
+                <a16:creationId xmlns:a16="http://schemas.microsoft.com/office/drawing/2014/main" xmlns="" id="{26C8FC72-69A2-4A2B-BF11-365292130EB4}"/>
               </a:ext>
             </a:extLst>
           </p:cNvPr>
@@ -20144,7 +20666,7 @@
           <p:cNvPr id="2" name="Title 1">
             <a:extLst>
               <a:ext uri="{FF2B5EF4-FFF2-40B4-BE49-F238E27FC236}">
-                <a16:creationId xmlns="" xmlns:a16="http://schemas.microsoft.com/office/drawing/2014/main" id="{44027335-884C-4B99-BFAB-9FE67CD77A07}"/>
+                <a16:creationId xmlns:a16="http://schemas.microsoft.com/office/drawing/2014/main" xmlns="" id="{44027335-884C-4B99-BFAB-9FE67CD77A07}"/>
               </a:ext>
             </a:extLst>
           </p:cNvPr>
@@ -20178,7 +20700,7 @@
           <p:cNvPr id="4" name="Rectangle 3">
             <a:extLst>
               <a:ext uri="{FF2B5EF4-FFF2-40B4-BE49-F238E27FC236}">
-                <a16:creationId xmlns="" xmlns:a16="http://schemas.microsoft.com/office/drawing/2014/main" id="{F239B26C-C8FD-4F8B-9AD9-B7E47E10C0BC}"/>
+                <a16:creationId xmlns:a16="http://schemas.microsoft.com/office/drawing/2014/main" xmlns="" id="{F239B26C-C8FD-4F8B-9AD9-B7E47E10C0BC}"/>
               </a:ext>
             </a:extLst>
           </p:cNvPr>
@@ -20687,7 +21209,7 @@
           <p:cNvPr id="7" name="Rectangle: Rounded Corners 6">
             <a:extLst>
               <a:ext uri="{FF2B5EF4-FFF2-40B4-BE49-F238E27FC236}">
-                <a16:creationId xmlns="" xmlns:a16="http://schemas.microsoft.com/office/drawing/2014/main" id="{5CF51055-DF11-4C16-B202-2C98D02890D8}"/>
+                <a16:creationId xmlns:a16="http://schemas.microsoft.com/office/drawing/2014/main" xmlns="" id="{5CF51055-DF11-4C16-B202-2C98D02890D8}"/>
               </a:ext>
             </a:extLst>
           </p:cNvPr>
@@ -21995,7 +22517,7 @@
           <p:cNvPr id="4" name="Content Placeholder 3">
             <a:extLst>
               <a:ext uri="{FF2B5EF4-FFF2-40B4-BE49-F238E27FC236}">
-                <a16:creationId xmlns="" xmlns:a16="http://schemas.microsoft.com/office/drawing/2014/main" id="{0D3BE46D-D4B7-4773-A089-B318D590D2EC}"/>
+                <a16:creationId xmlns:a16="http://schemas.microsoft.com/office/drawing/2014/main" xmlns="" id="{0D3BE46D-D4B7-4773-A089-B318D590D2EC}"/>
               </a:ext>
             </a:extLst>
           </p:cNvPr>
@@ -22025,14 +22547,14 @@
                 <a:gridCol w="4107180">
                   <a:extLst>
                     <a:ext uri="{9D8B030D-6E8A-4147-A177-3AD203B41FA5}">
-                      <a16:colId xmlns="" xmlns:a16="http://schemas.microsoft.com/office/drawing/2014/main" val="4170491539"/>
+                      <a16:colId xmlns:a16="http://schemas.microsoft.com/office/drawing/2014/main" xmlns="" val="4170491539"/>
                     </a:ext>
                   </a:extLst>
                 </a:gridCol>
                 <a:gridCol w="4107180">
                   <a:extLst>
                     <a:ext uri="{9D8B030D-6E8A-4147-A177-3AD203B41FA5}">
-                      <a16:colId xmlns="" xmlns:a16="http://schemas.microsoft.com/office/drawing/2014/main" val="509871682"/>
+                      <a16:colId xmlns:a16="http://schemas.microsoft.com/office/drawing/2014/main" xmlns="" val="509871682"/>
                     </a:ext>
                   </a:extLst>
                 </a:gridCol>
@@ -22086,7 +22608,7 @@
                 </a:tc>
                 <a:extLst>
                   <a:ext uri="{0D108BD9-81ED-4DB2-BD59-A6C34878D82A}">
-                    <a16:rowId xmlns="" xmlns:a16="http://schemas.microsoft.com/office/drawing/2014/main" val="1470494853"/>
+                    <a16:rowId xmlns:a16="http://schemas.microsoft.com/office/drawing/2014/main" xmlns="" val="1470494853"/>
                   </a:ext>
                 </a:extLst>
               </a:tr>
@@ -22151,7 +22673,7 @@
                 </a:tc>
                 <a:extLst>
                   <a:ext uri="{0D108BD9-81ED-4DB2-BD59-A6C34878D82A}">
-                    <a16:rowId xmlns="" xmlns:a16="http://schemas.microsoft.com/office/drawing/2014/main" val="2639377761"/>
+                    <a16:rowId xmlns:a16="http://schemas.microsoft.com/office/drawing/2014/main" xmlns="" val="2639377761"/>
                   </a:ext>
                 </a:extLst>
               </a:tr>
@@ -22204,7 +22726,7 @@
                 </a:tc>
                 <a:extLst>
                   <a:ext uri="{0D108BD9-81ED-4DB2-BD59-A6C34878D82A}">
-                    <a16:rowId xmlns="" xmlns:a16="http://schemas.microsoft.com/office/drawing/2014/main" val="2613002052"/>
+                    <a16:rowId xmlns:a16="http://schemas.microsoft.com/office/drawing/2014/main" xmlns="" val="2613002052"/>
                   </a:ext>
                 </a:extLst>
               </a:tr>
@@ -22257,7 +22779,7 @@
                 </a:tc>
                 <a:extLst>
                   <a:ext uri="{0D108BD9-81ED-4DB2-BD59-A6C34878D82A}">
-                    <a16:rowId xmlns="" xmlns:a16="http://schemas.microsoft.com/office/drawing/2014/main" val="4086398249"/>
+                    <a16:rowId xmlns:a16="http://schemas.microsoft.com/office/drawing/2014/main" xmlns="" val="4086398249"/>
                   </a:ext>
                 </a:extLst>
               </a:tr>
@@ -22310,7 +22832,7 @@
                 </a:tc>
                 <a:extLst>
                   <a:ext uri="{0D108BD9-81ED-4DB2-BD59-A6C34878D82A}">
-                    <a16:rowId xmlns="" xmlns:a16="http://schemas.microsoft.com/office/drawing/2014/main" val="2813433476"/>
+                    <a16:rowId xmlns:a16="http://schemas.microsoft.com/office/drawing/2014/main" xmlns="" val="2813433476"/>
                   </a:ext>
                 </a:extLst>
               </a:tr>
@@ -22375,7 +22897,7 @@
                 </a:tc>
                 <a:extLst>
                   <a:ext uri="{0D108BD9-81ED-4DB2-BD59-A6C34878D82A}">
-                    <a16:rowId xmlns="" xmlns:a16="http://schemas.microsoft.com/office/drawing/2014/main" val="2154240040"/>
+                    <a16:rowId xmlns:a16="http://schemas.microsoft.com/office/drawing/2014/main" xmlns="" val="2154240040"/>
                   </a:ext>
                 </a:extLst>
               </a:tr>
@@ -22428,7 +22950,7 @@
           <p:cNvPr id="2" name="Title 1">
             <a:extLst>
               <a:ext uri="{FF2B5EF4-FFF2-40B4-BE49-F238E27FC236}">
-                <a16:creationId xmlns="" xmlns:a16="http://schemas.microsoft.com/office/drawing/2014/main" id="{1B80ABD8-37E8-47B1-89AC-8884239E35EA}"/>
+                <a16:creationId xmlns:a16="http://schemas.microsoft.com/office/drawing/2014/main" xmlns="" id="{1B80ABD8-37E8-47B1-89AC-8884239E35EA}"/>
               </a:ext>
             </a:extLst>
           </p:cNvPr>
@@ -22457,7 +22979,7 @@
           <p:cNvPr id="3" name="Content Placeholder 2">
             <a:extLst>
               <a:ext uri="{FF2B5EF4-FFF2-40B4-BE49-F238E27FC236}">
-                <a16:creationId xmlns="" xmlns:a16="http://schemas.microsoft.com/office/drawing/2014/main" id="{477D265A-8343-4C45-8DD2-C61D7837D62F}"/>
+                <a16:creationId xmlns:a16="http://schemas.microsoft.com/office/drawing/2014/main" xmlns="" id="{477D265A-8343-4C45-8DD2-C61D7837D62F}"/>
               </a:ext>
             </a:extLst>
           </p:cNvPr>
@@ -23710,7 +24232,7 @@
           <p:cNvPr id="2" name="Title 1">
             <a:extLst>
               <a:ext uri="{FF2B5EF4-FFF2-40B4-BE49-F238E27FC236}">
-                <a16:creationId xmlns="" xmlns:a16="http://schemas.microsoft.com/office/drawing/2014/main" id="{D33415B6-04DC-4E6C-BA81-A8BFF5E1E12B}"/>
+                <a16:creationId xmlns:a16="http://schemas.microsoft.com/office/drawing/2014/main" xmlns="" id="{D33415B6-04DC-4E6C-BA81-A8BFF5E1E12B}"/>
               </a:ext>
             </a:extLst>
           </p:cNvPr>
@@ -23753,7 +24275,7 @@
           <p:cNvPr id="3" name="Content Placeholder 2">
             <a:extLst>
               <a:ext uri="{FF2B5EF4-FFF2-40B4-BE49-F238E27FC236}">
-                <a16:creationId xmlns="" xmlns:a16="http://schemas.microsoft.com/office/drawing/2014/main" id="{7076138A-B6FA-4F83-95E8-D45135F4230D}"/>
+                <a16:creationId xmlns:a16="http://schemas.microsoft.com/office/drawing/2014/main" xmlns="" id="{7076138A-B6FA-4F83-95E8-D45135F4230D}"/>
               </a:ext>
             </a:extLst>
           </p:cNvPr>
@@ -25888,7 +26410,7 @@
           <a:graphicData uri="http://schemas.openxmlformats.org/presentationml/2006/ole">
             <mc:AlternateContent xmlns:mc="http://schemas.openxmlformats.org/markup-compatibility/2006">
               <mc:Choice xmlns:v="urn:schemas-microsoft-com:vml" Requires="v">
-                <p:oleObj spid="_x0000_s1374" name="Microsoft ClipArt Gallery" r:id="rId4" imgW="2559050" imgH="4298950" progId="MS_ClipArt_Gallery">
+                <p:oleObj spid="_x0000_s1404" name="Microsoft ClipArt Gallery" r:id="rId4" imgW="2559050" imgH="4298950" progId="MS_ClipArt_Gallery">
                   <p:embed/>
                 </p:oleObj>
               </mc:Choice>
@@ -26030,7 +26552,7 @@
           <a:graphicData uri="http://schemas.openxmlformats.org/presentationml/2006/ole">
             <mc:AlternateContent xmlns:mc="http://schemas.openxmlformats.org/markup-compatibility/2006">
               <mc:Choice xmlns:v="urn:schemas-microsoft-com:vml" Requires="v">
-                <p:oleObj spid="_x0000_s1375" name="Microsoft ClipArt Gallery" r:id="rId7" imgW="4183063" imgH="3216275" progId="MS_ClipArt_Gallery">
+                <p:oleObj spid="_x0000_s1405" name="Microsoft ClipArt Gallery" r:id="rId7" imgW="4183063" imgH="3216275" progId="MS_ClipArt_Gallery">
                   <p:embed/>
                 </p:oleObj>
               </mc:Choice>
@@ -26303,7 +26825,7 @@
           <a:graphicData uri="http://schemas.openxmlformats.org/presentationml/2006/ole">
             <mc:AlternateContent xmlns:mc="http://schemas.openxmlformats.org/markup-compatibility/2006">
               <mc:Choice xmlns:v="urn:schemas-microsoft-com:vml" Requires="v">
-                <p:oleObj spid="_x0000_s1376" name="Microsoft ClipArt Gallery" r:id="rId9" imgW="4183063" imgH="3216275" progId="MS_ClipArt_Gallery">
+                <p:oleObj spid="_x0000_s1406" name="Microsoft ClipArt Gallery" r:id="rId9" imgW="4183063" imgH="3216275" progId="MS_ClipArt_Gallery">
                   <p:embed/>
                 </p:oleObj>
               </mc:Choice>
@@ -26402,7 +26924,7 @@
           <a:graphicData uri="http://schemas.openxmlformats.org/presentationml/2006/ole">
             <mc:AlternateContent xmlns:mc="http://schemas.openxmlformats.org/markup-compatibility/2006">
               <mc:Choice xmlns:v="urn:schemas-microsoft-com:vml" Requires="v">
-                <p:oleObj spid="_x0000_s1377" name="Microsoft ClipArt Gallery" r:id="rId10" imgW="2559050" imgH="4298950" progId="MS_ClipArt_Gallery">
+                <p:oleObj spid="_x0000_s1407" name="Microsoft ClipArt Gallery" r:id="rId10" imgW="2559050" imgH="4298950" progId="MS_ClipArt_Gallery">
                   <p:embed/>
                 </p:oleObj>
               </mc:Choice>
@@ -26501,7 +27023,7 @@
           <a:graphicData uri="http://schemas.openxmlformats.org/presentationml/2006/ole">
             <mc:AlternateContent xmlns:mc="http://schemas.openxmlformats.org/markup-compatibility/2006">
               <mc:Choice xmlns:v="urn:schemas-microsoft-com:vml" Requires="v">
-                <p:oleObj spid="_x0000_s1378" name="Microsoft ClipArt Gallery" r:id="rId11" imgW="4548188" imgH="3284538" progId="MS_ClipArt_Gallery">
+                <p:oleObj spid="_x0000_s1408" name="Microsoft ClipArt Gallery" r:id="rId11" imgW="4548188" imgH="3284538" progId="MS_ClipArt_Gallery">
                   <p:embed/>
                 </p:oleObj>
               </mc:Choice>
@@ -26869,7 +27391,7 @@
           <a:graphicData uri="http://schemas.openxmlformats.org/presentationml/2006/ole">
             <mc:AlternateContent xmlns:mc="http://schemas.openxmlformats.org/markup-compatibility/2006">
               <mc:Choice xmlns:v="urn:schemas-microsoft-com:vml" Requires="v">
-                <p:oleObj spid="_x0000_s1379" name="CorelDRAW!" r:id="rId13" imgW="1255713" imgH="503238" progId="CDraw5">
+                <p:oleObj spid="_x0000_s1409" name="CorelDRAW!" r:id="rId13" imgW="1255713" imgH="503238" progId="CDraw5">
                   <p:embed/>
                 </p:oleObj>
               </mc:Choice>
@@ -36175,7 +36697,7 @@
           <a:graphicData uri="http://schemas.openxmlformats.org/presentationml/2006/ole">
             <mc:AlternateContent xmlns:mc="http://schemas.openxmlformats.org/markup-compatibility/2006">
               <mc:Choice xmlns:v="urn:schemas-microsoft-com:vml" Requires="v">
-                <p:oleObj spid="_x0000_s2166" name="Microsoft ClipArt Gallery" r:id="rId4" imgW="4183063" imgH="3216275" progId="MS_ClipArt_Gallery">
+                <p:oleObj spid="_x0000_s2176" name="Microsoft ClipArt Gallery" r:id="rId4" imgW="4183063" imgH="3216275" progId="MS_ClipArt_Gallery">
                   <p:embed/>
                 </p:oleObj>
               </mc:Choice>
@@ -36274,7 +36796,7 @@
           <a:graphicData uri="http://schemas.openxmlformats.org/presentationml/2006/ole">
             <mc:AlternateContent xmlns:mc="http://schemas.openxmlformats.org/markup-compatibility/2006">
               <mc:Choice xmlns:v="urn:schemas-microsoft-com:vml" Requires="v">
-                <p:oleObj spid="_x0000_s2167" name="Microsoft ClipArt Gallery" r:id="rId6" imgW="4006850" imgH="3192463" progId="MS_ClipArt_Gallery">
+                <p:oleObj spid="_x0000_s2177" name="Microsoft ClipArt Gallery" r:id="rId6" imgW="4006850" imgH="3192463" progId="MS_ClipArt_Gallery">
                   <p:embed/>
                 </p:oleObj>
               </mc:Choice>
@@ -36805,8 +37327,8 @@
 <file path=ppt/tags/tag1.xml><?xml version="1.0" encoding="utf-8"?>
 <p:tagLst xmlns:a="http://schemas.openxmlformats.org/drawingml/2006/main" xmlns:r="http://schemas.openxmlformats.org/officeDocument/2006/relationships" xmlns:p="http://schemas.openxmlformats.org/presentationml/2006/main">
   <p:tag name="ARTICULATE_DESIGN_ID_NETWORKING" val="WXnQ0qm0"/>
+  <p:tag name="ARTICULATE_SLIDE_COUNT" val="73"/>
   <p:tag name="ARTICULATE_PROJECT_OPEN" val="0"/>
-  <p:tag name="ARTICULATE_SLIDE_COUNT" val="73"/>
 </p:tagLst>
 </file>
 
@@ -37539,7 +38061,7 @@
   <a:extraClrSchemeLst/>
   <a:extLst>
     <a:ext uri="{05A4C25C-085E-4340-85A3-A5531E510DB2}">
-      <thm15:themeFamily xmlns:thm15="http://schemas.microsoft.com/office/thememl/2012/main" xmlns="" name="Frame" id="{F226E7A2-7162-461C-9490-D27D9DC04E43}" vid="{629A0216-3BBD-45C0-B63F-2683BEA18F60}"/>
+      <thm15:themeFamily xmlns="" xmlns:thm15="http://schemas.microsoft.com/office/thememl/2012/main" name="Frame" id="{F226E7A2-7162-461C-9490-D27D9DC04E43}" vid="{629A0216-3BBD-45C0-B63F-2683BEA18F60}"/>
     </a:ext>
   </a:extLst>
 </a:theme>
@@ -37828,4 +38350,289 @@
   <a:objectDefaults/>
   <a:extraClrSchemeLst/>
 </a:theme>
+</file>
+
+<file path=ppt/theme/theme3.xml><?xml version="1.0" encoding="utf-8"?>
+<a:theme xmlns:a="http://schemas.openxmlformats.org/drawingml/2006/main" name="Office Theme">
+  <a:themeElements>
+    <a:clrScheme name="Office">
+      <a:dk1>
+        <a:sysClr val="windowText" lastClr="000000"/>
+      </a:dk1>
+      <a:lt1>
+        <a:sysClr val="window" lastClr="FFFFFF"/>
+      </a:lt1>
+      <a:dk2>
+        <a:srgbClr val="1F497D"/>
+      </a:dk2>
+      <a:lt2>
+        <a:srgbClr val="EEECE1"/>
+      </a:lt2>
+      <a:accent1>
+        <a:srgbClr val="4F81BD"/>
+      </a:accent1>
+      <a:accent2>
+        <a:srgbClr val="C0504D"/>
+      </a:accent2>
+      <a:accent3>
+        <a:srgbClr val="9BBB59"/>
+      </a:accent3>
+      <a:accent4>
+        <a:srgbClr val="8064A2"/>
+      </a:accent4>
+      <a:accent5>
+        <a:srgbClr val="4BACC6"/>
+      </a:accent5>
+      <a:accent6>
+        <a:srgbClr val="F79646"/>
+      </a:accent6>
+      <a:hlink>
+        <a:srgbClr val="0000FF"/>
+      </a:hlink>
+      <a:folHlink>
+        <a:srgbClr val="800080"/>
+      </a:folHlink>
+    </a:clrScheme>
+    <a:fontScheme name="Office">
+      <a:majorFont>
+        <a:latin typeface="Calibri"/>
+        <a:ea typeface=""/>
+        <a:cs typeface=""/>
+        <a:font script="Jpan" typeface="ＭＳ Ｐゴシック"/>
+        <a:font script="Hang" typeface="맑은 고딕"/>
+        <a:font script="Hans" typeface="宋体"/>
+        <a:font script="Hant" typeface="新細明體"/>
+        <a:font script="Arab" typeface="Times New Roman"/>
+        <a:font script="Hebr" typeface="Times New Roman"/>
+        <a:font script="Thai" typeface="Angsana New"/>
+        <a:font script="Ethi" typeface="Nyala"/>
+        <a:font script="Beng" typeface="Vrinda"/>
+        <a:font script="Gujr" typeface="Shruti"/>
+        <a:font script="Khmr" typeface="MoolBoran"/>
+        <a:font script="Knda" typeface="Tunga"/>
+        <a:font script="Guru" typeface="Raavi"/>
+        <a:font script="Cans" typeface="Euphemia"/>
+        <a:font script="Cher" typeface="Plantagenet Cherokee"/>
+        <a:font script="Yiii" typeface="Microsoft Yi Baiti"/>
+        <a:font script="Tibt" typeface="Microsoft Himalaya"/>
+        <a:font script="Thaa" typeface="MV Boli"/>
+        <a:font script="Deva" typeface="Mangal"/>
+        <a:font script="Telu" typeface="Gautami"/>
+        <a:font script="Taml" typeface="Latha"/>
+        <a:font script="Syrc" typeface="Estrangelo Edessa"/>
+        <a:font script="Orya" typeface="Kalinga"/>
+        <a:font script="Mlym" typeface="Kartika"/>
+        <a:font script="Laoo" typeface="DokChampa"/>
+        <a:font script="Sinh" typeface="Iskoola Pota"/>
+        <a:font script="Mong" typeface="Mongolian Baiti"/>
+        <a:font script="Viet" typeface="Times New Roman"/>
+        <a:font script="Uigh" typeface="Microsoft Uighur"/>
+        <a:font script="Geor" typeface="Sylfaen"/>
+      </a:majorFont>
+      <a:minorFont>
+        <a:latin typeface="Calibri"/>
+        <a:ea typeface=""/>
+        <a:cs typeface=""/>
+        <a:font script="Jpan" typeface="ＭＳ Ｐゴシック"/>
+        <a:font script="Hang" typeface="맑은 고딕"/>
+        <a:font script="Hans" typeface="宋体"/>
+        <a:font script="Hant" typeface="新細明體"/>
+        <a:font script="Arab" typeface="Arial"/>
+        <a:font script="Hebr" typeface="Arial"/>
+        <a:font script="Thai" typeface="Cordia New"/>
+        <a:font script="Ethi" typeface="Nyala"/>
+        <a:font script="Beng" typeface="Vrinda"/>
+        <a:font script="Gujr" typeface="Shruti"/>
+        <a:font script="Khmr" typeface="DaunPenh"/>
+        <a:font script="Knda" typeface="Tunga"/>
+        <a:font script="Guru" typeface="Raavi"/>
+        <a:font script="Cans" typeface="Euphemia"/>
+        <a:font script="Cher" typeface="Plantagenet Cherokee"/>
+        <a:font script="Yiii" typeface="Microsoft Yi Baiti"/>
+        <a:font script="Tibt" typeface="Microsoft Himalaya"/>
+        <a:font script="Thaa" typeface="MV Boli"/>
+        <a:font script="Deva" typeface="Mangal"/>
+        <a:font script="Telu" typeface="Gautami"/>
+        <a:font script="Taml" typeface="Latha"/>
+        <a:font script="Syrc" typeface="Estrangelo Edessa"/>
+        <a:font script="Orya" typeface="Kalinga"/>
+        <a:font script="Mlym" typeface="Kartika"/>
+        <a:font script="Laoo" typeface="DokChampa"/>
+        <a:font script="Sinh" typeface="Iskoola Pota"/>
+        <a:font script="Mong" typeface="Mongolian Baiti"/>
+        <a:font script="Viet" typeface="Arial"/>
+        <a:font script="Uigh" typeface="Microsoft Uighur"/>
+        <a:font script="Geor" typeface="Sylfaen"/>
+      </a:minorFont>
+    </a:fontScheme>
+    <a:fmtScheme name="Office">
+      <a:fillStyleLst>
+        <a:solidFill>
+          <a:schemeClr val="phClr"/>
+        </a:solidFill>
+        <a:gradFill rotWithShape="1">
+          <a:gsLst>
+            <a:gs pos="0">
+              <a:schemeClr val="phClr">
+                <a:tint val="50000"/>
+                <a:satMod val="300000"/>
+              </a:schemeClr>
+            </a:gs>
+            <a:gs pos="35000">
+              <a:schemeClr val="phClr">
+                <a:tint val="37000"/>
+                <a:satMod val="300000"/>
+              </a:schemeClr>
+            </a:gs>
+            <a:gs pos="100000">
+              <a:schemeClr val="phClr">
+                <a:tint val="15000"/>
+                <a:satMod val="350000"/>
+              </a:schemeClr>
+            </a:gs>
+          </a:gsLst>
+          <a:lin ang="16200000" scaled="1"/>
+        </a:gradFill>
+        <a:gradFill rotWithShape="1">
+          <a:gsLst>
+            <a:gs pos="0">
+              <a:schemeClr val="phClr">
+                <a:shade val="51000"/>
+                <a:satMod val="130000"/>
+              </a:schemeClr>
+            </a:gs>
+            <a:gs pos="80000">
+              <a:schemeClr val="phClr">
+                <a:shade val="93000"/>
+                <a:satMod val="130000"/>
+              </a:schemeClr>
+            </a:gs>
+            <a:gs pos="100000">
+              <a:schemeClr val="phClr">
+                <a:shade val="94000"/>
+                <a:satMod val="135000"/>
+              </a:schemeClr>
+            </a:gs>
+          </a:gsLst>
+          <a:lin ang="16200000" scaled="0"/>
+        </a:gradFill>
+      </a:fillStyleLst>
+      <a:lnStyleLst>
+        <a:ln w="9525" cap="flat" cmpd="sng" algn="ctr">
+          <a:solidFill>
+            <a:schemeClr val="phClr">
+              <a:shade val="95000"/>
+              <a:satMod val="105000"/>
+            </a:schemeClr>
+          </a:solidFill>
+          <a:prstDash val="solid"/>
+        </a:ln>
+        <a:ln w="25400" cap="flat" cmpd="sng" algn="ctr">
+          <a:solidFill>
+            <a:schemeClr val="phClr"/>
+          </a:solidFill>
+          <a:prstDash val="solid"/>
+        </a:ln>
+        <a:ln w="38100" cap="flat" cmpd="sng" algn="ctr">
+          <a:solidFill>
+            <a:schemeClr val="phClr"/>
+          </a:solidFill>
+          <a:prstDash val="solid"/>
+        </a:ln>
+      </a:lnStyleLst>
+      <a:effectStyleLst>
+        <a:effectStyle>
+          <a:effectLst>
+            <a:outerShdw blurRad="40000" dist="20000" dir="5400000" rotWithShape="0">
+              <a:srgbClr val="000000">
+                <a:alpha val="38000"/>
+              </a:srgbClr>
+            </a:outerShdw>
+          </a:effectLst>
+        </a:effectStyle>
+        <a:effectStyle>
+          <a:effectLst>
+            <a:outerShdw blurRad="40000" dist="23000" dir="5400000" rotWithShape="0">
+              <a:srgbClr val="000000">
+                <a:alpha val="35000"/>
+              </a:srgbClr>
+            </a:outerShdw>
+          </a:effectLst>
+        </a:effectStyle>
+        <a:effectStyle>
+          <a:effectLst>
+            <a:outerShdw blurRad="40000" dist="23000" dir="5400000" rotWithShape="0">
+              <a:srgbClr val="000000">
+                <a:alpha val="35000"/>
+              </a:srgbClr>
+            </a:outerShdw>
+          </a:effectLst>
+          <a:scene3d>
+            <a:camera prst="orthographicFront">
+              <a:rot lat="0" lon="0" rev="0"/>
+            </a:camera>
+            <a:lightRig rig="threePt" dir="t">
+              <a:rot lat="0" lon="0" rev="1200000"/>
+            </a:lightRig>
+          </a:scene3d>
+          <a:sp3d>
+            <a:bevelT w="63500" h="25400"/>
+          </a:sp3d>
+        </a:effectStyle>
+      </a:effectStyleLst>
+      <a:bgFillStyleLst>
+        <a:solidFill>
+          <a:schemeClr val="phClr"/>
+        </a:solidFill>
+        <a:gradFill rotWithShape="1">
+          <a:gsLst>
+            <a:gs pos="0">
+              <a:schemeClr val="phClr">
+                <a:tint val="40000"/>
+                <a:satMod val="350000"/>
+              </a:schemeClr>
+            </a:gs>
+            <a:gs pos="40000">
+              <a:schemeClr val="phClr">
+                <a:tint val="45000"/>
+                <a:shade val="99000"/>
+                <a:satMod val="350000"/>
+              </a:schemeClr>
+            </a:gs>
+            <a:gs pos="100000">
+              <a:schemeClr val="phClr">
+                <a:shade val="20000"/>
+                <a:satMod val="255000"/>
+              </a:schemeClr>
+            </a:gs>
+          </a:gsLst>
+          <a:path path="circle">
+            <a:fillToRect l="50000" t="-80000" r="50000" b="180000"/>
+          </a:path>
+        </a:gradFill>
+        <a:gradFill rotWithShape="1">
+          <a:gsLst>
+            <a:gs pos="0">
+              <a:schemeClr val="phClr">
+                <a:tint val="80000"/>
+                <a:satMod val="300000"/>
+              </a:schemeClr>
+            </a:gs>
+            <a:gs pos="100000">
+              <a:schemeClr val="phClr">
+                <a:shade val="30000"/>
+                <a:satMod val="200000"/>
+              </a:schemeClr>
+            </a:gs>
+          </a:gsLst>
+          <a:path path="circle">
+            <a:fillToRect l="50000" t="50000" r="50000" b="50000"/>
+          </a:path>
+        </a:gradFill>
+      </a:bgFillStyleLst>
+    </a:fmtScheme>
+  </a:themeElements>
+  <a:objectDefaults/>
+  <a:extraClrSchemeLst/>
+</a:theme>
 </file>
--- a/Slides/AJP - Unit 1 - Java Networking.pptx
+++ b/Slides/AJP - Unit 1 - Java Networking.pptx
@@ -5,10 +5,10 @@
     <p:sldMasterId id="2147483660" r:id="rId1"/>
   </p:sldMasterIdLst>
   <p:notesMasterIdLst>
-    <p:notesMasterId r:id="rId75"/>
+    <p:notesMasterId r:id="rId78"/>
   </p:notesMasterIdLst>
   <p:handoutMasterIdLst>
-    <p:handoutMasterId r:id="rId76"/>
+    <p:handoutMasterId r:id="rId79"/>
   </p:handoutMasterIdLst>
   <p:sldIdLst>
     <p:sldId id="320" r:id="rId2"/>
@@ -83,12 +83,15 @@
     <p:sldId id="313" r:id="rId71"/>
     <p:sldId id="314" r:id="rId72"/>
     <p:sldId id="315" r:id="rId73"/>
-    <p:sldId id="316" r:id="rId74"/>
+    <p:sldId id="334" r:id="rId74"/>
+    <p:sldId id="333" r:id="rId75"/>
+    <p:sldId id="335" r:id="rId76"/>
+    <p:sldId id="316" r:id="rId77"/>
   </p:sldIdLst>
   <p:sldSz cx="12192000" cy="6858000"/>
   <p:notesSz cx="6858000" cy="9144000"/>
   <p:custDataLst>
-    <p:tags r:id="rId77"/>
+    <p:tags r:id="rId80"/>
   </p:custDataLst>
   <p:defaultTextStyle>
     <a:defPPr>
@@ -187,7 +190,7 @@
   </p:defaultTextStyle>
   <p:extLst>
     <p:ext uri="{EFAFB233-063F-42B5-8137-9DF3F51BA10A}">
-      <p15:sldGuideLst xmlns="" xmlns:p15="http://schemas.microsoft.com/office/powerpoint/2012/main"/>
+      <p15:sldGuideLst xmlns:p15="http://schemas.microsoft.com/office/powerpoint/2012/main" xmlns=""/>
     </p:ext>
   </p:extLst>
 </p:presentation>
@@ -275,7 +278,7 @@
           <a:p>
             <a:fld id="{A1471088-6963-4E0E-A38A-0AE373C72001}" type="datetimeFigureOut">
               <a:rPr lang="en-IN" smtClean="0"/>
-              <a:t>06-07-2022</a:t>
+              <a:t>08-07-2022</a:t>
             </a:fld>
             <a:endParaRPr lang="en-IN"/>
           </a:p>
@@ -443,7 +446,7 @@
           <a:p>
             <a:fld id="{F756D348-FDC2-46B9-B397-E540472E1FC5}" type="datetimeFigureOut">
               <a:rPr lang="en-IN" smtClean="0"/>
-              <a:t>06-07-2022</a:t>
+              <a:t>08-07-2022</a:t>
             </a:fld>
             <a:endParaRPr lang="en-IN"/>
           </a:p>
@@ -1020,7 +1023,7 @@
             <a:fld id="{FB6E4831-481F-4AF1-9D8E-170CD6E1C3F5}" type="datetimeFigureOut">
               <a:rPr lang="en-IN" smtClean="0"/>
               <a:pPr/>
-              <a:t>06-07-2022</a:t>
+              <a:t>08-07-2022</a:t>
             </a:fld>
             <a:endParaRPr lang="en-IN"/>
           </a:p>
@@ -1195,7 +1198,7 @@
             <a:fld id="{FB6E4831-481F-4AF1-9D8E-170CD6E1C3F5}" type="datetimeFigureOut">
               <a:rPr lang="en-IN" smtClean="0"/>
               <a:pPr/>
-              <a:t>06-07-2022</a:t>
+              <a:t>08-07-2022</a:t>
             </a:fld>
             <a:endParaRPr lang="en-IN"/>
           </a:p>
@@ -1380,7 +1383,7 @@
             <a:fld id="{FB6E4831-481F-4AF1-9D8E-170CD6E1C3F5}" type="datetimeFigureOut">
               <a:rPr lang="en-IN" smtClean="0"/>
               <a:pPr/>
-              <a:t>06-07-2022</a:t>
+              <a:t>08-07-2022</a:t>
             </a:fld>
             <a:endParaRPr lang="en-IN"/>
           </a:p>
@@ -1552,7 +1555,7 @@
             <a:fld id="{FB6E4831-481F-4AF1-9D8E-170CD6E1C3F5}" type="datetimeFigureOut">
               <a:rPr lang="en-IN" smtClean="0"/>
               <a:pPr/>
-              <a:t>06-07-2022</a:t>
+              <a:t>08-07-2022</a:t>
             </a:fld>
             <a:endParaRPr lang="en-IN"/>
           </a:p>
@@ -1809,7 +1812,7 @@
             <a:fld id="{FB6E4831-481F-4AF1-9D8E-170CD6E1C3F5}" type="datetimeFigureOut">
               <a:rPr lang="en-IN" smtClean="0"/>
               <a:pPr/>
-              <a:t>06-07-2022</a:t>
+              <a:t>08-07-2022</a:t>
             </a:fld>
             <a:endParaRPr lang="en-IN"/>
           </a:p>
@@ -2142,7 +2145,7 @@
             <a:fld id="{FB6E4831-481F-4AF1-9D8E-170CD6E1C3F5}" type="datetimeFigureOut">
               <a:rPr lang="en-IN" smtClean="0"/>
               <a:pPr/>
-              <a:t>06-07-2022</a:t>
+              <a:t>08-07-2022</a:t>
             </a:fld>
             <a:endParaRPr lang="en-IN"/>
           </a:p>
@@ -2623,7 +2626,7 @@
             <a:fld id="{FB6E4831-481F-4AF1-9D8E-170CD6E1C3F5}" type="datetimeFigureOut">
               <a:rPr lang="en-IN" smtClean="0"/>
               <a:pPr/>
-              <a:t>06-07-2022</a:t>
+              <a:t>08-07-2022</a:t>
             </a:fld>
             <a:endParaRPr lang="en-IN"/>
           </a:p>
@@ -2746,7 +2749,7 @@
             <a:fld id="{FB6E4831-481F-4AF1-9D8E-170CD6E1C3F5}" type="datetimeFigureOut">
               <a:rPr lang="en-IN" smtClean="0"/>
               <a:pPr/>
-              <a:t>06-07-2022</a:t>
+              <a:t>08-07-2022</a:t>
             </a:fld>
             <a:endParaRPr lang="en-IN"/>
           </a:p>
@@ -2846,7 +2849,7 @@
             <a:fld id="{FB6E4831-481F-4AF1-9D8E-170CD6E1C3F5}" type="datetimeFigureOut">
               <a:rPr lang="en-IN" smtClean="0"/>
               <a:pPr/>
-              <a:t>06-07-2022</a:t>
+              <a:t>08-07-2022</a:t>
             </a:fld>
             <a:endParaRPr lang="en-IN"/>
           </a:p>
@@ -3159,7 +3162,7 @@
             <a:fld id="{FB6E4831-481F-4AF1-9D8E-170CD6E1C3F5}" type="datetimeFigureOut">
               <a:rPr lang="en-IN" smtClean="0"/>
               <a:pPr/>
-              <a:t>06-07-2022</a:t>
+              <a:t>08-07-2022</a:t>
             </a:fld>
             <a:endParaRPr lang="en-IN"/>
           </a:p>
@@ -3437,7 +3440,7 @@
             <a:fld id="{FB6E4831-481F-4AF1-9D8E-170CD6E1C3F5}" type="datetimeFigureOut">
               <a:rPr lang="en-IN" smtClean="0"/>
               <a:pPr/>
-              <a:t>06-07-2022</a:t>
+              <a:t>08-07-2022</a:t>
             </a:fld>
             <a:endParaRPr lang="en-IN"/>
           </a:p>
@@ -3736,7 +3739,7 @@
             <a:fld id="{FB6E4831-481F-4AF1-9D8E-170CD6E1C3F5}" type="datetimeFigureOut">
               <a:rPr lang="en-IN" smtClean="0"/>
               <a:pPr/>
-              <a:t>06-07-2022</a:t>
+              <a:t>08-07-2022</a:t>
             </a:fld>
             <a:endParaRPr lang="en-IN"/>
           </a:p>
@@ -13782,7 +13785,7 @@
               <a:graphicData uri="http://schemas.openxmlformats.org/presentationml/2006/ole">
                 <mc:AlternateContent xmlns:mc="http://schemas.openxmlformats.org/markup-compatibility/2006">
                   <mc:Choice xmlns:v="urn:schemas-microsoft-com:vml" Requires="v">
-                    <p:oleObj spid="_x0000_s3202" name="Microsoft ClipArt Gallery" r:id="rId4" imgW="4006850" imgH="3192463" progId="MS_ClipArt_Gallery">
+                    <p:oleObj spid="_x0000_s3252" name="Microsoft ClipArt Gallery" r:id="rId4" imgW="4006850" imgH="3192463" progId="MS_ClipArt_Gallery">
                       <p:embed/>
                     </p:oleObj>
                   </mc:Choice>
@@ -13961,7 +13964,7 @@
               <a:graphicData uri="http://schemas.openxmlformats.org/presentationml/2006/ole">
                 <mc:AlternateContent xmlns:mc="http://schemas.openxmlformats.org/markup-compatibility/2006">
                   <mc:Choice xmlns:v="urn:schemas-microsoft-com:vml" Requires="v">
-                    <p:oleObj spid="_x0000_s3203" name="Microsoft ClipArt Gallery" r:id="rId6" imgW="4183063" imgH="3216275" progId="MS_ClipArt_Gallery">
+                    <p:oleObj spid="_x0000_s3253" name="Microsoft ClipArt Gallery" r:id="rId6" imgW="4183063" imgH="3216275" progId="MS_ClipArt_Gallery">
                       <p:embed/>
                     </p:oleObj>
                   </mc:Choice>
@@ -14920,7 +14923,7 @@
           <p:cNvPr id="10" name="Content Placeholder 9">
             <a:extLst>
               <a:ext uri="{FF2B5EF4-FFF2-40B4-BE49-F238E27FC236}">
-                <a16:creationId xmlns:a16="http://schemas.microsoft.com/office/drawing/2014/main" xmlns="" id="{0A22B6D8-9073-4E8C-972E-50F620F31FD1}"/>
+                <a16:creationId xmlns="" xmlns:a16="http://schemas.microsoft.com/office/drawing/2014/main" id="{0A22B6D8-9073-4E8C-972E-50F620F31FD1}"/>
               </a:ext>
             </a:extLst>
           </p:cNvPr>
@@ -14950,14 +14953,14 @@
                 <a:gridCol w="3947160">
                   <a:extLst>
                     <a:ext uri="{9D8B030D-6E8A-4147-A177-3AD203B41FA5}">
-                      <a16:colId xmlns:a16="http://schemas.microsoft.com/office/drawing/2014/main" xmlns="" val="4148119606"/>
+                      <a16:colId xmlns="" xmlns:a16="http://schemas.microsoft.com/office/drawing/2014/main" val="4148119606"/>
                     </a:ext>
                   </a:extLst>
                 </a:gridCol>
                 <a:gridCol w="3947160">
                   <a:extLst>
                     <a:ext uri="{9D8B030D-6E8A-4147-A177-3AD203B41FA5}">
-                      <a16:colId xmlns:a16="http://schemas.microsoft.com/office/drawing/2014/main" xmlns="" val="2229028685"/>
+                      <a16:colId xmlns="" xmlns:a16="http://schemas.microsoft.com/office/drawing/2014/main" val="2229028685"/>
                     </a:ext>
                   </a:extLst>
                 </a:gridCol>
@@ -15011,7 +15014,7 @@
                 </a:tc>
                 <a:extLst>
                   <a:ext uri="{0D108BD9-81ED-4DB2-BD59-A6C34878D82A}">
-                    <a16:rowId xmlns:a16="http://schemas.microsoft.com/office/drawing/2014/main" xmlns="" val="2494029403"/>
+                    <a16:rowId xmlns="" xmlns:a16="http://schemas.microsoft.com/office/drawing/2014/main" val="2494029403"/>
                   </a:ext>
                 </a:extLst>
               </a:tr>
@@ -15100,7 +15103,7 @@
                 </a:tc>
                 <a:extLst>
                   <a:ext uri="{0D108BD9-81ED-4DB2-BD59-A6C34878D82A}">
-                    <a16:rowId xmlns:a16="http://schemas.microsoft.com/office/drawing/2014/main" xmlns="" val="3295108235"/>
+                    <a16:rowId xmlns="" xmlns:a16="http://schemas.microsoft.com/office/drawing/2014/main" val="3295108235"/>
                   </a:ext>
                 </a:extLst>
               </a:tr>
@@ -15189,7 +15192,7 @@
                 </a:tc>
                 <a:extLst>
                   <a:ext uri="{0D108BD9-81ED-4DB2-BD59-A6C34878D82A}">
-                    <a16:rowId xmlns:a16="http://schemas.microsoft.com/office/drawing/2014/main" xmlns="" val="4188004682"/>
+                    <a16:rowId xmlns="" xmlns:a16="http://schemas.microsoft.com/office/drawing/2014/main" val="4188004682"/>
                   </a:ext>
                 </a:extLst>
               </a:tr>
@@ -15242,7 +15245,7 @@
                 </a:tc>
                 <a:extLst>
                   <a:ext uri="{0D108BD9-81ED-4DB2-BD59-A6C34878D82A}">
-                    <a16:rowId xmlns:a16="http://schemas.microsoft.com/office/drawing/2014/main" xmlns="" val="2535505752"/>
+                    <a16:rowId xmlns="" xmlns:a16="http://schemas.microsoft.com/office/drawing/2014/main" val="2535505752"/>
                   </a:ext>
                 </a:extLst>
               </a:tr>
@@ -15405,7 +15408,7 @@
           <p:cNvPr id="7" name="Content Placeholder 6">
             <a:extLst>
               <a:ext uri="{FF2B5EF4-FFF2-40B4-BE49-F238E27FC236}">
-                <a16:creationId xmlns:a16="http://schemas.microsoft.com/office/drawing/2014/main" xmlns="" id="{3A511582-0FFE-4E4B-8EF0-728CE85CB01F}"/>
+                <a16:creationId xmlns="" xmlns:a16="http://schemas.microsoft.com/office/drawing/2014/main" id="{3A511582-0FFE-4E4B-8EF0-728CE85CB01F}"/>
               </a:ext>
             </a:extLst>
           </p:cNvPr>
@@ -15435,14 +15438,14 @@
                 <a:gridCol w="4038600">
                   <a:extLst>
                     <a:ext uri="{9D8B030D-6E8A-4147-A177-3AD203B41FA5}">
-                      <a16:colId xmlns:a16="http://schemas.microsoft.com/office/drawing/2014/main" xmlns="" val="4094094059"/>
+                      <a16:colId xmlns="" xmlns:a16="http://schemas.microsoft.com/office/drawing/2014/main" val="4094094059"/>
                     </a:ext>
                   </a:extLst>
                 </a:gridCol>
                 <a:gridCol w="4038600">
                   <a:extLst>
                     <a:ext uri="{9D8B030D-6E8A-4147-A177-3AD203B41FA5}">
-                      <a16:colId xmlns:a16="http://schemas.microsoft.com/office/drawing/2014/main" xmlns="" val="162500616"/>
+                      <a16:colId xmlns="" xmlns:a16="http://schemas.microsoft.com/office/drawing/2014/main" val="162500616"/>
                     </a:ext>
                   </a:extLst>
                 </a:gridCol>
@@ -15496,7 +15499,7 @@
                 </a:tc>
                 <a:extLst>
                   <a:ext uri="{0D108BD9-81ED-4DB2-BD59-A6C34878D82A}">
-                    <a16:rowId xmlns:a16="http://schemas.microsoft.com/office/drawing/2014/main" xmlns="" val="3727081214"/>
+                    <a16:rowId xmlns="" xmlns:a16="http://schemas.microsoft.com/office/drawing/2014/main" val="3727081214"/>
                   </a:ext>
                 </a:extLst>
               </a:tr>
@@ -15549,7 +15552,7 @@
                 </a:tc>
                 <a:extLst>
                   <a:ext uri="{0D108BD9-81ED-4DB2-BD59-A6C34878D82A}">
-                    <a16:rowId xmlns:a16="http://schemas.microsoft.com/office/drawing/2014/main" xmlns="" val="836399312"/>
+                    <a16:rowId xmlns="" xmlns:a16="http://schemas.microsoft.com/office/drawing/2014/main" val="836399312"/>
                   </a:ext>
                 </a:extLst>
               </a:tr>
@@ -15602,7 +15605,7 @@
                 </a:tc>
                 <a:extLst>
                   <a:ext uri="{0D108BD9-81ED-4DB2-BD59-A6C34878D82A}">
-                    <a16:rowId xmlns:a16="http://schemas.microsoft.com/office/drawing/2014/main" xmlns="" val="1673196544"/>
+                    <a16:rowId xmlns="" xmlns:a16="http://schemas.microsoft.com/office/drawing/2014/main" val="1673196544"/>
                   </a:ext>
                 </a:extLst>
               </a:tr>
@@ -18692,7 +18695,7 @@
           <p:cNvPr id="3" name="Rectangle 2">
             <a:extLst>
               <a:ext uri="{FF2B5EF4-FFF2-40B4-BE49-F238E27FC236}">
-                <a16:creationId xmlns:a16="http://schemas.microsoft.com/office/drawing/2014/main" xmlns="" id="{46E5D5D9-5990-4083-96F8-7167991DDF96}"/>
+                <a16:creationId xmlns="" xmlns:a16="http://schemas.microsoft.com/office/drawing/2014/main" id="{46E5D5D9-5990-4083-96F8-7167991DDF96}"/>
               </a:ext>
             </a:extLst>
           </p:cNvPr>
@@ -19019,10 +19022,6 @@
               </a:rPr>
               <a:t>din = </a:t>
             </a:r>
-            <a:endParaRPr lang="en-IN" sz="1700" dirty="0" smtClean="0">
-              <a:latin typeface="Courier New" pitchFamily="49" charset="0"/>
-              <a:cs typeface="Courier New" pitchFamily="49" charset="0"/>
-            </a:endParaRPr>
           </a:p>
           <a:p>
             <a:r>
@@ -19139,14 +19138,7 @@
                 <a:latin typeface="Courier New" pitchFamily="49" charset="0"/>
                 <a:cs typeface="Courier New" pitchFamily="49" charset="0"/>
               </a:rPr>
-              <a:t>("</a:t>
-            </a:r>
-            <a:r>
-              <a:rPr lang="en-IN" sz="1700" dirty="0" smtClean="0">
-                <a:latin typeface="Courier New" pitchFamily="49" charset="0"/>
-                <a:cs typeface="Courier New" pitchFamily="49" charset="0"/>
-              </a:rPr>
-              <a:t>Client:</a:t>
+              <a:t>("Client:</a:t>
             </a:r>
             <a:r>
               <a:rPr lang="en-IN" sz="1700" dirty="0">
@@ -19365,7 +19357,7 @@
           <p:cNvPr id="4" name="Rectangle 3">
             <a:extLst>
               <a:ext uri="{FF2B5EF4-FFF2-40B4-BE49-F238E27FC236}">
-                <a16:creationId xmlns:a16="http://schemas.microsoft.com/office/drawing/2014/main" xmlns="" id="{F239B26C-C8FD-4F8B-9AD9-B7E47E10C0BC}"/>
+                <a16:creationId xmlns="" xmlns:a16="http://schemas.microsoft.com/office/drawing/2014/main" id="{F239B26C-C8FD-4F8B-9AD9-B7E47E10C0BC}"/>
               </a:ext>
             </a:extLst>
           </p:cNvPr>
@@ -19954,7 +19946,7 @@
           <p:cNvPr id="2" name="Title 1">
             <a:extLst>
               <a:ext uri="{FF2B5EF4-FFF2-40B4-BE49-F238E27FC236}">
-                <a16:creationId xmlns:a16="http://schemas.microsoft.com/office/drawing/2014/main" xmlns="" id="{E6AF8411-4398-481F-8237-1FA6A6006CB0}"/>
+                <a16:creationId xmlns="" xmlns:a16="http://schemas.microsoft.com/office/drawing/2014/main" id="{E6AF8411-4398-481F-8237-1FA6A6006CB0}"/>
               </a:ext>
             </a:extLst>
           </p:cNvPr>
@@ -19988,7 +19980,7 @@
           <p:cNvPr id="4" name="Rectangle 3">
             <a:extLst>
               <a:ext uri="{FF2B5EF4-FFF2-40B4-BE49-F238E27FC236}">
-                <a16:creationId xmlns:a16="http://schemas.microsoft.com/office/drawing/2014/main" xmlns="" id="{46E5D5D9-5990-4083-96F8-7167991DDF96}"/>
+                <a16:creationId xmlns="" xmlns:a16="http://schemas.microsoft.com/office/drawing/2014/main" id="{46E5D5D9-5990-4083-96F8-7167991DDF96}"/>
               </a:ext>
             </a:extLst>
           </p:cNvPr>
@@ -20578,7 +20570,7 @@
           <p:cNvPr id="5" name="Rectangle: Rounded Corners 4">
             <a:extLst>
               <a:ext uri="{FF2B5EF4-FFF2-40B4-BE49-F238E27FC236}">
-                <a16:creationId xmlns:a16="http://schemas.microsoft.com/office/drawing/2014/main" xmlns="" id="{26C8FC72-69A2-4A2B-BF11-365292130EB4}"/>
+                <a16:creationId xmlns="" xmlns:a16="http://schemas.microsoft.com/office/drawing/2014/main" id="{26C8FC72-69A2-4A2B-BF11-365292130EB4}"/>
               </a:ext>
             </a:extLst>
           </p:cNvPr>
@@ -20666,7 +20658,7 @@
           <p:cNvPr id="2" name="Title 1">
             <a:extLst>
               <a:ext uri="{FF2B5EF4-FFF2-40B4-BE49-F238E27FC236}">
-                <a16:creationId xmlns:a16="http://schemas.microsoft.com/office/drawing/2014/main" xmlns="" id="{44027335-884C-4B99-BFAB-9FE67CD77A07}"/>
+                <a16:creationId xmlns="" xmlns:a16="http://schemas.microsoft.com/office/drawing/2014/main" id="{44027335-884C-4B99-BFAB-9FE67CD77A07}"/>
               </a:ext>
             </a:extLst>
           </p:cNvPr>
@@ -20700,7 +20692,7 @@
           <p:cNvPr id="4" name="Rectangle 3">
             <a:extLst>
               <a:ext uri="{FF2B5EF4-FFF2-40B4-BE49-F238E27FC236}">
-                <a16:creationId xmlns:a16="http://schemas.microsoft.com/office/drawing/2014/main" xmlns="" id="{F239B26C-C8FD-4F8B-9AD9-B7E47E10C0BC}"/>
+                <a16:creationId xmlns="" xmlns:a16="http://schemas.microsoft.com/office/drawing/2014/main" id="{F239B26C-C8FD-4F8B-9AD9-B7E47E10C0BC}"/>
               </a:ext>
             </a:extLst>
           </p:cNvPr>
@@ -21209,7 +21201,7 @@
           <p:cNvPr id="7" name="Rectangle: Rounded Corners 6">
             <a:extLst>
               <a:ext uri="{FF2B5EF4-FFF2-40B4-BE49-F238E27FC236}">
-                <a16:creationId xmlns:a16="http://schemas.microsoft.com/office/drawing/2014/main" xmlns="" id="{5CF51055-DF11-4C16-B202-2C98D02890D8}"/>
+                <a16:creationId xmlns="" xmlns:a16="http://schemas.microsoft.com/office/drawing/2014/main" id="{5CF51055-DF11-4C16-B202-2C98D02890D8}"/>
               </a:ext>
             </a:extLst>
           </p:cNvPr>
@@ -22517,7 +22509,7 @@
           <p:cNvPr id="4" name="Content Placeholder 3">
             <a:extLst>
               <a:ext uri="{FF2B5EF4-FFF2-40B4-BE49-F238E27FC236}">
-                <a16:creationId xmlns:a16="http://schemas.microsoft.com/office/drawing/2014/main" xmlns="" id="{0D3BE46D-D4B7-4773-A089-B318D590D2EC}"/>
+                <a16:creationId xmlns="" xmlns:a16="http://schemas.microsoft.com/office/drawing/2014/main" id="{0D3BE46D-D4B7-4773-A089-B318D590D2EC}"/>
               </a:ext>
             </a:extLst>
           </p:cNvPr>
@@ -22528,14 +22520,14 @@
             <p:ph idx="1"/>
             <p:extLst>
               <p:ext uri="{D42A27DB-BD31-4B8C-83A1-F6EECF244321}">
-                <p14:modId xmlns:p14="http://schemas.microsoft.com/office/powerpoint/2010/main" val="3697724667"/>
+                <p14:modId xmlns:p14="http://schemas.microsoft.com/office/powerpoint/2010/main" val="466447170"/>
               </p:ext>
             </p:extLst>
           </p:nvPr>
         </p:nvGraphicFramePr>
         <p:xfrm>
-          <a:off x="3535680" y="863600"/>
-          <a:ext cx="8214360" cy="4037948"/>
+          <a:off x="3535680" y="863601"/>
+          <a:ext cx="8382000" cy="4520729"/>
         </p:xfrm>
         <a:graphic>
           <a:graphicData uri="http://schemas.openxmlformats.org/drawingml/2006/table">
@@ -22544,22 +22536,22 @@
                 <a:tableStyleId>{3C2FFA5D-87B4-456A-9821-1D502468CF0F}</a:tableStyleId>
               </a:tblPr>
               <a:tblGrid>
-                <a:gridCol w="4107180">
+                <a:gridCol w="3398520">
                   <a:extLst>
                     <a:ext uri="{9D8B030D-6E8A-4147-A177-3AD203B41FA5}">
-                      <a16:colId xmlns:a16="http://schemas.microsoft.com/office/drawing/2014/main" xmlns="" val="4170491539"/>
+                      <a16:colId xmlns="" xmlns:a16="http://schemas.microsoft.com/office/drawing/2014/main" val="4170491539"/>
                     </a:ext>
                   </a:extLst>
                 </a:gridCol>
-                <a:gridCol w="4107180">
+                <a:gridCol w="4983480">
                   <a:extLst>
                     <a:ext uri="{9D8B030D-6E8A-4147-A177-3AD203B41FA5}">
-                      <a16:colId xmlns:a16="http://schemas.microsoft.com/office/drawing/2014/main" xmlns="" val="509871682"/>
+                      <a16:colId xmlns="" xmlns:a16="http://schemas.microsoft.com/office/drawing/2014/main" val="509871682"/>
                     </a:ext>
                   </a:extLst>
                 </a:gridCol>
               </a:tblGrid>
-              <a:tr h="642940">
+              <a:tr h="606550">
                 <a:tc>
                   <a:txBody>
                     <a:bodyPr/>
@@ -22608,11 +22600,11 @@
                 </a:tc>
                 <a:extLst>
                   <a:ext uri="{0D108BD9-81ED-4DB2-BD59-A6C34878D82A}">
-                    <a16:rowId xmlns:a16="http://schemas.microsoft.com/office/drawing/2014/main" xmlns="" val="1470494853"/>
+                    <a16:rowId xmlns="" xmlns:a16="http://schemas.microsoft.com/office/drawing/2014/main" val="1470494853"/>
                   </a:ext>
                 </a:extLst>
               </a:tr>
-              <a:tr h="602541">
+              <a:tr h="447794">
                 <a:tc>
                   <a:txBody>
                     <a:bodyPr/>
@@ -22646,7 +22638,11 @@
                       </a:endParaRPr>
                     </a:p>
                   </a:txBody>
-                  <a:tcPr marL="35222" marR="35222" marT="35222" marB="35222"/>
+                  <a:tcPr marL="35222" marR="35222" marT="35222" marB="35222">
+                    <a:solidFill>
+                      <a:schemeClr val="bg1"/>
+                    </a:solidFill>
+                  </a:tcPr>
                 </a:tc>
                 <a:tc>
                   <a:txBody>
@@ -22655,10 +22651,16 @@
                     <a:p>
                       <a:pPr algn="just" fontAlgn="t"/>
                       <a:r>
+                        <a:rPr lang="en-US" sz="2000" dirty="0" smtClean="0">
+                          <a:effectLst/>
+                        </a:rPr>
+                        <a:t>Returns </a:t>
+                      </a:r>
+                      <a:r>
                         <a:rPr lang="en-US" sz="2000" dirty="0">
                           <a:effectLst/>
                         </a:rPr>
-                        <a:t>it returns the protocol of the URL.</a:t>
+                        <a:t>the protocol of the URL.</a:t>
                       </a:r>
                       <a:endParaRPr lang="en-US" sz="2000" b="0" i="0" dirty="0">
                         <a:solidFill>
@@ -22669,15 +22671,19 @@
                       </a:endParaRPr>
                     </a:p>
                   </a:txBody>
-                  <a:tcPr marL="35222" marR="35222" marT="35222" marB="35222"/>
+                  <a:tcPr marL="35222" marR="35222" marT="35222" marB="35222">
+                    <a:solidFill>
+                      <a:schemeClr val="bg1"/>
+                    </a:solidFill>
+                  </a:tcPr>
                 </a:tc>
                 <a:extLst>
                   <a:ext uri="{0D108BD9-81ED-4DB2-BD59-A6C34878D82A}">
-                    <a16:rowId xmlns:a16="http://schemas.microsoft.com/office/drawing/2014/main" xmlns="" val="2639377761"/>
+                    <a16:rowId xmlns="" xmlns:a16="http://schemas.microsoft.com/office/drawing/2014/main" val="2639377761"/>
                   </a:ext>
                 </a:extLst>
               </a:tr>
-              <a:tr h="602541">
+              <a:tr h="431322">
                 <a:tc>
                   <a:txBody>
                     <a:bodyPr/>
@@ -22685,12 +22691,24 @@
                     <a:p>
                       <a:pPr algn="just" fontAlgn="t"/>
                       <a:r>
-                        <a:rPr lang="en-IN" sz="2000">
+                        <a:rPr lang="en-IN" sz="2000" dirty="0">
                           <a:effectLst/>
                         </a:rPr>
-                        <a:t>public String getHost()</a:t>
+                        <a:t>public String </a:t>
                       </a:r>
-                      <a:endParaRPr lang="en-IN" sz="2000" b="0" i="0">
+                      <a:r>
+                        <a:rPr lang="en-IN" sz="2000" dirty="0" err="1">
+                          <a:effectLst/>
+                        </a:rPr>
+                        <a:t>getHost</a:t>
+                      </a:r>
+                      <a:r>
+                        <a:rPr lang="en-IN" sz="2000" dirty="0">
+                          <a:effectLst/>
+                        </a:rPr>
+                        <a:t>()</a:t>
+                      </a:r>
+                      <a:endParaRPr lang="en-IN" sz="2000" b="0" i="0" dirty="0">
                         <a:solidFill>
                           <a:srgbClr val="000000"/>
                         </a:solidFill>
@@ -22699,7 +22717,11 @@
                       </a:endParaRPr>
                     </a:p>
                   </a:txBody>
-                  <a:tcPr marL="35222" marR="35222" marT="35222" marB="35222"/>
+                  <a:tcPr marL="35222" marR="35222" marT="35222" marB="35222">
+                    <a:solidFill>
+                      <a:schemeClr val="bg1"/>
+                    </a:solidFill>
+                  </a:tcPr>
                 </a:tc>
                 <a:tc>
                   <a:txBody>
@@ -22708,29 +22730,44 @@
                     <a:p>
                       <a:pPr algn="just" fontAlgn="t"/>
                       <a:r>
-                        <a:rPr lang="en-US" sz="2000" dirty="0">
+                        <a:rPr lang="en-US" sz="2000" kern="1200" dirty="0" smtClean="0">
+                          <a:solidFill>
+                            <a:schemeClr val="dk1"/>
+                          </a:solidFill>
                           <a:effectLst/>
+                          <a:latin typeface="+mn-lt"/>
+                          <a:ea typeface="+mn-ea"/>
+                          <a:cs typeface="+mn-cs"/>
                         </a:rPr>
-                        <a:t>it returns the host name of the URL.</a:t>
+                        <a:t>Returns </a:t>
                       </a:r>
-                      <a:endParaRPr lang="en-US" sz="2000" b="0" i="0" dirty="0">
-                        <a:solidFill>
-                          <a:srgbClr val="000000"/>
-                        </a:solidFill>
-                        <a:effectLst/>
-                        <a:latin typeface="verdana" panose="020B0604030504040204" pitchFamily="34" charset="0"/>
-                      </a:endParaRPr>
+                      <a:r>
+                        <a:rPr lang="en-US" sz="2000" kern="1200" dirty="0">
+                          <a:solidFill>
+                            <a:schemeClr val="dk1"/>
+                          </a:solidFill>
+                          <a:effectLst/>
+                          <a:latin typeface="+mn-lt"/>
+                          <a:ea typeface="+mn-ea"/>
+                          <a:cs typeface="+mn-cs"/>
+                        </a:rPr>
+                        <a:t>the host name of the URL.</a:t>
+                      </a:r>
                     </a:p>
                   </a:txBody>
-                  <a:tcPr marL="35222" marR="35222" marT="35222" marB="35222"/>
+                  <a:tcPr marL="35222" marR="35222" marT="35222" marB="35222">
+                    <a:solidFill>
+                      <a:schemeClr val="bg1"/>
+                    </a:solidFill>
+                  </a:tcPr>
                 </a:tc>
                 <a:extLst>
                   <a:ext uri="{0D108BD9-81ED-4DB2-BD59-A6C34878D82A}">
-                    <a16:rowId xmlns:a16="http://schemas.microsoft.com/office/drawing/2014/main" xmlns="" val="2613002052"/>
+                    <a16:rowId xmlns="" xmlns:a16="http://schemas.microsoft.com/office/drawing/2014/main" val="2613002052"/>
                   </a:ext>
                 </a:extLst>
               </a:tr>
-              <a:tr h="602541">
+              <a:tr h="474455">
                 <a:tc>
                   <a:txBody>
                     <a:bodyPr/>
@@ -22738,21 +22775,48 @@
                     <a:p>
                       <a:pPr algn="just" fontAlgn="t"/>
                       <a:r>
-                        <a:rPr lang="en-IN" sz="2000">
+                        <a:rPr lang="en-IN" sz="2000" kern="1200" dirty="0">
+                          <a:solidFill>
+                            <a:schemeClr val="dk1"/>
+                          </a:solidFill>
                           <a:effectLst/>
+                          <a:latin typeface="+mn-lt"/>
+                          <a:ea typeface="+mn-ea"/>
+                          <a:cs typeface="+mn-cs"/>
                         </a:rPr>
-                        <a:t>public String getPort()</a:t>
+                        <a:t>public String </a:t>
                       </a:r>
-                      <a:endParaRPr lang="en-IN" sz="2000" b="0" i="0">
-                        <a:solidFill>
-                          <a:srgbClr val="000000"/>
-                        </a:solidFill>
-                        <a:effectLst/>
-                        <a:latin typeface="verdana" panose="020B0604030504040204" pitchFamily="34" charset="0"/>
-                      </a:endParaRPr>
+                      <a:r>
+                        <a:rPr lang="en-IN" sz="2000" kern="1200" dirty="0" err="1">
+                          <a:solidFill>
+                            <a:schemeClr val="dk1"/>
+                          </a:solidFill>
+                          <a:effectLst/>
+                          <a:latin typeface="+mn-lt"/>
+                          <a:ea typeface="+mn-ea"/>
+                          <a:cs typeface="+mn-cs"/>
+                        </a:rPr>
+                        <a:t>getPort</a:t>
+                      </a:r>
+                      <a:r>
+                        <a:rPr lang="en-IN" sz="2000" kern="1200" dirty="0">
+                          <a:solidFill>
+                            <a:schemeClr val="dk1"/>
+                          </a:solidFill>
+                          <a:effectLst/>
+                          <a:latin typeface="+mn-lt"/>
+                          <a:ea typeface="+mn-ea"/>
+                          <a:cs typeface="+mn-cs"/>
+                        </a:rPr>
+                        <a:t>()</a:t>
+                      </a:r>
                     </a:p>
                   </a:txBody>
-                  <a:tcPr marL="35222" marR="35222" marT="35222" marB="35222"/>
+                  <a:tcPr marL="35222" marR="35222" marT="35222" marB="35222">
+                    <a:solidFill>
+                      <a:schemeClr val="bg1"/>
+                    </a:solidFill>
+                  </a:tcPr>
                 </a:tc>
                 <a:tc>
                   <a:txBody>
@@ -22761,29 +22825,62 @@
                     <a:p>
                       <a:pPr algn="just" fontAlgn="t"/>
                       <a:r>
-                        <a:rPr lang="en-US" sz="2000" dirty="0">
+                        <a:rPr lang="en-US" sz="2000" dirty="0" smtClean="0">
                           <a:effectLst/>
                         </a:rPr>
-                        <a:t>it returns the Port Number of the URL.</a:t>
+                        <a:t>Returns </a:t>
                       </a:r>
-                      <a:endParaRPr lang="en-US" sz="2000" b="0" i="0" dirty="0">
-                        <a:solidFill>
-                          <a:srgbClr val="000000"/>
-                        </a:solidFill>
-                        <a:effectLst/>
-                        <a:latin typeface="verdana" panose="020B0604030504040204" pitchFamily="34" charset="0"/>
-                      </a:endParaRPr>
+                      <a:r>
+                        <a:rPr lang="en-US" sz="2000" kern="1200" dirty="0" err="1" smtClean="0">
+                          <a:solidFill>
+                            <a:schemeClr val="dk1"/>
+                          </a:solidFill>
+                          <a:effectLst/>
+                          <a:latin typeface="+mn-lt"/>
+                          <a:ea typeface="+mn-ea"/>
+                          <a:cs typeface="+mn-cs"/>
+                        </a:rPr>
+                        <a:t>returns</a:t>
+                      </a:r>
+                      <a:r>
+                        <a:rPr lang="en-US" sz="2000" kern="1200" dirty="0" smtClean="0">
+                          <a:solidFill>
+                            <a:schemeClr val="dk1"/>
+                          </a:solidFill>
+                          <a:effectLst/>
+                          <a:latin typeface="+mn-lt"/>
+                          <a:ea typeface="+mn-ea"/>
+                          <a:cs typeface="+mn-cs"/>
+                        </a:rPr>
+                        <a:t> </a:t>
+                      </a:r>
+                      <a:r>
+                        <a:rPr lang="en-US" sz="2000" kern="1200" dirty="0">
+                          <a:solidFill>
+                            <a:schemeClr val="dk1"/>
+                          </a:solidFill>
+                          <a:effectLst/>
+                          <a:latin typeface="+mn-lt"/>
+                          <a:ea typeface="+mn-ea"/>
+                          <a:cs typeface="+mn-cs"/>
+                        </a:rPr>
+                        <a:t>the Port Number of the URL.</a:t>
+                      </a:r>
                     </a:p>
                   </a:txBody>
-                  <a:tcPr marL="35222" marR="35222" marT="35222" marB="35222"/>
+                  <a:tcPr marL="35222" marR="35222" marT="35222" marB="35222">
+                    <a:solidFill>
+                      <a:schemeClr val="bg1"/>
+                    </a:solidFill>
+                  </a:tcPr>
                 </a:tc>
                 <a:extLst>
                   <a:ext uri="{0D108BD9-81ED-4DB2-BD59-A6C34878D82A}">
-                    <a16:rowId xmlns:a16="http://schemas.microsoft.com/office/drawing/2014/main" xmlns="" val="4086398249"/>
+                    <a16:rowId xmlns="" xmlns:a16="http://schemas.microsoft.com/office/drawing/2014/main" val="4086398249"/>
                   </a:ext>
                 </a:extLst>
               </a:tr>
-              <a:tr h="602541">
+              <a:tr h="431322">
                 <a:tc>
                   <a:txBody>
                     <a:bodyPr/>
@@ -22791,21 +22888,48 @@
                     <a:p>
                       <a:pPr algn="just" fontAlgn="t"/>
                       <a:r>
-                        <a:rPr lang="en-IN" sz="2000">
+                        <a:rPr lang="en-IN" sz="2000" kern="1200" dirty="0">
+                          <a:solidFill>
+                            <a:schemeClr val="dk1"/>
+                          </a:solidFill>
                           <a:effectLst/>
+                          <a:latin typeface="+mn-lt"/>
+                          <a:ea typeface="+mn-ea"/>
+                          <a:cs typeface="+mn-cs"/>
                         </a:rPr>
-                        <a:t>public String getFile()</a:t>
+                        <a:t>public String </a:t>
                       </a:r>
-                      <a:endParaRPr lang="en-IN" sz="2000" b="0" i="0">
-                        <a:solidFill>
-                          <a:srgbClr val="000000"/>
-                        </a:solidFill>
-                        <a:effectLst/>
-                        <a:latin typeface="verdana" panose="020B0604030504040204" pitchFamily="34" charset="0"/>
-                      </a:endParaRPr>
+                      <a:r>
+                        <a:rPr lang="en-IN" sz="2000" kern="1200" dirty="0" err="1">
+                          <a:solidFill>
+                            <a:schemeClr val="dk1"/>
+                          </a:solidFill>
+                          <a:effectLst/>
+                          <a:latin typeface="+mn-lt"/>
+                          <a:ea typeface="+mn-ea"/>
+                          <a:cs typeface="+mn-cs"/>
+                        </a:rPr>
+                        <a:t>getFile</a:t>
+                      </a:r>
+                      <a:r>
+                        <a:rPr lang="en-IN" sz="2000" kern="1200" dirty="0">
+                          <a:solidFill>
+                            <a:schemeClr val="dk1"/>
+                          </a:solidFill>
+                          <a:effectLst/>
+                          <a:latin typeface="+mn-lt"/>
+                          <a:ea typeface="+mn-ea"/>
+                          <a:cs typeface="+mn-cs"/>
+                        </a:rPr>
+                        <a:t>()</a:t>
+                      </a:r>
                     </a:p>
                   </a:txBody>
-                  <a:tcPr marL="35222" marR="35222" marT="35222" marB="35222"/>
+                  <a:tcPr marL="35222" marR="35222" marT="35222" marB="35222">
+                    <a:solidFill>
+                      <a:schemeClr val="bg1"/>
+                    </a:solidFill>
+                  </a:tcPr>
                 </a:tc>
                 <a:tc>
                   <a:txBody>
@@ -22814,51 +22938,123 @@
                     <a:p>
                       <a:pPr algn="just" fontAlgn="t"/>
                       <a:r>
-                        <a:rPr lang="en-US" sz="2000" dirty="0">
+                        <a:rPr lang="en-US" sz="2000" dirty="0" smtClean="0">
                           <a:effectLst/>
                         </a:rPr>
-                        <a:t>it returns the file name of the URL.</a:t>
+                        <a:t>Returns </a:t>
                       </a:r>
-                      <a:endParaRPr lang="en-US" sz="2000" b="0" i="0" dirty="0">
-                        <a:solidFill>
-                          <a:srgbClr val="000000"/>
-                        </a:solidFill>
-                        <a:effectLst/>
-                        <a:latin typeface="verdana" panose="020B0604030504040204" pitchFamily="34" charset="0"/>
-                      </a:endParaRPr>
+                      <a:r>
+                        <a:rPr lang="en-US" sz="2000" kern="1200" dirty="0" smtClean="0">
+                          <a:solidFill>
+                            <a:schemeClr val="dk1"/>
+                          </a:solidFill>
+                          <a:effectLst/>
+                          <a:latin typeface="+mn-lt"/>
+                          <a:ea typeface="+mn-ea"/>
+                          <a:cs typeface="+mn-cs"/>
+                        </a:rPr>
+                        <a:t>the </a:t>
+                      </a:r>
+                      <a:r>
+                        <a:rPr lang="en-US" sz="2000" kern="1200" dirty="0">
+                          <a:solidFill>
+                            <a:schemeClr val="dk1"/>
+                          </a:solidFill>
+                          <a:effectLst/>
+                          <a:latin typeface="+mn-lt"/>
+                          <a:ea typeface="+mn-ea"/>
+                          <a:cs typeface="+mn-cs"/>
+                        </a:rPr>
+                        <a:t>file name of the URL.</a:t>
+                      </a:r>
                     </a:p>
                   </a:txBody>
-                  <a:tcPr marL="35222" marR="35222" marT="35222" marB="35222"/>
+                  <a:tcPr marL="35222" marR="35222" marT="35222" marB="35222">
+                    <a:solidFill>
+                      <a:schemeClr val="bg1"/>
+                    </a:solidFill>
+                  </a:tcPr>
                 </a:tc>
                 <a:extLst>
                   <a:ext uri="{0D108BD9-81ED-4DB2-BD59-A6C34878D82A}">
-                    <a16:rowId xmlns:a16="http://schemas.microsoft.com/office/drawing/2014/main" xmlns="" val="2813433476"/>
+                    <a16:rowId xmlns="" xmlns:a16="http://schemas.microsoft.com/office/drawing/2014/main" val="2813433476"/>
                   </a:ext>
                 </a:extLst>
               </a:tr>
-              <a:tr h="960095">
+              <a:tr h="675739">
                 <a:tc>
                   <a:txBody>
                     <a:bodyPr/>
                     <a:lstStyle/>
                     <a:p>
-                      <a:pPr algn="just" fontAlgn="t"/>
+                      <a:pPr algn="l" fontAlgn="t"/>
                       <a:r>
-                        <a:rPr lang="en-IN" sz="2000">
+                        <a:rPr lang="en-IN" sz="2000" kern="1200" dirty="0">
+                          <a:solidFill>
+                            <a:schemeClr val="dk1"/>
+                          </a:solidFill>
                           <a:effectLst/>
+                          <a:latin typeface="+mn-lt"/>
+                          <a:ea typeface="+mn-ea"/>
+                          <a:cs typeface="+mn-cs"/>
                         </a:rPr>
-                        <a:t>public URLConnection openConnection()</a:t>
+                        <a:t>public </a:t>
                       </a:r>
-                      <a:endParaRPr lang="en-IN" sz="2000" b="0" i="0">
-                        <a:solidFill>
-                          <a:srgbClr val="000000"/>
-                        </a:solidFill>
-                        <a:effectLst/>
-                        <a:latin typeface="verdana" panose="020B0604030504040204" pitchFamily="34" charset="0"/>
-                      </a:endParaRPr>
+                      <a:r>
+                        <a:rPr lang="en-IN" sz="2000" kern="1200" dirty="0" err="1">
+                          <a:solidFill>
+                            <a:schemeClr val="dk1"/>
+                          </a:solidFill>
+                          <a:effectLst/>
+                          <a:latin typeface="+mn-lt"/>
+                          <a:ea typeface="+mn-ea"/>
+                          <a:cs typeface="+mn-cs"/>
+                        </a:rPr>
+                        <a:t>URLConnection</a:t>
+                      </a:r>
+                      <a:r>
+                        <a:rPr lang="en-IN" sz="2000" kern="1200" dirty="0">
+                          <a:solidFill>
+                            <a:schemeClr val="dk1"/>
+                          </a:solidFill>
+                          <a:effectLst/>
+                          <a:latin typeface="+mn-lt"/>
+                          <a:ea typeface="+mn-ea"/>
+                          <a:cs typeface="+mn-cs"/>
+                        </a:rPr>
+                        <a:t> </a:t>
+                      </a:r>
+                      <a:r>
+                        <a:rPr lang="en-IN" sz="2000" kern="1200" dirty="0" err="1">
+                          <a:solidFill>
+                            <a:schemeClr val="dk1"/>
+                          </a:solidFill>
+                          <a:effectLst/>
+                          <a:latin typeface="+mn-lt"/>
+                          <a:ea typeface="+mn-ea"/>
+                          <a:cs typeface="+mn-cs"/>
+                        </a:rPr>
+                        <a:t>openConnection</a:t>
+                      </a:r>
+                      <a:r>
+                        <a:rPr lang="en-IN" sz="2000" kern="1200" dirty="0">
+                          <a:solidFill>
+                            <a:schemeClr val="dk1"/>
+                          </a:solidFill>
+                          <a:effectLst/>
+                          <a:latin typeface="+mn-lt"/>
+                          <a:ea typeface="+mn-ea"/>
+                          <a:cs typeface="+mn-cs"/>
+                        </a:rPr>
+                        <a:t>()</a:t>
+                      </a:r>
                     </a:p>
                   </a:txBody>
-                  <a:tcPr marL="35222" marR="35222" marT="35222" marB="35222"/>
+                  <a:tcPr marL="35222" marR="35222" marT="35222" marB="35222">
+                    <a:solidFill>
+                      <a:schemeClr val="bg1"/>
+                    </a:solidFill>
+                  </a:tcPr>
                 </a:tc>
                 <a:tc>
                   <a:txBody>
@@ -22867,39 +23063,351 @@
                     <a:p>
                       <a:pPr algn="just" fontAlgn="t"/>
                       <a:r>
-                        <a:rPr lang="en-US" sz="2000" dirty="0">
+                        <a:rPr lang="en-US" sz="2000" dirty="0" smtClean="0">
                           <a:effectLst/>
                         </a:rPr>
-                        <a:t>it returns the instance of </a:t>
+                        <a:t>Returns </a:t>
                       </a:r>
                       <a:r>
-                        <a:rPr lang="en-US" sz="2000" dirty="0" err="1">
+                        <a:rPr lang="en-US" sz="2000" kern="1200" dirty="0" smtClean="0">
+                          <a:solidFill>
+                            <a:schemeClr val="dk1"/>
+                          </a:solidFill>
                           <a:effectLst/>
+                          <a:latin typeface="+mn-lt"/>
+                          <a:ea typeface="+mn-ea"/>
+                          <a:cs typeface="+mn-cs"/>
+                        </a:rPr>
+                        <a:t>the </a:t>
+                      </a:r>
+                      <a:r>
+                        <a:rPr lang="en-US" sz="2000" kern="1200" dirty="0">
+                          <a:solidFill>
+                            <a:schemeClr val="dk1"/>
+                          </a:solidFill>
+                          <a:effectLst/>
+                          <a:latin typeface="+mn-lt"/>
+                          <a:ea typeface="+mn-ea"/>
+                          <a:cs typeface="+mn-cs"/>
+                        </a:rPr>
+                        <a:t>instance of </a:t>
+                      </a:r>
+                      <a:r>
+                        <a:rPr lang="en-US" sz="2000" kern="1200" dirty="0" err="1">
+                          <a:solidFill>
+                            <a:schemeClr val="dk1"/>
+                          </a:solidFill>
+                          <a:effectLst/>
+                          <a:latin typeface="+mn-lt"/>
+                          <a:ea typeface="+mn-ea"/>
+                          <a:cs typeface="+mn-cs"/>
                         </a:rPr>
                         <a:t>URLConnection</a:t>
                       </a:r>
                       <a:r>
-                        <a:rPr lang="en-US" sz="2000" dirty="0">
+                        <a:rPr lang="en-US" sz="2000" kern="1200" dirty="0">
+                          <a:solidFill>
+                            <a:schemeClr val="dk1"/>
+                          </a:solidFill>
                           <a:effectLst/>
+                          <a:latin typeface="+mn-lt"/>
+                          <a:ea typeface="+mn-ea"/>
+                          <a:cs typeface="+mn-cs"/>
                         </a:rPr>
                         <a:t> i.e. associated with this URL.</a:t>
                       </a:r>
-                      <a:endParaRPr lang="en-US" sz="2000" b="0" i="0" dirty="0">
+                    </a:p>
+                  </a:txBody>
+                  <a:tcPr marL="35222" marR="35222" marT="35222" marB="35222">
+                    <a:solidFill>
+                      <a:schemeClr val="bg1"/>
+                    </a:solidFill>
+                  </a:tcPr>
+                </a:tc>
+                <a:extLst>
+                  <a:ext uri="{0D108BD9-81ED-4DB2-BD59-A6C34878D82A}">
+                    <a16:rowId xmlns="" xmlns:a16="http://schemas.microsoft.com/office/drawing/2014/main" val="2154240040"/>
+                  </a:ext>
+                </a:extLst>
+              </a:tr>
+              <a:tr h="431322">
+                <a:tc>
+                  <a:txBody>
+                    <a:bodyPr/>
+                    <a:lstStyle/>
+                    <a:p>
+                      <a:pPr algn="just" fontAlgn="t"/>
+                      <a:r>
+                        <a:rPr lang="en-IN" sz="2000" kern="1200" dirty="0" smtClean="0">
+                          <a:solidFill>
+                            <a:schemeClr val="dk1"/>
+                          </a:solidFill>
+                          <a:effectLst/>
+                          <a:latin typeface="+mn-lt"/>
+                          <a:ea typeface="+mn-ea"/>
+                          <a:cs typeface="+mn-cs"/>
+                        </a:rPr>
+                        <a:t>public String </a:t>
+                      </a:r>
+                      <a:r>
+                        <a:rPr lang="en-IN" sz="2000" kern="1200" dirty="0" err="1" smtClean="0">
+                          <a:solidFill>
+                            <a:schemeClr val="dk1"/>
+                          </a:solidFill>
+                          <a:effectLst/>
+                          <a:latin typeface="+mn-lt"/>
+                          <a:ea typeface="+mn-ea"/>
+                          <a:cs typeface="+mn-cs"/>
+                        </a:rPr>
+                        <a:t>getQuery</a:t>
+                      </a:r>
+                      <a:r>
+                        <a:rPr lang="en-IN" sz="2000" kern="1200" dirty="0" smtClean="0">
+                          <a:solidFill>
+                            <a:schemeClr val="dk1"/>
+                          </a:solidFill>
+                          <a:effectLst/>
+                          <a:latin typeface="+mn-lt"/>
+                          <a:ea typeface="+mn-ea"/>
+                          <a:cs typeface="+mn-cs"/>
+                        </a:rPr>
+                        <a:t>()</a:t>
+                      </a:r>
+                      <a:endParaRPr lang="en-IN" sz="2000" kern="1200" dirty="0">
                         <a:solidFill>
-                          <a:srgbClr val="000000"/>
+                          <a:schemeClr val="dk1"/>
                         </a:solidFill>
                         <a:effectLst/>
-                        <a:latin typeface="verdana" panose="020B0604030504040204" pitchFamily="34" charset="0"/>
+                        <a:latin typeface="+mn-lt"/>
+                        <a:ea typeface="+mn-ea"/>
+                        <a:cs typeface="+mn-cs"/>
                       </a:endParaRPr>
                     </a:p>
                   </a:txBody>
-                  <a:tcPr marL="35222" marR="35222" marT="35222" marB="35222"/>
+                  <a:tcPr marL="35222" marR="35222" marT="35222" marB="35222">
+                    <a:solidFill>
+                      <a:schemeClr val="bg1"/>
+                    </a:solidFill>
+                  </a:tcPr>
                 </a:tc>
-                <a:extLst>
-                  <a:ext uri="{0D108BD9-81ED-4DB2-BD59-A6C34878D82A}">
-                    <a16:rowId xmlns:a16="http://schemas.microsoft.com/office/drawing/2014/main" xmlns="" val="2154240040"/>
-                  </a:ext>
-                </a:extLst>
+                <a:tc>
+                  <a:txBody>
+                    <a:bodyPr/>
+                    <a:lstStyle/>
+                    <a:p>
+                      <a:pPr algn="just" fontAlgn="t"/>
+                      <a:r>
+                        <a:rPr lang="en-US" sz="2000" dirty="0" smtClean="0">
+                          <a:effectLst/>
+                        </a:rPr>
+                        <a:t>Returns </a:t>
+                      </a:r>
+                      <a:r>
+                        <a:rPr lang="en-US" sz="2000" kern="1200" dirty="0" smtClean="0">
+                          <a:solidFill>
+                            <a:schemeClr val="dk1"/>
+                          </a:solidFill>
+                          <a:effectLst/>
+                          <a:latin typeface="+mn-lt"/>
+                          <a:ea typeface="+mn-ea"/>
+                          <a:cs typeface="+mn-cs"/>
+                        </a:rPr>
+                        <a:t>the </a:t>
+                      </a:r>
+                      <a:r>
+                        <a:rPr lang="en-US" sz="2000" kern="1200" dirty="0">
+                          <a:solidFill>
+                            <a:schemeClr val="dk1"/>
+                          </a:solidFill>
+                          <a:effectLst/>
+                          <a:latin typeface="+mn-lt"/>
+                          <a:ea typeface="+mn-ea"/>
+                          <a:cs typeface="+mn-cs"/>
+                        </a:rPr>
+                        <a:t>query string of the URL.</a:t>
+                      </a:r>
+                    </a:p>
+                  </a:txBody>
+                  <a:tcPr marL="76200" marR="76200" marT="76200" marB="76200">
+                    <a:solidFill>
+                      <a:schemeClr val="bg1"/>
+                    </a:solidFill>
+                  </a:tcPr>
+                </a:tc>
+              </a:tr>
+              <a:tr h="474455">
+                <a:tc>
+                  <a:txBody>
+                    <a:bodyPr/>
+                    <a:lstStyle/>
+                    <a:p>
+                      <a:pPr algn="just" fontAlgn="t"/>
+                      <a:r>
+                        <a:rPr lang="en-IN" sz="2000" kern="1200" dirty="0">
+                          <a:solidFill>
+                            <a:schemeClr val="dk1"/>
+                          </a:solidFill>
+                          <a:effectLst/>
+                          <a:latin typeface="+mn-lt"/>
+                          <a:ea typeface="+mn-ea"/>
+                          <a:cs typeface="+mn-cs"/>
+                        </a:rPr>
+                        <a:t>public String </a:t>
+                      </a:r>
+                      <a:r>
+                        <a:rPr lang="en-IN" sz="2000" kern="1200" dirty="0" err="1">
+                          <a:solidFill>
+                            <a:schemeClr val="dk1"/>
+                          </a:solidFill>
+                          <a:effectLst/>
+                          <a:latin typeface="+mn-lt"/>
+                          <a:ea typeface="+mn-ea"/>
+                          <a:cs typeface="+mn-cs"/>
+                        </a:rPr>
+                        <a:t>toString</a:t>
+                      </a:r>
+                      <a:r>
+                        <a:rPr lang="en-IN" sz="2000" kern="1200" dirty="0">
+                          <a:solidFill>
+                            <a:schemeClr val="dk1"/>
+                          </a:solidFill>
+                          <a:effectLst/>
+                          <a:latin typeface="+mn-lt"/>
+                          <a:ea typeface="+mn-ea"/>
+                          <a:cs typeface="+mn-cs"/>
+                        </a:rPr>
+                        <a:t>()</a:t>
+                      </a:r>
+                    </a:p>
+                  </a:txBody>
+                  <a:tcPr marL="76200" marR="76200" marT="76200" marB="76200">
+                    <a:solidFill>
+                      <a:schemeClr val="bg1"/>
+                    </a:solidFill>
+                  </a:tcPr>
+                </a:tc>
+                <a:tc>
+                  <a:txBody>
+                    <a:bodyPr/>
+                    <a:lstStyle/>
+                    <a:p>
+                      <a:pPr algn="just" fontAlgn="t"/>
+                      <a:r>
+                        <a:rPr lang="en-US" sz="2000" dirty="0" smtClean="0">
+                          <a:effectLst/>
+                        </a:rPr>
+                        <a:t>Returns </a:t>
+                      </a:r>
+                      <a:r>
+                        <a:rPr lang="en-US" sz="2000" kern="1200" dirty="0" smtClean="0">
+                          <a:solidFill>
+                            <a:schemeClr val="dk1"/>
+                          </a:solidFill>
+                          <a:effectLst/>
+                          <a:latin typeface="+mn-lt"/>
+                          <a:ea typeface="+mn-ea"/>
+                          <a:cs typeface="+mn-cs"/>
+                        </a:rPr>
+                        <a:t>the </a:t>
+                      </a:r>
+                      <a:r>
+                        <a:rPr lang="en-US" sz="2000" kern="1200" dirty="0">
+                          <a:solidFill>
+                            <a:schemeClr val="dk1"/>
+                          </a:solidFill>
+                          <a:effectLst/>
+                          <a:latin typeface="+mn-lt"/>
+                          <a:ea typeface="+mn-ea"/>
+                          <a:cs typeface="+mn-cs"/>
+                        </a:rPr>
+                        <a:t>string representation of the URL.</a:t>
+                      </a:r>
+                    </a:p>
+                  </a:txBody>
+                  <a:tcPr marL="76200" marR="76200" marT="76200" marB="76200">
+                    <a:solidFill>
+                      <a:schemeClr val="bg1"/>
+                    </a:solidFill>
+                  </a:tcPr>
+                </a:tc>
+              </a:tr>
+              <a:tr h="517587">
+                <a:tc>
+                  <a:txBody>
+                    <a:bodyPr/>
+                    <a:lstStyle/>
+                    <a:p>
+                      <a:pPr marL="0" algn="l" defTabSz="914400" rtl="0" eaLnBrk="1" fontAlgn="t" latinLnBrk="0" hangingPunct="1"/>
+                      <a:r>
+                        <a:rPr lang="en-IN" sz="2000" kern="1200" dirty="0">
+                          <a:solidFill>
+                            <a:schemeClr val="dk1"/>
+                          </a:solidFill>
+                          <a:effectLst/>
+                          <a:latin typeface="+mn-lt"/>
+                          <a:ea typeface="+mn-ea"/>
+                          <a:cs typeface="+mn-cs"/>
+                        </a:rPr>
+                        <a:t>public String </a:t>
+                      </a:r>
+                      <a:r>
+                        <a:rPr lang="en-IN" sz="2000" kern="1200" dirty="0" err="1">
+                          <a:solidFill>
+                            <a:schemeClr val="dk1"/>
+                          </a:solidFill>
+                          <a:effectLst/>
+                          <a:latin typeface="+mn-lt"/>
+                          <a:ea typeface="+mn-ea"/>
+                          <a:cs typeface="+mn-cs"/>
+                        </a:rPr>
+                        <a:t>getDefaultPort</a:t>
+                      </a:r>
+                      <a:r>
+                        <a:rPr lang="en-IN" sz="2000" kern="1200" dirty="0">
+                          <a:solidFill>
+                            <a:schemeClr val="dk1"/>
+                          </a:solidFill>
+                          <a:effectLst/>
+                          <a:latin typeface="+mn-lt"/>
+                          <a:ea typeface="+mn-ea"/>
+                          <a:cs typeface="+mn-cs"/>
+                        </a:rPr>
+                        <a:t>()</a:t>
+                      </a:r>
+                    </a:p>
+                  </a:txBody>
+                  <a:tcPr marL="76200" marR="76200" marT="76200" marB="76200">
+                    <a:solidFill>
+                      <a:schemeClr val="bg1"/>
+                    </a:solidFill>
+                  </a:tcPr>
+                </a:tc>
+                <a:tc>
+                  <a:txBody>
+                    <a:bodyPr/>
+                    <a:lstStyle/>
+                    <a:p>
+                      <a:pPr marL="0" algn="just" defTabSz="914400" rtl="0" eaLnBrk="1" fontAlgn="t" latinLnBrk="0" hangingPunct="1"/>
+                      <a:r>
+                        <a:rPr lang="en-US" sz="2000" kern="1200" dirty="0">
+                          <a:solidFill>
+                            <a:schemeClr val="dk1"/>
+                          </a:solidFill>
+                          <a:effectLst/>
+                          <a:latin typeface="+mn-lt"/>
+                          <a:ea typeface="+mn-ea"/>
+                          <a:cs typeface="+mn-cs"/>
+                        </a:rPr>
+                        <a:t>it returns the default port of the URL.</a:t>
+                      </a:r>
+                    </a:p>
+                  </a:txBody>
+                  <a:tcPr marL="76200" marR="76200" marT="76200" marB="76200">
+                    <a:solidFill>
+                      <a:schemeClr val="bg1"/>
+                    </a:solidFill>
+                  </a:tcPr>
+                </a:tc>
               </a:tr>
             </a:tbl>
           </a:graphicData>
@@ -22950,7 +23458,7 @@
           <p:cNvPr id="2" name="Title 1">
             <a:extLst>
               <a:ext uri="{FF2B5EF4-FFF2-40B4-BE49-F238E27FC236}">
-                <a16:creationId xmlns:a16="http://schemas.microsoft.com/office/drawing/2014/main" xmlns="" id="{1B80ABD8-37E8-47B1-89AC-8884239E35EA}"/>
+                <a16:creationId xmlns="" xmlns:a16="http://schemas.microsoft.com/office/drawing/2014/main" id="{1B80ABD8-37E8-47B1-89AC-8884239E35EA}"/>
               </a:ext>
             </a:extLst>
           </p:cNvPr>
@@ -22979,7 +23487,7 @@
           <p:cNvPr id="3" name="Content Placeholder 2">
             <a:extLst>
               <a:ext uri="{FF2B5EF4-FFF2-40B4-BE49-F238E27FC236}">
-                <a16:creationId xmlns:a16="http://schemas.microsoft.com/office/drawing/2014/main" xmlns="" id="{477D265A-8343-4C45-8DD2-C61D7837D62F}"/>
+                <a16:creationId xmlns="" xmlns:a16="http://schemas.microsoft.com/office/drawing/2014/main" id="{477D265A-8343-4C45-8DD2-C61D7837D62F}"/>
               </a:ext>
             </a:extLst>
           </p:cNvPr>
@@ -24232,7 +24740,7 @@
           <p:cNvPr id="2" name="Title 1">
             <a:extLst>
               <a:ext uri="{FF2B5EF4-FFF2-40B4-BE49-F238E27FC236}">
-                <a16:creationId xmlns:a16="http://schemas.microsoft.com/office/drawing/2014/main" xmlns="" id="{D33415B6-04DC-4E6C-BA81-A8BFF5E1E12B}"/>
+                <a16:creationId xmlns="" xmlns:a16="http://schemas.microsoft.com/office/drawing/2014/main" id="{D33415B6-04DC-4E6C-BA81-A8BFF5E1E12B}"/>
               </a:ext>
             </a:extLst>
           </p:cNvPr>
@@ -24275,7 +24783,7 @@
           <p:cNvPr id="3" name="Content Placeholder 2">
             <a:extLst>
               <a:ext uri="{FF2B5EF4-FFF2-40B4-BE49-F238E27FC236}">
-                <a16:creationId xmlns:a16="http://schemas.microsoft.com/office/drawing/2014/main" xmlns="" id="{7076138A-B6FA-4F83-95E8-D45135F4230D}"/>
+                <a16:creationId xmlns="" xmlns:a16="http://schemas.microsoft.com/office/drawing/2014/main" id="{7076138A-B6FA-4F83-95E8-D45135F4230D}"/>
               </a:ext>
             </a:extLst>
           </p:cNvPr>
@@ -24464,7 +24972,29 @@
             </a:r>
             <a:r>
               <a:rPr lang="en-US" sz="2400" dirty="0" smtClean="0"/>
-              <a:t> class has two different but related purposes. First, it provides more control over the interaction with a server (especially an HTTP server) than the URL class. With a </a:t>
+              <a:t> class has two different but related purposes. </a:t>
+            </a:r>
+            <a:endParaRPr lang="en-US" sz="2400" dirty="0" smtClean="0"/>
+          </a:p>
+          <a:p>
+            <a:r>
+              <a:rPr lang="en-US" sz="2400" dirty="0" smtClean="0"/>
+              <a:t>First</a:t>
+            </a:r>
+            <a:r>
+              <a:rPr lang="en-US" sz="2400" dirty="0" smtClean="0"/>
+              <a:t>, it provides more control over the interaction with a server (especially an HTTP server) than the URL class. </a:t>
+            </a:r>
+            <a:endParaRPr lang="en-US" sz="2400" dirty="0" smtClean="0"/>
+          </a:p>
+          <a:p>
+            <a:r>
+              <a:rPr lang="en-US" sz="2400" dirty="0" smtClean="0"/>
+              <a:t>We </a:t>
+            </a:r>
+            <a:r>
+              <a:rPr lang="en-US" sz="2400" dirty="0" smtClean="0"/>
+              <a:t>can inspect the header sent by the server and respond accordingly. We can set the header fields used in the client request. We can use a </a:t>
             </a:r>
             <a:r>
               <a:rPr lang="en-US" sz="2400" dirty="0" err="1" smtClean="0"/>
@@ -24472,29 +25002,21 @@
             </a:r>
             <a:r>
               <a:rPr lang="en-US" sz="2400" dirty="0" smtClean="0"/>
-              <a:t>, we can inspect the header sent by the server and respond accordingly. We can set the header fields used in the client request. We can use a </a:t>
-            </a:r>
+              <a:t> to download binary files. </a:t>
+            </a:r>
+          </a:p>
+          <a:p>
             <a:r>
               <a:rPr lang="en-US" sz="2400" dirty="0" err="1" smtClean="0"/>
               <a:t>URLConnection</a:t>
             </a:r>
             <a:r>
               <a:rPr lang="en-US" sz="2400" dirty="0" smtClean="0"/>
-              <a:t> to download binary files. </a:t>
-            </a:r>
-          </a:p>
-          <a:p>
+              <a:t> </a:t>
+            </a:r>
             <a:r>
               <a:rPr lang="en-US" sz="2400" dirty="0" smtClean="0"/>
-              <a:t>Finally, a </a:t>
-            </a:r>
-            <a:r>
-              <a:rPr lang="en-US" sz="2400" dirty="0" err="1" smtClean="0"/>
-              <a:t>URLConnection</a:t>
-            </a:r>
-            <a:r>
-              <a:rPr lang="en-US" sz="2400" dirty="0" smtClean="0"/>
-              <a:t> lets us send data back to a web server with POST or PUT and use other HTTP request methods.</a:t>
+              <a:t>lets us send data back to a web server with POST or PUT and use other HTTP request methods.</a:t>
             </a:r>
             <a:endParaRPr lang="en-IN" sz="2400" dirty="0" smtClean="0"/>
           </a:p>
@@ -24578,6 +25100,10 @@
           <a:bodyPr/>
           <a:lstStyle/>
           <a:p>
+            <a:pPr marL="514350" indent="-514350">
+              <a:buFont typeface="+mj-lt"/>
+              <a:buAutoNum type="arabicPeriod"/>
+            </a:pPr>
             <a:r>
               <a:rPr lang="en-US" sz="2800" dirty="0" smtClean="0"/>
               <a:t>Construct a URL object.</a:t>
@@ -24585,6 +25111,10 @@
             <a:endParaRPr lang="en-IN" sz="2800" dirty="0" smtClean="0"/>
           </a:p>
           <a:p>
+            <a:pPr marL="514350" indent="-514350">
+              <a:buFont typeface="+mj-lt"/>
+              <a:buAutoNum type="arabicPeriod"/>
+            </a:pPr>
             <a:r>
               <a:rPr lang="en-US" sz="2800" dirty="0" smtClean="0"/>
               <a:t>Invoke the URL object's </a:t>
@@ -24608,6 +25138,10 @@
             <a:endParaRPr lang="en-IN" sz="2800" dirty="0" smtClean="0"/>
           </a:p>
           <a:p>
+            <a:pPr marL="514350" indent="-514350">
+              <a:buFont typeface="+mj-lt"/>
+              <a:buAutoNum type="arabicPeriod"/>
+            </a:pPr>
             <a:r>
               <a:rPr lang="en-US" sz="2800" dirty="0" smtClean="0"/>
               <a:t>Configure the </a:t>
@@ -24623,6 +25157,10 @@
             <a:endParaRPr lang="en-IN" sz="2800" dirty="0" smtClean="0"/>
           </a:p>
           <a:p>
+            <a:pPr marL="514350" indent="-514350">
+              <a:buFont typeface="+mj-lt"/>
+              <a:buAutoNum type="arabicPeriod"/>
+            </a:pPr>
             <a:r>
               <a:rPr lang="en-US" sz="2800" dirty="0" smtClean="0"/>
               <a:t>Read the header fields.</a:t>
@@ -24630,6 +25168,10 @@
             <a:endParaRPr lang="en-IN" sz="2800" dirty="0" smtClean="0"/>
           </a:p>
           <a:p>
+            <a:pPr marL="514350" indent="-514350">
+              <a:buFont typeface="+mj-lt"/>
+              <a:buAutoNum type="arabicPeriod"/>
+            </a:pPr>
             <a:r>
               <a:rPr lang="en-US" sz="2800" dirty="0" smtClean="0"/>
               <a:t>Get an input stream and read data.</a:t>
@@ -24637,6 +25179,10 @@
             <a:endParaRPr lang="en-IN" sz="2800" dirty="0" smtClean="0"/>
           </a:p>
           <a:p>
+            <a:pPr marL="514350" indent="-514350">
+              <a:buFont typeface="+mj-lt"/>
+              <a:buAutoNum type="arabicPeriod"/>
+            </a:pPr>
             <a:r>
               <a:rPr lang="en-US" sz="2800" dirty="0" smtClean="0"/>
               <a:t>Get an output stream and write data.</a:t>
@@ -24644,6 +25190,10 @@
             <a:endParaRPr lang="en-IN" sz="2800" dirty="0" smtClean="0"/>
           </a:p>
           <a:p>
+            <a:pPr marL="514350" indent="-514350">
+              <a:buFont typeface="+mj-lt"/>
+              <a:buAutoNum type="arabicPeriod"/>
+            </a:pPr>
             <a:r>
               <a:rPr lang="en-US" sz="2800" dirty="0" smtClean="0"/>
               <a:t>Close the connection.</a:t>
@@ -24725,11 +25275,22 @@
             <p:ph idx="1"/>
           </p:nvPr>
         </p:nvSpPr>
-        <p:spPr/>
+        <p:spPr>
+          <a:xfrm>
+            <a:off x="3869268" y="864108"/>
+            <a:ext cx="7774092" cy="5120640"/>
+          </a:xfrm>
+        </p:spPr>
         <p:txBody>
-          <a:bodyPr/>
+          <a:bodyPr>
+            <a:normAutofit/>
+          </a:bodyPr>
           <a:lstStyle/>
           <a:p>
+            <a:pPr marL="514350" indent="-514350">
+              <a:buFont typeface="+mj-lt"/>
+              <a:buAutoNum type="arabicPeriod"/>
+            </a:pPr>
             <a:r>
               <a:rPr lang="en-US" sz="2600" dirty="0" smtClean="0"/>
               <a:t>Construct a URL object.</a:t>
@@ -24737,6 +25298,10 @@
             <a:endParaRPr lang="en-IN" sz="2600" dirty="0" smtClean="0"/>
           </a:p>
           <a:p>
+            <a:pPr marL="514350" indent="-514350">
+              <a:buFont typeface="+mj-lt"/>
+              <a:buAutoNum type="arabicPeriod"/>
+            </a:pPr>
             <a:r>
               <a:rPr lang="en-US" sz="2600" dirty="0" smtClean="0"/>
               <a:t>Invoke the URL object's </a:t>
@@ -24760,6 +25325,10 @@
             <a:endParaRPr lang="en-IN" sz="2600" dirty="0" smtClean="0"/>
           </a:p>
           <a:p>
+            <a:pPr marL="514350" indent="-514350">
+              <a:buFont typeface="+mj-lt"/>
+              <a:buAutoNum type="arabicPeriod"/>
+            </a:pPr>
             <a:r>
               <a:rPr lang="en-US" sz="2600" dirty="0" smtClean="0"/>
               <a:t>Invoke the </a:t>
@@ -24783,6 +25352,10 @@
             <a:endParaRPr lang="en-IN" sz="2600" dirty="0" smtClean="0"/>
           </a:p>
           <a:p>
+            <a:pPr marL="514350" indent="-514350">
+              <a:buFont typeface="+mj-lt"/>
+              <a:buAutoNum type="arabicPeriod"/>
+            </a:pPr>
             <a:r>
               <a:rPr lang="en-US" sz="2600" dirty="0" smtClean="0"/>
               <a:t>Read from the input stream using the usual stream API.</a:t>
@@ -24790,6 +25363,10 @@
             <a:endParaRPr lang="en-IN" sz="2600" dirty="0" smtClean="0"/>
           </a:p>
           <a:p>
+            <a:pPr marL="514350" indent="-514350">
+              <a:buFont typeface="+mj-lt"/>
+              <a:buAutoNum type="arabicPeriod"/>
+            </a:pPr>
             <a:r>
               <a:rPr lang="en-US" sz="2600" dirty="0" smtClean="0"/>
               <a:t>The </a:t>
@@ -24813,6 +25390,10 @@
             <a:endParaRPr lang="en-IN" sz="2600" dirty="0" smtClean="0"/>
           </a:p>
           <a:p>
+            <a:pPr marL="514350" indent="-514350">
+              <a:buFont typeface="+mj-lt"/>
+              <a:buAutoNum type="arabicPeriod"/>
+            </a:pPr>
             <a:r>
               <a:rPr lang="en-US" sz="2600" dirty="0" smtClean="0"/>
               <a:t>public </a:t>
@@ -26410,7 +26991,7 @@
           <a:graphicData uri="http://schemas.openxmlformats.org/presentationml/2006/ole">
             <mc:AlternateContent xmlns:mc="http://schemas.openxmlformats.org/markup-compatibility/2006">
               <mc:Choice xmlns:v="urn:schemas-microsoft-com:vml" Requires="v">
-                <p:oleObj spid="_x0000_s1404" name="Microsoft ClipArt Gallery" r:id="rId4" imgW="2559050" imgH="4298950" progId="MS_ClipArt_Gallery">
+                <p:oleObj spid="_x0000_s1554" name="Microsoft ClipArt Gallery" r:id="rId4" imgW="2559050" imgH="4298950" progId="MS_ClipArt_Gallery">
                   <p:embed/>
                 </p:oleObj>
               </mc:Choice>
@@ -26552,7 +27133,7 @@
           <a:graphicData uri="http://schemas.openxmlformats.org/presentationml/2006/ole">
             <mc:AlternateContent xmlns:mc="http://schemas.openxmlformats.org/markup-compatibility/2006">
               <mc:Choice xmlns:v="urn:schemas-microsoft-com:vml" Requires="v">
-                <p:oleObj spid="_x0000_s1405" name="Microsoft ClipArt Gallery" r:id="rId7" imgW="4183063" imgH="3216275" progId="MS_ClipArt_Gallery">
+                <p:oleObj spid="_x0000_s1555" name="Microsoft ClipArt Gallery" r:id="rId7" imgW="4183063" imgH="3216275" progId="MS_ClipArt_Gallery">
                   <p:embed/>
                 </p:oleObj>
               </mc:Choice>
@@ -26825,7 +27406,7 @@
           <a:graphicData uri="http://schemas.openxmlformats.org/presentationml/2006/ole">
             <mc:AlternateContent xmlns:mc="http://schemas.openxmlformats.org/markup-compatibility/2006">
               <mc:Choice xmlns:v="urn:schemas-microsoft-com:vml" Requires="v">
-                <p:oleObj spid="_x0000_s1406" name="Microsoft ClipArt Gallery" r:id="rId9" imgW="4183063" imgH="3216275" progId="MS_ClipArt_Gallery">
+                <p:oleObj spid="_x0000_s1556" name="Microsoft ClipArt Gallery" r:id="rId9" imgW="4183063" imgH="3216275" progId="MS_ClipArt_Gallery">
                   <p:embed/>
                 </p:oleObj>
               </mc:Choice>
@@ -26924,7 +27505,7 @@
           <a:graphicData uri="http://schemas.openxmlformats.org/presentationml/2006/ole">
             <mc:AlternateContent xmlns:mc="http://schemas.openxmlformats.org/markup-compatibility/2006">
               <mc:Choice xmlns:v="urn:schemas-microsoft-com:vml" Requires="v">
-                <p:oleObj spid="_x0000_s1407" name="Microsoft ClipArt Gallery" r:id="rId10" imgW="2559050" imgH="4298950" progId="MS_ClipArt_Gallery">
+                <p:oleObj spid="_x0000_s1557" name="Microsoft ClipArt Gallery" r:id="rId10" imgW="2559050" imgH="4298950" progId="MS_ClipArt_Gallery">
                   <p:embed/>
                 </p:oleObj>
               </mc:Choice>
@@ -27023,7 +27604,7 @@
           <a:graphicData uri="http://schemas.openxmlformats.org/presentationml/2006/ole">
             <mc:AlternateContent xmlns:mc="http://schemas.openxmlformats.org/markup-compatibility/2006">
               <mc:Choice xmlns:v="urn:schemas-microsoft-com:vml" Requires="v">
-                <p:oleObj spid="_x0000_s1408" name="Microsoft ClipArt Gallery" r:id="rId11" imgW="4548188" imgH="3284538" progId="MS_ClipArt_Gallery">
+                <p:oleObj spid="_x0000_s1558" name="Microsoft ClipArt Gallery" r:id="rId11" imgW="4548188" imgH="3284538" progId="MS_ClipArt_Gallery">
                   <p:embed/>
                 </p:oleObj>
               </mc:Choice>
@@ -27391,7 +27972,7 @@
           <a:graphicData uri="http://schemas.openxmlformats.org/presentationml/2006/ole">
             <mc:AlternateContent xmlns:mc="http://schemas.openxmlformats.org/markup-compatibility/2006">
               <mc:Choice xmlns:v="urn:schemas-microsoft-com:vml" Requires="v">
-                <p:oleObj spid="_x0000_s1409" name="CorelDRAW!" r:id="rId13" imgW="1255713" imgH="503238" progId="CDraw5">
+                <p:oleObj spid="_x0000_s1559" name="CorelDRAW!" r:id="rId13" imgW="1255713" imgH="503238" progId="CDraw5">
                   <p:embed/>
                 </p:oleObj>
               </mc:Choice>
@@ -34502,7 +35083,12 @@
             <p:ph type="title"/>
           </p:nvPr>
         </p:nvSpPr>
-        <p:spPr/>
+        <p:spPr>
+          <a:xfrm>
+            <a:off x="0" y="1123837"/>
+            <a:ext cx="3489959" cy="4601183"/>
+          </a:xfrm>
+        </p:spPr>
         <p:txBody>
           <a:bodyPr/>
           <a:lstStyle/>
@@ -34531,12 +35117,14 @@
         </p:nvSpPr>
         <p:spPr>
           <a:xfrm>
-            <a:off x="3869268" y="864108"/>
-            <a:ext cx="7987452" cy="5120640"/>
+            <a:off x="3596640" y="864108"/>
+            <a:ext cx="8260080" cy="5323332"/>
           </a:xfrm>
         </p:spPr>
         <p:txBody>
-          <a:bodyPr/>
+          <a:bodyPr>
+            <a:normAutofit/>
+          </a:bodyPr>
           <a:lstStyle/>
           <a:p>
             <a:pPr>
@@ -34577,7 +35165,7 @@
               </a:rPr>
               <a:t> length) </a:t>
             </a:r>
-            <a:endParaRPr lang="en-IN" dirty="0">
+            <a:endParaRPr lang="en-US" dirty="0" smtClean="0">
               <a:latin typeface="Courier New" pitchFamily="49" charset="0"/>
               <a:cs typeface="Courier New" pitchFamily="49" charset="0"/>
             </a:endParaRPr>
@@ -34588,6 +35176,88 @@
             </a:pPr>
             <a:r>
               <a:rPr lang="en-US" dirty="0">
+                <a:latin typeface="Courier New" pitchFamily="49" charset="0"/>
+                <a:cs typeface="Courier New" pitchFamily="49" charset="0"/>
+              </a:rPr>
+              <a:t>public </a:t>
+            </a:r>
+            <a:r>
+              <a:rPr lang="en-US" dirty="0" err="1">
+                <a:latin typeface="Courier New" pitchFamily="49" charset="0"/>
+                <a:cs typeface="Courier New" pitchFamily="49" charset="0"/>
+              </a:rPr>
+              <a:t>DatagramPacket</a:t>
+            </a:r>
+            <a:r>
+              <a:rPr lang="en-US" dirty="0">
+                <a:latin typeface="Courier New" pitchFamily="49" charset="0"/>
+                <a:cs typeface="Courier New" pitchFamily="49" charset="0"/>
+              </a:rPr>
+              <a:t>(byte[] data, </a:t>
+            </a:r>
+            <a:r>
+              <a:rPr lang="en-US" dirty="0" err="1">
+                <a:latin typeface="Courier New" pitchFamily="49" charset="0"/>
+                <a:cs typeface="Courier New" pitchFamily="49" charset="0"/>
+              </a:rPr>
+              <a:t>int</a:t>
+            </a:r>
+            <a:r>
+              <a:rPr lang="en-US" dirty="0">
+                <a:latin typeface="Courier New" pitchFamily="49" charset="0"/>
+                <a:cs typeface="Courier New" pitchFamily="49" charset="0"/>
+              </a:rPr>
+              <a:t> offset, </a:t>
+            </a:r>
+            <a:r>
+              <a:rPr lang="en-US" dirty="0" err="1">
+                <a:latin typeface="Courier New" pitchFamily="49" charset="0"/>
+                <a:cs typeface="Courier New" pitchFamily="49" charset="0"/>
+              </a:rPr>
+              <a:t>int</a:t>
+            </a:r>
+            <a:r>
+              <a:rPr lang="en-US" dirty="0">
+                <a:latin typeface="Courier New" pitchFamily="49" charset="0"/>
+                <a:cs typeface="Courier New" pitchFamily="49" charset="0"/>
+              </a:rPr>
+              <a:t> length, </a:t>
+            </a:r>
+            <a:r>
+              <a:rPr lang="fr-FR" dirty="0" err="1">
+                <a:latin typeface="Courier New" pitchFamily="49" charset="0"/>
+                <a:cs typeface="Courier New" pitchFamily="49" charset="0"/>
+              </a:rPr>
+              <a:t>InetAddress</a:t>
+            </a:r>
+            <a:r>
+              <a:rPr lang="fr-FR" dirty="0">
+                <a:latin typeface="Courier New" pitchFamily="49" charset="0"/>
+                <a:cs typeface="Courier New" pitchFamily="49" charset="0"/>
+              </a:rPr>
+              <a:t> destination, </a:t>
+            </a:r>
+            <a:r>
+              <a:rPr lang="fr-FR" dirty="0" err="1">
+                <a:latin typeface="Courier New" pitchFamily="49" charset="0"/>
+                <a:cs typeface="Courier New" pitchFamily="49" charset="0"/>
+              </a:rPr>
+              <a:t>int</a:t>
+            </a:r>
+            <a:r>
+              <a:rPr lang="fr-FR" dirty="0">
+                <a:latin typeface="Courier New" pitchFamily="49" charset="0"/>
+                <a:cs typeface="Courier New" pitchFamily="49" charset="0"/>
+              </a:rPr>
+              <a:t> port)</a:t>
+            </a:r>
+          </a:p>
+          <a:p>
+            <a:pPr>
+              <a:defRPr/>
+            </a:pPr>
+            <a:r>
+              <a:rPr lang="en-US" dirty="0" smtClean="0">
                 <a:latin typeface="Courier New" pitchFamily="49" charset="0"/>
                 <a:cs typeface="Courier New" pitchFamily="49" charset="0"/>
               </a:rPr>
@@ -34751,21 +35421,12 @@
               <a:t>buffer.length</a:t>
             </a:r>
             <a:r>
-              <a:rPr lang="en-US" dirty="0">
+              <a:rPr lang="en-US" dirty="0" smtClean="0">
                 <a:latin typeface="Courier New" pitchFamily="49" charset="0"/>
                 <a:cs typeface="Courier New" pitchFamily="49" charset="0"/>
               </a:rPr>
               <a:t>);</a:t>
             </a:r>
-            <a:endParaRPr lang="en-IN" dirty="0">
-              <a:latin typeface="Courier New" pitchFamily="49" charset="0"/>
-              <a:cs typeface="Courier New" pitchFamily="49" charset="0"/>
-            </a:endParaRPr>
-          </a:p>
-          <a:p>
-            <a:pPr lvl="1">
-              <a:defRPr/>
-            </a:pPr>
             <a:endParaRPr lang="en-IN" dirty="0"/>
           </a:p>
         </p:txBody>
@@ -34948,164 +35609,188 @@
             <p:ph idx="1"/>
           </p:nvPr>
         </p:nvSpPr>
-        <p:spPr/>
+        <p:spPr>
+          <a:xfrm>
+            <a:off x="3505200" y="864108"/>
+            <a:ext cx="8564880" cy="5120640"/>
+          </a:xfrm>
+        </p:spPr>
         <p:txBody>
-          <a:bodyPr/>
+          <a:bodyPr>
+            <a:normAutofit/>
+          </a:bodyPr>
           <a:lstStyle/>
           <a:p>
             <a:r>
-              <a:rPr lang="en-US" dirty="0" smtClean="0">
-                <a:latin typeface="Courier New" pitchFamily="49" charset="0"/>
-                <a:cs typeface="Courier New" pitchFamily="49" charset="0"/>
-              </a:rPr>
-              <a:t>public </a:t>
-            </a:r>
-            <a:r>
-              <a:rPr lang="en-US" dirty="0" err="1" smtClean="0">
+              <a:rPr lang="en-US" sz="2200" b="1" dirty="0" err="1" smtClean="0">
                 <a:latin typeface="Courier New" pitchFamily="49" charset="0"/>
                 <a:cs typeface="Courier New" pitchFamily="49" charset="0"/>
               </a:rPr>
               <a:t>DatagramPacket</a:t>
             </a:r>
             <a:r>
-              <a:rPr lang="en-US" dirty="0" smtClean="0">
-                <a:latin typeface="Courier New" pitchFamily="49" charset="0"/>
-                <a:cs typeface="Courier New" pitchFamily="49" charset="0"/>
-              </a:rPr>
-              <a:t>(byte[] data, </a:t>
-            </a:r>
-            <a:r>
-              <a:rPr lang="en-US" dirty="0" err="1" smtClean="0">
+              <a:rPr lang="en-US" sz="2200" b="1" dirty="0" smtClean="0">
+                <a:latin typeface="Courier New" pitchFamily="49" charset="0"/>
+                <a:cs typeface="Courier New" pitchFamily="49" charset="0"/>
+              </a:rPr>
+              <a:t>(byte</a:t>
+            </a:r>
+            <a:r>
+              <a:rPr lang="en-US" sz="2200" b="1" dirty="0">
+                <a:latin typeface="Courier New" pitchFamily="49" charset="0"/>
+                <a:cs typeface="Courier New" pitchFamily="49" charset="0"/>
+              </a:rPr>
+              <a:t>[] </a:t>
+            </a:r>
+            <a:r>
+              <a:rPr lang="en-US" sz="2200" b="1" dirty="0" err="1">
+                <a:latin typeface="Courier New" pitchFamily="49" charset="0"/>
+                <a:cs typeface="Courier New" pitchFamily="49" charset="0"/>
+              </a:rPr>
+              <a:t>barr</a:t>
+            </a:r>
+            <a:r>
+              <a:rPr lang="en-US" sz="2200" b="1" dirty="0">
+                <a:latin typeface="Courier New" pitchFamily="49" charset="0"/>
+                <a:cs typeface="Courier New" pitchFamily="49" charset="0"/>
+              </a:rPr>
+              <a:t>, </a:t>
+            </a:r>
+            <a:r>
+              <a:rPr lang="en-US" sz="2200" b="1" dirty="0" err="1">
                 <a:latin typeface="Courier New" pitchFamily="49" charset="0"/>
                 <a:cs typeface="Courier New" pitchFamily="49" charset="0"/>
               </a:rPr>
               <a:t>int</a:t>
             </a:r>
             <a:r>
-              <a:rPr lang="en-US" dirty="0" smtClean="0">
+              <a:rPr lang="en-US" sz="2200" b="1" dirty="0">
+                <a:latin typeface="Courier New" pitchFamily="49" charset="0"/>
+                <a:cs typeface="Courier New" pitchFamily="49" charset="0"/>
+              </a:rPr>
+              <a:t> length)</a:t>
+            </a:r>
+            <a:r>
+              <a:rPr lang="en-US" sz="2200" b="1" dirty="0"/>
+              <a:t>:</a:t>
+            </a:r>
+            <a:r>
+              <a:rPr lang="en-US" sz="2200" dirty="0"/>
+              <a:t> </a:t>
+            </a:r>
+            <a:endParaRPr lang="en-US" sz="2200" dirty="0" smtClean="0"/>
+          </a:p>
+          <a:p>
+            <a:pPr lvl="1"/>
+            <a:r>
+              <a:rPr lang="en-US" sz="2200" dirty="0" smtClean="0"/>
+              <a:t>Creates </a:t>
+            </a:r>
+            <a:r>
+              <a:rPr lang="en-US" sz="2200" dirty="0"/>
+              <a:t>a datagram packet. This constructor is used to receive the packets.</a:t>
+            </a:r>
+          </a:p>
+          <a:p>
+            <a:r>
+              <a:rPr lang="en-US" sz="2200" b="1" dirty="0" err="1">
+                <a:latin typeface="Courier New" pitchFamily="49" charset="0"/>
+                <a:cs typeface="Courier New" pitchFamily="49" charset="0"/>
+              </a:rPr>
+              <a:t>DatagramPacket</a:t>
+            </a:r>
+            <a:r>
+              <a:rPr lang="en-US" sz="2200" b="1" dirty="0">
+                <a:latin typeface="Courier New" pitchFamily="49" charset="0"/>
+                <a:cs typeface="Courier New" pitchFamily="49" charset="0"/>
+              </a:rPr>
+              <a:t>(byte[] </a:t>
+            </a:r>
+            <a:r>
+              <a:rPr lang="en-US" sz="2200" b="1" dirty="0" err="1">
+                <a:latin typeface="Courier New" pitchFamily="49" charset="0"/>
+                <a:cs typeface="Courier New" pitchFamily="49" charset="0"/>
+              </a:rPr>
+              <a:t>barr</a:t>
+            </a:r>
+            <a:r>
+              <a:rPr lang="en-US" sz="2200" b="1" dirty="0">
+                <a:latin typeface="Courier New" pitchFamily="49" charset="0"/>
+                <a:cs typeface="Courier New" pitchFamily="49" charset="0"/>
+              </a:rPr>
+              <a:t>, </a:t>
+            </a:r>
+            <a:r>
+              <a:rPr lang="en-US" sz="2200" b="1" dirty="0" err="1">
+                <a:latin typeface="Courier New" pitchFamily="49" charset="0"/>
+                <a:cs typeface="Courier New" pitchFamily="49" charset="0"/>
+              </a:rPr>
+              <a:t>int</a:t>
+            </a:r>
+            <a:r>
+              <a:rPr lang="en-US" sz="2200" b="1" dirty="0">
                 <a:latin typeface="Courier New" pitchFamily="49" charset="0"/>
                 <a:cs typeface="Courier New" pitchFamily="49" charset="0"/>
               </a:rPr>
               <a:t> length, </a:t>
             </a:r>
             <a:r>
-              <a:rPr lang="en-US" dirty="0" err="1" smtClean="0">
+              <a:rPr lang="en-US" sz="2200" b="1" dirty="0" err="1">
                 <a:latin typeface="Courier New" pitchFamily="49" charset="0"/>
                 <a:cs typeface="Courier New" pitchFamily="49" charset="0"/>
               </a:rPr>
               <a:t>InetAddress</a:t>
             </a:r>
             <a:r>
-              <a:rPr lang="en-US" dirty="0" smtClean="0">
-                <a:latin typeface="Courier New" pitchFamily="49" charset="0"/>
-                <a:cs typeface="Courier New" pitchFamily="49" charset="0"/>
-              </a:rPr>
-              <a:t> destination, </a:t>
-            </a:r>
-            <a:r>
-              <a:rPr lang="en-US" dirty="0" err="1" smtClean="0">
+              <a:rPr lang="en-US" sz="2200" b="1" dirty="0">
+                <a:latin typeface="Courier New" pitchFamily="49" charset="0"/>
+                <a:cs typeface="Courier New" pitchFamily="49" charset="0"/>
+              </a:rPr>
+              <a:t> address, </a:t>
+            </a:r>
+            <a:r>
+              <a:rPr lang="en-US" sz="2200" b="1" dirty="0" err="1">
                 <a:latin typeface="Courier New" pitchFamily="49" charset="0"/>
                 <a:cs typeface="Courier New" pitchFamily="49" charset="0"/>
               </a:rPr>
               <a:t>int</a:t>
             </a:r>
             <a:r>
-              <a:rPr lang="en-US" dirty="0" smtClean="0">
+              <a:rPr lang="en-US" sz="2200" b="1" dirty="0">
                 <a:latin typeface="Courier New" pitchFamily="49" charset="0"/>
                 <a:cs typeface="Courier New" pitchFamily="49" charset="0"/>
               </a:rPr>
               <a:t> port)</a:t>
             </a:r>
-            <a:endParaRPr lang="en-IN" dirty="0" smtClean="0">
+            <a:r>
+              <a:rPr lang="en-US" sz="2200" b="1" dirty="0"/>
+              <a:t>:</a:t>
+            </a:r>
+            <a:r>
+              <a:rPr lang="en-US" sz="2200" dirty="0"/>
+              <a:t> </a:t>
+            </a:r>
+            <a:endParaRPr lang="en-US" sz="2200" dirty="0" smtClean="0"/>
+          </a:p>
+          <a:p>
+            <a:pPr lvl="1"/>
+            <a:r>
+              <a:rPr lang="en-US" sz="2200" dirty="0" smtClean="0"/>
+              <a:t>Creates </a:t>
+            </a:r>
+            <a:r>
+              <a:rPr lang="en-US" sz="2200" dirty="0"/>
+              <a:t>a datagram packet. This constructor is used to send the packets.</a:t>
+            </a:r>
+          </a:p>
+          <a:p>
+            <a:endParaRPr lang="en-IN" sz="2200" dirty="0" smtClean="0">
               <a:latin typeface="Courier New" pitchFamily="49" charset="0"/>
               <a:cs typeface="Courier New" pitchFamily="49" charset="0"/>
             </a:endParaRPr>
           </a:p>
           <a:p>
-            <a:r>
-              <a:rPr lang="en-US" dirty="0" smtClean="0">
-                <a:latin typeface="Courier New" pitchFamily="49" charset="0"/>
-                <a:cs typeface="Courier New" pitchFamily="49" charset="0"/>
-              </a:rPr>
-              <a:t>public </a:t>
-            </a:r>
-            <a:r>
-              <a:rPr lang="en-US" dirty="0" err="1" smtClean="0">
-                <a:latin typeface="Courier New" pitchFamily="49" charset="0"/>
-                <a:cs typeface="Courier New" pitchFamily="49" charset="0"/>
-              </a:rPr>
-              <a:t>DatagramPacket</a:t>
-            </a:r>
-            <a:r>
-              <a:rPr lang="en-US" dirty="0" smtClean="0">
-                <a:latin typeface="Courier New" pitchFamily="49" charset="0"/>
-                <a:cs typeface="Courier New" pitchFamily="49" charset="0"/>
-              </a:rPr>
-              <a:t>(byte[] data, </a:t>
-            </a:r>
-            <a:r>
-              <a:rPr lang="en-US" dirty="0" err="1" smtClean="0">
-                <a:latin typeface="Courier New" pitchFamily="49" charset="0"/>
-                <a:cs typeface="Courier New" pitchFamily="49" charset="0"/>
-              </a:rPr>
-              <a:t>int</a:t>
-            </a:r>
-            <a:r>
-              <a:rPr lang="en-US" dirty="0" smtClean="0">
-                <a:latin typeface="Courier New" pitchFamily="49" charset="0"/>
-                <a:cs typeface="Courier New" pitchFamily="49" charset="0"/>
-              </a:rPr>
-              <a:t> offset, </a:t>
-            </a:r>
-            <a:r>
-              <a:rPr lang="en-US" dirty="0" err="1" smtClean="0">
-                <a:latin typeface="Courier New" pitchFamily="49" charset="0"/>
-                <a:cs typeface="Courier New" pitchFamily="49" charset="0"/>
-              </a:rPr>
-              <a:t>int</a:t>
-            </a:r>
-            <a:r>
-              <a:rPr lang="en-US" dirty="0" smtClean="0">
-                <a:latin typeface="Courier New" pitchFamily="49" charset="0"/>
-                <a:cs typeface="Courier New" pitchFamily="49" charset="0"/>
-              </a:rPr>
-              <a:t> length, </a:t>
-            </a:r>
-            <a:r>
-              <a:rPr lang="fr-FR" dirty="0" err="1" smtClean="0">
-                <a:latin typeface="Courier New" pitchFamily="49" charset="0"/>
-                <a:cs typeface="Courier New" pitchFamily="49" charset="0"/>
-              </a:rPr>
-              <a:t>InetAddress</a:t>
-            </a:r>
-            <a:r>
-              <a:rPr lang="fr-FR" dirty="0" smtClean="0">
-                <a:latin typeface="Courier New" pitchFamily="49" charset="0"/>
-                <a:cs typeface="Courier New" pitchFamily="49" charset="0"/>
-              </a:rPr>
-              <a:t> destination, </a:t>
-            </a:r>
-            <a:r>
-              <a:rPr lang="fr-FR" dirty="0" err="1" smtClean="0">
-                <a:latin typeface="Courier New" pitchFamily="49" charset="0"/>
-                <a:cs typeface="Courier New" pitchFamily="49" charset="0"/>
-              </a:rPr>
-              <a:t>int</a:t>
-            </a:r>
-            <a:r>
-              <a:rPr lang="fr-FR" dirty="0" smtClean="0">
-                <a:latin typeface="Courier New" pitchFamily="49" charset="0"/>
-                <a:cs typeface="Courier New" pitchFamily="49" charset="0"/>
-              </a:rPr>
-              <a:t> port)</a:t>
-            </a:r>
-            <a:endParaRPr lang="en-IN" dirty="0" smtClean="0">
-              <a:latin typeface="Courier New" pitchFamily="49" charset="0"/>
-              <a:cs typeface="Courier New" pitchFamily="49" charset="0"/>
-            </a:endParaRPr>
-          </a:p>
-          <a:p>
-            <a:endParaRPr lang="en-IN" dirty="0" smtClean="0">
+            <a:endParaRPr lang="en-IN" sz="2200" dirty="0" smtClean="0">
               <a:latin typeface="Courier New" pitchFamily="49" charset="0"/>
               <a:cs typeface="Courier New" pitchFamily="49" charset="0"/>
             </a:endParaRPr>
@@ -35509,6 +36194,13 @@
   <p:clrMapOvr>
     <a:masterClrMapping/>
   </p:clrMapOvr>
+  <p:timing>
+    <p:tnLst>
+      <p:par>
+        <p:cTn id="1" dur="indefinite" restart="never" nodeType="tmRoot"/>
+      </p:par>
+    </p:tnLst>
+  </p:timing>
 </p:sld>
 </file>
 
@@ -35545,6 +36237,1408 @@
           <a:lstStyle/>
           <a:p>
             <a:r>
+              <a:rPr lang="en-US" dirty="0" err="1" smtClean="0"/>
+              <a:t>DatagramSocket</a:t>
+            </a:r>
+            <a:r>
+              <a:rPr lang="en-US" dirty="0" smtClean="0"/>
+              <a:t> Class</a:t>
+            </a:r>
+            <a:endParaRPr lang="en-IN" dirty="0"/>
+          </a:p>
+        </p:txBody>
+      </p:sp>
+      <p:sp>
+        <p:nvSpPr>
+          <p:cNvPr id="3" name="Text Placeholder 2"/>
+          <p:cNvSpPr>
+            <a:spLocks noGrp="1"/>
+          </p:cNvSpPr>
+          <p:nvPr>
+            <p:ph type="body" idx="1"/>
+          </p:nvPr>
+        </p:nvSpPr>
+        <p:spPr/>
+        <p:txBody>
+          <a:bodyPr/>
+          <a:lstStyle/>
+          <a:p>
+            <a:r>
+              <a:rPr lang="en-US" dirty="0" smtClean="0"/>
+              <a:t>Methods</a:t>
+            </a:r>
+            <a:endParaRPr lang="en-IN" dirty="0"/>
+          </a:p>
+        </p:txBody>
+      </p:sp>
+    </p:spTree>
+    <p:custDataLst>
+      <p:tags r:id="rId1"/>
+    </p:custDataLst>
+    <p:extLst>
+      <p:ext uri="{BB962C8B-B14F-4D97-AF65-F5344CB8AC3E}">
+        <p14:creationId xmlns:p14="http://schemas.microsoft.com/office/powerpoint/2010/main" val="1748339358"/>
+      </p:ext>
+    </p:extLst>
+  </p:cSld>
+  <p:clrMapOvr>
+    <a:masterClrMapping/>
+  </p:clrMapOvr>
+</p:sld>
+</file>
+
+<file path=ppt/slides/slide74.xml><?xml version="1.0" encoding="utf-8"?>
+<p:sld xmlns:a="http://schemas.openxmlformats.org/drawingml/2006/main" xmlns:r="http://schemas.openxmlformats.org/officeDocument/2006/relationships" xmlns:p="http://schemas.openxmlformats.org/presentationml/2006/main">
+  <p:cSld>
+    <p:spTree>
+      <p:nvGrpSpPr>
+        <p:cNvPr id="1" name=""/>
+        <p:cNvGrpSpPr/>
+        <p:nvPr/>
+      </p:nvGrpSpPr>
+      <p:grpSpPr>
+        <a:xfrm>
+          <a:off x="0" y="0"/>
+          <a:ext cx="0" cy="0"/>
+          <a:chOff x="0" y="0"/>
+          <a:chExt cx="0" cy="0"/>
+        </a:xfrm>
+      </p:grpSpPr>
+      <p:sp>
+        <p:nvSpPr>
+          <p:cNvPr id="2" name="Title 1"/>
+          <p:cNvSpPr>
+            <a:spLocks noGrp="1"/>
+          </p:cNvSpPr>
+          <p:nvPr>
+            <p:ph type="title"/>
+          </p:nvPr>
+        </p:nvSpPr>
+        <p:spPr/>
+        <p:txBody>
+          <a:bodyPr/>
+          <a:lstStyle/>
+          <a:p>
+            <a:endParaRPr lang="en-IN"/>
+          </a:p>
+        </p:txBody>
+      </p:sp>
+      <p:graphicFrame>
+        <p:nvGraphicFramePr>
+          <p:cNvPr id="4" name="Content Placeholder 3"/>
+          <p:cNvGraphicFramePr>
+            <a:graphicFrameLocks noGrp="1"/>
+          </p:cNvGraphicFramePr>
+          <p:nvPr>
+            <p:ph idx="1"/>
+            <p:extLst>
+              <p:ext uri="{D42A27DB-BD31-4B8C-83A1-F6EECF244321}">
+                <p14:modId xmlns:p14="http://schemas.microsoft.com/office/powerpoint/2010/main" val="3346315272"/>
+              </p:ext>
+            </p:extLst>
+          </p:nvPr>
+        </p:nvGraphicFramePr>
+        <p:xfrm>
+          <a:off x="121920" y="106680"/>
+          <a:ext cx="11963400" cy="6582750"/>
+        </p:xfrm>
+        <a:graphic>
+          <a:graphicData uri="http://schemas.openxmlformats.org/drawingml/2006/table">
+            <a:tbl>
+              <a:tblPr>
+                <a:tableStyleId>{E8B1032C-EA38-4F05-BA0D-38AFFFC7BED3}</a:tableStyleId>
+              </a:tblPr>
+              <a:tblGrid>
+                <a:gridCol w="4113897"/>
+                <a:gridCol w="7849503"/>
+              </a:tblGrid>
+              <a:tr h="264916">
+                <a:tc>
+                  <a:txBody>
+                    <a:bodyPr/>
+                    <a:lstStyle/>
+                    <a:p>
+                      <a:pPr marL="92075" indent="0" algn="l" fontAlgn="t"/>
+                      <a:r>
+                        <a:rPr lang="en-IN" sz="2200" b="1" dirty="0">
+                          <a:effectLst/>
+                        </a:rPr>
+                        <a:t>Method</a:t>
+                      </a:r>
+                      <a:endParaRPr lang="en-IN" sz="2200" b="1" dirty="0">
+                        <a:solidFill>
+                          <a:srgbClr val="000000"/>
+                        </a:solidFill>
+                        <a:effectLst/>
+                        <a:latin typeface="+mn-lt"/>
+                      </a:endParaRPr>
+                    </a:p>
+                  </a:txBody>
+                  <a:tcPr marL="45671" marR="45671" marT="45671" marB="45671">
+                    <a:solidFill>
+                      <a:schemeClr val="accent1"/>
+                    </a:solidFill>
+                  </a:tcPr>
+                </a:tc>
+                <a:tc>
+                  <a:txBody>
+                    <a:bodyPr/>
+                    <a:lstStyle/>
+                    <a:p>
+                      <a:pPr marL="92075" indent="0" algn="l" fontAlgn="t"/>
+                      <a:r>
+                        <a:rPr lang="en-IN" sz="2200" b="1" dirty="0">
+                          <a:effectLst/>
+                        </a:rPr>
+                        <a:t>Description</a:t>
+                      </a:r>
+                      <a:endParaRPr lang="en-IN" sz="2200" b="1" dirty="0">
+                        <a:solidFill>
+                          <a:srgbClr val="000000"/>
+                        </a:solidFill>
+                        <a:effectLst/>
+                        <a:latin typeface="+mn-lt"/>
+                      </a:endParaRPr>
+                    </a:p>
+                  </a:txBody>
+                  <a:tcPr marL="45671" marR="45671" marT="45671" marB="45671">
+                    <a:solidFill>
+                      <a:schemeClr val="accent1"/>
+                    </a:solidFill>
+                  </a:tcPr>
+                </a:tc>
+              </a:tr>
+              <a:tr h="238004">
+                <a:tc>
+                  <a:txBody>
+                    <a:bodyPr/>
+                    <a:lstStyle/>
+                    <a:p>
+                      <a:pPr marL="92075" indent="0" algn="l" fontAlgn="t"/>
+                      <a:r>
+                        <a:rPr lang="en-IN" sz="2200" dirty="0">
+                          <a:effectLst/>
+                        </a:rPr>
+                        <a:t>void </a:t>
+                      </a:r>
+                      <a:r>
+                        <a:rPr lang="en-IN" sz="2200" dirty="0" smtClean="0">
+                          <a:effectLst/>
+                        </a:rPr>
+                        <a:t>bind(</a:t>
+                      </a:r>
+                      <a:r>
+                        <a:rPr lang="en-IN" sz="2200" dirty="0" err="1" smtClean="0">
+                          <a:effectLst/>
+                        </a:rPr>
+                        <a:t>SocketAddress</a:t>
+                      </a:r>
+                      <a:r>
+                        <a:rPr lang="en-IN" sz="2200" dirty="0" smtClean="0">
+                          <a:effectLst/>
+                        </a:rPr>
+                        <a:t> </a:t>
+                      </a:r>
+                      <a:r>
+                        <a:rPr lang="en-IN" sz="2200" dirty="0" err="1">
+                          <a:effectLst/>
+                        </a:rPr>
+                        <a:t>addr</a:t>
+                      </a:r>
+                      <a:r>
+                        <a:rPr lang="en-IN" sz="2200" dirty="0">
+                          <a:effectLst/>
+                        </a:rPr>
+                        <a:t>)</a:t>
+                      </a:r>
+                      <a:endParaRPr lang="en-IN" sz="2200" dirty="0">
+                        <a:solidFill>
+                          <a:srgbClr val="333333"/>
+                        </a:solidFill>
+                        <a:effectLst/>
+                        <a:latin typeface="+mn-lt"/>
+                      </a:endParaRPr>
+                    </a:p>
+                  </a:txBody>
+                  <a:tcPr marL="30448" marR="30448" marT="30448" marB="30448">
+                    <a:solidFill>
+                      <a:schemeClr val="bg1"/>
+                    </a:solidFill>
+                  </a:tcPr>
+                </a:tc>
+                <a:tc>
+                  <a:txBody>
+                    <a:bodyPr/>
+                    <a:lstStyle/>
+                    <a:p>
+                      <a:pPr marL="92075" indent="0" algn="just" fontAlgn="t"/>
+                      <a:r>
+                        <a:rPr lang="en-US" sz="2200" dirty="0" smtClean="0">
+                          <a:effectLst/>
+                        </a:rPr>
+                        <a:t>Binds </a:t>
+                      </a:r>
+                      <a:r>
+                        <a:rPr lang="en-US" sz="2200" dirty="0">
+                          <a:effectLst/>
+                        </a:rPr>
+                        <a:t>the </a:t>
+                      </a:r>
+                      <a:r>
+                        <a:rPr lang="en-US" sz="2200" dirty="0" err="1">
+                          <a:effectLst/>
+                        </a:rPr>
+                        <a:t>DatagramSocket</a:t>
+                      </a:r>
+                      <a:r>
+                        <a:rPr lang="en-US" sz="2200" dirty="0">
+                          <a:effectLst/>
+                        </a:rPr>
+                        <a:t> to a specific address and port.</a:t>
+                      </a:r>
+                      <a:endParaRPr lang="en-US" sz="2200" dirty="0">
+                        <a:solidFill>
+                          <a:srgbClr val="333333"/>
+                        </a:solidFill>
+                        <a:effectLst/>
+                        <a:latin typeface="+mn-lt"/>
+                      </a:endParaRPr>
+                    </a:p>
+                  </a:txBody>
+                  <a:tcPr marL="30448" marR="30448" marT="30448" marB="30448">
+                    <a:solidFill>
+                      <a:schemeClr val="bg1"/>
+                    </a:solidFill>
+                  </a:tcPr>
+                </a:tc>
+              </a:tr>
+              <a:tr h="217183">
+                <a:tc>
+                  <a:txBody>
+                    <a:bodyPr/>
+                    <a:lstStyle/>
+                    <a:p>
+                      <a:pPr marL="92075" indent="0" algn="l" fontAlgn="t"/>
+                      <a:r>
+                        <a:rPr lang="en-US" sz="2200" dirty="0">
+                          <a:effectLst/>
+                        </a:rPr>
+                        <a:t>void connect(</a:t>
+                      </a:r>
+                      <a:r>
+                        <a:rPr lang="en-US" sz="2200" dirty="0" err="1">
+                          <a:effectLst/>
+                        </a:rPr>
+                        <a:t>InetAddress</a:t>
+                      </a:r>
+                      <a:r>
+                        <a:rPr lang="en-US" sz="2200" dirty="0">
+                          <a:effectLst/>
+                        </a:rPr>
+                        <a:t> address, </a:t>
+                      </a:r>
+                      <a:r>
+                        <a:rPr lang="en-US" sz="2200" dirty="0" err="1">
+                          <a:effectLst/>
+                        </a:rPr>
+                        <a:t>int</a:t>
+                      </a:r>
+                      <a:r>
+                        <a:rPr lang="en-US" sz="2200" dirty="0">
+                          <a:effectLst/>
+                        </a:rPr>
+                        <a:t> port)</a:t>
+                      </a:r>
+                      <a:endParaRPr lang="en-US" sz="2200" dirty="0">
+                        <a:solidFill>
+                          <a:srgbClr val="333333"/>
+                        </a:solidFill>
+                        <a:effectLst/>
+                        <a:latin typeface="+mn-lt"/>
+                      </a:endParaRPr>
+                    </a:p>
+                  </a:txBody>
+                  <a:tcPr marL="30448" marR="30448" marT="30448" marB="30448">
+                    <a:solidFill>
+                      <a:schemeClr val="bg1"/>
+                    </a:solidFill>
+                  </a:tcPr>
+                </a:tc>
+                <a:tc>
+                  <a:txBody>
+                    <a:bodyPr/>
+                    <a:lstStyle/>
+                    <a:p>
+                      <a:pPr marL="92075" indent="0" algn="just" fontAlgn="t"/>
+                      <a:r>
+                        <a:rPr lang="en-US" sz="2200" kern="1200" dirty="0" smtClean="0">
+                          <a:solidFill>
+                            <a:schemeClr val="tx1"/>
+                          </a:solidFill>
+                          <a:effectLst/>
+                          <a:latin typeface="+mn-lt"/>
+                          <a:ea typeface="+mn-ea"/>
+                          <a:cs typeface="+mn-cs"/>
+                        </a:rPr>
+                        <a:t>Connects the </a:t>
+                      </a:r>
+                      <a:r>
+                        <a:rPr lang="en-US" sz="2200" kern="1200" dirty="0">
+                          <a:solidFill>
+                            <a:schemeClr val="tx1"/>
+                          </a:solidFill>
+                          <a:effectLst/>
+                          <a:latin typeface="+mn-lt"/>
+                          <a:ea typeface="+mn-ea"/>
+                          <a:cs typeface="+mn-cs"/>
+                        </a:rPr>
+                        <a:t>socket to a remote address for the socket.</a:t>
+                      </a:r>
+                    </a:p>
+                  </a:txBody>
+                  <a:tcPr marL="30448" marR="30448" marT="30448" marB="30448">
+                    <a:solidFill>
+                      <a:schemeClr val="bg1"/>
+                    </a:solidFill>
+                  </a:tcPr>
+                </a:tc>
+              </a:tr>
+              <a:tr h="369275">
+                <a:tc>
+                  <a:txBody>
+                    <a:bodyPr/>
+                    <a:lstStyle/>
+                    <a:p>
+                      <a:pPr marL="92075" indent="0" algn="l" fontAlgn="t"/>
+                      <a:r>
+                        <a:rPr lang="en-IN" sz="2200" dirty="0">
+                          <a:effectLst/>
+                        </a:rPr>
+                        <a:t>void send(</a:t>
+                      </a:r>
+                      <a:r>
+                        <a:rPr lang="en-IN" sz="2200" dirty="0" err="1">
+                          <a:effectLst/>
+                        </a:rPr>
+                        <a:t>DatagramPacket</a:t>
+                      </a:r>
+                      <a:r>
+                        <a:rPr lang="en-IN" sz="2200" dirty="0">
+                          <a:effectLst/>
+                        </a:rPr>
+                        <a:t> p)</a:t>
+                      </a:r>
+                      <a:endParaRPr lang="en-IN" sz="2200" dirty="0">
+                        <a:solidFill>
+                          <a:srgbClr val="333333"/>
+                        </a:solidFill>
+                        <a:effectLst/>
+                        <a:latin typeface="+mn-lt"/>
+                      </a:endParaRPr>
+                    </a:p>
+                  </a:txBody>
+                  <a:tcPr marL="30448" marR="30448" marT="30448" marB="30448">
+                    <a:solidFill>
+                      <a:schemeClr val="bg1"/>
+                    </a:solidFill>
+                  </a:tcPr>
+                </a:tc>
+                <a:tc>
+                  <a:txBody>
+                    <a:bodyPr/>
+                    <a:lstStyle/>
+                    <a:p>
+                      <a:pPr marL="92075" indent="0" algn="just" fontAlgn="t"/>
+                      <a:r>
+                        <a:rPr lang="en-US" sz="2200" kern="1200" dirty="0" smtClean="0">
+                          <a:solidFill>
+                            <a:schemeClr val="tx1"/>
+                          </a:solidFill>
+                          <a:effectLst/>
+                          <a:latin typeface="+mn-lt"/>
+                          <a:ea typeface="+mn-ea"/>
+                          <a:cs typeface="+mn-cs"/>
+                        </a:rPr>
+                        <a:t>Sends </a:t>
+                      </a:r>
+                      <a:r>
+                        <a:rPr lang="en-US" sz="2200" kern="1200" dirty="0">
+                          <a:solidFill>
+                            <a:schemeClr val="tx1"/>
+                          </a:solidFill>
+                          <a:effectLst/>
+                          <a:latin typeface="+mn-lt"/>
+                          <a:ea typeface="+mn-ea"/>
+                          <a:cs typeface="+mn-cs"/>
+                        </a:rPr>
+                        <a:t>the datagram packet from the socket.</a:t>
+                      </a:r>
+                    </a:p>
+                  </a:txBody>
+                  <a:tcPr marL="30448" marR="30448" marT="30448" marB="30448">
+                    <a:solidFill>
+                      <a:schemeClr val="bg1"/>
+                    </a:solidFill>
+                  </a:tcPr>
+                </a:tc>
+              </a:tr>
+              <a:tr h="369275">
+                <a:tc>
+                  <a:txBody>
+                    <a:bodyPr/>
+                    <a:lstStyle/>
+                    <a:p>
+                      <a:pPr marL="92075" indent="0" algn="l" fontAlgn="t"/>
+                      <a:r>
+                        <a:rPr lang="en-IN" sz="2200" dirty="0">
+                          <a:effectLst/>
+                        </a:rPr>
+                        <a:t>void receive(</a:t>
+                      </a:r>
+                      <a:r>
+                        <a:rPr lang="en-IN" sz="2200" dirty="0" err="1">
+                          <a:effectLst/>
+                        </a:rPr>
+                        <a:t>DatagramPacket</a:t>
+                      </a:r>
+                      <a:r>
+                        <a:rPr lang="en-IN" sz="2200" dirty="0">
+                          <a:effectLst/>
+                        </a:rPr>
+                        <a:t> p)</a:t>
+                      </a:r>
+                      <a:endParaRPr lang="en-IN" sz="2200" dirty="0">
+                        <a:solidFill>
+                          <a:srgbClr val="333333"/>
+                        </a:solidFill>
+                        <a:effectLst/>
+                        <a:latin typeface="+mn-lt"/>
+                      </a:endParaRPr>
+                    </a:p>
+                  </a:txBody>
+                  <a:tcPr marL="30448" marR="30448" marT="30448" marB="30448">
+                    <a:solidFill>
+                      <a:schemeClr val="bg1"/>
+                    </a:solidFill>
+                  </a:tcPr>
+                </a:tc>
+                <a:tc>
+                  <a:txBody>
+                    <a:bodyPr/>
+                    <a:lstStyle/>
+                    <a:p>
+                      <a:pPr marL="92075" indent="0" algn="just" fontAlgn="t"/>
+                      <a:r>
+                        <a:rPr lang="en-US" sz="2200" kern="1200" dirty="0" smtClean="0">
+                          <a:solidFill>
+                            <a:schemeClr val="tx1"/>
+                          </a:solidFill>
+                          <a:effectLst/>
+                          <a:latin typeface="+mn-lt"/>
+                          <a:ea typeface="+mn-ea"/>
+                          <a:cs typeface="+mn-cs"/>
+                        </a:rPr>
+                        <a:t>Receives </a:t>
+                      </a:r>
+                      <a:r>
+                        <a:rPr lang="en-US" sz="2200" kern="1200" dirty="0">
+                          <a:solidFill>
+                            <a:schemeClr val="tx1"/>
+                          </a:solidFill>
+                          <a:effectLst/>
+                          <a:latin typeface="+mn-lt"/>
+                          <a:ea typeface="+mn-ea"/>
+                          <a:cs typeface="+mn-cs"/>
+                        </a:rPr>
+                        <a:t>the datagram packet from the socket.</a:t>
+                      </a:r>
+                    </a:p>
+                  </a:txBody>
+                  <a:tcPr marL="30448" marR="30448" marT="30448" marB="30448">
+                    <a:solidFill>
+                      <a:schemeClr val="bg1"/>
+                    </a:solidFill>
+                  </a:tcPr>
+                </a:tc>
+              </a:tr>
+              <a:tr h="369275">
+                <a:tc>
+                  <a:txBody>
+                    <a:bodyPr/>
+                    <a:lstStyle/>
+                    <a:p>
+                      <a:pPr marL="92075" indent="0" algn="l" fontAlgn="t"/>
+                      <a:r>
+                        <a:rPr lang="en-IN" sz="2200" dirty="0">
+                          <a:effectLst/>
+                        </a:rPr>
+                        <a:t>void disconnect()</a:t>
+                      </a:r>
+                      <a:endParaRPr lang="en-IN" sz="2200" dirty="0">
+                        <a:solidFill>
+                          <a:srgbClr val="333333"/>
+                        </a:solidFill>
+                        <a:effectLst/>
+                        <a:latin typeface="+mn-lt"/>
+                      </a:endParaRPr>
+                    </a:p>
+                  </a:txBody>
+                  <a:tcPr marL="30448" marR="30448" marT="30448" marB="30448">
+                    <a:solidFill>
+                      <a:schemeClr val="bg1"/>
+                    </a:solidFill>
+                  </a:tcPr>
+                </a:tc>
+                <a:tc>
+                  <a:txBody>
+                    <a:bodyPr/>
+                    <a:lstStyle/>
+                    <a:p>
+                      <a:pPr marL="92075" indent="0" algn="just" fontAlgn="t"/>
+                      <a:r>
+                        <a:rPr lang="en-IN" sz="2200" kern="1200" dirty="0" smtClean="0">
+                          <a:solidFill>
+                            <a:schemeClr val="tx1"/>
+                          </a:solidFill>
+                          <a:effectLst/>
+                          <a:latin typeface="+mn-lt"/>
+                          <a:ea typeface="+mn-ea"/>
+                          <a:cs typeface="+mn-cs"/>
+                        </a:rPr>
+                        <a:t>Disconnects </a:t>
+                      </a:r>
+                      <a:r>
+                        <a:rPr lang="en-IN" sz="2200" kern="1200" dirty="0">
+                          <a:solidFill>
+                            <a:schemeClr val="tx1"/>
+                          </a:solidFill>
+                          <a:effectLst/>
+                          <a:latin typeface="+mn-lt"/>
+                          <a:ea typeface="+mn-ea"/>
+                          <a:cs typeface="+mn-cs"/>
+                        </a:rPr>
+                        <a:t>the socket.</a:t>
+                      </a:r>
+                    </a:p>
+                  </a:txBody>
+                  <a:tcPr marL="30448" marR="30448" marT="30448" marB="30448">
+                    <a:solidFill>
+                      <a:schemeClr val="bg1"/>
+                    </a:solidFill>
+                  </a:tcPr>
+                </a:tc>
+              </a:tr>
+              <a:tr h="369275">
+                <a:tc>
+                  <a:txBody>
+                    <a:bodyPr/>
+                    <a:lstStyle/>
+                    <a:p>
+                      <a:pPr marL="92075" indent="0" algn="l" fontAlgn="t"/>
+                      <a:r>
+                        <a:rPr lang="en-IN" sz="2200" dirty="0">
+                          <a:effectLst/>
+                        </a:rPr>
+                        <a:t>void close()</a:t>
+                      </a:r>
+                      <a:endParaRPr lang="en-IN" sz="2200" dirty="0">
+                        <a:solidFill>
+                          <a:srgbClr val="333333"/>
+                        </a:solidFill>
+                        <a:effectLst/>
+                        <a:latin typeface="+mn-lt"/>
+                      </a:endParaRPr>
+                    </a:p>
+                  </a:txBody>
+                  <a:tcPr marL="30448" marR="30448" marT="30448" marB="30448">
+                    <a:solidFill>
+                      <a:schemeClr val="bg1"/>
+                    </a:solidFill>
+                  </a:tcPr>
+                </a:tc>
+                <a:tc>
+                  <a:txBody>
+                    <a:bodyPr/>
+                    <a:lstStyle/>
+                    <a:p>
+                      <a:pPr marL="92075" indent="0" algn="just" fontAlgn="t"/>
+                      <a:r>
+                        <a:rPr lang="en-US" sz="2200" kern="1200" dirty="0" smtClean="0">
+                          <a:solidFill>
+                            <a:schemeClr val="tx1"/>
+                          </a:solidFill>
+                          <a:effectLst/>
+                          <a:latin typeface="+mn-lt"/>
+                          <a:ea typeface="+mn-ea"/>
+                          <a:cs typeface="+mn-cs"/>
+                        </a:rPr>
+                        <a:t>Closes </a:t>
+                      </a:r>
+                      <a:r>
+                        <a:rPr lang="en-US" sz="2200" kern="1200" dirty="0">
+                          <a:solidFill>
+                            <a:schemeClr val="tx1"/>
+                          </a:solidFill>
+                          <a:effectLst/>
+                          <a:latin typeface="+mn-lt"/>
+                          <a:ea typeface="+mn-ea"/>
+                          <a:cs typeface="+mn-cs"/>
+                        </a:rPr>
+                        <a:t>the datagram socket.</a:t>
+                      </a:r>
+                    </a:p>
+                  </a:txBody>
+                  <a:tcPr marL="30448" marR="30448" marT="30448" marB="30448">
+                    <a:solidFill>
+                      <a:schemeClr val="bg1"/>
+                    </a:solidFill>
+                  </a:tcPr>
+                </a:tc>
+              </a:tr>
+              <a:tr h="369275">
+                <a:tc>
+                  <a:txBody>
+                    <a:bodyPr/>
+                    <a:lstStyle/>
+                    <a:p>
+                      <a:pPr marL="92075" indent="0" algn="l" fontAlgn="t"/>
+                      <a:r>
+                        <a:rPr lang="en-IN" sz="2200" dirty="0" err="1">
+                          <a:effectLst/>
+                        </a:rPr>
+                        <a:t>DatagramChannel</a:t>
+                      </a:r>
+                      <a:r>
+                        <a:rPr lang="en-IN" sz="2200" dirty="0">
+                          <a:effectLst/>
+                        </a:rPr>
+                        <a:t> </a:t>
+                      </a:r>
+                      <a:r>
+                        <a:rPr lang="en-IN" sz="2200" dirty="0" err="1">
+                          <a:effectLst/>
+                        </a:rPr>
+                        <a:t>getChannel</a:t>
+                      </a:r>
+                      <a:r>
+                        <a:rPr lang="en-IN" sz="2200" dirty="0">
+                          <a:effectLst/>
+                        </a:rPr>
+                        <a:t>()</a:t>
+                      </a:r>
+                      <a:endParaRPr lang="en-IN" sz="2200" dirty="0">
+                        <a:solidFill>
+                          <a:srgbClr val="333333"/>
+                        </a:solidFill>
+                        <a:effectLst/>
+                        <a:latin typeface="+mn-lt"/>
+                      </a:endParaRPr>
+                    </a:p>
+                  </a:txBody>
+                  <a:tcPr marL="30448" marR="30448" marT="30448" marB="30448">
+                    <a:solidFill>
+                      <a:schemeClr val="bg1"/>
+                    </a:solidFill>
+                  </a:tcPr>
+                </a:tc>
+                <a:tc>
+                  <a:txBody>
+                    <a:bodyPr/>
+                    <a:lstStyle/>
+                    <a:p>
+                      <a:pPr marL="92075" indent="0" algn="just" fontAlgn="t"/>
+                      <a:r>
+                        <a:rPr lang="en-US" sz="2200" kern="1200" dirty="0" smtClean="0">
+                          <a:solidFill>
+                            <a:schemeClr val="tx1"/>
+                          </a:solidFill>
+                          <a:effectLst/>
+                          <a:latin typeface="+mn-lt"/>
+                          <a:ea typeface="+mn-ea"/>
+                          <a:cs typeface="+mn-cs"/>
+                        </a:rPr>
+                        <a:t>Returns a </a:t>
+                      </a:r>
+                      <a:r>
+                        <a:rPr lang="en-US" sz="2200" kern="1200" dirty="0">
+                          <a:solidFill>
+                            <a:schemeClr val="tx1"/>
+                          </a:solidFill>
+                          <a:effectLst/>
+                          <a:latin typeface="+mn-lt"/>
+                          <a:ea typeface="+mn-ea"/>
+                          <a:cs typeface="+mn-cs"/>
+                        </a:rPr>
+                        <a:t>unique </a:t>
+                      </a:r>
+                      <a:r>
+                        <a:rPr lang="en-US" sz="2200" kern="1200" dirty="0" err="1">
+                          <a:solidFill>
+                            <a:schemeClr val="tx1"/>
+                          </a:solidFill>
+                          <a:effectLst/>
+                          <a:latin typeface="+mn-lt"/>
+                          <a:ea typeface="+mn-ea"/>
+                          <a:cs typeface="+mn-cs"/>
+                        </a:rPr>
+                        <a:t>DatagramChannel</a:t>
+                      </a:r>
+                      <a:r>
+                        <a:rPr lang="en-US" sz="2200" kern="1200" dirty="0">
+                          <a:solidFill>
+                            <a:schemeClr val="tx1"/>
+                          </a:solidFill>
+                          <a:effectLst/>
+                          <a:latin typeface="+mn-lt"/>
+                          <a:ea typeface="+mn-ea"/>
+                          <a:cs typeface="+mn-cs"/>
+                        </a:rPr>
+                        <a:t> object associated with the datagram socket.</a:t>
+                      </a:r>
+                    </a:p>
+                  </a:txBody>
+                  <a:tcPr marL="30448" marR="30448" marT="30448" marB="30448">
+                    <a:solidFill>
+                      <a:schemeClr val="bg1"/>
+                    </a:solidFill>
+                  </a:tcPr>
+                </a:tc>
+              </a:tr>
+              <a:tr h="369275">
+                <a:tc>
+                  <a:txBody>
+                    <a:bodyPr/>
+                    <a:lstStyle/>
+                    <a:p>
+                      <a:pPr marL="92075" indent="0" algn="l" fontAlgn="t"/>
+                      <a:r>
+                        <a:rPr lang="en-IN" sz="2200" dirty="0" err="1">
+                          <a:effectLst/>
+                        </a:rPr>
+                        <a:t>InetAddress</a:t>
+                      </a:r>
+                      <a:r>
+                        <a:rPr lang="en-IN" sz="2200" dirty="0">
+                          <a:effectLst/>
+                        </a:rPr>
+                        <a:t> </a:t>
+                      </a:r>
+                      <a:r>
+                        <a:rPr lang="en-IN" sz="2200" dirty="0" err="1">
+                          <a:effectLst/>
+                        </a:rPr>
+                        <a:t>getInetAddress</a:t>
+                      </a:r>
+                      <a:r>
+                        <a:rPr lang="en-IN" sz="2200" dirty="0">
+                          <a:effectLst/>
+                        </a:rPr>
+                        <a:t>()</a:t>
+                      </a:r>
+                      <a:endParaRPr lang="en-IN" sz="2200" dirty="0">
+                        <a:solidFill>
+                          <a:srgbClr val="333333"/>
+                        </a:solidFill>
+                        <a:effectLst/>
+                        <a:latin typeface="+mn-lt"/>
+                      </a:endParaRPr>
+                    </a:p>
+                  </a:txBody>
+                  <a:tcPr marL="30448" marR="30448" marT="30448" marB="30448">
+                    <a:solidFill>
+                      <a:schemeClr val="bg1"/>
+                    </a:solidFill>
+                  </a:tcPr>
+                </a:tc>
+                <a:tc>
+                  <a:txBody>
+                    <a:bodyPr/>
+                    <a:lstStyle/>
+                    <a:p>
+                      <a:pPr marL="92075" indent="0" algn="just" fontAlgn="t"/>
+                      <a:r>
+                        <a:rPr lang="en-US" sz="2200" kern="1200" dirty="0" smtClean="0">
+                          <a:solidFill>
+                            <a:schemeClr val="tx1"/>
+                          </a:solidFill>
+                          <a:effectLst/>
+                          <a:latin typeface="+mn-lt"/>
+                          <a:ea typeface="+mn-ea"/>
+                          <a:cs typeface="+mn-cs"/>
+                        </a:rPr>
+                        <a:t>Returns </a:t>
+                      </a:r>
+                      <a:r>
+                        <a:rPr lang="en-US" sz="2200" kern="1200" dirty="0">
+                          <a:solidFill>
+                            <a:schemeClr val="tx1"/>
+                          </a:solidFill>
+                          <a:effectLst/>
+                          <a:latin typeface="+mn-lt"/>
+                          <a:ea typeface="+mn-ea"/>
+                          <a:cs typeface="+mn-cs"/>
+                        </a:rPr>
+                        <a:t>the address to where the socket is connected.</a:t>
+                      </a:r>
+                    </a:p>
+                  </a:txBody>
+                  <a:tcPr marL="30448" marR="30448" marT="30448" marB="30448">
+                    <a:solidFill>
+                      <a:schemeClr val="bg1"/>
+                    </a:solidFill>
+                  </a:tcPr>
+                </a:tc>
+              </a:tr>
+              <a:tr h="369275">
+                <a:tc>
+                  <a:txBody>
+                    <a:bodyPr/>
+                    <a:lstStyle/>
+                    <a:p>
+                      <a:pPr marL="92075" indent="0" algn="l" fontAlgn="t"/>
+                      <a:r>
+                        <a:rPr lang="en-IN" sz="2200">
+                          <a:effectLst/>
+                        </a:rPr>
+                        <a:t>InetAddress getLocalAddress()</a:t>
+                      </a:r>
+                      <a:endParaRPr lang="en-IN" sz="2200">
+                        <a:solidFill>
+                          <a:srgbClr val="333333"/>
+                        </a:solidFill>
+                        <a:effectLst/>
+                        <a:latin typeface="+mn-lt"/>
+                      </a:endParaRPr>
+                    </a:p>
+                  </a:txBody>
+                  <a:tcPr marL="30448" marR="30448" marT="30448" marB="30448">
+                    <a:solidFill>
+                      <a:schemeClr val="bg1"/>
+                    </a:solidFill>
+                  </a:tcPr>
+                </a:tc>
+                <a:tc>
+                  <a:txBody>
+                    <a:bodyPr/>
+                    <a:lstStyle/>
+                    <a:p>
+                      <a:pPr marL="92075" indent="0" algn="just" fontAlgn="t"/>
+                      <a:r>
+                        <a:rPr lang="en-US" sz="2200" kern="1200" dirty="0" smtClean="0">
+                          <a:solidFill>
+                            <a:schemeClr val="tx1"/>
+                          </a:solidFill>
+                          <a:effectLst/>
+                          <a:latin typeface="+mn-lt"/>
+                          <a:ea typeface="+mn-ea"/>
+                          <a:cs typeface="+mn-cs"/>
+                        </a:rPr>
+                        <a:t>Gets </a:t>
+                      </a:r>
+                      <a:r>
+                        <a:rPr lang="en-US" sz="2200" kern="1200" dirty="0">
+                          <a:solidFill>
+                            <a:schemeClr val="tx1"/>
+                          </a:solidFill>
+                          <a:effectLst/>
+                          <a:latin typeface="+mn-lt"/>
+                          <a:ea typeface="+mn-ea"/>
+                          <a:cs typeface="+mn-cs"/>
+                        </a:rPr>
+                        <a:t>the local address to which the socket is connected.</a:t>
+                      </a:r>
+                    </a:p>
+                  </a:txBody>
+                  <a:tcPr marL="30448" marR="30448" marT="30448" marB="30448">
+                    <a:solidFill>
+                      <a:schemeClr val="bg1"/>
+                    </a:solidFill>
+                  </a:tcPr>
+                </a:tc>
+              </a:tr>
+              <a:tr h="369275">
+                <a:tc>
+                  <a:txBody>
+                    <a:bodyPr/>
+                    <a:lstStyle/>
+                    <a:p>
+                      <a:pPr marL="92075" indent="0" algn="l" fontAlgn="t"/>
+                      <a:r>
+                        <a:rPr lang="en-IN" sz="2200" dirty="0" err="1">
+                          <a:effectLst/>
+                        </a:rPr>
+                        <a:t>int</a:t>
+                      </a:r>
+                      <a:r>
+                        <a:rPr lang="en-IN" sz="2200" dirty="0">
+                          <a:effectLst/>
+                        </a:rPr>
+                        <a:t> </a:t>
+                      </a:r>
+                      <a:r>
+                        <a:rPr lang="en-IN" sz="2200" dirty="0" err="1">
+                          <a:effectLst/>
+                        </a:rPr>
+                        <a:t>getLocalPort</a:t>
+                      </a:r>
+                      <a:r>
+                        <a:rPr lang="en-IN" sz="2200" dirty="0">
+                          <a:effectLst/>
+                        </a:rPr>
+                        <a:t>()</a:t>
+                      </a:r>
+                      <a:endParaRPr lang="en-IN" sz="2200" dirty="0">
+                        <a:solidFill>
+                          <a:srgbClr val="333333"/>
+                        </a:solidFill>
+                        <a:effectLst/>
+                        <a:latin typeface="+mn-lt"/>
+                      </a:endParaRPr>
+                    </a:p>
+                  </a:txBody>
+                  <a:tcPr marL="30448" marR="30448" marT="30448" marB="30448">
+                    <a:solidFill>
+                      <a:schemeClr val="bg1"/>
+                    </a:solidFill>
+                  </a:tcPr>
+                </a:tc>
+                <a:tc>
+                  <a:txBody>
+                    <a:bodyPr/>
+                    <a:lstStyle/>
+                    <a:p>
+                      <a:pPr marL="92075" indent="0" algn="just" fontAlgn="t"/>
+                      <a:r>
+                        <a:rPr lang="en-US" sz="2200" kern="1200" dirty="0" smtClean="0">
+                          <a:solidFill>
+                            <a:schemeClr val="tx1"/>
+                          </a:solidFill>
+                          <a:effectLst/>
+                          <a:latin typeface="+mn-lt"/>
+                          <a:ea typeface="+mn-ea"/>
+                          <a:cs typeface="+mn-cs"/>
+                        </a:rPr>
+                        <a:t>Returns </a:t>
+                      </a:r>
+                      <a:r>
+                        <a:rPr lang="en-US" sz="2200" kern="1200" dirty="0">
+                          <a:solidFill>
+                            <a:schemeClr val="tx1"/>
+                          </a:solidFill>
+                          <a:effectLst/>
+                          <a:latin typeface="+mn-lt"/>
+                          <a:ea typeface="+mn-ea"/>
+                          <a:cs typeface="+mn-cs"/>
+                        </a:rPr>
+                        <a:t>the port number on the local host to which the socket is bound.</a:t>
+                      </a:r>
+                    </a:p>
+                  </a:txBody>
+                  <a:tcPr marL="30448" marR="30448" marT="30448" marB="30448">
+                    <a:solidFill>
+                      <a:schemeClr val="bg1"/>
+                    </a:solidFill>
+                  </a:tcPr>
+                </a:tc>
+              </a:tr>
+              <a:tr h="369275">
+                <a:tc>
+                  <a:txBody>
+                    <a:bodyPr/>
+                    <a:lstStyle/>
+                    <a:p>
+                      <a:pPr marL="92075" indent="0" algn="l" fontAlgn="t"/>
+                      <a:r>
+                        <a:rPr lang="en-IN" sz="2200" dirty="0" err="1">
+                          <a:effectLst/>
+                        </a:rPr>
+                        <a:t>int</a:t>
+                      </a:r>
+                      <a:r>
+                        <a:rPr lang="en-IN" sz="2200" dirty="0">
+                          <a:effectLst/>
+                        </a:rPr>
+                        <a:t> </a:t>
+                      </a:r>
+                      <a:r>
+                        <a:rPr lang="en-IN" sz="2200" dirty="0" err="1">
+                          <a:effectLst/>
+                        </a:rPr>
+                        <a:t>getPort</a:t>
+                      </a:r>
+                      <a:r>
+                        <a:rPr lang="en-IN" sz="2200" dirty="0">
+                          <a:effectLst/>
+                        </a:rPr>
+                        <a:t>()</a:t>
+                      </a:r>
+                      <a:endParaRPr lang="en-IN" sz="2200" dirty="0">
+                        <a:solidFill>
+                          <a:srgbClr val="333333"/>
+                        </a:solidFill>
+                        <a:effectLst/>
+                        <a:latin typeface="+mn-lt"/>
+                      </a:endParaRPr>
+                    </a:p>
+                  </a:txBody>
+                  <a:tcPr marL="30448" marR="30448" marT="30448" marB="30448">
+                    <a:solidFill>
+                      <a:schemeClr val="bg1"/>
+                    </a:solidFill>
+                  </a:tcPr>
+                </a:tc>
+                <a:tc>
+                  <a:txBody>
+                    <a:bodyPr/>
+                    <a:lstStyle/>
+                    <a:p>
+                      <a:pPr marL="92075" indent="0" algn="just" fontAlgn="t"/>
+                      <a:r>
+                        <a:rPr lang="en-US" sz="2200" kern="1200" dirty="0" smtClean="0">
+                          <a:solidFill>
+                            <a:schemeClr val="tx1"/>
+                          </a:solidFill>
+                          <a:effectLst/>
+                          <a:latin typeface="+mn-lt"/>
+                          <a:ea typeface="+mn-ea"/>
+                          <a:cs typeface="+mn-cs"/>
+                        </a:rPr>
+                        <a:t>Returns </a:t>
+                      </a:r>
+                      <a:r>
+                        <a:rPr lang="en-US" sz="2200" kern="1200" dirty="0">
+                          <a:solidFill>
+                            <a:schemeClr val="tx1"/>
+                          </a:solidFill>
+                          <a:effectLst/>
+                          <a:latin typeface="+mn-lt"/>
+                          <a:ea typeface="+mn-ea"/>
+                          <a:cs typeface="+mn-cs"/>
+                        </a:rPr>
+                        <a:t>the port number to which the socket is connected.</a:t>
+                      </a:r>
+                    </a:p>
+                  </a:txBody>
+                  <a:tcPr marL="30448" marR="30448" marT="30448" marB="30448">
+                    <a:solidFill>
+                      <a:schemeClr val="bg1"/>
+                    </a:solidFill>
+                  </a:tcPr>
+                </a:tc>
+              </a:tr>
+              <a:tr h="369275">
+                <a:tc>
+                  <a:txBody>
+                    <a:bodyPr/>
+                    <a:lstStyle/>
+                    <a:p>
+                      <a:pPr marL="92075" indent="0" algn="l" fontAlgn="t"/>
+                      <a:r>
+                        <a:rPr lang="en-IN" sz="2200" dirty="0" err="1">
+                          <a:effectLst/>
+                        </a:rPr>
+                        <a:t>boolean</a:t>
+                      </a:r>
+                      <a:r>
+                        <a:rPr lang="en-IN" sz="2200" dirty="0">
+                          <a:effectLst/>
+                        </a:rPr>
+                        <a:t> </a:t>
+                      </a:r>
+                      <a:r>
+                        <a:rPr lang="en-IN" sz="2200" dirty="0" err="1">
+                          <a:effectLst/>
+                        </a:rPr>
+                        <a:t>isClosed</a:t>
+                      </a:r>
+                      <a:r>
+                        <a:rPr lang="en-IN" sz="2200" dirty="0">
+                          <a:effectLst/>
+                        </a:rPr>
+                        <a:t>()</a:t>
+                      </a:r>
+                      <a:endParaRPr lang="en-IN" sz="2200" dirty="0">
+                        <a:solidFill>
+                          <a:srgbClr val="333333"/>
+                        </a:solidFill>
+                        <a:effectLst/>
+                        <a:latin typeface="+mn-lt"/>
+                      </a:endParaRPr>
+                    </a:p>
+                  </a:txBody>
+                  <a:tcPr marL="30448" marR="30448" marT="30448" marB="30448">
+                    <a:solidFill>
+                      <a:schemeClr val="bg1"/>
+                    </a:solidFill>
+                  </a:tcPr>
+                </a:tc>
+                <a:tc>
+                  <a:txBody>
+                    <a:bodyPr/>
+                    <a:lstStyle/>
+                    <a:p>
+                      <a:pPr marL="92075" indent="0" algn="just" fontAlgn="t"/>
+                      <a:r>
+                        <a:rPr lang="en-US" sz="2200" kern="1200" dirty="0" smtClean="0">
+                          <a:solidFill>
+                            <a:schemeClr val="tx1"/>
+                          </a:solidFill>
+                          <a:effectLst/>
+                          <a:latin typeface="+mn-lt"/>
+                          <a:ea typeface="+mn-ea"/>
+                          <a:cs typeface="+mn-cs"/>
+                        </a:rPr>
+                        <a:t>Returns </a:t>
+                      </a:r>
+                      <a:r>
+                        <a:rPr lang="en-US" sz="2200" kern="1200" dirty="0">
+                          <a:solidFill>
+                            <a:schemeClr val="tx1"/>
+                          </a:solidFill>
+                          <a:effectLst/>
+                          <a:latin typeface="+mn-lt"/>
+                          <a:ea typeface="+mn-ea"/>
+                          <a:cs typeface="+mn-cs"/>
+                        </a:rPr>
+                        <a:t>the status of socket i.e. closed or not.</a:t>
+                      </a:r>
+                    </a:p>
+                  </a:txBody>
+                  <a:tcPr marL="30448" marR="30448" marT="30448" marB="30448">
+                    <a:solidFill>
+                      <a:schemeClr val="bg1"/>
+                    </a:solidFill>
+                  </a:tcPr>
+                </a:tc>
+              </a:tr>
+              <a:tr h="369275">
+                <a:tc>
+                  <a:txBody>
+                    <a:bodyPr/>
+                    <a:lstStyle/>
+                    <a:p>
+                      <a:pPr marL="92075" indent="0" algn="l" fontAlgn="t"/>
+                      <a:r>
+                        <a:rPr lang="en-IN" sz="2200" dirty="0" err="1">
+                          <a:effectLst/>
+                        </a:rPr>
+                        <a:t>boolean</a:t>
+                      </a:r>
+                      <a:r>
+                        <a:rPr lang="en-IN" sz="2200" dirty="0">
+                          <a:effectLst/>
+                        </a:rPr>
+                        <a:t> </a:t>
+                      </a:r>
+                      <a:r>
+                        <a:rPr lang="en-IN" sz="2200" dirty="0" err="1">
+                          <a:effectLst/>
+                        </a:rPr>
+                        <a:t>isConnected</a:t>
+                      </a:r>
+                      <a:r>
+                        <a:rPr lang="en-IN" sz="2200" dirty="0">
+                          <a:effectLst/>
+                        </a:rPr>
+                        <a:t>()</a:t>
+                      </a:r>
+                      <a:endParaRPr lang="en-IN" sz="2200" dirty="0">
+                        <a:solidFill>
+                          <a:srgbClr val="333333"/>
+                        </a:solidFill>
+                        <a:effectLst/>
+                        <a:latin typeface="+mn-lt"/>
+                      </a:endParaRPr>
+                    </a:p>
+                  </a:txBody>
+                  <a:tcPr marL="30448" marR="30448" marT="30448" marB="30448">
+                    <a:solidFill>
+                      <a:schemeClr val="bg1"/>
+                    </a:solidFill>
+                  </a:tcPr>
+                </a:tc>
+                <a:tc>
+                  <a:txBody>
+                    <a:bodyPr/>
+                    <a:lstStyle/>
+                    <a:p>
+                      <a:pPr marL="92075" indent="0" algn="just" fontAlgn="t"/>
+                      <a:r>
+                        <a:rPr lang="en-US" sz="2200" kern="1200" dirty="0" smtClean="0">
+                          <a:solidFill>
+                            <a:schemeClr val="tx1"/>
+                          </a:solidFill>
+                          <a:effectLst/>
+                          <a:latin typeface="+mn-lt"/>
+                          <a:ea typeface="+mn-ea"/>
+                          <a:cs typeface="+mn-cs"/>
+                        </a:rPr>
+                        <a:t>Returns </a:t>
+                      </a:r>
+                      <a:r>
+                        <a:rPr lang="en-US" sz="2200" kern="1200" dirty="0">
+                          <a:solidFill>
+                            <a:schemeClr val="tx1"/>
+                          </a:solidFill>
+                          <a:effectLst/>
+                          <a:latin typeface="+mn-lt"/>
+                          <a:ea typeface="+mn-ea"/>
+                          <a:cs typeface="+mn-cs"/>
+                        </a:rPr>
+                        <a:t>the connection state of the socket.</a:t>
+                      </a:r>
+                    </a:p>
+                  </a:txBody>
+                  <a:tcPr marL="30448" marR="30448" marT="30448" marB="30448">
+                    <a:solidFill>
+                      <a:schemeClr val="bg1"/>
+                    </a:solidFill>
+                  </a:tcPr>
+                </a:tc>
+              </a:tr>
+            </a:tbl>
+          </a:graphicData>
+        </a:graphic>
+      </p:graphicFrame>
+    </p:spTree>
+    <p:custDataLst>
+      <p:tags r:id="rId1"/>
+    </p:custDataLst>
+    <p:extLst>
+      <p:ext uri="{BB962C8B-B14F-4D97-AF65-F5344CB8AC3E}">
+        <p14:creationId xmlns:p14="http://schemas.microsoft.com/office/powerpoint/2010/main" val="144469121"/>
+      </p:ext>
+    </p:extLst>
+  </p:cSld>
+  <p:clrMapOvr>
+    <a:masterClrMapping/>
+  </p:clrMapOvr>
+  <p:timing>
+    <p:tnLst>
+      <p:par>
+        <p:cTn id="1" dur="indefinite" restart="never" nodeType="tmRoot"/>
+      </p:par>
+    </p:tnLst>
+  </p:timing>
+</p:sld>
+</file>
+
+<file path=ppt/slides/slide75.xml><?xml version="1.0" encoding="utf-8"?>
+<p:sld xmlns:a="http://schemas.openxmlformats.org/drawingml/2006/main" xmlns:r="http://schemas.openxmlformats.org/officeDocument/2006/relationships" xmlns:p="http://schemas.openxmlformats.org/presentationml/2006/main">
+  <p:cSld>
+    <p:spTree>
+      <p:nvGrpSpPr>
+        <p:cNvPr id="1" name=""/>
+        <p:cNvGrpSpPr/>
+        <p:nvPr/>
+      </p:nvGrpSpPr>
+      <p:grpSpPr>
+        <a:xfrm>
+          <a:off x="0" y="0"/>
+          <a:ext cx="0" cy="0"/>
+          <a:chOff x="0" y="0"/>
+          <a:chExt cx="0" cy="0"/>
+        </a:xfrm>
+      </p:grpSpPr>
+      <p:sp>
+        <p:nvSpPr>
+          <p:cNvPr id="2" name="Title 1"/>
+          <p:cNvSpPr>
+            <a:spLocks noGrp="1"/>
+          </p:cNvSpPr>
+          <p:nvPr>
+            <p:ph type="title"/>
+          </p:nvPr>
+        </p:nvSpPr>
+        <p:spPr/>
+        <p:txBody>
+          <a:bodyPr/>
+          <a:lstStyle/>
+          <a:p>
+            <a:r>
+              <a:rPr lang="en-US" dirty="0" err="1" smtClean="0"/>
+              <a:t>DatagramPacket</a:t>
+            </a:r>
+            <a:r>
+              <a:rPr lang="en-US" dirty="0" smtClean="0"/>
+              <a:t> Class</a:t>
+            </a:r>
+            <a:endParaRPr lang="en-IN" dirty="0"/>
+          </a:p>
+        </p:txBody>
+      </p:sp>
+      <p:sp>
+        <p:nvSpPr>
+          <p:cNvPr id="3" name="Text Placeholder 2"/>
+          <p:cNvSpPr>
+            <a:spLocks noGrp="1"/>
+          </p:cNvSpPr>
+          <p:nvPr>
+            <p:ph type="body" idx="1"/>
+          </p:nvPr>
+        </p:nvSpPr>
+        <p:spPr/>
+        <p:txBody>
+          <a:bodyPr/>
+          <a:lstStyle/>
+          <a:p>
+            <a:r>
+              <a:rPr lang="en-US" dirty="0" smtClean="0"/>
+              <a:t>Methods</a:t>
+            </a:r>
+            <a:endParaRPr lang="en-IN" dirty="0"/>
+          </a:p>
+        </p:txBody>
+      </p:sp>
+    </p:spTree>
+    <p:custDataLst>
+      <p:tags r:id="rId1"/>
+    </p:custDataLst>
+    <p:extLst>
+      <p:ext uri="{BB962C8B-B14F-4D97-AF65-F5344CB8AC3E}">
+        <p14:creationId xmlns:p14="http://schemas.microsoft.com/office/powerpoint/2010/main" val="39238223"/>
+      </p:ext>
+    </p:extLst>
+  </p:cSld>
+  <p:clrMapOvr>
+    <a:masterClrMapping/>
+  </p:clrMapOvr>
+</p:sld>
+</file>
+
+<file path=ppt/slides/slide76.xml><?xml version="1.0" encoding="utf-8"?>
+<p:sld xmlns:a="http://schemas.openxmlformats.org/drawingml/2006/main" xmlns:r="http://schemas.openxmlformats.org/officeDocument/2006/relationships" xmlns:p="http://schemas.openxmlformats.org/presentationml/2006/main">
+  <p:cSld>
+    <p:spTree>
+      <p:nvGrpSpPr>
+        <p:cNvPr id="1" name=""/>
+        <p:cNvGrpSpPr/>
+        <p:nvPr/>
+      </p:nvGrpSpPr>
+      <p:grpSpPr>
+        <a:xfrm>
+          <a:off x="0" y="0"/>
+          <a:ext cx="0" cy="0"/>
+          <a:chOff x="0" y="0"/>
+          <a:chExt cx="0" cy="0"/>
+        </a:xfrm>
+      </p:grpSpPr>
+      <p:sp>
+        <p:nvSpPr>
+          <p:cNvPr id="2" name="Title 1"/>
+          <p:cNvSpPr>
+            <a:spLocks noGrp="1"/>
+          </p:cNvSpPr>
+          <p:nvPr>
+            <p:ph type="title"/>
+          </p:nvPr>
+        </p:nvSpPr>
+        <p:spPr/>
+        <p:txBody>
+          <a:bodyPr/>
+          <a:lstStyle/>
+          <a:p>
+            <a:r>
               <a:rPr lang="en-US" b="1" dirty="0"/>
               <a:t>Example</a:t>
             </a:r>
@@ -35601,6 +37695,13 @@
   <p:clrMapOvr>
     <a:masterClrMapping/>
   </p:clrMapOvr>
+  <p:timing>
+    <p:tnLst>
+      <p:par>
+        <p:cTn id="1" dur="indefinite" restart="never" nodeType="tmRoot"/>
+      </p:par>
+    </p:tnLst>
+  </p:timing>
 </p:sld>
 </file>
 
@@ -36697,7 +38798,7 @@
           <a:graphicData uri="http://schemas.openxmlformats.org/presentationml/2006/ole">
             <mc:AlternateContent xmlns:mc="http://schemas.openxmlformats.org/markup-compatibility/2006">
               <mc:Choice xmlns:v="urn:schemas-microsoft-com:vml" Requires="v">
-                <p:oleObj spid="_x0000_s2176" name="Microsoft ClipArt Gallery" r:id="rId4" imgW="4183063" imgH="3216275" progId="MS_ClipArt_Gallery">
+                <p:oleObj spid="_x0000_s2226" name="Microsoft ClipArt Gallery" r:id="rId4" imgW="4183063" imgH="3216275" progId="MS_ClipArt_Gallery">
                   <p:embed/>
                 </p:oleObj>
               </mc:Choice>
@@ -36796,7 +38897,7 @@
           <a:graphicData uri="http://schemas.openxmlformats.org/presentationml/2006/ole">
             <mc:AlternateContent xmlns:mc="http://schemas.openxmlformats.org/markup-compatibility/2006">
               <mc:Choice xmlns:v="urn:schemas-microsoft-com:vml" Requires="v">
-                <p:oleObj spid="_x0000_s2177" name="Microsoft ClipArt Gallery" r:id="rId6" imgW="4006850" imgH="3192463" progId="MS_ClipArt_Gallery">
+                <p:oleObj spid="_x0000_s2227" name="Microsoft ClipArt Gallery" r:id="rId6" imgW="4006850" imgH="3192463" progId="MS_ClipArt_Gallery">
                   <p:embed/>
                 </p:oleObj>
               </mc:Choice>
@@ -37327,8 +39428,8 @@
 <file path=ppt/tags/tag1.xml><?xml version="1.0" encoding="utf-8"?>
 <p:tagLst xmlns:a="http://schemas.openxmlformats.org/drawingml/2006/main" xmlns:r="http://schemas.openxmlformats.org/officeDocument/2006/relationships" xmlns:p="http://schemas.openxmlformats.org/presentationml/2006/main">
   <p:tag name="ARTICULATE_DESIGN_ID_NETWORKING" val="WXnQ0qm0"/>
-  <p:tag name="ARTICULATE_SLIDE_COUNT" val="73"/>
   <p:tag name="ARTICULATE_PROJECT_OPEN" val="0"/>
+  <p:tag name="ARTICULATE_SLIDE_COUNT" val="76"/>
 </p:tagLst>
 </file>
 
@@ -37830,6 +39931,24 @@
 </p:tagLst>
 </file>
 
+<file path=ppt/tags/tag86.xml><?xml version="1.0" encoding="utf-8"?>
+<p:tagLst xmlns:a="http://schemas.openxmlformats.org/drawingml/2006/main" xmlns:r="http://schemas.openxmlformats.org/officeDocument/2006/relationships" xmlns:p="http://schemas.openxmlformats.org/presentationml/2006/main">
+  <p:tag name="ARTICULATE_SLIDE_THUMBNAIL_REFRESH" val="1"/>
+</p:tagLst>
+</file>
+
+<file path=ppt/tags/tag87.xml><?xml version="1.0" encoding="utf-8"?>
+<p:tagLst xmlns:a="http://schemas.openxmlformats.org/drawingml/2006/main" xmlns:r="http://schemas.openxmlformats.org/officeDocument/2006/relationships" xmlns:p="http://schemas.openxmlformats.org/presentationml/2006/main">
+  <p:tag name="ARTICULATE_SLIDE_THUMBNAIL_REFRESH" val="1"/>
+</p:tagLst>
+</file>
+
+<file path=ppt/tags/tag88.xml><?xml version="1.0" encoding="utf-8"?>
+<p:tagLst xmlns:a="http://schemas.openxmlformats.org/drawingml/2006/main" xmlns:r="http://schemas.openxmlformats.org/officeDocument/2006/relationships" xmlns:p="http://schemas.openxmlformats.org/presentationml/2006/main">
+  <p:tag name="ARTICULATE_SLIDE_THUMBNAIL_REFRESH" val="1"/>
+</p:tagLst>
+</file>
+
 <file path=ppt/tags/tag9.xml><?xml version="1.0" encoding="utf-8"?>
 <p:tagLst xmlns:a="http://schemas.openxmlformats.org/drawingml/2006/main" xmlns:r="http://schemas.openxmlformats.org/officeDocument/2006/relationships" xmlns:p="http://schemas.openxmlformats.org/presentationml/2006/main">
   <p:tag name="ARTICULATE_SLIDE_THUMBNAIL_REFRESH" val="1"/>
@@ -38061,7 +40180,7 @@
   <a:extraClrSchemeLst/>
   <a:extLst>
     <a:ext uri="{05A4C25C-085E-4340-85A3-A5531E510DB2}">
-      <thm15:themeFamily xmlns="" xmlns:thm15="http://schemas.microsoft.com/office/thememl/2012/main" name="Frame" id="{F226E7A2-7162-461C-9490-D27D9DC04E43}" vid="{629A0216-3BBD-45C0-B63F-2683BEA18F60}"/>
+      <thm15:themeFamily xmlns:thm15="http://schemas.microsoft.com/office/thememl/2012/main" xmlns="" name="Frame" id="{F226E7A2-7162-461C-9490-D27D9DC04E43}" vid="{629A0216-3BBD-45C0-B63F-2683BEA18F60}"/>
     </a:ext>
   </a:extLst>
 </a:theme>

--- a/Slides/AJP - Unit 1 - Java Networking.pptx
+++ b/Slides/AJP - Unit 1 - Java Networking.pptx
@@ -70,8 +70,8 @@
     <p:sldId id="298" r:id="rId58"/>
     <p:sldId id="299" r:id="rId59"/>
     <p:sldId id="300" r:id="rId60"/>
-    <p:sldId id="301" r:id="rId61"/>
-    <p:sldId id="302" r:id="rId62"/>
+    <p:sldId id="302" r:id="rId61"/>
+    <p:sldId id="301" r:id="rId62"/>
     <p:sldId id="303" r:id="rId63"/>
     <p:sldId id="304" r:id="rId64"/>
     <p:sldId id="305" r:id="rId65"/>
@@ -205,7 +205,7 @@
   </p:defaultTextStyle>
   <p:extLst>
     <p:ext uri="{EFAFB233-063F-42B5-8137-9DF3F51BA10A}">
-      <p15:sldGuideLst xmlns="" xmlns:p15="http://schemas.microsoft.com/office/powerpoint/2012/main"/>
+      <p15:sldGuideLst xmlns:p15="http://schemas.microsoft.com/office/powerpoint/2012/main" xmlns=""/>
     </p:ext>
   </p:extLst>
 </p:presentation>
@@ -293,7 +293,7 @@
           <a:p>
             <a:fld id="{A1471088-6963-4E0E-A38A-0AE373C72001}" type="datetimeFigureOut">
               <a:rPr lang="en-IN" smtClean="0"/>
-              <a:t>11-07-2022</a:t>
+              <a:t>12-07-2022</a:t>
             </a:fld>
             <a:endParaRPr lang="en-IN"/>
           </a:p>
@@ -461,7 +461,7 @@
           <a:p>
             <a:fld id="{F756D348-FDC2-46B9-B397-E540472E1FC5}" type="datetimeFigureOut">
               <a:rPr lang="en-IN" smtClean="0"/>
-              <a:t>11-07-2022</a:t>
+              <a:t>12-07-2022</a:t>
             </a:fld>
             <a:endParaRPr lang="en-IN"/>
           </a:p>
@@ -1035,10 +1035,9 @@
           <a:bodyPr/>
           <a:lstStyle/>
           <a:p>
-            <a:fld id="{FB6E4831-481F-4AF1-9D8E-170CD6E1C3F5}" type="datetimeFigureOut">
+            <a:fld id="{57867F5A-A286-48A0-83B6-EDF12D02D42C}" type="datetime1">
               <a:rPr lang="en-IN" smtClean="0"/>
-              <a:pPr/>
-              <a:t>11-07-2022</a:t>
+              <a:t>12-07-2022</a:t>
             </a:fld>
             <a:endParaRPr lang="en-IN"/>
           </a:p>
@@ -1210,10 +1209,9 @@
           <a:bodyPr/>
           <a:lstStyle/>
           <a:p>
-            <a:fld id="{FB6E4831-481F-4AF1-9D8E-170CD6E1C3F5}" type="datetimeFigureOut">
+            <a:fld id="{AB5D900D-00E9-4B83-A71C-A2B42ADA6590}" type="datetime1">
               <a:rPr lang="en-IN" smtClean="0"/>
-              <a:pPr/>
-              <a:t>11-07-2022</a:t>
+              <a:t>12-07-2022</a:t>
             </a:fld>
             <a:endParaRPr lang="en-IN"/>
           </a:p>
@@ -1395,10 +1393,9 @@
           <a:bodyPr/>
           <a:lstStyle/>
           <a:p>
-            <a:fld id="{FB6E4831-481F-4AF1-9D8E-170CD6E1C3F5}" type="datetimeFigureOut">
+            <a:fld id="{B684B43B-B82D-4B02-9542-BFCC3B2D8F03}" type="datetime1">
               <a:rPr lang="en-IN" smtClean="0"/>
-              <a:pPr/>
-              <a:t>11-07-2022</a:t>
+              <a:t>12-07-2022</a:t>
             </a:fld>
             <a:endParaRPr lang="en-IN"/>
           </a:p>
@@ -1567,10 +1564,9 @@
           <a:bodyPr/>
           <a:lstStyle/>
           <a:p>
-            <a:fld id="{FB6E4831-481F-4AF1-9D8E-170CD6E1C3F5}" type="datetimeFigureOut">
+            <a:fld id="{6EBD2A6F-3704-4925-AA26-3ADACF5A2DDD}" type="datetime1">
               <a:rPr lang="en-IN" smtClean="0"/>
-              <a:pPr/>
-              <a:t>11-07-2022</a:t>
+              <a:t>12-07-2022</a:t>
             </a:fld>
             <a:endParaRPr lang="en-IN"/>
           </a:p>
@@ -1824,10 +1820,9 @@
           <a:bodyPr/>
           <a:lstStyle/>
           <a:p>
-            <a:fld id="{FB6E4831-481F-4AF1-9D8E-170CD6E1C3F5}" type="datetimeFigureOut">
+            <a:fld id="{F8D54F17-FEA1-4E19-9F95-7FBAF8795198}" type="datetime1">
               <a:rPr lang="en-IN" smtClean="0"/>
-              <a:pPr/>
-              <a:t>11-07-2022</a:t>
+              <a:t>12-07-2022</a:t>
             </a:fld>
             <a:endParaRPr lang="en-IN"/>
           </a:p>
@@ -2157,10 +2152,9 @@
           <a:bodyPr/>
           <a:lstStyle/>
           <a:p>
-            <a:fld id="{FB6E4831-481F-4AF1-9D8E-170CD6E1C3F5}" type="datetimeFigureOut">
+            <a:fld id="{F56AF700-3F0C-449B-94A1-B98CCAE7D04D}" type="datetime1">
               <a:rPr lang="en-IN" smtClean="0"/>
-              <a:pPr/>
-              <a:t>11-07-2022</a:t>
+              <a:t>12-07-2022</a:t>
             </a:fld>
             <a:endParaRPr lang="en-IN"/>
           </a:p>
@@ -2638,10 +2632,9 @@
           <a:bodyPr/>
           <a:lstStyle/>
           <a:p>
-            <a:fld id="{FB6E4831-481F-4AF1-9D8E-170CD6E1C3F5}" type="datetimeFigureOut">
+            <a:fld id="{00772C40-AFCC-4C68-8C28-B8F742FD5A4E}" type="datetime1">
               <a:rPr lang="en-IN" smtClean="0"/>
-              <a:pPr/>
-              <a:t>11-07-2022</a:t>
+              <a:t>12-07-2022</a:t>
             </a:fld>
             <a:endParaRPr lang="en-IN"/>
           </a:p>
@@ -2761,10 +2754,9 @@
           <a:bodyPr/>
           <a:lstStyle/>
           <a:p>
-            <a:fld id="{FB6E4831-481F-4AF1-9D8E-170CD6E1C3F5}" type="datetimeFigureOut">
+            <a:fld id="{9C848025-34F5-4372-B531-CE3A34E56505}" type="datetime1">
               <a:rPr lang="en-IN" smtClean="0"/>
-              <a:pPr/>
-              <a:t>11-07-2022</a:t>
+              <a:t>12-07-2022</a:t>
             </a:fld>
             <a:endParaRPr lang="en-IN"/>
           </a:p>
@@ -2861,10 +2853,9 @@
           <a:bodyPr/>
           <a:lstStyle/>
           <a:p>
-            <a:fld id="{FB6E4831-481F-4AF1-9D8E-170CD6E1C3F5}" type="datetimeFigureOut">
+            <a:fld id="{89931223-4452-4E69-8A50-5378A75B85E1}" type="datetime1">
               <a:rPr lang="en-IN" smtClean="0"/>
-              <a:pPr/>
-              <a:t>11-07-2022</a:t>
+              <a:t>12-07-2022</a:t>
             </a:fld>
             <a:endParaRPr lang="en-IN"/>
           </a:p>
@@ -3174,10 +3165,9 @@
           <a:bodyPr/>
           <a:lstStyle/>
           <a:p>
-            <a:fld id="{FB6E4831-481F-4AF1-9D8E-170CD6E1C3F5}" type="datetimeFigureOut">
+            <a:fld id="{CD067C08-3EAC-443C-934E-32A50AA3B5F4}" type="datetime1">
               <a:rPr lang="en-IN" smtClean="0"/>
-              <a:pPr/>
-              <a:t>11-07-2022</a:t>
+              <a:t>12-07-2022</a:t>
             </a:fld>
             <a:endParaRPr lang="en-IN"/>
           </a:p>
@@ -3452,10 +3442,9 @@
           <a:bodyPr/>
           <a:lstStyle/>
           <a:p>
-            <a:fld id="{FB6E4831-481F-4AF1-9D8E-170CD6E1C3F5}" type="datetimeFigureOut">
+            <a:fld id="{CE7F38E3-0E58-4F0F-B06D-8DF0C98CC0FB}" type="datetime1">
               <a:rPr lang="en-IN" smtClean="0"/>
-              <a:pPr/>
-              <a:t>11-07-2022</a:t>
+              <a:t>12-07-2022</a:t>
             </a:fld>
             <a:endParaRPr lang="en-IN"/>
           </a:p>
@@ -3751,10 +3740,9 @@
             </a:lvl1pPr>
           </a:lstStyle>
           <a:p>
-            <a:fld id="{FB6E4831-481F-4AF1-9D8E-170CD6E1C3F5}" type="datetimeFigureOut">
+            <a:fld id="{B68D2BAE-F6BB-4AE0-8E5F-2A550DF400F2}" type="datetime1">
               <a:rPr lang="en-IN" smtClean="0"/>
-              <a:pPr/>
-              <a:t>11-07-2022</a:t>
+              <a:t>12-07-2022</a:t>
             </a:fld>
             <a:endParaRPr lang="en-IN"/>
           </a:p>
@@ -3821,7 +3809,7 @@
           <a:bodyPr vert="horz" lIns="91440" tIns="45720" rIns="91440" bIns="45720" rtlCol="0" anchor="ctr"/>
           <a:lstStyle>
             <a:lvl1pPr algn="r">
-              <a:defRPr sz="1200" b="1">
+              <a:defRPr sz="1600" b="1">
                 <a:solidFill>
                   <a:schemeClr val="accent1"/>
                 </a:solidFill>
@@ -3834,7 +3822,7 @@
               <a:pPr/>
               <a:t>‹#›</a:t>
             </a:fld>
-            <a:endParaRPr lang="en-IN"/>
+            <a:endParaRPr lang="en-IN" dirty="0"/>
           </a:p>
         </p:txBody>
       </p:sp>
@@ -3862,6 +3850,7 @@
     <p:sldLayoutId id="2147483670" r:id="rId10"/>
     <p:sldLayoutId id="2147483671" r:id="rId11"/>
   </p:sldLayoutIdLst>
+  <p:hf hdr="0" ftr="0" dt="0"/>
   <p:txStyles>
     <p:titleStyle>
       <a:lvl1pPr algn="l" defTabSz="914400" rtl="0" eaLnBrk="1" latinLnBrk="0" hangingPunct="1">
@@ -5211,6 +5200,30 @@
           </a:p>
         </p:txBody>
       </p:sp>
+      <p:sp>
+        <p:nvSpPr>
+          <p:cNvPr id="2" name="Slide Number Placeholder 1"/>
+          <p:cNvSpPr>
+            <a:spLocks noGrp="1"/>
+          </p:cNvSpPr>
+          <p:nvPr>
+            <p:ph type="sldNum" sz="quarter" idx="12"/>
+          </p:nvPr>
+        </p:nvSpPr>
+        <p:spPr/>
+        <p:txBody>
+          <a:bodyPr/>
+          <a:lstStyle/>
+          <a:p>
+            <a:fld id="{9C11CE39-2868-44A2-A0C6-827D458F7A8B}" type="slidenum">
+              <a:rPr lang="en-IN" smtClean="0"/>
+              <a:pPr/>
+              <a:t>1</a:t>
+            </a:fld>
+            <a:endParaRPr lang="en-IN"/>
+          </a:p>
+        </p:txBody>
+      </p:sp>
     </p:spTree>
     <p:custDataLst>
       <p:tags r:id="rId1"/>
@@ -5416,6 +5429,30 @@
           </a:p>
         </p:txBody>
       </p:sp>
+      <p:sp>
+        <p:nvSpPr>
+          <p:cNvPr id="4" name="Slide Number Placeholder 3"/>
+          <p:cNvSpPr>
+            <a:spLocks noGrp="1"/>
+          </p:cNvSpPr>
+          <p:nvPr>
+            <p:ph type="sldNum" sz="quarter" idx="12"/>
+          </p:nvPr>
+        </p:nvSpPr>
+        <p:spPr/>
+        <p:txBody>
+          <a:bodyPr/>
+          <a:lstStyle/>
+          <a:p>
+            <a:fld id="{9C11CE39-2868-44A2-A0C6-827D458F7A8B}" type="slidenum">
+              <a:rPr lang="en-IN" smtClean="0"/>
+              <a:pPr/>
+              <a:t>10</a:t>
+            </a:fld>
+            <a:endParaRPr lang="en-IN"/>
+          </a:p>
+        </p:txBody>
+      </p:sp>
     </p:spTree>
     <p:custDataLst>
       <p:tags r:id="rId1"/>
@@ -5536,6 +5573,30 @@
           </a:p>
           <a:p>
             <a:endParaRPr lang="en-US" dirty="0"/>
+          </a:p>
+        </p:txBody>
+      </p:sp>
+      <p:sp>
+        <p:nvSpPr>
+          <p:cNvPr id="4" name="Slide Number Placeholder 3"/>
+          <p:cNvSpPr>
+            <a:spLocks noGrp="1"/>
+          </p:cNvSpPr>
+          <p:nvPr>
+            <p:ph type="sldNum" sz="quarter" idx="12"/>
+          </p:nvPr>
+        </p:nvSpPr>
+        <p:spPr/>
+        <p:txBody>
+          <a:bodyPr/>
+          <a:lstStyle/>
+          <a:p>
+            <a:fld id="{9C11CE39-2868-44A2-A0C6-827D458F7A8B}" type="slidenum">
+              <a:rPr lang="en-IN" smtClean="0"/>
+              <a:pPr/>
+              <a:t>11</a:t>
+            </a:fld>
+            <a:endParaRPr lang="en-IN"/>
           </a:p>
         </p:txBody>
       </p:sp>
@@ -7741,6 +7802,30 @@
           </a:p>
         </p:txBody>
       </p:sp>
+      <p:sp>
+        <p:nvSpPr>
+          <p:cNvPr id="3" name="Slide Number Placeholder 2"/>
+          <p:cNvSpPr>
+            <a:spLocks noGrp="1"/>
+          </p:cNvSpPr>
+          <p:nvPr>
+            <p:ph type="sldNum" sz="quarter" idx="12"/>
+          </p:nvPr>
+        </p:nvSpPr>
+        <p:spPr/>
+        <p:txBody>
+          <a:bodyPr/>
+          <a:lstStyle/>
+          <a:p>
+            <a:fld id="{9C11CE39-2868-44A2-A0C6-827D458F7A8B}" type="slidenum">
+              <a:rPr lang="en-IN" smtClean="0"/>
+              <a:pPr/>
+              <a:t>12</a:t>
+            </a:fld>
+            <a:endParaRPr lang="en-IN"/>
+          </a:p>
+        </p:txBody>
+      </p:sp>
     </p:spTree>
     <p:custDataLst>
       <p:tags r:id="rId1"/>
@@ -7917,6 +8002,30 @@
               <a:rPr lang="en-US" sz="2800" dirty="0" smtClean="0"/>
               <a:t>User level process/services generally use port number value &gt;= 1024</a:t>
             </a:r>
+          </a:p>
+        </p:txBody>
+      </p:sp>
+      <p:sp>
+        <p:nvSpPr>
+          <p:cNvPr id="3" name="Slide Number Placeholder 2"/>
+          <p:cNvSpPr>
+            <a:spLocks noGrp="1"/>
+          </p:cNvSpPr>
+          <p:nvPr>
+            <p:ph type="sldNum" sz="quarter" idx="12"/>
+          </p:nvPr>
+        </p:nvSpPr>
+        <p:spPr/>
+        <p:txBody>
+          <a:bodyPr/>
+          <a:lstStyle/>
+          <a:p>
+            <a:fld id="{9C11CE39-2868-44A2-A0C6-827D458F7A8B}" type="slidenum">
+              <a:rPr lang="en-IN" smtClean="0"/>
+              <a:pPr/>
+              <a:t>13</a:t>
+            </a:fld>
+            <a:endParaRPr lang="en-IN"/>
           </a:p>
         </p:txBody>
       </p:sp>
@@ -8061,6 +8170,30 @@
               <a:rPr lang="en-US" sz="2000" dirty="0" smtClean="0"/>
               <a:t>That means, a socket program written in Java language can also communicate to a program written in Java or non-Java socket program.</a:t>
             </a:r>
+          </a:p>
+        </p:txBody>
+      </p:sp>
+      <p:sp>
+        <p:nvSpPr>
+          <p:cNvPr id="3" name="Slide Number Placeholder 2"/>
+          <p:cNvSpPr>
+            <a:spLocks noGrp="1"/>
+          </p:cNvSpPr>
+          <p:nvPr>
+            <p:ph type="sldNum" sz="quarter" idx="12"/>
+          </p:nvPr>
+        </p:nvSpPr>
+        <p:spPr/>
+        <p:txBody>
+          <a:bodyPr/>
+          <a:lstStyle/>
+          <a:p>
+            <a:fld id="{9C11CE39-2868-44A2-A0C6-827D458F7A8B}" type="slidenum">
+              <a:rPr lang="en-IN" smtClean="0"/>
+              <a:pPr/>
+              <a:t>14</a:t>
+            </a:fld>
+            <a:endParaRPr lang="en-IN"/>
           </a:p>
         </p:txBody>
       </p:sp>
@@ -8860,6 +8993,30 @@
               <a:rPr lang="en-US"/>
               <a:t>port</a:t>
             </a:r>
+          </a:p>
+        </p:txBody>
+      </p:sp>
+      <p:sp>
+        <p:nvSpPr>
+          <p:cNvPr id="3" name="Slide Number Placeholder 2"/>
+          <p:cNvSpPr>
+            <a:spLocks noGrp="1"/>
+          </p:cNvSpPr>
+          <p:nvPr>
+            <p:ph type="sldNum" sz="quarter" idx="12"/>
+          </p:nvPr>
+        </p:nvSpPr>
+        <p:spPr/>
+        <p:txBody>
+          <a:bodyPr/>
+          <a:lstStyle/>
+          <a:p>
+            <a:fld id="{9C11CE39-2868-44A2-A0C6-827D458F7A8B}" type="slidenum">
+              <a:rPr lang="en-IN" smtClean="0"/>
+              <a:pPr/>
+              <a:t>15</a:t>
+            </a:fld>
+            <a:endParaRPr lang="en-IN"/>
           </a:p>
         </p:txBody>
       </p:sp>
@@ -10103,6 +10260,30 @@
           </a:p>
         </p:txBody>
       </p:sp>
+      <p:sp>
+        <p:nvSpPr>
+          <p:cNvPr id="13" name="Slide Number Placeholder 12"/>
+          <p:cNvSpPr>
+            <a:spLocks noGrp="1"/>
+          </p:cNvSpPr>
+          <p:nvPr>
+            <p:ph type="sldNum" sz="quarter" idx="12"/>
+          </p:nvPr>
+        </p:nvSpPr>
+        <p:spPr/>
+        <p:txBody>
+          <a:bodyPr/>
+          <a:lstStyle/>
+          <a:p>
+            <a:fld id="{9C11CE39-2868-44A2-A0C6-827D458F7A8B}" type="slidenum">
+              <a:rPr lang="en-IN" smtClean="0"/>
+              <a:pPr/>
+              <a:t>16</a:t>
+            </a:fld>
+            <a:endParaRPr lang="en-IN"/>
+          </a:p>
+        </p:txBody>
+      </p:sp>
     </p:spTree>
     <p:custDataLst>
       <p:tags r:id="rId1"/>
@@ -10167,7 +10348,6 @@
               <a:rPr lang="en-US" dirty="0"/>
               <a:t>Socket Communication</a:t>
             </a:r>
-            <a:endParaRPr lang="en-US" dirty="0"/>
           </a:p>
         </p:txBody>
       </p:sp>
@@ -10299,6 +10479,30 @@
           </a:extLst>
         </p:spPr>
       </p:pic>
+      <p:sp>
+        <p:nvSpPr>
+          <p:cNvPr id="3" name="Slide Number Placeholder 2"/>
+          <p:cNvSpPr>
+            <a:spLocks noGrp="1"/>
+          </p:cNvSpPr>
+          <p:nvPr>
+            <p:ph type="sldNum" sz="quarter" idx="12"/>
+          </p:nvPr>
+        </p:nvSpPr>
+        <p:spPr/>
+        <p:txBody>
+          <a:bodyPr/>
+          <a:lstStyle/>
+          <a:p>
+            <a:fld id="{9C11CE39-2868-44A2-A0C6-827D458F7A8B}" type="slidenum">
+              <a:rPr lang="en-IN" smtClean="0"/>
+              <a:pPr/>
+              <a:t>17</a:t>
+            </a:fld>
+            <a:endParaRPr lang="en-IN"/>
+          </a:p>
+        </p:txBody>
+      </p:sp>
     </p:spTree>
     <p:custDataLst>
       <p:tags r:id="rId1"/>
@@ -10481,7 +10685,6 @@
               <a:rPr lang="en-US" dirty="0" smtClean="0"/>
               <a:t> </a:t>
             </a:r>
-            <a:endParaRPr lang="en-US" dirty="0" smtClean="0"/>
           </a:p>
           <a:p>
             <a:pPr marL="0" indent="0">
@@ -10619,6 +10822,30 @@
               <a:t>UnknownServiceException</a:t>
             </a:r>
             <a:endParaRPr lang="en-US" dirty="0"/>
+          </a:p>
+        </p:txBody>
+      </p:sp>
+      <p:sp>
+        <p:nvSpPr>
+          <p:cNvPr id="4" name="Slide Number Placeholder 3"/>
+          <p:cNvSpPr>
+            <a:spLocks noGrp="1"/>
+          </p:cNvSpPr>
+          <p:nvPr>
+            <p:ph type="sldNum" sz="quarter" idx="12"/>
+          </p:nvPr>
+        </p:nvSpPr>
+        <p:spPr/>
+        <p:txBody>
+          <a:bodyPr/>
+          <a:lstStyle/>
+          <a:p>
+            <a:fld id="{9C11CE39-2868-44A2-A0C6-827D458F7A8B}" type="slidenum">
+              <a:rPr lang="en-IN" smtClean="0"/>
+              <a:pPr/>
+              <a:t>18</a:t>
+            </a:fld>
+            <a:endParaRPr lang="en-IN"/>
           </a:p>
         </p:txBody>
       </p:sp>
@@ -10725,6 +10952,30 @@
           </a:p>
         </p:txBody>
       </p:sp>
+      <p:sp>
+        <p:nvSpPr>
+          <p:cNvPr id="3" name="Slide Number Placeholder 2"/>
+          <p:cNvSpPr>
+            <a:spLocks noGrp="1"/>
+          </p:cNvSpPr>
+          <p:nvPr>
+            <p:ph type="sldNum" sz="quarter" idx="12"/>
+          </p:nvPr>
+        </p:nvSpPr>
+        <p:spPr/>
+        <p:txBody>
+          <a:bodyPr/>
+          <a:lstStyle/>
+          <a:p>
+            <a:fld id="{9C11CE39-2868-44A2-A0C6-827D458F7A8B}" type="slidenum">
+              <a:rPr lang="en-IN" smtClean="0"/>
+              <a:pPr/>
+              <a:t>19</a:t>
+            </a:fld>
+            <a:endParaRPr lang="en-IN"/>
+          </a:p>
+        </p:txBody>
+      </p:sp>
     </p:spTree>
     <p:custDataLst>
       <p:tags r:id="rId1"/>
@@ -10865,6 +11116,30 @@
           </a:p>
           <a:p>
             <a:endParaRPr lang="en-US" dirty="0"/>
+          </a:p>
+        </p:txBody>
+      </p:sp>
+      <p:sp>
+        <p:nvSpPr>
+          <p:cNvPr id="4" name="Slide Number Placeholder 3"/>
+          <p:cNvSpPr>
+            <a:spLocks noGrp="1"/>
+          </p:cNvSpPr>
+          <p:nvPr>
+            <p:ph type="sldNum" sz="quarter" idx="12"/>
+          </p:nvPr>
+        </p:nvSpPr>
+        <p:spPr/>
+        <p:txBody>
+          <a:bodyPr/>
+          <a:lstStyle/>
+          <a:p>
+            <a:fld id="{9C11CE39-2868-44A2-A0C6-827D458F7A8B}" type="slidenum">
+              <a:rPr lang="en-IN" smtClean="0"/>
+              <a:pPr/>
+              <a:t>2</a:t>
+            </a:fld>
+            <a:endParaRPr lang="en-IN"/>
           </a:p>
         </p:txBody>
       </p:sp>
@@ -11020,6 +11295,30 @@
           </a:p>
         </p:txBody>
       </p:sp>
+      <p:sp>
+        <p:nvSpPr>
+          <p:cNvPr id="3" name="Slide Number Placeholder 2"/>
+          <p:cNvSpPr>
+            <a:spLocks noGrp="1"/>
+          </p:cNvSpPr>
+          <p:nvPr>
+            <p:ph type="sldNum" sz="quarter" idx="12"/>
+          </p:nvPr>
+        </p:nvSpPr>
+        <p:spPr/>
+        <p:txBody>
+          <a:bodyPr/>
+          <a:lstStyle/>
+          <a:p>
+            <a:fld id="{9C11CE39-2868-44A2-A0C6-827D458F7A8B}" type="slidenum">
+              <a:rPr lang="en-IN" smtClean="0"/>
+              <a:pPr/>
+              <a:t>20</a:t>
+            </a:fld>
+            <a:endParaRPr lang="en-IN"/>
+          </a:p>
+        </p:txBody>
+      </p:sp>
     </p:spTree>
     <p:custDataLst>
       <p:tags r:id="rId1"/>
@@ -11117,6 +11416,30 @@
               <a:rPr lang="en-US" dirty="0" smtClean="0"/>
               <a:t>The computer is identified by its 32-bit IP address, which IP uses to deliver data to the right computer on the network. Ports are identified by a 16-bit number, which TCP and UDP use to deliver the data to the right application. </a:t>
             </a:r>
+          </a:p>
+        </p:txBody>
+      </p:sp>
+      <p:sp>
+        <p:nvSpPr>
+          <p:cNvPr id="3" name="Slide Number Placeholder 2"/>
+          <p:cNvSpPr>
+            <a:spLocks noGrp="1"/>
+          </p:cNvSpPr>
+          <p:nvPr>
+            <p:ph type="sldNum" sz="quarter" idx="12"/>
+          </p:nvPr>
+        </p:nvSpPr>
+        <p:spPr/>
+        <p:txBody>
+          <a:bodyPr/>
+          <a:lstStyle/>
+          <a:p>
+            <a:fld id="{9C11CE39-2868-44A2-A0C6-827D458F7A8B}" type="slidenum">
+              <a:rPr lang="en-IN" smtClean="0"/>
+              <a:pPr/>
+              <a:t>21</a:t>
+            </a:fld>
+            <a:endParaRPr lang="en-IN"/>
           </a:p>
         </p:txBody>
       </p:sp>
@@ -11308,6 +11631,30 @@
           </a:extLst>
         </p:spPr>
       </p:pic>
+      <p:sp>
+        <p:nvSpPr>
+          <p:cNvPr id="3" name="Slide Number Placeholder 2"/>
+          <p:cNvSpPr>
+            <a:spLocks noGrp="1"/>
+          </p:cNvSpPr>
+          <p:nvPr>
+            <p:ph type="sldNum" sz="quarter" idx="12"/>
+          </p:nvPr>
+        </p:nvSpPr>
+        <p:spPr/>
+        <p:txBody>
+          <a:bodyPr/>
+          <a:lstStyle/>
+          <a:p>
+            <a:fld id="{9C11CE39-2868-44A2-A0C6-827D458F7A8B}" type="slidenum">
+              <a:rPr lang="en-IN" smtClean="0"/>
+              <a:pPr/>
+              <a:t>22</a:t>
+            </a:fld>
+            <a:endParaRPr lang="en-IN"/>
+          </a:p>
+        </p:txBody>
+      </p:sp>
     </p:spTree>
     <p:custDataLst>
       <p:tags r:id="rId1"/>
@@ -11475,6 +11822,30 @@
               <a:rPr lang="en-US" dirty="0" smtClean="0"/>
               <a:t> classes are for use with UDP. </a:t>
             </a:r>
+          </a:p>
+        </p:txBody>
+      </p:sp>
+      <p:sp>
+        <p:nvSpPr>
+          <p:cNvPr id="3" name="Slide Number Placeholder 2"/>
+          <p:cNvSpPr>
+            <a:spLocks noGrp="1"/>
+          </p:cNvSpPr>
+          <p:nvPr>
+            <p:ph type="sldNum" sz="quarter" idx="12"/>
+          </p:nvPr>
+        </p:nvSpPr>
+        <p:spPr/>
+        <p:txBody>
+          <a:bodyPr/>
+          <a:lstStyle/>
+          <a:p>
+            <a:fld id="{9C11CE39-2868-44A2-A0C6-827D458F7A8B}" type="slidenum">
+              <a:rPr lang="en-IN" smtClean="0"/>
+              <a:pPr/>
+              <a:t>23</a:t>
+            </a:fld>
+            <a:endParaRPr lang="en-IN"/>
           </a:p>
         </p:txBody>
       </p:sp>
@@ -11586,6 +11957,30 @@
           </a:p>
         </p:txBody>
       </p:sp>
+      <p:sp>
+        <p:nvSpPr>
+          <p:cNvPr id="3" name="Slide Number Placeholder 2"/>
+          <p:cNvSpPr>
+            <a:spLocks noGrp="1"/>
+          </p:cNvSpPr>
+          <p:nvPr>
+            <p:ph type="sldNum" sz="quarter" idx="12"/>
+          </p:nvPr>
+        </p:nvSpPr>
+        <p:spPr/>
+        <p:txBody>
+          <a:bodyPr/>
+          <a:lstStyle/>
+          <a:p>
+            <a:fld id="{9C11CE39-2868-44A2-A0C6-827D458F7A8B}" type="slidenum">
+              <a:rPr lang="en-IN" smtClean="0"/>
+              <a:pPr/>
+              <a:t>24</a:t>
+            </a:fld>
+            <a:endParaRPr lang="en-IN"/>
+          </a:p>
+        </p:txBody>
+      </p:sp>
     </p:spTree>
     <p:custDataLst>
       <p:tags r:id="rId1"/>
@@ -11709,6 +12104,30 @@
               <a:rPr lang="en-US" dirty="0" smtClean="0"/>
               <a:t> : Represents a server socket which is capable of waiting for requests from clients.</a:t>
             </a:r>
+          </a:p>
+        </p:txBody>
+      </p:sp>
+      <p:sp>
+        <p:nvSpPr>
+          <p:cNvPr id="3" name="Slide Number Placeholder 2"/>
+          <p:cNvSpPr>
+            <a:spLocks noGrp="1"/>
+          </p:cNvSpPr>
+          <p:nvPr>
+            <p:ph type="sldNum" sz="quarter" idx="12"/>
+          </p:nvPr>
+        </p:nvSpPr>
+        <p:spPr/>
+        <p:txBody>
+          <a:bodyPr/>
+          <a:lstStyle/>
+          <a:p>
+            <a:fld id="{9C11CE39-2868-44A2-A0C6-827D458F7A8B}" type="slidenum">
+              <a:rPr lang="en-IN" smtClean="0"/>
+              <a:pPr/>
+              <a:t>25</a:t>
+            </a:fld>
+            <a:endParaRPr lang="en-IN"/>
           </a:p>
         </p:txBody>
       </p:sp>
@@ -11825,6 +12244,30 @@
           </a:p>
         </p:txBody>
       </p:sp>
+      <p:sp>
+        <p:nvSpPr>
+          <p:cNvPr id="3" name="Slide Number Placeholder 2"/>
+          <p:cNvSpPr>
+            <a:spLocks noGrp="1"/>
+          </p:cNvSpPr>
+          <p:nvPr>
+            <p:ph type="sldNum" sz="quarter" idx="12"/>
+          </p:nvPr>
+        </p:nvSpPr>
+        <p:spPr/>
+        <p:txBody>
+          <a:bodyPr/>
+          <a:lstStyle/>
+          <a:p>
+            <a:fld id="{9C11CE39-2868-44A2-A0C6-827D458F7A8B}" type="slidenum">
+              <a:rPr lang="en-IN" smtClean="0"/>
+              <a:pPr/>
+              <a:t>26</a:t>
+            </a:fld>
+            <a:endParaRPr lang="en-IN"/>
+          </a:p>
+        </p:txBody>
+      </p:sp>
     </p:spTree>
     <p:custDataLst>
       <p:tags r:id="rId1"/>
@@ -12043,6 +12486,30 @@
               <a:t>UnknownHostException</a:t>
             </a:r>
             <a:endParaRPr lang="en-IN" i="1" dirty="0"/>
+          </a:p>
+        </p:txBody>
+      </p:sp>
+      <p:sp>
+        <p:nvSpPr>
+          <p:cNvPr id="3" name="Slide Number Placeholder 2"/>
+          <p:cNvSpPr>
+            <a:spLocks noGrp="1"/>
+          </p:cNvSpPr>
+          <p:nvPr>
+            <p:ph type="sldNum" sz="quarter" idx="12"/>
+          </p:nvPr>
+        </p:nvSpPr>
+        <p:spPr/>
+        <p:txBody>
+          <a:bodyPr/>
+          <a:lstStyle/>
+          <a:p>
+            <a:fld id="{9C11CE39-2868-44A2-A0C6-827D458F7A8B}" type="slidenum">
+              <a:rPr lang="en-IN" smtClean="0"/>
+              <a:pPr/>
+              <a:t>27</a:t>
+            </a:fld>
+            <a:endParaRPr lang="en-IN"/>
           </a:p>
         </p:txBody>
       </p:sp>
@@ -12550,6 +13017,30 @@
           </a:p>
         </p:txBody>
       </p:sp>
+      <p:sp>
+        <p:nvSpPr>
+          <p:cNvPr id="3" name="Slide Number Placeholder 2"/>
+          <p:cNvSpPr>
+            <a:spLocks noGrp="1"/>
+          </p:cNvSpPr>
+          <p:nvPr>
+            <p:ph type="sldNum" sz="quarter" idx="12"/>
+          </p:nvPr>
+        </p:nvSpPr>
+        <p:spPr/>
+        <p:txBody>
+          <a:bodyPr/>
+          <a:lstStyle/>
+          <a:p>
+            <a:fld id="{9C11CE39-2868-44A2-A0C6-827D458F7A8B}" type="slidenum">
+              <a:rPr lang="en-IN" smtClean="0"/>
+              <a:pPr/>
+              <a:t>28</a:t>
+            </a:fld>
+            <a:endParaRPr lang="en-IN"/>
+          </a:p>
+        </p:txBody>
+      </p:sp>
     </p:spTree>
     <p:custDataLst>
       <p:tags r:id="rId1"/>
@@ -12953,6 +13444,30 @@
               </a:rPr>
               <a:t>}</a:t>
             </a:r>
+          </a:p>
+        </p:txBody>
+      </p:sp>
+      <p:sp>
+        <p:nvSpPr>
+          <p:cNvPr id="2" name="Slide Number Placeholder 1"/>
+          <p:cNvSpPr>
+            <a:spLocks noGrp="1"/>
+          </p:cNvSpPr>
+          <p:nvPr>
+            <p:ph type="sldNum" sz="quarter" idx="12"/>
+          </p:nvPr>
+        </p:nvSpPr>
+        <p:spPr/>
+        <p:txBody>
+          <a:bodyPr/>
+          <a:lstStyle/>
+          <a:p>
+            <a:fld id="{9C11CE39-2868-44A2-A0C6-827D458F7A8B}" type="slidenum">
+              <a:rPr lang="en-IN" smtClean="0"/>
+              <a:pPr/>
+              <a:t>29</a:t>
+            </a:fld>
+            <a:endParaRPr lang="en-IN"/>
           </a:p>
         </p:txBody>
       </p:sp>
@@ -13082,6 +13597,30 @@
           </a:p>
         </p:txBody>
       </p:sp>
+      <p:sp>
+        <p:nvSpPr>
+          <p:cNvPr id="4" name="Slide Number Placeholder 3"/>
+          <p:cNvSpPr>
+            <a:spLocks noGrp="1"/>
+          </p:cNvSpPr>
+          <p:nvPr>
+            <p:ph type="sldNum" sz="quarter" idx="12"/>
+          </p:nvPr>
+        </p:nvSpPr>
+        <p:spPr/>
+        <p:txBody>
+          <a:bodyPr/>
+          <a:lstStyle/>
+          <a:p>
+            <a:fld id="{9C11CE39-2868-44A2-A0C6-827D458F7A8B}" type="slidenum">
+              <a:rPr lang="en-IN" smtClean="0"/>
+              <a:pPr/>
+              <a:t>3</a:t>
+            </a:fld>
+            <a:endParaRPr lang="en-IN"/>
+          </a:p>
+        </p:txBody>
+      </p:sp>
     </p:spTree>
     <p:custDataLst>
       <p:tags r:id="rId1"/>
@@ -13251,6 +13790,30 @@
               <a:rPr lang="en-US" dirty="0" smtClean="0"/>
               <a:t> – for implementing a server</a:t>
             </a:r>
+          </a:p>
+        </p:txBody>
+      </p:sp>
+      <p:sp>
+        <p:nvSpPr>
+          <p:cNvPr id="3" name="Slide Number Placeholder 2"/>
+          <p:cNvSpPr>
+            <a:spLocks noGrp="1"/>
+          </p:cNvSpPr>
+          <p:nvPr>
+            <p:ph type="sldNum" sz="quarter" idx="12"/>
+          </p:nvPr>
+        </p:nvSpPr>
+        <p:spPr/>
+        <p:txBody>
+          <a:bodyPr/>
+          <a:lstStyle/>
+          <a:p>
+            <a:fld id="{9C11CE39-2868-44A2-A0C6-827D458F7A8B}" type="slidenum">
+              <a:rPr lang="en-IN" smtClean="0"/>
+              <a:pPr/>
+              <a:t>30</a:t>
+            </a:fld>
+            <a:endParaRPr lang="en-IN"/>
           </a:p>
         </p:txBody>
       </p:sp>
@@ -14462,7 +15025,7 @@
               <a:graphicData uri="http://schemas.openxmlformats.org/presentationml/2006/ole">
                 <mc:AlternateContent xmlns:mc="http://schemas.openxmlformats.org/markup-compatibility/2006">
                   <mc:Choice xmlns:v="urn:schemas-microsoft-com:vml" Requires="v">
-                    <p:oleObj spid="_x0000_s3266" name="Microsoft ClipArt Gallery" r:id="rId4" imgW="4006850" imgH="3192463" progId="MS_ClipArt_Gallery">
+                    <p:oleObj spid="_x0000_s3272" name="Microsoft ClipArt Gallery" r:id="rId4" imgW="4006850" imgH="3192463" progId="MS_ClipArt_Gallery">
                       <p:embed/>
                     </p:oleObj>
                   </mc:Choice>
@@ -14641,7 +15204,7 @@
               <a:graphicData uri="http://schemas.openxmlformats.org/presentationml/2006/ole">
                 <mc:AlternateContent xmlns:mc="http://schemas.openxmlformats.org/markup-compatibility/2006">
                   <mc:Choice xmlns:v="urn:schemas-microsoft-com:vml" Requires="v">
-                    <p:oleObj spid="_x0000_s3267" name="Microsoft ClipArt Gallery" r:id="rId6" imgW="4183063" imgH="3216275" progId="MS_ClipArt_Gallery">
+                    <p:oleObj spid="_x0000_s3273" name="Microsoft ClipArt Gallery" r:id="rId6" imgW="4183063" imgH="3216275" progId="MS_ClipArt_Gallery">
                       <p:embed/>
                     </p:oleObj>
                   </mc:Choice>
@@ -14791,6 +15354,30 @@
           </p:sp>
         </p:grpSp>
       </p:grpSp>
+      <p:sp>
+        <p:nvSpPr>
+          <p:cNvPr id="3" name="Slide Number Placeholder 2"/>
+          <p:cNvSpPr>
+            <a:spLocks noGrp="1"/>
+          </p:cNvSpPr>
+          <p:nvPr>
+            <p:ph type="sldNum" sz="quarter" idx="12"/>
+          </p:nvPr>
+        </p:nvSpPr>
+        <p:spPr/>
+        <p:txBody>
+          <a:bodyPr/>
+          <a:lstStyle/>
+          <a:p>
+            <a:fld id="{9C11CE39-2868-44A2-A0C6-827D458F7A8B}" type="slidenum">
+              <a:rPr lang="en-IN" smtClean="0"/>
+              <a:pPr/>
+              <a:t>31</a:t>
+            </a:fld>
+            <a:endParaRPr lang="en-IN"/>
+          </a:p>
+        </p:txBody>
+      </p:sp>
     </p:spTree>
     <p:custDataLst>
       <p:tags r:id="rId2"/>
@@ -15018,6 +15605,30 @@
           </a:p>
           <a:p>
             <a:endParaRPr lang="en-US" dirty="0"/>
+          </a:p>
+        </p:txBody>
+      </p:sp>
+      <p:sp>
+        <p:nvSpPr>
+          <p:cNvPr id="4" name="Slide Number Placeholder 3"/>
+          <p:cNvSpPr>
+            <a:spLocks noGrp="1"/>
+          </p:cNvSpPr>
+          <p:nvPr>
+            <p:ph type="sldNum" sz="quarter" idx="12"/>
+          </p:nvPr>
+        </p:nvSpPr>
+        <p:spPr/>
+        <p:txBody>
+          <a:bodyPr/>
+          <a:lstStyle/>
+          <a:p>
+            <a:fld id="{9C11CE39-2868-44A2-A0C6-827D458F7A8B}" type="slidenum">
+              <a:rPr lang="en-IN" smtClean="0"/>
+              <a:pPr/>
+              <a:t>32</a:t>
+            </a:fld>
+            <a:endParaRPr lang="en-IN"/>
           </a:p>
         </p:txBody>
       </p:sp>
@@ -15220,6 +15831,30 @@
           </a:p>
         </p:txBody>
       </p:sp>
+      <p:sp>
+        <p:nvSpPr>
+          <p:cNvPr id="3" name="Slide Number Placeholder 2"/>
+          <p:cNvSpPr>
+            <a:spLocks noGrp="1"/>
+          </p:cNvSpPr>
+          <p:nvPr>
+            <p:ph type="sldNum" sz="quarter" idx="12"/>
+          </p:nvPr>
+        </p:nvSpPr>
+        <p:spPr/>
+        <p:txBody>
+          <a:bodyPr/>
+          <a:lstStyle/>
+          <a:p>
+            <a:fld id="{9C11CE39-2868-44A2-A0C6-827D458F7A8B}" type="slidenum">
+              <a:rPr lang="en-IN" smtClean="0"/>
+              <a:pPr/>
+              <a:t>33</a:t>
+            </a:fld>
+            <a:endParaRPr lang="en-IN"/>
+          </a:p>
+        </p:txBody>
+      </p:sp>
     </p:spTree>
     <p:custDataLst>
       <p:tags r:id="rId1"/>
@@ -15403,6 +16038,30 @@
           </a:p>
           <a:p>
             <a:endParaRPr lang="en-IN" dirty="0" smtClean="0"/>
+          </a:p>
+        </p:txBody>
+      </p:sp>
+      <p:sp>
+        <p:nvSpPr>
+          <p:cNvPr id="3" name="Slide Number Placeholder 2"/>
+          <p:cNvSpPr>
+            <a:spLocks noGrp="1"/>
+          </p:cNvSpPr>
+          <p:nvPr>
+            <p:ph type="sldNum" sz="quarter" idx="12"/>
+          </p:nvPr>
+        </p:nvSpPr>
+        <p:spPr/>
+        <p:txBody>
+          <a:bodyPr/>
+          <a:lstStyle/>
+          <a:p>
+            <a:fld id="{9C11CE39-2868-44A2-A0C6-827D458F7A8B}" type="slidenum">
+              <a:rPr lang="en-IN" smtClean="0"/>
+              <a:pPr/>
+              <a:t>34</a:t>
+            </a:fld>
+            <a:endParaRPr lang="en-IN"/>
           </a:p>
         </p:txBody>
       </p:sp>
@@ -15474,7 +16133,7 @@
           <p:cNvPr id="10" name="Content Placeholder 9">
             <a:extLst>
               <a:ext uri="{FF2B5EF4-FFF2-40B4-BE49-F238E27FC236}">
-                <a16:creationId xmlns:a16="http://schemas.microsoft.com/office/drawing/2014/main" xmlns="" id="{0A22B6D8-9073-4E8C-972E-50F620F31FD1}"/>
+                <a16:creationId xmlns="" xmlns:a16="http://schemas.microsoft.com/office/drawing/2014/main" id="{0A22B6D8-9073-4E8C-972E-50F620F31FD1}"/>
               </a:ext>
             </a:extLst>
           </p:cNvPr>
@@ -15504,14 +16163,14 @@
                 <a:gridCol w="3947160">
                   <a:extLst>
                     <a:ext uri="{9D8B030D-6E8A-4147-A177-3AD203B41FA5}">
-                      <a16:colId xmlns:a16="http://schemas.microsoft.com/office/drawing/2014/main" xmlns="" val="4148119606"/>
+                      <a16:colId xmlns="" xmlns:a16="http://schemas.microsoft.com/office/drawing/2014/main" val="4148119606"/>
                     </a:ext>
                   </a:extLst>
                 </a:gridCol>
                 <a:gridCol w="3947160">
                   <a:extLst>
                     <a:ext uri="{9D8B030D-6E8A-4147-A177-3AD203B41FA5}">
-                      <a16:colId xmlns:a16="http://schemas.microsoft.com/office/drawing/2014/main" xmlns="" val="2229028685"/>
+                      <a16:colId xmlns="" xmlns:a16="http://schemas.microsoft.com/office/drawing/2014/main" val="2229028685"/>
                     </a:ext>
                   </a:extLst>
                 </a:gridCol>
@@ -15565,7 +16224,7 @@
                 </a:tc>
                 <a:extLst>
                   <a:ext uri="{0D108BD9-81ED-4DB2-BD59-A6C34878D82A}">
-                    <a16:rowId xmlns:a16="http://schemas.microsoft.com/office/drawing/2014/main" xmlns="" val="2494029403"/>
+                    <a16:rowId xmlns="" xmlns:a16="http://schemas.microsoft.com/office/drawing/2014/main" val="2494029403"/>
                   </a:ext>
                 </a:extLst>
               </a:tr>
@@ -15654,7 +16313,7 @@
                 </a:tc>
                 <a:extLst>
                   <a:ext uri="{0D108BD9-81ED-4DB2-BD59-A6C34878D82A}">
-                    <a16:rowId xmlns:a16="http://schemas.microsoft.com/office/drawing/2014/main" xmlns="" val="3295108235"/>
+                    <a16:rowId xmlns="" xmlns:a16="http://schemas.microsoft.com/office/drawing/2014/main" val="3295108235"/>
                   </a:ext>
                 </a:extLst>
               </a:tr>
@@ -15743,7 +16402,7 @@
                 </a:tc>
                 <a:extLst>
                   <a:ext uri="{0D108BD9-81ED-4DB2-BD59-A6C34878D82A}">
-                    <a16:rowId xmlns:a16="http://schemas.microsoft.com/office/drawing/2014/main" xmlns="" val="4188004682"/>
+                    <a16:rowId xmlns="" xmlns:a16="http://schemas.microsoft.com/office/drawing/2014/main" val="4188004682"/>
                   </a:ext>
                 </a:extLst>
               </a:tr>
@@ -15796,7 +16455,7 @@
                 </a:tc>
                 <a:extLst>
                   <a:ext uri="{0D108BD9-81ED-4DB2-BD59-A6C34878D82A}">
-                    <a16:rowId xmlns:a16="http://schemas.microsoft.com/office/drawing/2014/main" xmlns="" val="2535505752"/>
+                    <a16:rowId xmlns="" xmlns:a16="http://schemas.microsoft.com/office/drawing/2014/main" val="2535505752"/>
                   </a:ext>
                 </a:extLst>
               </a:tr>
@@ -15837,6 +16496,30 @@
               <a:rPr lang="en-US" dirty="0"/>
               <a:t> between the machines. The Socket class can be used to create a socket.</a:t>
             </a:r>
+          </a:p>
+        </p:txBody>
+      </p:sp>
+      <p:sp>
+        <p:nvSpPr>
+          <p:cNvPr id="3" name="Slide Number Placeholder 2"/>
+          <p:cNvSpPr>
+            <a:spLocks noGrp="1"/>
+          </p:cNvSpPr>
+          <p:nvPr>
+            <p:ph type="sldNum" sz="quarter" idx="12"/>
+          </p:nvPr>
+        </p:nvSpPr>
+        <p:spPr/>
+        <p:txBody>
+          <a:bodyPr/>
+          <a:lstStyle/>
+          <a:p>
+            <a:fld id="{9C11CE39-2868-44A2-A0C6-827D458F7A8B}" type="slidenum">
+              <a:rPr lang="en-IN" smtClean="0"/>
+              <a:pPr/>
+              <a:t>35</a:t>
+            </a:fld>
+            <a:endParaRPr lang="en-IN"/>
           </a:p>
         </p:txBody>
       </p:sp>
@@ -15959,7 +16642,7 @@
           <p:cNvPr id="7" name="Content Placeholder 6">
             <a:extLst>
               <a:ext uri="{FF2B5EF4-FFF2-40B4-BE49-F238E27FC236}">
-                <a16:creationId xmlns:a16="http://schemas.microsoft.com/office/drawing/2014/main" xmlns="" id="{3A511582-0FFE-4E4B-8EF0-728CE85CB01F}"/>
+                <a16:creationId xmlns="" xmlns:a16="http://schemas.microsoft.com/office/drawing/2014/main" id="{3A511582-0FFE-4E4B-8EF0-728CE85CB01F}"/>
               </a:ext>
             </a:extLst>
           </p:cNvPr>
@@ -15989,14 +16672,14 @@
                 <a:gridCol w="4038600">
                   <a:extLst>
                     <a:ext uri="{9D8B030D-6E8A-4147-A177-3AD203B41FA5}">
-                      <a16:colId xmlns:a16="http://schemas.microsoft.com/office/drawing/2014/main" xmlns="" val="4094094059"/>
+                      <a16:colId xmlns="" xmlns:a16="http://schemas.microsoft.com/office/drawing/2014/main" val="4094094059"/>
                     </a:ext>
                   </a:extLst>
                 </a:gridCol>
                 <a:gridCol w="4038600">
                   <a:extLst>
                     <a:ext uri="{9D8B030D-6E8A-4147-A177-3AD203B41FA5}">
-                      <a16:colId xmlns:a16="http://schemas.microsoft.com/office/drawing/2014/main" xmlns="" val="162500616"/>
+                      <a16:colId xmlns="" xmlns:a16="http://schemas.microsoft.com/office/drawing/2014/main" val="162500616"/>
                     </a:ext>
                   </a:extLst>
                 </a:gridCol>
@@ -16050,7 +16733,7 @@
                 </a:tc>
                 <a:extLst>
                   <a:ext uri="{0D108BD9-81ED-4DB2-BD59-A6C34878D82A}">
-                    <a16:rowId xmlns:a16="http://schemas.microsoft.com/office/drawing/2014/main" xmlns="" val="3727081214"/>
+                    <a16:rowId xmlns="" xmlns:a16="http://schemas.microsoft.com/office/drawing/2014/main" val="3727081214"/>
                   </a:ext>
                 </a:extLst>
               </a:tr>
@@ -16103,7 +16786,7 @@
                 </a:tc>
                 <a:extLst>
                   <a:ext uri="{0D108BD9-81ED-4DB2-BD59-A6C34878D82A}">
-                    <a16:rowId xmlns:a16="http://schemas.microsoft.com/office/drawing/2014/main" xmlns="" val="836399312"/>
+                    <a16:rowId xmlns="" xmlns:a16="http://schemas.microsoft.com/office/drawing/2014/main" val="836399312"/>
                   </a:ext>
                 </a:extLst>
               </a:tr>
@@ -16156,7 +16839,7 @@
                 </a:tc>
                 <a:extLst>
                   <a:ext uri="{0D108BD9-81ED-4DB2-BD59-A6C34878D82A}">
-                    <a16:rowId xmlns:a16="http://schemas.microsoft.com/office/drawing/2014/main" xmlns="" val="1673196544"/>
+                    <a16:rowId xmlns="" xmlns:a16="http://schemas.microsoft.com/office/drawing/2014/main" val="1673196544"/>
                   </a:ext>
                 </a:extLst>
               </a:tr>
@@ -16164,6 +16847,30 @@
           </a:graphicData>
         </a:graphic>
       </p:graphicFrame>
+      <p:sp>
+        <p:nvSpPr>
+          <p:cNvPr id="3" name="Slide Number Placeholder 2"/>
+          <p:cNvSpPr>
+            <a:spLocks noGrp="1"/>
+          </p:cNvSpPr>
+          <p:nvPr>
+            <p:ph type="sldNum" sz="quarter" idx="12"/>
+          </p:nvPr>
+        </p:nvSpPr>
+        <p:spPr/>
+        <p:txBody>
+          <a:bodyPr/>
+          <a:lstStyle/>
+          <a:p>
+            <a:fld id="{9C11CE39-2868-44A2-A0C6-827D458F7A8B}" type="slidenum">
+              <a:rPr lang="en-IN" smtClean="0"/>
+              <a:pPr/>
+              <a:t>36</a:t>
+            </a:fld>
+            <a:endParaRPr lang="en-IN"/>
+          </a:p>
+        </p:txBody>
+      </p:sp>
     </p:spTree>
     <p:custDataLst>
       <p:tags r:id="rId1"/>
@@ -16557,6 +17264,30 @@
             <a:endParaRPr lang="en-US" sz="2400" dirty="0" smtClean="0">
               <a:latin typeface="Courier New" pitchFamily="49" charset="0"/>
             </a:endParaRPr>
+          </a:p>
+        </p:txBody>
+      </p:sp>
+      <p:sp>
+        <p:nvSpPr>
+          <p:cNvPr id="3" name="Slide Number Placeholder 2"/>
+          <p:cNvSpPr>
+            <a:spLocks noGrp="1"/>
+          </p:cNvSpPr>
+          <p:nvPr>
+            <p:ph type="sldNum" sz="quarter" idx="12"/>
+          </p:nvPr>
+        </p:nvSpPr>
+        <p:spPr/>
+        <p:txBody>
+          <a:bodyPr/>
+          <a:lstStyle/>
+          <a:p>
+            <a:fld id="{9C11CE39-2868-44A2-A0C6-827D458F7A8B}" type="slidenum">
+              <a:rPr lang="en-IN" smtClean="0"/>
+              <a:pPr/>
+              <a:t>37</a:t>
+            </a:fld>
+            <a:endParaRPr lang="en-IN"/>
           </a:p>
         </p:txBody>
       </p:sp>
@@ -17022,6 +17753,30 @@
           </a:p>
         </p:txBody>
       </p:sp>
+      <p:sp>
+        <p:nvSpPr>
+          <p:cNvPr id="3" name="Slide Number Placeholder 2"/>
+          <p:cNvSpPr>
+            <a:spLocks noGrp="1"/>
+          </p:cNvSpPr>
+          <p:nvPr>
+            <p:ph type="sldNum" sz="quarter" idx="12"/>
+          </p:nvPr>
+        </p:nvSpPr>
+        <p:spPr/>
+        <p:txBody>
+          <a:bodyPr/>
+          <a:lstStyle/>
+          <a:p>
+            <a:fld id="{9C11CE39-2868-44A2-A0C6-827D458F7A8B}" type="slidenum">
+              <a:rPr lang="en-IN" smtClean="0"/>
+              <a:pPr/>
+              <a:t>38</a:t>
+            </a:fld>
+            <a:endParaRPr lang="en-IN"/>
+          </a:p>
+        </p:txBody>
+      </p:sp>
     </p:spTree>
     <p:custDataLst>
       <p:tags r:id="rId1"/>
@@ -17487,6 +18242,30 @@
               <a:latin typeface="Courier New" pitchFamily="49" charset="0"/>
               <a:cs typeface="Courier New" pitchFamily="49" charset="0"/>
             </a:endParaRPr>
+          </a:p>
+        </p:txBody>
+      </p:sp>
+      <p:sp>
+        <p:nvSpPr>
+          <p:cNvPr id="2" name="Slide Number Placeholder 1"/>
+          <p:cNvSpPr>
+            <a:spLocks noGrp="1"/>
+          </p:cNvSpPr>
+          <p:nvPr>
+            <p:ph type="sldNum" sz="quarter" idx="12"/>
+          </p:nvPr>
+        </p:nvSpPr>
+        <p:spPr/>
+        <p:txBody>
+          <a:bodyPr/>
+          <a:lstStyle/>
+          <a:p>
+            <a:fld id="{9C11CE39-2868-44A2-A0C6-827D458F7A8B}" type="slidenum">
+              <a:rPr lang="en-IN" smtClean="0"/>
+              <a:pPr/>
+              <a:t>39</a:t>
+            </a:fld>
+            <a:endParaRPr lang="en-IN"/>
           </a:p>
         </p:txBody>
       </p:sp>
@@ -17671,6 +18450,30 @@
           </a:p>
         </p:txBody>
       </p:sp>
+      <p:sp>
+        <p:nvSpPr>
+          <p:cNvPr id="4" name="Slide Number Placeholder 3"/>
+          <p:cNvSpPr>
+            <a:spLocks noGrp="1"/>
+          </p:cNvSpPr>
+          <p:nvPr>
+            <p:ph type="sldNum" sz="quarter" idx="12"/>
+          </p:nvPr>
+        </p:nvSpPr>
+        <p:spPr/>
+        <p:txBody>
+          <a:bodyPr/>
+          <a:lstStyle/>
+          <a:p>
+            <a:fld id="{9C11CE39-2868-44A2-A0C6-827D458F7A8B}" type="slidenum">
+              <a:rPr lang="en-IN" smtClean="0"/>
+              <a:pPr/>
+              <a:t>4</a:t>
+            </a:fld>
+            <a:endParaRPr lang="en-IN"/>
+          </a:p>
+        </p:txBody>
+      </p:sp>
     </p:spTree>
     <p:custDataLst>
       <p:tags r:id="rId1"/>
@@ -17761,6 +18564,30 @@
               <a:rPr lang="en-US" dirty="0" smtClean="0"/>
               <a:t>A server socket is technically not a socket: when a client connects to a server socket, a TCP connection is made, and a (normal) socket is created for each end point.</a:t>
             </a:r>
+          </a:p>
+        </p:txBody>
+      </p:sp>
+      <p:sp>
+        <p:nvSpPr>
+          <p:cNvPr id="3" name="Slide Number Placeholder 2"/>
+          <p:cNvSpPr>
+            <a:spLocks noGrp="1"/>
+          </p:cNvSpPr>
+          <p:nvPr>
+            <p:ph type="sldNum" sz="quarter" idx="12"/>
+          </p:nvPr>
+        </p:nvSpPr>
+        <p:spPr/>
+        <p:txBody>
+          <a:bodyPr/>
+          <a:lstStyle/>
+          <a:p>
+            <a:fld id="{9C11CE39-2868-44A2-A0C6-827D458F7A8B}" type="slidenum">
+              <a:rPr lang="en-IN" smtClean="0"/>
+              <a:pPr/>
+              <a:t>40</a:t>
+            </a:fld>
+            <a:endParaRPr lang="en-IN"/>
           </a:p>
         </p:txBody>
       </p:sp>
@@ -18144,6 +18971,30 @@
               <a:latin typeface="Courier New" pitchFamily="49" charset="0"/>
               <a:cs typeface="Courier New" pitchFamily="49" charset="0"/>
             </a:endParaRPr>
+          </a:p>
+        </p:txBody>
+      </p:sp>
+      <p:sp>
+        <p:nvSpPr>
+          <p:cNvPr id="2" name="Slide Number Placeholder 1"/>
+          <p:cNvSpPr>
+            <a:spLocks noGrp="1"/>
+          </p:cNvSpPr>
+          <p:nvPr>
+            <p:ph type="sldNum" sz="quarter" idx="12"/>
+          </p:nvPr>
+        </p:nvSpPr>
+        <p:spPr/>
+        <p:txBody>
+          <a:bodyPr/>
+          <a:lstStyle/>
+          <a:p>
+            <a:fld id="{9C11CE39-2868-44A2-A0C6-827D458F7A8B}" type="slidenum">
+              <a:rPr lang="en-IN" smtClean="0"/>
+              <a:pPr/>
+              <a:t>41</a:t>
+            </a:fld>
+            <a:endParaRPr lang="en-IN"/>
           </a:p>
         </p:txBody>
       </p:sp>
@@ -18791,6 +19642,30 @@
           </a:p>
         </p:txBody>
       </p:sp>
+      <p:sp>
+        <p:nvSpPr>
+          <p:cNvPr id="2" name="Slide Number Placeholder 1"/>
+          <p:cNvSpPr>
+            <a:spLocks noGrp="1"/>
+          </p:cNvSpPr>
+          <p:nvPr>
+            <p:ph type="sldNum" sz="quarter" idx="12"/>
+          </p:nvPr>
+        </p:nvSpPr>
+        <p:spPr/>
+        <p:txBody>
+          <a:bodyPr/>
+          <a:lstStyle/>
+          <a:p>
+            <a:fld id="{9C11CE39-2868-44A2-A0C6-827D458F7A8B}" type="slidenum">
+              <a:rPr lang="en-IN" smtClean="0"/>
+              <a:pPr/>
+              <a:t>42</a:t>
+            </a:fld>
+            <a:endParaRPr lang="en-IN"/>
+          </a:p>
+        </p:txBody>
+      </p:sp>
     </p:spTree>
     <p:custDataLst>
       <p:tags r:id="rId1"/>
@@ -18983,6 +19858,30 @@
             <a:endParaRPr lang="en-US" dirty="0">
               <a:latin typeface="+mj-lt"/>
             </a:endParaRPr>
+          </a:p>
+        </p:txBody>
+      </p:sp>
+      <p:sp>
+        <p:nvSpPr>
+          <p:cNvPr id="2" name="Slide Number Placeholder 1"/>
+          <p:cNvSpPr>
+            <a:spLocks noGrp="1"/>
+          </p:cNvSpPr>
+          <p:nvPr>
+            <p:ph type="sldNum" sz="quarter" idx="12"/>
+          </p:nvPr>
+        </p:nvSpPr>
+        <p:spPr/>
+        <p:txBody>
+          <a:bodyPr/>
+          <a:lstStyle/>
+          <a:p>
+            <a:fld id="{9C11CE39-2868-44A2-A0C6-827D458F7A8B}" type="slidenum">
+              <a:rPr lang="en-IN" smtClean="0"/>
+              <a:pPr/>
+              <a:t>43</a:t>
+            </a:fld>
+            <a:endParaRPr lang="en-IN"/>
           </a:p>
         </p:txBody>
       </p:sp>
@@ -19105,6 +20004,30 @@
           </a:extLst>
         </p:spPr>
       </p:pic>
+      <p:sp>
+        <p:nvSpPr>
+          <p:cNvPr id="2" name="Slide Number Placeholder 1"/>
+          <p:cNvSpPr>
+            <a:spLocks noGrp="1"/>
+          </p:cNvSpPr>
+          <p:nvPr>
+            <p:ph type="sldNum" sz="quarter" idx="12"/>
+          </p:nvPr>
+        </p:nvSpPr>
+        <p:spPr/>
+        <p:txBody>
+          <a:bodyPr/>
+          <a:lstStyle/>
+          <a:p>
+            <a:fld id="{9C11CE39-2868-44A2-A0C6-827D458F7A8B}" type="slidenum">
+              <a:rPr lang="en-IN" smtClean="0"/>
+              <a:pPr/>
+              <a:t>44</a:t>
+            </a:fld>
+            <a:endParaRPr lang="en-IN"/>
+          </a:p>
+        </p:txBody>
+      </p:sp>
     </p:spTree>
     <p:custDataLst>
       <p:tags r:id="rId1"/>
@@ -19201,6 +20124,30 @@
           </a:p>
         </p:txBody>
       </p:sp>
+      <p:sp>
+        <p:nvSpPr>
+          <p:cNvPr id="4" name="Slide Number Placeholder 3"/>
+          <p:cNvSpPr>
+            <a:spLocks noGrp="1"/>
+          </p:cNvSpPr>
+          <p:nvPr>
+            <p:ph type="sldNum" sz="quarter" idx="12"/>
+          </p:nvPr>
+        </p:nvSpPr>
+        <p:spPr/>
+        <p:txBody>
+          <a:bodyPr/>
+          <a:lstStyle/>
+          <a:p>
+            <a:fld id="{9C11CE39-2868-44A2-A0C6-827D458F7A8B}" type="slidenum">
+              <a:rPr lang="en-IN" smtClean="0"/>
+              <a:pPr/>
+              <a:t>45</a:t>
+            </a:fld>
+            <a:endParaRPr lang="en-IN"/>
+          </a:p>
+        </p:txBody>
+      </p:sp>
     </p:spTree>
     <p:custDataLst>
       <p:tags r:id="rId1"/>
@@ -19246,7 +20193,7 @@
           <p:cNvPr id="3" name="Rectangle 2">
             <a:extLst>
               <a:ext uri="{FF2B5EF4-FFF2-40B4-BE49-F238E27FC236}">
-                <a16:creationId xmlns:a16="http://schemas.microsoft.com/office/drawing/2014/main" xmlns="" id="{46E5D5D9-5990-4083-96F8-7167991DDF96}"/>
+                <a16:creationId xmlns="" xmlns:a16="http://schemas.microsoft.com/office/drawing/2014/main" id="{46E5D5D9-5990-4083-96F8-7167991DDF96}"/>
               </a:ext>
             </a:extLst>
           </p:cNvPr>
@@ -19908,7 +20855,7 @@
           <p:cNvPr id="4" name="Rectangle 3">
             <a:extLst>
               <a:ext uri="{FF2B5EF4-FFF2-40B4-BE49-F238E27FC236}">
-                <a16:creationId xmlns:a16="http://schemas.microsoft.com/office/drawing/2014/main" xmlns="" id="{F239B26C-C8FD-4F8B-9AD9-B7E47E10C0BC}"/>
+                <a16:creationId xmlns="" xmlns:a16="http://schemas.microsoft.com/office/drawing/2014/main" id="{F239B26C-C8FD-4F8B-9AD9-B7E47E10C0BC}"/>
               </a:ext>
             </a:extLst>
           </p:cNvPr>
@@ -20449,6 +21396,30 @@
               <a:t>a server</a:t>
             </a:r>
             <a:endParaRPr lang="en-IN" sz="2400" b="1" dirty="0"/>
+          </a:p>
+        </p:txBody>
+      </p:sp>
+      <p:sp>
+        <p:nvSpPr>
+          <p:cNvPr id="2" name="Slide Number Placeholder 1"/>
+          <p:cNvSpPr>
+            <a:spLocks noGrp="1"/>
+          </p:cNvSpPr>
+          <p:nvPr>
+            <p:ph type="sldNum" sz="quarter" idx="12"/>
+          </p:nvPr>
+        </p:nvSpPr>
+        <p:spPr/>
+        <p:txBody>
+          <a:bodyPr/>
+          <a:lstStyle/>
+          <a:p>
+            <a:fld id="{9C11CE39-2868-44A2-A0C6-827D458F7A8B}" type="slidenum">
+              <a:rPr lang="en-IN" smtClean="0"/>
+              <a:pPr/>
+              <a:t>46</a:t>
+            </a:fld>
+            <a:endParaRPr lang="en-IN"/>
           </a:p>
         </p:txBody>
       </p:sp>
@@ -20497,7 +21468,7 @@
           <p:cNvPr id="2" name="Title 1">
             <a:extLst>
               <a:ext uri="{FF2B5EF4-FFF2-40B4-BE49-F238E27FC236}">
-                <a16:creationId xmlns:a16="http://schemas.microsoft.com/office/drawing/2014/main" xmlns="" id="{E6AF8411-4398-481F-8237-1FA6A6006CB0}"/>
+                <a16:creationId xmlns="" xmlns:a16="http://schemas.microsoft.com/office/drawing/2014/main" id="{E6AF8411-4398-481F-8237-1FA6A6006CB0}"/>
               </a:ext>
             </a:extLst>
           </p:cNvPr>
@@ -20531,7 +21502,7 @@
           <p:cNvPr id="4" name="Rectangle 3">
             <a:extLst>
               <a:ext uri="{FF2B5EF4-FFF2-40B4-BE49-F238E27FC236}">
-                <a16:creationId xmlns:a16="http://schemas.microsoft.com/office/drawing/2014/main" xmlns="" id="{46E5D5D9-5990-4083-96F8-7167991DDF96}"/>
+                <a16:creationId xmlns="" xmlns:a16="http://schemas.microsoft.com/office/drawing/2014/main" id="{46E5D5D9-5990-4083-96F8-7167991DDF96}"/>
               </a:ext>
             </a:extLst>
           </p:cNvPr>
@@ -21121,7 +22092,7 @@
           <p:cNvPr id="5" name="Rectangle: Rounded Corners 4">
             <a:extLst>
               <a:ext uri="{FF2B5EF4-FFF2-40B4-BE49-F238E27FC236}">
-                <a16:creationId xmlns:a16="http://schemas.microsoft.com/office/drawing/2014/main" xmlns="" id="{26C8FC72-69A2-4A2B-BF11-365292130EB4}"/>
+                <a16:creationId xmlns="" xmlns:a16="http://schemas.microsoft.com/office/drawing/2014/main" id="{26C8FC72-69A2-4A2B-BF11-365292130EB4}"/>
               </a:ext>
             </a:extLst>
           </p:cNvPr>
@@ -21161,6 +22132,30 @@
               <a:t>Server1.java</a:t>
             </a:r>
             <a:endParaRPr lang="en-IN" sz="2000" b="1" dirty="0"/>
+          </a:p>
+        </p:txBody>
+      </p:sp>
+      <p:sp>
+        <p:nvSpPr>
+          <p:cNvPr id="3" name="Slide Number Placeholder 2"/>
+          <p:cNvSpPr>
+            <a:spLocks noGrp="1"/>
+          </p:cNvSpPr>
+          <p:nvPr>
+            <p:ph type="sldNum" sz="quarter" idx="12"/>
+          </p:nvPr>
+        </p:nvSpPr>
+        <p:spPr/>
+        <p:txBody>
+          <a:bodyPr/>
+          <a:lstStyle/>
+          <a:p>
+            <a:fld id="{9C11CE39-2868-44A2-A0C6-827D458F7A8B}" type="slidenum">
+              <a:rPr lang="en-IN" smtClean="0"/>
+              <a:pPr/>
+              <a:t>47</a:t>
+            </a:fld>
+            <a:endParaRPr lang="en-IN"/>
           </a:p>
         </p:txBody>
       </p:sp>
@@ -21209,7 +22204,7 @@
           <p:cNvPr id="2" name="Title 1">
             <a:extLst>
               <a:ext uri="{FF2B5EF4-FFF2-40B4-BE49-F238E27FC236}">
-                <a16:creationId xmlns:a16="http://schemas.microsoft.com/office/drawing/2014/main" xmlns="" id="{44027335-884C-4B99-BFAB-9FE67CD77A07}"/>
+                <a16:creationId xmlns="" xmlns:a16="http://schemas.microsoft.com/office/drawing/2014/main" id="{44027335-884C-4B99-BFAB-9FE67CD77A07}"/>
               </a:ext>
             </a:extLst>
           </p:cNvPr>
@@ -21243,7 +22238,7 @@
           <p:cNvPr id="4" name="Rectangle 3">
             <a:extLst>
               <a:ext uri="{FF2B5EF4-FFF2-40B4-BE49-F238E27FC236}">
-                <a16:creationId xmlns:a16="http://schemas.microsoft.com/office/drawing/2014/main" xmlns="" id="{F239B26C-C8FD-4F8B-9AD9-B7E47E10C0BC}"/>
+                <a16:creationId xmlns="" xmlns:a16="http://schemas.microsoft.com/office/drawing/2014/main" id="{F239B26C-C8FD-4F8B-9AD9-B7E47E10C0BC}"/>
               </a:ext>
             </a:extLst>
           </p:cNvPr>
@@ -21752,7 +22747,7 @@
           <p:cNvPr id="7" name="Rectangle: Rounded Corners 6">
             <a:extLst>
               <a:ext uri="{FF2B5EF4-FFF2-40B4-BE49-F238E27FC236}">
-                <a16:creationId xmlns:a16="http://schemas.microsoft.com/office/drawing/2014/main" xmlns="" id="{5CF51055-DF11-4C16-B202-2C98D02890D8}"/>
+                <a16:creationId xmlns="" xmlns:a16="http://schemas.microsoft.com/office/drawing/2014/main" id="{5CF51055-DF11-4C16-B202-2C98D02890D8}"/>
               </a:ext>
             </a:extLst>
           </p:cNvPr>
@@ -21792,6 +22787,30 @@
               <a:t>Client1.java</a:t>
             </a:r>
             <a:endParaRPr lang="en-IN" sz="2000" b="1" dirty="0"/>
+          </a:p>
+        </p:txBody>
+      </p:sp>
+      <p:sp>
+        <p:nvSpPr>
+          <p:cNvPr id="3" name="Slide Number Placeholder 2"/>
+          <p:cNvSpPr>
+            <a:spLocks noGrp="1"/>
+          </p:cNvSpPr>
+          <p:nvPr>
+            <p:ph type="sldNum" sz="quarter" idx="12"/>
+          </p:nvPr>
+        </p:nvSpPr>
+        <p:spPr/>
+        <p:txBody>
+          <a:bodyPr/>
+          <a:lstStyle/>
+          <a:p>
+            <a:fld id="{9C11CE39-2868-44A2-A0C6-827D458F7A8B}" type="slidenum">
+              <a:rPr lang="en-IN" smtClean="0"/>
+              <a:pPr/>
+              <a:t>48</a:t>
+            </a:fld>
+            <a:endParaRPr lang="en-IN"/>
           </a:p>
         </p:txBody>
       </p:sp>
@@ -22541,6 +23560,30 @@
           </a:p>
         </p:txBody>
       </p:sp>
+      <p:sp>
+        <p:nvSpPr>
+          <p:cNvPr id="3" name="Slide Number Placeholder 2"/>
+          <p:cNvSpPr>
+            <a:spLocks noGrp="1"/>
+          </p:cNvSpPr>
+          <p:nvPr>
+            <p:ph type="sldNum" sz="quarter" idx="12"/>
+          </p:nvPr>
+        </p:nvSpPr>
+        <p:spPr/>
+        <p:txBody>
+          <a:bodyPr/>
+          <a:lstStyle/>
+          <a:p>
+            <a:fld id="{9C11CE39-2868-44A2-A0C6-827D458F7A8B}" type="slidenum">
+              <a:rPr lang="en-IN" smtClean="0"/>
+              <a:pPr/>
+              <a:t>49</a:t>
+            </a:fld>
+            <a:endParaRPr lang="en-IN"/>
+          </a:p>
+        </p:txBody>
+      </p:sp>
     </p:spTree>
     <p:custDataLst>
       <p:tags r:id="rId1"/>
@@ -22704,6 +23747,30 @@
               <a:t>communication</a:t>
             </a:r>
             <a:endParaRPr lang="en-US" dirty="0"/>
+          </a:p>
+        </p:txBody>
+      </p:sp>
+      <p:sp>
+        <p:nvSpPr>
+          <p:cNvPr id="4" name="Slide Number Placeholder 3"/>
+          <p:cNvSpPr>
+            <a:spLocks noGrp="1"/>
+          </p:cNvSpPr>
+          <p:nvPr>
+            <p:ph type="sldNum" sz="quarter" idx="12"/>
+          </p:nvPr>
+        </p:nvSpPr>
+        <p:spPr/>
+        <p:txBody>
+          <a:bodyPr/>
+          <a:lstStyle/>
+          <a:p>
+            <a:fld id="{9C11CE39-2868-44A2-A0C6-827D458F7A8B}" type="slidenum">
+              <a:rPr lang="en-IN" smtClean="0"/>
+              <a:pPr/>
+              <a:t>5</a:t>
+            </a:fld>
+            <a:endParaRPr lang="en-IN"/>
           </a:p>
         </p:txBody>
       </p:sp>
@@ -22822,6 +23889,30 @@
           </a:p>
         </p:txBody>
       </p:sp>
+      <p:sp>
+        <p:nvSpPr>
+          <p:cNvPr id="3" name="Slide Number Placeholder 2"/>
+          <p:cNvSpPr>
+            <a:spLocks noGrp="1"/>
+          </p:cNvSpPr>
+          <p:nvPr>
+            <p:ph type="sldNum" sz="quarter" idx="12"/>
+          </p:nvPr>
+        </p:nvSpPr>
+        <p:spPr/>
+        <p:txBody>
+          <a:bodyPr/>
+          <a:lstStyle/>
+          <a:p>
+            <a:fld id="{9C11CE39-2868-44A2-A0C6-827D458F7A8B}" type="slidenum">
+              <a:rPr lang="en-IN" smtClean="0"/>
+              <a:pPr/>
+              <a:t>50</a:t>
+            </a:fld>
+            <a:endParaRPr lang="en-IN"/>
+          </a:p>
+        </p:txBody>
+      </p:sp>
     </p:spTree>
     <p:custDataLst>
       <p:tags r:id="rId1"/>
@@ -22989,6 +24080,30 @@
               <a:t>, String path)</a:t>
             </a:r>
             <a:endParaRPr lang="en-IN" dirty="0" smtClean="0"/>
+          </a:p>
+        </p:txBody>
+      </p:sp>
+      <p:sp>
+        <p:nvSpPr>
+          <p:cNvPr id="3" name="Slide Number Placeholder 2"/>
+          <p:cNvSpPr>
+            <a:spLocks noGrp="1"/>
+          </p:cNvSpPr>
+          <p:nvPr>
+            <p:ph type="sldNum" sz="quarter" idx="12"/>
+          </p:nvPr>
+        </p:nvSpPr>
+        <p:spPr/>
+        <p:txBody>
+          <a:bodyPr/>
+          <a:lstStyle/>
+          <a:p>
+            <a:fld id="{9C11CE39-2868-44A2-A0C6-827D458F7A8B}" type="slidenum">
+              <a:rPr lang="en-IN" smtClean="0"/>
+              <a:pPr/>
+              <a:t>51</a:t>
+            </a:fld>
+            <a:endParaRPr lang="en-IN"/>
           </a:p>
         </p:txBody>
       </p:sp>
@@ -23060,7 +24175,7 @@
           <p:cNvPr id="4" name="Content Placeholder 3">
             <a:extLst>
               <a:ext uri="{FF2B5EF4-FFF2-40B4-BE49-F238E27FC236}">
-                <a16:creationId xmlns:a16="http://schemas.microsoft.com/office/drawing/2014/main" xmlns="" id="{0D3BE46D-D4B7-4773-A089-B318D590D2EC}"/>
+                <a16:creationId xmlns="" xmlns:a16="http://schemas.microsoft.com/office/drawing/2014/main" id="{0D3BE46D-D4B7-4773-A089-B318D590D2EC}"/>
               </a:ext>
             </a:extLst>
           </p:cNvPr>
@@ -23090,14 +24205,14 @@
                 <a:gridCol w="3398520">
                   <a:extLst>
                     <a:ext uri="{9D8B030D-6E8A-4147-A177-3AD203B41FA5}">
-                      <a16:colId xmlns:a16="http://schemas.microsoft.com/office/drawing/2014/main" xmlns="" val="4170491539"/>
+                      <a16:colId xmlns="" xmlns:a16="http://schemas.microsoft.com/office/drawing/2014/main" val="4170491539"/>
                     </a:ext>
                   </a:extLst>
                 </a:gridCol>
                 <a:gridCol w="4983480">
                   <a:extLst>
                     <a:ext uri="{9D8B030D-6E8A-4147-A177-3AD203B41FA5}">
-                      <a16:colId xmlns:a16="http://schemas.microsoft.com/office/drawing/2014/main" xmlns="" val="509871682"/>
+                      <a16:colId xmlns="" xmlns:a16="http://schemas.microsoft.com/office/drawing/2014/main" val="509871682"/>
                     </a:ext>
                   </a:extLst>
                 </a:gridCol>
@@ -23151,7 +24266,7 @@
                 </a:tc>
                 <a:extLst>
                   <a:ext uri="{0D108BD9-81ED-4DB2-BD59-A6C34878D82A}">
-                    <a16:rowId xmlns:a16="http://schemas.microsoft.com/office/drawing/2014/main" xmlns="" val="1470494853"/>
+                    <a16:rowId xmlns="" xmlns:a16="http://schemas.microsoft.com/office/drawing/2014/main" val="1470494853"/>
                   </a:ext>
                 </a:extLst>
               </a:tr>
@@ -23230,7 +24345,7 @@
                 </a:tc>
                 <a:extLst>
                   <a:ext uri="{0D108BD9-81ED-4DB2-BD59-A6C34878D82A}">
-                    <a16:rowId xmlns:a16="http://schemas.microsoft.com/office/drawing/2014/main" xmlns="" val="2639377761"/>
+                    <a16:rowId xmlns="" xmlns:a16="http://schemas.microsoft.com/office/drawing/2014/main" val="2639377761"/>
                   </a:ext>
                 </a:extLst>
               </a:tr>
@@ -23314,7 +24429,7 @@
                 </a:tc>
                 <a:extLst>
                   <a:ext uri="{0D108BD9-81ED-4DB2-BD59-A6C34878D82A}">
-                    <a16:rowId xmlns:a16="http://schemas.microsoft.com/office/drawing/2014/main" xmlns="" val="2613002052"/>
+                    <a16:rowId xmlns="" xmlns:a16="http://schemas.microsoft.com/office/drawing/2014/main" val="2613002052"/>
                   </a:ext>
                 </a:extLst>
               </a:tr>
@@ -23427,7 +24542,7 @@
                 </a:tc>
                 <a:extLst>
                   <a:ext uri="{0D108BD9-81ED-4DB2-BD59-A6C34878D82A}">
-                    <a16:rowId xmlns:a16="http://schemas.microsoft.com/office/drawing/2014/main" xmlns="" val="4086398249"/>
+                    <a16:rowId xmlns="" xmlns:a16="http://schemas.microsoft.com/office/drawing/2014/main" val="4086398249"/>
                   </a:ext>
                 </a:extLst>
               </a:tr>
@@ -23528,7 +24643,7 @@
                 </a:tc>
                 <a:extLst>
                   <a:ext uri="{0D108BD9-81ED-4DB2-BD59-A6C34878D82A}">
-                    <a16:rowId xmlns:a16="http://schemas.microsoft.com/office/drawing/2014/main" xmlns="" val="2813433476"/>
+                    <a16:rowId xmlns="" xmlns:a16="http://schemas.microsoft.com/office/drawing/2014/main" val="2813433476"/>
                   </a:ext>
                 </a:extLst>
               </a:tr>
@@ -23677,7 +24792,7 @@
                 </a:tc>
                 <a:extLst>
                   <a:ext uri="{0D108BD9-81ED-4DB2-BD59-A6C34878D82A}">
-                    <a16:rowId xmlns:a16="http://schemas.microsoft.com/office/drawing/2014/main" xmlns="" val="2154240040"/>
+                    <a16:rowId xmlns="" xmlns:a16="http://schemas.microsoft.com/office/drawing/2014/main" val="2154240040"/>
                   </a:ext>
                 </a:extLst>
               </a:tr>
@@ -23964,6 +25079,30 @@
           </a:graphicData>
         </a:graphic>
       </p:graphicFrame>
+      <p:sp>
+        <p:nvSpPr>
+          <p:cNvPr id="3" name="Slide Number Placeholder 2"/>
+          <p:cNvSpPr>
+            <a:spLocks noGrp="1"/>
+          </p:cNvSpPr>
+          <p:nvPr>
+            <p:ph type="sldNum" sz="quarter" idx="12"/>
+          </p:nvPr>
+        </p:nvSpPr>
+        <p:spPr/>
+        <p:txBody>
+          <a:bodyPr/>
+          <a:lstStyle/>
+          <a:p>
+            <a:fld id="{9C11CE39-2868-44A2-A0C6-827D458F7A8B}" type="slidenum">
+              <a:rPr lang="en-IN" smtClean="0"/>
+              <a:pPr/>
+              <a:t>52</a:t>
+            </a:fld>
+            <a:endParaRPr lang="en-IN"/>
+          </a:p>
+        </p:txBody>
+      </p:sp>
     </p:spTree>
     <p:custDataLst>
       <p:tags r:id="rId1"/>
@@ -24009,7 +25148,7 @@
           <p:cNvPr id="2" name="Title 1">
             <a:extLst>
               <a:ext uri="{FF2B5EF4-FFF2-40B4-BE49-F238E27FC236}">
-                <a16:creationId xmlns:a16="http://schemas.microsoft.com/office/drawing/2014/main" xmlns="" id="{1B80ABD8-37E8-47B1-89AC-8884239E35EA}"/>
+                <a16:creationId xmlns="" xmlns:a16="http://schemas.microsoft.com/office/drawing/2014/main" id="{1B80ABD8-37E8-47B1-89AC-8884239E35EA}"/>
               </a:ext>
             </a:extLst>
           </p:cNvPr>
@@ -24038,7 +25177,7 @@
           <p:cNvPr id="3" name="Content Placeholder 2">
             <a:extLst>
               <a:ext uri="{FF2B5EF4-FFF2-40B4-BE49-F238E27FC236}">
-                <a16:creationId xmlns:a16="http://schemas.microsoft.com/office/drawing/2014/main" xmlns="" id="{477D265A-8343-4C45-8DD2-C61D7837D62F}"/>
+                <a16:creationId xmlns="" xmlns:a16="http://schemas.microsoft.com/office/drawing/2014/main" id="{477D265A-8343-4C45-8DD2-C61D7837D62F}"/>
               </a:ext>
             </a:extLst>
           </p:cNvPr>
@@ -24646,6 +25785,30 @@
               </a:rPr>
               <a:t>  </a:t>
             </a:r>
+          </a:p>
+        </p:txBody>
+      </p:sp>
+      <p:sp>
+        <p:nvSpPr>
+          <p:cNvPr id="4" name="Slide Number Placeholder 3"/>
+          <p:cNvSpPr>
+            <a:spLocks noGrp="1"/>
+          </p:cNvSpPr>
+          <p:nvPr>
+            <p:ph type="sldNum" sz="quarter" idx="12"/>
+          </p:nvPr>
+        </p:nvSpPr>
+        <p:spPr/>
+        <p:txBody>
+          <a:bodyPr/>
+          <a:lstStyle/>
+          <a:p>
+            <a:fld id="{9C11CE39-2868-44A2-A0C6-827D458F7A8B}" type="slidenum">
+              <a:rPr lang="en-IN" smtClean="0"/>
+              <a:pPr/>
+              <a:t>53</a:t>
+            </a:fld>
+            <a:endParaRPr lang="en-IN"/>
           </a:p>
         </p:txBody>
       </p:sp>
@@ -25101,6 +26264,30 @@
           </a:p>
         </p:txBody>
       </p:sp>
+      <p:sp>
+        <p:nvSpPr>
+          <p:cNvPr id="2" name="Slide Number Placeholder 1"/>
+          <p:cNvSpPr>
+            <a:spLocks noGrp="1"/>
+          </p:cNvSpPr>
+          <p:nvPr>
+            <p:ph type="sldNum" sz="quarter" idx="12"/>
+          </p:nvPr>
+        </p:nvSpPr>
+        <p:spPr/>
+        <p:txBody>
+          <a:bodyPr/>
+          <a:lstStyle/>
+          <a:p>
+            <a:fld id="{9C11CE39-2868-44A2-A0C6-827D458F7A8B}" type="slidenum">
+              <a:rPr lang="en-IN" smtClean="0"/>
+              <a:pPr/>
+              <a:t>54</a:t>
+            </a:fld>
+            <a:endParaRPr lang="en-IN"/>
+          </a:p>
+        </p:txBody>
+      </p:sp>
     </p:spTree>
     <p:custDataLst>
       <p:tags r:id="rId1"/>
@@ -25246,6 +26433,30 @@
           </a:p>
         </p:txBody>
       </p:sp>
+      <p:sp>
+        <p:nvSpPr>
+          <p:cNvPr id="2" name="Slide Number Placeholder 1"/>
+          <p:cNvSpPr>
+            <a:spLocks noGrp="1"/>
+          </p:cNvSpPr>
+          <p:nvPr>
+            <p:ph type="sldNum" sz="quarter" idx="12"/>
+          </p:nvPr>
+        </p:nvSpPr>
+        <p:spPr/>
+        <p:txBody>
+          <a:bodyPr/>
+          <a:lstStyle/>
+          <a:p>
+            <a:fld id="{9C11CE39-2868-44A2-A0C6-827D458F7A8B}" type="slidenum">
+              <a:rPr lang="en-IN" smtClean="0"/>
+              <a:pPr/>
+              <a:t>55</a:t>
+            </a:fld>
+            <a:endParaRPr lang="en-IN"/>
+          </a:p>
+        </p:txBody>
+      </p:sp>
     </p:spTree>
     <p:custDataLst>
       <p:tags r:id="rId1"/>
@@ -25291,7 +26502,7 @@
           <p:cNvPr id="2" name="Title 1">
             <a:extLst>
               <a:ext uri="{FF2B5EF4-FFF2-40B4-BE49-F238E27FC236}">
-                <a16:creationId xmlns:a16="http://schemas.microsoft.com/office/drawing/2014/main" xmlns="" id="{D33415B6-04DC-4E6C-BA81-A8BFF5E1E12B}"/>
+                <a16:creationId xmlns="" xmlns:a16="http://schemas.microsoft.com/office/drawing/2014/main" id="{D33415B6-04DC-4E6C-BA81-A8BFF5E1E12B}"/>
               </a:ext>
             </a:extLst>
           </p:cNvPr>
@@ -25334,7 +26545,7 @@
           <p:cNvPr id="3" name="Content Placeholder 2">
             <a:extLst>
               <a:ext uri="{FF2B5EF4-FFF2-40B4-BE49-F238E27FC236}">
-                <a16:creationId xmlns:a16="http://schemas.microsoft.com/office/drawing/2014/main" xmlns="" id="{7076138A-B6FA-4F83-95E8-D45135F4230D}"/>
+                <a16:creationId xmlns="" xmlns:a16="http://schemas.microsoft.com/office/drawing/2014/main" id="{7076138A-B6FA-4F83-95E8-D45135F4230D}"/>
               </a:ext>
             </a:extLst>
           </p:cNvPr>
@@ -25408,6 +26619,30 @@
               <a:rPr lang="en-US" sz="2400" dirty="0"/>
               <a:t> class.</a:t>
             </a:r>
+          </a:p>
+        </p:txBody>
+      </p:sp>
+      <p:sp>
+        <p:nvSpPr>
+          <p:cNvPr id="4" name="Slide Number Placeholder 3"/>
+          <p:cNvSpPr>
+            <a:spLocks noGrp="1"/>
+          </p:cNvSpPr>
+          <p:nvPr>
+            <p:ph type="sldNum" sz="quarter" idx="12"/>
+          </p:nvPr>
+        </p:nvSpPr>
+        <p:spPr/>
+        <p:txBody>
+          <a:bodyPr/>
+          <a:lstStyle/>
+          <a:p>
+            <a:fld id="{9C11CE39-2868-44A2-A0C6-827D458F7A8B}" type="slidenum">
+              <a:rPr lang="en-IN" smtClean="0"/>
+              <a:pPr/>
+              <a:t>56</a:t>
+            </a:fld>
+            <a:endParaRPr lang="en-IN"/>
           </a:p>
         </p:txBody>
       </p:sp>
@@ -25559,6 +26794,30 @@
           </a:p>
         </p:txBody>
       </p:sp>
+      <p:sp>
+        <p:nvSpPr>
+          <p:cNvPr id="3" name="Slide Number Placeholder 2"/>
+          <p:cNvSpPr>
+            <a:spLocks noGrp="1"/>
+          </p:cNvSpPr>
+          <p:nvPr>
+            <p:ph type="sldNum" sz="quarter" idx="12"/>
+          </p:nvPr>
+        </p:nvSpPr>
+        <p:spPr/>
+        <p:txBody>
+          <a:bodyPr/>
+          <a:lstStyle/>
+          <a:p>
+            <a:fld id="{9C11CE39-2868-44A2-A0C6-827D458F7A8B}" type="slidenum">
+              <a:rPr lang="en-IN" smtClean="0"/>
+              <a:pPr/>
+              <a:t>57</a:t>
+            </a:fld>
+            <a:endParaRPr lang="en-IN"/>
+          </a:p>
+        </p:txBody>
+      </p:sp>
     </p:spTree>
     <p:custDataLst>
       <p:tags r:id="rId1"/>
@@ -25736,6 +26995,30 @@
               <a:t>Close the connection.</a:t>
             </a:r>
             <a:endParaRPr lang="en-IN" sz="2800" dirty="0" smtClean="0"/>
+          </a:p>
+        </p:txBody>
+      </p:sp>
+      <p:sp>
+        <p:nvSpPr>
+          <p:cNvPr id="2" name="Slide Number Placeholder 1"/>
+          <p:cNvSpPr>
+            <a:spLocks noGrp="1"/>
+          </p:cNvSpPr>
+          <p:nvPr>
+            <p:ph type="sldNum" sz="quarter" idx="12"/>
+          </p:nvPr>
+        </p:nvSpPr>
+        <p:spPr/>
+        <p:txBody>
+          <a:bodyPr/>
+          <a:lstStyle/>
+          <a:p>
+            <a:fld id="{9C11CE39-2868-44A2-A0C6-827D458F7A8B}" type="slidenum">
+              <a:rPr lang="en-IN" smtClean="0"/>
+              <a:pPr/>
+              <a:t>58</a:t>
+            </a:fld>
+            <a:endParaRPr lang="en-IN"/>
           </a:p>
         </p:txBody>
       </p:sp>
@@ -25955,6 +27238,30 @@
           </a:p>
         </p:txBody>
       </p:sp>
+      <p:sp>
+        <p:nvSpPr>
+          <p:cNvPr id="2" name="Slide Number Placeholder 1"/>
+          <p:cNvSpPr>
+            <a:spLocks noGrp="1"/>
+          </p:cNvSpPr>
+          <p:nvPr>
+            <p:ph type="sldNum" sz="quarter" idx="12"/>
+          </p:nvPr>
+        </p:nvSpPr>
+        <p:spPr/>
+        <p:txBody>
+          <a:bodyPr/>
+          <a:lstStyle/>
+          <a:p>
+            <a:fld id="{9C11CE39-2868-44A2-A0C6-827D458F7A8B}" type="slidenum">
+              <a:rPr lang="en-IN" smtClean="0"/>
+              <a:pPr/>
+              <a:t>59</a:t>
+            </a:fld>
+            <a:endParaRPr lang="en-IN"/>
+          </a:p>
+        </p:txBody>
+      </p:sp>
     </p:spTree>
     <p:custDataLst>
       <p:tags r:id="rId1"/>
@@ -26040,7 +27347,7 @@
           <a:graphicData uri="http://schemas.openxmlformats.org/presentationml/2006/ole">
             <mc:AlternateContent xmlns:mc="http://schemas.openxmlformats.org/markup-compatibility/2006">
               <mc:Choice xmlns:v="urn:schemas-microsoft-com:vml" Requires="v">
-                <p:oleObj spid="_x0000_s1596" name="Microsoft ClipArt Gallery" r:id="rId4" imgW="2559050" imgH="4298950" progId="MS_ClipArt_Gallery">
+                <p:oleObj spid="_x0000_s1614" name="Microsoft ClipArt Gallery" r:id="rId4" imgW="2559050" imgH="4298950" progId="MS_ClipArt_Gallery">
                   <p:embed/>
                 </p:oleObj>
               </mc:Choice>
@@ -26182,7 +27489,7 @@
           <a:graphicData uri="http://schemas.openxmlformats.org/presentationml/2006/ole">
             <mc:AlternateContent xmlns:mc="http://schemas.openxmlformats.org/markup-compatibility/2006">
               <mc:Choice xmlns:v="urn:schemas-microsoft-com:vml" Requires="v">
-                <p:oleObj spid="_x0000_s1597" name="Microsoft ClipArt Gallery" r:id="rId7" imgW="4183063" imgH="3216275" progId="MS_ClipArt_Gallery">
+                <p:oleObj spid="_x0000_s1615" name="Microsoft ClipArt Gallery" r:id="rId7" imgW="4183063" imgH="3216275" progId="MS_ClipArt_Gallery">
                   <p:embed/>
                 </p:oleObj>
               </mc:Choice>
@@ -26455,7 +27762,7 @@
           <a:graphicData uri="http://schemas.openxmlformats.org/presentationml/2006/ole">
             <mc:AlternateContent xmlns:mc="http://schemas.openxmlformats.org/markup-compatibility/2006">
               <mc:Choice xmlns:v="urn:schemas-microsoft-com:vml" Requires="v">
-                <p:oleObj spid="_x0000_s1598" name="Microsoft ClipArt Gallery" r:id="rId9" imgW="4183063" imgH="3216275" progId="MS_ClipArt_Gallery">
+                <p:oleObj spid="_x0000_s1616" name="Microsoft ClipArt Gallery" r:id="rId9" imgW="4183063" imgH="3216275" progId="MS_ClipArt_Gallery">
                   <p:embed/>
                 </p:oleObj>
               </mc:Choice>
@@ -26554,7 +27861,7 @@
           <a:graphicData uri="http://schemas.openxmlformats.org/presentationml/2006/ole">
             <mc:AlternateContent xmlns:mc="http://schemas.openxmlformats.org/markup-compatibility/2006">
               <mc:Choice xmlns:v="urn:schemas-microsoft-com:vml" Requires="v">
-                <p:oleObj spid="_x0000_s1599" name="Microsoft ClipArt Gallery" r:id="rId10" imgW="2559050" imgH="4298950" progId="MS_ClipArt_Gallery">
+                <p:oleObj spid="_x0000_s1617" name="Microsoft ClipArt Gallery" r:id="rId10" imgW="2559050" imgH="4298950" progId="MS_ClipArt_Gallery">
                   <p:embed/>
                 </p:oleObj>
               </mc:Choice>
@@ -26653,7 +27960,7 @@
           <a:graphicData uri="http://schemas.openxmlformats.org/presentationml/2006/ole">
             <mc:AlternateContent xmlns:mc="http://schemas.openxmlformats.org/markup-compatibility/2006">
               <mc:Choice xmlns:v="urn:schemas-microsoft-com:vml" Requires="v">
-                <p:oleObj spid="_x0000_s1600" name="Microsoft ClipArt Gallery" r:id="rId11" imgW="4548188" imgH="3284538" progId="MS_ClipArt_Gallery">
+                <p:oleObj spid="_x0000_s1618" name="Microsoft ClipArt Gallery" r:id="rId11" imgW="4548188" imgH="3284538" progId="MS_ClipArt_Gallery">
                   <p:embed/>
                 </p:oleObj>
               </mc:Choice>
@@ -27021,7 +28328,7 @@
           <a:graphicData uri="http://schemas.openxmlformats.org/presentationml/2006/ole">
             <mc:AlternateContent xmlns:mc="http://schemas.openxmlformats.org/markup-compatibility/2006">
               <mc:Choice xmlns:v="urn:schemas-microsoft-com:vml" Requires="v">
-                <p:oleObj spid="_x0000_s1601" name="CorelDRAW!" r:id="rId13" imgW="1255713" imgH="503238" progId="CDraw5">
+                <p:oleObj spid="_x0000_s1619" name="CorelDRAW!" r:id="rId13" imgW="1255713" imgH="503238" progId="CDraw5">
                   <p:embed/>
                 </p:oleObj>
               </mc:Choice>
@@ -31742,6 +33049,30 @@
           </a:p>
         </p:txBody>
       </p:sp>
+      <p:sp>
+        <p:nvSpPr>
+          <p:cNvPr id="3" name="Slide Number Placeholder 2"/>
+          <p:cNvSpPr>
+            <a:spLocks noGrp="1"/>
+          </p:cNvSpPr>
+          <p:nvPr>
+            <p:ph type="sldNum" sz="quarter" idx="12"/>
+          </p:nvPr>
+        </p:nvSpPr>
+        <p:spPr/>
+        <p:txBody>
+          <a:bodyPr/>
+          <a:lstStyle/>
+          <a:p>
+            <a:fld id="{9C11CE39-2868-44A2-A0C6-827D458F7A8B}" type="slidenum">
+              <a:rPr lang="en-IN" smtClean="0"/>
+              <a:pPr/>
+              <a:t>6</a:t>
+            </a:fld>
+            <a:endParaRPr lang="en-IN"/>
+          </a:p>
+        </p:txBody>
+      </p:sp>
     </p:spTree>
     <p:custDataLst>
       <p:tags r:id="rId2"/>
@@ -31784,7 +33115,7 @@
       </p:grpSpPr>
       <p:sp>
         <p:nvSpPr>
-          <p:cNvPr id="4" name="Title 1"/>
+          <p:cNvPr id="2" name="Title 1"/>
           <p:cNvSpPr>
             <a:spLocks noGrp="1"/>
           </p:cNvSpPr>
@@ -31792,24 +33123,32 @@
             <p:ph type="title"/>
           </p:nvPr>
         </p:nvSpPr>
-        <p:spPr/>
+        <p:spPr>
+          <a:xfrm>
+            <a:off x="252918" y="1123837"/>
+            <a:ext cx="3145601" cy="4601183"/>
+          </a:xfrm>
+        </p:spPr>
         <p:txBody>
           <a:bodyPr/>
           <a:lstStyle/>
           <a:p>
             <a:r>
-              <a:rPr lang="en-US" dirty="0" smtClean="0"/>
-              <a:t>Example</a:t>
-            </a:r>
-            <a:endParaRPr lang="en-IN" dirty="0" smtClean="0"/>
+              <a:rPr lang="en-US" dirty="0" err="1"/>
+              <a:t>URLConnection</a:t>
+            </a:r>
+            <a:r>
+              <a:rPr lang="en-US" dirty="0"/>
+              <a:t> Example</a:t>
+            </a:r>
           </a:p>
         </p:txBody>
       </p:sp>
       <p:sp>
         <p:nvSpPr>
-          <p:cNvPr id="5" name="Content Placeholder 2"/>
+          <p:cNvPr id="4" name="Rectangle 3"/>
           <p:cNvSpPr>
-            <a:spLocks noGrp="1"/>
+            <a:spLocks noGrp="1" noChangeArrowheads="1"/>
           </p:cNvSpPr>
           <p:nvPr>
             <p:ph idx="1"/>
@@ -31817,12 +33156,9 @@
         </p:nvSpPr>
         <p:spPr>
           <a:xfrm>
-            <a:off x="3459480" y="1"/>
-            <a:ext cx="8732520" cy="6858000"/>
+            <a:off x="3869268" y="864108"/>
+            <a:ext cx="8139852" cy="5120640"/>
           </a:xfrm>
-          <a:solidFill>
-            <a:schemeClr val="bg1"/>
-          </a:solidFill>
         </p:spPr>
         <p:txBody>
           <a:bodyPr>
@@ -31830,867 +33166,491 @@
           </a:bodyPr>
           <a:lstStyle/>
           <a:p>
-            <a:pPr marL="0" indent="0">
+            <a:pPr>
               <a:lnSpc>
-                <a:spcPct val="100000"/>
+                <a:spcPct val="80000"/>
               </a:lnSpc>
-              <a:spcBef>
-                <a:spcPts val="0"/>
-              </a:spcBef>
-              <a:buFont typeface="Arial" charset="0"/>
+              <a:buFont typeface="Wingdings" pitchFamily="2" charset="2"/>
               <a:buNone/>
             </a:pPr>
             <a:r>
-              <a:rPr lang="en-US" sz="1800" b="1" dirty="0" smtClean="0">
-                <a:latin typeface="Courier New" pitchFamily="49" charset="0"/>
-                <a:cs typeface="Courier New" pitchFamily="49" charset="0"/>
-              </a:rPr>
-              <a:t>public class SourceViewer2 {</a:t>
-            </a:r>
-            <a:endParaRPr lang="en-IN" sz="1800" b="1" dirty="0" smtClean="0">
+              <a:rPr lang="en-US" sz="1600" b="1" dirty="0" smtClean="0">
+                <a:latin typeface="Courier New" pitchFamily="49" charset="0"/>
+                <a:cs typeface="Courier New" pitchFamily="49" charset="0"/>
+              </a:rPr>
+              <a:t>import java.net.*;</a:t>
+            </a:r>
+          </a:p>
+          <a:p>
+            <a:pPr>
+              <a:lnSpc>
+                <a:spcPct val="80000"/>
+              </a:lnSpc>
+              <a:buFont typeface="Wingdings" pitchFamily="2" charset="2"/>
+              <a:buNone/>
+            </a:pPr>
+            <a:r>
+              <a:rPr lang="en-US" sz="1600" b="1" dirty="0" smtClean="0">
+                <a:latin typeface="Courier New" pitchFamily="49" charset="0"/>
+                <a:cs typeface="Courier New" pitchFamily="49" charset="0"/>
+              </a:rPr>
+              <a:t>import java.io.*;</a:t>
+            </a:r>
+          </a:p>
+          <a:p>
+            <a:pPr>
+              <a:lnSpc>
+                <a:spcPct val="80000"/>
+              </a:lnSpc>
+              <a:buFont typeface="Wingdings" pitchFamily="2" charset="2"/>
+              <a:buNone/>
+            </a:pPr>
+            <a:r>
+              <a:rPr lang="en-US" sz="1600" b="1" dirty="0" smtClean="0">
+                <a:latin typeface="Courier New" pitchFamily="49" charset="0"/>
+                <a:cs typeface="Courier New" pitchFamily="49" charset="0"/>
+              </a:rPr>
+              <a:t>public class </a:t>
+            </a:r>
+            <a:r>
+              <a:rPr lang="en-US" sz="1600" b="1" dirty="0" err="1" smtClean="0">
+                <a:latin typeface="Courier New" pitchFamily="49" charset="0"/>
+                <a:cs typeface="Courier New" pitchFamily="49" charset="0"/>
+              </a:rPr>
+              <a:t>URLConnectionReader</a:t>
+            </a:r>
+            <a:r>
+              <a:rPr lang="en-US" sz="1600" b="1" dirty="0" smtClean="0">
+                <a:latin typeface="Courier New" pitchFamily="49" charset="0"/>
+                <a:cs typeface="Courier New" pitchFamily="49" charset="0"/>
+              </a:rPr>
+              <a:t> {</a:t>
+            </a:r>
+          </a:p>
+          <a:p>
+            <a:pPr>
+              <a:lnSpc>
+                <a:spcPct val="80000"/>
+              </a:lnSpc>
+              <a:buFont typeface="Wingdings" pitchFamily="2" charset="2"/>
+              <a:buNone/>
+            </a:pPr>
+            <a:r>
+              <a:rPr lang="en-US" sz="1600" b="1" dirty="0" smtClean="0">
+                <a:latin typeface="Courier New" pitchFamily="49" charset="0"/>
+                <a:cs typeface="Courier New" pitchFamily="49" charset="0"/>
+              </a:rPr>
+              <a:t>    public static void main(String[] </a:t>
+            </a:r>
+            <a:r>
+              <a:rPr lang="en-US" sz="1600" b="1" dirty="0" err="1" smtClean="0">
+                <a:latin typeface="Courier New" pitchFamily="49" charset="0"/>
+                <a:cs typeface="Courier New" pitchFamily="49" charset="0"/>
+              </a:rPr>
+              <a:t>args</a:t>
+            </a:r>
+            <a:r>
+              <a:rPr lang="en-US" sz="1600" b="1" dirty="0" smtClean="0">
+                <a:latin typeface="Courier New" pitchFamily="49" charset="0"/>
+                <a:cs typeface="Courier New" pitchFamily="49" charset="0"/>
+              </a:rPr>
+              <a:t>) throws Exception {</a:t>
+            </a:r>
+          </a:p>
+          <a:p>
+            <a:pPr>
+              <a:lnSpc>
+                <a:spcPct val="80000"/>
+              </a:lnSpc>
+              <a:buFont typeface="Wingdings" pitchFamily="2" charset="2"/>
+              <a:buNone/>
+            </a:pPr>
+            <a:r>
+              <a:rPr lang="en-US" sz="1600" b="1" dirty="0" smtClean="0">
+                <a:latin typeface="Courier New" pitchFamily="49" charset="0"/>
+                <a:cs typeface="Courier New" pitchFamily="49" charset="0"/>
+              </a:rPr>
+              <a:t>        URL yahoo = new URL("http://www.yahoo.com/");</a:t>
+            </a:r>
+          </a:p>
+          <a:p>
+            <a:pPr>
+              <a:lnSpc>
+                <a:spcPct val="80000"/>
+              </a:lnSpc>
+              <a:buFont typeface="Wingdings" pitchFamily="2" charset="2"/>
+              <a:buNone/>
+            </a:pPr>
+            <a:r>
+              <a:rPr lang="en-US" sz="1600" b="1" dirty="0" smtClean="0">
+                <a:latin typeface="Courier New" pitchFamily="49" charset="0"/>
+                <a:cs typeface="Courier New" pitchFamily="49" charset="0"/>
+              </a:rPr>
+              <a:t>        </a:t>
+            </a:r>
+            <a:r>
+              <a:rPr lang="en-US" sz="1600" b="1" dirty="0" err="1" smtClean="0">
+                <a:latin typeface="Courier New" pitchFamily="49" charset="0"/>
+                <a:cs typeface="Courier New" pitchFamily="49" charset="0"/>
+              </a:rPr>
+              <a:t>URLConnection</a:t>
+            </a:r>
+            <a:r>
+              <a:rPr lang="en-US" sz="1600" b="1" dirty="0" smtClean="0">
+                <a:latin typeface="Courier New" pitchFamily="49" charset="0"/>
+                <a:cs typeface="Courier New" pitchFamily="49" charset="0"/>
+              </a:rPr>
+              <a:t> </a:t>
+            </a:r>
+            <a:r>
+              <a:rPr lang="en-US" sz="1600" b="1" dirty="0" err="1" smtClean="0">
+                <a:latin typeface="Courier New" pitchFamily="49" charset="0"/>
+                <a:cs typeface="Courier New" pitchFamily="49" charset="0"/>
+              </a:rPr>
+              <a:t>yc</a:t>
+            </a:r>
+            <a:r>
+              <a:rPr lang="en-US" sz="1600" b="1" dirty="0" smtClean="0">
+                <a:latin typeface="Courier New" pitchFamily="49" charset="0"/>
+                <a:cs typeface="Courier New" pitchFamily="49" charset="0"/>
+              </a:rPr>
+              <a:t> = </a:t>
+            </a:r>
+            <a:r>
+              <a:rPr lang="en-US" sz="1600" b="1" dirty="0" err="1" smtClean="0">
+                <a:latin typeface="Courier New" pitchFamily="49" charset="0"/>
+                <a:cs typeface="Courier New" pitchFamily="49" charset="0"/>
+              </a:rPr>
+              <a:t>yahoo.openConnection</a:t>
+            </a:r>
+            <a:r>
+              <a:rPr lang="en-US" sz="1600" b="1" dirty="0" smtClean="0">
+                <a:latin typeface="Courier New" pitchFamily="49" charset="0"/>
+                <a:cs typeface="Courier New" pitchFamily="49" charset="0"/>
+              </a:rPr>
+              <a:t>();</a:t>
+            </a:r>
+          </a:p>
+          <a:p>
+            <a:pPr>
+              <a:lnSpc>
+                <a:spcPct val="80000"/>
+              </a:lnSpc>
+              <a:buFont typeface="Wingdings" pitchFamily="2" charset="2"/>
+              <a:buNone/>
+            </a:pPr>
+            <a:r>
+              <a:rPr lang="en-US" sz="1600" b="1" dirty="0" smtClean="0">
+                <a:latin typeface="Courier New" pitchFamily="49" charset="0"/>
+                <a:cs typeface="Courier New" pitchFamily="49" charset="0"/>
+              </a:rPr>
+              <a:t>        </a:t>
+            </a:r>
+            <a:r>
+              <a:rPr lang="en-US" sz="1600" b="1" dirty="0" err="1" smtClean="0">
+                <a:latin typeface="Courier New" pitchFamily="49" charset="0"/>
+                <a:cs typeface="Courier New" pitchFamily="49" charset="0"/>
+              </a:rPr>
+              <a:t>BufferedReader</a:t>
+            </a:r>
+            <a:r>
+              <a:rPr lang="en-US" sz="1600" b="1" dirty="0" smtClean="0">
+                <a:latin typeface="Courier New" pitchFamily="49" charset="0"/>
+                <a:cs typeface="Courier New" pitchFamily="49" charset="0"/>
+              </a:rPr>
+              <a:t> in = new </a:t>
+            </a:r>
+            <a:r>
+              <a:rPr lang="en-US" sz="1600" b="1" dirty="0" err="1" smtClean="0">
+                <a:latin typeface="Courier New" pitchFamily="49" charset="0"/>
+                <a:cs typeface="Courier New" pitchFamily="49" charset="0"/>
+              </a:rPr>
+              <a:t>BufferedReader</a:t>
+            </a:r>
+            <a:r>
+              <a:rPr lang="en-US" sz="1600" b="1" dirty="0" smtClean="0">
+                <a:latin typeface="Courier New" pitchFamily="49" charset="0"/>
+                <a:cs typeface="Courier New" pitchFamily="49" charset="0"/>
+              </a:rPr>
+              <a:t>(</a:t>
+            </a:r>
+          </a:p>
+          <a:p>
+            <a:pPr>
+              <a:lnSpc>
+                <a:spcPct val="80000"/>
+              </a:lnSpc>
+              <a:buFont typeface="Wingdings" pitchFamily="2" charset="2"/>
+              <a:buNone/>
+            </a:pPr>
+            <a:r>
+              <a:rPr lang="en-US" sz="1600" b="1" dirty="0" smtClean="0">
+                <a:latin typeface="Courier New" pitchFamily="49" charset="0"/>
+                <a:cs typeface="Courier New" pitchFamily="49" charset="0"/>
+              </a:rPr>
+              <a:t>                                new </a:t>
+            </a:r>
+            <a:r>
+              <a:rPr lang="en-US" sz="1600" b="1" dirty="0" err="1" smtClean="0">
+                <a:latin typeface="Courier New" pitchFamily="49" charset="0"/>
+                <a:cs typeface="Courier New" pitchFamily="49" charset="0"/>
+              </a:rPr>
+              <a:t>InputStreamReader</a:t>
+            </a:r>
+            <a:r>
+              <a:rPr lang="en-US" sz="1600" b="1" dirty="0" smtClean="0">
+                <a:latin typeface="Courier New" pitchFamily="49" charset="0"/>
+                <a:cs typeface="Courier New" pitchFamily="49" charset="0"/>
+              </a:rPr>
+              <a:t>(</a:t>
+            </a:r>
+          </a:p>
+          <a:p>
+            <a:pPr>
+              <a:lnSpc>
+                <a:spcPct val="80000"/>
+              </a:lnSpc>
+              <a:buFont typeface="Wingdings" pitchFamily="2" charset="2"/>
+              <a:buNone/>
+            </a:pPr>
+            <a:r>
+              <a:rPr lang="en-US" sz="1600" b="1" dirty="0" smtClean="0">
+                <a:latin typeface="Courier New" pitchFamily="49" charset="0"/>
+                <a:cs typeface="Courier New" pitchFamily="49" charset="0"/>
+              </a:rPr>
+              <a:t>                                </a:t>
+            </a:r>
+            <a:r>
+              <a:rPr lang="en-US" sz="1600" b="1" dirty="0" err="1" smtClean="0">
+                <a:latin typeface="Courier New" pitchFamily="49" charset="0"/>
+                <a:cs typeface="Courier New" pitchFamily="49" charset="0"/>
+              </a:rPr>
+              <a:t>yc.getInputStream</a:t>
+            </a:r>
+            <a:r>
+              <a:rPr lang="en-US" sz="1600" b="1" dirty="0" smtClean="0">
+                <a:latin typeface="Courier New" pitchFamily="49" charset="0"/>
+                <a:cs typeface="Courier New" pitchFamily="49" charset="0"/>
+              </a:rPr>
+              <a:t>()));</a:t>
+            </a:r>
+          </a:p>
+          <a:p>
+            <a:pPr>
+              <a:lnSpc>
+                <a:spcPct val="80000"/>
+              </a:lnSpc>
+              <a:buFont typeface="Wingdings" pitchFamily="2" charset="2"/>
+              <a:buNone/>
+            </a:pPr>
+            <a:r>
+              <a:rPr lang="en-US" sz="1600" b="1" dirty="0" smtClean="0">
+                <a:latin typeface="Courier New" pitchFamily="49" charset="0"/>
+                <a:cs typeface="Courier New" pitchFamily="49" charset="0"/>
+              </a:rPr>
+              <a:t>        String </a:t>
+            </a:r>
+            <a:r>
+              <a:rPr lang="en-US" sz="1600" b="1" dirty="0" err="1" smtClean="0">
+                <a:latin typeface="Courier New" pitchFamily="49" charset="0"/>
+                <a:cs typeface="Courier New" pitchFamily="49" charset="0"/>
+              </a:rPr>
+              <a:t>inputLine</a:t>
+            </a:r>
+            <a:r>
+              <a:rPr lang="en-US" sz="1600" b="1" dirty="0" smtClean="0">
+                <a:latin typeface="Courier New" pitchFamily="49" charset="0"/>
+                <a:cs typeface="Courier New" pitchFamily="49" charset="0"/>
+              </a:rPr>
+              <a:t>;</a:t>
+            </a:r>
+          </a:p>
+          <a:p>
+            <a:pPr>
+              <a:lnSpc>
+                <a:spcPct val="80000"/>
+              </a:lnSpc>
+              <a:buFont typeface="Wingdings" pitchFamily="2" charset="2"/>
+              <a:buNone/>
+            </a:pPr>
+            <a:endParaRPr lang="en-US" sz="1600" b="1" dirty="0" smtClean="0">
               <a:latin typeface="Courier New" pitchFamily="49" charset="0"/>
               <a:cs typeface="Courier New" pitchFamily="49" charset="0"/>
             </a:endParaRPr>
           </a:p>
           <a:p>
-            <a:pPr marL="0" indent="0">
+            <a:pPr>
               <a:lnSpc>
-                <a:spcPct val="100000"/>
+                <a:spcPct val="80000"/>
               </a:lnSpc>
-              <a:spcBef>
-                <a:spcPts val="0"/>
-              </a:spcBef>
-              <a:buFont typeface="Arial" charset="0"/>
+              <a:buFont typeface="Wingdings" pitchFamily="2" charset="2"/>
               <a:buNone/>
             </a:pPr>
             <a:r>
-              <a:rPr lang="en-US" sz="1800" b="1" dirty="0" smtClean="0">
-                <a:latin typeface="Courier New" pitchFamily="49" charset="0"/>
-                <a:cs typeface="Courier New" pitchFamily="49" charset="0"/>
-              </a:rPr>
-              <a:t>  public static void main (String[] </a:t>
-            </a:r>
-            <a:r>
-              <a:rPr lang="en-US" sz="1800" b="1" dirty="0" err="1" smtClean="0">
-                <a:latin typeface="Courier New" pitchFamily="49" charset="0"/>
-                <a:cs typeface="Courier New" pitchFamily="49" charset="0"/>
-              </a:rPr>
-              <a:t>args</a:t>
-            </a:r>
-            <a:r>
-              <a:rPr lang="en-US" sz="1800" b="1" dirty="0" smtClean="0">
-                <a:latin typeface="Courier New" pitchFamily="49" charset="0"/>
-                <a:cs typeface="Courier New" pitchFamily="49" charset="0"/>
-              </a:rPr>
-              <a:t>) {</a:t>
-            </a:r>
-            <a:endParaRPr lang="en-IN" sz="1800" b="1" dirty="0" smtClean="0">
-              <a:latin typeface="Courier New" pitchFamily="49" charset="0"/>
-              <a:cs typeface="Courier New" pitchFamily="49" charset="0"/>
-            </a:endParaRPr>
-          </a:p>
-          <a:p>
-            <a:pPr marL="0" indent="0">
+              <a:rPr lang="en-US" sz="1600" b="1" dirty="0" smtClean="0">
+                <a:latin typeface="Courier New" pitchFamily="49" charset="0"/>
+                <a:cs typeface="Courier New" pitchFamily="49" charset="0"/>
+              </a:rPr>
+              <a:t>        while ((</a:t>
+            </a:r>
+            <a:r>
+              <a:rPr lang="en-US" sz="1600" b="1" dirty="0" err="1" smtClean="0">
+                <a:latin typeface="Courier New" pitchFamily="49" charset="0"/>
+                <a:cs typeface="Courier New" pitchFamily="49" charset="0"/>
+              </a:rPr>
+              <a:t>inputLine</a:t>
+            </a:r>
+            <a:r>
+              <a:rPr lang="en-US" sz="1600" b="1" dirty="0" smtClean="0">
+                <a:latin typeface="Courier New" pitchFamily="49" charset="0"/>
+                <a:cs typeface="Courier New" pitchFamily="49" charset="0"/>
+              </a:rPr>
+              <a:t> = </a:t>
+            </a:r>
+            <a:r>
+              <a:rPr lang="en-US" sz="1600" b="1" dirty="0" err="1" smtClean="0">
+                <a:latin typeface="Courier New" pitchFamily="49" charset="0"/>
+                <a:cs typeface="Courier New" pitchFamily="49" charset="0"/>
+              </a:rPr>
+              <a:t>in.readLine</a:t>
+            </a:r>
+            <a:r>
+              <a:rPr lang="en-US" sz="1600" b="1" dirty="0" smtClean="0">
+                <a:latin typeface="Courier New" pitchFamily="49" charset="0"/>
+                <a:cs typeface="Courier New" pitchFamily="49" charset="0"/>
+              </a:rPr>
+              <a:t>()) != null) </a:t>
+            </a:r>
+          </a:p>
+          <a:p>
+            <a:pPr>
               <a:lnSpc>
-                <a:spcPct val="100000"/>
+                <a:spcPct val="80000"/>
               </a:lnSpc>
-              <a:spcBef>
-                <a:spcPts val="0"/>
-              </a:spcBef>
-              <a:buFont typeface="Arial" charset="0"/>
+              <a:buFont typeface="Wingdings" pitchFamily="2" charset="2"/>
               <a:buNone/>
             </a:pPr>
             <a:r>
-              <a:rPr lang="en-US" sz="1800" dirty="0" smtClean="0">
-                <a:latin typeface="Courier New" pitchFamily="49" charset="0"/>
-                <a:cs typeface="Courier New" pitchFamily="49" charset="0"/>
-              </a:rPr>
-              <a:t>    if  (</a:t>
-            </a:r>
-            <a:r>
-              <a:rPr lang="en-US" sz="1800" dirty="0" err="1" smtClean="0">
-                <a:latin typeface="Courier New" pitchFamily="49" charset="0"/>
-                <a:cs typeface="Courier New" pitchFamily="49" charset="0"/>
-              </a:rPr>
-              <a:t>args.length</a:t>
-            </a:r>
-            <a:r>
-              <a:rPr lang="en-US" sz="1800" dirty="0" smtClean="0">
-                <a:latin typeface="Courier New" pitchFamily="49" charset="0"/>
-                <a:cs typeface="Courier New" pitchFamily="49" charset="0"/>
-              </a:rPr>
-              <a:t> &gt; 0) {</a:t>
-            </a:r>
-            <a:endParaRPr lang="en-IN" sz="1800" dirty="0" smtClean="0">
-              <a:latin typeface="Courier New" pitchFamily="49" charset="0"/>
-              <a:cs typeface="Courier New" pitchFamily="49" charset="0"/>
-            </a:endParaRPr>
-          </a:p>
-          <a:p>
-            <a:pPr marL="0" indent="0">
+              <a:rPr lang="en-US" sz="1600" b="1" dirty="0" smtClean="0">
+                <a:latin typeface="Courier New" pitchFamily="49" charset="0"/>
+                <a:cs typeface="Courier New" pitchFamily="49" charset="0"/>
+              </a:rPr>
+              <a:t>            </a:t>
+            </a:r>
+            <a:r>
+              <a:rPr lang="en-US" sz="1600" b="1" dirty="0" err="1" smtClean="0">
+                <a:latin typeface="Courier New" pitchFamily="49" charset="0"/>
+                <a:cs typeface="Courier New" pitchFamily="49" charset="0"/>
+              </a:rPr>
+              <a:t>System.out.println</a:t>
+            </a:r>
+            <a:r>
+              <a:rPr lang="en-US" sz="1600" b="1" dirty="0" smtClean="0">
+                <a:latin typeface="Courier New" pitchFamily="49" charset="0"/>
+                <a:cs typeface="Courier New" pitchFamily="49" charset="0"/>
+              </a:rPr>
+              <a:t>(</a:t>
+            </a:r>
+            <a:r>
+              <a:rPr lang="en-US" sz="1600" b="1" dirty="0" err="1" smtClean="0">
+                <a:latin typeface="Courier New" pitchFamily="49" charset="0"/>
+                <a:cs typeface="Courier New" pitchFamily="49" charset="0"/>
+              </a:rPr>
+              <a:t>inputLine</a:t>
+            </a:r>
+            <a:r>
+              <a:rPr lang="en-US" sz="1600" b="1" dirty="0" smtClean="0">
+                <a:latin typeface="Courier New" pitchFamily="49" charset="0"/>
+                <a:cs typeface="Courier New" pitchFamily="49" charset="0"/>
+              </a:rPr>
+              <a:t>);</a:t>
+            </a:r>
+          </a:p>
+          <a:p>
+            <a:pPr>
               <a:lnSpc>
-                <a:spcPct val="100000"/>
+                <a:spcPct val="80000"/>
               </a:lnSpc>
-              <a:spcBef>
-                <a:spcPts val="0"/>
-              </a:spcBef>
-              <a:buFont typeface="Arial" charset="0"/>
+              <a:buFont typeface="Wingdings" pitchFamily="2" charset="2"/>
               <a:buNone/>
             </a:pPr>
             <a:r>
-              <a:rPr lang="en-US" sz="1800" dirty="0" smtClean="0">
-                <a:latin typeface="Courier New" pitchFamily="49" charset="0"/>
-                <a:cs typeface="Courier New" pitchFamily="49" charset="0"/>
-              </a:rPr>
-              <a:t>      try {</a:t>
-            </a:r>
-            <a:endParaRPr lang="en-IN" sz="1800" dirty="0" smtClean="0">
-              <a:latin typeface="Courier New" pitchFamily="49" charset="0"/>
-              <a:cs typeface="Courier New" pitchFamily="49" charset="0"/>
-            </a:endParaRPr>
-          </a:p>
-          <a:p>
-            <a:pPr marL="0" indent="0">
+              <a:rPr lang="en-US" sz="1600" b="1" dirty="0" smtClean="0">
+                <a:latin typeface="Courier New" pitchFamily="49" charset="0"/>
+                <a:cs typeface="Courier New" pitchFamily="49" charset="0"/>
+              </a:rPr>
+              <a:t>        </a:t>
+            </a:r>
+            <a:r>
+              <a:rPr lang="en-US" sz="1600" b="1" dirty="0" err="1" smtClean="0">
+                <a:latin typeface="Courier New" pitchFamily="49" charset="0"/>
+                <a:cs typeface="Courier New" pitchFamily="49" charset="0"/>
+              </a:rPr>
+              <a:t>in.close</a:t>
+            </a:r>
+            <a:r>
+              <a:rPr lang="en-US" sz="1600" b="1" dirty="0" smtClean="0">
+                <a:latin typeface="Courier New" pitchFamily="49" charset="0"/>
+                <a:cs typeface="Courier New" pitchFamily="49" charset="0"/>
+              </a:rPr>
+              <a:t>();</a:t>
+            </a:r>
+          </a:p>
+          <a:p>
+            <a:pPr>
               <a:lnSpc>
-                <a:spcPct val="100000"/>
+                <a:spcPct val="80000"/>
               </a:lnSpc>
-              <a:spcBef>
-                <a:spcPts val="0"/>
-              </a:spcBef>
-              <a:buFont typeface="Arial" charset="0"/>
+              <a:buFont typeface="Wingdings" pitchFamily="2" charset="2"/>
               <a:buNone/>
             </a:pPr>
             <a:r>
-              <a:rPr lang="en-US" sz="1800" dirty="0" smtClean="0">
-                <a:latin typeface="Courier New" pitchFamily="49" charset="0"/>
-                <a:cs typeface="Courier New" pitchFamily="49" charset="0"/>
-              </a:rPr>
-              <a:t>        //Open the </a:t>
-            </a:r>
-            <a:r>
-              <a:rPr lang="en-US" sz="1800" dirty="0" err="1" smtClean="0">
-                <a:latin typeface="Courier New" pitchFamily="49" charset="0"/>
-                <a:cs typeface="Courier New" pitchFamily="49" charset="0"/>
-              </a:rPr>
-              <a:t>URLConnection</a:t>
-            </a:r>
-            <a:r>
-              <a:rPr lang="en-US" sz="1800" dirty="0" smtClean="0">
-                <a:latin typeface="Courier New" pitchFamily="49" charset="0"/>
-                <a:cs typeface="Courier New" pitchFamily="49" charset="0"/>
-              </a:rPr>
-              <a:t> for reading</a:t>
-            </a:r>
-            <a:endParaRPr lang="en-IN" sz="1800" dirty="0" smtClean="0">
-              <a:latin typeface="Courier New" pitchFamily="49" charset="0"/>
-              <a:cs typeface="Courier New" pitchFamily="49" charset="0"/>
-            </a:endParaRPr>
-          </a:p>
-          <a:p>
-            <a:pPr marL="0" indent="0">
+              <a:rPr lang="en-US" sz="1600" b="1" dirty="0" smtClean="0">
+                <a:latin typeface="Courier New" pitchFamily="49" charset="0"/>
+                <a:cs typeface="Courier New" pitchFamily="49" charset="0"/>
+              </a:rPr>
+              <a:t>    }</a:t>
+            </a:r>
+          </a:p>
+          <a:p>
+            <a:pPr>
               <a:lnSpc>
-                <a:spcPct val="100000"/>
+                <a:spcPct val="80000"/>
               </a:lnSpc>
-              <a:spcBef>
-                <a:spcPts val="0"/>
-              </a:spcBef>
-              <a:buFont typeface="Arial" charset="0"/>
+              <a:buFont typeface="Wingdings" pitchFamily="2" charset="2"/>
               <a:buNone/>
             </a:pPr>
             <a:r>
-              <a:rPr lang="en-US" sz="1800" dirty="0" smtClean="0">
-                <a:latin typeface="Courier New" pitchFamily="49" charset="0"/>
-                <a:cs typeface="Courier New" pitchFamily="49" charset="0"/>
-              </a:rPr>
-              <a:t>        URL u = new URL(</a:t>
-            </a:r>
-            <a:r>
-              <a:rPr lang="en-US" sz="1800" dirty="0" err="1" smtClean="0">
-                <a:latin typeface="Courier New" pitchFamily="49" charset="0"/>
-                <a:cs typeface="Courier New" pitchFamily="49" charset="0"/>
-              </a:rPr>
-              <a:t>args</a:t>
-            </a:r>
-            <a:r>
-              <a:rPr lang="en-US" sz="1800" dirty="0" smtClean="0">
-                <a:latin typeface="Courier New" pitchFamily="49" charset="0"/>
-                <a:cs typeface="Courier New" pitchFamily="49" charset="0"/>
-              </a:rPr>
-              <a:t>[0]);</a:t>
-            </a:r>
-            <a:endParaRPr lang="en-IN" sz="1800" dirty="0" smtClean="0">
-              <a:latin typeface="Courier New" pitchFamily="49" charset="0"/>
-              <a:cs typeface="Courier New" pitchFamily="49" charset="0"/>
-            </a:endParaRPr>
-          </a:p>
-          <a:p>
-            <a:pPr marL="0" indent="0">
-              <a:lnSpc>
-                <a:spcPct val="100000"/>
-              </a:lnSpc>
-              <a:spcBef>
-                <a:spcPts val="0"/>
-              </a:spcBef>
-              <a:buFont typeface="Arial" charset="0"/>
-              <a:buNone/>
-            </a:pPr>
-            <a:r>
-              <a:rPr lang="en-US" sz="1800" dirty="0" smtClean="0">
-                <a:latin typeface="Courier New" pitchFamily="49" charset="0"/>
-                <a:cs typeface="Courier New" pitchFamily="49" charset="0"/>
-              </a:rPr>
-              <a:t>        </a:t>
-            </a:r>
-            <a:r>
-              <a:rPr lang="en-US" sz="1800" dirty="0" err="1" smtClean="0">
-                <a:latin typeface="Courier New" pitchFamily="49" charset="0"/>
-                <a:cs typeface="Courier New" pitchFamily="49" charset="0"/>
-              </a:rPr>
-              <a:t>URLConnection</a:t>
-            </a:r>
-            <a:r>
-              <a:rPr lang="en-US" sz="1800" dirty="0" smtClean="0">
-                <a:latin typeface="Courier New" pitchFamily="49" charset="0"/>
-                <a:cs typeface="Courier New" pitchFamily="49" charset="0"/>
-              </a:rPr>
-              <a:t> </a:t>
-            </a:r>
-            <a:r>
-              <a:rPr lang="en-US" sz="1800" dirty="0" err="1" smtClean="0">
-                <a:latin typeface="Courier New" pitchFamily="49" charset="0"/>
-                <a:cs typeface="Courier New" pitchFamily="49" charset="0"/>
-              </a:rPr>
-              <a:t>uc</a:t>
-            </a:r>
-            <a:r>
-              <a:rPr lang="en-US" sz="1800" dirty="0" smtClean="0">
-                <a:latin typeface="Courier New" pitchFamily="49" charset="0"/>
-                <a:cs typeface="Courier New" pitchFamily="49" charset="0"/>
-              </a:rPr>
-              <a:t> = </a:t>
-            </a:r>
-            <a:r>
-              <a:rPr lang="en-US" sz="1800" dirty="0" err="1" smtClean="0">
-                <a:latin typeface="Courier New" pitchFamily="49" charset="0"/>
-                <a:cs typeface="Courier New" pitchFamily="49" charset="0"/>
-              </a:rPr>
-              <a:t>u.openConnection</a:t>
-            </a:r>
-            <a:r>
-              <a:rPr lang="en-US" sz="1800" dirty="0" smtClean="0">
-                <a:latin typeface="Courier New" pitchFamily="49" charset="0"/>
-                <a:cs typeface="Courier New" pitchFamily="49" charset="0"/>
-              </a:rPr>
-              <a:t>( );</a:t>
-            </a:r>
-            <a:endParaRPr lang="en-IN" sz="1800" dirty="0" smtClean="0">
-              <a:latin typeface="Courier New" pitchFamily="49" charset="0"/>
-              <a:cs typeface="Courier New" pitchFamily="49" charset="0"/>
-            </a:endParaRPr>
-          </a:p>
-          <a:p>
-            <a:pPr marL="0" indent="0">
-              <a:lnSpc>
-                <a:spcPct val="100000"/>
-              </a:lnSpc>
-              <a:spcBef>
-                <a:spcPts val="0"/>
-              </a:spcBef>
-              <a:buFont typeface="Arial" charset="0"/>
-              <a:buNone/>
-            </a:pPr>
-            <a:r>
-              <a:rPr lang="en-US" sz="1800" dirty="0" smtClean="0">
-                <a:latin typeface="Courier New" pitchFamily="49" charset="0"/>
-                <a:cs typeface="Courier New" pitchFamily="49" charset="0"/>
-              </a:rPr>
-              <a:t>        </a:t>
-            </a:r>
-            <a:r>
-              <a:rPr lang="en-US" sz="1800" dirty="0" err="1" smtClean="0">
-                <a:latin typeface="Courier New" pitchFamily="49" charset="0"/>
-                <a:cs typeface="Courier New" pitchFamily="49" charset="0"/>
-              </a:rPr>
-              <a:t>InputStream</a:t>
-            </a:r>
-            <a:r>
-              <a:rPr lang="en-US" sz="1800" dirty="0" smtClean="0">
-                <a:latin typeface="Courier New" pitchFamily="49" charset="0"/>
-                <a:cs typeface="Courier New" pitchFamily="49" charset="0"/>
-              </a:rPr>
-              <a:t> raw = </a:t>
-            </a:r>
-            <a:r>
-              <a:rPr lang="en-US" sz="1800" dirty="0" err="1" smtClean="0">
-                <a:latin typeface="Courier New" pitchFamily="49" charset="0"/>
-                <a:cs typeface="Courier New" pitchFamily="49" charset="0"/>
-              </a:rPr>
-              <a:t>uc.getInputStream</a:t>
-            </a:r>
-            <a:r>
-              <a:rPr lang="en-US" sz="1800" dirty="0" smtClean="0">
-                <a:latin typeface="Courier New" pitchFamily="49" charset="0"/>
-                <a:cs typeface="Courier New" pitchFamily="49" charset="0"/>
-              </a:rPr>
-              <a:t>( );</a:t>
-            </a:r>
-            <a:endParaRPr lang="en-IN" sz="1800" dirty="0" smtClean="0">
-              <a:latin typeface="Courier New" pitchFamily="49" charset="0"/>
-              <a:cs typeface="Courier New" pitchFamily="49" charset="0"/>
-            </a:endParaRPr>
-          </a:p>
-          <a:p>
-            <a:pPr marL="0" indent="0">
-              <a:lnSpc>
-                <a:spcPct val="100000"/>
-              </a:lnSpc>
-              <a:spcBef>
-                <a:spcPts val="0"/>
-              </a:spcBef>
-              <a:buFont typeface="Arial" charset="0"/>
-              <a:buNone/>
-            </a:pPr>
-            <a:r>
-              <a:rPr lang="en-US" sz="1800" dirty="0" smtClean="0">
-                <a:latin typeface="Courier New" pitchFamily="49" charset="0"/>
-                <a:cs typeface="Courier New" pitchFamily="49" charset="0"/>
-              </a:rPr>
-              <a:t>        </a:t>
-            </a:r>
-            <a:r>
-              <a:rPr lang="en-US" sz="1800" dirty="0" err="1" smtClean="0">
-                <a:latin typeface="Courier New" pitchFamily="49" charset="0"/>
-                <a:cs typeface="Courier New" pitchFamily="49" charset="0"/>
-              </a:rPr>
-              <a:t>InputStream</a:t>
-            </a:r>
-            <a:r>
-              <a:rPr lang="en-US" sz="1800" dirty="0" smtClean="0">
-                <a:latin typeface="Courier New" pitchFamily="49" charset="0"/>
-                <a:cs typeface="Courier New" pitchFamily="49" charset="0"/>
-              </a:rPr>
-              <a:t> buffer = new </a:t>
-            </a:r>
-            <a:r>
-              <a:rPr lang="en-US" sz="1800" dirty="0" err="1" smtClean="0">
-                <a:latin typeface="Courier New" pitchFamily="49" charset="0"/>
-                <a:cs typeface="Courier New" pitchFamily="49" charset="0"/>
-              </a:rPr>
-              <a:t>BufferedInputStream</a:t>
-            </a:r>
-            <a:r>
-              <a:rPr lang="en-US" sz="1800" dirty="0" smtClean="0">
-                <a:latin typeface="Courier New" pitchFamily="49" charset="0"/>
-                <a:cs typeface="Courier New" pitchFamily="49" charset="0"/>
-              </a:rPr>
-              <a:t>(raw);       </a:t>
-            </a:r>
-            <a:endParaRPr lang="en-IN" sz="1800" dirty="0" smtClean="0">
-              <a:latin typeface="Courier New" pitchFamily="49" charset="0"/>
-              <a:cs typeface="Courier New" pitchFamily="49" charset="0"/>
-            </a:endParaRPr>
-          </a:p>
-          <a:p>
-            <a:pPr marL="0" indent="0">
-              <a:lnSpc>
-                <a:spcPct val="100000"/>
-              </a:lnSpc>
-              <a:spcBef>
-                <a:spcPts val="0"/>
-              </a:spcBef>
-              <a:buFont typeface="Arial" charset="0"/>
-              <a:buNone/>
-            </a:pPr>
-            <a:r>
-              <a:rPr lang="en-US" sz="1800" dirty="0" smtClean="0">
-                <a:latin typeface="Courier New" pitchFamily="49" charset="0"/>
-                <a:cs typeface="Courier New" pitchFamily="49" charset="0"/>
-              </a:rPr>
-              <a:t>        // chain the </a:t>
-            </a:r>
-            <a:r>
-              <a:rPr lang="en-US" sz="1800" dirty="0" err="1" smtClean="0">
-                <a:latin typeface="Courier New" pitchFamily="49" charset="0"/>
-                <a:cs typeface="Courier New" pitchFamily="49" charset="0"/>
-              </a:rPr>
-              <a:t>InputStream</a:t>
-            </a:r>
-            <a:r>
-              <a:rPr lang="en-US" sz="1800" dirty="0" smtClean="0">
-                <a:latin typeface="Courier New" pitchFamily="49" charset="0"/>
-                <a:cs typeface="Courier New" pitchFamily="49" charset="0"/>
-              </a:rPr>
-              <a:t> to a Reader</a:t>
-            </a:r>
-            <a:endParaRPr lang="en-IN" sz="1800" dirty="0" smtClean="0">
-              <a:latin typeface="Courier New" pitchFamily="49" charset="0"/>
-              <a:cs typeface="Courier New" pitchFamily="49" charset="0"/>
-            </a:endParaRPr>
-          </a:p>
-          <a:p>
-            <a:pPr marL="0" indent="0">
-              <a:lnSpc>
-                <a:spcPct val="100000"/>
-              </a:lnSpc>
-              <a:spcBef>
-                <a:spcPts val="0"/>
-              </a:spcBef>
-              <a:buFont typeface="Arial" charset="0"/>
-              <a:buNone/>
-            </a:pPr>
-            <a:r>
-              <a:rPr lang="en-US" sz="1800" dirty="0" smtClean="0">
-                <a:latin typeface="Courier New" pitchFamily="49" charset="0"/>
-                <a:cs typeface="Courier New" pitchFamily="49" charset="0"/>
-              </a:rPr>
-              <a:t>        Reader r = new </a:t>
-            </a:r>
-            <a:r>
-              <a:rPr lang="en-US" sz="1800" dirty="0" err="1" smtClean="0">
-                <a:latin typeface="Courier New" pitchFamily="49" charset="0"/>
-                <a:cs typeface="Courier New" pitchFamily="49" charset="0"/>
-              </a:rPr>
-              <a:t>InputStreamReader</a:t>
-            </a:r>
-            <a:r>
-              <a:rPr lang="en-US" sz="1800" dirty="0" smtClean="0">
-                <a:latin typeface="Courier New" pitchFamily="49" charset="0"/>
-                <a:cs typeface="Courier New" pitchFamily="49" charset="0"/>
-              </a:rPr>
-              <a:t>(buffer);</a:t>
-            </a:r>
-            <a:endParaRPr lang="en-IN" sz="1800" dirty="0" smtClean="0">
-              <a:latin typeface="Courier New" pitchFamily="49" charset="0"/>
-              <a:cs typeface="Courier New" pitchFamily="49" charset="0"/>
-            </a:endParaRPr>
-          </a:p>
-          <a:p>
-            <a:pPr marL="0" indent="0">
-              <a:lnSpc>
-                <a:spcPct val="100000"/>
-              </a:lnSpc>
-              <a:spcBef>
-                <a:spcPts val="0"/>
-              </a:spcBef>
-              <a:buFont typeface="Arial" charset="0"/>
-              <a:buNone/>
-            </a:pPr>
-            <a:r>
-              <a:rPr lang="en-US" sz="1800" dirty="0" smtClean="0">
-                <a:latin typeface="Courier New" pitchFamily="49" charset="0"/>
-                <a:cs typeface="Courier New" pitchFamily="49" charset="0"/>
-              </a:rPr>
-              <a:t>        </a:t>
-            </a:r>
-            <a:r>
-              <a:rPr lang="en-US" sz="1800" dirty="0" err="1" smtClean="0">
-                <a:latin typeface="Courier New" pitchFamily="49" charset="0"/>
-                <a:cs typeface="Courier New" pitchFamily="49" charset="0"/>
-              </a:rPr>
-              <a:t>int</a:t>
-            </a:r>
-            <a:r>
-              <a:rPr lang="en-US" sz="1800" dirty="0" smtClean="0">
-                <a:latin typeface="Courier New" pitchFamily="49" charset="0"/>
-                <a:cs typeface="Courier New" pitchFamily="49" charset="0"/>
-              </a:rPr>
-              <a:t> c;</a:t>
-            </a:r>
-            <a:endParaRPr lang="en-IN" sz="1800" dirty="0" smtClean="0">
-              <a:latin typeface="Courier New" pitchFamily="49" charset="0"/>
-              <a:cs typeface="Courier New" pitchFamily="49" charset="0"/>
-            </a:endParaRPr>
-          </a:p>
-          <a:p>
-            <a:pPr marL="0" indent="0">
-              <a:lnSpc>
-                <a:spcPct val="100000"/>
-              </a:lnSpc>
-              <a:spcBef>
-                <a:spcPts val="0"/>
-              </a:spcBef>
-              <a:buFont typeface="Arial" charset="0"/>
-              <a:buNone/>
-            </a:pPr>
-            <a:r>
-              <a:rPr lang="en-US" sz="1800" dirty="0" smtClean="0">
-                <a:latin typeface="Courier New" pitchFamily="49" charset="0"/>
-                <a:cs typeface="Courier New" pitchFamily="49" charset="0"/>
-              </a:rPr>
-              <a:t>        while ((c = </a:t>
-            </a:r>
-            <a:r>
-              <a:rPr lang="en-US" sz="1800" dirty="0" err="1" smtClean="0">
-                <a:latin typeface="Courier New" pitchFamily="49" charset="0"/>
-                <a:cs typeface="Courier New" pitchFamily="49" charset="0"/>
-              </a:rPr>
-              <a:t>r.read</a:t>
-            </a:r>
-            <a:r>
-              <a:rPr lang="en-US" sz="1800" dirty="0" smtClean="0">
-                <a:latin typeface="Courier New" pitchFamily="49" charset="0"/>
-                <a:cs typeface="Courier New" pitchFamily="49" charset="0"/>
-              </a:rPr>
-              <a:t>( )) != -1) </a:t>
-            </a:r>
-          </a:p>
-          <a:p>
-            <a:pPr marL="0" indent="0">
-              <a:lnSpc>
-                <a:spcPct val="100000"/>
-              </a:lnSpc>
-              <a:spcBef>
-                <a:spcPts val="0"/>
-              </a:spcBef>
-              <a:buFont typeface="Arial" charset="0"/>
-              <a:buNone/>
-            </a:pPr>
-            <a:r>
-              <a:rPr lang="en-US" sz="1800" dirty="0">
-                <a:latin typeface="Courier New" pitchFamily="49" charset="0"/>
-                <a:cs typeface="Courier New" pitchFamily="49" charset="0"/>
-              </a:rPr>
-              <a:t>	 </a:t>
-            </a:r>
-            <a:r>
-              <a:rPr lang="en-US" sz="1800" dirty="0" smtClean="0">
-                <a:latin typeface="Courier New" pitchFamily="49" charset="0"/>
-                <a:cs typeface="Courier New" pitchFamily="49" charset="0"/>
-              </a:rPr>
-              <a:t>{  </a:t>
-            </a:r>
-            <a:r>
-              <a:rPr lang="en-US" sz="1800" dirty="0" err="1" smtClean="0">
-                <a:latin typeface="Courier New" pitchFamily="49" charset="0"/>
-                <a:cs typeface="Courier New" pitchFamily="49" charset="0"/>
-              </a:rPr>
-              <a:t>System.out.print</a:t>
-            </a:r>
-            <a:r>
-              <a:rPr lang="en-US" sz="1800" dirty="0" smtClean="0">
-                <a:latin typeface="Courier New" pitchFamily="49" charset="0"/>
-                <a:cs typeface="Courier New" pitchFamily="49" charset="0"/>
-              </a:rPr>
-              <a:t>((char) c);     } </a:t>
-            </a:r>
-            <a:endParaRPr lang="en-IN" sz="1800" dirty="0" smtClean="0">
-              <a:latin typeface="Courier New" pitchFamily="49" charset="0"/>
-              <a:cs typeface="Courier New" pitchFamily="49" charset="0"/>
-            </a:endParaRPr>
-          </a:p>
-          <a:p>
-            <a:pPr marL="0" indent="0">
-              <a:lnSpc>
-                <a:spcPct val="100000"/>
-              </a:lnSpc>
-              <a:spcBef>
-                <a:spcPts val="0"/>
-              </a:spcBef>
-              <a:buFont typeface="Arial" charset="0"/>
-              <a:buNone/>
-            </a:pPr>
-            <a:r>
-              <a:rPr lang="en-US" sz="1800" dirty="0" smtClean="0">
-                <a:latin typeface="Courier New" pitchFamily="49" charset="0"/>
-                <a:cs typeface="Courier New" pitchFamily="49" charset="0"/>
-              </a:rPr>
-              <a:t>      }</a:t>
-            </a:r>
-            <a:endParaRPr lang="en-IN" sz="1800" dirty="0" smtClean="0">
-              <a:latin typeface="Courier New" pitchFamily="49" charset="0"/>
-              <a:cs typeface="Courier New" pitchFamily="49" charset="0"/>
-            </a:endParaRPr>
-          </a:p>
-          <a:p>
-            <a:pPr marL="0" indent="0">
-              <a:lnSpc>
-                <a:spcPct val="100000"/>
-              </a:lnSpc>
-              <a:spcBef>
-                <a:spcPts val="0"/>
-              </a:spcBef>
-              <a:buFont typeface="Arial" charset="0"/>
-              <a:buNone/>
-            </a:pPr>
-            <a:r>
-              <a:rPr lang="en-US" sz="1800" dirty="0" smtClean="0">
-                <a:latin typeface="Courier New" pitchFamily="49" charset="0"/>
-                <a:cs typeface="Courier New" pitchFamily="49" charset="0"/>
-              </a:rPr>
-              <a:t>      catch (</a:t>
-            </a:r>
-            <a:r>
-              <a:rPr lang="en-US" sz="1800" dirty="0" err="1" smtClean="0">
-                <a:latin typeface="Courier New" pitchFamily="49" charset="0"/>
-                <a:cs typeface="Courier New" pitchFamily="49" charset="0"/>
-              </a:rPr>
-              <a:t>MalformedURLException</a:t>
-            </a:r>
-            <a:r>
-              <a:rPr lang="en-US" sz="1800" dirty="0" smtClean="0">
-                <a:latin typeface="Courier New" pitchFamily="49" charset="0"/>
-                <a:cs typeface="Courier New" pitchFamily="49" charset="0"/>
-              </a:rPr>
-              <a:t> ex) {</a:t>
-            </a:r>
-            <a:endParaRPr lang="en-IN" sz="1800" dirty="0" smtClean="0">
-              <a:latin typeface="Courier New" pitchFamily="49" charset="0"/>
-              <a:cs typeface="Courier New" pitchFamily="49" charset="0"/>
-            </a:endParaRPr>
-          </a:p>
-          <a:p>
-            <a:pPr marL="0" indent="0">
-              <a:lnSpc>
-                <a:spcPct val="100000"/>
-              </a:lnSpc>
-              <a:spcBef>
-                <a:spcPts val="0"/>
-              </a:spcBef>
-              <a:buFont typeface="Arial" charset="0"/>
-              <a:buNone/>
-            </a:pPr>
-            <a:r>
-              <a:rPr lang="en-US" sz="1800" dirty="0" smtClean="0">
-                <a:latin typeface="Courier New" pitchFamily="49" charset="0"/>
-                <a:cs typeface="Courier New" pitchFamily="49" charset="0"/>
-              </a:rPr>
-              <a:t>       </a:t>
-            </a:r>
-            <a:r>
-              <a:rPr lang="en-US" sz="1800" dirty="0" err="1" smtClean="0">
-                <a:latin typeface="Courier New" pitchFamily="49" charset="0"/>
-                <a:cs typeface="Courier New" pitchFamily="49" charset="0"/>
-              </a:rPr>
-              <a:t>System.err.println</a:t>
-            </a:r>
-            <a:r>
-              <a:rPr lang="en-US" sz="1800" dirty="0" smtClean="0">
-                <a:latin typeface="Courier New" pitchFamily="49" charset="0"/>
-                <a:cs typeface="Courier New" pitchFamily="49" charset="0"/>
-              </a:rPr>
-              <a:t>(</a:t>
-            </a:r>
-            <a:r>
-              <a:rPr lang="en-US" sz="1800" dirty="0" err="1" smtClean="0">
-                <a:latin typeface="Courier New" pitchFamily="49" charset="0"/>
-                <a:cs typeface="Courier New" pitchFamily="49" charset="0"/>
-              </a:rPr>
-              <a:t>args</a:t>
-            </a:r>
-            <a:r>
-              <a:rPr lang="en-US" sz="1800" dirty="0" smtClean="0">
-                <a:latin typeface="Courier New" pitchFamily="49" charset="0"/>
-                <a:cs typeface="Courier New" pitchFamily="49" charset="0"/>
-              </a:rPr>
-              <a:t>[0]+" is not a </a:t>
-            </a:r>
-            <a:r>
-              <a:rPr lang="en-US" sz="1800" dirty="0" err="1" smtClean="0">
-                <a:latin typeface="Courier New" pitchFamily="49" charset="0"/>
-                <a:cs typeface="Courier New" pitchFamily="49" charset="0"/>
-              </a:rPr>
-              <a:t>parseable</a:t>
-            </a:r>
-            <a:r>
-              <a:rPr lang="en-US" sz="1800" dirty="0" smtClean="0">
-                <a:latin typeface="Courier New" pitchFamily="49" charset="0"/>
-                <a:cs typeface="Courier New" pitchFamily="49" charset="0"/>
-              </a:rPr>
-              <a:t> URL");</a:t>
-            </a:r>
-            <a:endParaRPr lang="en-IN" sz="1800" dirty="0" smtClean="0">
-              <a:latin typeface="Courier New" pitchFamily="49" charset="0"/>
-              <a:cs typeface="Courier New" pitchFamily="49" charset="0"/>
-            </a:endParaRPr>
-          </a:p>
-          <a:p>
-            <a:pPr marL="0" indent="0">
-              <a:lnSpc>
-                <a:spcPct val="100000"/>
-              </a:lnSpc>
-              <a:spcBef>
-                <a:spcPts val="0"/>
-              </a:spcBef>
-              <a:buFont typeface="Arial" charset="0"/>
-              <a:buNone/>
-            </a:pPr>
-            <a:r>
-              <a:rPr lang="en-US" sz="1800" dirty="0" smtClean="0">
-                <a:latin typeface="Courier New" pitchFamily="49" charset="0"/>
-                <a:cs typeface="Courier New" pitchFamily="49" charset="0"/>
-              </a:rPr>
-              <a:t>      }</a:t>
-            </a:r>
-            <a:endParaRPr lang="en-IN" sz="1800" dirty="0" smtClean="0">
-              <a:latin typeface="Courier New" pitchFamily="49" charset="0"/>
-              <a:cs typeface="Courier New" pitchFamily="49" charset="0"/>
-            </a:endParaRPr>
-          </a:p>
-          <a:p>
-            <a:pPr marL="0" indent="0">
-              <a:lnSpc>
-                <a:spcPct val="100000"/>
-              </a:lnSpc>
-              <a:spcBef>
-                <a:spcPts val="0"/>
-              </a:spcBef>
-              <a:buFont typeface="Arial" charset="0"/>
-              <a:buNone/>
-            </a:pPr>
-            <a:r>
-              <a:rPr lang="en-US" sz="1800" dirty="0" smtClean="0">
-                <a:latin typeface="Courier New" pitchFamily="49" charset="0"/>
-                <a:cs typeface="Courier New" pitchFamily="49" charset="0"/>
-              </a:rPr>
-              <a:t>      catch (</a:t>
-            </a:r>
-            <a:r>
-              <a:rPr lang="en-US" sz="1800" dirty="0" err="1" smtClean="0">
-                <a:latin typeface="Courier New" pitchFamily="49" charset="0"/>
-                <a:cs typeface="Courier New" pitchFamily="49" charset="0"/>
-              </a:rPr>
-              <a:t>IOException</a:t>
-            </a:r>
-            <a:r>
-              <a:rPr lang="en-US" sz="1800" dirty="0" smtClean="0">
-                <a:latin typeface="Courier New" pitchFamily="49" charset="0"/>
-                <a:cs typeface="Courier New" pitchFamily="49" charset="0"/>
-              </a:rPr>
-              <a:t> ex) {</a:t>
-            </a:r>
-            <a:endParaRPr lang="en-IN" sz="1800" dirty="0" smtClean="0">
-              <a:latin typeface="Courier New" pitchFamily="49" charset="0"/>
-              <a:cs typeface="Courier New" pitchFamily="49" charset="0"/>
-            </a:endParaRPr>
-          </a:p>
-          <a:p>
-            <a:pPr marL="0" indent="0">
-              <a:lnSpc>
-                <a:spcPct val="100000"/>
-              </a:lnSpc>
-              <a:spcBef>
-                <a:spcPts val="0"/>
-              </a:spcBef>
-              <a:buFont typeface="Arial" charset="0"/>
-              <a:buNone/>
-            </a:pPr>
-            <a:r>
-              <a:rPr lang="en-US" sz="1800" dirty="0" smtClean="0">
-                <a:latin typeface="Courier New" pitchFamily="49" charset="0"/>
-                <a:cs typeface="Courier New" pitchFamily="49" charset="0"/>
-              </a:rPr>
-              <a:t>       </a:t>
-            </a:r>
-            <a:r>
-              <a:rPr lang="en-US" sz="1800" dirty="0" err="1" smtClean="0">
-                <a:latin typeface="Courier New" pitchFamily="49" charset="0"/>
-                <a:cs typeface="Courier New" pitchFamily="49" charset="0"/>
-              </a:rPr>
-              <a:t>System.err.println</a:t>
-            </a:r>
-            <a:r>
-              <a:rPr lang="en-US" sz="1800" dirty="0" smtClean="0">
-                <a:latin typeface="Courier New" pitchFamily="49" charset="0"/>
-                <a:cs typeface="Courier New" pitchFamily="49" charset="0"/>
-              </a:rPr>
-              <a:t>(ex);</a:t>
-            </a:r>
-            <a:endParaRPr lang="en-IN" sz="1800" dirty="0" smtClean="0">
-              <a:latin typeface="Courier New" pitchFamily="49" charset="0"/>
-              <a:cs typeface="Courier New" pitchFamily="49" charset="0"/>
-            </a:endParaRPr>
-          </a:p>
-          <a:p>
-            <a:pPr marL="0" indent="0">
-              <a:lnSpc>
-                <a:spcPct val="100000"/>
-              </a:lnSpc>
-              <a:spcBef>
-                <a:spcPts val="0"/>
-              </a:spcBef>
-              <a:buFont typeface="Arial" charset="0"/>
-              <a:buNone/>
-            </a:pPr>
-            <a:r>
-              <a:rPr lang="en-US" sz="1800" dirty="0" smtClean="0">
-                <a:latin typeface="Courier New" pitchFamily="49" charset="0"/>
-                <a:cs typeface="Courier New" pitchFamily="49" charset="0"/>
-              </a:rPr>
-              <a:t>      }</a:t>
-            </a:r>
-            <a:endParaRPr lang="en-IN" sz="1800" dirty="0" smtClean="0">
-              <a:latin typeface="Courier New" pitchFamily="49" charset="0"/>
-              <a:cs typeface="Courier New" pitchFamily="49" charset="0"/>
-            </a:endParaRPr>
-          </a:p>
-          <a:p>
-            <a:pPr marL="0" indent="0">
-              <a:lnSpc>
-                <a:spcPct val="100000"/>
-              </a:lnSpc>
-              <a:spcBef>
-                <a:spcPts val="0"/>
-              </a:spcBef>
-              <a:buFont typeface="Arial" charset="0"/>
-              <a:buNone/>
-            </a:pPr>
-            <a:r>
-              <a:rPr lang="en-US" sz="1800" dirty="0" smtClean="0">
-                <a:latin typeface="Courier New" pitchFamily="49" charset="0"/>
-                <a:cs typeface="Courier New" pitchFamily="49" charset="0"/>
-              </a:rPr>
-              <a:t>    } //  end if</a:t>
-            </a:r>
-            <a:endParaRPr lang="en-IN" sz="1800" dirty="0" smtClean="0">
-              <a:latin typeface="Courier New" pitchFamily="49" charset="0"/>
-              <a:cs typeface="Courier New" pitchFamily="49" charset="0"/>
-            </a:endParaRPr>
-          </a:p>
-          <a:p>
-            <a:pPr marL="0" indent="0">
-              <a:lnSpc>
-                <a:spcPct val="100000"/>
-              </a:lnSpc>
-              <a:spcBef>
-                <a:spcPts val="0"/>
-              </a:spcBef>
-              <a:buFont typeface="Arial" charset="0"/>
-              <a:buNone/>
-            </a:pPr>
-            <a:r>
-              <a:rPr lang="en-US" sz="1800" b="1" dirty="0" smtClean="0">
-                <a:latin typeface="Courier New" pitchFamily="49" charset="0"/>
-                <a:cs typeface="Courier New" pitchFamily="49" charset="0"/>
-              </a:rPr>
-              <a:t>  } // end main</a:t>
-            </a:r>
-            <a:endParaRPr lang="en-IN" sz="1800" b="1" dirty="0" smtClean="0">
-              <a:latin typeface="Courier New" pitchFamily="49" charset="0"/>
-              <a:cs typeface="Courier New" pitchFamily="49" charset="0"/>
-            </a:endParaRPr>
-          </a:p>
-          <a:p>
-            <a:pPr marL="0" indent="0">
-              <a:lnSpc>
-                <a:spcPct val="100000"/>
-              </a:lnSpc>
-              <a:spcBef>
-                <a:spcPts val="0"/>
-              </a:spcBef>
-              <a:buFont typeface="Arial" charset="0"/>
-              <a:buNone/>
-            </a:pPr>
-            <a:r>
-              <a:rPr lang="en-US" sz="1800" b="1" dirty="0" smtClean="0">
-                <a:latin typeface="Courier New" pitchFamily="49" charset="0"/>
-                <a:cs typeface="Courier New" pitchFamily="49" charset="0"/>
-              </a:rPr>
-              <a:t>}  // end SourceViewer2</a:t>
-            </a:r>
-            <a:endParaRPr lang="en-IN" sz="1800" b="1" dirty="0" smtClean="0">
-              <a:latin typeface="Courier New" pitchFamily="49" charset="0"/>
-              <a:cs typeface="Courier New" pitchFamily="49" charset="0"/>
-            </a:endParaRPr>
+              <a:rPr lang="en-US" sz="1600" b="1" dirty="0" smtClean="0">
+                <a:latin typeface="Courier New" pitchFamily="49" charset="0"/>
+                <a:cs typeface="Courier New" pitchFamily="49" charset="0"/>
+              </a:rPr>
+              <a:t>}</a:t>
+            </a:r>
+          </a:p>
+        </p:txBody>
+      </p:sp>
+      <p:sp>
+        <p:nvSpPr>
+          <p:cNvPr id="3" name="Slide Number Placeholder 2"/>
+          <p:cNvSpPr>
+            <a:spLocks noGrp="1"/>
+          </p:cNvSpPr>
+          <p:nvPr>
+            <p:ph type="sldNum" sz="quarter" idx="12"/>
+          </p:nvPr>
+        </p:nvSpPr>
+        <p:spPr/>
+        <p:txBody>
+          <a:bodyPr/>
+          <a:lstStyle/>
+          <a:p>
+            <a:fld id="{9C11CE39-2868-44A2-A0C6-827D458F7A8B}" type="slidenum">
+              <a:rPr lang="en-IN" smtClean="0"/>
+              <a:pPr/>
+              <a:t>60</a:t>
+            </a:fld>
+            <a:endParaRPr lang="en-IN"/>
           </a:p>
         </p:txBody>
       </p:sp>
@@ -32700,7 +33660,7 @@
     </p:custDataLst>
     <p:extLst>
       <p:ext uri="{BB962C8B-B14F-4D97-AF65-F5344CB8AC3E}">
-        <p14:creationId xmlns:p14="http://schemas.microsoft.com/office/powerpoint/2010/main" val="423194701"/>
+        <p14:creationId xmlns:p14="http://schemas.microsoft.com/office/powerpoint/2010/main" val="3932914204"/>
       </p:ext>
     </p:extLst>
   </p:cSld>
@@ -32736,7 +33696,7 @@
       </p:grpSpPr>
       <p:sp>
         <p:nvSpPr>
-          <p:cNvPr id="2" name="Title 1"/>
+          <p:cNvPr id="4" name="Title 1"/>
           <p:cNvSpPr>
             <a:spLocks noGrp="1"/>
           </p:cNvSpPr>
@@ -32747,7 +33707,7 @@
         <p:spPr>
           <a:xfrm>
             <a:off x="252918" y="1123837"/>
-            <a:ext cx="3145601" cy="4601183"/>
+            <a:ext cx="3112073" cy="4601183"/>
           </a:xfrm>
         </p:spPr>
         <p:txBody>
@@ -32760,16 +33720,21 @@
             </a:r>
             <a:r>
               <a:rPr lang="en-US" dirty="0"/>
-              <a:t> Example</a:t>
-            </a:r>
+              <a:t> </a:t>
+            </a:r>
+            <a:r>
+              <a:rPr lang="en-US" dirty="0" smtClean="0"/>
+              <a:t>Example2</a:t>
+            </a:r>
+            <a:endParaRPr lang="en-IN" dirty="0" smtClean="0"/>
           </a:p>
         </p:txBody>
       </p:sp>
       <p:sp>
         <p:nvSpPr>
-          <p:cNvPr id="4" name="Rectangle 3"/>
+          <p:cNvPr id="5" name="Content Placeholder 2"/>
           <p:cNvSpPr>
-            <a:spLocks noGrp="1" noChangeArrowheads="1"/>
+            <a:spLocks noGrp="1"/>
           </p:cNvSpPr>
           <p:nvPr>
             <p:ph idx="1"/>
@@ -32777,9 +33742,12 @@
         </p:nvSpPr>
         <p:spPr>
           <a:xfrm>
-            <a:off x="3869268" y="864108"/>
-            <a:ext cx="8139852" cy="5120640"/>
+            <a:off x="3459480" y="1"/>
+            <a:ext cx="8732520" cy="6858000"/>
           </a:xfrm>
+          <a:solidFill>
+            <a:schemeClr val="bg1"/>
+          </a:solidFill>
         </p:spPr>
         <p:txBody>
           <a:bodyPr>
@@ -32787,467 +33755,891 @@
           </a:bodyPr>
           <a:lstStyle/>
           <a:p>
-            <a:pPr>
+            <a:pPr marL="0" indent="0">
               <a:lnSpc>
-                <a:spcPct val="80000"/>
+                <a:spcPct val="100000"/>
               </a:lnSpc>
-              <a:buFont typeface="Wingdings" pitchFamily="2" charset="2"/>
+              <a:spcBef>
+                <a:spcPts val="0"/>
+              </a:spcBef>
+              <a:buFont typeface="Arial" charset="0"/>
               <a:buNone/>
             </a:pPr>
             <a:r>
-              <a:rPr lang="en-US" sz="1600" b="1" dirty="0" smtClean="0">
-                <a:latin typeface="Courier New" pitchFamily="49" charset="0"/>
-                <a:cs typeface="Courier New" pitchFamily="49" charset="0"/>
-              </a:rPr>
-              <a:t>import java.net.*;</a:t>
-            </a:r>
-          </a:p>
-          <a:p>
-            <a:pPr>
-              <a:lnSpc>
-                <a:spcPct val="80000"/>
-              </a:lnSpc>
-              <a:buFont typeface="Wingdings" pitchFamily="2" charset="2"/>
-              <a:buNone/>
-            </a:pPr>
-            <a:r>
-              <a:rPr lang="en-US" sz="1600" b="1" dirty="0" smtClean="0">
-                <a:latin typeface="Courier New" pitchFamily="49" charset="0"/>
-                <a:cs typeface="Courier New" pitchFamily="49" charset="0"/>
-              </a:rPr>
-              <a:t>import java.io.*;</a:t>
-            </a:r>
-          </a:p>
-          <a:p>
-            <a:pPr>
-              <a:lnSpc>
-                <a:spcPct val="80000"/>
-              </a:lnSpc>
-              <a:buFont typeface="Wingdings" pitchFamily="2" charset="2"/>
-              <a:buNone/>
-            </a:pPr>
-            <a:r>
-              <a:rPr lang="en-US" sz="1600" b="1" dirty="0" smtClean="0">
-                <a:latin typeface="Courier New" pitchFamily="49" charset="0"/>
-                <a:cs typeface="Courier New" pitchFamily="49" charset="0"/>
-              </a:rPr>
-              <a:t>public class </a:t>
-            </a:r>
-            <a:r>
-              <a:rPr lang="en-US" sz="1600" b="1" dirty="0" err="1" smtClean="0">
-                <a:latin typeface="Courier New" pitchFamily="49" charset="0"/>
-                <a:cs typeface="Courier New" pitchFamily="49" charset="0"/>
-              </a:rPr>
-              <a:t>URLConnectionReader</a:t>
-            </a:r>
-            <a:r>
-              <a:rPr lang="en-US" sz="1600" b="1" dirty="0" smtClean="0">
-                <a:latin typeface="Courier New" pitchFamily="49" charset="0"/>
-                <a:cs typeface="Courier New" pitchFamily="49" charset="0"/>
-              </a:rPr>
-              <a:t> {</a:t>
-            </a:r>
-          </a:p>
-          <a:p>
-            <a:pPr>
-              <a:lnSpc>
-                <a:spcPct val="80000"/>
-              </a:lnSpc>
-              <a:buFont typeface="Wingdings" pitchFamily="2" charset="2"/>
-              <a:buNone/>
-            </a:pPr>
-            <a:r>
-              <a:rPr lang="en-US" sz="1600" b="1" dirty="0" smtClean="0">
-                <a:latin typeface="Courier New" pitchFamily="49" charset="0"/>
-                <a:cs typeface="Courier New" pitchFamily="49" charset="0"/>
-              </a:rPr>
-              <a:t>    public static void main(String[] </a:t>
-            </a:r>
-            <a:r>
-              <a:rPr lang="en-US" sz="1600" b="1" dirty="0" err="1" smtClean="0">
-                <a:latin typeface="Courier New" pitchFamily="49" charset="0"/>
-                <a:cs typeface="Courier New" pitchFamily="49" charset="0"/>
-              </a:rPr>
-              <a:t>args</a:t>
-            </a:r>
-            <a:r>
-              <a:rPr lang="en-US" sz="1600" b="1" dirty="0" smtClean="0">
-                <a:latin typeface="Courier New" pitchFamily="49" charset="0"/>
-                <a:cs typeface="Courier New" pitchFamily="49" charset="0"/>
-              </a:rPr>
-              <a:t>) throws Exception {</a:t>
-            </a:r>
-          </a:p>
-          <a:p>
-            <a:pPr>
-              <a:lnSpc>
-                <a:spcPct val="80000"/>
-              </a:lnSpc>
-              <a:buFont typeface="Wingdings" pitchFamily="2" charset="2"/>
-              <a:buNone/>
-            </a:pPr>
-            <a:r>
-              <a:rPr lang="en-US" sz="1600" b="1" dirty="0" smtClean="0">
-                <a:latin typeface="Courier New" pitchFamily="49" charset="0"/>
-                <a:cs typeface="Courier New" pitchFamily="49" charset="0"/>
-              </a:rPr>
-              <a:t>        URL yahoo = new URL("http://www.yahoo.com/");</a:t>
-            </a:r>
-          </a:p>
-          <a:p>
-            <a:pPr>
-              <a:lnSpc>
-                <a:spcPct val="80000"/>
-              </a:lnSpc>
-              <a:buFont typeface="Wingdings" pitchFamily="2" charset="2"/>
-              <a:buNone/>
-            </a:pPr>
-            <a:r>
-              <a:rPr lang="en-US" sz="1600" b="1" dirty="0" smtClean="0">
-                <a:latin typeface="Courier New" pitchFamily="49" charset="0"/>
-                <a:cs typeface="Courier New" pitchFamily="49" charset="0"/>
-              </a:rPr>
-              <a:t>        </a:t>
-            </a:r>
-            <a:r>
-              <a:rPr lang="en-US" sz="1600" b="1" dirty="0" err="1" smtClean="0">
-                <a:latin typeface="Courier New" pitchFamily="49" charset="0"/>
-                <a:cs typeface="Courier New" pitchFamily="49" charset="0"/>
-              </a:rPr>
-              <a:t>URLConnection</a:t>
-            </a:r>
-            <a:r>
-              <a:rPr lang="en-US" sz="1600" b="1" dirty="0" smtClean="0">
-                <a:latin typeface="Courier New" pitchFamily="49" charset="0"/>
-                <a:cs typeface="Courier New" pitchFamily="49" charset="0"/>
-              </a:rPr>
-              <a:t> </a:t>
-            </a:r>
-            <a:r>
-              <a:rPr lang="en-US" sz="1600" b="1" dirty="0" err="1" smtClean="0">
-                <a:latin typeface="Courier New" pitchFamily="49" charset="0"/>
-                <a:cs typeface="Courier New" pitchFamily="49" charset="0"/>
-              </a:rPr>
-              <a:t>yc</a:t>
-            </a:r>
-            <a:r>
-              <a:rPr lang="en-US" sz="1600" b="1" dirty="0" smtClean="0">
-                <a:latin typeface="Courier New" pitchFamily="49" charset="0"/>
-                <a:cs typeface="Courier New" pitchFamily="49" charset="0"/>
-              </a:rPr>
-              <a:t> = </a:t>
-            </a:r>
-            <a:r>
-              <a:rPr lang="en-US" sz="1600" b="1" dirty="0" err="1" smtClean="0">
-                <a:latin typeface="Courier New" pitchFamily="49" charset="0"/>
-                <a:cs typeface="Courier New" pitchFamily="49" charset="0"/>
-              </a:rPr>
-              <a:t>yahoo.openConnection</a:t>
-            </a:r>
-            <a:r>
-              <a:rPr lang="en-US" sz="1600" b="1" dirty="0" smtClean="0">
-                <a:latin typeface="Courier New" pitchFamily="49" charset="0"/>
-                <a:cs typeface="Courier New" pitchFamily="49" charset="0"/>
-              </a:rPr>
-              <a:t>();</a:t>
-            </a:r>
-          </a:p>
-          <a:p>
-            <a:pPr>
-              <a:lnSpc>
-                <a:spcPct val="80000"/>
-              </a:lnSpc>
-              <a:buFont typeface="Wingdings" pitchFamily="2" charset="2"/>
-              <a:buNone/>
-            </a:pPr>
-            <a:r>
-              <a:rPr lang="en-US" sz="1600" b="1" dirty="0" smtClean="0">
-                <a:latin typeface="Courier New" pitchFamily="49" charset="0"/>
-                <a:cs typeface="Courier New" pitchFamily="49" charset="0"/>
-              </a:rPr>
-              <a:t>        </a:t>
-            </a:r>
-            <a:r>
-              <a:rPr lang="en-US" sz="1600" b="1" dirty="0" err="1" smtClean="0">
-                <a:latin typeface="Courier New" pitchFamily="49" charset="0"/>
-                <a:cs typeface="Courier New" pitchFamily="49" charset="0"/>
-              </a:rPr>
-              <a:t>BufferedReader</a:t>
-            </a:r>
-            <a:r>
-              <a:rPr lang="en-US" sz="1600" b="1" dirty="0" smtClean="0">
-                <a:latin typeface="Courier New" pitchFamily="49" charset="0"/>
-                <a:cs typeface="Courier New" pitchFamily="49" charset="0"/>
-              </a:rPr>
-              <a:t> in = new </a:t>
-            </a:r>
-            <a:r>
-              <a:rPr lang="en-US" sz="1600" b="1" dirty="0" err="1" smtClean="0">
-                <a:latin typeface="Courier New" pitchFamily="49" charset="0"/>
-                <a:cs typeface="Courier New" pitchFamily="49" charset="0"/>
-              </a:rPr>
-              <a:t>BufferedReader</a:t>
-            </a:r>
-            <a:r>
-              <a:rPr lang="en-US" sz="1600" b="1" dirty="0" smtClean="0">
-                <a:latin typeface="Courier New" pitchFamily="49" charset="0"/>
-                <a:cs typeface="Courier New" pitchFamily="49" charset="0"/>
-              </a:rPr>
-              <a:t>(</a:t>
-            </a:r>
-          </a:p>
-          <a:p>
-            <a:pPr>
-              <a:lnSpc>
-                <a:spcPct val="80000"/>
-              </a:lnSpc>
-              <a:buFont typeface="Wingdings" pitchFamily="2" charset="2"/>
-              <a:buNone/>
-            </a:pPr>
-            <a:r>
-              <a:rPr lang="en-US" sz="1600" b="1" dirty="0" smtClean="0">
-                <a:latin typeface="Courier New" pitchFamily="49" charset="0"/>
-                <a:cs typeface="Courier New" pitchFamily="49" charset="0"/>
-              </a:rPr>
-              <a:t>                                new </a:t>
-            </a:r>
-            <a:r>
-              <a:rPr lang="en-US" sz="1600" b="1" dirty="0" err="1" smtClean="0">
-                <a:latin typeface="Courier New" pitchFamily="49" charset="0"/>
-                <a:cs typeface="Courier New" pitchFamily="49" charset="0"/>
-              </a:rPr>
-              <a:t>InputStreamReader</a:t>
-            </a:r>
-            <a:r>
-              <a:rPr lang="en-US" sz="1600" b="1" dirty="0" smtClean="0">
-                <a:latin typeface="Courier New" pitchFamily="49" charset="0"/>
-                <a:cs typeface="Courier New" pitchFamily="49" charset="0"/>
-              </a:rPr>
-              <a:t>(</a:t>
-            </a:r>
-          </a:p>
-          <a:p>
-            <a:pPr>
-              <a:lnSpc>
-                <a:spcPct val="80000"/>
-              </a:lnSpc>
-              <a:buFont typeface="Wingdings" pitchFamily="2" charset="2"/>
-              <a:buNone/>
-            </a:pPr>
-            <a:r>
-              <a:rPr lang="en-US" sz="1600" b="1" dirty="0" smtClean="0">
-                <a:latin typeface="Courier New" pitchFamily="49" charset="0"/>
-                <a:cs typeface="Courier New" pitchFamily="49" charset="0"/>
-              </a:rPr>
-              <a:t>                                </a:t>
-            </a:r>
-            <a:r>
-              <a:rPr lang="en-US" sz="1600" b="1" dirty="0" err="1" smtClean="0">
-                <a:latin typeface="Courier New" pitchFamily="49" charset="0"/>
-                <a:cs typeface="Courier New" pitchFamily="49" charset="0"/>
-              </a:rPr>
-              <a:t>yc.getInputStream</a:t>
-            </a:r>
-            <a:r>
-              <a:rPr lang="en-US" sz="1600" b="1" dirty="0" smtClean="0">
-                <a:latin typeface="Courier New" pitchFamily="49" charset="0"/>
-                <a:cs typeface="Courier New" pitchFamily="49" charset="0"/>
-              </a:rPr>
-              <a:t>()));</a:t>
-            </a:r>
-          </a:p>
-          <a:p>
-            <a:pPr>
-              <a:lnSpc>
-                <a:spcPct val="80000"/>
-              </a:lnSpc>
-              <a:buFont typeface="Wingdings" pitchFamily="2" charset="2"/>
-              <a:buNone/>
-            </a:pPr>
-            <a:r>
-              <a:rPr lang="en-US" sz="1600" b="1" dirty="0" smtClean="0">
-                <a:latin typeface="Courier New" pitchFamily="49" charset="0"/>
-                <a:cs typeface="Courier New" pitchFamily="49" charset="0"/>
-              </a:rPr>
-              <a:t>        String </a:t>
-            </a:r>
-            <a:r>
-              <a:rPr lang="en-US" sz="1600" b="1" dirty="0" err="1" smtClean="0">
-                <a:latin typeface="Courier New" pitchFamily="49" charset="0"/>
-                <a:cs typeface="Courier New" pitchFamily="49" charset="0"/>
-              </a:rPr>
-              <a:t>inputLine</a:t>
-            </a:r>
-            <a:r>
-              <a:rPr lang="en-US" sz="1600" b="1" dirty="0" smtClean="0">
-                <a:latin typeface="Courier New" pitchFamily="49" charset="0"/>
-                <a:cs typeface="Courier New" pitchFamily="49" charset="0"/>
-              </a:rPr>
-              <a:t>;</a:t>
-            </a:r>
-          </a:p>
-          <a:p>
-            <a:pPr>
-              <a:lnSpc>
-                <a:spcPct val="80000"/>
-              </a:lnSpc>
-              <a:buFont typeface="Wingdings" pitchFamily="2" charset="2"/>
-              <a:buNone/>
-            </a:pPr>
-            <a:endParaRPr lang="en-US" sz="1600" b="1" dirty="0" smtClean="0">
+              <a:rPr lang="en-US" sz="1800" b="1" dirty="0" smtClean="0">
+                <a:latin typeface="Courier New" pitchFamily="49" charset="0"/>
+                <a:cs typeface="Courier New" pitchFamily="49" charset="0"/>
+              </a:rPr>
+              <a:t>public class SourceViewer2 {</a:t>
+            </a:r>
+            <a:endParaRPr lang="en-IN" sz="1800" b="1" dirty="0" smtClean="0">
               <a:latin typeface="Courier New" pitchFamily="49" charset="0"/>
               <a:cs typeface="Courier New" pitchFamily="49" charset="0"/>
             </a:endParaRPr>
           </a:p>
           <a:p>
-            <a:pPr>
+            <a:pPr marL="0" indent="0">
               <a:lnSpc>
-                <a:spcPct val="80000"/>
+                <a:spcPct val="100000"/>
               </a:lnSpc>
-              <a:buFont typeface="Wingdings" pitchFamily="2" charset="2"/>
+              <a:spcBef>
+                <a:spcPts val="0"/>
+              </a:spcBef>
+              <a:buFont typeface="Arial" charset="0"/>
               <a:buNone/>
             </a:pPr>
             <a:r>
-              <a:rPr lang="en-US" sz="1600" b="1" dirty="0" smtClean="0">
-                <a:latin typeface="Courier New" pitchFamily="49" charset="0"/>
-                <a:cs typeface="Courier New" pitchFamily="49" charset="0"/>
-              </a:rPr>
-              <a:t>        while ((</a:t>
-            </a:r>
-            <a:r>
-              <a:rPr lang="en-US" sz="1600" b="1" dirty="0" err="1" smtClean="0">
-                <a:latin typeface="Courier New" pitchFamily="49" charset="0"/>
-                <a:cs typeface="Courier New" pitchFamily="49" charset="0"/>
-              </a:rPr>
-              <a:t>inputLine</a:t>
-            </a:r>
-            <a:r>
-              <a:rPr lang="en-US" sz="1600" b="1" dirty="0" smtClean="0">
-                <a:latin typeface="Courier New" pitchFamily="49" charset="0"/>
-                <a:cs typeface="Courier New" pitchFamily="49" charset="0"/>
-              </a:rPr>
-              <a:t> = </a:t>
-            </a:r>
-            <a:r>
-              <a:rPr lang="en-US" sz="1600" b="1" dirty="0" err="1" smtClean="0">
-                <a:latin typeface="Courier New" pitchFamily="49" charset="0"/>
-                <a:cs typeface="Courier New" pitchFamily="49" charset="0"/>
-              </a:rPr>
-              <a:t>in.readLine</a:t>
-            </a:r>
-            <a:r>
-              <a:rPr lang="en-US" sz="1600" b="1" dirty="0" smtClean="0">
-                <a:latin typeface="Courier New" pitchFamily="49" charset="0"/>
-                <a:cs typeface="Courier New" pitchFamily="49" charset="0"/>
-              </a:rPr>
-              <a:t>()) != null) </a:t>
-            </a:r>
-          </a:p>
-          <a:p>
-            <a:pPr>
+              <a:rPr lang="en-US" sz="1800" b="1" dirty="0" smtClean="0">
+                <a:latin typeface="Courier New" pitchFamily="49" charset="0"/>
+                <a:cs typeface="Courier New" pitchFamily="49" charset="0"/>
+              </a:rPr>
+              <a:t>  public static void main (String[] </a:t>
+            </a:r>
+            <a:r>
+              <a:rPr lang="en-US" sz="1800" b="1" dirty="0" err="1" smtClean="0">
+                <a:latin typeface="Courier New" pitchFamily="49" charset="0"/>
+                <a:cs typeface="Courier New" pitchFamily="49" charset="0"/>
+              </a:rPr>
+              <a:t>args</a:t>
+            </a:r>
+            <a:r>
+              <a:rPr lang="en-US" sz="1800" b="1" dirty="0" smtClean="0">
+                <a:latin typeface="Courier New" pitchFamily="49" charset="0"/>
+                <a:cs typeface="Courier New" pitchFamily="49" charset="0"/>
+              </a:rPr>
+              <a:t>) {</a:t>
+            </a:r>
+            <a:endParaRPr lang="en-IN" sz="1800" b="1" dirty="0" smtClean="0">
+              <a:latin typeface="Courier New" pitchFamily="49" charset="0"/>
+              <a:cs typeface="Courier New" pitchFamily="49" charset="0"/>
+            </a:endParaRPr>
+          </a:p>
+          <a:p>
+            <a:pPr marL="0" indent="0">
               <a:lnSpc>
-                <a:spcPct val="80000"/>
+                <a:spcPct val="100000"/>
               </a:lnSpc>
-              <a:buFont typeface="Wingdings" pitchFamily="2" charset="2"/>
+              <a:spcBef>
+                <a:spcPts val="0"/>
+              </a:spcBef>
+              <a:buFont typeface="Arial" charset="0"/>
               <a:buNone/>
             </a:pPr>
             <a:r>
-              <a:rPr lang="en-US" sz="1600" b="1" dirty="0" smtClean="0">
-                <a:latin typeface="Courier New" pitchFamily="49" charset="0"/>
-                <a:cs typeface="Courier New" pitchFamily="49" charset="0"/>
-              </a:rPr>
-              <a:t>            </a:t>
-            </a:r>
-            <a:r>
-              <a:rPr lang="en-US" sz="1600" b="1" dirty="0" err="1" smtClean="0">
-                <a:latin typeface="Courier New" pitchFamily="49" charset="0"/>
-                <a:cs typeface="Courier New" pitchFamily="49" charset="0"/>
-              </a:rPr>
-              <a:t>System.out.println</a:t>
-            </a:r>
-            <a:r>
-              <a:rPr lang="en-US" sz="1600" b="1" dirty="0" smtClean="0">
-                <a:latin typeface="Courier New" pitchFamily="49" charset="0"/>
-                <a:cs typeface="Courier New" pitchFamily="49" charset="0"/>
-              </a:rPr>
-              <a:t>(</a:t>
-            </a:r>
-            <a:r>
-              <a:rPr lang="en-US" sz="1600" b="1" dirty="0" err="1" smtClean="0">
-                <a:latin typeface="Courier New" pitchFamily="49" charset="0"/>
-                <a:cs typeface="Courier New" pitchFamily="49" charset="0"/>
-              </a:rPr>
-              <a:t>inputLine</a:t>
-            </a:r>
-            <a:r>
-              <a:rPr lang="en-US" sz="1600" b="1" dirty="0" smtClean="0">
-                <a:latin typeface="Courier New" pitchFamily="49" charset="0"/>
-                <a:cs typeface="Courier New" pitchFamily="49" charset="0"/>
-              </a:rPr>
-              <a:t>);</a:t>
-            </a:r>
-          </a:p>
-          <a:p>
-            <a:pPr>
+              <a:rPr lang="en-US" sz="1800" dirty="0" smtClean="0">
+                <a:latin typeface="Courier New" pitchFamily="49" charset="0"/>
+                <a:cs typeface="Courier New" pitchFamily="49" charset="0"/>
+              </a:rPr>
+              <a:t>    if  (</a:t>
+            </a:r>
+            <a:r>
+              <a:rPr lang="en-US" sz="1800" dirty="0" err="1" smtClean="0">
+                <a:latin typeface="Courier New" pitchFamily="49" charset="0"/>
+                <a:cs typeface="Courier New" pitchFamily="49" charset="0"/>
+              </a:rPr>
+              <a:t>args.length</a:t>
+            </a:r>
+            <a:r>
+              <a:rPr lang="en-US" sz="1800" dirty="0" smtClean="0">
+                <a:latin typeface="Courier New" pitchFamily="49" charset="0"/>
+                <a:cs typeface="Courier New" pitchFamily="49" charset="0"/>
+              </a:rPr>
+              <a:t> &gt; 0) {</a:t>
+            </a:r>
+            <a:endParaRPr lang="en-IN" sz="1800" dirty="0" smtClean="0">
+              <a:latin typeface="Courier New" pitchFamily="49" charset="0"/>
+              <a:cs typeface="Courier New" pitchFamily="49" charset="0"/>
+            </a:endParaRPr>
+          </a:p>
+          <a:p>
+            <a:pPr marL="0" indent="0">
               <a:lnSpc>
-                <a:spcPct val="80000"/>
+                <a:spcPct val="100000"/>
               </a:lnSpc>
-              <a:buFont typeface="Wingdings" pitchFamily="2" charset="2"/>
+              <a:spcBef>
+                <a:spcPts val="0"/>
+              </a:spcBef>
+              <a:buFont typeface="Arial" charset="0"/>
               <a:buNone/>
             </a:pPr>
             <a:r>
-              <a:rPr lang="en-US" sz="1600" b="1" dirty="0" smtClean="0">
-                <a:latin typeface="Courier New" pitchFamily="49" charset="0"/>
-                <a:cs typeface="Courier New" pitchFamily="49" charset="0"/>
-              </a:rPr>
-              <a:t>        </a:t>
-            </a:r>
-            <a:r>
-              <a:rPr lang="en-US" sz="1600" b="1" dirty="0" err="1" smtClean="0">
-                <a:latin typeface="Courier New" pitchFamily="49" charset="0"/>
-                <a:cs typeface="Courier New" pitchFamily="49" charset="0"/>
-              </a:rPr>
-              <a:t>in.close</a:t>
-            </a:r>
-            <a:r>
-              <a:rPr lang="en-US" sz="1600" b="1" dirty="0" smtClean="0">
-                <a:latin typeface="Courier New" pitchFamily="49" charset="0"/>
-                <a:cs typeface="Courier New" pitchFamily="49" charset="0"/>
-              </a:rPr>
-              <a:t>();</a:t>
-            </a:r>
-          </a:p>
-          <a:p>
-            <a:pPr>
+              <a:rPr lang="en-US" sz="1800" dirty="0" smtClean="0">
+                <a:latin typeface="Courier New" pitchFamily="49" charset="0"/>
+                <a:cs typeface="Courier New" pitchFamily="49" charset="0"/>
+              </a:rPr>
+              <a:t>      try {</a:t>
+            </a:r>
+            <a:endParaRPr lang="en-IN" sz="1800" dirty="0" smtClean="0">
+              <a:latin typeface="Courier New" pitchFamily="49" charset="0"/>
+              <a:cs typeface="Courier New" pitchFamily="49" charset="0"/>
+            </a:endParaRPr>
+          </a:p>
+          <a:p>
+            <a:pPr marL="0" indent="0">
               <a:lnSpc>
-                <a:spcPct val="80000"/>
+                <a:spcPct val="100000"/>
               </a:lnSpc>
-              <a:buFont typeface="Wingdings" pitchFamily="2" charset="2"/>
+              <a:spcBef>
+                <a:spcPts val="0"/>
+              </a:spcBef>
+              <a:buFont typeface="Arial" charset="0"/>
               <a:buNone/>
             </a:pPr>
             <a:r>
-              <a:rPr lang="en-US" sz="1600" b="1" dirty="0" smtClean="0">
-                <a:latin typeface="Courier New" pitchFamily="49" charset="0"/>
-                <a:cs typeface="Courier New" pitchFamily="49" charset="0"/>
-              </a:rPr>
-              <a:t>    }</a:t>
-            </a:r>
-          </a:p>
-          <a:p>
-            <a:pPr>
+              <a:rPr lang="en-US" sz="1800" dirty="0" smtClean="0">
+                <a:latin typeface="Courier New" pitchFamily="49" charset="0"/>
+                <a:cs typeface="Courier New" pitchFamily="49" charset="0"/>
+              </a:rPr>
+              <a:t>        //Open the </a:t>
+            </a:r>
+            <a:r>
+              <a:rPr lang="en-US" sz="1800" dirty="0" err="1" smtClean="0">
+                <a:latin typeface="Courier New" pitchFamily="49" charset="0"/>
+                <a:cs typeface="Courier New" pitchFamily="49" charset="0"/>
+              </a:rPr>
+              <a:t>URLConnection</a:t>
+            </a:r>
+            <a:r>
+              <a:rPr lang="en-US" sz="1800" dirty="0" smtClean="0">
+                <a:latin typeface="Courier New" pitchFamily="49" charset="0"/>
+                <a:cs typeface="Courier New" pitchFamily="49" charset="0"/>
+              </a:rPr>
+              <a:t> for reading</a:t>
+            </a:r>
+            <a:endParaRPr lang="en-IN" sz="1800" dirty="0" smtClean="0">
+              <a:latin typeface="Courier New" pitchFamily="49" charset="0"/>
+              <a:cs typeface="Courier New" pitchFamily="49" charset="0"/>
+            </a:endParaRPr>
+          </a:p>
+          <a:p>
+            <a:pPr marL="0" indent="0">
               <a:lnSpc>
-                <a:spcPct val="80000"/>
+                <a:spcPct val="100000"/>
               </a:lnSpc>
-              <a:buFont typeface="Wingdings" pitchFamily="2" charset="2"/>
+              <a:spcBef>
+                <a:spcPts val="0"/>
+              </a:spcBef>
+              <a:buFont typeface="Arial" charset="0"/>
               <a:buNone/>
             </a:pPr>
             <a:r>
-              <a:rPr lang="en-US" sz="1600" b="1" dirty="0" smtClean="0">
-                <a:latin typeface="Courier New" pitchFamily="49" charset="0"/>
-                <a:cs typeface="Courier New" pitchFamily="49" charset="0"/>
-              </a:rPr>
-              <a:t>}</a:t>
-            </a:r>
+              <a:rPr lang="en-US" sz="1800" dirty="0" smtClean="0">
+                <a:latin typeface="Courier New" pitchFamily="49" charset="0"/>
+                <a:cs typeface="Courier New" pitchFamily="49" charset="0"/>
+              </a:rPr>
+              <a:t>        URL u = new URL(</a:t>
+            </a:r>
+            <a:r>
+              <a:rPr lang="en-US" sz="1800" dirty="0" err="1" smtClean="0">
+                <a:latin typeface="Courier New" pitchFamily="49" charset="0"/>
+                <a:cs typeface="Courier New" pitchFamily="49" charset="0"/>
+              </a:rPr>
+              <a:t>args</a:t>
+            </a:r>
+            <a:r>
+              <a:rPr lang="en-US" sz="1800" dirty="0" smtClean="0">
+                <a:latin typeface="Courier New" pitchFamily="49" charset="0"/>
+                <a:cs typeface="Courier New" pitchFamily="49" charset="0"/>
+              </a:rPr>
+              <a:t>[0]);</a:t>
+            </a:r>
+            <a:endParaRPr lang="en-IN" sz="1800" dirty="0" smtClean="0">
+              <a:latin typeface="Courier New" pitchFamily="49" charset="0"/>
+              <a:cs typeface="Courier New" pitchFamily="49" charset="0"/>
+            </a:endParaRPr>
+          </a:p>
+          <a:p>
+            <a:pPr marL="0" indent="0">
+              <a:lnSpc>
+                <a:spcPct val="100000"/>
+              </a:lnSpc>
+              <a:spcBef>
+                <a:spcPts val="0"/>
+              </a:spcBef>
+              <a:buFont typeface="Arial" charset="0"/>
+              <a:buNone/>
+            </a:pPr>
+            <a:r>
+              <a:rPr lang="en-US" sz="1800" dirty="0" smtClean="0">
+                <a:latin typeface="Courier New" pitchFamily="49" charset="0"/>
+                <a:cs typeface="Courier New" pitchFamily="49" charset="0"/>
+              </a:rPr>
+              <a:t>        </a:t>
+            </a:r>
+            <a:r>
+              <a:rPr lang="en-US" sz="1800" dirty="0" err="1" smtClean="0">
+                <a:latin typeface="Courier New" pitchFamily="49" charset="0"/>
+                <a:cs typeface="Courier New" pitchFamily="49" charset="0"/>
+              </a:rPr>
+              <a:t>URLConnection</a:t>
+            </a:r>
+            <a:r>
+              <a:rPr lang="en-US" sz="1800" dirty="0" smtClean="0">
+                <a:latin typeface="Courier New" pitchFamily="49" charset="0"/>
+                <a:cs typeface="Courier New" pitchFamily="49" charset="0"/>
+              </a:rPr>
+              <a:t> </a:t>
+            </a:r>
+            <a:r>
+              <a:rPr lang="en-US" sz="1800" dirty="0" err="1" smtClean="0">
+                <a:latin typeface="Courier New" pitchFamily="49" charset="0"/>
+                <a:cs typeface="Courier New" pitchFamily="49" charset="0"/>
+              </a:rPr>
+              <a:t>uc</a:t>
+            </a:r>
+            <a:r>
+              <a:rPr lang="en-US" sz="1800" dirty="0" smtClean="0">
+                <a:latin typeface="Courier New" pitchFamily="49" charset="0"/>
+                <a:cs typeface="Courier New" pitchFamily="49" charset="0"/>
+              </a:rPr>
+              <a:t> = </a:t>
+            </a:r>
+            <a:r>
+              <a:rPr lang="en-US" sz="1800" dirty="0" err="1" smtClean="0">
+                <a:latin typeface="Courier New" pitchFamily="49" charset="0"/>
+                <a:cs typeface="Courier New" pitchFamily="49" charset="0"/>
+              </a:rPr>
+              <a:t>u.openConnection</a:t>
+            </a:r>
+            <a:r>
+              <a:rPr lang="en-US" sz="1800" dirty="0" smtClean="0">
+                <a:latin typeface="Courier New" pitchFamily="49" charset="0"/>
+                <a:cs typeface="Courier New" pitchFamily="49" charset="0"/>
+              </a:rPr>
+              <a:t>( );</a:t>
+            </a:r>
+            <a:endParaRPr lang="en-IN" sz="1800" dirty="0" smtClean="0">
+              <a:latin typeface="Courier New" pitchFamily="49" charset="0"/>
+              <a:cs typeface="Courier New" pitchFamily="49" charset="0"/>
+            </a:endParaRPr>
+          </a:p>
+          <a:p>
+            <a:pPr marL="0" indent="0">
+              <a:lnSpc>
+                <a:spcPct val="100000"/>
+              </a:lnSpc>
+              <a:spcBef>
+                <a:spcPts val="0"/>
+              </a:spcBef>
+              <a:buFont typeface="Arial" charset="0"/>
+              <a:buNone/>
+            </a:pPr>
+            <a:r>
+              <a:rPr lang="en-US" sz="1800" dirty="0" smtClean="0">
+                <a:latin typeface="Courier New" pitchFamily="49" charset="0"/>
+                <a:cs typeface="Courier New" pitchFamily="49" charset="0"/>
+              </a:rPr>
+              <a:t>        </a:t>
+            </a:r>
+            <a:r>
+              <a:rPr lang="en-US" sz="1800" dirty="0" err="1" smtClean="0">
+                <a:latin typeface="Courier New" pitchFamily="49" charset="0"/>
+                <a:cs typeface="Courier New" pitchFamily="49" charset="0"/>
+              </a:rPr>
+              <a:t>InputStream</a:t>
+            </a:r>
+            <a:r>
+              <a:rPr lang="en-US" sz="1800" dirty="0" smtClean="0">
+                <a:latin typeface="Courier New" pitchFamily="49" charset="0"/>
+                <a:cs typeface="Courier New" pitchFamily="49" charset="0"/>
+              </a:rPr>
+              <a:t> raw = </a:t>
+            </a:r>
+            <a:r>
+              <a:rPr lang="en-US" sz="1800" dirty="0" err="1" smtClean="0">
+                <a:latin typeface="Courier New" pitchFamily="49" charset="0"/>
+                <a:cs typeface="Courier New" pitchFamily="49" charset="0"/>
+              </a:rPr>
+              <a:t>uc.getInputStream</a:t>
+            </a:r>
+            <a:r>
+              <a:rPr lang="en-US" sz="1800" dirty="0" smtClean="0">
+                <a:latin typeface="Courier New" pitchFamily="49" charset="0"/>
+                <a:cs typeface="Courier New" pitchFamily="49" charset="0"/>
+              </a:rPr>
+              <a:t>( );</a:t>
+            </a:r>
+            <a:endParaRPr lang="en-IN" sz="1800" dirty="0" smtClean="0">
+              <a:latin typeface="Courier New" pitchFamily="49" charset="0"/>
+              <a:cs typeface="Courier New" pitchFamily="49" charset="0"/>
+            </a:endParaRPr>
+          </a:p>
+          <a:p>
+            <a:pPr marL="0" indent="0">
+              <a:lnSpc>
+                <a:spcPct val="100000"/>
+              </a:lnSpc>
+              <a:spcBef>
+                <a:spcPts val="0"/>
+              </a:spcBef>
+              <a:buFont typeface="Arial" charset="0"/>
+              <a:buNone/>
+            </a:pPr>
+            <a:r>
+              <a:rPr lang="en-US" sz="1800" dirty="0" smtClean="0">
+                <a:latin typeface="Courier New" pitchFamily="49" charset="0"/>
+                <a:cs typeface="Courier New" pitchFamily="49" charset="0"/>
+              </a:rPr>
+              <a:t>        </a:t>
+            </a:r>
+            <a:r>
+              <a:rPr lang="en-US" sz="1800" dirty="0" err="1" smtClean="0">
+                <a:latin typeface="Courier New" pitchFamily="49" charset="0"/>
+                <a:cs typeface="Courier New" pitchFamily="49" charset="0"/>
+              </a:rPr>
+              <a:t>InputStream</a:t>
+            </a:r>
+            <a:r>
+              <a:rPr lang="en-US" sz="1800" dirty="0" smtClean="0">
+                <a:latin typeface="Courier New" pitchFamily="49" charset="0"/>
+                <a:cs typeface="Courier New" pitchFamily="49" charset="0"/>
+              </a:rPr>
+              <a:t> buffer = new </a:t>
+            </a:r>
+            <a:r>
+              <a:rPr lang="en-US" sz="1800" dirty="0" err="1" smtClean="0">
+                <a:latin typeface="Courier New" pitchFamily="49" charset="0"/>
+                <a:cs typeface="Courier New" pitchFamily="49" charset="0"/>
+              </a:rPr>
+              <a:t>BufferedInputStream</a:t>
+            </a:r>
+            <a:r>
+              <a:rPr lang="en-US" sz="1800" dirty="0" smtClean="0">
+                <a:latin typeface="Courier New" pitchFamily="49" charset="0"/>
+                <a:cs typeface="Courier New" pitchFamily="49" charset="0"/>
+              </a:rPr>
+              <a:t>(raw);       </a:t>
+            </a:r>
+            <a:endParaRPr lang="en-IN" sz="1800" dirty="0" smtClean="0">
+              <a:latin typeface="Courier New" pitchFamily="49" charset="0"/>
+              <a:cs typeface="Courier New" pitchFamily="49" charset="0"/>
+            </a:endParaRPr>
+          </a:p>
+          <a:p>
+            <a:pPr marL="0" indent="0">
+              <a:lnSpc>
+                <a:spcPct val="100000"/>
+              </a:lnSpc>
+              <a:spcBef>
+                <a:spcPts val="0"/>
+              </a:spcBef>
+              <a:buFont typeface="Arial" charset="0"/>
+              <a:buNone/>
+            </a:pPr>
+            <a:r>
+              <a:rPr lang="en-US" sz="1800" dirty="0" smtClean="0">
+                <a:latin typeface="Courier New" pitchFamily="49" charset="0"/>
+                <a:cs typeface="Courier New" pitchFamily="49" charset="0"/>
+              </a:rPr>
+              <a:t>        // chain the </a:t>
+            </a:r>
+            <a:r>
+              <a:rPr lang="en-US" sz="1800" dirty="0" err="1" smtClean="0">
+                <a:latin typeface="Courier New" pitchFamily="49" charset="0"/>
+                <a:cs typeface="Courier New" pitchFamily="49" charset="0"/>
+              </a:rPr>
+              <a:t>InputStream</a:t>
+            </a:r>
+            <a:r>
+              <a:rPr lang="en-US" sz="1800" dirty="0" smtClean="0">
+                <a:latin typeface="Courier New" pitchFamily="49" charset="0"/>
+                <a:cs typeface="Courier New" pitchFamily="49" charset="0"/>
+              </a:rPr>
+              <a:t> to a Reader</a:t>
+            </a:r>
+            <a:endParaRPr lang="en-IN" sz="1800" dirty="0" smtClean="0">
+              <a:latin typeface="Courier New" pitchFamily="49" charset="0"/>
+              <a:cs typeface="Courier New" pitchFamily="49" charset="0"/>
+            </a:endParaRPr>
+          </a:p>
+          <a:p>
+            <a:pPr marL="0" indent="0">
+              <a:lnSpc>
+                <a:spcPct val="100000"/>
+              </a:lnSpc>
+              <a:spcBef>
+                <a:spcPts val="0"/>
+              </a:spcBef>
+              <a:buFont typeface="Arial" charset="0"/>
+              <a:buNone/>
+            </a:pPr>
+            <a:r>
+              <a:rPr lang="en-US" sz="1800" dirty="0" smtClean="0">
+                <a:latin typeface="Courier New" pitchFamily="49" charset="0"/>
+                <a:cs typeface="Courier New" pitchFamily="49" charset="0"/>
+              </a:rPr>
+              <a:t>        Reader r = new </a:t>
+            </a:r>
+            <a:r>
+              <a:rPr lang="en-US" sz="1800" dirty="0" err="1" smtClean="0">
+                <a:latin typeface="Courier New" pitchFamily="49" charset="0"/>
+                <a:cs typeface="Courier New" pitchFamily="49" charset="0"/>
+              </a:rPr>
+              <a:t>InputStreamReader</a:t>
+            </a:r>
+            <a:r>
+              <a:rPr lang="en-US" sz="1800" dirty="0" smtClean="0">
+                <a:latin typeface="Courier New" pitchFamily="49" charset="0"/>
+                <a:cs typeface="Courier New" pitchFamily="49" charset="0"/>
+              </a:rPr>
+              <a:t>(buffer);</a:t>
+            </a:r>
+            <a:endParaRPr lang="en-IN" sz="1800" dirty="0" smtClean="0">
+              <a:latin typeface="Courier New" pitchFamily="49" charset="0"/>
+              <a:cs typeface="Courier New" pitchFamily="49" charset="0"/>
+            </a:endParaRPr>
+          </a:p>
+          <a:p>
+            <a:pPr marL="0" indent="0">
+              <a:lnSpc>
+                <a:spcPct val="100000"/>
+              </a:lnSpc>
+              <a:spcBef>
+                <a:spcPts val="0"/>
+              </a:spcBef>
+              <a:buFont typeface="Arial" charset="0"/>
+              <a:buNone/>
+            </a:pPr>
+            <a:r>
+              <a:rPr lang="en-US" sz="1800" dirty="0" smtClean="0">
+                <a:latin typeface="Courier New" pitchFamily="49" charset="0"/>
+                <a:cs typeface="Courier New" pitchFamily="49" charset="0"/>
+              </a:rPr>
+              <a:t>        </a:t>
+            </a:r>
+            <a:r>
+              <a:rPr lang="en-US" sz="1800" dirty="0" err="1" smtClean="0">
+                <a:latin typeface="Courier New" pitchFamily="49" charset="0"/>
+                <a:cs typeface="Courier New" pitchFamily="49" charset="0"/>
+              </a:rPr>
+              <a:t>int</a:t>
+            </a:r>
+            <a:r>
+              <a:rPr lang="en-US" sz="1800" dirty="0" smtClean="0">
+                <a:latin typeface="Courier New" pitchFamily="49" charset="0"/>
+                <a:cs typeface="Courier New" pitchFamily="49" charset="0"/>
+              </a:rPr>
+              <a:t> c;</a:t>
+            </a:r>
+            <a:endParaRPr lang="en-IN" sz="1800" dirty="0" smtClean="0">
+              <a:latin typeface="Courier New" pitchFamily="49" charset="0"/>
+              <a:cs typeface="Courier New" pitchFamily="49" charset="0"/>
+            </a:endParaRPr>
+          </a:p>
+          <a:p>
+            <a:pPr marL="0" indent="0">
+              <a:lnSpc>
+                <a:spcPct val="100000"/>
+              </a:lnSpc>
+              <a:spcBef>
+                <a:spcPts val="0"/>
+              </a:spcBef>
+              <a:buFont typeface="Arial" charset="0"/>
+              <a:buNone/>
+            </a:pPr>
+            <a:r>
+              <a:rPr lang="en-US" sz="1800" dirty="0" smtClean="0">
+                <a:latin typeface="Courier New" pitchFamily="49" charset="0"/>
+                <a:cs typeface="Courier New" pitchFamily="49" charset="0"/>
+              </a:rPr>
+              <a:t>        while ((c = </a:t>
+            </a:r>
+            <a:r>
+              <a:rPr lang="en-US" sz="1800" dirty="0" err="1" smtClean="0">
+                <a:latin typeface="Courier New" pitchFamily="49" charset="0"/>
+                <a:cs typeface="Courier New" pitchFamily="49" charset="0"/>
+              </a:rPr>
+              <a:t>r.read</a:t>
+            </a:r>
+            <a:r>
+              <a:rPr lang="en-US" sz="1800" dirty="0" smtClean="0">
+                <a:latin typeface="Courier New" pitchFamily="49" charset="0"/>
+                <a:cs typeface="Courier New" pitchFamily="49" charset="0"/>
+              </a:rPr>
+              <a:t>( )) != -1) </a:t>
+            </a:r>
+          </a:p>
+          <a:p>
+            <a:pPr marL="0" indent="0">
+              <a:lnSpc>
+                <a:spcPct val="100000"/>
+              </a:lnSpc>
+              <a:spcBef>
+                <a:spcPts val="0"/>
+              </a:spcBef>
+              <a:buFont typeface="Arial" charset="0"/>
+              <a:buNone/>
+            </a:pPr>
+            <a:r>
+              <a:rPr lang="en-US" sz="1800" dirty="0">
+                <a:latin typeface="Courier New" pitchFamily="49" charset="0"/>
+                <a:cs typeface="Courier New" pitchFamily="49" charset="0"/>
+              </a:rPr>
+              <a:t>	 </a:t>
+            </a:r>
+            <a:r>
+              <a:rPr lang="en-US" sz="1800" dirty="0" smtClean="0">
+                <a:latin typeface="Courier New" pitchFamily="49" charset="0"/>
+                <a:cs typeface="Courier New" pitchFamily="49" charset="0"/>
+              </a:rPr>
+              <a:t>{  </a:t>
+            </a:r>
+            <a:r>
+              <a:rPr lang="en-US" sz="1800" dirty="0" err="1" smtClean="0">
+                <a:latin typeface="Courier New" pitchFamily="49" charset="0"/>
+                <a:cs typeface="Courier New" pitchFamily="49" charset="0"/>
+              </a:rPr>
+              <a:t>System.out.print</a:t>
+            </a:r>
+            <a:r>
+              <a:rPr lang="en-US" sz="1800" dirty="0" smtClean="0">
+                <a:latin typeface="Courier New" pitchFamily="49" charset="0"/>
+                <a:cs typeface="Courier New" pitchFamily="49" charset="0"/>
+              </a:rPr>
+              <a:t>((char) c);     } </a:t>
+            </a:r>
+            <a:endParaRPr lang="en-IN" sz="1800" dirty="0" smtClean="0">
+              <a:latin typeface="Courier New" pitchFamily="49" charset="0"/>
+              <a:cs typeface="Courier New" pitchFamily="49" charset="0"/>
+            </a:endParaRPr>
+          </a:p>
+          <a:p>
+            <a:pPr marL="0" indent="0">
+              <a:lnSpc>
+                <a:spcPct val="100000"/>
+              </a:lnSpc>
+              <a:spcBef>
+                <a:spcPts val="0"/>
+              </a:spcBef>
+              <a:buFont typeface="Arial" charset="0"/>
+              <a:buNone/>
+            </a:pPr>
+            <a:r>
+              <a:rPr lang="en-US" sz="1800" dirty="0" smtClean="0">
+                <a:latin typeface="Courier New" pitchFamily="49" charset="0"/>
+                <a:cs typeface="Courier New" pitchFamily="49" charset="0"/>
+              </a:rPr>
+              <a:t>      }</a:t>
+            </a:r>
+            <a:endParaRPr lang="en-IN" sz="1800" dirty="0" smtClean="0">
+              <a:latin typeface="Courier New" pitchFamily="49" charset="0"/>
+              <a:cs typeface="Courier New" pitchFamily="49" charset="0"/>
+            </a:endParaRPr>
+          </a:p>
+          <a:p>
+            <a:pPr marL="0" indent="0">
+              <a:lnSpc>
+                <a:spcPct val="100000"/>
+              </a:lnSpc>
+              <a:spcBef>
+                <a:spcPts val="0"/>
+              </a:spcBef>
+              <a:buFont typeface="Arial" charset="0"/>
+              <a:buNone/>
+            </a:pPr>
+            <a:r>
+              <a:rPr lang="en-US" sz="1800" dirty="0" smtClean="0">
+                <a:latin typeface="Courier New" pitchFamily="49" charset="0"/>
+                <a:cs typeface="Courier New" pitchFamily="49" charset="0"/>
+              </a:rPr>
+              <a:t>      catch (</a:t>
+            </a:r>
+            <a:r>
+              <a:rPr lang="en-US" sz="1800" dirty="0" err="1" smtClean="0">
+                <a:latin typeface="Courier New" pitchFamily="49" charset="0"/>
+                <a:cs typeface="Courier New" pitchFamily="49" charset="0"/>
+              </a:rPr>
+              <a:t>MalformedURLException</a:t>
+            </a:r>
+            <a:r>
+              <a:rPr lang="en-US" sz="1800" dirty="0" smtClean="0">
+                <a:latin typeface="Courier New" pitchFamily="49" charset="0"/>
+                <a:cs typeface="Courier New" pitchFamily="49" charset="0"/>
+              </a:rPr>
+              <a:t> ex) {</a:t>
+            </a:r>
+            <a:endParaRPr lang="en-IN" sz="1800" dirty="0" smtClean="0">
+              <a:latin typeface="Courier New" pitchFamily="49" charset="0"/>
+              <a:cs typeface="Courier New" pitchFamily="49" charset="0"/>
+            </a:endParaRPr>
+          </a:p>
+          <a:p>
+            <a:pPr marL="0" indent="0">
+              <a:lnSpc>
+                <a:spcPct val="100000"/>
+              </a:lnSpc>
+              <a:spcBef>
+                <a:spcPts val="0"/>
+              </a:spcBef>
+              <a:buFont typeface="Arial" charset="0"/>
+              <a:buNone/>
+            </a:pPr>
+            <a:r>
+              <a:rPr lang="en-US" sz="1800" dirty="0" smtClean="0">
+                <a:latin typeface="Courier New" pitchFamily="49" charset="0"/>
+                <a:cs typeface="Courier New" pitchFamily="49" charset="0"/>
+              </a:rPr>
+              <a:t>       </a:t>
+            </a:r>
+            <a:r>
+              <a:rPr lang="en-US" sz="1800" dirty="0" err="1" smtClean="0">
+                <a:latin typeface="Courier New" pitchFamily="49" charset="0"/>
+                <a:cs typeface="Courier New" pitchFamily="49" charset="0"/>
+              </a:rPr>
+              <a:t>System.err.println</a:t>
+            </a:r>
+            <a:r>
+              <a:rPr lang="en-US" sz="1800" dirty="0" smtClean="0">
+                <a:latin typeface="Courier New" pitchFamily="49" charset="0"/>
+                <a:cs typeface="Courier New" pitchFamily="49" charset="0"/>
+              </a:rPr>
+              <a:t>(</a:t>
+            </a:r>
+            <a:r>
+              <a:rPr lang="en-US" sz="1800" dirty="0" err="1" smtClean="0">
+                <a:latin typeface="Courier New" pitchFamily="49" charset="0"/>
+                <a:cs typeface="Courier New" pitchFamily="49" charset="0"/>
+              </a:rPr>
+              <a:t>args</a:t>
+            </a:r>
+            <a:r>
+              <a:rPr lang="en-US" sz="1800" dirty="0" smtClean="0">
+                <a:latin typeface="Courier New" pitchFamily="49" charset="0"/>
+                <a:cs typeface="Courier New" pitchFamily="49" charset="0"/>
+              </a:rPr>
+              <a:t>[0]+" is not a </a:t>
+            </a:r>
+            <a:r>
+              <a:rPr lang="en-US" sz="1800" dirty="0" err="1" smtClean="0">
+                <a:latin typeface="Courier New" pitchFamily="49" charset="0"/>
+                <a:cs typeface="Courier New" pitchFamily="49" charset="0"/>
+              </a:rPr>
+              <a:t>parseable</a:t>
+            </a:r>
+            <a:r>
+              <a:rPr lang="en-US" sz="1800" dirty="0" smtClean="0">
+                <a:latin typeface="Courier New" pitchFamily="49" charset="0"/>
+                <a:cs typeface="Courier New" pitchFamily="49" charset="0"/>
+              </a:rPr>
+              <a:t> URL");</a:t>
+            </a:r>
+            <a:endParaRPr lang="en-IN" sz="1800" dirty="0" smtClean="0">
+              <a:latin typeface="Courier New" pitchFamily="49" charset="0"/>
+              <a:cs typeface="Courier New" pitchFamily="49" charset="0"/>
+            </a:endParaRPr>
+          </a:p>
+          <a:p>
+            <a:pPr marL="0" indent="0">
+              <a:lnSpc>
+                <a:spcPct val="100000"/>
+              </a:lnSpc>
+              <a:spcBef>
+                <a:spcPts val="0"/>
+              </a:spcBef>
+              <a:buFont typeface="Arial" charset="0"/>
+              <a:buNone/>
+            </a:pPr>
+            <a:r>
+              <a:rPr lang="en-US" sz="1800" dirty="0" smtClean="0">
+                <a:latin typeface="Courier New" pitchFamily="49" charset="0"/>
+                <a:cs typeface="Courier New" pitchFamily="49" charset="0"/>
+              </a:rPr>
+              <a:t>      }</a:t>
+            </a:r>
+            <a:endParaRPr lang="en-IN" sz="1800" dirty="0" smtClean="0">
+              <a:latin typeface="Courier New" pitchFamily="49" charset="0"/>
+              <a:cs typeface="Courier New" pitchFamily="49" charset="0"/>
+            </a:endParaRPr>
+          </a:p>
+          <a:p>
+            <a:pPr marL="0" indent="0">
+              <a:lnSpc>
+                <a:spcPct val="100000"/>
+              </a:lnSpc>
+              <a:spcBef>
+                <a:spcPts val="0"/>
+              </a:spcBef>
+              <a:buFont typeface="Arial" charset="0"/>
+              <a:buNone/>
+            </a:pPr>
+            <a:r>
+              <a:rPr lang="en-US" sz="1800" dirty="0" smtClean="0">
+                <a:latin typeface="Courier New" pitchFamily="49" charset="0"/>
+                <a:cs typeface="Courier New" pitchFamily="49" charset="0"/>
+              </a:rPr>
+              <a:t>      catch (</a:t>
+            </a:r>
+            <a:r>
+              <a:rPr lang="en-US" sz="1800" dirty="0" err="1" smtClean="0">
+                <a:latin typeface="Courier New" pitchFamily="49" charset="0"/>
+                <a:cs typeface="Courier New" pitchFamily="49" charset="0"/>
+              </a:rPr>
+              <a:t>IOException</a:t>
+            </a:r>
+            <a:r>
+              <a:rPr lang="en-US" sz="1800" dirty="0" smtClean="0">
+                <a:latin typeface="Courier New" pitchFamily="49" charset="0"/>
+                <a:cs typeface="Courier New" pitchFamily="49" charset="0"/>
+              </a:rPr>
+              <a:t> ex) {</a:t>
+            </a:r>
+            <a:endParaRPr lang="en-IN" sz="1800" dirty="0" smtClean="0">
+              <a:latin typeface="Courier New" pitchFamily="49" charset="0"/>
+              <a:cs typeface="Courier New" pitchFamily="49" charset="0"/>
+            </a:endParaRPr>
+          </a:p>
+          <a:p>
+            <a:pPr marL="0" indent="0">
+              <a:lnSpc>
+                <a:spcPct val="100000"/>
+              </a:lnSpc>
+              <a:spcBef>
+                <a:spcPts val="0"/>
+              </a:spcBef>
+              <a:buFont typeface="Arial" charset="0"/>
+              <a:buNone/>
+            </a:pPr>
+            <a:r>
+              <a:rPr lang="en-US" sz="1800" dirty="0" smtClean="0">
+                <a:latin typeface="Courier New" pitchFamily="49" charset="0"/>
+                <a:cs typeface="Courier New" pitchFamily="49" charset="0"/>
+              </a:rPr>
+              <a:t>       </a:t>
+            </a:r>
+            <a:r>
+              <a:rPr lang="en-US" sz="1800" dirty="0" err="1" smtClean="0">
+                <a:latin typeface="Courier New" pitchFamily="49" charset="0"/>
+                <a:cs typeface="Courier New" pitchFamily="49" charset="0"/>
+              </a:rPr>
+              <a:t>System.err.println</a:t>
+            </a:r>
+            <a:r>
+              <a:rPr lang="en-US" sz="1800" dirty="0" smtClean="0">
+                <a:latin typeface="Courier New" pitchFamily="49" charset="0"/>
+                <a:cs typeface="Courier New" pitchFamily="49" charset="0"/>
+              </a:rPr>
+              <a:t>(ex);</a:t>
+            </a:r>
+            <a:endParaRPr lang="en-IN" sz="1800" dirty="0" smtClean="0">
+              <a:latin typeface="Courier New" pitchFamily="49" charset="0"/>
+              <a:cs typeface="Courier New" pitchFamily="49" charset="0"/>
+            </a:endParaRPr>
+          </a:p>
+          <a:p>
+            <a:pPr marL="0" indent="0">
+              <a:lnSpc>
+                <a:spcPct val="100000"/>
+              </a:lnSpc>
+              <a:spcBef>
+                <a:spcPts val="0"/>
+              </a:spcBef>
+              <a:buFont typeface="Arial" charset="0"/>
+              <a:buNone/>
+            </a:pPr>
+            <a:r>
+              <a:rPr lang="en-US" sz="1800" dirty="0" smtClean="0">
+                <a:latin typeface="Courier New" pitchFamily="49" charset="0"/>
+                <a:cs typeface="Courier New" pitchFamily="49" charset="0"/>
+              </a:rPr>
+              <a:t>      }</a:t>
+            </a:r>
+            <a:endParaRPr lang="en-IN" sz="1800" dirty="0" smtClean="0">
+              <a:latin typeface="Courier New" pitchFamily="49" charset="0"/>
+              <a:cs typeface="Courier New" pitchFamily="49" charset="0"/>
+            </a:endParaRPr>
+          </a:p>
+          <a:p>
+            <a:pPr marL="0" indent="0">
+              <a:lnSpc>
+                <a:spcPct val="100000"/>
+              </a:lnSpc>
+              <a:spcBef>
+                <a:spcPts val="0"/>
+              </a:spcBef>
+              <a:buFont typeface="Arial" charset="0"/>
+              <a:buNone/>
+            </a:pPr>
+            <a:r>
+              <a:rPr lang="en-US" sz="1800" dirty="0" smtClean="0">
+                <a:latin typeface="Courier New" pitchFamily="49" charset="0"/>
+                <a:cs typeface="Courier New" pitchFamily="49" charset="0"/>
+              </a:rPr>
+              <a:t>    } //  end if</a:t>
+            </a:r>
+            <a:endParaRPr lang="en-IN" sz="1800" dirty="0" smtClean="0">
+              <a:latin typeface="Courier New" pitchFamily="49" charset="0"/>
+              <a:cs typeface="Courier New" pitchFamily="49" charset="0"/>
+            </a:endParaRPr>
+          </a:p>
+          <a:p>
+            <a:pPr marL="0" indent="0">
+              <a:lnSpc>
+                <a:spcPct val="100000"/>
+              </a:lnSpc>
+              <a:spcBef>
+                <a:spcPts val="0"/>
+              </a:spcBef>
+              <a:buFont typeface="Arial" charset="0"/>
+              <a:buNone/>
+            </a:pPr>
+            <a:r>
+              <a:rPr lang="en-US" sz="1800" b="1" dirty="0" smtClean="0">
+                <a:latin typeface="Courier New" pitchFamily="49" charset="0"/>
+                <a:cs typeface="Courier New" pitchFamily="49" charset="0"/>
+              </a:rPr>
+              <a:t>  } // end main</a:t>
+            </a:r>
+            <a:endParaRPr lang="en-IN" sz="1800" b="1" dirty="0" smtClean="0">
+              <a:latin typeface="Courier New" pitchFamily="49" charset="0"/>
+              <a:cs typeface="Courier New" pitchFamily="49" charset="0"/>
+            </a:endParaRPr>
+          </a:p>
+          <a:p>
+            <a:pPr marL="0" indent="0">
+              <a:lnSpc>
+                <a:spcPct val="100000"/>
+              </a:lnSpc>
+              <a:spcBef>
+                <a:spcPts val="0"/>
+              </a:spcBef>
+              <a:buFont typeface="Arial" charset="0"/>
+              <a:buNone/>
+            </a:pPr>
+            <a:r>
+              <a:rPr lang="en-US" sz="1800" b="1" dirty="0" smtClean="0">
+                <a:latin typeface="Courier New" pitchFamily="49" charset="0"/>
+                <a:cs typeface="Courier New" pitchFamily="49" charset="0"/>
+              </a:rPr>
+              <a:t>}  // end SourceViewer2</a:t>
+            </a:r>
+            <a:endParaRPr lang="en-IN" sz="1800" b="1" dirty="0" smtClean="0">
+              <a:latin typeface="Courier New" pitchFamily="49" charset="0"/>
+              <a:cs typeface="Courier New" pitchFamily="49" charset="0"/>
+            </a:endParaRPr>
+          </a:p>
+        </p:txBody>
+      </p:sp>
+      <p:sp>
+        <p:nvSpPr>
+          <p:cNvPr id="2" name="Slide Number Placeholder 1"/>
+          <p:cNvSpPr>
+            <a:spLocks noGrp="1"/>
+          </p:cNvSpPr>
+          <p:nvPr>
+            <p:ph type="sldNum" sz="quarter" idx="12"/>
+          </p:nvPr>
+        </p:nvSpPr>
+        <p:spPr/>
+        <p:txBody>
+          <a:bodyPr/>
+          <a:lstStyle/>
+          <a:p>
+            <a:fld id="{9C11CE39-2868-44A2-A0C6-827D458F7A8B}" type="slidenum">
+              <a:rPr lang="en-IN" smtClean="0"/>
+              <a:pPr/>
+              <a:t>61</a:t>
+            </a:fld>
+            <a:endParaRPr lang="en-IN"/>
           </a:p>
         </p:txBody>
       </p:sp>
@@ -33257,7 +34649,7 @@
     </p:custDataLst>
     <p:extLst>
       <p:ext uri="{BB962C8B-B14F-4D97-AF65-F5344CB8AC3E}">
-        <p14:creationId xmlns:p14="http://schemas.microsoft.com/office/powerpoint/2010/main" val="3932914204"/>
+        <p14:creationId xmlns:p14="http://schemas.microsoft.com/office/powerpoint/2010/main" val="423194701"/>
       </p:ext>
     </p:extLst>
   </p:cSld>
@@ -33364,6 +34756,30 @@
               <a:t> can write data to the server as well as read data from the server.</a:t>
             </a:r>
             <a:endParaRPr lang="en-IN" dirty="0" smtClean="0"/>
+          </a:p>
+        </p:txBody>
+      </p:sp>
+      <p:sp>
+        <p:nvSpPr>
+          <p:cNvPr id="2" name="Slide Number Placeholder 1"/>
+          <p:cNvSpPr>
+            <a:spLocks noGrp="1"/>
+          </p:cNvSpPr>
+          <p:nvPr>
+            <p:ph type="sldNum" sz="quarter" idx="12"/>
+          </p:nvPr>
+        </p:nvSpPr>
+        <p:spPr/>
+        <p:txBody>
+          <a:bodyPr/>
+          <a:lstStyle/>
+          <a:p>
+            <a:fld id="{9C11CE39-2868-44A2-A0C6-827D458F7A8B}" type="slidenum">
+              <a:rPr lang="en-IN" smtClean="0"/>
+              <a:pPr/>
+              <a:t>62</a:t>
+            </a:fld>
+            <a:endParaRPr lang="en-IN"/>
           </a:p>
         </p:txBody>
       </p:sp>
@@ -33556,6 +34972,30 @@
           </a:p>
         </p:txBody>
       </p:sp>
+      <p:sp>
+        <p:nvSpPr>
+          <p:cNvPr id="2" name="Slide Number Placeholder 1"/>
+          <p:cNvSpPr>
+            <a:spLocks noGrp="1"/>
+          </p:cNvSpPr>
+          <p:nvPr>
+            <p:ph type="sldNum" sz="quarter" idx="12"/>
+          </p:nvPr>
+        </p:nvSpPr>
+        <p:spPr/>
+        <p:txBody>
+          <a:bodyPr/>
+          <a:lstStyle/>
+          <a:p>
+            <a:fld id="{9C11CE39-2868-44A2-A0C6-827D458F7A8B}" type="slidenum">
+              <a:rPr lang="en-IN" smtClean="0"/>
+              <a:pPr/>
+              <a:t>63</a:t>
+            </a:fld>
+            <a:endParaRPr lang="en-IN"/>
+          </a:p>
+        </p:txBody>
+      </p:sp>
     </p:spTree>
     <p:custDataLst>
       <p:tags r:id="rId1"/>
@@ -33715,6 +35155,30 @@
               <a:t>( )</a:t>
             </a:r>
             <a:endParaRPr lang="en-IN" dirty="0" smtClean="0"/>
+          </a:p>
+        </p:txBody>
+      </p:sp>
+      <p:sp>
+        <p:nvSpPr>
+          <p:cNvPr id="2" name="Slide Number Placeholder 1"/>
+          <p:cNvSpPr>
+            <a:spLocks noGrp="1"/>
+          </p:cNvSpPr>
+          <p:nvPr>
+            <p:ph type="sldNum" sz="quarter" idx="12"/>
+          </p:nvPr>
+        </p:nvSpPr>
+        <p:spPr/>
+        <p:txBody>
+          <a:bodyPr/>
+          <a:lstStyle/>
+          <a:p>
+            <a:fld id="{9C11CE39-2868-44A2-A0C6-827D458F7A8B}" type="slidenum">
+              <a:rPr lang="en-IN" smtClean="0"/>
+              <a:pPr/>
+              <a:t>64</a:t>
+            </a:fld>
+            <a:endParaRPr lang="en-IN"/>
           </a:p>
         </p:txBody>
       </p:sp>
@@ -34790,6 +36254,30 @@
           </a:p>
         </p:txBody>
       </p:sp>
+      <p:sp>
+        <p:nvSpPr>
+          <p:cNvPr id="2" name="Slide Number Placeholder 1"/>
+          <p:cNvSpPr>
+            <a:spLocks noGrp="1"/>
+          </p:cNvSpPr>
+          <p:nvPr>
+            <p:ph type="sldNum" sz="quarter" idx="12"/>
+          </p:nvPr>
+        </p:nvSpPr>
+        <p:spPr/>
+        <p:txBody>
+          <a:bodyPr/>
+          <a:lstStyle/>
+          <a:p>
+            <a:fld id="{9C11CE39-2868-44A2-A0C6-827D458F7A8B}" type="slidenum">
+              <a:rPr lang="en-IN" smtClean="0"/>
+              <a:pPr/>
+              <a:t>65</a:t>
+            </a:fld>
+            <a:endParaRPr lang="en-IN"/>
+          </a:p>
+        </p:txBody>
+      </p:sp>
     </p:spTree>
     <p:custDataLst>
       <p:tags r:id="rId1"/>
@@ -34803,6 +36291,13 @@
   <p:clrMapOvr>
     <a:masterClrMapping/>
   </p:clrMapOvr>
+  <p:timing>
+    <p:tnLst>
+      <p:par>
+        <p:cTn id="1" dur="indefinite" restart="never" nodeType="tmRoot"/>
+      </p:par>
+    </p:tnLst>
+  </p:timing>
 </p:sld>
 </file>
 
@@ -34967,6 +36462,30 @@
           </a:p>
         </p:txBody>
       </p:sp>
+      <p:sp>
+        <p:nvSpPr>
+          <p:cNvPr id="3" name="Slide Number Placeholder 2"/>
+          <p:cNvSpPr>
+            <a:spLocks noGrp="1"/>
+          </p:cNvSpPr>
+          <p:nvPr>
+            <p:ph type="sldNum" sz="quarter" idx="12"/>
+          </p:nvPr>
+        </p:nvSpPr>
+        <p:spPr/>
+        <p:txBody>
+          <a:bodyPr/>
+          <a:lstStyle/>
+          <a:p>
+            <a:fld id="{9C11CE39-2868-44A2-A0C6-827D458F7A8B}" type="slidenum">
+              <a:rPr lang="en-IN" smtClean="0"/>
+              <a:pPr/>
+              <a:t>66</a:t>
+            </a:fld>
+            <a:endParaRPr lang="en-IN"/>
+          </a:p>
+        </p:txBody>
+      </p:sp>
     </p:spTree>
     <p:custDataLst>
       <p:tags r:id="rId1"/>
@@ -34980,6 +36499,13 @@
   <p:clrMapOvr>
     <a:masterClrMapping/>
   </p:clrMapOvr>
+  <p:timing>
+    <p:tnLst>
+      <p:par>
+        <p:cTn id="1" dur="indefinite" restart="never" nodeType="tmRoot"/>
+      </p:par>
+    </p:tnLst>
+  </p:timing>
 </p:sld>
 </file>
 
@@ -35249,6 +36775,30 @@
           </a:p>
         </p:txBody>
       </p:sp>
+      <p:sp>
+        <p:nvSpPr>
+          <p:cNvPr id="2" name="Slide Number Placeholder 1"/>
+          <p:cNvSpPr>
+            <a:spLocks noGrp="1"/>
+          </p:cNvSpPr>
+          <p:nvPr>
+            <p:ph type="sldNum" sz="quarter" idx="12"/>
+          </p:nvPr>
+        </p:nvSpPr>
+        <p:spPr/>
+        <p:txBody>
+          <a:bodyPr/>
+          <a:lstStyle/>
+          <a:p>
+            <a:fld id="{9C11CE39-2868-44A2-A0C6-827D458F7A8B}" type="slidenum">
+              <a:rPr lang="en-IN" smtClean="0"/>
+              <a:pPr/>
+              <a:t>67</a:t>
+            </a:fld>
+            <a:endParaRPr lang="en-IN"/>
+          </a:p>
+        </p:txBody>
+      </p:sp>
     </p:spTree>
     <p:custDataLst>
       <p:tags r:id="rId1"/>
@@ -35262,6 +36812,13 @@
   <p:clrMapOvr>
     <a:masterClrMapping/>
   </p:clrMapOvr>
+  <p:timing>
+    <p:tnLst>
+      <p:par>
+        <p:cTn id="1" dur="indefinite" restart="never" nodeType="tmRoot"/>
+      </p:par>
+    </p:tnLst>
+  </p:timing>
 </p:sld>
 </file>
 
@@ -35416,6 +36973,30 @@
           </a:p>
           <a:p>
             <a:endParaRPr lang="en-US" dirty="0"/>
+          </a:p>
+        </p:txBody>
+      </p:sp>
+      <p:sp>
+        <p:nvSpPr>
+          <p:cNvPr id="4" name="Slide Number Placeholder 3"/>
+          <p:cNvSpPr>
+            <a:spLocks noGrp="1"/>
+          </p:cNvSpPr>
+          <p:nvPr>
+            <p:ph type="sldNum" sz="quarter" idx="12"/>
+          </p:nvPr>
+        </p:nvSpPr>
+        <p:spPr/>
+        <p:txBody>
+          <a:bodyPr/>
+          <a:lstStyle/>
+          <a:p>
+            <a:fld id="{9C11CE39-2868-44A2-A0C6-827D458F7A8B}" type="slidenum">
+              <a:rPr lang="en-IN" smtClean="0"/>
+              <a:pPr/>
+              <a:t>68</a:t>
+            </a:fld>
+            <a:endParaRPr lang="en-IN"/>
           </a:p>
         </p:txBody>
       </p:sp>
@@ -35674,6 +37255,30 @@
           </a:p>
         </p:txBody>
       </p:sp>
+      <p:sp>
+        <p:nvSpPr>
+          <p:cNvPr id="4" name="Slide Number Placeholder 3"/>
+          <p:cNvSpPr>
+            <a:spLocks noGrp="1"/>
+          </p:cNvSpPr>
+          <p:nvPr>
+            <p:ph type="sldNum" sz="quarter" idx="12"/>
+          </p:nvPr>
+        </p:nvSpPr>
+        <p:spPr/>
+        <p:txBody>
+          <a:bodyPr/>
+          <a:lstStyle/>
+          <a:p>
+            <a:fld id="{9C11CE39-2868-44A2-A0C6-827D458F7A8B}" type="slidenum">
+              <a:rPr lang="en-IN" smtClean="0"/>
+              <a:pPr/>
+              <a:t>69</a:t>
+            </a:fld>
+            <a:endParaRPr lang="en-IN"/>
+          </a:p>
+        </p:txBody>
+      </p:sp>
     </p:spTree>
     <p:custDataLst>
       <p:tags r:id="rId1"/>
@@ -35783,6 +37388,30 @@
               <a:rPr lang="en-US" sz="2600" dirty="0" smtClean="0"/>
               <a:t>Object-oriented Java technologies—Sockets, threads, RMI, clustering, Web services-- have emerged as leading solutions for creating portable, efficient, and maintainable large and complex Internet applications.</a:t>
             </a:r>
+          </a:p>
+        </p:txBody>
+      </p:sp>
+      <p:sp>
+        <p:nvSpPr>
+          <p:cNvPr id="3" name="Slide Number Placeholder 2"/>
+          <p:cNvSpPr>
+            <a:spLocks noGrp="1"/>
+          </p:cNvSpPr>
+          <p:nvPr>
+            <p:ph type="sldNum" sz="quarter" idx="12"/>
+          </p:nvPr>
+        </p:nvSpPr>
+        <p:spPr/>
+        <p:txBody>
+          <a:bodyPr/>
+          <a:lstStyle/>
+          <a:p>
+            <a:fld id="{9C11CE39-2868-44A2-A0C6-827D458F7A8B}" type="slidenum">
+              <a:rPr lang="en-IN" smtClean="0"/>
+              <a:pPr/>
+              <a:t>7</a:t>
+            </a:fld>
+            <a:endParaRPr lang="en-IN"/>
           </a:p>
         </p:txBody>
       </p:sp>
@@ -35953,6 +37582,30 @@
           </a:p>
         </p:txBody>
       </p:sp>
+      <p:sp>
+        <p:nvSpPr>
+          <p:cNvPr id="2" name="Slide Number Placeholder 1"/>
+          <p:cNvSpPr>
+            <a:spLocks noGrp="1"/>
+          </p:cNvSpPr>
+          <p:nvPr>
+            <p:ph type="sldNum" sz="quarter" idx="12"/>
+          </p:nvPr>
+        </p:nvSpPr>
+        <p:spPr/>
+        <p:txBody>
+          <a:bodyPr/>
+          <a:lstStyle/>
+          <a:p>
+            <a:fld id="{9C11CE39-2868-44A2-A0C6-827D458F7A8B}" type="slidenum">
+              <a:rPr lang="en-IN" smtClean="0"/>
+              <a:pPr/>
+              <a:t>70</a:t>
+            </a:fld>
+            <a:endParaRPr lang="en-IN"/>
+          </a:p>
+        </p:txBody>
+      </p:sp>
     </p:spTree>
     <p:custDataLst>
       <p:tags r:id="rId1"/>
@@ -35966,6 +37619,13 @@
   <p:clrMapOvr>
     <a:masterClrMapping/>
   </p:clrMapOvr>
+  <p:timing>
+    <p:tnLst>
+      <p:par>
+        <p:cTn id="1" dur="indefinite" restart="never" nodeType="tmRoot"/>
+      </p:par>
+    </p:tnLst>
+  </p:timing>
 </p:sld>
 </file>
 
@@ -36075,6 +37735,30 @@
           </a:extLst>
         </p:spPr>
       </p:pic>
+      <p:sp>
+        <p:nvSpPr>
+          <p:cNvPr id="2" name="Slide Number Placeholder 1"/>
+          <p:cNvSpPr>
+            <a:spLocks noGrp="1"/>
+          </p:cNvSpPr>
+          <p:nvPr>
+            <p:ph type="sldNum" sz="quarter" idx="12"/>
+          </p:nvPr>
+        </p:nvSpPr>
+        <p:spPr/>
+        <p:txBody>
+          <a:bodyPr/>
+          <a:lstStyle/>
+          <a:p>
+            <a:fld id="{9C11CE39-2868-44A2-A0C6-827D458F7A8B}" type="slidenum">
+              <a:rPr lang="en-IN" smtClean="0"/>
+              <a:pPr/>
+              <a:t>71</a:t>
+            </a:fld>
+            <a:endParaRPr lang="en-IN"/>
+          </a:p>
+        </p:txBody>
+      </p:sp>
     </p:spTree>
     <p:custDataLst>
       <p:tags r:id="rId1"/>
@@ -36088,6 +37772,13 @@
   <p:clrMapOvr>
     <a:masterClrMapping/>
   </p:clrMapOvr>
+  <p:timing>
+    <p:tnLst>
+      <p:par>
+        <p:cTn id="1" dur="indefinite" restart="never" nodeType="tmRoot"/>
+      </p:par>
+    </p:tnLst>
+  </p:timing>
 </p:sld>
 </file>
 
@@ -36163,6 +37854,30 @@
           </a:p>
         </p:txBody>
       </p:sp>
+      <p:sp>
+        <p:nvSpPr>
+          <p:cNvPr id="4" name="Slide Number Placeholder 3"/>
+          <p:cNvSpPr>
+            <a:spLocks noGrp="1"/>
+          </p:cNvSpPr>
+          <p:nvPr>
+            <p:ph type="sldNum" sz="quarter" idx="12"/>
+          </p:nvPr>
+        </p:nvSpPr>
+        <p:spPr/>
+        <p:txBody>
+          <a:bodyPr/>
+          <a:lstStyle/>
+          <a:p>
+            <a:fld id="{9C11CE39-2868-44A2-A0C6-827D458F7A8B}" type="slidenum">
+              <a:rPr lang="en-IN" smtClean="0"/>
+              <a:pPr/>
+              <a:t>72</a:t>
+            </a:fld>
+            <a:endParaRPr lang="en-IN"/>
+          </a:p>
+        </p:txBody>
+      </p:sp>
     </p:spTree>
     <p:custDataLst>
       <p:tags r:id="rId1"/>
@@ -36176,6 +37891,13 @@
   <p:clrMapOvr>
     <a:masterClrMapping/>
   </p:clrMapOvr>
+  <p:timing>
+    <p:tnLst>
+      <p:par>
+        <p:cTn id="1" dur="indefinite" restart="never" nodeType="tmRoot"/>
+      </p:par>
+    </p:tnLst>
+  </p:timing>
 </p:sld>
 </file>
 
@@ -36554,6 +38276,30 @@
           </a:p>
         </p:txBody>
       </p:sp>
+      <p:sp>
+        <p:nvSpPr>
+          <p:cNvPr id="2" name="Slide Number Placeholder 1"/>
+          <p:cNvSpPr>
+            <a:spLocks noGrp="1"/>
+          </p:cNvSpPr>
+          <p:nvPr>
+            <p:ph type="sldNum" sz="quarter" idx="12"/>
+          </p:nvPr>
+        </p:nvSpPr>
+        <p:spPr/>
+        <p:txBody>
+          <a:bodyPr/>
+          <a:lstStyle/>
+          <a:p>
+            <a:fld id="{9C11CE39-2868-44A2-A0C6-827D458F7A8B}" type="slidenum">
+              <a:rPr lang="en-IN" smtClean="0"/>
+              <a:pPr/>
+              <a:t>73</a:t>
+            </a:fld>
+            <a:endParaRPr lang="en-IN"/>
+          </a:p>
+        </p:txBody>
+      </p:sp>
     </p:spTree>
     <p:custDataLst>
       <p:tags r:id="rId1"/>
@@ -36567,6 +38313,13 @@
   <p:clrMapOvr>
     <a:masterClrMapping/>
   </p:clrMapOvr>
+  <p:timing>
+    <p:tnLst>
+      <p:par>
+        <p:cTn id="1" dur="indefinite" restart="never" nodeType="tmRoot"/>
+      </p:par>
+    </p:tnLst>
+  </p:timing>
 </p:sld>
 </file>
 
@@ -36808,6 +38561,30 @@
           </a:p>
         </p:txBody>
       </p:sp>
+      <p:sp>
+        <p:nvSpPr>
+          <p:cNvPr id="2" name="Slide Number Placeholder 1"/>
+          <p:cNvSpPr>
+            <a:spLocks noGrp="1"/>
+          </p:cNvSpPr>
+          <p:nvPr>
+            <p:ph type="sldNum" sz="quarter" idx="12"/>
+          </p:nvPr>
+        </p:nvSpPr>
+        <p:spPr/>
+        <p:txBody>
+          <a:bodyPr/>
+          <a:lstStyle/>
+          <a:p>
+            <a:fld id="{9C11CE39-2868-44A2-A0C6-827D458F7A8B}" type="slidenum">
+              <a:rPr lang="en-IN" smtClean="0"/>
+              <a:pPr/>
+              <a:t>74</a:t>
+            </a:fld>
+            <a:endParaRPr lang="en-IN"/>
+          </a:p>
+        </p:txBody>
+      </p:sp>
     </p:spTree>
     <p:custDataLst>
       <p:tags r:id="rId1"/>
@@ -36821,6 +38598,13 @@
   <p:clrMapOvr>
     <a:masterClrMapping/>
   </p:clrMapOvr>
+  <p:timing>
+    <p:tnLst>
+      <p:par>
+        <p:cTn id="1" dur="indefinite" restart="never" nodeType="tmRoot"/>
+      </p:par>
+    </p:tnLst>
+  </p:timing>
 </p:sld>
 </file>
 
@@ -37024,6 +38808,30 @@
           </a:p>
         </p:txBody>
       </p:sp>
+      <p:sp>
+        <p:nvSpPr>
+          <p:cNvPr id="2" name="Slide Number Placeholder 1"/>
+          <p:cNvSpPr>
+            <a:spLocks noGrp="1"/>
+          </p:cNvSpPr>
+          <p:nvPr>
+            <p:ph type="sldNum" sz="quarter" idx="12"/>
+          </p:nvPr>
+        </p:nvSpPr>
+        <p:spPr/>
+        <p:txBody>
+          <a:bodyPr/>
+          <a:lstStyle/>
+          <a:p>
+            <a:fld id="{9C11CE39-2868-44A2-A0C6-827D458F7A8B}" type="slidenum">
+              <a:rPr lang="en-IN" smtClean="0"/>
+              <a:pPr/>
+              <a:t>75</a:t>
+            </a:fld>
+            <a:endParaRPr lang="en-IN"/>
+          </a:p>
+        </p:txBody>
+      </p:sp>
     </p:spTree>
     <p:custDataLst>
       <p:tags r:id="rId1"/>
@@ -37037,6 +38845,13 @@
   <p:clrMapOvr>
     <a:masterClrMapping/>
   </p:clrMapOvr>
+  <p:timing>
+    <p:tnLst>
+      <p:par>
+        <p:cTn id="1" dur="indefinite" restart="never" nodeType="tmRoot"/>
+      </p:par>
+    </p:tnLst>
+  </p:timing>
 </p:sld>
 </file>
 
@@ -37189,6 +39004,30 @@
               <a:latin typeface="Courier New" pitchFamily="49" charset="0"/>
               <a:cs typeface="Courier New" pitchFamily="49" charset="0"/>
             </a:endParaRPr>
+          </a:p>
+        </p:txBody>
+      </p:sp>
+      <p:sp>
+        <p:nvSpPr>
+          <p:cNvPr id="2" name="Slide Number Placeholder 1"/>
+          <p:cNvSpPr>
+            <a:spLocks noGrp="1"/>
+          </p:cNvSpPr>
+          <p:nvPr>
+            <p:ph type="sldNum" sz="quarter" idx="12"/>
+          </p:nvPr>
+        </p:nvSpPr>
+        <p:spPr/>
+        <p:txBody>
+          <a:bodyPr/>
+          <a:lstStyle/>
+          <a:p>
+            <a:fld id="{9C11CE39-2868-44A2-A0C6-827D458F7A8B}" type="slidenum">
+              <a:rPr lang="en-IN" smtClean="0"/>
+              <a:pPr/>
+              <a:t>76</a:t>
+            </a:fld>
+            <a:endParaRPr lang="en-IN"/>
           </a:p>
         </p:txBody>
       </p:sp>
@@ -37282,6 +39121,30 @@
           </a:p>
         </p:txBody>
       </p:sp>
+      <p:sp>
+        <p:nvSpPr>
+          <p:cNvPr id="4" name="Slide Number Placeholder 3"/>
+          <p:cNvSpPr>
+            <a:spLocks noGrp="1"/>
+          </p:cNvSpPr>
+          <p:nvPr>
+            <p:ph type="sldNum" sz="quarter" idx="12"/>
+          </p:nvPr>
+        </p:nvSpPr>
+        <p:spPr/>
+        <p:txBody>
+          <a:bodyPr/>
+          <a:lstStyle/>
+          <a:p>
+            <a:fld id="{9C11CE39-2868-44A2-A0C6-827D458F7A8B}" type="slidenum">
+              <a:rPr lang="en-IN" smtClean="0"/>
+              <a:pPr/>
+              <a:t>77</a:t>
+            </a:fld>
+            <a:endParaRPr lang="en-IN"/>
+          </a:p>
+        </p:txBody>
+      </p:sp>
     </p:spTree>
     <p:custDataLst>
       <p:tags r:id="rId1"/>
@@ -37295,6 +39158,13 @@
   <p:clrMapOvr>
     <a:masterClrMapping/>
   </p:clrMapOvr>
+  <p:timing>
+    <p:tnLst>
+      <p:par>
+        <p:cTn id="1" dur="indefinite" restart="never" nodeType="tmRoot"/>
+      </p:par>
+    </p:tnLst>
+  </p:timing>
 </p:sld>
 </file>
 
@@ -38511,6 +40381,30 @@
           </a:graphicData>
         </a:graphic>
       </p:graphicFrame>
+      <p:sp>
+        <p:nvSpPr>
+          <p:cNvPr id="3" name="Slide Number Placeholder 2"/>
+          <p:cNvSpPr>
+            <a:spLocks noGrp="1"/>
+          </p:cNvSpPr>
+          <p:nvPr>
+            <p:ph type="sldNum" sz="quarter" idx="12"/>
+          </p:nvPr>
+        </p:nvSpPr>
+        <p:spPr/>
+        <p:txBody>
+          <a:bodyPr/>
+          <a:lstStyle/>
+          <a:p>
+            <a:fld id="{9C11CE39-2868-44A2-A0C6-827D458F7A8B}" type="slidenum">
+              <a:rPr lang="en-IN" smtClean="0"/>
+              <a:pPr/>
+              <a:t>78</a:t>
+            </a:fld>
+            <a:endParaRPr lang="en-IN"/>
+          </a:p>
+        </p:txBody>
+      </p:sp>
     </p:spTree>
     <p:custDataLst>
       <p:tags r:id="rId1"/>
@@ -38601,6 +40495,30 @@
           </a:p>
         </p:txBody>
       </p:sp>
+      <p:sp>
+        <p:nvSpPr>
+          <p:cNvPr id="4" name="Slide Number Placeholder 3"/>
+          <p:cNvSpPr>
+            <a:spLocks noGrp="1"/>
+          </p:cNvSpPr>
+          <p:nvPr>
+            <p:ph type="sldNum" sz="quarter" idx="12"/>
+          </p:nvPr>
+        </p:nvSpPr>
+        <p:spPr/>
+        <p:txBody>
+          <a:bodyPr/>
+          <a:lstStyle/>
+          <a:p>
+            <a:fld id="{9C11CE39-2868-44A2-A0C6-827D458F7A8B}" type="slidenum">
+              <a:rPr lang="en-IN" smtClean="0"/>
+              <a:pPr/>
+              <a:t>79</a:t>
+            </a:fld>
+            <a:endParaRPr lang="en-IN"/>
+          </a:p>
+        </p:txBody>
+      </p:sp>
     </p:spTree>
     <p:custDataLst>
       <p:tags r:id="rId1"/>
@@ -38614,6 +40532,13 @@
   <p:clrMapOvr>
     <a:masterClrMapping/>
   </p:clrMapOvr>
+  <p:timing>
+    <p:tnLst>
+      <p:par>
+        <p:cTn id="1" dur="indefinite" restart="never" nodeType="tmRoot"/>
+      </p:par>
+    </p:tnLst>
+  </p:timing>
 </p:sld>
 </file>
 
@@ -39710,7 +41635,7 @@
           <a:graphicData uri="http://schemas.openxmlformats.org/presentationml/2006/ole">
             <mc:AlternateContent xmlns:mc="http://schemas.openxmlformats.org/markup-compatibility/2006">
               <mc:Choice xmlns:v="urn:schemas-microsoft-com:vml" Requires="v">
-                <p:oleObj spid="_x0000_s2240" name="Microsoft ClipArt Gallery" r:id="rId4" imgW="4183063" imgH="3216275" progId="MS_ClipArt_Gallery">
+                <p:oleObj spid="_x0000_s2246" name="Microsoft ClipArt Gallery" r:id="rId4" imgW="4183063" imgH="3216275" progId="MS_ClipArt_Gallery">
                   <p:embed/>
                 </p:oleObj>
               </mc:Choice>
@@ -39809,7 +41734,7 @@
           <a:graphicData uri="http://schemas.openxmlformats.org/presentationml/2006/ole">
             <mc:AlternateContent xmlns:mc="http://schemas.openxmlformats.org/markup-compatibility/2006">
               <mc:Choice xmlns:v="urn:schemas-microsoft-com:vml" Requires="v">
-                <p:oleObj spid="_x0000_s2241" name="Microsoft ClipArt Gallery" r:id="rId6" imgW="4006850" imgH="3192463" progId="MS_ClipArt_Gallery">
+                <p:oleObj spid="_x0000_s2247" name="Microsoft ClipArt Gallery" r:id="rId6" imgW="4006850" imgH="3192463" progId="MS_ClipArt_Gallery">
                   <p:embed/>
                 </p:oleObj>
               </mc:Choice>
@@ -40170,6 +42095,30 @@
           </a:p>
         </p:txBody>
       </p:sp>
+      <p:sp>
+        <p:nvSpPr>
+          <p:cNvPr id="3" name="Slide Number Placeholder 2"/>
+          <p:cNvSpPr>
+            <a:spLocks noGrp="1"/>
+          </p:cNvSpPr>
+          <p:nvPr>
+            <p:ph type="sldNum" sz="quarter" idx="12"/>
+          </p:nvPr>
+        </p:nvSpPr>
+        <p:spPr/>
+        <p:txBody>
+          <a:bodyPr/>
+          <a:lstStyle/>
+          <a:p>
+            <a:fld id="{9C11CE39-2868-44A2-A0C6-827D458F7A8B}" type="slidenum">
+              <a:rPr lang="en-IN" smtClean="0"/>
+              <a:pPr/>
+              <a:t>8</a:t>
+            </a:fld>
+            <a:endParaRPr lang="en-IN"/>
+          </a:p>
+        </p:txBody>
+      </p:sp>
     </p:spTree>
     <p:custDataLst>
       <p:tags r:id="rId2"/>
@@ -40266,6 +42215,30 @@
           </a:p>
           <a:p>
             <a:endParaRPr lang="en-US" dirty="0"/>
+          </a:p>
+        </p:txBody>
+      </p:sp>
+      <p:sp>
+        <p:nvSpPr>
+          <p:cNvPr id="4" name="Slide Number Placeholder 3"/>
+          <p:cNvSpPr>
+            <a:spLocks noGrp="1"/>
+          </p:cNvSpPr>
+          <p:nvPr>
+            <p:ph type="sldNum" sz="quarter" idx="12"/>
+          </p:nvPr>
+        </p:nvSpPr>
+        <p:spPr/>
+        <p:txBody>
+          <a:bodyPr/>
+          <a:lstStyle/>
+          <a:p>
+            <a:fld id="{9C11CE39-2868-44A2-A0C6-827D458F7A8B}" type="slidenum">
+              <a:rPr lang="en-IN" smtClean="0"/>
+              <a:pPr/>
+              <a:t>80</a:t>
+            </a:fld>
+            <a:endParaRPr lang="en-IN"/>
           </a:p>
         </p:txBody>
       </p:sp>
@@ -40581,6 +42554,30 @@
           </a:p>
         </p:txBody>
       </p:sp>
+      <p:sp>
+        <p:nvSpPr>
+          <p:cNvPr id="4" name="Slide Number Placeholder 3"/>
+          <p:cNvSpPr>
+            <a:spLocks noGrp="1"/>
+          </p:cNvSpPr>
+          <p:nvPr>
+            <p:ph type="sldNum" sz="quarter" idx="12"/>
+          </p:nvPr>
+        </p:nvSpPr>
+        <p:spPr/>
+        <p:txBody>
+          <a:bodyPr/>
+          <a:lstStyle/>
+          <a:p>
+            <a:fld id="{9C11CE39-2868-44A2-A0C6-827D458F7A8B}" type="slidenum">
+              <a:rPr lang="en-IN" smtClean="0"/>
+              <a:pPr/>
+              <a:t>81</a:t>
+            </a:fld>
+            <a:endParaRPr lang="en-IN"/>
+          </a:p>
+        </p:txBody>
+      </p:sp>
     </p:spTree>
     <p:custDataLst>
       <p:tags r:id="rId1"/>
@@ -40594,6 +42591,13 @@
   <p:clrMapOvr>
     <a:masterClrMapping/>
   </p:clrMapOvr>
+  <p:timing>
+    <p:tnLst>
+      <p:par>
+        <p:cTn id="1" dur="indefinite" restart="never" nodeType="tmRoot"/>
+      </p:par>
+    </p:tnLst>
+  </p:timing>
 </p:sld>
 </file>
 
@@ -40777,6 +42781,30 @@
           </a:p>
         </p:txBody>
       </p:sp>
+      <p:sp>
+        <p:nvSpPr>
+          <p:cNvPr id="4" name="Slide Number Placeholder 3"/>
+          <p:cNvSpPr>
+            <a:spLocks noGrp="1"/>
+          </p:cNvSpPr>
+          <p:nvPr>
+            <p:ph type="sldNum" sz="quarter" idx="12"/>
+          </p:nvPr>
+        </p:nvSpPr>
+        <p:spPr/>
+        <p:txBody>
+          <a:bodyPr/>
+          <a:lstStyle/>
+          <a:p>
+            <a:fld id="{9C11CE39-2868-44A2-A0C6-827D458F7A8B}" type="slidenum">
+              <a:rPr lang="en-IN" smtClean="0"/>
+              <a:pPr/>
+              <a:t>82</a:t>
+            </a:fld>
+            <a:endParaRPr lang="en-IN"/>
+          </a:p>
+        </p:txBody>
+      </p:sp>
     </p:spTree>
     <p:custDataLst>
       <p:tags r:id="rId1"/>
@@ -40790,6 +42818,13 @@
   <p:clrMapOvr>
     <a:masterClrMapping/>
   </p:clrMapOvr>
+  <p:timing>
+    <p:tnLst>
+      <p:par>
+        <p:cTn id="1" dur="indefinite" restart="never" nodeType="tmRoot"/>
+      </p:par>
+    </p:tnLst>
+  </p:timing>
 </p:sld>
 </file>
 
@@ -40959,6 +42994,30 @@
           </a:p>
         </p:txBody>
       </p:sp>
+      <p:sp>
+        <p:nvSpPr>
+          <p:cNvPr id="4" name="Slide Number Placeholder 3"/>
+          <p:cNvSpPr>
+            <a:spLocks noGrp="1"/>
+          </p:cNvSpPr>
+          <p:nvPr>
+            <p:ph type="sldNum" sz="quarter" idx="12"/>
+          </p:nvPr>
+        </p:nvSpPr>
+        <p:spPr/>
+        <p:txBody>
+          <a:bodyPr/>
+          <a:lstStyle/>
+          <a:p>
+            <a:fld id="{9C11CE39-2868-44A2-A0C6-827D458F7A8B}" type="slidenum">
+              <a:rPr lang="en-IN" smtClean="0"/>
+              <a:pPr/>
+              <a:t>83</a:t>
+            </a:fld>
+            <a:endParaRPr lang="en-IN"/>
+          </a:p>
+        </p:txBody>
+      </p:sp>
     </p:spTree>
     <p:custDataLst>
       <p:tags r:id="rId1"/>
@@ -40972,6 +43031,13 @@
   <p:clrMapOvr>
     <a:masterClrMapping/>
   </p:clrMapOvr>
+  <p:timing>
+    <p:tnLst>
+      <p:par>
+        <p:cTn id="1" dur="indefinite" restart="never" nodeType="tmRoot"/>
+      </p:par>
+    </p:tnLst>
+  </p:timing>
 </p:sld>
 </file>
 
@@ -41149,6 +43215,30 @@
           </a:p>
         </p:txBody>
       </p:sp>
+      <p:sp>
+        <p:nvSpPr>
+          <p:cNvPr id="4" name="Slide Number Placeholder 3"/>
+          <p:cNvSpPr>
+            <a:spLocks noGrp="1"/>
+          </p:cNvSpPr>
+          <p:nvPr>
+            <p:ph type="sldNum" sz="quarter" idx="12"/>
+          </p:nvPr>
+        </p:nvSpPr>
+        <p:spPr/>
+        <p:txBody>
+          <a:bodyPr/>
+          <a:lstStyle/>
+          <a:p>
+            <a:fld id="{9C11CE39-2868-44A2-A0C6-827D458F7A8B}" type="slidenum">
+              <a:rPr lang="en-IN" smtClean="0"/>
+              <a:pPr/>
+              <a:t>84</a:t>
+            </a:fld>
+            <a:endParaRPr lang="en-IN"/>
+          </a:p>
+        </p:txBody>
+      </p:sp>
     </p:spTree>
     <p:custDataLst>
       <p:tags r:id="rId1"/>
@@ -41162,6 +43252,13 @@
   <p:clrMapOvr>
     <a:masterClrMapping/>
   </p:clrMapOvr>
+  <p:timing>
+    <p:tnLst>
+      <p:par>
+        <p:cTn id="1" dur="indefinite" restart="never" nodeType="tmRoot"/>
+      </p:par>
+    </p:tnLst>
+  </p:timing>
 </p:sld>
 </file>
 
@@ -41366,6 +43463,30 @@
           </a:p>
         </p:txBody>
       </p:sp>
+      <p:sp>
+        <p:nvSpPr>
+          <p:cNvPr id="4" name="Slide Number Placeholder 3"/>
+          <p:cNvSpPr>
+            <a:spLocks noGrp="1"/>
+          </p:cNvSpPr>
+          <p:nvPr>
+            <p:ph type="sldNum" sz="quarter" idx="12"/>
+          </p:nvPr>
+        </p:nvSpPr>
+        <p:spPr/>
+        <p:txBody>
+          <a:bodyPr/>
+          <a:lstStyle/>
+          <a:p>
+            <a:fld id="{9C11CE39-2868-44A2-A0C6-827D458F7A8B}" type="slidenum">
+              <a:rPr lang="en-IN" smtClean="0"/>
+              <a:pPr/>
+              <a:t>85</a:t>
+            </a:fld>
+            <a:endParaRPr lang="en-IN"/>
+          </a:p>
+        </p:txBody>
+      </p:sp>
     </p:spTree>
     <p:custDataLst>
       <p:tags r:id="rId1"/>
@@ -41379,6 +43500,13 @@
   <p:clrMapOvr>
     <a:masterClrMapping/>
   </p:clrMapOvr>
+  <p:timing>
+    <p:tnLst>
+      <p:par>
+        <p:cTn id="1" dur="indefinite" restart="never" nodeType="tmRoot"/>
+      </p:par>
+    </p:tnLst>
+  </p:timing>
 </p:sld>
 </file>
 
@@ -41606,6 +43734,30 @@
           </a:p>
         </p:txBody>
       </p:sp>
+      <p:sp>
+        <p:nvSpPr>
+          <p:cNvPr id="4" name="Slide Number Placeholder 3"/>
+          <p:cNvSpPr>
+            <a:spLocks noGrp="1"/>
+          </p:cNvSpPr>
+          <p:nvPr>
+            <p:ph type="sldNum" sz="quarter" idx="12"/>
+          </p:nvPr>
+        </p:nvSpPr>
+        <p:spPr/>
+        <p:txBody>
+          <a:bodyPr/>
+          <a:lstStyle/>
+          <a:p>
+            <a:fld id="{9C11CE39-2868-44A2-A0C6-827D458F7A8B}" type="slidenum">
+              <a:rPr lang="en-IN" smtClean="0"/>
+              <a:pPr/>
+              <a:t>86</a:t>
+            </a:fld>
+            <a:endParaRPr lang="en-IN"/>
+          </a:p>
+        </p:txBody>
+      </p:sp>
     </p:spTree>
     <p:custDataLst>
       <p:tags r:id="rId1"/>
@@ -41619,6 +43771,13 @@
   <p:clrMapOvr>
     <a:masterClrMapping/>
   </p:clrMapOvr>
+  <p:timing>
+    <p:tnLst>
+      <p:par>
+        <p:cTn id="1" dur="indefinite" restart="never" nodeType="tmRoot"/>
+      </p:par>
+    </p:tnLst>
+  </p:timing>
 </p:sld>
 </file>
 
@@ -41897,20 +44056,38 @@
               <a:buNone/>
             </a:pPr>
             <a:r>
-              <a:rPr lang="en-US" dirty="0"/>
+              <a:rPr lang="en-US"/>
               <a:t>    </a:t>
             </a:r>
             <a:r>
-              <a:rPr lang="en-US" dirty="0" smtClean="0"/>
+              <a:rPr lang="en-US" smtClean="0"/>
               <a:t>}</a:t>
             </a:r>
             <a:endParaRPr lang="en-US" dirty="0"/>
           </a:p>
-          <a:p>
-            <a:pPr marL="0" indent="0">
-              <a:buNone/>
-            </a:pPr>
-            <a:endParaRPr lang="en-US" dirty="0"/>
+        </p:txBody>
+      </p:sp>
+      <p:sp>
+        <p:nvSpPr>
+          <p:cNvPr id="4" name="Slide Number Placeholder 3"/>
+          <p:cNvSpPr>
+            <a:spLocks noGrp="1"/>
+          </p:cNvSpPr>
+          <p:nvPr>
+            <p:ph type="sldNum" sz="quarter" idx="12"/>
+          </p:nvPr>
+        </p:nvSpPr>
+        <p:spPr/>
+        <p:txBody>
+          <a:bodyPr/>
+          <a:lstStyle/>
+          <a:p>
+            <a:fld id="{9C11CE39-2868-44A2-A0C6-827D458F7A8B}" type="slidenum">
+              <a:rPr lang="en-IN" smtClean="0"/>
+              <a:pPr/>
+              <a:t>87</a:t>
+            </a:fld>
+            <a:endParaRPr lang="en-IN"/>
           </a:p>
         </p:txBody>
       </p:sp>
@@ -41927,6 +44104,13 @@
   <p:clrMapOvr>
     <a:masterClrMapping/>
   </p:clrMapOvr>
+  <p:timing>
+    <p:tnLst>
+      <p:par>
+        <p:cTn id="1" dur="indefinite" restart="never" nodeType="tmRoot"/>
+      </p:par>
+    </p:tnLst>
+  </p:timing>
 </p:sld>
 </file>
 
@@ -42155,6 +44339,30 @@
           </a:p>
         </p:txBody>
       </p:sp>
+      <p:sp>
+        <p:nvSpPr>
+          <p:cNvPr id="4" name="Slide Number Placeholder 3"/>
+          <p:cNvSpPr>
+            <a:spLocks noGrp="1"/>
+          </p:cNvSpPr>
+          <p:nvPr>
+            <p:ph type="sldNum" sz="quarter" idx="12"/>
+          </p:nvPr>
+        </p:nvSpPr>
+        <p:spPr/>
+        <p:txBody>
+          <a:bodyPr/>
+          <a:lstStyle/>
+          <a:p>
+            <a:fld id="{9C11CE39-2868-44A2-A0C6-827D458F7A8B}" type="slidenum">
+              <a:rPr lang="en-IN" smtClean="0"/>
+              <a:pPr/>
+              <a:t>88</a:t>
+            </a:fld>
+            <a:endParaRPr lang="en-IN"/>
+          </a:p>
+        </p:txBody>
+      </p:sp>
     </p:spTree>
     <p:custDataLst>
       <p:tags r:id="rId1"/>
@@ -42168,6 +44376,13 @@
   <p:clrMapOvr>
     <a:masterClrMapping/>
   </p:clrMapOvr>
+  <p:timing>
+    <p:tnLst>
+      <p:par>
+        <p:cTn id="1" dur="indefinite" restart="never" nodeType="tmRoot"/>
+      </p:par>
+    </p:tnLst>
+  </p:timing>
 </p:sld>
 </file>
 
@@ -42373,6 +44588,30 @@
           </a:p>
         </p:txBody>
       </p:sp>
+      <p:sp>
+        <p:nvSpPr>
+          <p:cNvPr id="4" name="Slide Number Placeholder 3"/>
+          <p:cNvSpPr>
+            <a:spLocks noGrp="1"/>
+          </p:cNvSpPr>
+          <p:nvPr>
+            <p:ph type="sldNum" sz="quarter" idx="12"/>
+          </p:nvPr>
+        </p:nvSpPr>
+        <p:spPr/>
+        <p:txBody>
+          <a:bodyPr/>
+          <a:lstStyle/>
+          <a:p>
+            <a:fld id="{9C11CE39-2868-44A2-A0C6-827D458F7A8B}" type="slidenum">
+              <a:rPr lang="en-IN" smtClean="0"/>
+              <a:pPr/>
+              <a:t>89</a:t>
+            </a:fld>
+            <a:endParaRPr lang="en-IN"/>
+          </a:p>
+        </p:txBody>
+      </p:sp>
     </p:spTree>
     <p:custDataLst>
       <p:tags r:id="rId1"/>
@@ -42386,6 +44625,13 @@
   <p:clrMapOvr>
     <a:masterClrMapping/>
   </p:clrMapOvr>
+  <p:timing>
+    <p:tnLst>
+      <p:par>
+        <p:cTn id="1" dur="indefinite" restart="never" nodeType="tmRoot"/>
+      </p:par>
+    </p:tnLst>
+  </p:timing>
 </p:sld>
 </file>
 
@@ -42510,6 +44756,30 @@
           </a:extLst>
         </p:spPr>
       </p:pic>
+      <p:sp>
+        <p:nvSpPr>
+          <p:cNvPr id="5" name="Slide Number Placeholder 4"/>
+          <p:cNvSpPr>
+            <a:spLocks noGrp="1"/>
+          </p:cNvSpPr>
+          <p:nvPr>
+            <p:ph type="sldNum" sz="quarter" idx="12"/>
+          </p:nvPr>
+        </p:nvSpPr>
+        <p:spPr/>
+        <p:txBody>
+          <a:bodyPr/>
+          <a:lstStyle/>
+          <a:p>
+            <a:fld id="{9C11CE39-2868-44A2-A0C6-827D458F7A8B}" type="slidenum">
+              <a:rPr lang="en-IN" smtClean="0"/>
+              <a:pPr/>
+              <a:t>9</a:t>
+            </a:fld>
+            <a:endParaRPr lang="en-IN"/>
+          </a:p>
+        </p:txBody>
+      </p:sp>
     </p:spTree>
     <p:custDataLst>
       <p:tags r:id="rId1"/>
@@ -42755,6 +45025,30 @@
           </a:p>
         </p:txBody>
       </p:sp>
+      <p:sp>
+        <p:nvSpPr>
+          <p:cNvPr id="4" name="Slide Number Placeholder 3"/>
+          <p:cNvSpPr>
+            <a:spLocks noGrp="1"/>
+          </p:cNvSpPr>
+          <p:nvPr>
+            <p:ph type="sldNum" sz="quarter" idx="12"/>
+          </p:nvPr>
+        </p:nvSpPr>
+        <p:spPr/>
+        <p:txBody>
+          <a:bodyPr/>
+          <a:lstStyle/>
+          <a:p>
+            <a:fld id="{9C11CE39-2868-44A2-A0C6-827D458F7A8B}" type="slidenum">
+              <a:rPr lang="en-IN" smtClean="0"/>
+              <a:pPr/>
+              <a:t>90</a:t>
+            </a:fld>
+            <a:endParaRPr lang="en-IN"/>
+          </a:p>
+        </p:txBody>
+      </p:sp>
     </p:spTree>
     <p:custDataLst>
       <p:tags r:id="rId1"/>
@@ -42768,6 +45062,13 @@
   <p:clrMapOvr>
     <a:masterClrMapping/>
   </p:clrMapOvr>
+  <p:timing>
+    <p:tnLst>
+      <p:par>
+        <p:cTn id="1" dur="indefinite" restart="never" nodeType="tmRoot"/>
+      </p:par>
+    </p:tnLst>
+  </p:timing>
 </p:sld>
 </file>
 
@@ -42951,11 +45252,7 @@
             </a:r>
             <a:r>
               <a:rPr lang="en-US" dirty="0" smtClean="0"/>
-              <a:t>); } </a:t>
-            </a:r>
-            <a:r>
-              <a:rPr lang="en-US" dirty="0" smtClean="0"/>
-              <a:t>}</a:t>
+              <a:t>); } }</a:t>
             </a:r>
             <a:endParaRPr lang="en-US" dirty="0"/>
           </a:p>
@@ -43037,6 +45334,30 @@
               <a:buNone/>
             </a:pPr>
             <a:endParaRPr lang="en-US" dirty="0"/>
+          </a:p>
+        </p:txBody>
+      </p:sp>
+      <p:sp>
+        <p:nvSpPr>
+          <p:cNvPr id="4" name="Slide Number Placeholder 3"/>
+          <p:cNvSpPr>
+            <a:spLocks noGrp="1"/>
+          </p:cNvSpPr>
+          <p:nvPr>
+            <p:ph type="sldNum" sz="quarter" idx="12"/>
+          </p:nvPr>
+        </p:nvSpPr>
+        <p:spPr/>
+        <p:txBody>
+          <a:bodyPr/>
+          <a:lstStyle/>
+          <a:p>
+            <a:fld id="{9C11CE39-2868-44A2-A0C6-827D458F7A8B}" type="slidenum">
+              <a:rPr lang="en-IN" smtClean="0"/>
+              <a:pPr/>
+              <a:t>91</a:t>
+            </a:fld>
+            <a:endParaRPr lang="en-IN"/>
           </a:p>
         </p:txBody>
       </p:sp>
@@ -43053,14 +45374,21 @@
   <p:clrMapOvr>
     <a:masterClrMapping/>
   </p:clrMapOvr>
+  <p:timing>
+    <p:tnLst>
+      <p:par>
+        <p:cTn id="1" dur="indefinite" restart="never" nodeType="tmRoot"/>
+      </p:par>
+    </p:tnLst>
+  </p:timing>
 </p:sld>
 </file>
 
 <file path=ppt/tags/tag1.xml><?xml version="1.0" encoding="utf-8"?>
 <p:tagLst xmlns:a="http://schemas.openxmlformats.org/drawingml/2006/main" xmlns:r="http://schemas.openxmlformats.org/officeDocument/2006/relationships" xmlns:p="http://schemas.openxmlformats.org/presentationml/2006/main">
   <p:tag name="ARTICULATE_DESIGN_ID_NETWORKING" val="WXnQ0qm0"/>
+  <p:tag name="ARTICULATE_SLIDE_COUNT" val="91"/>
   <p:tag name="ARTICULATE_PROJECT_OPEN" val="0"/>
-  <p:tag name="ARTICULATE_SLIDE_COUNT" val="91"/>
 </p:tagLst>
 </file>
 
@@ -43901,7 +46229,7 @@
   <a:extraClrSchemeLst/>
   <a:extLst>
     <a:ext uri="{05A4C25C-085E-4340-85A3-A5531E510DB2}">
-      <thm15:themeFamily xmlns="" xmlns:thm15="http://schemas.microsoft.com/office/thememl/2012/main" name="Frame" id="{F226E7A2-7162-461C-9490-D27D9DC04E43}" vid="{629A0216-3BBD-45C0-B63F-2683BEA18F60}"/>
+      <thm15:themeFamily xmlns:thm15="http://schemas.microsoft.com/office/thememl/2012/main" xmlns="" name="Frame" id="{F226E7A2-7162-461C-9490-D27D9DC04E43}" vid="{629A0216-3BBD-45C0-B63F-2683BEA18F60}"/>
     </a:ext>
   </a:extLst>
 </a:theme>
